--- a/기말과제.pptx
+++ b/기말과제.pptx
@@ -148,6 +148,7 @@
 <file path=ppt/revisionInfo.xml><?xml version="1.0" encoding="utf-8"?>
 <p1510:revInfo xmlns:a="http://schemas.openxmlformats.org/drawingml/2006/main" xmlns:r="http://schemas.openxmlformats.org/officeDocument/2006/relationships" xmlns:p1510="http://schemas.microsoft.com/office/powerpoint/2015/10/main">
   <p1510:revLst>
+    <p1510:client id="{5D914AD7-9230-47CE-8F52-5A96260F97A5}" v="3" dt="2022-11-07T04:54:49.195"/>
     <p1510:client id="{FA779DA8-FCDD-4524-96B8-6B2ADE6589CB}" v="101" dt="2022-11-07T04:42:01.022"/>
   </p1510:revLst>
 </p1510:revInfo>
@@ -656,6 +657,30 @@
           <pc:docMk/>
           <pc:sldMk cId="4070689933" sldId="299"/>
         </pc:sldMkLst>
+      </pc:sldChg>
+    </pc:docChg>
+  </pc:docChgLst>
+  <pc:docChgLst>
+    <pc:chgData name="yoon xihyeon" userId="b03689a23d6da60b" providerId="LiveId" clId="{5D914AD7-9230-47CE-8F52-5A96260F97A5}"/>
+    <pc:docChg chg="modSld">
+      <pc:chgData name="yoon xihyeon" userId="b03689a23d6da60b" providerId="LiveId" clId="{5D914AD7-9230-47CE-8F52-5A96260F97A5}" dt="2022-11-07T04:54:49.195" v="17"/>
+      <pc:docMkLst>
+        <pc:docMk/>
+      </pc:docMkLst>
+      <pc:sldChg chg="modSp mod">
+        <pc:chgData name="yoon xihyeon" userId="b03689a23d6da60b" providerId="LiveId" clId="{5D914AD7-9230-47CE-8F52-5A96260F97A5}" dt="2022-11-07T04:54:49.195" v="17"/>
+        <pc:sldMkLst>
+          <pc:docMk/>
+          <pc:sldMk cId="1034208025" sldId="281"/>
+        </pc:sldMkLst>
+        <pc:spChg chg="mod">
+          <ac:chgData name="yoon xihyeon" userId="b03689a23d6da60b" providerId="LiveId" clId="{5D914AD7-9230-47CE-8F52-5A96260F97A5}" dt="2022-11-07T04:54:49.195" v="17"/>
+          <ac:spMkLst>
+            <pc:docMk/>
+            <pc:sldMk cId="1034208025" sldId="281"/>
+            <ac:spMk id="14" creationId="{4602FD0B-2018-4853-AF61-F901FE68377A}"/>
+          </ac:spMkLst>
+        </pc:spChg>
       </pc:sldChg>
     </pc:docChg>
   </pc:docChgLst>
@@ -20614,8 +20639,8 @@
         </p:nvSpPr>
         <p:spPr>
           <a:xfrm>
-            <a:off x="5164928" y="2806249"/>
-            <a:ext cx="1832553" cy="338554"/>
+            <a:off x="4231180" y="2806249"/>
+            <a:ext cx="3700052" cy="338554"/>
           </a:xfrm>
           <a:prstGeom prst="rect">
             <a:avLst/>
@@ -20630,13 +20655,50 @@
           <a:p>
             <a:pPr algn="ctr"/>
             <a:r>
-              <a:rPr lang="ko-KR" altLang="en-US" sz="1600" dirty="0">
+              <a:rPr lang="ko-KR" altLang="en-US" sz="1600">
                 <a:solidFill>
                   <a:schemeClr val="bg1"/>
                 </a:solidFill>
               </a:rPr>
-              <a:t>내용을 입력하세요</a:t>
-            </a:r>
+              <a:t>내용을 입력우민ㅇㄹ</a:t>
+            </a:r>
+            <a:r>
+              <a:rPr lang="en-US" altLang="ko-KR" sz="1600">
+                <a:solidFill>
+                  <a:schemeClr val="bg1"/>
+                </a:solidFill>
+              </a:rPr>
+              <a:t>;</a:t>
+            </a:r>
+            <a:r>
+              <a:rPr lang="ko-KR" altLang="en-US" sz="1600">
+                <a:solidFill>
+                  <a:schemeClr val="bg1"/>
+                </a:solidFill>
+              </a:rPr>
+              <a:t>ㅏㅓ</a:t>
+            </a:r>
+            <a:r>
+              <a:rPr lang="en-US" altLang="ko-KR" sz="1600">
+                <a:solidFill>
+                  <a:schemeClr val="bg1"/>
+                </a:solidFill>
+              </a:rPr>
+              <a:t>;</a:t>
+            </a:r>
+            <a:r>
+              <a:rPr lang="ko-KR" altLang="en-US" sz="1600">
+                <a:solidFill>
+                  <a:schemeClr val="bg1"/>
+                </a:solidFill>
+              </a:rPr>
+              <a:t>ㅣㅏㅁ하세요</a:t>
+            </a:r>
+            <a:endParaRPr lang="ko-KR" altLang="en-US" sz="1600" dirty="0">
+              <a:solidFill>
+                <a:schemeClr val="bg1"/>
+              </a:solidFill>
+            </a:endParaRPr>
           </a:p>
         </p:txBody>
       </p:sp>

--- a/기말과제.pptx
+++ b/기말과제.pptx
@@ -148,8 +148,7 @@
 <file path=ppt/revisionInfo.xml><?xml version="1.0" encoding="utf-8"?>
 <p1510:revInfo xmlns:a="http://schemas.openxmlformats.org/drawingml/2006/main" xmlns:r="http://schemas.openxmlformats.org/officeDocument/2006/relationships" xmlns:p1510="http://schemas.microsoft.com/office/powerpoint/2015/10/main">
   <p1510:revLst>
-    <p1510:client id="{5D914AD7-9230-47CE-8F52-5A96260F97A5}" v="3" dt="2022-11-07T04:54:49.195"/>
-    <p1510:client id="{FA779DA8-FCDD-4524-96B8-6B2ADE6589CB}" v="101" dt="2022-11-07T04:42:01.022"/>
+    <p1510:client id="{5D914AD7-9230-47CE-8F52-5A96260F97A5}" v="22" dt="2022-11-14T03:53:16.383"/>
   </p1510:revLst>
 </p1510:revInfo>
 </file>
@@ -662,23 +661,131 @@
   </pc:docChgLst>
   <pc:docChgLst>
     <pc:chgData name="yoon xihyeon" userId="b03689a23d6da60b" providerId="LiveId" clId="{5D914AD7-9230-47CE-8F52-5A96260F97A5}"/>
-    <pc:docChg chg="modSld">
-      <pc:chgData name="yoon xihyeon" userId="b03689a23d6da60b" providerId="LiveId" clId="{5D914AD7-9230-47CE-8F52-5A96260F97A5}" dt="2022-11-07T04:54:49.195" v="17"/>
+    <pc:docChg chg="custSel modSld">
+      <pc:chgData name="yoon xihyeon" userId="b03689a23d6da60b" providerId="LiveId" clId="{5D914AD7-9230-47CE-8F52-5A96260F97A5}" dt="2022-11-14T03:56:03.975" v="289" actId="403"/>
       <pc:docMkLst>
         <pc:docMk/>
       </pc:docMkLst>
       <pc:sldChg chg="modSp mod">
-        <pc:chgData name="yoon xihyeon" userId="b03689a23d6da60b" providerId="LiveId" clId="{5D914AD7-9230-47CE-8F52-5A96260F97A5}" dt="2022-11-07T04:54:49.195" v="17"/>
+        <pc:chgData name="yoon xihyeon" userId="b03689a23d6da60b" providerId="LiveId" clId="{5D914AD7-9230-47CE-8F52-5A96260F97A5}" dt="2022-11-14T03:46:03.862" v="102" actId="34135"/>
+        <pc:sldMkLst>
+          <pc:docMk/>
+          <pc:sldMk cId="363924761" sldId="270"/>
+        </pc:sldMkLst>
+        <pc:spChg chg="mod">
+          <ac:chgData name="yoon xihyeon" userId="b03689a23d6da60b" providerId="LiveId" clId="{5D914AD7-9230-47CE-8F52-5A96260F97A5}" dt="2022-11-14T03:46:03.862" v="102" actId="34135"/>
+          <ac:spMkLst>
+            <pc:docMk/>
+            <pc:sldMk cId="363924761" sldId="270"/>
+            <ac:spMk id="7" creationId="{DFE1CF8F-0A04-2451-73A3-AE1B007F9A9E}"/>
+          </ac:spMkLst>
+        </pc:spChg>
+      </pc:sldChg>
+      <pc:sldChg chg="modSp mod">
+        <pc:chgData name="yoon xihyeon" userId="b03689a23d6da60b" providerId="LiveId" clId="{5D914AD7-9230-47CE-8F52-5A96260F97A5}" dt="2022-11-14T03:46:42.780" v="162"/>
+        <pc:sldMkLst>
+          <pc:docMk/>
+          <pc:sldMk cId="740605315" sldId="274"/>
+        </pc:sldMkLst>
+        <pc:spChg chg="mod">
+          <ac:chgData name="yoon xihyeon" userId="b03689a23d6da60b" providerId="LiveId" clId="{5D914AD7-9230-47CE-8F52-5A96260F97A5}" dt="2022-11-14T03:46:42.780" v="162"/>
+          <ac:spMkLst>
+            <pc:docMk/>
+            <pc:sldMk cId="740605315" sldId="274"/>
+            <ac:spMk id="4" creationId="{1EF51587-4B82-43A7-8A06-3BA5E76F90F4}"/>
+          </ac:spMkLst>
+        </pc:spChg>
+      </pc:sldChg>
+      <pc:sldChg chg="delSp modSp mod">
+        <pc:chgData name="yoon xihyeon" userId="b03689a23d6da60b" providerId="LiveId" clId="{5D914AD7-9230-47CE-8F52-5A96260F97A5}" dt="2022-11-14T03:55:27.337" v="282"/>
         <pc:sldMkLst>
           <pc:docMk/>
           <pc:sldMk cId="1034208025" sldId="281"/>
         </pc:sldMkLst>
         <pc:spChg chg="mod">
-          <ac:chgData name="yoon xihyeon" userId="b03689a23d6da60b" providerId="LiveId" clId="{5D914AD7-9230-47CE-8F52-5A96260F97A5}" dt="2022-11-07T04:54:49.195" v="17"/>
+          <ac:chgData name="yoon xihyeon" userId="b03689a23d6da60b" providerId="LiveId" clId="{5D914AD7-9230-47CE-8F52-5A96260F97A5}" dt="2022-11-14T03:52:33.068" v="194" actId="2711"/>
+          <ac:spMkLst>
+            <pc:docMk/>
+            <pc:sldMk cId="1034208025" sldId="281"/>
+            <ac:spMk id="9" creationId="{7FFA9BC9-96FB-4B17-AF51-48D81692F2D7}"/>
+          </ac:spMkLst>
+        </pc:spChg>
+        <pc:spChg chg="mod">
+          <ac:chgData name="yoon xihyeon" userId="b03689a23d6da60b" providerId="LiveId" clId="{5D914AD7-9230-47CE-8F52-5A96260F97A5}" dt="2022-11-14T03:55:27.337" v="282"/>
           <ac:spMkLst>
             <pc:docMk/>
             <pc:sldMk cId="1034208025" sldId="281"/>
             <ac:spMk id="14" creationId="{4602FD0B-2018-4853-AF61-F901FE68377A}"/>
+          </ac:spMkLst>
+        </pc:spChg>
+        <pc:spChg chg="del">
+          <ac:chgData name="yoon xihyeon" userId="b03689a23d6da60b" providerId="LiveId" clId="{5D914AD7-9230-47CE-8F52-5A96260F97A5}" dt="2022-11-14T03:54:54.021" v="274" actId="478"/>
+          <ac:spMkLst>
+            <pc:docMk/>
+            <pc:sldMk cId="1034208025" sldId="281"/>
+            <ac:spMk id="17" creationId="{7B5EB940-669A-4CFC-992B-7ECA0318A204}"/>
+          </ac:spMkLst>
+        </pc:spChg>
+        <pc:spChg chg="del">
+          <ac:chgData name="yoon xihyeon" userId="b03689a23d6da60b" providerId="LiveId" clId="{5D914AD7-9230-47CE-8F52-5A96260F97A5}" dt="2022-11-14T03:54:50.766" v="273" actId="478"/>
+          <ac:spMkLst>
+            <pc:docMk/>
+            <pc:sldMk cId="1034208025" sldId="281"/>
+            <ac:spMk id="18" creationId="{F1914613-947E-4074-AFCA-DBBCE5DD8670}"/>
+          </ac:spMkLst>
+        </pc:spChg>
+        <pc:spChg chg="del">
+          <ac:chgData name="yoon xihyeon" userId="b03689a23d6da60b" providerId="LiveId" clId="{5D914AD7-9230-47CE-8F52-5A96260F97A5}" dt="2022-11-14T03:54:49.072" v="272" actId="478"/>
+          <ac:spMkLst>
+            <pc:docMk/>
+            <pc:sldMk cId="1034208025" sldId="281"/>
+            <ac:spMk id="19" creationId="{2CE01CC9-6B77-47D5-8BAE-075FAAFDD9E4}"/>
+          </ac:spMkLst>
+        </pc:spChg>
+        <pc:cxnChg chg="mod">
+          <ac:chgData name="yoon xihyeon" userId="b03689a23d6da60b" providerId="LiveId" clId="{5D914AD7-9230-47CE-8F52-5A96260F97A5}" dt="2022-11-14T02:56:13.025" v="18" actId="1076"/>
+          <ac:cxnSpMkLst>
+            <pc:docMk/>
+            <pc:sldMk cId="1034208025" sldId="281"/>
+            <ac:cxnSpMk id="4" creationId="{9A8E474A-6ECB-442D-8A42-7881F4DFBB2A}"/>
+          </ac:cxnSpMkLst>
+        </pc:cxnChg>
+      </pc:sldChg>
+      <pc:sldChg chg="modSp mod">
+        <pc:chgData name="yoon xihyeon" userId="b03689a23d6da60b" providerId="LiveId" clId="{5D914AD7-9230-47CE-8F52-5A96260F97A5}" dt="2022-11-14T03:56:03.975" v="289" actId="403"/>
+        <pc:sldMkLst>
+          <pc:docMk/>
+          <pc:sldMk cId="1627780173" sldId="295"/>
+        </pc:sldMkLst>
+        <pc:spChg chg="mod">
+          <ac:chgData name="yoon xihyeon" userId="b03689a23d6da60b" providerId="LiveId" clId="{5D914AD7-9230-47CE-8F52-5A96260F97A5}" dt="2022-11-14T03:56:03.975" v="289" actId="403"/>
+          <ac:spMkLst>
+            <pc:docMk/>
+            <pc:sldMk cId="1627780173" sldId="295"/>
+            <ac:spMk id="6" creationId="{52457443-236A-4B97-AB90-9C203498A48B}"/>
+          </ac:spMkLst>
+        </pc:spChg>
+      </pc:sldChg>
+      <pc:sldChg chg="delSp modSp mod">
+        <pc:chgData name="yoon xihyeon" userId="b03689a23d6da60b" providerId="LiveId" clId="{5D914AD7-9230-47CE-8F52-5A96260F97A5}" dt="2022-11-14T03:52:40" v="195" actId="2711"/>
+        <pc:sldMkLst>
+          <pc:docMk/>
+          <pc:sldMk cId="1503160340" sldId="298"/>
+        </pc:sldMkLst>
+        <pc:spChg chg="del mod">
+          <ac:chgData name="yoon xihyeon" userId="b03689a23d6da60b" providerId="LiveId" clId="{5D914AD7-9230-47CE-8F52-5A96260F97A5}" dt="2022-11-14T03:51:59.232" v="188" actId="478"/>
+          <ac:spMkLst>
+            <pc:docMk/>
+            <pc:sldMk cId="1503160340" sldId="298"/>
+            <ac:spMk id="5" creationId="{FEF534C6-FC61-4EA2-8855-1A1004EB5117}"/>
+          </ac:spMkLst>
+        </pc:spChg>
+        <pc:spChg chg="mod">
+          <ac:chgData name="yoon xihyeon" userId="b03689a23d6da60b" providerId="LiveId" clId="{5D914AD7-9230-47CE-8F52-5A96260F97A5}" dt="2022-11-14T03:52:40" v="195" actId="2711"/>
+          <ac:spMkLst>
+            <pc:docMk/>
+            <pc:sldMk cId="1503160340" sldId="298"/>
+            <ac:spMk id="7" creationId="{F2894A62-3A98-4459-B069-8674BB246AAC}"/>
           </ac:spMkLst>
         </pc:spChg>
       </pc:sldChg>
@@ -6473,7 +6580,7 @@
           <a:p>
             <a:fld id="{9FE7A9D4-2312-4C80-955C-3A7FA2F8832A}" type="datetimeFigureOut">
               <a:rPr lang="ko-KR" altLang="en-US" smtClean="0"/>
-              <a:t>2022-11-07</a:t>
+              <a:t>2022-11-14</a:t>
             </a:fld>
             <a:endParaRPr lang="ko-KR" altLang="en-US"/>
           </a:p>
@@ -6773,7 +6880,7 @@
           <a:p>
             <a:fld id="{9FE7A9D4-2312-4C80-955C-3A7FA2F8832A}" type="datetimeFigureOut">
               <a:rPr lang="ko-KR" altLang="en-US" smtClean="0"/>
-              <a:t>2022-11-07</a:t>
+              <a:t>2022-11-14</a:t>
             </a:fld>
             <a:endParaRPr lang="ko-KR" altLang="en-US"/>
           </a:p>
@@ -6983,7 +7090,7 @@
           <a:p>
             <a:fld id="{9FE7A9D4-2312-4C80-955C-3A7FA2F8832A}" type="datetimeFigureOut">
               <a:rPr lang="ko-KR" altLang="en-US" smtClean="0"/>
-              <a:t>2022-11-07</a:t>
+              <a:t>2022-11-14</a:t>
             </a:fld>
             <a:endParaRPr lang="ko-KR" altLang="en-US"/>
           </a:p>
@@ -7203,7 +7310,7 @@
           <a:p>
             <a:fld id="{9FE7A9D4-2312-4C80-955C-3A7FA2F8832A}" type="datetimeFigureOut">
               <a:rPr lang="ko-KR" altLang="en-US" smtClean="0"/>
-              <a:t>2022-11-07</a:t>
+              <a:t>2022-11-14</a:t>
             </a:fld>
             <a:endParaRPr lang="ko-KR" altLang="en-US"/>
           </a:p>
@@ -7413,7 +7520,7 @@
           <a:p>
             <a:fld id="{9FE7A9D4-2312-4C80-955C-3A7FA2F8832A}" type="datetimeFigureOut">
               <a:rPr lang="ko-KR" altLang="en-US" smtClean="0"/>
-              <a:t>2022-11-07</a:t>
+              <a:t>2022-11-14</a:t>
             </a:fld>
             <a:endParaRPr lang="ko-KR" altLang="en-US"/>
           </a:p>
@@ -7700,7 +7807,7 @@
           <a:p>
             <a:fld id="{9FE7A9D4-2312-4C80-955C-3A7FA2F8832A}" type="datetimeFigureOut">
               <a:rPr lang="ko-KR" altLang="en-US" smtClean="0"/>
-              <a:t>2022-11-07</a:t>
+              <a:t>2022-11-14</a:t>
             </a:fld>
             <a:endParaRPr lang="ko-KR" altLang="en-US"/>
           </a:p>
@@ -7977,7 +8084,7 @@
           <a:p>
             <a:fld id="{9FE7A9D4-2312-4C80-955C-3A7FA2F8832A}" type="datetimeFigureOut">
               <a:rPr lang="ko-KR" altLang="en-US" smtClean="0"/>
-              <a:t>2022-11-07</a:t>
+              <a:t>2022-11-14</a:t>
             </a:fld>
             <a:endParaRPr lang="ko-KR" altLang="en-US"/>
           </a:p>
@@ -8401,7 +8508,7 @@
           <a:p>
             <a:fld id="{9FE7A9D4-2312-4C80-955C-3A7FA2F8832A}" type="datetimeFigureOut">
               <a:rPr lang="ko-KR" altLang="en-US" smtClean="0"/>
-              <a:t>2022-11-07</a:t>
+              <a:t>2022-11-14</a:t>
             </a:fld>
             <a:endParaRPr lang="ko-KR" altLang="en-US"/>
           </a:p>
@@ -8554,7 +8661,7 @@
           <a:p>
             <a:fld id="{9FE7A9D4-2312-4C80-955C-3A7FA2F8832A}" type="datetimeFigureOut">
               <a:rPr lang="ko-KR" altLang="en-US" smtClean="0"/>
-              <a:t>2022-11-07</a:t>
+              <a:t>2022-11-14</a:t>
             </a:fld>
             <a:endParaRPr lang="ko-KR" altLang="en-US"/>
           </a:p>
@@ -8768,7 +8875,7 @@
           <a:p>
             <a:fld id="{9FE7A9D4-2312-4C80-955C-3A7FA2F8832A}" type="datetimeFigureOut">
               <a:rPr lang="ko-KR" altLang="en-US" smtClean="0"/>
-              <a:t>2022-11-07</a:t>
+              <a:t>2022-11-14</a:t>
             </a:fld>
             <a:endParaRPr lang="ko-KR" altLang="en-US"/>
           </a:p>
@@ -8982,7 +9089,7 @@
           <a:p>
             <a:fld id="{9FE7A9D4-2312-4C80-955C-3A7FA2F8832A}" type="datetimeFigureOut">
               <a:rPr lang="ko-KR" altLang="en-US" smtClean="0"/>
-              <a:t>2022-11-07</a:t>
+              <a:t>2022-11-14</a:t>
             </a:fld>
             <a:endParaRPr lang="ko-KR" altLang="en-US"/>
           </a:p>
@@ -9305,7 +9412,7 @@
           <a:p>
             <a:fld id="{9FE7A9D4-2312-4C80-955C-3A7FA2F8832A}" type="datetimeFigureOut">
               <a:rPr lang="ko-KR" altLang="en-US" smtClean="0"/>
-              <a:t>2022-11-07</a:t>
+              <a:t>2022-11-14</a:t>
             </a:fld>
             <a:endParaRPr lang="ko-KR" altLang="en-US"/>
           </a:p>
@@ -9558,7 +9665,7 @@
           <a:p>
             <a:fld id="{9FE7A9D4-2312-4C80-955C-3A7FA2F8832A}" type="datetimeFigureOut">
               <a:rPr lang="ko-KR" altLang="en-US" smtClean="0"/>
-              <a:t>2022-11-07</a:t>
+              <a:t>2022-11-14</a:t>
             </a:fld>
             <a:endParaRPr lang="ko-KR" altLang="en-US"/>
           </a:p>
@@ -10201,8 +10308,8 @@
         </p:nvSpPr>
         <p:spPr>
           <a:xfrm>
-            <a:off x="5093962" y="3805591"/>
-            <a:ext cx="2004075" cy="400110"/>
+            <a:off x="4937314" y="3817654"/>
+            <a:ext cx="2390398" cy="400110"/>
           </a:xfrm>
           <a:prstGeom prst="rect">
             <a:avLst/>
@@ -10223,7 +10330,27 @@
                 <a:latin typeface="휴먼매직체" panose="02030504000101010101" pitchFamily="18" charset="-127"/>
                 <a:ea typeface="휴먼매직체" panose="02030504000101010101" pitchFamily="18" charset="-127"/>
               </a:rPr>
-              <a:t>음식 성분 분석 어플</a:t>
+              <a:t>음식 성분 </a:t>
+            </a:r>
+            <a:r>
+              <a:rPr lang="en-US" altLang="ko-KR" sz="2000">
+                <a:solidFill>
+                  <a:schemeClr val="bg1"/>
+                </a:solidFill>
+                <a:latin typeface="휴먼매직체" panose="02030504000101010101" pitchFamily="18" charset="-127"/>
+                <a:ea typeface="휴먼매직체" panose="02030504000101010101" pitchFamily="18" charset="-127"/>
+              </a:rPr>
+              <a:t>AR </a:t>
+            </a:r>
+            <a:r>
+              <a:rPr lang="ko-KR" altLang="en-US" sz="2000">
+                <a:solidFill>
+                  <a:schemeClr val="bg1"/>
+                </a:solidFill>
+                <a:latin typeface="휴먼매직체" panose="02030504000101010101" pitchFamily="18" charset="-127"/>
+                <a:ea typeface="휴먼매직체" panose="02030504000101010101" pitchFamily="18" charset="-127"/>
+              </a:rPr>
+              <a:t>분석 어플</a:t>
             </a:r>
             <a:endParaRPr lang="ko-KR" altLang="en-US" sz="2000" dirty="0">
               <a:solidFill>
@@ -19929,7 +20056,31 @@
                   <a:latin typeface="휴먼매직체" panose="02030504000101010101" pitchFamily="18" charset="-127"/>
                   <a:ea typeface="휴먼매직체" panose="02030504000101010101" pitchFamily="18" charset="-127"/>
                 </a:rPr>
-                <a:t>음식 성분 분석  및 건강 관리 어플 입니다</a:t>
+                <a:t>음식 성분을 </a:t>
+              </a:r>
+              <a:r>
+                <a:rPr lang="en-US" altLang="ko-KR" sz="2000">
+                  <a:solidFill>
+                    <a:schemeClr val="accent5">
+                      <a:lumMod val="50000"/>
+                    </a:schemeClr>
+                  </a:solidFill>
+                  <a:latin typeface="휴먼매직체" panose="02030504000101010101" pitchFamily="18" charset="-127"/>
+                  <a:ea typeface="휴먼매직체" panose="02030504000101010101" pitchFamily="18" charset="-127"/>
+                </a:rPr>
+                <a:t>AR</a:t>
+              </a:r>
+              <a:r>
+                <a:rPr lang="ko-KR" altLang="en-US" sz="2000">
+                  <a:solidFill>
+                    <a:schemeClr val="accent5">
+                      <a:lumMod val="50000"/>
+                    </a:schemeClr>
+                  </a:solidFill>
+                  <a:latin typeface="휴먼매직체" panose="02030504000101010101" pitchFamily="18" charset="-127"/>
+                  <a:ea typeface="휴먼매직체" panose="02030504000101010101" pitchFamily="18" charset="-127"/>
+                </a:rPr>
+                <a:t>로 분석해 건강을 관리해주는 어플 입니다</a:t>
               </a:r>
               <a:r>
                 <a:rPr lang="en-US" altLang="ko-KR" sz="2000">
@@ -20306,7 +20457,7 @@
         </p:nvCxnSpPr>
         <p:spPr>
           <a:xfrm>
-            <a:off x="177800" y="835707"/>
+            <a:off x="177800" y="860874"/>
             <a:ext cx="12014200" cy="0"/>
           </a:xfrm>
           <a:prstGeom prst="line">
@@ -20400,7 +20551,7 @@
         <p:spPr>
           <a:xfrm>
             <a:off x="329610" y="111525"/>
-            <a:ext cx="3134191" cy="584775"/>
+            <a:ext cx="2593980" cy="584775"/>
           </a:xfrm>
           <a:prstGeom prst="rect">
             <a:avLst/>
@@ -20414,16 +20565,41 @@
           <a:lstStyle/>
           <a:p>
             <a:r>
-              <a:rPr lang="ko-KR" altLang="en-US" sz="3200" spc="-300" dirty="0">
+              <a:rPr lang="en-US" altLang="ko-KR" sz="3200" spc="-300">
                 <a:solidFill>
                   <a:schemeClr val="tx1">
                     <a:lumMod val="85000"/>
                     <a:lumOff val="15000"/>
                   </a:schemeClr>
                 </a:solidFill>
-              </a:rPr>
-              <a:t>제목을 입력하세요</a:t>
-            </a:r>
+                <a:latin typeface="휴먼매직체" panose="02030504000101010101" pitchFamily="18" charset="-127"/>
+                <a:ea typeface="휴먼매직체" panose="02030504000101010101" pitchFamily="18" charset="-127"/>
+              </a:rPr>
+              <a:t>2.</a:t>
+            </a:r>
+            <a:r>
+              <a:rPr lang="ko-KR" altLang="en-US" sz="3200" spc="-300">
+                <a:solidFill>
+                  <a:schemeClr val="tx1">
+                    <a:lumMod val="85000"/>
+                    <a:lumOff val="15000"/>
+                  </a:schemeClr>
+                </a:solidFill>
+                <a:latin typeface="휴먼매직체" panose="02030504000101010101" pitchFamily="18" charset="-127"/>
+                <a:ea typeface="휴먼매직체" panose="02030504000101010101" pitchFamily="18" charset="-127"/>
+              </a:rPr>
+              <a:t> 배경 및 필요성</a:t>
+            </a:r>
+            <a:endParaRPr lang="ko-KR" altLang="en-US" sz="3200" spc="-300" dirty="0">
+              <a:solidFill>
+                <a:schemeClr val="tx1">
+                  <a:lumMod val="85000"/>
+                  <a:lumOff val="15000"/>
+                </a:schemeClr>
+              </a:solidFill>
+              <a:latin typeface="휴먼매직체" panose="02030504000101010101" pitchFamily="18" charset="-127"/>
+              <a:ea typeface="휴먼매직체" panose="02030504000101010101" pitchFamily="18" charset="-127"/>
+            </a:endParaRPr>
           </a:p>
         </p:txBody>
       </p:sp>
@@ -20639,8 +20815,8 @@
         </p:nvSpPr>
         <p:spPr>
           <a:xfrm>
-            <a:off x="4231180" y="2806249"/>
-            <a:ext cx="3700052" cy="338554"/>
+            <a:off x="631983" y="1443121"/>
+            <a:ext cx="11323934" cy="1631216"/>
           </a:xfrm>
           <a:prstGeom prst="rect">
             <a:avLst/>
@@ -20653,51 +20829,136 @@
           </a:bodyPr>
           <a:lstStyle/>
           <a:p>
-            <a:pPr algn="ctr"/>
-            <a:r>
-              <a:rPr lang="ko-KR" altLang="en-US" sz="1600">
-                <a:solidFill>
-                  <a:schemeClr val="bg1"/>
-                </a:solidFill>
-              </a:rPr>
-              <a:t>내용을 입력우민ㅇㄹ</a:t>
-            </a:r>
-            <a:r>
-              <a:rPr lang="en-US" altLang="ko-KR" sz="1600">
-                <a:solidFill>
-                  <a:schemeClr val="bg1"/>
-                </a:solidFill>
-              </a:rPr>
-              <a:t>;</a:t>
-            </a:r>
-            <a:r>
-              <a:rPr lang="ko-KR" altLang="en-US" sz="1600">
-                <a:solidFill>
-                  <a:schemeClr val="bg1"/>
-                </a:solidFill>
-              </a:rPr>
-              <a:t>ㅏㅓ</a:t>
-            </a:r>
-            <a:r>
-              <a:rPr lang="en-US" altLang="ko-KR" sz="1600">
-                <a:solidFill>
-                  <a:schemeClr val="bg1"/>
-                </a:solidFill>
-              </a:rPr>
-              <a:t>;</a:t>
-            </a:r>
-            <a:r>
-              <a:rPr lang="ko-KR" altLang="en-US" sz="1600">
-                <a:solidFill>
-                  <a:schemeClr val="bg1"/>
-                </a:solidFill>
-              </a:rPr>
-              <a:t>ㅣㅏㅁ하세요</a:t>
-            </a:r>
-            <a:endParaRPr lang="ko-KR" altLang="en-US" sz="1600" dirty="0">
-              <a:solidFill>
-                <a:schemeClr val="bg1"/>
-              </a:solidFill>
+            <a:r>
+              <a:rPr lang="ko-KR" altLang="en-US" sz="2000">
+                <a:latin typeface="휴먼매직체" panose="02030504000101010101" pitchFamily="18" charset="-127"/>
+                <a:ea typeface="휴먼매직체" panose="02030504000101010101" pitchFamily="18" charset="-127"/>
+              </a:rPr>
+              <a:t>배경 및 필요성</a:t>
+            </a:r>
+          </a:p>
+          <a:p>
+            <a:r>
+              <a:rPr lang="ko-KR" altLang="en-US" sz="2000">
+                <a:latin typeface="휴먼매직체" panose="02030504000101010101" pitchFamily="18" charset="-127"/>
+                <a:ea typeface="휴먼매직체" panose="02030504000101010101" pitchFamily="18" charset="-127"/>
+              </a:rPr>
+              <a:t>사람들이 다이어트에 관심이 많다</a:t>
+            </a:r>
+            <a:r>
+              <a:rPr lang="en-US" altLang="ko-KR" sz="2000">
+                <a:latin typeface="휴먼매직체" panose="02030504000101010101" pitchFamily="18" charset="-127"/>
+                <a:ea typeface="휴먼매직체" panose="02030504000101010101" pitchFamily="18" charset="-127"/>
+              </a:rPr>
+              <a:t>.</a:t>
+            </a:r>
+          </a:p>
+          <a:p>
+            <a:r>
+              <a:rPr lang="ko-KR" altLang="en-US" sz="2000">
+                <a:latin typeface="휴먼매직체" panose="02030504000101010101" pitchFamily="18" charset="-127"/>
+                <a:ea typeface="휴먼매직체" panose="02030504000101010101" pitchFamily="18" charset="-127"/>
+              </a:rPr>
+              <a:t>요새 다이어트와 건강에 관한 열풍</a:t>
+            </a:r>
+            <a:r>
+              <a:rPr lang="en-US" altLang="ko-KR" sz="2000">
+                <a:latin typeface="휴먼매직체" panose="02030504000101010101" pitchFamily="18" charset="-127"/>
+                <a:ea typeface="휴먼매직체" panose="02030504000101010101" pitchFamily="18" charset="-127"/>
+              </a:rPr>
+              <a:t>!! </a:t>
+            </a:r>
+            <a:r>
+              <a:rPr lang="ko-KR" altLang="en-US" sz="2000">
+                <a:latin typeface="휴먼매직체" panose="02030504000101010101" pitchFamily="18" charset="-127"/>
+                <a:ea typeface="휴먼매직체" panose="02030504000101010101" pitchFamily="18" charset="-127"/>
+              </a:rPr>
+              <a:t>관련 기사 작성</a:t>
+            </a:r>
+            <a:r>
+              <a:rPr lang="en-US" altLang="ko-KR" sz="2000">
+                <a:latin typeface="휴먼매직체" panose="02030504000101010101" pitchFamily="18" charset="-127"/>
+                <a:ea typeface="휴먼매직체" panose="02030504000101010101" pitchFamily="18" charset="-127"/>
+              </a:rPr>
+              <a:t>(</a:t>
+            </a:r>
+            <a:r>
+              <a:rPr lang="ko-KR" altLang="en-US" sz="2000">
+                <a:latin typeface="휴먼매직체" panose="02030504000101010101" pitchFamily="18" charset="-127"/>
+                <a:ea typeface="휴먼매직체" panose="02030504000101010101" pitchFamily="18" charset="-127"/>
+              </a:rPr>
+              <a:t>링크 필수</a:t>
+            </a:r>
+            <a:r>
+              <a:rPr lang="en-US" altLang="ko-KR" sz="2000">
+                <a:latin typeface="휴먼매직체" panose="02030504000101010101" pitchFamily="18" charset="-127"/>
+                <a:ea typeface="휴먼매직체" panose="02030504000101010101" pitchFamily="18" charset="-127"/>
+              </a:rPr>
+              <a:t>)</a:t>
+            </a:r>
+          </a:p>
+          <a:p>
+            <a:r>
+              <a:rPr lang="ko-KR" altLang="en-US" sz="2000">
+                <a:latin typeface="휴먼매직체" panose="02030504000101010101" pitchFamily="18" charset="-127"/>
+                <a:ea typeface="휴먼매직체" panose="02030504000101010101" pitchFamily="18" charset="-127"/>
+              </a:rPr>
+              <a:t>개인마다 필요 열량에 따른 영양 성분의 기준치가 다르고</a:t>
+            </a:r>
+            <a:r>
+              <a:rPr lang="en-US" altLang="ko-KR" sz="2000">
+                <a:latin typeface="휴먼매직체" panose="02030504000101010101" pitchFamily="18" charset="-127"/>
+                <a:ea typeface="휴먼매직체" panose="02030504000101010101" pitchFamily="18" charset="-127"/>
+              </a:rPr>
+              <a:t>, </a:t>
+            </a:r>
+            <a:r>
+              <a:rPr lang="ko-KR" altLang="en-US" sz="2000">
+                <a:latin typeface="휴먼매직체" panose="02030504000101010101" pitchFamily="18" charset="-127"/>
+                <a:ea typeface="휴먼매직체" panose="02030504000101010101" pitchFamily="18" charset="-127"/>
+              </a:rPr>
+              <a:t>대부분 자신의 기준치를 잘 모른다</a:t>
+            </a:r>
+            <a:r>
+              <a:rPr lang="en-US" altLang="ko-KR" sz="2000">
+                <a:latin typeface="휴먼매직체" panose="02030504000101010101" pitchFamily="18" charset="-127"/>
+                <a:ea typeface="휴먼매직체" panose="02030504000101010101" pitchFamily="18" charset="-127"/>
+              </a:rPr>
+              <a:t>.</a:t>
+            </a:r>
+          </a:p>
+          <a:p>
+            <a:r>
+              <a:rPr lang="ko-KR" altLang="en-US" sz="2000">
+                <a:latin typeface="휴먼매직체" panose="02030504000101010101" pitchFamily="18" charset="-127"/>
+                <a:ea typeface="휴먼매직체" panose="02030504000101010101" pitchFamily="18" charset="-127"/>
+              </a:rPr>
+              <a:t>음식 영양 성분표를 보면 직관적으로 알아보기 싶지 않다</a:t>
+            </a:r>
+            <a:r>
+              <a:rPr lang="en-US" altLang="ko-KR" sz="2000">
+                <a:latin typeface="휴먼매직체" panose="02030504000101010101" pitchFamily="18" charset="-127"/>
+                <a:ea typeface="휴먼매직체" panose="02030504000101010101" pitchFamily="18" charset="-127"/>
+              </a:rPr>
+              <a:t>. </a:t>
+            </a:r>
+            <a:r>
+              <a:rPr lang="ko-KR" altLang="en-US" sz="2000">
+                <a:latin typeface="휴먼매직체" panose="02030504000101010101" pitchFamily="18" charset="-127"/>
+                <a:ea typeface="휴먼매직체" panose="02030504000101010101" pitchFamily="18" charset="-127"/>
+              </a:rPr>
+              <a:t>자신이 관심있는 영양소만 대충 보고 넘어가는 경우가 많다</a:t>
+            </a:r>
+            <a:r>
+              <a:rPr lang="en-US" altLang="ko-KR" sz="2000">
+                <a:latin typeface="휴먼매직체" panose="02030504000101010101" pitchFamily="18" charset="-127"/>
+                <a:ea typeface="휴먼매직체" panose="02030504000101010101" pitchFamily="18" charset="-127"/>
+              </a:rPr>
+              <a:t>.</a:t>
+            </a:r>
+            <a:endParaRPr lang="ko-KR" altLang="en-US" sz="2000" dirty="0">
+              <a:latin typeface="휴먼매직체" panose="02030504000101010101" pitchFamily="18" charset="-127"/>
+              <a:ea typeface="휴먼매직체" panose="02030504000101010101" pitchFamily="18" charset="-127"/>
             </a:endParaRPr>
           </a:p>
         </p:txBody>
@@ -20777,456 +21038,6 @@
             <a:endParaRPr lang="ko-KR" altLang="en-US" sz="1100" dirty="0">
               <a:solidFill>
                 <a:schemeClr val="bg1"/>
-              </a:solidFill>
-            </a:endParaRPr>
-          </a:p>
-        </p:txBody>
-      </p:sp>
-      <p:sp>
-        <p:nvSpPr>
-          <p:cNvPr id="17" name="TextBox 16">
-            <a:extLst>
-              <a:ext uri="{FF2B5EF4-FFF2-40B4-BE49-F238E27FC236}">
-                <a16:creationId xmlns:a16="http://schemas.microsoft.com/office/drawing/2014/main" id="{7B5EB940-669A-4CFC-992B-7ECA0318A204}"/>
-              </a:ext>
-            </a:extLst>
-          </p:cNvPr>
-          <p:cNvSpPr txBox="1"/>
-          <p:nvPr/>
-        </p:nvSpPr>
-        <p:spPr>
-          <a:xfrm>
-            <a:off x="906112" y="4534162"/>
-            <a:ext cx="2469776" cy="1169551"/>
-          </a:xfrm>
-          <a:prstGeom prst="rect">
-            <a:avLst/>
-          </a:prstGeom>
-          <a:noFill/>
-        </p:spPr>
-        <p:txBody>
-          <a:bodyPr wrap="square" rtlCol="0">
-            <a:spAutoFit/>
-          </a:bodyPr>
-          <a:lstStyle/>
-          <a:p>
-            <a:pPr algn="just"/>
-            <a:r>
-              <a:rPr lang="ko-KR" altLang="en-US" sz="1400" spc="-150" dirty="0">
-                <a:solidFill>
-                  <a:schemeClr val="tx1">
-                    <a:lumMod val="85000"/>
-                    <a:lumOff val="15000"/>
-                  </a:schemeClr>
-                </a:solidFill>
-              </a:rPr>
-              <a:t>역사를 곧 바이며</a:t>
-            </a:r>
-            <a:r>
-              <a:rPr lang="en-US" altLang="ko-KR" sz="1400" spc="-150" dirty="0">
-                <a:solidFill>
-                  <a:schemeClr val="tx1">
-                    <a:lumMod val="85000"/>
-                    <a:lumOff val="15000"/>
-                  </a:schemeClr>
-                </a:solidFill>
-              </a:rPr>
-              <a:t>, </a:t>
-            </a:r>
-            <a:r>
-              <a:rPr lang="ko-KR" altLang="en-US" sz="1400" spc="-150" dirty="0">
-                <a:solidFill>
-                  <a:schemeClr val="tx1">
-                    <a:lumMod val="85000"/>
-                    <a:lumOff val="15000"/>
-                  </a:schemeClr>
-                </a:solidFill>
-              </a:rPr>
-              <a:t>풀이 있다</a:t>
-            </a:r>
-            <a:r>
-              <a:rPr lang="en-US" altLang="ko-KR" sz="1400" spc="-150" dirty="0">
-                <a:solidFill>
-                  <a:schemeClr val="tx1">
-                    <a:lumMod val="85000"/>
-                    <a:lumOff val="15000"/>
-                  </a:schemeClr>
-                </a:solidFill>
-              </a:rPr>
-              <a:t>. </a:t>
-            </a:r>
-            <a:r>
-              <a:rPr lang="ko-KR" altLang="en-US" sz="1400" spc="-150" dirty="0">
-                <a:solidFill>
-                  <a:schemeClr val="tx1">
-                    <a:lumMod val="85000"/>
-                    <a:lumOff val="15000"/>
-                  </a:schemeClr>
-                </a:solidFill>
-              </a:rPr>
-              <a:t>발휘하기 가슴에 커다란 청춘에서만 그들의 이것이다</a:t>
-            </a:r>
-            <a:r>
-              <a:rPr lang="en-US" altLang="ko-KR" sz="1400" spc="-150" dirty="0">
-                <a:solidFill>
-                  <a:schemeClr val="tx1">
-                    <a:lumMod val="85000"/>
-                    <a:lumOff val="15000"/>
-                  </a:schemeClr>
-                </a:solidFill>
-              </a:rPr>
-              <a:t>. </a:t>
-            </a:r>
-            <a:r>
-              <a:rPr lang="ko-KR" altLang="en-US" sz="1400" spc="-150" dirty="0">
-                <a:solidFill>
-                  <a:schemeClr val="tx1">
-                    <a:lumMod val="85000"/>
-                    <a:lumOff val="15000"/>
-                  </a:schemeClr>
-                </a:solidFill>
-              </a:rPr>
-              <a:t>눈에 희망의 사랑의 가장 주며</a:t>
-            </a:r>
-            <a:r>
-              <a:rPr lang="en-US" altLang="ko-KR" sz="1400" spc="-150" dirty="0">
-                <a:solidFill>
-                  <a:schemeClr val="tx1">
-                    <a:lumMod val="85000"/>
-                    <a:lumOff val="15000"/>
-                  </a:schemeClr>
-                </a:solidFill>
-              </a:rPr>
-              <a:t>, </a:t>
-            </a:r>
-            <a:r>
-              <a:rPr lang="ko-KR" altLang="en-US" sz="1400" spc="-150" dirty="0">
-                <a:solidFill>
-                  <a:schemeClr val="tx1">
-                    <a:lumMod val="85000"/>
-                    <a:lumOff val="15000"/>
-                  </a:schemeClr>
-                </a:solidFill>
-              </a:rPr>
-              <a:t>더운지라 가슴에 황금시대다</a:t>
-            </a:r>
-            <a:r>
-              <a:rPr lang="en-US" altLang="ko-KR" sz="1400" spc="-150" dirty="0">
-                <a:solidFill>
-                  <a:schemeClr val="tx1">
-                    <a:lumMod val="85000"/>
-                    <a:lumOff val="15000"/>
-                  </a:schemeClr>
-                </a:solidFill>
-              </a:rPr>
-              <a:t>. </a:t>
-            </a:r>
-            <a:endParaRPr lang="ko-KR" altLang="en-US" sz="1400" spc="-150" dirty="0">
-              <a:solidFill>
-                <a:schemeClr val="tx1">
-                  <a:lumMod val="85000"/>
-                  <a:lumOff val="15000"/>
-                </a:schemeClr>
-              </a:solidFill>
-            </a:endParaRPr>
-          </a:p>
-        </p:txBody>
-      </p:sp>
-      <p:sp>
-        <p:nvSpPr>
-          <p:cNvPr id="18" name="TextBox 17">
-            <a:extLst>
-              <a:ext uri="{FF2B5EF4-FFF2-40B4-BE49-F238E27FC236}">
-                <a16:creationId xmlns:a16="http://schemas.microsoft.com/office/drawing/2014/main" id="{F1914613-947E-4074-AFCA-DBBCE5DD8670}"/>
-              </a:ext>
-            </a:extLst>
-          </p:cNvPr>
-          <p:cNvSpPr txBox="1"/>
-          <p:nvPr/>
-        </p:nvSpPr>
-        <p:spPr>
-          <a:xfrm>
-            <a:off x="8816112" y="4523361"/>
-            <a:ext cx="2469776" cy="1169551"/>
-          </a:xfrm>
-          <a:prstGeom prst="rect">
-            <a:avLst/>
-          </a:prstGeom>
-          <a:noFill/>
-        </p:spPr>
-        <p:txBody>
-          <a:bodyPr wrap="square" rtlCol="0">
-            <a:spAutoFit/>
-          </a:bodyPr>
-          <a:lstStyle/>
-          <a:p>
-            <a:pPr algn="just"/>
-            <a:r>
-              <a:rPr lang="ko-KR" altLang="en-US" sz="1400" spc="-150" dirty="0">
-                <a:solidFill>
-                  <a:schemeClr val="tx1">
-                    <a:lumMod val="85000"/>
-                    <a:lumOff val="15000"/>
-                  </a:schemeClr>
-                </a:solidFill>
-              </a:rPr>
-              <a:t>역사를 곧 바이며</a:t>
-            </a:r>
-            <a:r>
-              <a:rPr lang="en-US" altLang="ko-KR" sz="1400" spc="-150" dirty="0">
-                <a:solidFill>
-                  <a:schemeClr val="tx1">
-                    <a:lumMod val="85000"/>
-                    <a:lumOff val="15000"/>
-                  </a:schemeClr>
-                </a:solidFill>
-              </a:rPr>
-              <a:t>, </a:t>
-            </a:r>
-            <a:r>
-              <a:rPr lang="ko-KR" altLang="en-US" sz="1400" spc="-150" dirty="0">
-                <a:solidFill>
-                  <a:schemeClr val="tx1">
-                    <a:lumMod val="85000"/>
-                    <a:lumOff val="15000"/>
-                  </a:schemeClr>
-                </a:solidFill>
-              </a:rPr>
-              <a:t>풀이 있다</a:t>
-            </a:r>
-            <a:r>
-              <a:rPr lang="en-US" altLang="ko-KR" sz="1400" spc="-150" dirty="0">
-                <a:solidFill>
-                  <a:schemeClr val="tx1">
-                    <a:lumMod val="85000"/>
-                    <a:lumOff val="15000"/>
-                  </a:schemeClr>
-                </a:solidFill>
-              </a:rPr>
-              <a:t>. </a:t>
-            </a:r>
-            <a:r>
-              <a:rPr lang="ko-KR" altLang="en-US" sz="1400" spc="-150" dirty="0">
-                <a:solidFill>
-                  <a:schemeClr val="tx1">
-                    <a:lumMod val="85000"/>
-                    <a:lumOff val="15000"/>
-                  </a:schemeClr>
-                </a:solidFill>
-              </a:rPr>
-              <a:t>발휘하기 가슴에 커다란 청춘에서만 그들의 이것이다</a:t>
-            </a:r>
-            <a:r>
-              <a:rPr lang="en-US" altLang="ko-KR" sz="1400" spc="-150" dirty="0">
-                <a:solidFill>
-                  <a:schemeClr val="tx1">
-                    <a:lumMod val="85000"/>
-                    <a:lumOff val="15000"/>
-                  </a:schemeClr>
-                </a:solidFill>
-              </a:rPr>
-              <a:t>. </a:t>
-            </a:r>
-            <a:r>
-              <a:rPr lang="ko-KR" altLang="en-US" sz="1400" spc="-150" dirty="0">
-                <a:solidFill>
-                  <a:schemeClr val="tx1">
-                    <a:lumMod val="85000"/>
-                    <a:lumOff val="15000"/>
-                  </a:schemeClr>
-                </a:solidFill>
-              </a:rPr>
-              <a:t>눈에 희망의 사랑의 가장 주며</a:t>
-            </a:r>
-            <a:r>
-              <a:rPr lang="en-US" altLang="ko-KR" sz="1400" spc="-150" dirty="0">
-                <a:solidFill>
-                  <a:schemeClr val="tx1">
-                    <a:lumMod val="85000"/>
-                    <a:lumOff val="15000"/>
-                  </a:schemeClr>
-                </a:solidFill>
-              </a:rPr>
-              <a:t>, </a:t>
-            </a:r>
-            <a:r>
-              <a:rPr lang="ko-KR" altLang="en-US" sz="1400" spc="-150" dirty="0">
-                <a:solidFill>
-                  <a:schemeClr val="tx1">
-                    <a:lumMod val="85000"/>
-                    <a:lumOff val="15000"/>
-                  </a:schemeClr>
-                </a:solidFill>
-              </a:rPr>
-              <a:t>더운지라 가슴에 황금시대다</a:t>
-            </a:r>
-            <a:r>
-              <a:rPr lang="en-US" altLang="ko-KR" sz="1400" spc="-150" dirty="0">
-                <a:solidFill>
-                  <a:schemeClr val="tx1">
-                    <a:lumMod val="85000"/>
-                    <a:lumOff val="15000"/>
-                  </a:schemeClr>
-                </a:solidFill>
-              </a:rPr>
-              <a:t>. </a:t>
-            </a:r>
-            <a:endParaRPr lang="ko-KR" altLang="en-US" sz="1400" spc="-150" dirty="0">
-              <a:solidFill>
-                <a:schemeClr val="tx1">
-                  <a:lumMod val="85000"/>
-                  <a:lumOff val="15000"/>
-                </a:schemeClr>
-              </a:solidFill>
-            </a:endParaRPr>
-          </a:p>
-        </p:txBody>
-      </p:sp>
-      <p:sp>
-        <p:nvSpPr>
-          <p:cNvPr id="19" name="TextBox 18">
-            <a:extLst>
-              <a:ext uri="{FF2B5EF4-FFF2-40B4-BE49-F238E27FC236}">
-                <a16:creationId xmlns:a16="http://schemas.microsoft.com/office/drawing/2014/main" id="{2CE01CC9-6B77-47D5-8BAE-075FAAFDD9E4}"/>
-              </a:ext>
-            </a:extLst>
-          </p:cNvPr>
-          <p:cNvSpPr txBox="1"/>
-          <p:nvPr/>
-        </p:nvSpPr>
-        <p:spPr>
-          <a:xfrm>
-            <a:off x="7932803" y="2182393"/>
-            <a:ext cx="2469776" cy="1169551"/>
-          </a:xfrm>
-          <a:prstGeom prst="rect">
-            <a:avLst/>
-          </a:prstGeom>
-          <a:noFill/>
-        </p:spPr>
-        <p:txBody>
-          <a:bodyPr wrap="square" rtlCol="0">
-            <a:spAutoFit/>
-          </a:bodyPr>
-          <a:lstStyle/>
-          <a:p>
-            <a:pPr algn="just"/>
-            <a:r>
-              <a:rPr lang="ko-KR" altLang="en-US" sz="1400" spc="-150" dirty="0">
-                <a:solidFill>
-                  <a:schemeClr val="tx1">
-                    <a:lumMod val="85000"/>
-                    <a:lumOff val="15000"/>
-                  </a:schemeClr>
-                </a:solidFill>
-              </a:rPr>
-              <a:t>역사를 곧 바이며</a:t>
-            </a:r>
-            <a:r>
-              <a:rPr lang="en-US" altLang="ko-KR" sz="1400" spc="-150" dirty="0">
-                <a:solidFill>
-                  <a:schemeClr val="tx1">
-                    <a:lumMod val="85000"/>
-                    <a:lumOff val="15000"/>
-                  </a:schemeClr>
-                </a:solidFill>
-              </a:rPr>
-              <a:t>, </a:t>
-            </a:r>
-            <a:r>
-              <a:rPr lang="ko-KR" altLang="en-US" sz="1400" spc="-150" dirty="0">
-                <a:solidFill>
-                  <a:schemeClr val="tx1">
-                    <a:lumMod val="85000"/>
-                    <a:lumOff val="15000"/>
-                  </a:schemeClr>
-                </a:solidFill>
-              </a:rPr>
-              <a:t>풀이 있다</a:t>
-            </a:r>
-            <a:r>
-              <a:rPr lang="en-US" altLang="ko-KR" sz="1400" spc="-150" dirty="0">
-                <a:solidFill>
-                  <a:schemeClr val="tx1">
-                    <a:lumMod val="85000"/>
-                    <a:lumOff val="15000"/>
-                  </a:schemeClr>
-                </a:solidFill>
-              </a:rPr>
-              <a:t>. </a:t>
-            </a:r>
-            <a:r>
-              <a:rPr lang="ko-KR" altLang="en-US" sz="1400" spc="-150" dirty="0">
-                <a:solidFill>
-                  <a:schemeClr val="tx1">
-                    <a:lumMod val="85000"/>
-                    <a:lumOff val="15000"/>
-                  </a:schemeClr>
-                </a:solidFill>
-              </a:rPr>
-              <a:t>발휘하기 가슴에 커다란 청춘에서만 그들의 이것이다</a:t>
-            </a:r>
-            <a:r>
-              <a:rPr lang="en-US" altLang="ko-KR" sz="1400" spc="-150" dirty="0">
-                <a:solidFill>
-                  <a:schemeClr val="tx1">
-                    <a:lumMod val="85000"/>
-                    <a:lumOff val="15000"/>
-                  </a:schemeClr>
-                </a:solidFill>
-              </a:rPr>
-              <a:t>. </a:t>
-            </a:r>
-            <a:r>
-              <a:rPr lang="ko-KR" altLang="en-US" sz="1400" spc="-150" dirty="0">
-                <a:solidFill>
-                  <a:schemeClr val="tx1">
-                    <a:lumMod val="85000"/>
-                    <a:lumOff val="15000"/>
-                  </a:schemeClr>
-                </a:solidFill>
-              </a:rPr>
-              <a:t>눈에 희망의 사랑의 가장 주며</a:t>
-            </a:r>
-            <a:r>
-              <a:rPr lang="en-US" altLang="ko-KR" sz="1400" spc="-150" dirty="0">
-                <a:solidFill>
-                  <a:schemeClr val="tx1">
-                    <a:lumMod val="85000"/>
-                    <a:lumOff val="15000"/>
-                  </a:schemeClr>
-                </a:solidFill>
-              </a:rPr>
-              <a:t>, </a:t>
-            </a:r>
-            <a:r>
-              <a:rPr lang="ko-KR" altLang="en-US" sz="1400" spc="-150" dirty="0">
-                <a:solidFill>
-                  <a:schemeClr val="tx1">
-                    <a:lumMod val="85000"/>
-                    <a:lumOff val="15000"/>
-                  </a:schemeClr>
-                </a:solidFill>
-              </a:rPr>
-              <a:t>더운지라 가슴에 황금시대다</a:t>
-            </a:r>
-            <a:r>
-              <a:rPr lang="en-US" altLang="ko-KR" sz="1400" spc="-150" dirty="0">
-                <a:solidFill>
-                  <a:schemeClr val="tx1">
-                    <a:lumMod val="85000"/>
-                    <a:lumOff val="15000"/>
-                  </a:schemeClr>
-                </a:solidFill>
-              </a:rPr>
-              <a:t>. </a:t>
-            </a:r>
-            <a:endParaRPr lang="ko-KR" altLang="en-US" sz="1400" spc="-150" dirty="0">
-              <a:solidFill>
-                <a:schemeClr val="tx1">
-                  <a:lumMod val="85000"/>
-                  <a:lumOff val="15000"/>
-                </a:schemeClr>
               </a:solidFill>
             </a:endParaRPr>
           </a:p>
@@ -21321,10 +21132,10 @@
       </p:pic>
       <p:sp>
         <p:nvSpPr>
-          <p:cNvPr id="5" name="TextBox 4">
-            <a:extLst>
-              <a:ext uri="{FF2B5EF4-FFF2-40B4-BE49-F238E27FC236}">
-                <a16:creationId xmlns:a16="http://schemas.microsoft.com/office/drawing/2014/main" id="{FEF534C6-FC61-4EA2-8855-1A1004EB5117}"/>
+          <p:cNvPr id="7" name="TextBox 6">
+            <a:extLst>
+              <a:ext uri="{FF2B5EF4-FFF2-40B4-BE49-F238E27FC236}">
+                <a16:creationId xmlns:a16="http://schemas.microsoft.com/office/drawing/2014/main" id="{F2894A62-3A98-4459-B069-8674BB246AAC}"/>
               </a:ext>
             </a:extLst>
           </p:cNvPr>
@@ -21333,52 +21144,7 @@
         </p:nvSpPr>
         <p:spPr>
           <a:xfrm>
-            <a:off x="543345" y="2147777"/>
-            <a:ext cx="1515158" cy="584775"/>
-          </a:xfrm>
-          <a:prstGeom prst="rect">
-            <a:avLst/>
-          </a:prstGeom>
-          <a:noFill/>
-        </p:spPr>
-        <p:txBody>
-          <a:bodyPr wrap="none" rtlCol="0">
-            <a:spAutoFit/>
-          </a:bodyPr>
-          <a:lstStyle/>
-          <a:p>
-            <a:pPr algn="ctr"/>
-            <a:r>
-              <a:rPr lang="en-US" altLang="ko-KR" sz="3200" dirty="0">
-                <a:solidFill>
-                  <a:schemeClr val="bg1"/>
-                </a:solidFill>
-              </a:rPr>
-              <a:t>Part 2, </a:t>
-            </a:r>
-            <a:endParaRPr lang="ko-KR" altLang="en-US" sz="3200" dirty="0">
-              <a:solidFill>
-                <a:schemeClr val="bg1"/>
-              </a:solidFill>
-            </a:endParaRPr>
-          </a:p>
-        </p:txBody>
-      </p:sp>
-      <p:sp>
-        <p:nvSpPr>
-          <p:cNvPr id="7" name="TextBox 6">
-            <a:extLst>
-              <a:ext uri="{FF2B5EF4-FFF2-40B4-BE49-F238E27FC236}">
-                <a16:creationId xmlns:a16="http://schemas.microsoft.com/office/drawing/2014/main" id="{F2894A62-3A98-4459-B069-8674BB246AAC}"/>
-              </a:ext>
-            </a:extLst>
-          </p:cNvPr>
-          <p:cNvSpPr txBox="1"/>
-          <p:nvPr/>
-        </p:nvSpPr>
-        <p:spPr>
-          <a:xfrm>
-            <a:off x="2633685" y="2178554"/>
+            <a:off x="234434" y="249086"/>
             <a:ext cx="4468863" cy="523220"/>
           </a:xfrm>
           <a:prstGeom prst="rect">
@@ -21393,13 +21159,32 @@
           <a:lstStyle/>
           <a:p>
             <a:r>
-              <a:rPr lang="ko-KR" altLang="en-US" sz="2800" dirty="0">
+              <a:rPr lang="en-US" altLang="ko-KR" sz="2800">
                 <a:solidFill>
                   <a:schemeClr val="bg1"/>
                 </a:solidFill>
-              </a:rPr>
-              <a:t>제목을 입력하세요</a:t>
-            </a:r>
+                <a:latin typeface="휴먼매직체" panose="02030504000101010101" pitchFamily="18" charset="-127"/>
+                <a:ea typeface="휴먼매직체" panose="02030504000101010101" pitchFamily="18" charset="-127"/>
+              </a:rPr>
+              <a:t>3. </a:t>
+            </a:r>
+            <a:r>
+              <a:rPr lang="ko-KR" altLang="en-US" sz="2800">
+                <a:solidFill>
+                  <a:schemeClr val="bg1"/>
+                </a:solidFill>
+                <a:latin typeface="휴먼매직체" panose="02030504000101010101" pitchFamily="18" charset="-127"/>
+                <a:ea typeface="휴먼매직체" panose="02030504000101010101" pitchFamily="18" charset="-127"/>
+              </a:rPr>
+              <a:t>유사 사이트 분석</a:t>
+            </a:r>
+            <a:endParaRPr lang="ko-KR" altLang="en-US" sz="2800" dirty="0">
+              <a:solidFill>
+                <a:schemeClr val="bg1"/>
+              </a:solidFill>
+              <a:latin typeface="휴먼매직체" panose="02030504000101010101" pitchFamily="18" charset="-127"/>
+              <a:ea typeface="휴먼매직체" panose="02030504000101010101" pitchFamily="18" charset="-127"/>
+            </a:endParaRPr>
           </a:p>
         </p:txBody>
       </p:sp>
@@ -21469,8 +21254,8 @@
         </p:nvSpPr>
         <p:spPr>
           <a:xfrm>
-            <a:off x="3372736" y="2931203"/>
-            <a:ext cx="5446528" cy="1300292"/>
+            <a:off x="260420" y="188003"/>
+            <a:ext cx="5446528" cy="1455911"/>
           </a:xfrm>
           <a:prstGeom prst="rect">
             <a:avLst/>
@@ -21489,89 +21274,98 @@
               </a:lnSpc>
             </a:pPr>
             <a:r>
-              <a:rPr lang="ko-KR" altLang="en-US" sz="1800" spc="-150" dirty="0">
+              <a:rPr lang="ko-KR" altLang="en-US" sz="3200" spc="-150">
                 <a:solidFill>
                   <a:schemeClr val="bg1"/>
                 </a:solidFill>
-              </a:rPr>
-              <a:t>그리워 멀리 하나에 이름과</a:t>
-            </a:r>
-            <a:r>
-              <a:rPr lang="en-US" altLang="ko-KR" sz="1800" spc="-150" dirty="0">
+                <a:latin typeface="휴먼매직체" panose="02030504000101010101" pitchFamily="18" charset="-127"/>
+                <a:ea typeface="휴먼매직체" panose="02030504000101010101" pitchFamily="18" charset="-127"/>
+              </a:rPr>
+              <a:t>밀리그램</a:t>
+            </a:r>
+            <a:r>
+              <a:rPr lang="en-US" altLang="ko-KR" sz="3200" spc="-150">
                 <a:solidFill>
                   <a:schemeClr val="bg1"/>
                 </a:solidFill>
+                <a:latin typeface="휴먼매직체" panose="02030504000101010101" pitchFamily="18" charset="-127"/>
+                <a:ea typeface="휴먼매직체" panose="02030504000101010101" pitchFamily="18" charset="-127"/>
               </a:rPr>
               <a:t>, </a:t>
             </a:r>
             <a:r>
-              <a:rPr lang="ko-KR" altLang="en-US" sz="1800" spc="-150" dirty="0">
+              <a:rPr lang="ko-KR" altLang="en-US" sz="3200" spc="-150">
                 <a:solidFill>
                   <a:schemeClr val="bg1"/>
                 </a:solidFill>
-              </a:rPr>
-              <a:t>무엇인지 별에도 어머니 이름자 </a:t>
-            </a:r>
-            <a:r>
-              <a:rPr lang="ko-KR" altLang="en-US" sz="1800" spc="-150" dirty="0" err="1">
+                <a:latin typeface="휴먼매직체" panose="02030504000101010101" pitchFamily="18" charset="-127"/>
+                <a:ea typeface="휴먼매직체" panose="02030504000101010101" pitchFamily="18" charset="-127"/>
+              </a:rPr>
+              <a:t>영양 성분 </a:t>
+            </a:r>
+            <a:r>
+              <a:rPr lang="en-US" altLang="ko-KR" sz="3200" spc="-150">
                 <a:solidFill>
                   <a:schemeClr val="bg1"/>
                 </a:solidFill>
-              </a:rPr>
-              <a:t>거외다</a:t>
-            </a:r>
-            <a:r>
-              <a:rPr lang="en-US" altLang="ko-KR" sz="1800" spc="-150" dirty="0">
+                <a:latin typeface="휴먼매직체" panose="02030504000101010101" pitchFamily="18" charset="-127"/>
+                <a:ea typeface="휴먼매직체" panose="02030504000101010101" pitchFamily="18" charset="-127"/>
+              </a:rPr>
+              <a:t>X</a:t>
+            </a:r>
+          </a:p>
+          <a:p>
+            <a:pPr algn="just">
+              <a:lnSpc>
+                <a:spcPct val="150000"/>
+              </a:lnSpc>
+            </a:pPr>
+            <a:r>
+              <a:rPr lang="ko-KR" altLang="en-US" sz="3200" spc="-150">
                 <a:solidFill>
                   <a:schemeClr val="bg1"/>
                 </a:solidFill>
-              </a:rPr>
-              <a:t>. </a:t>
-            </a:r>
-            <a:r>
-              <a:rPr lang="ko-KR" altLang="en-US" sz="1800" spc="-150" dirty="0">
+                <a:latin typeface="휴먼매직체" panose="02030504000101010101" pitchFamily="18" charset="-127"/>
+                <a:ea typeface="휴먼매직체" panose="02030504000101010101" pitchFamily="18" charset="-127"/>
+              </a:rPr>
+              <a:t>삼성헬스케어</a:t>
+            </a:r>
+            <a:r>
+              <a:rPr lang="en-US" altLang="ko-KR" sz="3200" spc="-150">
                 <a:solidFill>
                   <a:schemeClr val="bg1"/>
                 </a:solidFill>
-              </a:rPr>
-              <a:t>하나에 슬퍼하는 너무나 위에 된 봅니다</a:t>
-            </a:r>
-            <a:r>
-              <a:rPr lang="en-US" altLang="ko-KR" sz="1800" spc="-150" dirty="0">
+                <a:latin typeface="휴먼매직체" panose="02030504000101010101" pitchFamily="18" charset="-127"/>
+                <a:ea typeface="휴먼매직체" panose="02030504000101010101" pitchFamily="18" charset="-127"/>
+              </a:rPr>
+              <a:t>, </a:t>
+            </a:r>
+            <a:r>
+              <a:rPr lang="ko-KR" altLang="en-US" sz="3200" spc="-150">
                 <a:solidFill>
                   <a:schemeClr val="bg1"/>
                 </a:solidFill>
-              </a:rPr>
-              <a:t>. </a:t>
-            </a:r>
-            <a:r>
-              <a:rPr lang="ko-KR" altLang="en-US" sz="1800" spc="-150" dirty="0">
+                <a:latin typeface="휴먼매직체" panose="02030504000101010101" pitchFamily="18" charset="-127"/>
+                <a:ea typeface="휴먼매직체" panose="02030504000101010101" pitchFamily="18" charset="-127"/>
+              </a:rPr>
+              <a:t>인바디 </a:t>
+            </a:r>
+            <a:r>
+              <a:rPr lang="en-US" altLang="ko-KR" sz="3200" spc="-150">
                 <a:solidFill>
                   <a:schemeClr val="bg1"/>
                 </a:solidFill>
-              </a:rPr>
-              <a:t>없이 별에도 이름을 나는 풀이 </a:t>
-            </a:r>
-            <a:r>
-              <a:rPr lang="ko-KR" altLang="en-US" sz="1800" spc="-150" dirty="0" err="1">
-                <a:solidFill>
-                  <a:schemeClr val="bg1"/>
-                </a:solidFill>
-              </a:rPr>
-              <a:t>거외다</a:t>
-            </a:r>
-            <a:r>
-              <a:rPr lang="en-US" altLang="ko-KR" sz="1800" spc="-150" dirty="0">
-                <a:solidFill>
-                  <a:schemeClr val="bg1"/>
-                </a:solidFill>
-              </a:rPr>
-              <a:t>. </a:t>
-            </a:r>
-            <a:endParaRPr lang="ko-KR" altLang="en-US" sz="1800" spc="-150" dirty="0">
+                <a:latin typeface="휴먼매직체" panose="02030504000101010101" pitchFamily="18" charset="-127"/>
+                <a:ea typeface="휴먼매직체" panose="02030504000101010101" pitchFamily="18" charset="-127"/>
+              </a:rPr>
+              <a:t>X</a:t>
+            </a:r>
+            <a:endParaRPr lang="ko-KR" altLang="en-US" sz="3200" spc="-150" dirty="0">
               <a:solidFill>
                 <a:schemeClr val="bg1"/>
               </a:solidFill>
+              <a:latin typeface="휴먼매직체" panose="02030504000101010101" pitchFamily="18" charset="-127"/>
+              <a:ea typeface="휴먼매직체" panose="02030504000101010101" pitchFamily="18" charset="-127"/>
             </a:endParaRPr>
           </a:p>
         </p:txBody>

--- a/기말과제.pptx
+++ b/기말과제.pptx
@@ -9,25 +9,29 @@
     <p:sldId id="271" r:id="rId3"/>
     <p:sldId id="274" r:id="rId4"/>
     <p:sldId id="281" r:id="rId5"/>
-    <p:sldId id="298" r:id="rId6"/>
-    <p:sldId id="295" r:id="rId7"/>
-    <p:sldId id="286" r:id="rId8"/>
-    <p:sldId id="287" r:id="rId9"/>
-    <p:sldId id="280" r:id="rId10"/>
-    <p:sldId id="289" r:id="rId11"/>
-    <p:sldId id="288" r:id="rId12"/>
-    <p:sldId id="299" r:id="rId13"/>
-    <p:sldId id="294" r:id="rId14"/>
-    <p:sldId id="290" r:id="rId15"/>
-    <p:sldId id="291" r:id="rId16"/>
-    <p:sldId id="292" r:id="rId17"/>
-    <p:sldId id="293" r:id="rId18"/>
-    <p:sldId id="256" r:id="rId19"/>
-    <p:sldId id="257" r:id="rId20"/>
-    <p:sldId id="260" r:id="rId21"/>
-    <p:sldId id="259" r:id="rId22"/>
-    <p:sldId id="265" r:id="rId23"/>
-    <p:sldId id="266" r:id="rId24"/>
+    <p:sldId id="286" r:id="rId6"/>
+    <p:sldId id="298" r:id="rId7"/>
+    <p:sldId id="295" r:id="rId8"/>
+    <p:sldId id="300" r:id="rId9"/>
+    <p:sldId id="301" r:id="rId10"/>
+    <p:sldId id="302" r:id="rId11"/>
+    <p:sldId id="303" r:id="rId12"/>
+    <p:sldId id="287" r:id="rId13"/>
+    <p:sldId id="280" r:id="rId14"/>
+    <p:sldId id="289" r:id="rId15"/>
+    <p:sldId id="288" r:id="rId16"/>
+    <p:sldId id="299" r:id="rId17"/>
+    <p:sldId id="294" r:id="rId18"/>
+    <p:sldId id="290" r:id="rId19"/>
+    <p:sldId id="291" r:id="rId20"/>
+    <p:sldId id="292" r:id="rId21"/>
+    <p:sldId id="293" r:id="rId22"/>
+    <p:sldId id="256" r:id="rId23"/>
+    <p:sldId id="257" r:id="rId24"/>
+    <p:sldId id="260" r:id="rId25"/>
+    <p:sldId id="259" r:id="rId26"/>
+    <p:sldId id="265" r:id="rId27"/>
+    <p:sldId id="266" r:id="rId28"/>
   </p:sldIdLst>
   <p:sldSz cx="12192000" cy="6858000"/>
   <p:notesSz cx="6858000" cy="9144000"/>
@@ -148,7 +152,7 @@
 <file path=ppt/revisionInfo.xml><?xml version="1.0" encoding="utf-8"?>
 <p1510:revInfo xmlns:a="http://schemas.openxmlformats.org/drawingml/2006/main" xmlns:r="http://schemas.openxmlformats.org/officeDocument/2006/relationships" xmlns:p1510="http://schemas.microsoft.com/office/powerpoint/2015/10/main">
   <p1510:revLst>
-    <p1510:client id="{5D914AD7-9230-47CE-8F52-5A96260F97A5}" v="22" dt="2022-11-14T03:53:16.383"/>
+    <p1510:client id="{5D914AD7-9230-47CE-8F52-5A96260F97A5}" v="50" dt="2022-11-14T04:06:28.501"/>
   </p1510:revLst>
 </p1510:revInfo>
 </file>
@@ -661,8 +665,8 @@
   </pc:docChgLst>
   <pc:docChgLst>
     <pc:chgData name="yoon xihyeon" userId="b03689a23d6da60b" providerId="LiveId" clId="{5D914AD7-9230-47CE-8F52-5A96260F97A5}"/>
-    <pc:docChg chg="custSel modSld">
-      <pc:chgData name="yoon xihyeon" userId="b03689a23d6da60b" providerId="LiveId" clId="{5D914AD7-9230-47CE-8F52-5A96260F97A5}" dt="2022-11-14T03:56:03.975" v="289" actId="403"/>
+    <pc:docChg chg="undo custSel addSld delSld modSld sldOrd">
+      <pc:chgData name="yoon xihyeon" userId="b03689a23d6da60b" providerId="LiveId" clId="{5D914AD7-9230-47CE-8F52-5A96260F97A5}" dt="2022-11-14T04:09:52.543" v="811" actId="478"/>
       <pc:docMkLst>
         <pc:docMk/>
       </pc:docMkLst>
@@ -697,13 +701,36 @@
         </pc:spChg>
       </pc:sldChg>
       <pc:sldChg chg="delSp modSp mod">
-        <pc:chgData name="yoon xihyeon" userId="b03689a23d6da60b" providerId="LiveId" clId="{5D914AD7-9230-47CE-8F52-5A96260F97A5}" dt="2022-11-14T03:55:27.337" v="282"/>
+        <pc:chgData name="yoon xihyeon" userId="b03689a23d6da60b" providerId="LiveId" clId="{5D914AD7-9230-47CE-8F52-5A96260F97A5}" dt="2022-11-14T04:09:13.660" v="802" actId="478"/>
+        <pc:sldMkLst>
+          <pc:docMk/>
+          <pc:sldMk cId="1415009542" sldId="280"/>
+        </pc:sldMkLst>
+        <pc:spChg chg="del mod">
+          <ac:chgData name="yoon xihyeon" userId="b03689a23d6da60b" providerId="LiveId" clId="{5D914AD7-9230-47CE-8F52-5A96260F97A5}" dt="2022-11-14T04:09:13.660" v="802" actId="478"/>
+          <ac:spMkLst>
+            <pc:docMk/>
+            <pc:sldMk cId="1415009542" sldId="280"/>
+            <ac:spMk id="15" creationId="{8815A429-0165-46F7-A030-F0DB180F3DE0}"/>
+          </ac:spMkLst>
+        </pc:spChg>
+      </pc:sldChg>
+      <pc:sldChg chg="delSp modSp mod">
+        <pc:chgData name="yoon xihyeon" userId="b03689a23d6da60b" providerId="LiveId" clId="{5D914AD7-9230-47CE-8F52-5A96260F97A5}" dt="2022-11-14T04:08:54.069" v="799" actId="478"/>
         <pc:sldMkLst>
           <pc:docMk/>
           <pc:sldMk cId="1034208025" sldId="281"/>
         </pc:sldMkLst>
+        <pc:spChg chg="del">
+          <ac:chgData name="yoon xihyeon" userId="b03689a23d6da60b" providerId="LiveId" clId="{5D914AD7-9230-47CE-8F52-5A96260F97A5}" dt="2022-11-14T04:02:23.834" v="683" actId="478"/>
+          <ac:spMkLst>
+            <pc:docMk/>
+            <pc:sldMk cId="1034208025" sldId="281"/>
+            <ac:spMk id="7" creationId="{9A7034D5-42A8-4241-9D66-9B53239DB210}"/>
+          </ac:spMkLst>
+        </pc:spChg>
         <pc:spChg chg="mod">
-          <ac:chgData name="yoon xihyeon" userId="b03689a23d6da60b" providerId="LiveId" clId="{5D914AD7-9230-47CE-8F52-5A96260F97A5}" dt="2022-11-14T03:52:33.068" v="194" actId="2711"/>
+          <ac:chgData name="yoon xihyeon" userId="b03689a23d6da60b" providerId="LiveId" clId="{5D914AD7-9230-47CE-8F52-5A96260F97A5}" dt="2022-11-14T04:08:13.803" v="793" actId="404"/>
           <ac:spMkLst>
             <pc:docMk/>
             <pc:sldMk cId="1034208025" sldId="281"/>
@@ -711,11 +738,27 @@
           </ac:spMkLst>
         </pc:spChg>
         <pc:spChg chg="mod">
-          <ac:chgData name="yoon xihyeon" userId="b03689a23d6da60b" providerId="LiveId" clId="{5D914AD7-9230-47CE-8F52-5A96260F97A5}" dt="2022-11-14T03:55:27.337" v="282"/>
+          <ac:chgData name="yoon xihyeon" userId="b03689a23d6da60b" providerId="LiveId" clId="{5D914AD7-9230-47CE-8F52-5A96260F97A5}" dt="2022-11-14T04:02:40.252" v="690" actId="20577"/>
           <ac:spMkLst>
             <pc:docMk/>
             <pc:sldMk cId="1034208025" sldId="281"/>
             <ac:spMk id="14" creationId="{4602FD0B-2018-4853-AF61-F901FE68377A}"/>
+          </ac:spMkLst>
+        </pc:spChg>
+        <pc:spChg chg="del">
+          <ac:chgData name="yoon xihyeon" userId="b03689a23d6da60b" providerId="LiveId" clId="{5D914AD7-9230-47CE-8F52-5A96260F97A5}" dt="2022-11-14T04:02:27.248" v="684" actId="478"/>
+          <ac:spMkLst>
+            <pc:docMk/>
+            <pc:sldMk cId="1034208025" sldId="281"/>
+            <ac:spMk id="15" creationId="{EF232887-5039-491A-9BFD-663FE8E06D99}"/>
+          </ac:spMkLst>
+        </pc:spChg>
+        <pc:spChg chg="del mod">
+          <ac:chgData name="yoon xihyeon" userId="b03689a23d6da60b" providerId="LiveId" clId="{5D914AD7-9230-47CE-8F52-5A96260F97A5}" dt="2022-11-14T04:08:54.069" v="799" actId="478"/>
+          <ac:spMkLst>
+            <pc:docMk/>
+            <pc:sldMk cId="1034208025" sldId="281"/>
+            <ac:spMk id="16" creationId="{FD5F3A16-019F-4601-B0EF-882D4466946E}"/>
           </ac:spMkLst>
         </pc:spChg>
         <pc:spChg chg="del">
@@ -751,14 +794,214 @@
           </ac:cxnSpMkLst>
         </pc:cxnChg>
       </pc:sldChg>
-      <pc:sldChg chg="modSp mod">
-        <pc:chgData name="yoon xihyeon" userId="b03689a23d6da60b" providerId="LiveId" clId="{5D914AD7-9230-47CE-8F52-5A96260F97A5}" dt="2022-11-14T03:56:03.975" v="289" actId="403"/>
+      <pc:sldChg chg="delSp mod ord">
+        <pc:chgData name="yoon xihyeon" userId="b03689a23d6da60b" providerId="LiveId" clId="{5D914AD7-9230-47CE-8F52-5A96260F97A5}" dt="2022-11-14T04:09:00.461" v="800" actId="478"/>
+        <pc:sldMkLst>
+          <pc:docMk/>
+          <pc:sldMk cId="3524356639" sldId="286"/>
+        </pc:sldMkLst>
+        <pc:spChg chg="del">
+          <ac:chgData name="yoon xihyeon" userId="b03689a23d6da60b" providerId="LiveId" clId="{5D914AD7-9230-47CE-8F52-5A96260F97A5}" dt="2022-11-14T04:09:00.461" v="800" actId="478"/>
+          <ac:spMkLst>
+            <pc:docMk/>
+            <pc:sldMk cId="3524356639" sldId="286"/>
+            <ac:spMk id="15" creationId="{8815A429-0165-46F7-A030-F0DB180F3DE0}"/>
+          </ac:spMkLst>
+        </pc:spChg>
+      </pc:sldChg>
+      <pc:sldChg chg="delSp modSp mod">
+        <pc:chgData name="yoon xihyeon" userId="b03689a23d6da60b" providerId="LiveId" clId="{5D914AD7-9230-47CE-8F52-5A96260F97A5}" dt="2022-11-14T04:08:42.389" v="797" actId="478"/>
+        <pc:sldMkLst>
+          <pc:docMk/>
+          <pc:sldMk cId="3039576005" sldId="287"/>
+        </pc:sldMkLst>
+        <pc:spChg chg="mod">
+          <ac:chgData name="yoon xihyeon" userId="b03689a23d6da60b" providerId="LiveId" clId="{5D914AD7-9230-47CE-8F52-5A96260F97A5}" dt="2022-11-14T04:08:26.756" v="794" actId="404"/>
+          <ac:spMkLst>
+            <pc:docMk/>
+            <pc:sldMk cId="3039576005" sldId="287"/>
+            <ac:spMk id="9" creationId="{7FFA9BC9-96FB-4B17-AF51-48D81692F2D7}"/>
+          </ac:spMkLst>
+        </pc:spChg>
+        <pc:spChg chg="del mod">
+          <ac:chgData name="yoon xihyeon" userId="b03689a23d6da60b" providerId="LiveId" clId="{5D914AD7-9230-47CE-8F52-5A96260F97A5}" dt="2022-11-14T04:07:29.585" v="790" actId="21"/>
+          <ac:spMkLst>
+            <pc:docMk/>
+            <pc:sldMk cId="3039576005" sldId="287"/>
+            <ac:spMk id="13" creationId="{395E5339-1C54-4ED6-B26B-49980CB5CBCB}"/>
+          </ac:spMkLst>
+        </pc:spChg>
+        <pc:spChg chg="del">
+          <ac:chgData name="yoon xihyeon" userId="b03689a23d6da60b" providerId="LiveId" clId="{5D914AD7-9230-47CE-8F52-5A96260F97A5}" dt="2022-11-14T04:07:29.585" v="790" actId="21"/>
+          <ac:spMkLst>
+            <pc:docMk/>
+            <pc:sldMk cId="3039576005" sldId="287"/>
+            <ac:spMk id="14" creationId="{02D0422F-D06A-41DE-8CDA-E3F0EF25AD87}"/>
+          </ac:spMkLst>
+        </pc:spChg>
+        <pc:spChg chg="del mod">
+          <ac:chgData name="yoon xihyeon" userId="b03689a23d6da60b" providerId="LiveId" clId="{5D914AD7-9230-47CE-8F52-5A96260F97A5}" dt="2022-11-14T04:08:42.389" v="797" actId="478"/>
+          <ac:spMkLst>
+            <pc:docMk/>
+            <pc:sldMk cId="3039576005" sldId="287"/>
+            <ac:spMk id="15" creationId="{8815A429-0165-46F7-A030-F0DB180F3DE0}"/>
+          </ac:spMkLst>
+        </pc:spChg>
+        <pc:spChg chg="del">
+          <ac:chgData name="yoon xihyeon" userId="b03689a23d6da60b" providerId="LiveId" clId="{5D914AD7-9230-47CE-8F52-5A96260F97A5}" dt="2022-11-14T04:07:29.585" v="790" actId="21"/>
+          <ac:spMkLst>
+            <pc:docMk/>
+            <pc:sldMk cId="3039576005" sldId="287"/>
+            <ac:spMk id="17" creationId="{328F6FD4-8AB4-4E8B-9170-4D1C5928B7DA}"/>
+          </ac:spMkLst>
+        </pc:spChg>
+        <pc:spChg chg="del">
+          <ac:chgData name="yoon xihyeon" userId="b03689a23d6da60b" providerId="LiveId" clId="{5D914AD7-9230-47CE-8F52-5A96260F97A5}" dt="2022-11-14T04:07:29.585" v="790" actId="21"/>
+          <ac:spMkLst>
+            <pc:docMk/>
+            <pc:sldMk cId="3039576005" sldId="287"/>
+            <ac:spMk id="18" creationId="{BDA9770A-D39D-4A7F-A14E-E772054AAB72}"/>
+          </ac:spMkLst>
+        </pc:spChg>
+        <pc:spChg chg="del">
+          <ac:chgData name="yoon xihyeon" userId="b03689a23d6da60b" providerId="LiveId" clId="{5D914AD7-9230-47CE-8F52-5A96260F97A5}" dt="2022-11-14T04:07:29.585" v="790" actId="21"/>
+          <ac:spMkLst>
+            <pc:docMk/>
+            <pc:sldMk cId="3039576005" sldId="287"/>
+            <ac:spMk id="20" creationId="{4269153D-1DEC-4CFC-87C4-EB3F768AE6D4}"/>
+          </ac:spMkLst>
+        </pc:spChg>
+        <pc:spChg chg="del">
+          <ac:chgData name="yoon xihyeon" userId="b03689a23d6da60b" providerId="LiveId" clId="{5D914AD7-9230-47CE-8F52-5A96260F97A5}" dt="2022-11-14T04:07:29.585" v="790" actId="21"/>
+          <ac:spMkLst>
+            <pc:docMk/>
+            <pc:sldMk cId="3039576005" sldId="287"/>
+            <ac:spMk id="21" creationId="{5DEAC1AD-7D88-4E81-8571-1A0B8F3677AE}"/>
+          </ac:spMkLst>
+        </pc:spChg>
+        <pc:spChg chg="del">
+          <ac:chgData name="yoon xihyeon" userId="b03689a23d6da60b" providerId="LiveId" clId="{5D914AD7-9230-47CE-8F52-5A96260F97A5}" dt="2022-11-14T04:07:29.585" v="790" actId="21"/>
+          <ac:spMkLst>
+            <pc:docMk/>
+            <pc:sldMk cId="3039576005" sldId="287"/>
+            <ac:spMk id="23" creationId="{1D358335-3797-481A-88A9-AA0689023883}"/>
+          </ac:spMkLst>
+        </pc:spChg>
+        <pc:spChg chg="del">
+          <ac:chgData name="yoon xihyeon" userId="b03689a23d6da60b" providerId="LiveId" clId="{5D914AD7-9230-47CE-8F52-5A96260F97A5}" dt="2022-11-14T04:07:29.585" v="790" actId="21"/>
+          <ac:spMkLst>
+            <pc:docMk/>
+            <pc:sldMk cId="3039576005" sldId="287"/>
+            <ac:spMk id="24" creationId="{9421D3E1-0BB4-4B74-A707-5BAC350839EB}"/>
+          </ac:spMkLst>
+        </pc:spChg>
+      </pc:sldChg>
+      <pc:sldChg chg="delSp modSp mod">
+        <pc:chgData name="yoon xihyeon" userId="b03689a23d6da60b" providerId="LiveId" clId="{5D914AD7-9230-47CE-8F52-5A96260F97A5}" dt="2022-11-14T04:09:24.190" v="805" actId="478"/>
+        <pc:sldMkLst>
+          <pc:docMk/>
+          <pc:sldMk cId="2139668770" sldId="288"/>
+        </pc:sldMkLst>
+        <pc:spChg chg="del mod">
+          <ac:chgData name="yoon xihyeon" userId="b03689a23d6da60b" providerId="LiveId" clId="{5D914AD7-9230-47CE-8F52-5A96260F97A5}" dt="2022-11-14T04:09:24.190" v="805" actId="478"/>
+          <ac:spMkLst>
+            <pc:docMk/>
+            <pc:sldMk cId="2139668770" sldId="288"/>
+            <ac:spMk id="15" creationId="{8815A429-0165-46F7-A030-F0DB180F3DE0}"/>
+          </ac:spMkLst>
+        </pc:spChg>
+      </pc:sldChg>
+      <pc:sldChg chg="delSp mod">
+        <pc:chgData name="yoon xihyeon" userId="b03689a23d6da60b" providerId="LiveId" clId="{5D914AD7-9230-47CE-8F52-5A96260F97A5}" dt="2022-11-14T04:09:18.933" v="803" actId="478"/>
+        <pc:sldMkLst>
+          <pc:docMk/>
+          <pc:sldMk cId="1584148496" sldId="289"/>
+        </pc:sldMkLst>
+        <pc:spChg chg="del">
+          <ac:chgData name="yoon xihyeon" userId="b03689a23d6da60b" providerId="LiveId" clId="{5D914AD7-9230-47CE-8F52-5A96260F97A5}" dt="2022-11-14T04:09:18.933" v="803" actId="478"/>
+          <ac:spMkLst>
+            <pc:docMk/>
+            <pc:sldMk cId="1584148496" sldId="289"/>
+            <ac:spMk id="15" creationId="{8815A429-0165-46F7-A030-F0DB180F3DE0}"/>
+          </ac:spMkLst>
+        </pc:spChg>
+      </pc:sldChg>
+      <pc:sldChg chg="delSp mod">
+        <pc:chgData name="yoon xihyeon" userId="b03689a23d6da60b" providerId="LiveId" clId="{5D914AD7-9230-47CE-8F52-5A96260F97A5}" dt="2022-11-14T04:09:41.365" v="806" actId="478"/>
+        <pc:sldMkLst>
+          <pc:docMk/>
+          <pc:sldMk cId="2952192338" sldId="290"/>
+        </pc:sldMkLst>
+        <pc:spChg chg="del">
+          <ac:chgData name="yoon xihyeon" userId="b03689a23d6da60b" providerId="LiveId" clId="{5D914AD7-9230-47CE-8F52-5A96260F97A5}" dt="2022-11-14T04:09:41.365" v="806" actId="478"/>
+          <ac:spMkLst>
+            <pc:docMk/>
+            <pc:sldMk cId="2952192338" sldId="290"/>
+            <ac:spMk id="15" creationId="{8815A429-0165-46F7-A030-F0DB180F3DE0}"/>
+          </ac:spMkLst>
+        </pc:spChg>
+      </pc:sldChg>
+      <pc:sldChg chg="delSp modSp mod">
+        <pc:chgData name="yoon xihyeon" userId="b03689a23d6da60b" providerId="LiveId" clId="{5D914AD7-9230-47CE-8F52-5A96260F97A5}" dt="2022-11-14T04:09:46.395" v="808" actId="478"/>
+        <pc:sldMkLst>
+          <pc:docMk/>
+          <pc:sldMk cId="1881078102" sldId="291"/>
+        </pc:sldMkLst>
+        <pc:spChg chg="del mod">
+          <ac:chgData name="yoon xihyeon" userId="b03689a23d6da60b" providerId="LiveId" clId="{5D914AD7-9230-47CE-8F52-5A96260F97A5}" dt="2022-11-14T04:09:46.395" v="808" actId="478"/>
+          <ac:spMkLst>
+            <pc:docMk/>
+            <pc:sldMk cId="1881078102" sldId="291"/>
+            <ac:spMk id="15" creationId="{8815A429-0165-46F7-A030-F0DB180F3DE0}"/>
+          </ac:spMkLst>
+        </pc:spChg>
+      </pc:sldChg>
+      <pc:sldChg chg="delSp modSp mod">
+        <pc:chgData name="yoon xihyeon" userId="b03689a23d6da60b" providerId="LiveId" clId="{5D914AD7-9230-47CE-8F52-5A96260F97A5}" dt="2022-11-14T04:09:49.708" v="810" actId="478"/>
+        <pc:sldMkLst>
+          <pc:docMk/>
+          <pc:sldMk cId="3549485027" sldId="292"/>
+        </pc:sldMkLst>
+        <pc:spChg chg="del mod">
+          <ac:chgData name="yoon xihyeon" userId="b03689a23d6da60b" providerId="LiveId" clId="{5D914AD7-9230-47CE-8F52-5A96260F97A5}" dt="2022-11-14T04:09:49.708" v="810" actId="478"/>
+          <ac:spMkLst>
+            <pc:docMk/>
+            <pc:sldMk cId="3549485027" sldId="292"/>
+            <ac:spMk id="15" creationId="{8815A429-0165-46F7-A030-F0DB180F3DE0}"/>
+          </ac:spMkLst>
+        </pc:spChg>
+      </pc:sldChg>
+      <pc:sldChg chg="delSp mod">
+        <pc:chgData name="yoon xihyeon" userId="b03689a23d6da60b" providerId="LiveId" clId="{5D914AD7-9230-47CE-8F52-5A96260F97A5}" dt="2022-11-14T04:09:52.543" v="811" actId="478"/>
+        <pc:sldMkLst>
+          <pc:docMk/>
+          <pc:sldMk cId="1438082613" sldId="293"/>
+        </pc:sldMkLst>
+        <pc:spChg chg="del">
+          <ac:chgData name="yoon xihyeon" userId="b03689a23d6da60b" providerId="LiveId" clId="{5D914AD7-9230-47CE-8F52-5A96260F97A5}" dt="2022-11-14T04:09:52.543" v="811" actId="478"/>
+          <ac:spMkLst>
+            <pc:docMk/>
+            <pc:sldMk cId="1438082613" sldId="293"/>
+            <ac:spMk id="15" creationId="{8815A429-0165-46F7-A030-F0DB180F3DE0}"/>
+          </ac:spMkLst>
+        </pc:spChg>
+      </pc:sldChg>
+      <pc:sldChg chg="addSp modSp mod">
+        <pc:chgData name="yoon xihyeon" userId="b03689a23d6da60b" providerId="LiveId" clId="{5D914AD7-9230-47CE-8F52-5A96260F97A5}" dt="2022-11-14T04:04:39.230" v="750" actId="20577"/>
         <pc:sldMkLst>
           <pc:docMk/>
           <pc:sldMk cId="1627780173" sldId="295"/>
         </pc:sldMkLst>
+        <pc:spChg chg="add mod">
+          <ac:chgData name="yoon xihyeon" userId="b03689a23d6da60b" providerId="LiveId" clId="{5D914AD7-9230-47CE-8F52-5A96260F97A5}" dt="2022-11-14T04:03:47.760" v="729" actId="1036"/>
+          <ac:spMkLst>
+            <pc:docMk/>
+            <pc:sldMk cId="1627780173" sldId="295"/>
+            <ac:spMk id="2" creationId="{DDE284A1-06BB-AEF6-CC6C-FF63F7DABC50}"/>
+          </ac:spMkLst>
+        </pc:spChg>
         <pc:spChg chg="mod">
-          <ac:chgData name="yoon xihyeon" userId="b03689a23d6da60b" providerId="LiveId" clId="{5D914AD7-9230-47CE-8F52-5A96260F97A5}" dt="2022-11-14T03:56:03.975" v="289" actId="403"/>
+          <ac:chgData name="yoon xihyeon" userId="b03689a23d6da60b" providerId="LiveId" clId="{5D914AD7-9230-47CE-8F52-5A96260F97A5}" dt="2022-11-14T04:04:39.230" v="750" actId="20577"/>
           <ac:spMkLst>
             <pc:docMk/>
             <pc:sldMk cId="1627780173" sldId="295"/>
@@ -767,7 +1010,7 @@
         </pc:spChg>
       </pc:sldChg>
       <pc:sldChg chg="delSp modSp mod">
-        <pc:chgData name="yoon xihyeon" userId="b03689a23d6da60b" providerId="LiveId" clId="{5D914AD7-9230-47CE-8F52-5A96260F97A5}" dt="2022-11-14T03:52:40" v="195" actId="2711"/>
+        <pc:chgData name="yoon xihyeon" userId="b03689a23d6da60b" providerId="LiveId" clId="{5D914AD7-9230-47CE-8F52-5A96260F97A5}" dt="2022-11-14T04:03:57.074" v="730" actId="1035"/>
         <pc:sldMkLst>
           <pc:docMk/>
           <pc:sldMk cId="1503160340" sldId="298"/>
@@ -781,13 +1024,88 @@
           </ac:spMkLst>
         </pc:spChg>
         <pc:spChg chg="mod">
-          <ac:chgData name="yoon xihyeon" userId="b03689a23d6da60b" providerId="LiveId" clId="{5D914AD7-9230-47CE-8F52-5A96260F97A5}" dt="2022-11-14T03:52:40" v="195" actId="2711"/>
+          <ac:chgData name="yoon xihyeon" userId="b03689a23d6da60b" providerId="LiveId" clId="{5D914AD7-9230-47CE-8F52-5A96260F97A5}" dt="2022-11-14T04:03:57.074" v="730" actId="1035"/>
           <ac:spMkLst>
             <pc:docMk/>
             <pc:sldMk cId="1503160340" sldId="298"/>
             <ac:spMk id="7" creationId="{F2894A62-3A98-4459-B069-8674BB246AAC}"/>
           </ac:spMkLst>
         </pc:spChg>
+        <pc:picChg chg="del">
+          <ac:chgData name="yoon xihyeon" userId="b03689a23d6da60b" providerId="LiveId" clId="{5D914AD7-9230-47CE-8F52-5A96260F97A5}" dt="2022-11-14T04:03:18.261" v="726" actId="478"/>
+          <ac:picMkLst>
+            <pc:docMk/>
+            <pc:sldMk cId="1503160340" sldId="298"/>
+            <ac:picMk id="6" creationId="{4D7477A6-39A8-4642-8DC6-EE96DDA7AC2D}"/>
+          </ac:picMkLst>
+        </pc:picChg>
+      </pc:sldChg>
+      <pc:sldChg chg="modSp add mod">
+        <pc:chgData name="yoon xihyeon" userId="b03689a23d6da60b" providerId="LiveId" clId="{5D914AD7-9230-47CE-8F52-5A96260F97A5}" dt="2022-11-14T04:04:29.780" v="736" actId="20577"/>
+        <pc:sldMkLst>
+          <pc:docMk/>
+          <pc:sldMk cId="2322387484" sldId="300"/>
+        </pc:sldMkLst>
+        <pc:spChg chg="mod">
+          <ac:chgData name="yoon xihyeon" userId="b03689a23d6da60b" providerId="LiveId" clId="{5D914AD7-9230-47CE-8F52-5A96260F97A5}" dt="2022-11-14T04:04:29.780" v="736" actId="20577"/>
+          <ac:spMkLst>
+            <pc:docMk/>
+            <pc:sldMk cId="2322387484" sldId="300"/>
+            <ac:spMk id="6" creationId="{52457443-236A-4B97-AB90-9C203498A48B}"/>
+          </ac:spMkLst>
+        </pc:spChg>
+      </pc:sldChg>
+      <pc:sldChg chg="add del">
+        <pc:chgData name="yoon xihyeon" userId="b03689a23d6da60b" providerId="LiveId" clId="{5D914AD7-9230-47CE-8F52-5A96260F97A5}" dt="2022-11-14T04:04:43.487" v="751" actId="47"/>
+        <pc:sldMkLst>
+          <pc:docMk/>
+          <pc:sldMk cId="2272485096" sldId="301"/>
+        </pc:sldMkLst>
+      </pc:sldChg>
+      <pc:sldChg chg="delSp modSp add mod">
+        <pc:chgData name="yoon xihyeon" userId="b03689a23d6da60b" providerId="LiveId" clId="{5D914AD7-9230-47CE-8F52-5A96260F97A5}" dt="2022-11-14T04:05:32.134" v="771" actId="478"/>
+        <pc:sldMkLst>
+          <pc:docMk/>
+          <pc:sldMk cId="2365036064" sldId="301"/>
+        </pc:sldMkLst>
+        <pc:spChg chg="mod">
+          <ac:chgData name="yoon xihyeon" userId="b03689a23d6da60b" providerId="LiveId" clId="{5D914AD7-9230-47CE-8F52-5A96260F97A5}" dt="2022-11-14T04:04:57.274" v="765" actId="14100"/>
+          <ac:spMkLst>
+            <pc:docMk/>
+            <pc:sldMk cId="2365036064" sldId="301"/>
+            <ac:spMk id="2" creationId="{DDE284A1-06BB-AEF6-CC6C-FF63F7DABC50}"/>
+          </ac:spMkLst>
+        </pc:spChg>
+        <pc:spChg chg="del mod">
+          <ac:chgData name="yoon xihyeon" userId="b03689a23d6da60b" providerId="LiveId" clId="{5D914AD7-9230-47CE-8F52-5A96260F97A5}" dt="2022-11-14T04:05:32.134" v="771" actId="478"/>
+          <ac:spMkLst>
+            <pc:docMk/>
+            <pc:sldMk cId="2365036064" sldId="301"/>
+            <ac:spMk id="5" creationId="{1EB95980-B21E-481E-BF88-C25A52D77758}"/>
+          </ac:spMkLst>
+        </pc:spChg>
+        <pc:spChg chg="del mod">
+          <ac:chgData name="yoon xihyeon" userId="b03689a23d6da60b" providerId="LiveId" clId="{5D914AD7-9230-47CE-8F52-5A96260F97A5}" dt="2022-11-14T04:05:24.861" v="769" actId="478"/>
+          <ac:spMkLst>
+            <pc:docMk/>
+            <pc:sldMk cId="2365036064" sldId="301"/>
+            <ac:spMk id="6" creationId="{52457443-236A-4B97-AB90-9C203498A48B}"/>
+          </ac:spMkLst>
+        </pc:spChg>
+      </pc:sldChg>
+      <pc:sldChg chg="add">
+        <pc:chgData name="yoon xihyeon" userId="b03689a23d6da60b" providerId="LiveId" clId="{5D914AD7-9230-47CE-8F52-5A96260F97A5}" dt="2022-11-14T04:05:05.577" v="767" actId="2890"/>
+        <pc:sldMkLst>
+          <pc:docMk/>
+          <pc:sldMk cId="1979499213" sldId="302"/>
+        </pc:sldMkLst>
+      </pc:sldChg>
+      <pc:sldChg chg="add">
+        <pc:chgData name="yoon xihyeon" userId="b03689a23d6da60b" providerId="LiveId" clId="{5D914AD7-9230-47CE-8F52-5A96260F97A5}" dt="2022-11-14T04:05:09.239" v="768" actId="2890"/>
+        <pc:sldMkLst>
+          <pc:docMk/>
+          <pc:sldMk cId="650056831" sldId="303"/>
+        </pc:sldMkLst>
       </pc:sldChg>
     </pc:docChg>
   </pc:docChgLst>
@@ -10498,6 +10816,506 @@
 <file path=ppt/slides/slide10.xml><?xml version="1.0" encoding="utf-8"?>
 <p:sld xmlns:a="http://schemas.openxmlformats.org/drawingml/2006/main" xmlns:r="http://schemas.openxmlformats.org/officeDocument/2006/relationships" xmlns:p="http://schemas.openxmlformats.org/presentationml/2006/main">
   <p:cSld>
+    <p:bg>
+      <p:bgPr>
+        <a:solidFill>
+          <a:schemeClr val="tx2">
+            <a:lumMod val="75000"/>
+          </a:schemeClr>
+        </a:solidFill>
+        <a:effectLst/>
+      </p:bgPr>
+    </p:bg>
+    <p:spTree>
+      <p:nvGrpSpPr>
+        <p:cNvPr id="1" name=""/>
+        <p:cNvGrpSpPr/>
+        <p:nvPr/>
+      </p:nvGrpSpPr>
+      <p:grpSpPr>
+        <a:xfrm>
+          <a:off x="0" y="0"/>
+          <a:ext cx="0" cy="0"/>
+          <a:chOff x="0" y="0"/>
+          <a:chExt cx="0" cy="0"/>
+        </a:xfrm>
+      </p:grpSpPr>
+      <p:sp>
+        <p:nvSpPr>
+          <p:cNvPr id="6" name="TextBox 5">
+            <a:extLst>
+              <a:ext uri="{FF2B5EF4-FFF2-40B4-BE49-F238E27FC236}">
+                <a16:creationId xmlns:a16="http://schemas.microsoft.com/office/drawing/2014/main" id="{52457443-236A-4B97-AB90-9C203498A48B}"/>
+              </a:ext>
+            </a:extLst>
+          </p:cNvPr>
+          <p:cNvSpPr txBox="1"/>
+          <p:nvPr/>
+        </p:nvSpPr>
+        <p:spPr>
+          <a:xfrm>
+            <a:off x="3624405" y="2331038"/>
+            <a:ext cx="5446528" cy="717248"/>
+          </a:xfrm>
+          <a:prstGeom prst="rect">
+            <a:avLst/>
+          </a:prstGeom>
+          <a:noFill/>
+        </p:spPr>
+        <p:txBody>
+          <a:bodyPr wrap="square">
+            <a:spAutoFit/>
+          </a:bodyPr>
+          <a:lstStyle/>
+          <a:p>
+            <a:pPr algn="just">
+              <a:lnSpc>
+                <a:spcPct val="150000"/>
+              </a:lnSpc>
+            </a:pPr>
+            <a:r>
+              <a:rPr lang="ko-KR" altLang="en-US" sz="3200" spc="-150">
+                <a:solidFill>
+                  <a:schemeClr val="bg1"/>
+                </a:solidFill>
+                <a:latin typeface="휴먼매직체" panose="02030504000101010101" pitchFamily="18" charset="-127"/>
+                <a:ea typeface="휴먼매직체" panose="02030504000101010101" pitchFamily="18" charset="-127"/>
+              </a:rPr>
+              <a:t>삼성헬스케어</a:t>
+            </a:r>
+            <a:r>
+              <a:rPr lang="en-US" altLang="ko-KR" sz="3200" spc="-150">
+                <a:solidFill>
+                  <a:schemeClr val="bg1"/>
+                </a:solidFill>
+                <a:latin typeface="휴먼매직체" panose="02030504000101010101" pitchFamily="18" charset="-127"/>
+                <a:ea typeface="휴먼매직체" panose="02030504000101010101" pitchFamily="18" charset="-127"/>
+              </a:rPr>
+              <a:t>, </a:t>
+            </a:r>
+            <a:r>
+              <a:rPr lang="ko-KR" altLang="en-US" sz="3200" spc="-150">
+                <a:solidFill>
+                  <a:schemeClr val="bg1"/>
+                </a:solidFill>
+                <a:latin typeface="휴먼매직체" panose="02030504000101010101" pitchFamily="18" charset="-127"/>
+                <a:ea typeface="휴먼매직체" panose="02030504000101010101" pitchFamily="18" charset="-127"/>
+              </a:rPr>
+              <a:t>인바디 </a:t>
+            </a:r>
+            <a:r>
+              <a:rPr lang="en-US" altLang="ko-KR" sz="3200" spc="-150">
+                <a:solidFill>
+                  <a:schemeClr val="bg1"/>
+                </a:solidFill>
+                <a:latin typeface="휴먼매직체" panose="02030504000101010101" pitchFamily="18" charset="-127"/>
+                <a:ea typeface="휴먼매직체" panose="02030504000101010101" pitchFamily="18" charset="-127"/>
+              </a:rPr>
+              <a:t>X</a:t>
+            </a:r>
+          </a:p>
+        </p:txBody>
+      </p:sp>
+      <p:sp>
+        <p:nvSpPr>
+          <p:cNvPr id="5" name="TextBox 4">
+            <a:extLst>
+              <a:ext uri="{FF2B5EF4-FFF2-40B4-BE49-F238E27FC236}">
+                <a16:creationId xmlns:a16="http://schemas.microsoft.com/office/drawing/2014/main" id="{1EB95980-B21E-481E-BF88-C25A52D77758}"/>
+              </a:ext>
+            </a:extLst>
+          </p:cNvPr>
+          <p:cNvSpPr txBox="1"/>
+          <p:nvPr/>
+        </p:nvSpPr>
+        <p:spPr>
+          <a:xfrm>
+            <a:off x="2745641" y="2331038"/>
+            <a:ext cx="627095" cy="1200329"/>
+          </a:xfrm>
+          <a:prstGeom prst="rect">
+            <a:avLst/>
+          </a:prstGeom>
+          <a:noFill/>
+        </p:spPr>
+        <p:txBody>
+          <a:bodyPr wrap="none" rtlCol="0">
+            <a:spAutoFit/>
+          </a:bodyPr>
+          <a:lstStyle/>
+          <a:p>
+            <a:r>
+              <a:rPr lang="en-US" altLang="ko-KR" sz="7200" dirty="0">
+                <a:solidFill>
+                  <a:schemeClr val="bg1"/>
+                </a:solidFill>
+              </a:rPr>
+              <a:t>“</a:t>
+            </a:r>
+            <a:endParaRPr lang="ko-KR" altLang="en-US" sz="7200" dirty="0">
+              <a:solidFill>
+                <a:schemeClr val="bg1"/>
+              </a:solidFill>
+            </a:endParaRPr>
+          </a:p>
+        </p:txBody>
+      </p:sp>
+      <p:sp>
+        <p:nvSpPr>
+          <p:cNvPr id="2" name="TextBox 1">
+            <a:extLst>
+              <a:ext uri="{FF2B5EF4-FFF2-40B4-BE49-F238E27FC236}">
+                <a16:creationId xmlns:a16="http://schemas.microsoft.com/office/drawing/2014/main" id="{DDE284A1-06BB-AEF6-CC6C-FF63F7DABC50}"/>
+              </a:ext>
+            </a:extLst>
+          </p:cNvPr>
+          <p:cNvSpPr txBox="1"/>
+          <p:nvPr/>
+        </p:nvSpPr>
+        <p:spPr>
+          <a:xfrm>
+            <a:off x="234434" y="207141"/>
+            <a:ext cx="5134520" cy="523220"/>
+          </a:xfrm>
+          <a:prstGeom prst="rect">
+            <a:avLst/>
+          </a:prstGeom>
+          <a:noFill/>
+        </p:spPr>
+        <p:txBody>
+          <a:bodyPr wrap="square" rtlCol="0">
+            <a:spAutoFit/>
+          </a:bodyPr>
+          <a:lstStyle/>
+          <a:p>
+            <a:r>
+              <a:rPr lang="en-US" altLang="ko-KR" sz="2800">
+                <a:solidFill>
+                  <a:schemeClr val="bg1"/>
+                </a:solidFill>
+                <a:latin typeface="휴먼매직체" panose="02030504000101010101" pitchFamily="18" charset="-127"/>
+                <a:ea typeface="휴먼매직체" panose="02030504000101010101" pitchFamily="18" charset="-127"/>
+              </a:rPr>
+              <a:t>3. </a:t>
+            </a:r>
+            <a:r>
+              <a:rPr lang="ko-KR" altLang="en-US" sz="2800">
+                <a:solidFill>
+                  <a:schemeClr val="bg1"/>
+                </a:solidFill>
+                <a:latin typeface="휴먼매직체" panose="02030504000101010101" pitchFamily="18" charset="-127"/>
+                <a:ea typeface="휴먼매직체" panose="02030504000101010101" pitchFamily="18" charset="-127"/>
+              </a:rPr>
+              <a:t>유사 사이트 분석 </a:t>
+            </a:r>
+            <a:r>
+              <a:rPr lang="en-US" altLang="ko-KR" sz="2800">
+                <a:solidFill>
+                  <a:schemeClr val="bg1"/>
+                </a:solidFill>
+                <a:latin typeface="휴먼매직체" panose="02030504000101010101" pitchFamily="18" charset="-127"/>
+                <a:ea typeface="휴먼매직체" panose="02030504000101010101" pitchFamily="18" charset="-127"/>
+              </a:rPr>
+              <a:t>: </a:t>
+            </a:r>
+            <a:r>
+              <a:rPr lang="ko-KR" altLang="en-US" sz="2800" spc="-150">
+                <a:solidFill>
+                  <a:schemeClr val="bg1"/>
+                </a:solidFill>
+                <a:latin typeface="휴먼매직체" panose="02030504000101010101" pitchFamily="18" charset="-127"/>
+                <a:ea typeface="휴먼매직체" panose="02030504000101010101" pitchFamily="18" charset="-127"/>
+              </a:rPr>
+              <a:t>삼성헬스케어</a:t>
+            </a:r>
+            <a:endParaRPr lang="ko-KR" altLang="en-US" sz="2800" dirty="0">
+              <a:solidFill>
+                <a:schemeClr val="bg1"/>
+              </a:solidFill>
+              <a:latin typeface="휴먼매직체" panose="02030504000101010101" pitchFamily="18" charset="-127"/>
+              <a:ea typeface="휴먼매직체" panose="02030504000101010101" pitchFamily="18" charset="-127"/>
+            </a:endParaRPr>
+          </a:p>
+        </p:txBody>
+      </p:sp>
+    </p:spTree>
+    <p:extLst>
+      <p:ext uri="{BB962C8B-B14F-4D97-AF65-F5344CB8AC3E}">
+        <p14:creationId xmlns:p14="http://schemas.microsoft.com/office/powerpoint/2010/main" val="1979499213"/>
+      </p:ext>
+    </p:extLst>
+  </p:cSld>
+  <p:clrMapOvr>
+    <a:masterClrMapping/>
+  </p:clrMapOvr>
+  <mc:AlternateContent xmlns:mc="http://schemas.openxmlformats.org/markup-compatibility/2006">
+    <mc:Choice xmlns:p14="http://schemas.microsoft.com/office/powerpoint/2010/main" Requires="p14">
+      <p:transition spd="med" p14:dur="700">
+        <p:fade/>
+      </p:transition>
+    </mc:Choice>
+    <mc:Fallback>
+      <p:transition spd="med">
+        <p:fade/>
+      </p:transition>
+    </mc:Fallback>
+  </mc:AlternateContent>
+</p:sld>
+</file>
+
+<file path=ppt/slides/slide11.xml><?xml version="1.0" encoding="utf-8"?>
+<p:sld xmlns:a="http://schemas.openxmlformats.org/drawingml/2006/main" xmlns:r="http://schemas.openxmlformats.org/officeDocument/2006/relationships" xmlns:p="http://schemas.openxmlformats.org/presentationml/2006/main">
+  <p:cSld>
+    <p:bg>
+      <p:bgPr>
+        <a:solidFill>
+          <a:schemeClr val="tx2">
+            <a:lumMod val="75000"/>
+          </a:schemeClr>
+        </a:solidFill>
+        <a:effectLst/>
+      </p:bgPr>
+    </p:bg>
+    <p:spTree>
+      <p:nvGrpSpPr>
+        <p:cNvPr id="1" name=""/>
+        <p:cNvGrpSpPr/>
+        <p:nvPr/>
+      </p:nvGrpSpPr>
+      <p:grpSpPr>
+        <a:xfrm>
+          <a:off x="0" y="0"/>
+          <a:ext cx="0" cy="0"/>
+          <a:chOff x="0" y="0"/>
+          <a:chExt cx="0" cy="0"/>
+        </a:xfrm>
+      </p:grpSpPr>
+      <p:sp>
+        <p:nvSpPr>
+          <p:cNvPr id="6" name="TextBox 5">
+            <a:extLst>
+              <a:ext uri="{FF2B5EF4-FFF2-40B4-BE49-F238E27FC236}">
+                <a16:creationId xmlns:a16="http://schemas.microsoft.com/office/drawing/2014/main" id="{52457443-236A-4B97-AB90-9C203498A48B}"/>
+              </a:ext>
+            </a:extLst>
+          </p:cNvPr>
+          <p:cNvSpPr txBox="1"/>
+          <p:nvPr/>
+        </p:nvSpPr>
+        <p:spPr>
+          <a:xfrm>
+            <a:off x="3624405" y="2331038"/>
+            <a:ext cx="5446528" cy="717248"/>
+          </a:xfrm>
+          <a:prstGeom prst="rect">
+            <a:avLst/>
+          </a:prstGeom>
+          <a:noFill/>
+        </p:spPr>
+        <p:txBody>
+          <a:bodyPr wrap="square">
+            <a:spAutoFit/>
+          </a:bodyPr>
+          <a:lstStyle/>
+          <a:p>
+            <a:pPr algn="just">
+              <a:lnSpc>
+                <a:spcPct val="150000"/>
+              </a:lnSpc>
+            </a:pPr>
+            <a:r>
+              <a:rPr lang="ko-KR" altLang="en-US" sz="3200" spc="-150">
+                <a:solidFill>
+                  <a:schemeClr val="bg1"/>
+                </a:solidFill>
+                <a:latin typeface="휴먼매직체" panose="02030504000101010101" pitchFamily="18" charset="-127"/>
+                <a:ea typeface="휴먼매직체" panose="02030504000101010101" pitchFamily="18" charset="-127"/>
+              </a:rPr>
+              <a:t>삼성헬스케어</a:t>
+            </a:r>
+            <a:r>
+              <a:rPr lang="en-US" altLang="ko-KR" sz="3200" spc="-150">
+                <a:solidFill>
+                  <a:schemeClr val="bg1"/>
+                </a:solidFill>
+                <a:latin typeface="휴먼매직체" panose="02030504000101010101" pitchFamily="18" charset="-127"/>
+                <a:ea typeface="휴먼매직체" panose="02030504000101010101" pitchFamily="18" charset="-127"/>
+              </a:rPr>
+              <a:t>, </a:t>
+            </a:r>
+            <a:r>
+              <a:rPr lang="ko-KR" altLang="en-US" sz="3200" spc="-150">
+                <a:solidFill>
+                  <a:schemeClr val="bg1"/>
+                </a:solidFill>
+                <a:latin typeface="휴먼매직체" panose="02030504000101010101" pitchFamily="18" charset="-127"/>
+                <a:ea typeface="휴먼매직체" panose="02030504000101010101" pitchFamily="18" charset="-127"/>
+              </a:rPr>
+              <a:t>인바디 </a:t>
+            </a:r>
+            <a:r>
+              <a:rPr lang="en-US" altLang="ko-KR" sz="3200" spc="-150">
+                <a:solidFill>
+                  <a:schemeClr val="bg1"/>
+                </a:solidFill>
+                <a:latin typeface="휴먼매직체" panose="02030504000101010101" pitchFamily="18" charset="-127"/>
+                <a:ea typeface="휴먼매직체" panose="02030504000101010101" pitchFamily="18" charset="-127"/>
+              </a:rPr>
+              <a:t>X</a:t>
+            </a:r>
+          </a:p>
+        </p:txBody>
+      </p:sp>
+      <p:sp>
+        <p:nvSpPr>
+          <p:cNvPr id="5" name="TextBox 4">
+            <a:extLst>
+              <a:ext uri="{FF2B5EF4-FFF2-40B4-BE49-F238E27FC236}">
+                <a16:creationId xmlns:a16="http://schemas.microsoft.com/office/drawing/2014/main" id="{1EB95980-B21E-481E-BF88-C25A52D77758}"/>
+              </a:ext>
+            </a:extLst>
+          </p:cNvPr>
+          <p:cNvSpPr txBox="1"/>
+          <p:nvPr/>
+        </p:nvSpPr>
+        <p:spPr>
+          <a:xfrm>
+            <a:off x="2745641" y="2331038"/>
+            <a:ext cx="627095" cy="1200329"/>
+          </a:xfrm>
+          <a:prstGeom prst="rect">
+            <a:avLst/>
+          </a:prstGeom>
+          <a:noFill/>
+        </p:spPr>
+        <p:txBody>
+          <a:bodyPr wrap="none" rtlCol="0">
+            <a:spAutoFit/>
+          </a:bodyPr>
+          <a:lstStyle/>
+          <a:p>
+            <a:r>
+              <a:rPr lang="en-US" altLang="ko-KR" sz="7200" dirty="0">
+                <a:solidFill>
+                  <a:schemeClr val="bg1"/>
+                </a:solidFill>
+              </a:rPr>
+              <a:t>“</a:t>
+            </a:r>
+            <a:endParaRPr lang="ko-KR" altLang="en-US" sz="7200" dirty="0">
+              <a:solidFill>
+                <a:schemeClr val="bg1"/>
+              </a:solidFill>
+            </a:endParaRPr>
+          </a:p>
+        </p:txBody>
+      </p:sp>
+      <p:sp>
+        <p:nvSpPr>
+          <p:cNvPr id="2" name="TextBox 1">
+            <a:extLst>
+              <a:ext uri="{FF2B5EF4-FFF2-40B4-BE49-F238E27FC236}">
+                <a16:creationId xmlns:a16="http://schemas.microsoft.com/office/drawing/2014/main" id="{DDE284A1-06BB-AEF6-CC6C-FF63F7DABC50}"/>
+              </a:ext>
+            </a:extLst>
+          </p:cNvPr>
+          <p:cNvSpPr txBox="1"/>
+          <p:nvPr/>
+        </p:nvSpPr>
+        <p:spPr>
+          <a:xfrm>
+            <a:off x="234434" y="207141"/>
+            <a:ext cx="5134520" cy="523220"/>
+          </a:xfrm>
+          <a:prstGeom prst="rect">
+            <a:avLst/>
+          </a:prstGeom>
+          <a:noFill/>
+        </p:spPr>
+        <p:txBody>
+          <a:bodyPr wrap="square" rtlCol="0">
+            <a:spAutoFit/>
+          </a:bodyPr>
+          <a:lstStyle/>
+          <a:p>
+            <a:r>
+              <a:rPr lang="en-US" altLang="ko-KR" sz="2800">
+                <a:solidFill>
+                  <a:schemeClr val="bg1"/>
+                </a:solidFill>
+                <a:latin typeface="휴먼매직체" panose="02030504000101010101" pitchFamily="18" charset="-127"/>
+                <a:ea typeface="휴먼매직체" panose="02030504000101010101" pitchFamily="18" charset="-127"/>
+              </a:rPr>
+              <a:t>3. </a:t>
+            </a:r>
+            <a:r>
+              <a:rPr lang="ko-KR" altLang="en-US" sz="2800">
+                <a:solidFill>
+                  <a:schemeClr val="bg1"/>
+                </a:solidFill>
+                <a:latin typeface="휴먼매직체" panose="02030504000101010101" pitchFamily="18" charset="-127"/>
+                <a:ea typeface="휴먼매직체" panose="02030504000101010101" pitchFamily="18" charset="-127"/>
+              </a:rPr>
+              <a:t>유사 사이트 분석 </a:t>
+            </a:r>
+            <a:r>
+              <a:rPr lang="en-US" altLang="ko-KR" sz="2800">
+                <a:solidFill>
+                  <a:schemeClr val="bg1"/>
+                </a:solidFill>
+                <a:latin typeface="휴먼매직체" panose="02030504000101010101" pitchFamily="18" charset="-127"/>
+                <a:ea typeface="휴먼매직체" panose="02030504000101010101" pitchFamily="18" charset="-127"/>
+              </a:rPr>
+              <a:t>: </a:t>
+            </a:r>
+            <a:r>
+              <a:rPr lang="ko-KR" altLang="en-US" sz="2800" spc="-150">
+                <a:solidFill>
+                  <a:schemeClr val="bg1"/>
+                </a:solidFill>
+                <a:latin typeface="휴먼매직체" panose="02030504000101010101" pitchFamily="18" charset="-127"/>
+                <a:ea typeface="휴먼매직체" panose="02030504000101010101" pitchFamily="18" charset="-127"/>
+              </a:rPr>
+              <a:t>삼성헬스케어</a:t>
+            </a:r>
+            <a:endParaRPr lang="ko-KR" altLang="en-US" sz="2800" dirty="0">
+              <a:solidFill>
+                <a:schemeClr val="bg1"/>
+              </a:solidFill>
+              <a:latin typeface="휴먼매직체" panose="02030504000101010101" pitchFamily="18" charset="-127"/>
+              <a:ea typeface="휴먼매직체" panose="02030504000101010101" pitchFamily="18" charset="-127"/>
+            </a:endParaRPr>
+          </a:p>
+        </p:txBody>
+      </p:sp>
+    </p:spTree>
+    <p:extLst>
+      <p:ext uri="{BB962C8B-B14F-4D97-AF65-F5344CB8AC3E}">
+        <p14:creationId xmlns:p14="http://schemas.microsoft.com/office/powerpoint/2010/main" val="650056831"/>
+      </p:ext>
+    </p:extLst>
+  </p:cSld>
+  <p:clrMapOvr>
+    <a:masterClrMapping/>
+  </p:clrMapOvr>
+  <mc:AlternateContent xmlns:mc="http://schemas.openxmlformats.org/markup-compatibility/2006">
+    <mc:Choice xmlns:p14="http://schemas.microsoft.com/office/powerpoint/2010/main" Requires="p14">
+      <p:transition spd="med" p14:dur="700">
+        <p:fade/>
+      </p:transition>
+    </mc:Choice>
+    <mc:Fallback>
+      <p:transition spd="med">
+        <p:fade/>
+      </p:transition>
+    </mc:Fallback>
+  </mc:AlternateContent>
+</p:sld>
+</file>
+
+<file path=ppt/slides/slide12.xml><?xml version="1.0" encoding="utf-8"?>
+<p:sld xmlns:a="http://schemas.openxmlformats.org/drawingml/2006/main" xmlns:r="http://schemas.openxmlformats.org/officeDocument/2006/relationships" xmlns:p="http://schemas.openxmlformats.org/presentationml/2006/main">
+  <p:cSld>
     <p:spTree>
       <p:nvGrpSpPr>
         <p:cNvPr id="1" name=""/>
@@ -10622,6 +11440,735 @@
         <p:spPr>
           <a:xfrm>
             <a:off x="329610" y="111525"/>
+            <a:ext cx="1478290" cy="523220"/>
+          </a:xfrm>
+          <a:prstGeom prst="rect">
+            <a:avLst/>
+          </a:prstGeom>
+          <a:noFill/>
+        </p:spPr>
+        <p:txBody>
+          <a:bodyPr wrap="none" rtlCol="0">
+            <a:spAutoFit/>
+          </a:bodyPr>
+          <a:lstStyle/>
+          <a:p>
+            <a:r>
+              <a:rPr lang="en-US" altLang="ko-KR" sz="2800" spc="-300">
+                <a:solidFill>
+                  <a:schemeClr val="tx1">
+                    <a:lumMod val="85000"/>
+                    <a:lumOff val="15000"/>
+                  </a:schemeClr>
+                </a:solidFill>
+                <a:latin typeface="휴먼매직체" panose="02030504000101010101" pitchFamily="18" charset="-127"/>
+                <a:ea typeface="휴먼매직체" panose="02030504000101010101" pitchFamily="18" charset="-127"/>
+              </a:rPr>
+              <a:t>4.</a:t>
+            </a:r>
+            <a:r>
+              <a:rPr lang="ko-KR" altLang="en-US" sz="2800" spc="-300">
+                <a:solidFill>
+                  <a:schemeClr val="tx1">
+                    <a:lumMod val="85000"/>
+                    <a:lumOff val="15000"/>
+                  </a:schemeClr>
+                </a:solidFill>
+                <a:latin typeface="휴먼매직체" panose="02030504000101010101" pitchFamily="18" charset="-127"/>
+                <a:ea typeface="휴먼매직체" panose="02030504000101010101" pitchFamily="18" charset="-127"/>
+              </a:rPr>
+              <a:t>개발 목표</a:t>
+            </a:r>
+            <a:endParaRPr lang="ko-KR" altLang="en-US" sz="2800" spc="-300" dirty="0">
+              <a:solidFill>
+                <a:schemeClr val="tx1">
+                  <a:lumMod val="85000"/>
+                  <a:lumOff val="15000"/>
+                </a:schemeClr>
+              </a:solidFill>
+              <a:latin typeface="휴먼매직체" panose="02030504000101010101" pitchFamily="18" charset="-127"/>
+              <a:ea typeface="휴먼매직체" panose="02030504000101010101" pitchFamily="18" charset="-127"/>
+            </a:endParaRPr>
+          </a:p>
+        </p:txBody>
+      </p:sp>
+      <p:cxnSp>
+        <p:nvCxnSpPr>
+          <p:cNvPr id="12" name="직선 연결선 11">
+            <a:extLst>
+              <a:ext uri="{FF2B5EF4-FFF2-40B4-BE49-F238E27FC236}">
+                <a16:creationId xmlns:a16="http://schemas.microsoft.com/office/drawing/2014/main" id="{9742D1A6-E7F3-4E84-9CDB-BF483BDD38B5}"/>
+              </a:ext>
+            </a:extLst>
+          </p:cNvPr>
+          <p:cNvCxnSpPr/>
+          <p:nvPr/>
+        </p:nvCxnSpPr>
+        <p:spPr>
+          <a:xfrm>
+            <a:off x="1046180" y="5507781"/>
+            <a:ext cx="2038350" cy="0"/>
+          </a:xfrm>
+          <a:prstGeom prst="line">
+            <a:avLst/>
+          </a:prstGeom>
+          <a:ln>
+            <a:solidFill>
+              <a:schemeClr val="tx1">
+                <a:lumMod val="50000"/>
+                <a:lumOff val="50000"/>
+              </a:schemeClr>
+            </a:solidFill>
+          </a:ln>
+        </p:spPr>
+        <p:style>
+          <a:lnRef idx="1">
+            <a:schemeClr val="accent1"/>
+          </a:lnRef>
+          <a:fillRef idx="0">
+            <a:schemeClr val="accent1"/>
+          </a:fillRef>
+          <a:effectRef idx="0">
+            <a:schemeClr val="accent1"/>
+          </a:effectRef>
+          <a:fontRef idx="minor">
+            <a:schemeClr val="tx1"/>
+          </a:fontRef>
+        </p:style>
+      </p:cxnSp>
+      <p:cxnSp>
+        <p:nvCxnSpPr>
+          <p:cNvPr id="16" name="직선 연결선 15">
+            <a:extLst>
+              <a:ext uri="{FF2B5EF4-FFF2-40B4-BE49-F238E27FC236}">
+                <a16:creationId xmlns:a16="http://schemas.microsoft.com/office/drawing/2014/main" id="{5F729412-9112-4DCB-A429-D645A9C6FCE2}"/>
+              </a:ext>
+            </a:extLst>
+          </p:cNvPr>
+          <p:cNvCxnSpPr/>
+          <p:nvPr/>
+        </p:nvCxnSpPr>
+        <p:spPr>
+          <a:xfrm>
+            <a:off x="3710583" y="5507781"/>
+            <a:ext cx="2038350" cy="0"/>
+          </a:xfrm>
+          <a:prstGeom prst="line">
+            <a:avLst/>
+          </a:prstGeom>
+          <a:ln>
+            <a:solidFill>
+              <a:schemeClr val="tx1">
+                <a:lumMod val="50000"/>
+                <a:lumOff val="50000"/>
+              </a:schemeClr>
+            </a:solidFill>
+          </a:ln>
+        </p:spPr>
+        <p:style>
+          <a:lnRef idx="1">
+            <a:schemeClr val="accent1"/>
+          </a:lnRef>
+          <a:fillRef idx="0">
+            <a:schemeClr val="accent1"/>
+          </a:fillRef>
+          <a:effectRef idx="0">
+            <a:schemeClr val="accent1"/>
+          </a:effectRef>
+          <a:fontRef idx="minor">
+            <a:schemeClr val="tx1"/>
+          </a:fontRef>
+        </p:style>
+      </p:cxnSp>
+      <p:cxnSp>
+        <p:nvCxnSpPr>
+          <p:cNvPr id="19" name="직선 연결선 18">
+            <a:extLst>
+              <a:ext uri="{FF2B5EF4-FFF2-40B4-BE49-F238E27FC236}">
+                <a16:creationId xmlns:a16="http://schemas.microsoft.com/office/drawing/2014/main" id="{8A5DFFCE-4A81-4FD3-B342-6726CD12DD5D}"/>
+              </a:ext>
+            </a:extLst>
+          </p:cNvPr>
+          <p:cNvCxnSpPr/>
+          <p:nvPr/>
+        </p:nvCxnSpPr>
+        <p:spPr>
+          <a:xfrm>
+            <a:off x="6374986" y="5507781"/>
+            <a:ext cx="2038350" cy="0"/>
+          </a:xfrm>
+          <a:prstGeom prst="line">
+            <a:avLst/>
+          </a:prstGeom>
+          <a:ln>
+            <a:solidFill>
+              <a:schemeClr val="tx1">
+                <a:lumMod val="50000"/>
+                <a:lumOff val="50000"/>
+              </a:schemeClr>
+            </a:solidFill>
+          </a:ln>
+        </p:spPr>
+        <p:style>
+          <a:lnRef idx="1">
+            <a:schemeClr val="accent1"/>
+          </a:lnRef>
+          <a:fillRef idx="0">
+            <a:schemeClr val="accent1"/>
+          </a:fillRef>
+          <a:effectRef idx="0">
+            <a:schemeClr val="accent1"/>
+          </a:effectRef>
+          <a:fontRef idx="minor">
+            <a:schemeClr val="tx1"/>
+          </a:fontRef>
+        </p:style>
+      </p:cxnSp>
+      <p:cxnSp>
+        <p:nvCxnSpPr>
+          <p:cNvPr id="22" name="직선 연결선 21">
+            <a:extLst>
+              <a:ext uri="{FF2B5EF4-FFF2-40B4-BE49-F238E27FC236}">
+                <a16:creationId xmlns:a16="http://schemas.microsoft.com/office/drawing/2014/main" id="{EBA72BCD-F717-4443-92F7-ABE5A7BB32FC}"/>
+              </a:ext>
+            </a:extLst>
+          </p:cNvPr>
+          <p:cNvCxnSpPr/>
+          <p:nvPr/>
+        </p:nvCxnSpPr>
+        <p:spPr>
+          <a:xfrm>
+            <a:off x="9039389" y="5507781"/>
+            <a:ext cx="2038350" cy="0"/>
+          </a:xfrm>
+          <a:prstGeom prst="line">
+            <a:avLst/>
+          </a:prstGeom>
+          <a:ln>
+            <a:solidFill>
+              <a:schemeClr val="tx1">
+                <a:lumMod val="50000"/>
+                <a:lumOff val="50000"/>
+              </a:schemeClr>
+            </a:solidFill>
+          </a:ln>
+        </p:spPr>
+        <p:style>
+          <a:lnRef idx="1">
+            <a:schemeClr val="accent1"/>
+          </a:lnRef>
+          <a:fillRef idx="0">
+            <a:schemeClr val="accent1"/>
+          </a:fillRef>
+          <a:effectRef idx="0">
+            <a:schemeClr val="accent1"/>
+          </a:effectRef>
+          <a:fontRef idx="minor">
+            <a:schemeClr val="tx1"/>
+          </a:fontRef>
+        </p:style>
+      </p:cxnSp>
+      <p:sp>
+        <p:nvSpPr>
+          <p:cNvPr id="25" name="TextBox 24">
+            <a:extLst>
+              <a:ext uri="{FF2B5EF4-FFF2-40B4-BE49-F238E27FC236}">
+                <a16:creationId xmlns:a16="http://schemas.microsoft.com/office/drawing/2014/main" id="{B0DD473D-626F-4DC6-A648-3BFCC6B4AF47}"/>
+              </a:ext>
+            </a:extLst>
+          </p:cNvPr>
+          <p:cNvSpPr txBox="1"/>
+          <p:nvPr/>
+        </p:nvSpPr>
+        <p:spPr>
+          <a:xfrm flipH="1">
+            <a:off x="889747" y="1558487"/>
+            <a:ext cx="2488018" cy="400110"/>
+          </a:xfrm>
+          <a:prstGeom prst="rect">
+            <a:avLst/>
+          </a:prstGeom>
+          <a:noFill/>
+        </p:spPr>
+        <p:txBody>
+          <a:bodyPr wrap="square" rtlCol="0">
+            <a:spAutoFit/>
+          </a:bodyPr>
+          <a:lstStyle/>
+          <a:p>
+            <a:r>
+              <a:rPr lang="en-US" altLang="ko-KR" sz="2000" b="1" dirty="0"/>
+              <a:t>001</a:t>
+            </a:r>
+            <a:endParaRPr lang="ko-KR" altLang="en-US" sz="2000" b="1" dirty="0"/>
+          </a:p>
+        </p:txBody>
+      </p:sp>
+      <p:sp>
+        <p:nvSpPr>
+          <p:cNvPr id="26" name="TextBox 25">
+            <a:extLst>
+              <a:ext uri="{FF2B5EF4-FFF2-40B4-BE49-F238E27FC236}">
+                <a16:creationId xmlns:a16="http://schemas.microsoft.com/office/drawing/2014/main" id="{C4404A3D-C925-4422-B36F-7ADEB3EAF66A}"/>
+              </a:ext>
+            </a:extLst>
+          </p:cNvPr>
+          <p:cNvSpPr txBox="1"/>
+          <p:nvPr/>
+        </p:nvSpPr>
+        <p:spPr>
+          <a:xfrm flipH="1">
+            <a:off x="3505799" y="1558487"/>
+            <a:ext cx="819325" cy="400110"/>
+          </a:xfrm>
+          <a:prstGeom prst="rect">
+            <a:avLst/>
+          </a:prstGeom>
+          <a:noFill/>
+        </p:spPr>
+        <p:txBody>
+          <a:bodyPr wrap="square" rtlCol="0">
+            <a:spAutoFit/>
+          </a:bodyPr>
+          <a:lstStyle/>
+          <a:p>
+            <a:r>
+              <a:rPr lang="en-US" altLang="ko-KR" sz="2000" b="1" dirty="0"/>
+              <a:t>002</a:t>
+            </a:r>
+            <a:endParaRPr lang="ko-KR" altLang="en-US" sz="2000" b="1" dirty="0"/>
+          </a:p>
+        </p:txBody>
+      </p:sp>
+      <p:sp>
+        <p:nvSpPr>
+          <p:cNvPr id="27" name="TextBox 26">
+            <a:extLst>
+              <a:ext uri="{FF2B5EF4-FFF2-40B4-BE49-F238E27FC236}">
+                <a16:creationId xmlns:a16="http://schemas.microsoft.com/office/drawing/2014/main" id="{E8A0000D-7E54-4A27-84C9-D2E4F33159A4}"/>
+              </a:ext>
+            </a:extLst>
+          </p:cNvPr>
+          <p:cNvSpPr txBox="1"/>
+          <p:nvPr/>
+        </p:nvSpPr>
+        <p:spPr>
+          <a:xfrm flipH="1">
+            <a:off x="6121851" y="1558487"/>
+            <a:ext cx="819325" cy="400110"/>
+          </a:xfrm>
+          <a:prstGeom prst="rect">
+            <a:avLst/>
+          </a:prstGeom>
+          <a:noFill/>
+        </p:spPr>
+        <p:txBody>
+          <a:bodyPr wrap="square" rtlCol="0">
+            <a:spAutoFit/>
+          </a:bodyPr>
+          <a:lstStyle/>
+          <a:p>
+            <a:r>
+              <a:rPr lang="en-US" altLang="ko-KR" sz="2000" b="1" dirty="0"/>
+              <a:t>003</a:t>
+            </a:r>
+            <a:endParaRPr lang="ko-KR" altLang="en-US" sz="2000" b="1" dirty="0"/>
+          </a:p>
+        </p:txBody>
+      </p:sp>
+      <p:sp>
+        <p:nvSpPr>
+          <p:cNvPr id="28" name="TextBox 27">
+            <a:extLst>
+              <a:ext uri="{FF2B5EF4-FFF2-40B4-BE49-F238E27FC236}">
+                <a16:creationId xmlns:a16="http://schemas.microsoft.com/office/drawing/2014/main" id="{3773FE2E-63C9-4C75-B7D8-DECD7FFAFFB3}"/>
+              </a:ext>
+            </a:extLst>
+          </p:cNvPr>
+          <p:cNvSpPr txBox="1"/>
+          <p:nvPr/>
+        </p:nvSpPr>
+        <p:spPr>
+          <a:xfrm flipH="1">
+            <a:off x="8737903" y="1558487"/>
+            <a:ext cx="819325" cy="400110"/>
+          </a:xfrm>
+          <a:prstGeom prst="rect">
+            <a:avLst/>
+          </a:prstGeom>
+          <a:noFill/>
+        </p:spPr>
+        <p:txBody>
+          <a:bodyPr wrap="square" rtlCol="0">
+            <a:spAutoFit/>
+          </a:bodyPr>
+          <a:lstStyle/>
+          <a:p>
+            <a:r>
+              <a:rPr lang="en-US" altLang="ko-KR" sz="2000" b="1" dirty="0"/>
+              <a:t>004</a:t>
+            </a:r>
+            <a:endParaRPr lang="ko-KR" altLang="en-US" sz="2000" b="1" dirty="0"/>
+          </a:p>
+        </p:txBody>
+      </p:sp>
+      <p:sp>
+        <p:nvSpPr>
+          <p:cNvPr id="29" name="직사각형 28">
+            <a:extLst>
+              <a:ext uri="{FF2B5EF4-FFF2-40B4-BE49-F238E27FC236}">
+                <a16:creationId xmlns:a16="http://schemas.microsoft.com/office/drawing/2014/main" id="{120F1523-9CAD-4C27-A816-6A3DB5808645}"/>
+              </a:ext>
+            </a:extLst>
+          </p:cNvPr>
+          <p:cNvSpPr/>
+          <p:nvPr/>
+        </p:nvSpPr>
+        <p:spPr>
+          <a:xfrm>
+            <a:off x="805841" y="1971955"/>
+            <a:ext cx="2519028" cy="3358703"/>
+          </a:xfrm>
+          <a:prstGeom prst="rect">
+            <a:avLst/>
+          </a:prstGeom>
+          <a:ln>
+            <a:noFill/>
+          </a:ln>
+        </p:spPr>
+        <p:style>
+          <a:lnRef idx="2">
+            <a:schemeClr val="accent1">
+              <a:shade val="50000"/>
+            </a:schemeClr>
+          </a:lnRef>
+          <a:fillRef idx="1">
+            <a:schemeClr val="accent1"/>
+          </a:fillRef>
+          <a:effectRef idx="0">
+            <a:schemeClr val="accent1"/>
+          </a:effectRef>
+          <a:fontRef idx="minor">
+            <a:schemeClr val="lt1"/>
+          </a:fontRef>
+        </p:style>
+        <p:txBody>
+          <a:bodyPr rtlCol="0" anchor="ctr"/>
+          <a:lstStyle/>
+          <a:p>
+            <a:pPr algn="ctr"/>
+            <a:endParaRPr lang="ko-KR" altLang="en-US"/>
+          </a:p>
+        </p:txBody>
+      </p:sp>
+      <p:sp>
+        <p:nvSpPr>
+          <p:cNvPr id="30" name="직사각형 29">
+            <a:extLst>
+              <a:ext uri="{FF2B5EF4-FFF2-40B4-BE49-F238E27FC236}">
+                <a16:creationId xmlns:a16="http://schemas.microsoft.com/office/drawing/2014/main" id="{85DFD22B-A591-4CCA-B629-F891C787C026}"/>
+              </a:ext>
+            </a:extLst>
+          </p:cNvPr>
+          <p:cNvSpPr/>
+          <p:nvPr/>
+        </p:nvSpPr>
+        <p:spPr>
+          <a:xfrm>
+            <a:off x="3470244" y="1971955"/>
+            <a:ext cx="2519028" cy="3358703"/>
+          </a:xfrm>
+          <a:prstGeom prst="rect">
+            <a:avLst/>
+          </a:prstGeom>
+          <a:solidFill>
+            <a:schemeClr val="accent2"/>
+          </a:solidFill>
+          <a:ln>
+            <a:noFill/>
+          </a:ln>
+        </p:spPr>
+        <p:style>
+          <a:lnRef idx="2">
+            <a:schemeClr val="accent1">
+              <a:shade val="50000"/>
+            </a:schemeClr>
+          </a:lnRef>
+          <a:fillRef idx="1">
+            <a:schemeClr val="accent1"/>
+          </a:fillRef>
+          <a:effectRef idx="0">
+            <a:schemeClr val="accent1"/>
+          </a:effectRef>
+          <a:fontRef idx="minor">
+            <a:schemeClr val="lt1"/>
+          </a:fontRef>
+        </p:style>
+        <p:txBody>
+          <a:bodyPr rtlCol="0" anchor="ctr"/>
+          <a:lstStyle/>
+          <a:p>
+            <a:pPr algn="ctr"/>
+            <a:endParaRPr lang="ko-KR" altLang="en-US"/>
+          </a:p>
+        </p:txBody>
+      </p:sp>
+      <p:sp>
+        <p:nvSpPr>
+          <p:cNvPr id="31" name="직사각형 30">
+            <a:extLst>
+              <a:ext uri="{FF2B5EF4-FFF2-40B4-BE49-F238E27FC236}">
+                <a16:creationId xmlns:a16="http://schemas.microsoft.com/office/drawing/2014/main" id="{EB34BCCA-2631-4478-B26A-D30B20B83E90}"/>
+              </a:ext>
+            </a:extLst>
+          </p:cNvPr>
+          <p:cNvSpPr/>
+          <p:nvPr/>
+        </p:nvSpPr>
+        <p:spPr>
+          <a:xfrm>
+            <a:off x="6134647" y="1971955"/>
+            <a:ext cx="2519028" cy="3358703"/>
+          </a:xfrm>
+          <a:prstGeom prst="rect">
+            <a:avLst/>
+          </a:prstGeom>
+          <a:solidFill>
+            <a:schemeClr val="accent3"/>
+          </a:solidFill>
+          <a:ln>
+            <a:noFill/>
+          </a:ln>
+        </p:spPr>
+        <p:style>
+          <a:lnRef idx="2">
+            <a:schemeClr val="accent1">
+              <a:shade val="50000"/>
+            </a:schemeClr>
+          </a:lnRef>
+          <a:fillRef idx="1">
+            <a:schemeClr val="accent1"/>
+          </a:fillRef>
+          <a:effectRef idx="0">
+            <a:schemeClr val="accent1"/>
+          </a:effectRef>
+          <a:fontRef idx="minor">
+            <a:schemeClr val="lt1"/>
+          </a:fontRef>
+        </p:style>
+        <p:txBody>
+          <a:bodyPr rtlCol="0" anchor="ctr"/>
+          <a:lstStyle/>
+          <a:p>
+            <a:pPr algn="ctr"/>
+            <a:endParaRPr lang="ko-KR" altLang="en-US"/>
+          </a:p>
+        </p:txBody>
+      </p:sp>
+      <p:sp>
+        <p:nvSpPr>
+          <p:cNvPr id="32" name="직사각형 31">
+            <a:extLst>
+              <a:ext uri="{FF2B5EF4-FFF2-40B4-BE49-F238E27FC236}">
+                <a16:creationId xmlns:a16="http://schemas.microsoft.com/office/drawing/2014/main" id="{7721A97E-197F-4022-8947-CAF47AC231A8}"/>
+              </a:ext>
+            </a:extLst>
+          </p:cNvPr>
+          <p:cNvSpPr/>
+          <p:nvPr/>
+        </p:nvSpPr>
+        <p:spPr>
+          <a:xfrm>
+            <a:off x="8799050" y="1971955"/>
+            <a:ext cx="2519028" cy="3358703"/>
+          </a:xfrm>
+          <a:prstGeom prst="rect">
+            <a:avLst/>
+          </a:prstGeom>
+          <a:solidFill>
+            <a:schemeClr val="accent4"/>
+          </a:solidFill>
+          <a:ln>
+            <a:noFill/>
+          </a:ln>
+        </p:spPr>
+        <p:style>
+          <a:lnRef idx="2">
+            <a:schemeClr val="accent1">
+              <a:shade val="50000"/>
+            </a:schemeClr>
+          </a:lnRef>
+          <a:fillRef idx="1">
+            <a:schemeClr val="accent1"/>
+          </a:fillRef>
+          <a:effectRef idx="0">
+            <a:schemeClr val="accent1"/>
+          </a:effectRef>
+          <a:fontRef idx="minor">
+            <a:schemeClr val="lt1"/>
+          </a:fontRef>
+        </p:style>
+        <p:txBody>
+          <a:bodyPr rtlCol="0" anchor="ctr"/>
+          <a:lstStyle/>
+          <a:p>
+            <a:pPr algn="ctr"/>
+            <a:endParaRPr lang="ko-KR" altLang="en-US"/>
+          </a:p>
+        </p:txBody>
+      </p:sp>
+    </p:spTree>
+    <p:extLst>
+      <p:ext uri="{BB962C8B-B14F-4D97-AF65-F5344CB8AC3E}">
+        <p14:creationId xmlns:p14="http://schemas.microsoft.com/office/powerpoint/2010/main" val="3039576005"/>
+      </p:ext>
+    </p:extLst>
+  </p:cSld>
+  <p:clrMapOvr>
+    <a:masterClrMapping/>
+  </p:clrMapOvr>
+  <mc:AlternateContent xmlns:mc="http://schemas.openxmlformats.org/markup-compatibility/2006" xmlns:p14="http://schemas.microsoft.com/office/powerpoint/2010/main">
+    <mc:Choice Requires="p14">
+      <p:transition spd="med" p14:dur="700">
+        <p:fade/>
+      </p:transition>
+    </mc:Choice>
+    <mc:Fallback xmlns="">
+      <p:transition spd="med">
+        <p:fade/>
+      </p:transition>
+    </mc:Fallback>
+  </mc:AlternateContent>
+</p:sld>
+</file>
+
+<file path=ppt/slides/slide13.xml><?xml version="1.0" encoding="utf-8"?>
+<p:sld xmlns:a="http://schemas.openxmlformats.org/drawingml/2006/main" xmlns:r="http://schemas.openxmlformats.org/officeDocument/2006/relationships" xmlns:p="http://schemas.openxmlformats.org/presentationml/2006/main">
+  <p:cSld>
+    <p:spTree>
+      <p:nvGrpSpPr>
+        <p:cNvPr id="1" name=""/>
+        <p:cNvGrpSpPr/>
+        <p:nvPr/>
+      </p:nvGrpSpPr>
+      <p:grpSpPr>
+        <a:xfrm>
+          <a:off x="0" y="0"/>
+          <a:ext cx="0" cy="0"/>
+          <a:chOff x="0" y="0"/>
+          <a:chExt cx="0" cy="0"/>
+        </a:xfrm>
+      </p:grpSpPr>
+      <p:cxnSp>
+        <p:nvCxnSpPr>
+          <p:cNvPr id="4" name="직선 연결선 3">
+            <a:extLst>
+              <a:ext uri="{FF2B5EF4-FFF2-40B4-BE49-F238E27FC236}">
+                <a16:creationId xmlns:a16="http://schemas.microsoft.com/office/drawing/2014/main" id="{9A8E474A-6ECB-442D-8A42-7881F4DFBB2A}"/>
+              </a:ext>
+            </a:extLst>
+          </p:cNvPr>
+          <p:cNvCxnSpPr>
+            <a:cxnSpLocks/>
+          </p:cNvCxnSpPr>
+          <p:nvPr/>
+        </p:nvCxnSpPr>
+        <p:spPr>
+          <a:xfrm>
+            <a:off x="177800" y="835707"/>
+            <a:ext cx="12014200" cy="0"/>
+          </a:xfrm>
+          <a:prstGeom prst="line">
+            <a:avLst/>
+          </a:prstGeom>
+          <a:ln>
+            <a:solidFill>
+              <a:schemeClr val="accent2"/>
+            </a:solidFill>
+          </a:ln>
+        </p:spPr>
+        <p:style>
+          <a:lnRef idx="1">
+            <a:schemeClr val="accent1"/>
+          </a:lnRef>
+          <a:fillRef idx="0">
+            <a:schemeClr val="accent1"/>
+          </a:fillRef>
+          <a:effectRef idx="0">
+            <a:schemeClr val="accent1"/>
+          </a:effectRef>
+          <a:fontRef idx="minor">
+            <a:schemeClr val="tx1"/>
+          </a:fontRef>
+        </p:style>
+      </p:cxnSp>
+      <p:sp>
+        <p:nvSpPr>
+          <p:cNvPr id="5" name="직사각형 4">
+            <a:extLst>
+              <a:ext uri="{FF2B5EF4-FFF2-40B4-BE49-F238E27FC236}">
+                <a16:creationId xmlns:a16="http://schemas.microsoft.com/office/drawing/2014/main" id="{76EF8051-9646-4552-BE57-7D95D1538BA2}"/>
+              </a:ext>
+            </a:extLst>
+          </p:cNvPr>
+          <p:cNvSpPr/>
+          <p:nvPr/>
+        </p:nvSpPr>
+        <p:spPr>
+          <a:xfrm>
+            <a:off x="0" y="0"/>
+            <a:ext cx="177800" cy="6858000"/>
+          </a:xfrm>
+          <a:prstGeom prst="rect">
+            <a:avLst/>
+          </a:prstGeom>
+          <a:solidFill>
+            <a:schemeClr val="accent1"/>
+          </a:solidFill>
+          <a:ln>
+            <a:noFill/>
+          </a:ln>
+        </p:spPr>
+        <p:style>
+          <a:lnRef idx="2">
+            <a:schemeClr val="accent1">
+              <a:shade val="50000"/>
+            </a:schemeClr>
+          </a:lnRef>
+          <a:fillRef idx="1">
+            <a:schemeClr val="accent1"/>
+          </a:fillRef>
+          <a:effectRef idx="0">
+            <a:schemeClr val="accent1"/>
+          </a:effectRef>
+          <a:fontRef idx="minor">
+            <a:schemeClr val="lt1"/>
+          </a:fontRef>
+        </p:style>
+        <p:txBody>
+          <a:bodyPr rtlCol="0" anchor="ctr"/>
+          <a:lstStyle/>
+          <a:p>
+            <a:pPr algn="ctr"/>
+            <a:endParaRPr lang="ko-KR" altLang="en-US"/>
+          </a:p>
+        </p:txBody>
+      </p:sp>
+      <p:sp>
+        <p:nvSpPr>
+          <p:cNvPr id="9" name="TextBox 8">
+            <a:extLst>
+              <a:ext uri="{FF2B5EF4-FFF2-40B4-BE49-F238E27FC236}">
+                <a16:creationId xmlns:a16="http://schemas.microsoft.com/office/drawing/2014/main" id="{7FFA9BC9-96FB-4B17-AF51-48D81692F2D7}"/>
+              </a:ext>
+            </a:extLst>
+          </p:cNvPr>
+          <p:cNvSpPr txBox="1"/>
+          <p:nvPr/>
+        </p:nvSpPr>
+        <p:spPr>
+          <a:xfrm>
+            <a:off x="329610" y="111525"/>
             <a:ext cx="3134191" cy="584775"/>
           </a:xfrm>
           <a:prstGeom prst="rect">
@@ -10649,12 +12196,141 @@
           </a:p>
         </p:txBody>
       </p:sp>
+      <p:grpSp>
+        <p:nvGrpSpPr>
+          <p:cNvPr id="8" name="그룹 7">
+            <a:extLst>
+              <a:ext uri="{FF2B5EF4-FFF2-40B4-BE49-F238E27FC236}">
+                <a16:creationId xmlns:a16="http://schemas.microsoft.com/office/drawing/2014/main" id="{4584462D-D1AA-4646-A16C-37BE2E5E4952}"/>
+              </a:ext>
+            </a:extLst>
+          </p:cNvPr>
+          <p:cNvGrpSpPr/>
+          <p:nvPr/>
+        </p:nvGrpSpPr>
+        <p:grpSpPr>
+          <a:xfrm>
+            <a:off x="3181774" y="1622966"/>
+            <a:ext cx="5855412" cy="3600000"/>
+            <a:chOff x="3141134" y="1907446"/>
+            <a:chExt cx="5855412" cy="3600000"/>
+          </a:xfrm>
+        </p:grpSpPr>
+        <p:sp>
+          <p:nvSpPr>
+            <p:cNvPr id="10" name="타원 9">
+              <a:extLst>
+                <a:ext uri="{FF2B5EF4-FFF2-40B4-BE49-F238E27FC236}">
+                  <a16:creationId xmlns:a16="http://schemas.microsoft.com/office/drawing/2014/main" id="{A81C7FE2-5A76-4C1A-8F4E-BBD5A32DB97A}"/>
+                </a:ext>
+              </a:extLst>
+            </p:cNvPr>
+            <p:cNvSpPr/>
+            <p:nvPr/>
+          </p:nvSpPr>
+          <p:spPr>
+            <a:xfrm>
+              <a:off x="3141134" y="1907446"/>
+              <a:ext cx="3600000" cy="3600000"/>
+            </a:xfrm>
+            <a:prstGeom prst="ellipse">
+              <a:avLst/>
+            </a:prstGeom>
+            <a:solidFill>
+              <a:schemeClr val="accent2">
+                <a:alpha val="80000"/>
+              </a:schemeClr>
+            </a:solidFill>
+            <a:ln>
+              <a:noFill/>
+            </a:ln>
+          </p:spPr>
+          <p:style>
+            <a:lnRef idx="2">
+              <a:schemeClr val="accent1">
+                <a:shade val="50000"/>
+              </a:schemeClr>
+            </a:lnRef>
+            <a:fillRef idx="1">
+              <a:schemeClr val="accent1"/>
+            </a:fillRef>
+            <a:effectRef idx="0">
+              <a:schemeClr val="accent1"/>
+            </a:effectRef>
+            <a:fontRef idx="minor">
+              <a:schemeClr val="lt1"/>
+            </a:fontRef>
+          </p:style>
+          <p:txBody>
+            <a:bodyPr rtlCol="0" anchor="ctr"/>
+            <a:lstStyle/>
+            <a:p>
+              <a:pPr algn="ctr"/>
+              <a:endParaRPr lang="ko-KR" altLang="en-US"/>
+            </a:p>
+          </p:txBody>
+        </p:sp>
+        <p:sp>
+          <p:nvSpPr>
+            <p:cNvPr id="11" name="타원 10">
+              <a:extLst>
+                <a:ext uri="{FF2B5EF4-FFF2-40B4-BE49-F238E27FC236}">
+                  <a16:creationId xmlns:a16="http://schemas.microsoft.com/office/drawing/2014/main" id="{869B8532-74A5-4C9C-9F0F-AFCC184D8496}"/>
+                </a:ext>
+              </a:extLst>
+            </p:cNvPr>
+            <p:cNvSpPr/>
+            <p:nvPr/>
+          </p:nvSpPr>
+          <p:spPr>
+            <a:xfrm>
+              <a:off x="5396546" y="1907446"/>
+              <a:ext cx="3600000" cy="3600000"/>
+            </a:xfrm>
+            <a:prstGeom prst="ellipse">
+              <a:avLst/>
+            </a:prstGeom>
+            <a:solidFill>
+              <a:schemeClr val="accent4">
+                <a:alpha val="80000"/>
+              </a:schemeClr>
+            </a:solidFill>
+            <a:ln>
+              <a:noFill/>
+            </a:ln>
+          </p:spPr>
+          <p:style>
+            <a:lnRef idx="2">
+              <a:schemeClr val="accent1">
+                <a:shade val="50000"/>
+              </a:schemeClr>
+            </a:lnRef>
+            <a:fillRef idx="1">
+              <a:schemeClr val="accent1"/>
+            </a:fillRef>
+            <a:effectRef idx="0">
+              <a:schemeClr val="accent1"/>
+            </a:effectRef>
+            <a:fontRef idx="minor">
+              <a:schemeClr val="lt1"/>
+            </a:fontRef>
+          </p:style>
+          <p:txBody>
+            <a:bodyPr rtlCol="0" anchor="ctr"/>
+            <a:lstStyle/>
+            <a:p>
+              <a:pPr algn="ctr"/>
+              <a:endParaRPr lang="ko-KR" altLang="en-US"/>
+            </a:p>
+          </p:txBody>
+        </p:sp>
+      </p:grpSp>
       <p:sp>
         <p:nvSpPr>
-          <p:cNvPr id="15" name="TextBox 14">
+          <p:cNvPr id="7" name="TextBox 6">
             <a:extLst>
               <a:ext uri="{FF2B5EF4-FFF2-40B4-BE49-F238E27FC236}">
-                <a16:creationId xmlns:a16="http://schemas.microsoft.com/office/drawing/2014/main" id="{8815A429-0165-46F7-A030-F0DB180F3DE0}"/>
+                <a16:creationId xmlns:a16="http://schemas.microsoft.com/office/drawing/2014/main" id="{9A7034D5-42A8-4241-9D66-9B53239DB210}"/>
               </a:ext>
             </a:extLst>
           </p:cNvPr>
@@ -10663,8 +12339,8 @@
         </p:nvSpPr>
         <p:spPr>
           <a:xfrm>
-            <a:off x="-98231" y="50565"/>
-            <a:ext cx="353943" cy="1849121"/>
+            <a:off x="5073925" y="6007164"/>
+            <a:ext cx="2044149" cy="369332"/>
           </a:xfrm>
           <a:prstGeom prst="rect">
             <a:avLst/>
@@ -10672,24 +12348,195 @@
           <a:noFill/>
         </p:spPr>
         <p:txBody>
-          <a:bodyPr vert="eaVert" wrap="square" rtlCol="0">
+          <a:bodyPr wrap="none" rtlCol="0">
             <a:spAutoFit/>
           </a:bodyPr>
           <a:lstStyle/>
           <a:p>
-            <a:r>
-              <a:rPr lang="en-US" altLang="ko-KR" sz="1100" dirty="0">
+            <a:pPr algn="ctr"/>
+            <a:r>
+              <a:rPr lang="ko-KR" altLang="en-US" dirty="0"/>
+              <a:t>내용을 입력하세요</a:t>
+            </a:r>
+          </a:p>
+        </p:txBody>
+      </p:sp>
+    </p:spTree>
+    <p:extLst>
+      <p:ext uri="{BB962C8B-B14F-4D97-AF65-F5344CB8AC3E}">
+        <p14:creationId xmlns:p14="http://schemas.microsoft.com/office/powerpoint/2010/main" val="1415009542"/>
+      </p:ext>
+    </p:extLst>
+  </p:cSld>
+  <p:clrMapOvr>
+    <a:masterClrMapping/>
+  </p:clrMapOvr>
+  <mc:AlternateContent xmlns:mc="http://schemas.openxmlformats.org/markup-compatibility/2006" xmlns:p14="http://schemas.microsoft.com/office/powerpoint/2010/main">
+    <mc:Choice Requires="p14">
+      <p:transition spd="med" p14:dur="700">
+        <p:fade/>
+      </p:transition>
+    </mc:Choice>
+    <mc:Fallback xmlns="">
+      <p:transition spd="med">
+        <p:fade/>
+      </p:transition>
+    </mc:Fallback>
+  </mc:AlternateContent>
+</p:sld>
+</file>
+
+<file path=ppt/slides/slide14.xml><?xml version="1.0" encoding="utf-8"?>
+<p:sld xmlns:a="http://schemas.openxmlformats.org/drawingml/2006/main" xmlns:r="http://schemas.openxmlformats.org/officeDocument/2006/relationships" xmlns:p="http://schemas.openxmlformats.org/presentationml/2006/main">
+  <p:cSld>
+    <p:spTree>
+      <p:nvGrpSpPr>
+        <p:cNvPr id="1" name=""/>
+        <p:cNvGrpSpPr/>
+        <p:nvPr/>
+      </p:nvGrpSpPr>
+      <p:grpSpPr>
+        <a:xfrm>
+          <a:off x="0" y="0"/>
+          <a:ext cx="0" cy="0"/>
+          <a:chOff x="0" y="0"/>
+          <a:chExt cx="0" cy="0"/>
+        </a:xfrm>
+      </p:grpSpPr>
+      <p:cxnSp>
+        <p:nvCxnSpPr>
+          <p:cNvPr id="4" name="직선 연결선 3">
+            <a:extLst>
+              <a:ext uri="{FF2B5EF4-FFF2-40B4-BE49-F238E27FC236}">
+                <a16:creationId xmlns:a16="http://schemas.microsoft.com/office/drawing/2014/main" id="{9A8E474A-6ECB-442D-8A42-7881F4DFBB2A}"/>
+              </a:ext>
+            </a:extLst>
+          </p:cNvPr>
+          <p:cNvCxnSpPr>
+            <a:cxnSpLocks/>
+          </p:cNvCxnSpPr>
+          <p:nvPr/>
+        </p:nvCxnSpPr>
+        <p:spPr>
+          <a:xfrm>
+            <a:off x="177800" y="835707"/>
+            <a:ext cx="12014200" cy="0"/>
+          </a:xfrm>
+          <a:prstGeom prst="line">
+            <a:avLst/>
+          </a:prstGeom>
+          <a:ln>
+            <a:solidFill>
+              <a:schemeClr val="accent2"/>
+            </a:solidFill>
+          </a:ln>
+        </p:spPr>
+        <p:style>
+          <a:lnRef idx="1">
+            <a:schemeClr val="accent1"/>
+          </a:lnRef>
+          <a:fillRef idx="0">
+            <a:schemeClr val="accent1"/>
+          </a:fillRef>
+          <a:effectRef idx="0">
+            <a:schemeClr val="accent1"/>
+          </a:effectRef>
+          <a:fontRef idx="minor">
+            <a:schemeClr val="tx1"/>
+          </a:fontRef>
+        </p:style>
+      </p:cxnSp>
+      <p:sp>
+        <p:nvSpPr>
+          <p:cNvPr id="5" name="직사각형 4">
+            <a:extLst>
+              <a:ext uri="{FF2B5EF4-FFF2-40B4-BE49-F238E27FC236}">
+                <a16:creationId xmlns:a16="http://schemas.microsoft.com/office/drawing/2014/main" id="{76EF8051-9646-4552-BE57-7D95D1538BA2}"/>
+              </a:ext>
+            </a:extLst>
+          </p:cNvPr>
+          <p:cNvSpPr/>
+          <p:nvPr/>
+        </p:nvSpPr>
+        <p:spPr>
+          <a:xfrm>
+            <a:off x="0" y="0"/>
+            <a:ext cx="177800" cy="6858000"/>
+          </a:xfrm>
+          <a:prstGeom prst="rect">
+            <a:avLst/>
+          </a:prstGeom>
+          <a:solidFill>
+            <a:schemeClr val="accent1"/>
+          </a:solidFill>
+          <a:ln>
+            <a:noFill/>
+          </a:ln>
+        </p:spPr>
+        <p:style>
+          <a:lnRef idx="2">
+            <a:schemeClr val="accent1">
+              <a:shade val="50000"/>
+            </a:schemeClr>
+          </a:lnRef>
+          <a:fillRef idx="1">
+            <a:schemeClr val="accent1"/>
+          </a:fillRef>
+          <a:effectRef idx="0">
+            <a:schemeClr val="accent1"/>
+          </a:effectRef>
+          <a:fontRef idx="minor">
+            <a:schemeClr val="lt1"/>
+          </a:fontRef>
+        </p:style>
+        <p:txBody>
+          <a:bodyPr rtlCol="0" anchor="ctr"/>
+          <a:lstStyle/>
+          <a:p>
+            <a:pPr algn="ctr"/>
+            <a:endParaRPr lang="ko-KR" altLang="en-US"/>
+          </a:p>
+        </p:txBody>
+      </p:sp>
+      <p:sp>
+        <p:nvSpPr>
+          <p:cNvPr id="9" name="TextBox 8">
+            <a:extLst>
+              <a:ext uri="{FF2B5EF4-FFF2-40B4-BE49-F238E27FC236}">
+                <a16:creationId xmlns:a16="http://schemas.microsoft.com/office/drawing/2014/main" id="{7FFA9BC9-96FB-4B17-AF51-48D81692F2D7}"/>
+              </a:ext>
+            </a:extLst>
+          </p:cNvPr>
+          <p:cNvSpPr txBox="1"/>
+          <p:nvPr/>
+        </p:nvSpPr>
+        <p:spPr>
+          <a:xfrm>
+            <a:off x="329610" y="111525"/>
+            <a:ext cx="3134191" cy="584775"/>
+          </a:xfrm>
+          <a:prstGeom prst="rect">
+            <a:avLst/>
+          </a:prstGeom>
+          <a:noFill/>
+        </p:spPr>
+        <p:txBody>
+          <a:bodyPr wrap="none" rtlCol="0">
+            <a:spAutoFit/>
+          </a:bodyPr>
+          <a:lstStyle/>
+          <a:p>
+            <a:r>
+              <a:rPr lang="ko-KR" altLang="en-US" sz="3200" spc="-300" dirty="0">
                 <a:solidFill>
-                  <a:schemeClr val="bg1"/>
+                  <a:schemeClr val="tx1">
+                    <a:lumMod val="85000"/>
+                    <a:lumOff val="15000"/>
+                  </a:schemeClr>
                 </a:solidFill>
               </a:rPr>
-              <a:t>Part 2</a:t>
-            </a:r>
-            <a:endParaRPr lang="ko-KR" altLang="en-US" sz="1100" dirty="0">
-              <a:solidFill>
-                <a:schemeClr val="bg1"/>
-              </a:solidFill>
-            </a:endParaRPr>
+              <a:t>제목을 입력하세요</a:t>
+            </a:r>
           </a:p>
         </p:txBody>
       </p:sp>
@@ -11282,7 +13129,7 @@
 </p:sld>
 </file>
 
-<file path=ppt/slides/slide11.xml><?xml version="1.0" encoding="utf-8"?>
+<file path=ppt/slides/slide15.xml><?xml version="1.0" encoding="utf-8"?>
 <p:sld xmlns:a="http://schemas.openxmlformats.org/drawingml/2006/main" xmlns:r="http://schemas.openxmlformats.org/officeDocument/2006/relationships" xmlns:p="http://schemas.openxmlformats.org/presentationml/2006/main">
   <p:cSld>
     <p:spTree>
@@ -11433,50 +13280,6 @@
               </a:rPr>
               <a:t>제목을 입력하세요</a:t>
             </a:r>
-          </a:p>
-        </p:txBody>
-      </p:sp>
-      <p:sp>
-        <p:nvSpPr>
-          <p:cNvPr id="15" name="TextBox 14">
-            <a:extLst>
-              <a:ext uri="{FF2B5EF4-FFF2-40B4-BE49-F238E27FC236}">
-                <a16:creationId xmlns:a16="http://schemas.microsoft.com/office/drawing/2014/main" id="{8815A429-0165-46F7-A030-F0DB180F3DE0}"/>
-              </a:ext>
-            </a:extLst>
-          </p:cNvPr>
-          <p:cNvSpPr txBox="1"/>
-          <p:nvPr/>
-        </p:nvSpPr>
-        <p:spPr>
-          <a:xfrm>
-            <a:off x="-98231" y="50565"/>
-            <a:ext cx="353943" cy="1849121"/>
-          </a:xfrm>
-          <a:prstGeom prst="rect">
-            <a:avLst/>
-          </a:prstGeom>
-          <a:noFill/>
-        </p:spPr>
-        <p:txBody>
-          <a:bodyPr vert="eaVert" wrap="square" rtlCol="0">
-            <a:spAutoFit/>
-          </a:bodyPr>
-          <a:lstStyle/>
-          <a:p>
-            <a:r>
-              <a:rPr lang="en-US" altLang="ko-KR" sz="1100" dirty="0">
-                <a:solidFill>
-                  <a:schemeClr val="bg1"/>
-                </a:solidFill>
-              </a:rPr>
-              <a:t>Part 2</a:t>
-            </a:r>
-            <a:endParaRPr lang="ko-KR" altLang="en-US" sz="1100" dirty="0">
-              <a:solidFill>
-                <a:schemeClr val="bg1"/>
-              </a:solidFill>
-            </a:endParaRPr>
           </a:p>
         </p:txBody>
       </p:sp>
@@ -12971,7 +14774,7 @@
 </p:sld>
 </file>
 
-<file path=ppt/slides/slide12.xml><?xml version="1.0" encoding="utf-8"?>
+<file path=ppt/slides/slide16.xml><?xml version="1.0" encoding="utf-8"?>
 <p:sld xmlns:a="http://schemas.openxmlformats.org/drawingml/2006/main" xmlns:r="http://schemas.openxmlformats.org/officeDocument/2006/relationships" xmlns:p="http://schemas.openxmlformats.org/presentationml/2006/main">
   <p:cSld>
     <p:bg>
@@ -13142,7 +14945,7 @@
 </p:sld>
 </file>
 
-<file path=ppt/slides/slide13.xml><?xml version="1.0" encoding="utf-8"?>
+<file path=ppt/slides/slide17.xml><?xml version="1.0" encoding="utf-8"?>
 <p:sld xmlns:a="http://schemas.openxmlformats.org/drawingml/2006/main" xmlns:r="http://schemas.openxmlformats.org/officeDocument/2006/relationships" xmlns:p="http://schemas.openxmlformats.org/presentationml/2006/main">
   <p:cSld>
     <p:bg>
@@ -13441,7 +15244,7 @@
 </p:sld>
 </file>
 
-<file path=ppt/slides/slide14.xml><?xml version="1.0" encoding="utf-8"?>
+<file path=ppt/slides/slide18.xml><?xml version="1.0" encoding="utf-8"?>
 <p:sld xmlns:a="http://schemas.openxmlformats.org/drawingml/2006/main" xmlns:r="http://schemas.openxmlformats.org/officeDocument/2006/relationships" xmlns:p="http://schemas.openxmlformats.org/presentationml/2006/main">
   <p:cSld>
     <p:spTree>
@@ -13597,50 +15400,6 @@
       </p:sp>
       <p:sp>
         <p:nvSpPr>
-          <p:cNvPr id="15" name="TextBox 14">
-            <a:extLst>
-              <a:ext uri="{FF2B5EF4-FFF2-40B4-BE49-F238E27FC236}">
-                <a16:creationId xmlns:a16="http://schemas.microsoft.com/office/drawing/2014/main" id="{8815A429-0165-46F7-A030-F0DB180F3DE0}"/>
-              </a:ext>
-            </a:extLst>
-          </p:cNvPr>
-          <p:cNvSpPr txBox="1"/>
-          <p:nvPr/>
-        </p:nvSpPr>
-        <p:spPr>
-          <a:xfrm>
-            <a:off x="-98231" y="50565"/>
-            <a:ext cx="353943" cy="1849121"/>
-          </a:xfrm>
-          <a:prstGeom prst="rect">
-            <a:avLst/>
-          </a:prstGeom>
-          <a:noFill/>
-        </p:spPr>
-        <p:txBody>
-          <a:bodyPr vert="eaVert" wrap="square" rtlCol="0">
-            <a:spAutoFit/>
-          </a:bodyPr>
-          <a:lstStyle/>
-          <a:p>
-            <a:r>
-              <a:rPr lang="en-US" altLang="ko-KR" sz="1100" dirty="0">
-                <a:solidFill>
-                  <a:schemeClr val="bg1"/>
-                </a:solidFill>
-              </a:rPr>
-              <a:t>Part 3</a:t>
-            </a:r>
-            <a:endParaRPr lang="ko-KR" altLang="en-US" sz="1100" dirty="0">
-              <a:solidFill>
-                <a:schemeClr val="bg1"/>
-              </a:solidFill>
-            </a:endParaRPr>
-          </a:p>
-        </p:txBody>
-      </p:sp>
-      <p:sp>
-        <p:nvSpPr>
           <p:cNvPr id="7" name="직사각형 6">
             <a:extLst>
               <a:ext uri="{FF2B5EF4-FFF2-40B4-BE49-F238E27FC236}">
@@ -14837,7 +16596,7 @@
 </p:sld>
 </file>
 
-<file path=ppt/slides/slide15.xml><?xml version="1.0" encoding="utf-8"?>
+<file path=ppt/slides/slide19.xml><?xml version="1.0" encoding="utf-8"?>
 <p:sld xmlns:a="http://schemas.openxmlformats.org/drawingml/2006/main" xmlns:r="http://schemas.openxmlformats.org/officeDocument/2006/relationships" xmlns:p="http://schemas.openxmlformats.org/presentationml/2006/main">
   <p:cSld>
     <p:spTree>
@@ -14988,50 +16747,6 @@
               </a:rPr>
               <a:t>제목을 입력하세요</a:t>
             </a:r>
-          </a:p>
-        </p:txBody>
-      </p:sp>
-      <p:sp>
-        <p:nvSpPr>
-          <p:cNvPr id="15" name="TextBox 14">
-            <a:extLst>
-              <a:ext uri="{FF2B5EF4-FFF2-40B4-BE49-F238E27FC236}">
-                <a16:creationId xmlns:a16="http://schemas.microsoft.com/office/drawing/2014/main" id="{8815A429-0165-46F7-A030-F0DB180F3DE0}"/>
-              </a:ext>
-            </a:extLst>
-          </p:cNvPr>
-          <p:cNvSpPr txBox="1"/>
-          <p:nvPr/>
-        </p:nvSpPr>
-        <p:spPr>
-          <a:xfrm>
-            <a:off x="-98231" y="50565"/>
-            <a:ext cx="353943" cy="1849121"/>
-          </a:xfrm>
-          <a:prstGeom prst="rect">
-            <a:avLst/>
-          </a:prstGeom>
-          <a:noFill/>
-        </p:spPr>
-        <p:txBody>
-          <a:bodyPr vert="eaVert" wrap="square" rtlCol="0">
-            <a:spAutoFit/>
-          </a:bodyPr>
-          <a:lstStyle/>
-          <a:p>
-            <a:r>
-              <a:rPr lang="en-US" altLang="ko-KR" sz="1100" dirty="0">
-                <a:solidFill>
-                  <a:schemeClr val="bg1"/>
-                </a:solidFill>
-              </a:rPr>
-              <a:t>Part 3</a:t>
-            </a:r>
-            <a:endParaRPr lang="ko-KR" altLang="en-US" sz="1100" dirty="0">
-              <a:solidFill>
-                <a:schemeClr val="bg1"/>
-              </a:solidFill>
-            </a:endParaRPr>
           </a:p>
         </p:txBody>
       </p:sp>
@@ -15969,7 +17684,508 @@
 </p:sld>
 </file>
 
-<file path=ppt/slides/slide16.xml><?xml version="1.0" encoding="utf-8"?>
+<file path=ppt/slides/slide2.xml><?xml version="1.0" encoding="utf-8"?>
+<p:sld xmlns:a="http://schemas.openxmlformats.org/drawingml/2006/main" xmlns:r="http://schemas.openxmlformats.org/officeDocument/2006/relationships" xmlns:p="http://schemas.openxmlformats.org/presentationml/2006/main">
+  <p:cSld>
+    <p:bg>
+      <p:bgPr>
+        <a:solidFill>
+          <a:schemeClr val="accent2"/>
+        </a:solidFill>
+        <a:effectLst/>
+      </p:bgPr>
+    </p:bg>
+    <p:spTree>
+      <p:nvGrpSpPr>
+        <p:cNvPr id="1" name=""/>
+        <p:cNvGrpSpPr/>
+        <p:nvPr/>
+      </p:nvGrpSpPr>
+      <p:grpSpPr>
+        <a:xfrm>
+          <a:off x="0" y="0"/>
+          <a:ext cx="0" cy="0"/>
+          <a:chOff x="0" y="0"/>
+          <a:chExt cx="0" cy="0"/>
+        </a:xfrm>
+      </p:grpSpPr>
+      <p:sp>
+        <p:nvSpPr>
+          <p:cNvPr id="3" name="TextBox 2">
+            <a:extLst>
+              <a:ext uri="{FF2B5EF4-FFF2-40B4-BE49-F238E27FC236}">
+                <a16:creationId xmlns:a16="http://schemas.microsoft.com/office/drawing/2014/main" id="{91C4265C-0EAD-4FFD-BF99-406D49533C1D}"/>
+              </a:ext>
+            </a:extLst>
+          </p:cNvPr>
+          <p:cNvSpPr txBox="1"/>
+          <p:nvPr/>
+        </p:nvSpPr>
+        <p:spPr>
+          <a:xfrm>
+            <a:off x="1088375" y="1659285"/>
+            <a:ext cx="4108389" cy="3539430"/>
+          </a:xfrm>
+          <a:prstGeom prst="rect">
+            <a:avLst/>
+          </a:prstGeom>
+          <a:noFill/>
+        </p:spPr>
+        <p:txBody>
+          <a:bodyPr wrap="square">
+            <a:spAutoFit/>
+          </a:bodyPr>
+          <a:lstStyle/>
+          <a:p>
+            <a:pPr algn="ctr"/>
+            <a:r>
+              <a:rPr lang="en-US" altLang="ko-KR" sz="3200">
+                <a:solidFill>
+                  <a:schemeClr val="bg1"/>
+                </a:solidFill>
+                <a:latin typeface="휴먼매직체" panose="02030504000101010101" pitchFamily="18" charset="-127"/>
+                <a:ea typeface="휴먼매직체" panose="02030504000101010101" pitchFamily="18" charset="-127"/>
+              </a:rPr>
+              <a:t>1.</a:t>
+            </a:r>
+            <a:r>
+              <a:rPr lang="ko-KR" altLang="en-US" sz="3200">
+                <a:solidFill>
+                  <a:schemeClr val="bg1"/>
+                </a:solidFill>
+                <a:latin typeface="휴먼매직체" panose="02030504000101010101" pitchFamily="18" charset="-127"/>
+                <a:ea typeface="휴먼매직체" panose="02030504000101010101" pitchFamily="18" charset="-127"/>
+              </a:rPr>
+              <a:t>개요</a:t>
+            </a:r>
+            <a:endParaRPr lang="en-US" altLang="ko-KR" sz="3200">
+              <a:solidFill>
+                <a:schemeClr val="bg1"/>
+              </a:solidFill>
+              <a:latin typeface="휴먼매직체" panose="02030504000101010101" pitchFamily="18" charset="-127"/>
+              <a:ea typeface="휴먼매직체" panose="02030504000101010101" pitchFamily="18" charset="-127"/>
+            </a:endParaRPr>
+          </a:p>
+          <a:p>
+            <a:pPr algn="ctr"/>
+            <a:endParaRPr lang="en-US" altLang="ko-KR" sz="3200">
+              <a:solidFill>
+                <a:schemeClr val="bg1"/>
+              </a:solidFill>
+              <a:latin typeface="휴먼매직체" panose="02030504000101010101" pitchFamily="18" charset="-127"/>
+              <a:ea typeface="휴먼매직체" panose="02030504000101010101" pitchFamily="18" charset="-127"/>
+            </a:endParaRPr>
+          </a:p>
+          <a:p>
+            <a:pPr algn="ctr"/>
+            <a:r>
+              <a:rPr lang="en-US" altLang="ko-KR" sz="3200">
+                <a:solidFill>
+                  <a:schemeClr val="bg1"/>
+                </a:solidFill>
+                <a:latin typeface="휴먼매직체" panose="02030504000101010101" pitchFamily="18" charset="-127"/>
+                <a:ea typeface="휴먼매직체" panose="02030504000101010101" pitchFamily="18" charset="-127"/>
+              </a:rPr>
+              <a:t>2. </a:t>
+            </a:r>
+            <a:r>
+              <a:rPr lang="ko-KR" altLang="en-US" sz="3200">
+                <a:solidFill>
+                  <a:schemeClr val="bg1"/>
+                </a:solidFill>
+                <a:latin typeface="휴먼매직체" panose="02030504000101010101" pitchFamily="18" charset="-127"/>
+                <a:ea typeface="휴먼매직체" panose="02030504000101010101" pitchFamily="18" charset="-127"/>
+              </a:rPr>
+              <a:t>배경 및 필요성</a:t>
+            </a:r>
+            <a:endParaRPr lang="en-US" altLang="ko-KR" sz="3200">
+              <a:solidFill>
+                <a:schemeClr val="bg1"/>
+              </a:solidFill>
+              <a:latin typeface="휴먼매직체" panose="02030504000101010101" pitchFamily="18" charset="-127"/>
+              <a:ea typeface="휴먼매직체" panose="02030504000101010101" pitchFamily="18" charset="-127"/>
+            </a:endParaRPr>
+          </a:p>
+          <a:p>
+            <a:pPr algn="ctr"/>
+            <a:endParaRPr lang="en-US" altLang="ko-KR" sz="3200">
+              <a:solidFill>
+                <a:schemeClr val="bg1"/>
+              </a:solidFill>
+              <a:latin typeface="휴먼매직체" panose="02030504000101010101" pitchFamily="18" charset="-127"/>
+              <a:ea typeface="휴먼매직체" panose="02030504000101010101" pitchFamily="18" charset="-127"/>
+            </a:endParaRPr>
+          </a:p>
+          <a:p>
+            <a:pPr algn="ctr"/>
+            <a:r>
+              <a:rPr lang="en-US" altLang="ko-KR" sz="3200">
+                <a:solidFill>
+                  <a:schemeClr val="bg1"/>
+                </a:solidFill>
+                <a:latin typeface="휴먼매직체" panose="02030504000101010101" pitchFamily="18" charset="-127"/>
+                <a:ea typeface="휴먼매직체" panose="02030504000101010101" pitchFamily="18" charset="-127"/>
+              </a:rPr>
+              <a:t>3.</a:t>
+            </a:r>
+            <a:r>
+              <a:rPr lang="ko-KR" altLang="en-US" sz="3200">
+                <a:solidFill>
+                  <a:schemeClr val="bg1"/>
+                </a:solidFill>
+                <a:latin typeface="휴먼매직체" panose="02030504000101010101" pitchFamily="18" charset="-127"/>
+                <a:ea typeface="휴먼매직체" panose="02030504000101010101" pitchFamily="18" charset="-127"/>
+              </a:rPr>
+              <a:t>유사 사이트 분석</a:t>
+            </a:r>
+            <a:endParaRPr lang="en-US" altLang="ko-KR" sz="3200">
+              <a:solidFill>
+                <a:schemeClr val="bg1"/>
+              </a:solidFill>
+              <a:latin typeface="휴먼매직체" panose="02030504000101010101" pitchFamily="18" charset="-127"/>
+              <a:ea typeface="휴먼매직체" panose="02030504000101010101" pitchFamily="18" charset="-127"/>
+            </a:endParaRPr>
+          </a:p>
+          <a:p>
+            <a:pPr algn="ctr"/>
+            <a:endParaRPr lang="en-US" altLang="ko-KR" sz="3200">
+              <a:solidFill>
+                <a:schemeClr val="bg1"/>
+              </a:solidFill>
+              <a:latin typeface="휴먼매직체" panose="02030504000101010101" pitchFamily="18" charset="-127"/>
+              <a:ea typeface="휴먼매직체" panose="02030504000101010101" pitchFamily="18" charset="-127"/>
+            </a:endParaRPr>
+          </a:p>
+          <a:p>
+            <a:pPr algn="ctr"/>
+            <a:r>
+              <a:rPr lang="en-US" altLang="ko-KR" sz="3200">
+                <a:solidFill>
+                  <a:schemeClr val="bg1"/>
+                </a:solidFill>
+                <a:latin typeface="휴먼매직체" panose="02030504000101010101" pitchFamily="18" charset="-127"/>
+                <a:ea typeface="휴먼매직체" panose="02030504000101010101" pitchFamily="18" charset="-127"/>
+              </a:rPr>
+              <a:t>4.</a:t>
+            </a:r>
+            <a:r>
+              <a:rPr lang="ko-KR" altLang="en-US" sz="3200">
+                <a:solidFill>
+                  <a:schemeClr val="bg1"/>
+                </a:solidFill>
+                <a:latin typeface="휴먼매직체" panose="02030504000101010101" pitchFamily="18" charset="-127"/>
+                <a:ea typeface="휴먼매직체" panose="02030504000101010101" pitchFamily="18" charset="-127"/>
+              </a:rPr>
+              <a:t>개발 목표</a:t>
+            </a:r>
+            <a:endParaRPr lang="ko-KR" altLang="en-US" sz="3200" dirty="0">
+              <a:solidFill>
+                <a:schemeClr val="bg1"/>
+              </a:solidFill>
+              <a:latin typeface="휴먼매직체" panose="02030504000101010101" pitchFamily="18" charset="-127"/>
+              <a:ea typeface="휴먼매직체" panose="02030504000101010101" pitchFamily="18" charset="-127"/>
+            </a:endParaRPr>
+          </a:p>
+        </p:txBody>
+      </p:sp>
+      <p:sp>
+        <p:nvSpPr>
+          <p:cNvPr id="4" name="TextBox 3">
+            <a:extLst>
+              <a:ext uri="{FF2B5EF4-FFF2-40B4-BE49-F238E27FC236}">
+                <a16:creationId xmlns:a16="http://schemas.microsoft.com/office/drawing/2014/main" id="{E251FDC9-B70C-4BC0-8AC7-216B5765985E}"/>
+              </a:ext>
+            </a:extLst>
+          </p:cNvPr>
+          <p:cNvSpPr txBox="1">
+            <a:spLocks noGrp="1" noRot="1" noMove="1" noResize="1" noEditPoints="1" noAdjustHandles="1" noChangeArrowheads="1" noChangeShapeType="1"/>
+          </p:cNvSpPr>
+          <p:nvPr/>
+        </p:nvSpPr>
+        <p:spPr>
+          <a:xfrm>
+            <a:off x="294716" y="341339"/>
+            <a:ext cx="750526" cy="523220"/>
+          </a:xfrm>
+          <a:prstGeom prst="rect">
+            <a:avLst/>
+          </a:prstGeom>
+          <a:noFill/>
+        </p:spPr>
+        <p:txBody>
+          <a:bodyPr wrap="none" rtlCol="0">
+            <a:spAutoFit/>
+          </a:bodyPr>
+          <a:lstStyle/>
+          <a:p>
+            <a:pPr algn="ctr"/>
+            <a:r>
+              <a:rPr lang="ko-KR" altLang="en-US" sz="2800">
+                <a:solidFill>
+                  <a:schemeClr val="bg1"/>
+                </a:solidFill>
+                <a:latin typeface="휴먼매직체" panose="02030504000101010101" pitchFamily="18" charset="-127"/>
+                <a:ea typeface="휴먼매직체" panose="02030504000101010101" pitchFamily="18" charset="-127"/>
+              </a:rPr>
+              <a:t>목차</a:t>
+            </a:r>
+            <a:endParaRPr lang="ko-KR" altLang="en-US" sz="2800" dirty="0">
+              <a:solidFill>
+                <a:schemeClr val="bg1"/>
+              </a:solidFill>
+              <a:latin typeface="휴먼매직체" panose="02030504000101010101" pitchFamily="18" charset="-127"/>
+              <a:ea typeface="휴먼매직체" panose="02030504000101010101" pitchFamily="18" charset="-127"/>
+            </a:endParaRPr>
+          </a:p>
+        </p:txBody>
+      </p:sp>
+      <p:sp>
+        <p:nvSpPr>
+          <p:cNvPr id="2" name="TextBox 1">
+            <a:extLst>
+              <a:ext uri="{FF2B5EF4-FFF2-40B4-BE49-F238E27FC236}">
+                <a16:creationId xmlns:a16="http://schemas.microsoft.com/office/drawing/2014/main" id="{D3D886B7-3A46-78B5-7CC8-F48EB8ABAE6C}"/>
+              </a:ext>
+            </a:extLst>
+          </p:cNvPr>
+          <p:cNvSpPr txBox="1">
+            <a:spLocks noGrp="1" noRot="1" noMove="1" noResize="1" noEditPoints="1" noAdjustHandles="1" noChangeArrowheads="1" noChangeShapeType="1"/>
+          </p:cNvSpPr>
+          <p:nvPr/>
+        </p:nvSpPr>
+        <p:spPr>
+          <a:xfrm>
+            <a:off x="6555289" y="1233714"/>
+            <a:ext cx="4108389" cy="4524315"/>
+          </a:xfrm>
+          <a:prstGeom prst="rect">
+            <a:avLst/>
+          </a:prstGeom>
+          <a:noFill/>
+        </p:spPr>
+        <p:txBody>
+          <a:bodyPr wrap="square">
+            <a:spAutoFit/>
+          </a:bodyPr>
+          <a:lstStyle/>
+          <a:p>
+            <a:pPr algn="ctr"/>
+            <a:r>
+              <a:rPr lang="en-US" altLang="ko-KR" sz="3200">
+                <a:solidFill>
+                  <a:schemeClr val="bg1"/>
+                </a:solidFill>
+                <a:latin typeface="휴먼매직체" panose="02030504000101010101" pitchFamily="18" charset="-127"/>
+                <a:ea typeface="휴먼매직체" panose="02030504000101010101" pitchFamily="18" charset="-127"/>
+              </a:rPr>
+              <a:t>5.</a:t>
+            </a:r>
+            <a:r>
+              <a:rPr lang="ko-KR" altLang="en-US" sz="3200">
+                <a:solidFill>
+                  <a:schemeClr val="bg1"/>
+                </a:solidFill>
+                <a:latin typeface="휴먼매직체" panose="02030504000101010101" pitchFamily="18" charset="-127"/>
+                <a:ea typeface="휴먼매직체" panose="02030504000101010101" pitchFamily="18" charset="-127"/>
+              </a:rPr>
+              <a:t>개발 내용</a:t>
+            </a:r>
+            <a:endParaRPr lang="en-US" altLang="ko-KR" sz="3200">
+              <a:solidFill>
+                <a:schemeClr val="bg1"/>
+              </a:solidFill>
+              <a:latin typeface="휴먼매직체" panose="02030504000101010101" pitchFamily="18" charset="-127"/>
+              <a:ea typeface="휴먼매직체" panose="02030504000101010101" pitchFamily="18" charset="-127"/>
+            </a:endParaRPr>
+          </a:p>
+          <a:p>
+            <a:pPr algn="ctr"/>
+            <a:endParaRPr lang="en-US" altLang="ko-KR" sz="3200">
+              <a:solidFill>
+                <a:schemeClr val="bg1"/>
+              </a:solidFill>
+              <a:latin typeface="휴먼매직체" panose="02030504000101010101" pitchFamily="18" charset="-127"/>
+              <a:ea typeface="휴먼매직체" panose="02030504000101010101" pitchFamily="18" charset="-127"/>
+            </a:endParaRPr>
+          </a:p>
+          <a:p>
+            <a:pPr algn="ctr"/>
+            <a:r>
+              <a:rPr lang="en-US" altLang="ko-KR" sz="3200">
+                <a:solidFill>
+                  <a:schemeClr val="bg1"/>
+                </a:solidFill>
+                <a:latin typeface="휴먼매직체" panose="02030504000101010101" pitchFamily="18" charset="-127"/>
+                <a:ea typeface="휴먼매직체" panose="02030504000101010101" pitchFamily="18" charset="-127"/>
+              </a:rPr>
+              <a:t>6.</a:t>
+            </a:r>
+            <a:r>
+              <a:rPr lang="ko-KR" altLang="en-US" sz="3200">
+                <a:solidFill>
+                  <a:schemeClr val="bg1"/>
+                </a:solidFill>
+                <a:latin typeface="휴먼매직체" panose="02030504000101010101" pitchFamily="18" charset="-127"/>
+                <a:ea typeface="휴먼매직체" panose="02030504000101010101" pitchFamily="18" charset="-127"/>
+              </a:rPr>
+              <a:t>개발 방법</a:t>
+            </a:r>
+            <a:endParaRPr lang="en-US" altLang="ko-KR" sz="3200">
+              <a:solidFill>
+                <a:schemeClr val="bg1"/>
+              </a:solidFill>
+              <a:latin typeface="휴먼매직체" panose="02030504000101010101" pitchFamily="18" charset="-127"/>
+              <a:ea typeface="휴먼매직체" panose="02030504000101010101" pitchFamily="18" charset="-127"/>
+            </a:endParaRPr>
+          </a:p>
+          <a:p>
+            <a:pPr algn="ctr"/>
+            <a:endParaRPr lang="en-US" altLang="ko-KR" sz="3200">
+              <a:solidFill>
+                <a:schemeClr val="bg1"/>
+              </a:solidFill>
+              <a:latin typeface="휴먼매직체" panose="02030504000101010101" pitchFamily="18" charset="-127"/>
+              <a:ea typeface="휴먼매직체" panose="02030504000101010101" pitchFamily="18" charset="-127"/>
+            </a:endParaRPr>
+          </a:p>
+          <a:p>
+            <a:pPr algn="ctr"/>
+            <a:r>
+              <a:rPr lang="en-US" altLang="ko-KR" sz="3200">
+                <a:solidFill>
+                  <a:schemeClr val="bg1"/>
+                </a:solidFill>
+                <a:latin typeface="휴먼매직체" panose="02030504000101010101" pitchFamily="18" charset="-127"/>
+                <a:ea typeface="휴먼매직체" panose="02030504000101010101" pitchFamily="18" charset="-127"/>
+              </a:rPr>
+              <a:t>7.</a:t>
+            </a:r>
+            <a:r>
+              <a:rPr lang="ko-KR" altLang="en-US" sz="3200">
+                <a:solidFill>
+                  <a:schemeClr val="bg1"/>
+                </a:solidFill>
+                <a:latin typeface="휴먼매직체" panose="02030504000101010101" pitchFamily="18" charset="-127"/>
+                <a:ea typeface="휴먼매직체" panose="02030504000101010101" pitchFamily="18" charset="-127"/>
+              </a:rPr>
+              <a:t>개발 환경</a:t>
+            </a:r>
+            <a:endParaRPr lang="en-US" altLang="ko-KR" sz="3200">
+              <a:solidFill>
+                <a:schemeClr val="bg1"/>
+              </a:solidFill>
+              <a:latin typeface="휴먼매직체" panose="02030504000101010101" pitchFamily="18" charset="-127"/>
+              <a:ea typeface="휴먼매직체" panose="02030504000101010101" pitchFamily="18" charset="-127"/>
+            </a:endParaRPr>
+          </a:p>
+          <a:p>
+            <a:pPr algn="ctr"/>
+            <a:endParaRPr lang="en-US" altLang="ko-KR" sz="3200">
+              <a:solidFill>
+                <a:schemeClr val="bg1"/>
+              </a:solidFill>
+              <a:latin typeface="휴먼매직체" panose="02030504000101010101" pitchFamily="18" charset="-127"/>
+              <a:ea typeface="휴먼매직체" panose="02030504000101010101" pitchFamily="18" charset="-127"/>
+            </a:endParaRPr>
+          </a:p>
+          <a:p>
+            <a:pPr algn="ctr"/>
+            <a:r>
+              <a:rPr lang="en-US" altLang="ko-KR" sz="3200">
+                <a:solidFill>
+                  <a:schemeClr val="bg1"/>
+                </a:solidFill>
+                <a:latin typeface="휴먼매직체" panose="02030504000101010101" pitchFamily="18" charset="-127"/>
+                <a:ea typeface="휴먼매직체" panose="02030504000101010101" pitchFamily="18" charset="-127"/>
+              </a:rPr>
+              <a:t>8.</a:t>
+            </a:r>
+            <a:r>
+              <a:rPr lang="ko-KR" altLang="en-US" sz="3200">
+                <a:solidFill>
+                  <a:schemeClr val="bg1"/>
+                </a:solidFill>
+                <a:latin typeface="휴먼매직체" panose="02030504000101010101" pitchFamily="18" charset="-127"/>
+                <a:ea typeface="휴먼매직체" panose="02030504000101010101" pitchFamily="18" charset="-127"/>
+              </a:rPr>
+              <a:t>개발 일정</a:t>
+            </a:r>
+            <a:endParaRPr lang="en-US" altLang="ko-KR" sz="3200">
+              <a:solidFill>
+                <a:schemeClr val="bg1"/>
+              </a:solidFill>
+              <a:latin typeface="휴먼매직체" panose="02030504000101010101" pitchFamily="18" charset="-127"/>
+              <a:ea typeface="휴먼매직체" panose="02030504000101010101" pitchFamily="18" charset="-127"/>
+            </a:endParaRPr>
+          </a:p>
+          <a:p>
+            <a:pPr algn="ctr"/>
+            <a:endParaRPr lang="en-US" altLang="ko-KR" sz="3200">
+              <a:solidFill>
+                <a:schemeClr val="bg1"/>
+              </a:solidFill>
+              <a:latin typeface="휴먼매직체" panose="02030504000101010101" pitchFamily="18" charset="-127"/>
+              <a:ea typeface="휴먼매직체" panose="02030504000101010101" pitchFamily="18" charset="-127"/>
+            </a:endParaRPr>
+          </a:p>
+          <a:p>
+            <a:pPr algn="ctr"/>
+            <a:r>
+              <a:rPr lang="en-US" altLang="ko-KR" sz="3200">
+                <a:solidFill>
+                  <a:schemeClr val="bg1"/>
+                </a:solidFill>
+                <a:latin typeface="휴먼매직체" panose="02030504000101010101" pitchFamily="18" charset="-127"/>
+                <a:ea typeface="휴먼매직체" panose="02030504000101010101" pitchFamily="18" charset="-127"/>
+              </a:rPr>
+              <a:t>9.</a:t>
+            </a:r>
+            <a:r>
+              <a:rPr lang="ko-KR" altLang="en-US" sz="3200">
+                <a:solidFill>
+                  <a:schemeClr val="bg1"/>
+                </a:solidFill>
+                <a:latin typeface="휴먼매직체" panose="02030504000101010101" pitchFamily="18" charset="-127"/>
+                <a:ea typeface="휴먼매직체" panose="02030504000101010101" pitchFamily="18" charset="-127"/>
+              </a:rPr>
+              <a:t>기대효과 및 활용</a:t>
+            </a:r>
+            <a:endParaRPr lang="ko-KR" altLang="en-US" sz="3200" dirty="0">
+              <a:solidFill>
+                <a:schemeClr val="bg1"/>
+              </a:solidFill>
+              <a:latin typeface="휴먼매직체" panose="02030504000101010101" pitchFamily="18" charset="-127"/>
+              <a:ea typeface="휴먼매직체" panose="02030504000101010101" pitchFamily="18" charset="-127"/>
+            </a:endParaRPr>
+          </a:p>
+        </p:txBody>
+      </p:sp>
+    </p:spTree>
+    <p:extLst>
+      <p:ext uri="{BB962C8B-B14F-4D97-AF65-F5344CB8AC3E}">
+        <p14:creationId xmlns:p14="http://schemas.microsoft.com/office/powerpoint/2010/main" val="3139286300"/>
+      </p:ext>
+    </p:extLst>
+  </p:cSld>
+  <p:clrMapOvr>
+    <a:masterClrMapping/>
+  </p:clrMapOvr>
+  <mc:AlternateContent xmlns:mc="http://schemas.openxmlformats.org/markup-compatibility/2006" xmlns:p14="http://schemas.microsoft.com/office/powerpoint/2010/main">
+    <mc:Choice Requires="p14">
+      <p:transition spd="med" p14:dur="700">
+        <p:fade/>
+      </p:transition>
+    </mc:Choice>
+    <mc:Fallback xmlns="">
+      <p:transition spd="med">
+        <p:fade/>
+      </p:transition>
+    </mc:Fallback>
+  </mc:AlternateContent>
+</p:sld>
+</file>
+
+<file path=ppt/slides/slide20.xml><?xml version="1.0" encoding="utf-8"?>
 <p:sld xmlns:a="http://schemas.openxmlformats.org/drawingml/2006/main" xmlns:r="http://schemas.openxmlformats.org/officeDocument/2006/relationships" xmlns:p="http://schemas.openxmlformats.org/presentationml/2006/main">
   <p:cSld>
     <p:spTree>
@@ -16120,50 +18336,6 @@
               </a:rPr>
               <a:t>제목을 입력하세요</a:t>
             </a:r>
-          </a:p>
-        </p:txBody>
-      </p:sp>
-      <p:sp>
-        <p:nvSpPr>
-          <p:cNvPr id="15" name="TextBox 14">
-            <a:extLst>
-              <a:ext uri="{FF2B5EF4-FFF2-40B4-BE49-F238E27FC236}">
-                <a16:creationId xmlns:a16="http://schemas.microsoft.com/office/drawing/2014/main" id="{8815A429-0165-46F7-A030-F0DB180F3DE0}"/>
-              </a:ext>
-            </a:extLst>
-          </p:cNvPr>
-          <p:cNvSpPr txBox="1"/>
-          <p:nvPr/>
-        </p:nvSpPr>
-        <p:spPr>
-          <a:xfrm>
-            <a:off x="-98231" y="50565"/>
-            <a:ext cx="353943" cy="1849121"/>
-          </a:xfrm>
-          <a:prstGeom prst="rect">
-            <a:avLst/>
-          </a:prstGeom>
-          <a:noFill/>
-        </p:spPr>
-        <p:txBody>
-          <a:bodyPr vert="eaVert" wrap="square" rtlCol="0">
-            <a:spAutoFit/>
-          </a:bodyPr>
-          <a:lstStyle/>
-          <a:p>
-            <a:r>
-              <a:rPr lang="en-US" altLang="ko-KR" sz="1100" dirty="0">
-                <a:solidFill>
-                  <a:schemeClr val="bg1"/>
-                </a:solidFill>
-              </a:rPr>
-              <a:t>Part 3</a:t>
-            </a:r>
-            <a:endParaRPr lang="ko-KR" altLang="en-US" sz="1100" dirty="0">
-              <a:solidFill>
-                <a:schemeClr val="bg1"/>
-              </a:solidFill>
-            </a:endParaRPr>
           </a:p>
         </p:txBody>
       </p:sp>
@@ -16536,7 +18708,7 @@
 </p:sld>
 </file>
 
-<file path=ppt/slides/slide17.xml><?xml version="1.0" encoding="utf-8"?>
+<file path=ppt/slides/slide21.xml><?xml version="1.0" encoding="utf-8"?>
 <p:sld xmlns:a="http://schemas.openxmlformats.org/drawingml/2006/main" xmlns:r="http://schemas.openxmlformats.org/officeDocument/2006/relationships" xmlns:p="http://schemas.openxmlformats.org/presentationml/2006/main">
   <p:cSld>
     <p:spTree>
@@ -16687,50 +18859,6 @@
               </a:rPr>
               <a:t>제목을 입력하세요</a:t>
             </a:r>
-          </a:p>
-        </p:txBody>
-      </p:sp>
-      <p:sp>
-        <p:nvSpPr>
-          <p:cNvPr id="15" name="TextBox 14">
-            <a:extLst>
-              <a:ext uri="{FF2B5EF4-FFF2-40B4-BE49-F238E27FC236}">
-                <a16:creationId xmlns:a16="http://schemas.microsoft.com/office/drawing/2014/main" id="{8815A429-0165-46F7-A030-F0DB180F3DE0}"/>
-              </a:ext>
-            </a:extLst>
-          </p:cNvPr>
-          <p:cNvSpPr txBox="1"/>
-          <p:nvPr/>
-        </p:nvSpPr>
-        <p:spPr>
-          <a:xfrm>
-            <a:off x="-98231" y="50565"/>
-            <a:ext cx="353943" cy="1849121"/>
-          </a:xfrm>
-          <a:prstGeom prst="rect">
-            <a:avLst/>
-          </a:prstGeom>
-          <a:noFill/>
-        </p:spPr>
-        <p:txBody>
-          <a:bodyPr vert="eaVert" wrap="square" rtlCol="0">
-            <a:spAutoFit/>
-          </a:bodyPr>
-          <a:lstStyle/>
-          <a:p>
-            <a:r>
-              <a:rPr lang="en-US" altLang="ko-KR" sz="1100" dirty="0">
-                <a:solidFill>
-                  <a:schemeClr val="bg1"/>
-                </a:solidFill>
-              </a:rPr>
-              <a:t>Part 3</a:t>
-            </a:r>
-            <a:endParaRPr lang="ko-KR" altLang="en-US" sz="1100" dirty="0">
-              <a:solidFill>
-                <a:schemeClr val="bg1"/>
-              </a:solidFill>
-            </a:endParaRPr>
           </a:p>
         </p:txBody>
       </p:sp>
@@ -17176,7 +19304,7 @@
 </p:sld>
 </file>
 
-<file path=ppt/slides/slide18.xml><?xml version="1.0" encoding="utf-8"?>
+<file path=ppt/slides/slide22.xml><?xml version="1.0" encoding="utf-8"?>
 <p:sld xmlns:a="http://schemas.openxmlformats.org/drawingml/2006/main" xmlns:r="http://schemas.openxmlformats.org/officeDocument/2006/relationships" xmlns:p="http://schemas.openxmlformats.org/presentationml/2006/main">
   <p:cSld>
     <p:spTree>
@@ -17571,7 +19699,7 @@
 </p:sld>
 </file>
 
-<file path=ppt/slides/slide19.xml><?xml version="1.0" encoding="utf-8"?>
+<file path=ppt/slides/slide23.xml><?xml version="1.0" encoding="utf-8"?>
 <p:sld xmlns:a="http://schemas.openxmlformats.org/drawingml/2006/main" xmlns:r="http://schemas.openxmlformats.org/officeDocument/2006/relationships" xmlns:p="http://schemas.openxmlformats.org/presentationml/2006/main">
   <p:cSld>
     <p:spTree>
@@ -17966,508 +20094,7 @@
 </p:sld>
 </file>
 
-<file path=ppt/slides/slide2.xml><?xml version="1.0" encoding="utf-8"?>
-<p:sld xmlns:a="http://schemas.openxmlformats.org/drawingml/2006/main" xmlns:r="http://schemas.openxmlformats.org/officeDocument/2006/relationships" xmlns:p="http://schemas.openxmlformats.org/presentationml/2006/main">
-  <p:cSld>
-    <p:bg>
-      <p:bgPr>
-        <a:solidFill>
-          <a:schemeClr val="accent2"/>
-        </a:solidFill>
-        <a:effectLst/>
-      </p:bgPr>
-    </p:bg>
-    <p:spTree>
-      <p:nvGrpSpPr>
-        <p:cNvPr id="1" name=""/>
-        <p:cNvGrpSpPr/>
-        <p:nvPr/>
-      </p:nvGrpSpPr>
-      <p:grpSpPr>
-        <a:xfrm>
-          <a:off x="0" y="0"/>
-          <a:ext cx="0" cy="0"/>
-          <a:chOff x="0" y="0"/>
-          <a:chExt cx="0" cy="0"/>
-        </a:xfrm>
-      </p:grpSpPr>
-      <p:sp>
-        <p:nvSpPr>
-          <p:cNvPr id="3" name="TextBox 2">
-            <a:extLst>
-              <a:ext uri="{FF2B5EF4-FFF2-40B4-BE49-F238E27FC236}">
-                <a16:creationId xmlns:a16="http://schemas.microsoft.com/office/drawing/2014/main" id="{91C4265C-0EAD-4FFD-BF99-406D49533C1D}"/>
-              </a:ext>
-            </a:extLst>
-          </p:cNvPr>
-          <p:cNvSpPr txBox="1"/>
-          <p:nvPr/>
-        </p:nvSpPr>
-        <p:spPr>
-          <a:xfrm>
-            <a:off x="1088375" y="1659285"/>
-            <a:ext cx="4108389" cy="3539430"/>
-          </a:xfrm>
-          <a:prstGeom prst="rect">
-            <a:avLst/>
-          </a:prstGeom>
-          <a:noFill/>
-        </p:spPr>
-        <p:txBody>
-          <a:bodyPr wrap="square">
-            <a:spAutoFit/>
-          </a:bodyPr>
-          <a:lstStyle/>
-          <a:p>
-            <a:pPr algn="ctr"/>
-            <a:r>
-              <a:rPr lang="en-US" altLang="ko-KR" sz="3200">
-                <a:solidFill>
-                  <a:schemeClr val="bg1"/>
-                </a:solidFill>
-                <a:latin typeface="휴먼매직체" panose="02030504000101010101" pitchFamily="18" charset="-127"/>
-                <a:ea typeface="휴먼매직체" panose="02030504000101010101" pitchFamily="18" charset="-127"/>
-              </a:rPr>
-              <a:t>1.</a:t>
-            </a:r>
-            <a:r>
-              <a:rPr lang="ko-KR" altLang="en-US" sz="3200">
-                <a:solidFill>
-                  <a:schemeClr val="bg1"/>
-                </a:solidFill>
-                <a:latin typeface="휴먼매직체" panose="02030504000101010101" pitchFamily="18" charset="-127"/>
-                <a:ea typeface="휴먼매직체" panose="02030504000101010101" pitchFamily="18" charset="-127"/>
-              </a:rPr>
-              <a:t>개요</a:t>
-            </a:r>
-            <a:endParaRPr lang="en-US" altLang="ko-KR" sz="3200">
-              <a:solidFill>
-                <a:schemeClr val="bg1"/>
-              </a:solidFill>
-              <a:latin typeface="휴먼매직체" panose="02030504000101010101" pitchFamily="18" charset="-127"/>
-              <a:ea typeface="휴먼매직체" panose="02030504000101010101" pitchFamily="18" charset="-127"/>
-            </a:endParaRPr>
-          </a:p>
-          <a:p>
-            <a:pPr algn="ctr"/>
-            <a:endParaRPr lang="en-US" altLang="ko-KR" sz="3200">
-              <a:solidFill>
-                <a:schemeClr val="bg1"/>
-              </a:solidFill>
-              <a:latin typeface="휴먼매직체" panose="02030504000101010101" pitchFamily="18" charset="-127"/>
-              <a:ea typeface="휴먼매직체" panose="02030504000101010101" pitchFamily="18" charset="-127"/>
-            </a:endParaRPr>
-          </a:p>
-          <a:p>
-            <a:pPr algn="ctr"/>
-            <a:r>
-              <a:rPr lang="en-US" altLang="ko-KR" sz="3200">
-                <a:solidFill>
-                  <a:schemeClr val="bg1"/>
-                </a:solidFill>
-                <a:latin typeface="휴먼매직체" panose="02030504000101010101" pitchFamily="18" charset="-127"/>
-                <a:ea typeface="휴먼매직체" panose="02030504000101010101" pitchFamily="18" charset="-127"/>
-              </a:rPr>
-              <a:t>2. </a:t>
-            </a:r>
-            <a:r>
-              <a:rPr lang="ko-KR" altLang="en-US" sz="3200">
-                <a:solidFill>
-                  <a:schemeClr val="bg1"/>
-                </a:solidFill>
-                <a:latin typeface="휴먼매직체" panose="02030504000101010101" pitchFamily="18" charset="-127"/>
-                <a:ea typeface="휴먼매직체" panose="02030504000101010101" pitchFamily="18" charset="-127"/>
-              </a:rPr>
-              <a:t>배경 및 필요성</a:t>
-            </a:r>
-            <a:endParaRPr lang="en-US" altLang="ko-KR" sz="3200">
-              <a:solidFill>
-                <a:schemeClr val="bg1"/>
-              </a:solidFill>
-              <a:latin typeface="휴먼매직체" panose="02030504000101010101" pitchFamily="18" charset="-127"/>
-              <a:ea typeface="휴먼매직체" panose="02030504000101010101" pitchFamily="18" charset="-127"/>
-            </a:endParaRPr>
-          </a:p>
-          <a:p>
-            <a:pPr algn="ctr"/>
-            <a:endParaRPr lang="en-US" altLang="ko-KR" sz="3200">
-              <a:solidFill>
-                <a:schemeClr val="bg1"/>
-              </a:solidFill>
-              <a:latin typeface="휴먼매직체" panose="02030504000101010101" pitchFamily="18" charset="-127"/>
-              <a:ea typeface="휴먼매직체" panose="02030504000101010101" pitchFamily="18" charset="-127"/>
-            </a:endParaRPr>
-          </a:p>
-          <a:p>
-            <a:pPr algn="ctr"/>
-            <a:r>
-              <a:rPr lang="en-US" altLang="ko-KR" sz="3200">
-                <a:solidFill>
-                  <a:schemeClr val="bg1"/>
-                </a:solidFill>
-                <a:latin typeface="휴먼매직체" panose="02030504000101010101" pitchFamily="18" charset="-127"/>
-                <a:ea typeface="휴먼매직체" panose="02030504000101010101" pitchFamily="18" charset="-127"/>
-              </a:rPr>
-              <a:t>3.</a:t>
-            </a:r>
-            <a:r>
-              <a:rPr lang="ko-KR" altLang="en-US" sz="3200">
-                <a:solidFill>
-                  <a:schemeClr val="bg1"/>
-                </a:solidFill>
-                <a:latin typeface="휴먼매직체" panose="02030504000101010101" pitchFamily="18" charset="-127"/>
-                <a:ea typeface="휴먼매직체" panose="02030504000101010101" pitchFamily="18" charset="-127"/>
-              </a:rPr>
-              <a:t>유사 사이트 분석</a:t>
-            </a:r>
-            <a:endParaRPr lang="en-US" altLang="ko-KR" sz="3200">
-              <a:solidFill>
-                <a:schemeClr val="bg1"/>
-              </a:solidFill>
-              <a:latin typeface="휴먼매직체" panose="02030504000101010101" pitchFamily="18" charset="-127"/>
-              <a:ea typeface="휴먼매직체" panose="02030504000101010101" pitchFamily="18" charset="-127"/>
-            </a:endParaRPr>
-          </a:p>
-          <a:p>
-            <a:pPr algn="ctr"/>
-            <a:endParaRPr lang="en-US" altLang="ko-KR" sz="3200">
-              <a:solidFill>
-                <a:schemeClr val="bg1"/>
-              </a:solidFill>
-              <a:latin typeface="휴먼매직체" panose="02030504000101010101" pitchFamily="18" charset="-127"/>
-              <a:ea typeface="휴먼매직체" panose="02030504000101010101" pitchFamily="18" charset="-127"/>
-            </a:endParaRPr>
-          </a:p>
-          <a:p>
-            <a:pPr algn="ctr"/>
-            <a:r>
-              <a:rPr lang="en-US" altLang="ko-KR" sz="3200">
-                <a:solidFill>
-                  <a:schemeClr val="bg1"/>
-                </a:solidFill>
-                <a:latin typeface="휴먼매직체" panose="02030504000101010101" pitchFamily="18" charset="-127"/>
-                <a:ea typeface="휴먼매직체" panose="02030504000101010101" pitchFamily="18" charset="-127"/>
-              </a:rPr>
-              <a:t>4.</a:t>
-            </a:r>
-            <a:r>
-              <a:rPr lang="ko-KR" altLang="en-US" sz="3200">
-                <a:solidFill>
-                  <a:schemeClr val="bg1"/>
-                </a:solidFill>
-                <a:latin typeface="휴먼매직체" panose="02030504000101010101" pitchFamily="18" charset="-127"/>
-                <a:ea typeface="휴먼매직체" panose="02030504000101010101" pitchFamily="18" charset="-127"/>
-              </a:rPr>
-              <a:t>개발 목표</a:t>
-            </a:r>
-            <a:endParaRPr lang="ko-KR" altLang="en-US" sz="3200" dirty="0">
-              <a:solidFill>
-                <a:schemeClr val="bg1"/>
-              </a:solidFill>
-              <a:latin typeface="휴먼매직체" panose="02030504000101010101" pitchFamily="18" charset="-127"/>
-              <a:ea typeface="휴먼매직체" panose="02030504000101010101" pitchFamily="18" charset="-127"/>
-            </a:endParaRPr>
-          </a:p>
-        </p:txBody>
-      </p:sp>
-      <p:sp>
-        <p:nvSpPr>
-          <p:cNvPr id="4" name="TextBox 3">
-            <a:extLst>
-              <a:ext uri="{FF2B5EF4-FFF2-40B4-BE49-F238E27FC236}">
-                <a16:creationId xmlns:a16="http://schemas.microsoft.com/office/drawing/2014/main" id="{E251FDC9-B70C-4BC0-8AC7-216B5765985E}"/>
-              </a:ext>
-            </a:extLst>
-          </p:cNvPr>
-          <p:cNvSpPr txBox="1">
-            <a:spLocks noGrp="1" noRot="1" noMove="1" noResize="1" noEditPoints="1" noAdjustHandles="1" noChangeArrowheads="1" noChangeShapeType="1"/>
-          </p:cNvSpPr>
-          <p:nvPr/>
-        </p:nvSpPr>
-        <p:spPr>
-          <a:xfrm>
-            <a:off x="294716" y="341339"/>
-            <a:ext cx="750526" cy="523220"/>
-          </a:xfrm>
-          <a:prstGeom prst="rect">
-            <a:avLst/>
-          </a:prstGeom>
-          <a:noFill/>
-        </p:spPr>
-        <p:txBody>
-          <a:bodyPr wrap="none" rtlCol="0">
-            <a:spAutoFit/>
-          </a:bodyPr>
-          <a:lstStyle/>
-          <a:p>
-            <a:pPr algn="ctr"/>
-            <a:r>
-              <a:rPr lang="ko-KR" altLang="en-US" sz="2800">
-                <a:solidFill>
-                  <a:schemeClr val="bg1"/>
-                </a:solidFill>
-                <a:latin typeface="휴먼매직체" panose="02030504000101010101" pitchFamily="18" charset="-127"/>
-                <a:ea typeface="휴먼매직체" panose="02030504000101010101" pitchFamily="18" charset="-127"/>
-              </a:rPr>
-              <a:t>목차</a:t>
-            </a:r>
-            <a:endParaRPr lang="ko-KR" altLang="en-US" sz="2800" dirty="0">
-              <a:solidFill>
-                <a:schemeClr val="bg1"/>
-              </a:solidFill>
-              <a:latin typeface="휴먼매직체" panose="02030504000101010101" pitchFamily="18" charset="-127"/>
-              <a:ea typeface="휴먼매직체" panose="02030504000101010101" pitchFamily="18" charset="-127"/>
-            </a:endParaRPr>
-          </a:p>
-        </p:txBody>
-      </p:sp>
-      <p:sp>
-        <p:nvSpPr>
-          <p:cNvPr id="2" name="TextBox 1">
-            <a:extLst>
-              <a:ext uri="{FF2B5EF4-FFF2-40B4-BE49-F238E27FC236}">
-                <a16:creationId xmlns:a16="http://schemas.microsoft.com/office/drawing/2014/main" id="{D3D886B7-3A46-78B5-7CC8-F48EB8ABAE6C}"/>
-              </a:ext>
-            </a:extLst>
-          </p:cNvPr>
-          <p:cNvSpPr txBox="1">
-            <a:spLocks noGrp="1" noRot="1" noMove="1" noResize="1" noEditPoints="1" noAdjustHandles="1" noChangeArrowheads="1" noChangeShapeType="1"/>
-          </p:cNvSpPr>
-          <p:nvPr/>
-        </p:nvSpPr>
-        <p:spPr>
-          <a:xfrm>
-            <a:off x="6555289" y="1233714"/>
-            <a:ext cx="4108389" cy="4524315"/>
-          </a:xfrm>
-          <a:prstGeom prst="rect">
-            <a:avLst/>
-          </a:prstGeom>
-          <a:noFill/>
-        </p:spPr>
-        <p:txBody>
-          <a:bodyPr wrap="square">
-            <a:spAutoFit/>
-          </a:bodyPr>
-          <a:lstStyle/>
-          <a:p>
-            <a:pPr algn="ctr"/>
-            <a:r>
-              <a:rPr lang="en-US" altLang="ko-KR" sz="3200">
-                <a:solidFill>
-                  <a:schemeClr val="bg1"/>
-                </a:solidFill>
-                <a:latin typeface="휴먼매직체" panose="02030504000101010101" pitchFamily="18" charset="-127"/>
-                <a:ea typeface="휴먼매직체" panose="02030504000101010101" pitchFamily="18" charset="-127"/>
-              </a:rPr>
-              <a:t>5.</a:t>
-            </a:r>
-            <a:r>
-              <a:rPr lang="ko-KR" altLang="en-US" sz="3200">
-                <a:solidFill>
-                  <a:schemeClr val="bg1"/>
-                </a:solidFill>
-                <a:latin typeface="휴먼매직체" panose="02030504000101010101" pitchFamily="18" charset="-127"/>
-                <a:ea typeface="휴먼매직체" panose="02030504000101010101" pitchFamily="18" charset="-127"/>
-              </a:rPr>
-              <a:t>개발 내용</a:t>
-            </a:r>
-            <a:endParaRPr lang="en-US" altLang="ko-KR" sz="3200">
-              <a:solidFill>
-                <a:schemeClr val="bg1"/>
-              </a:solidFill>
-              <a:latin typeface="휴먼매직체" panose="02030504000101010101" pitchFamily="18" charset="-127"/>
-              <a:ea typeface="휴먼매직체" panose="02030504000101010101" pitchFamily="18" charset="-127"/>
-            </a:endParaRPr>
-          </a:p>
-          <a:p>
-            <a:pPr algn="ctr"/>
-            <a:endParaRPr lang="en-US" altLang="ko-KR" sz="3200">
-              <a:solidFill>
-                <a:schemeClr val="bg1"/>
-              </a:solidFill>
-              <a:latin typeface="휴먼매직체" panose="02030504000101010101" pitchFamily="18" charset="-127"/>
-              <a:ea typeface="휴먼매직체" panose="02030504000101010101" pitchFamily="18" charset="-127"/>
-            </a:endParaRPr>
-          </a:p>
-          <a:p>
-            <a:pPr algn="ctr"/>
-            <a:r>
-              <a:rPr lang="en-US" altLang="ko-KR" sz="3200">
-                <a:solidFill>
-                  <a:schemeClr val="bg1"/>
-                </a:solidFill>
-                <a:latin typeface="휴먼매직체" panose="02030504000101010101" pitchFamily="18" charset="-127"/>
-                <a:ea typeface="휴먼매직체" panose="02030504000101010101" pitchFamily="18" charset="-127"/>
-              </a:rPr>
-              <a:t>6.</a:t>
-            </a:r>
-            <a:r>
-              <a:rPr lang="ko-KR" altLang="en-US" sz="3200">
-                <a:solidFill>
-                  <a:schemeClr val="bg1"/>
-                </a:solidFill>
-                <a:latin typeface="휴먼매직체" panose="02030504000101010101" pitchFamily="18" charset="-127"/>
-                <a:ea typeface="휴먼매직체" panose="02030504000101010101" pitchFamily="18" charset="-127"/>
-              </a:rPr>
-              <a:t>개발 방법</a:t>
-            </a:r>
-            <a:endParaRPr lang="en-US" altLang="ko-KR" sz="3200">
-              <a:solidFill>
-                <a:schemeClr val="bg1"/>
-              </a:solidFill>
-              <a:latin typeface="휴먼매직체" panose="02030504000101010101" pitchFamily="18" charset="-127"/>
-              <a:ea typeface="휴먼매직체" panose="02030504000101010101" pitchFamily="18" charset="-127"/>
-            </a:endParaRPr>
-          </a:p>
-          <a:p>
-            <a:pPr algn="ctr"/>
-            <a:endParaRPr lang="en-US" altLang="ko-KR" sz="3200">
-              <a:solidFill>
-                <a:schemeClr val="bg1"/>
-              </a:solidFill>
-              <a:latin typeface="휴먼매직체" panose="02030504000101010101" pitchFamily="18" charset="-127"/>
-              <a:ea typeface="휴먼매직체" panose="02030504000101010101" pitchFamily="18" charset="-127"/>
-            </a:endParaRPr>
-          </a:p>
-          <a:p>
-            <a:pPr algn="ctr"/>
-            <a:r>
-              <a:rPr lang="en-US" altLang="ko-KR" sz="3200">
-                <a:solidFill>
-                  <a:schemeClr val="bg1"/>
-                </a:solidFill>
-                <a:latin typeface="휴먼매직체" panose="02030504000101010101" pitchFamily="18" charset="-127"/>
-                <a:ea typeface="휴먼매직체" panose="02030504000101010101" pitchFamily="18" charset="-127"/>
-              </a:rPr>
-              <a:t>7.</a:t>
-            </a:r>
-            <a:r>
-              <a:rPr lang="ko-KR" altLang="en-US" sz="3200">
-                <a:solidFill>
-                  <a:schemeClr val="bg1"/>
-                </a:solidFill>
-                <a:latin typeface="휴먼매직체" panose="02030504000101010101" pitchFamily="18" charset="-127"/>
-                <a:ea typeface="휴먼매직체" panose="02030504000101010101" pitchFamily="18" charset="-127"/>
-              </a:rPr>
-              <a:t>개발 환경</a:t>
-            </a:r>
-            <a:endParaRPr lang="en-US" altLang="ko-KR" sz="3200">
-              <a:solidFill>
-                <a:schemeClr val="bg1"/>
-              </a:solidFill>
-              <a:latin typeface="휴먼매직체" panose="02030504000101010101" pitchFamily="18" charset="-127"/>
-              <a:ea typeface="휴먼매직체" panose="02030504000101010101" pitchFamily="18" charset="-127"/>
-            </a:endParaRPr>
-          </a:p>
-          <a:p>
-            <a:pPr algn="ctr"/>
-            <a:endParaRPr lang="en-US" altLang="ko-KR" sz="3200">
-              <a:solidFill>
-                <a:schemeClr val="bg1"/>
-              </a:solidFill>
-              <a:latin typeface="휴먼매직체" panose="02030504000101010101" pitchFamily="18" charset="-127"/>
-              <a:ea typeface="휴먼매직체" panose="02030504000101010101" pitchFamily="18" charset="-127"/>
-            </a:endParaRPr>
-          </a:p>
-          <a:p>
-            <a:pPr algn="ctr"/>
-            <a:r>
-              <a:rPr lang="en-US" altLang="ko-KR" sz="3200">
-                <a:solidFill>
-                  <a:schemeClr val="bg1"/>
-                </a:solidFill>
-                <a:latin typeface="휴먼매직체" panose="02030504000101010101" pitchFamily="18" charset="-127"/>
-                <a:ea typeface="휴먼매직체" panose="02030504000101010101" pitchFamily="18" charset="-127"/>
-              </a:rPr>
-              <a:t>8.</a:t>
-            </a:r>
-            <a:r>
-              <a:rPr lang="ko-KR" altLang="en-US" sz="3200">
-                <a:solidFill>
-                  <a:schemeClr val="bg1"/>
-                </a:solidFill>
-                <a:latin typeface="휴먼매직체" panose="02030504000101010101" pitchFamily="18" charset="-127"/>
-                <a:ea typeface="휴먼매직체" panose="02030504000101010101" pitchFamily="18" charset="-127"/>
-              </a:rPr>
-              <a:t>개발 일정</a:t>
-            </a:r>
-            <a:endParaRPr lang="en-US" altLang="ko-KR" sz="3200">
-              <a:solidFill>
-                <a:schemeClr val="bg1"/>
-              </a:solidFill>
-              <a:latin typeface="휴먼매직체" panose="02030504000101010101" pitchFamily="18" charset="-127"/>
-              <a:ea typeface="휴먼매직체" panose="02030504000101010101" pitchFamily="18" charset="-127"/>
-            </a:endParaRPr>
-          </a:p>
-          <a:p>
-            <a:pPr algn="ctr"/>
-            <a:endParaRPr lang="en-US" altLang="ko-KR" sz="3200">
-              <a:solidFill>
-                <a:schemeClr val="bg1"/>
-              </a:solidFill>
-              <a:latin typeface="휴먼매직체" panose="02030504000101010101" pitchFamily="18" charset="-127"/>
-              <a:ea typeface="휴먼매직체" panose="02030504000101010101" pitchFamily="18" charset="-127"/>
-            </a:endParaRPr>
-          </a:p>
-          <a:p>
-            <a:pPr algn="ctr"/>
-            <a:r>
-              <a:rPr lang="en-US" altLang="ko-KR" sz="3200">
-                <a:solidFill>
-                  <a:schemeClr val="bg1"/>
-                </a:solidFill>
-                <a:latin typeface="휴먼매직체" panose="02030504000101010101" pitchFamily="18" charset="-127"/>
-                <a:ea typeface="휴먼매직체" panose="02030504000101010101" pitchFamily="18" charset="-127"/>
-              </a:rPr>
-              <a:t>9.</a:t>
-            </a:r>
-            <a:r>
-              <a:rPr lang="ko-KR" altLang="en-US" sz="3200">
-                <a:solidFill>
-                  <a:schemeClr val="bg1"/>
-                </a:solidFill>
-                <a:latin typeface="휴먼매직체" panose="02030504000101010101" pitchFamily="18" charset="-127"/>
-                <a:ea typeface="휴먼매직체" panose="02030504000101010101" pitchFamily="18" charset="-127"/>
-              </a:rPr>
-              <a:t>기대효과 및 활용</a:t>
-            </a:r>
-            <a:endParaRPr lang="ko-KR" altLang="en-US" sz="3200" dirty="0">
-              <a:solidFill>
-                <a:schemeClr val="bg1"/>
-              </a:solidFill>
-              <a:latin typeface="휴먼매직체" panose="02030504000101010101" pitchFamily="18" charset="-127"/>
-              <a:ea typeface="휴먼매직체" panose="02030504000101010101" pitchFamily="18" charset="-127"/>
-            </a:endParaRPr>
-          </a:p>
-        </p:txBody>
-      </p:sp>
-    </p:spTree>
-    <p:extLst>
-      <p:ext uri="{BB962C8B-B14F-4D97-AF65-F5344CB8AC3E}">
-        <p14:creationId xmlns:p14="http://schemas.microsoft.com/office/powerpoint/2010/main" val="3139286300"/>
-      </p:ext>
-    </p:extLst>
-  </p:cSld>
-  <p:clrMapOvr>
-    <a:masterClrMapping/>
-  </p:clrMapOvr>
-  <mc:AlternateContent xmlns:mc="http://schemas.openxmlformats.org/markup-compatibility/2006" xmlns:p14="http://schemas.microsoft.com/office/powerpoint/2010/main">
-    <mc:Choice Requires="p14">
-      <p:transition spd="med" p14:dur="700">
-        <p:fade/>
-      </p:transition>
-    </mc:Choice>
-    <mc:Fallback xmlns="">
-      <p:transition spd="med">
-        <p:fade/>
-      </p:transition>
-    </mc:Fallback>
-  </mc:AlternateContent>
-</p:sld>
-</file>
-
-<file path=ppt/slides/slide20.xml><?xml version="1.0" encoding="utf-8"?>
+<file path=ppt/slides/slide24.xml><?xml version="1.0" encoding="utf-8"?>
 <p:sld xmlns:a="http://schemas.openxmlformats.org/drawingml/2006/main" xmlns:r="http://schemas.openxmlformats.org/officeDocument/2006/relationships" xmlns:p="http://schemas.openxmlformats.org/presentationml/2006/main">
   <p:cSld>
     <p:spTree>
@@ -18862,7 +20489,7 @@
 </p:sld>
 </file>
 
-<file path=ppt/slides/slide21.xml><?xml version="1.0" encoding="utf-8"?>
+<file path=ppt/slides/slide25.xml><?xml version="1.0" encoding="utf-8"?>
 <p:sld xmlns:a="http://schemas.openxmlformats.org/drawingml/2006/main" xmlns:r="http://schemas.openxmlformats.org/officeDocument/2006/relationships" xmlns:p="http://schemas.openxmlformats.org/presentationml/2006/main">
   <p:cSld>
     <p:spTree>
@@ -19257,7 +20884,7 @@
 </p:sld>
 </file>
 
-<file path=ppt/slides/slide22.xml><?xml version="1.0" encoding="utf-8"?>
+<file path=ppt/slides/slide26.xml><?xml version="1.0" encoding="utf-8"?>
 <p:sld xmlns:a="http://schemas.openxmlformats.org/drawingml/2006/main" xmlns:r="http://schemas.openxmlformats.org/officeDocument/2006/relationships" xmlns:p="http://schemas.openxmlformats.org/presentationml/2006/main">
   <p:cSld>
     <p:spTree>
@@ -19652,7 +21279,7 @@
 </p:sld>
 </file>
 
-<file path=ppt/slides/slide23.xml><?xml version="1.0" encoding="utf-8"?>
+<file path=ppt/slides/slide27.xml><?xml version="1.0" encoding="utf-8"?>
 <p:sld xmlns:a="http://schemas.openxmlformats.org/drawingml/2006/main" xmlns:r="http://schemas.openxmlformats.org/officeDocument/2006/relationships" xmlns:p="http://schemas.openxmlformats.org/presentationml/2006/main">
   <p:cSld>
     <p:spTree>
@@ -20551,7 +22178,7 @@
         <p:spPr>
           <a:xfrm>
             <a:off x="329610" y="111525"/>
-            <a:ext cx="2593980" cy="584775"/>
+            <a:ext cx="2172390" cy="523220"/>
           </a:xfrm>
           <a:prstGeom prst="rect">
             <a:avLst/>
@@ -20565,7 +22192,7 @@
           <a:lstStyle/>
           <a:p>
             <a:r>
-              <a:rPr lang="en-US" altLang="ko-KR" sz="3200" spc="-300">
+              <a:rPr lang="en-US" altLang="ko-KR" sz="2800" spc="-300">
                 <a:solidFill>
                   <a:schemeClr val="tx1">
                     <a:lumMod val="85000"/>
@@ -20578,7 +22205,7 @@
               <a:t>2.</a:t>
             </a:r>
             <a:r>
-              <a:rPr lang="ko-KR" altLang="en-US" sz="3200" spc="-300">
+              <a:rPr lang="ko-KR" altLang="en-US" sz="2800" spc="-300">
                 <a:solidFill>
                   <a:schemeClr val="tx1">
                     <a:lumMod val="85000"/>
@@ -20590,7 +22217,7 @@
               </a:rPr>
               <a:t> 배경 및 필요성</a:t>
             </a:r>
-            <a:endParaRPr lang="ko-KR" altLang="en-US" sz="3200" spc="-300" dirty="0">
+            <a:endParaRPr lang="ko-KR" altLang="en-US" sz="2800" spc="-300" dirty="0">
               <a:solidFill>
                 <a:schemeClr val="tx1">
                   <a:lumMod val="85000"/>
@@ -20767,10 +22394,10 @@
       </p:sp>
       <p:sp>
         <p:nvSpPr>
-          <p:cNvPr id="7" name="TextBox 6">
+          <p:cNvPr id="14" name="TextBox 13">
             <a:extLst>
               <a:ext uri="{FF2B5EF4-FFF2-40B4-BE49-F238E27FC236}">
-                <a16:creationId xmlns:a16="http://schemas.microsoft.com/office/drawing/2014/main" id="{9A7034D5-42A8-4241-9D66-9B53239DB210}"/>
+                <a16:creationId xmlns:a16="http://schemas.microsoft.com/office/drawing/2014/main" id="{4602FD0B-2018-4853-AF61-F901FE68377A}"/>
               </a:ext>
             </a:extLst>
           </p:cNvPr>
@@ -20779,8 +22406,8 @@
         </p:nvSpPr>
         <p:spPr>
           <a:xfrm>
-            <a:off x="3886789" y="4534162"/>
-            <a:ext cx="1832553" cy="338554"/>
+            <a:off x="353943" y="1009464"/>
+            <a:ext cx="11560017" cy="1323439"/>
           </a:xfrm>
           <a:prstGeom prst="rect">
             <a:avLst/>
@@ -20788,136 +22415,126 @@
           <a:noFill/>
         </p:spPr>
         <p:txBody>
-          <a:bodyPr wrap="none" rtlCol="0">
+          <a:bodyPr wrap="square" rtlCol="0">
             <a:spAutoFit/>
           </a:bodyPr>
           <a:lstStyle/>
           <a:p>
-            <a:pPr algn="ctr"/>
-            <a:r>
-              <a:rPr lang="ko-KR" altLang="en-US" sz="1600" dirty="0"/>
-              <a:t>내용을 입력하세요</a:t>
-            </a:r>
-          </a:p>
-        </p:txBody>
-      </p:sp>
-      <p:sp>
-        <p:nvSpPr>
-          <p:cNvPr id="14" name="TextBox 13">
-            <a:extLst>
-              <a:ext uri="{FF2B5EF4-FFF2-40B4-BE49-F238E27FC236}">
-                <a16:creationId xmlns:a16="http://schemas.microsoft.com/office/drawing/2014/main" id="{4602FD0B-2018-4853-AF61-F901FE68377A}"/>
-              </a:ext>
-            </a:extLst>
-          </p:cNvPr>
-          <p:cNvSpPr txBox="1"/>
-          <p:nvPr/>
-        </p:nvSpPr>
-        <p:spPr>
-          <a:xfrm>
-            <a:off x="631983" y="1443121"/>
-            <a:ext cx="11323934" cy="1631216"/>
-          </a:xfrm>
-          <a:prstGeom prst="rect">
-            <a:avLst/>
-          </a:prstGeom>
-          <a:noFill/>
-        </p:spPr>
-        <p:txBody>
-          <a:bodyPr wrap="none" rtlCol="0">
-            <a:spAutoFit/>
-          </a:bodyPr>
-          <a:lstStyle/>
-          <a:p>
+            <a:r>
+              <a:rPr lang="en-US" altLang="ko-KR" sz="2000">
+                <a:latin typeface="휴먼매직체" panose="02030504000101010101" pitchFamily="18" charset="-127"/>
+                <a:ea typeface="휴먼매직체" panose="02030504000101010101" pitchFamily="18" charset="-127"/>
+              </a:rPr>
+              <a:t>*</a:t>
+            </a:r>
             <a:r>
               <a:rPr lang="ko-KR" altLang="en-US" sz="2000">
                 <a:latin typeface="휴먼매직체" panose="02030504000101010101" pitchFamily="18" charset="-127"/>
                 <a:ea typeface="휴먼매직체" panose="02030504000101010101" pitchFamily="18" charset="-127"/>
               </a:rPr>
-              <a:t>배경 및 필요성</a:t>
-            </a:r>
-          </a:p>
-          <a:p>
+              <a:t>요새 다이어트와 건강에 관한 열풍</a:t>
+            </a:r>
+            <a:r>
+              <a:rPr lang="en-US" altLang="ko-KR" sz="2000">
+                <a:latin typeface="휴먼매직체" panose="02030504000101010101" pitchFamily="18" charset="-127"/>
+                <a:ea typeface="휴먼매직체" panose="02030504000101010101" pitchFamily="18" charset="-127"/>
+              </a:rPr>
+              <a:t>!! </a:t>
+            </a:r>
             <a:r>
               <a:rPr lang="ko-KR" altLang="en-US" sz="2000">
                 <a:latin typeface="휴먼매직체" panose="02030504000101010101" pitchFamily="18" charset="-127"/>
                 <a:ea typeface="휴먼매직체" panose="02030504000101010101" pitchFamily="18" charset="-127"/>
               </a:rPr>
-              <a:t>사람들이 다이어트에 관심이 많다</a:t>
+              <a:t>관련 기사 작성</a:t>
             </a:r>
             <a:r>
               <a:rPr lang="en-US" altLang="ko-KR" sz="2000">
                 <a:latin typeface="휴먼매직체" panose="02030504000101010101" pitchFamily="18" charset="-127"/>
                 <a:ea typeface="휴먼매직체" panose="02030504000101010101" pitchFamily="18" charset="-127"/>
               </a:rPr>
-              <a:t>.</a:t>
-            </a:r>
-          </a:p>
-          <a:p>
+              <a:t>(</a:t>
+            </a:r>
             <a:r>
               <a:rPr lang="ko-KR" altLang="en-US" sz="2000">
                 <a:latin typeface="휴먼매직체" panose="02030504000101010101" pitchFamily="18" charset="-127"/>
                 <a:ea typeface="휴먼매직체" panose="02030504000101010101" pitchFamily="18" charset="-127"/>
               </a:rPr>
-              <a:t>요새 다이어트와 건강에 관한 열풍</a:t>
+              <a:t>링크 필수</a:t>
             </a:r>
             <a:r>
               <a:rPr lang="en-US" altLang="ko-KR" sz="2000">
                 <a:latin typeface="휴먼매직체" panose="02030504000101010101" pitchFamily="18" charset="-127"/>
                 <a:ea typeface="휴먼매직체" panose="02030504000101010101" pitchFamily="18" charset="-127"/>
               </a:rPr>
-              <a:t>!! </a:t>
+              <a:t>)</a:t>
+            </a:r>
+          </a:p>
+          <a:p>
+            <a:r>
+              <a:rPr lang="en-US" altLang="ko-KR" sz="2000">
+                <a:latin typeface="휴먼매직체" panose="02030504000101010101" pitchFamily="18" charset="-127"/>
+                <a:ea typeface="휴먼매직체" panose="02030504000101010101" pitchFamily="18" charset="-127"/>
+              </a:rPr>
+              <a:t>*</a:t>
             </a:r>
             <a:r>
               <a:rPr lang="ko-KR" altLang="en-US" sz="2000">
                 <a:latin typeface="휴먼매직체" panose="02030504000101010101" pitchFamily="18" charset="-127"/>
                 <a:ea typeface="휴먼매직체" panose="02030504000101010101" pitchFamily="18" charset="-127"/>
               </a:rPr>
-              <a:t>관련 기사 작성</a:t>
+              <a:t>개인마다 필요 열량에 따른 영양 성분의 기준치가 다르고</a:t>
             </a:r>
             <a:r>
               <a:rPr lang="en-US" altLang="ko-KR" sz="2000">
                 <a:latin typeface="휴먼매직체" panose="02030504000101010101" pitchFamily="18" charset="-127"/>
                 <a:ea typeface="휴먼매직체" panose="02030504000101010101" pitchFamily="18" charset="-127"/>
               </a:rPr>
-              <a:t>(</a:t>
+              <a:t>, </a:t>
             </a:r>
             <a:r>
               <a:rPr lang="ko-KR" altLang="en-US" sz="2000">
                 <a:latin typeface="휴먼매직체" panose="02030504000101010101" pitchFamily="18" charset="-127"/>
                 <a:ea typeface="휴먼매직체" panose="02030504000101010101" pitchFamily="18" charset="-127"/>
               </a:rPr>
-              <a:t>링크 필수</a:t>
+              <a:t>대부분 자신의 기준치를 잘 모른다</a:t>
             </a:r>
             <a:r>
               <a:rPr lang="en-US" altLang="ko-KR" sz="2000">
                 <a:latin typeface="휴먼매직체" panose="02030504000101010101" pitchFamily="18" charset="-127"/>
                 <a:ea typeface="휴먼매직체" panose="02030504000101010101" pitchFamily="18" charset="-127"/>
               </a:rPr>
-              <a:t>)</a:t>
-            </a:r>
-          </a:p>
-          <a:p>
+              <a:t>.</a:t>
+            </a:r>
+          </a:p>
+          <a:p>
+            <a:r>
+              <a:rPr lang="en-US" altLang="ko-KR" sz="2000">
+                <a:latin typeface="휴먼매직체" panose="02030504000101010101" pitchFamily="18" charset="-127"/>
+                <a:ea typeface="휴먼매직체" panose="02030504000101010101" pitchFamily="18" charset="-127"/>
+              </a:rPr>
+              <a:t>*</a:t>
+            </a:r>
             <a:r>
               <a:rPr lang="ko-KR" altLang="en-US" sz="2000">
                 <a:latin typeface="휴먼매직체" panose="02030504000101010101" pitchFamily="18" charset="-127"/>
                 <a:ea typeface="휴먼매직체" panose="02030504000101010101" pitchFamily="18" charset="-127"/>
               </a:rPr>
-              <a:t>개인마다 필요 열량에 따른 영양 성분의 기준치가 다르고</a:t>
+              <a:t>음식 영양 성분표를 보면 직관적으로 알아보기 싶지 않다</a:t>
             </a:r>
             <a:r>
               <a:rPr lang="en-US" altLang="ko-KR" sz="2000">
                 <a:latin typeface="휴먼매직체" panose="02030504000101010101" pitchFamily="18" charset="-127"/>
                 <a:ea typeface="휴먼매직체" panose="02030504000101010101" pitchFamily="18" charset="-127"/>
               </a:rPr>
-              <a:t>, </a:t>
+              <a:t>. </a:t>
             </a:r>
             <a:r>
               <a:rPr lang="ko-KR" altLang="en-US" sz="2000">
                 <a:latin typeface="휴먼매직체" panose="02030504000101010101" pitchFamily="18" charset="-127"/>
                 <a:ea typeface="휴먼매직체" panose="02030504000101010101" pitchFamily="18" charset="-127"/>
               </a:rPr>
-              <a:t>대부분 자신의 기준치를 잘 모른다</a:t>
+              <a:t>자신이 관심 있는 영양소만 대충 보고 넘어가는 경우가 많다</a:t>
             </a:r>
             <a:r>
               <a:rPr lang="en-US" altLang="ko-KR" sz="2000">
@@ -20926,28 +22543,39 @@
               </a:rPr>
               <a:t>.</a:t>
             </a:r>
-          </a:p>
-          <a:p>
+            <a:endParaRPr lang="en-US" altLang="ko-KR" sz="2000" dirty="0">
+              <a:latin typeface="휴먼매직체" panose="02030504000101010101" pitchFamily="18" charset="-127"/>
+              <a:ea typeface="휴먼매직체" panose="02030504000101010101" pitchFamily="18" charset="-127"/>
+            </a:endParaRPr>
+          </a:p>
+          <a:p>
+            <a:r>
+              <a:rPr lang="en-US" altLang="ko-KR" sz="2000">
+                <a:latin typeface="휴먼매직체" panose="02030504000101010101" pitchFamily="18" charset="-127"/>
+                <a:ea typeface="휴먼매직체" panose="02030504000101010101" pitchFamily="18" charset="-127"/>
+              </a:rPr>
+              <a:t>*</a:t>
+            </a:r>
             <a:r>
               <a:rPr lang="ko-KR" altLang="en-US" sz="2000">
                 <a:latin typeface="휴먼매직체" panose="02030504000101010101" pitchFamily="18" charset="-127"/>
                 <a:ea typeface="휴먼매직체" panose="02030504000101010101" pitchFamily="18" charset="-127"/>
               </a:rPr>
-              <a:t>음식 영양 성분표를 보면 직관적으로 알아보기 싶지 않다</a:t>
+              <a:t>영양 성분표도 전체 성분만 표시되어</a:t>
             </a:r>
             <a:r>
               <a:rPr lang="en-US" altLang="ko-KR" sz="2000">
                 <a:latin typeface="휴먼매직체" panose="02030504000101010101" pitchFamily="18" charset="-127"/>
                 <a:ea typeface="휴먼매직체" panose="02030504000101010101" pitchFamily="18" charset="-127"/>
               </a:rPr>
-              <a:t>. </a:t>
+              <a:t>,</a:t>
             </a:r>
             <a:r>
               <a:rPr lang="ko-KR" altLang="en-US" sz="2000">
                 <a:latin typeface="휴먼매직체" panose="02030504000101010101" pitchFamily="18" charset="-127"/>
                 <a:ea typeface="휴먼매직체" panose="02030504000101010101" pitchFamily="18" charset="-127"/>
               </a:rPr>
-              <a:t>자신이 관심있는 영양소만 대충 보고 넘어가는 경우가 많다</a:t>
+              <a:t> 내가 먹고 싶은 만큼만 먹었을 때는 어느 정도로 영양을 섭취했는지 알 수가 없다</a:t>
             </a:r>
             <a:r>
               <a:rPr lang="en-US" altLang="ko-KR" sz="2000">
@@ -20956,90 +22584,6 @@
               </a:rPr>
               <a:t>.</a:t>
             </a:r>
-            <a:endParaRPr lang="ko-KR" altLang="en-US" sz="2000" dirty="0">
-              <a:latin typeface="휴먼매직체" panose="02030504000101010101" pitchFamily="18" charset="-127"/>
-              <a:ea typeface="휴먼매직체" panose="02030504000101010101" pitchFamily="18" charset="-127"/>
-            </a:endParaRPr>
-          </a:p>
-        </p:txBody>
-      </p:sp>
-      <p:sp>
-        <p:nvSpPr>
-          <p:cNvPr id="15" name="TextBox 14">
-            <a:extLst>
-              <a:ext uri="{FF2B5EF4-FFF2-40B4-BE49-F238E27FC236}">
-                <a16:creationId xmlns:a16="http://schemas.microsoft.com/office/drawing/2014/main" id="{EF232887-5039-491A-9BFD-663FE8E06D99}"/>
-              </a:ext>
-            </a:extLst>
-          </p:cNvPr>
-          <p:cNvSpPr txBox="1"/>
-          <p:nvPr/>
-        </p:nvSpPr>
-        <p:spPr>
-          <a:xfrm>
-            <a:off x="6549137" y="4534162"/>
-            <a:ext cx="1832553" cy="338554"/>
-          </a:xfrm>
-          <a:prstGeom prst="rect">
-            <a:avLst/>
-          </a:prstGeom>
-          <a:noFill/>
-        </p:spPr>
-        <p:txBody>
-          <a:bodyPr wrap="none" rtlCol="0">
-            <a:spAutoFit/>
-          </a:bodyPr>
-          <a:lstStyle/>
-          <a:p>
-            <a:pPr algn="ctr"/>
-            <a:r>
-              <a:rPr lang="ko-KR" altLang="en-US" sz="1600" dirty="0"/>
-              <a:t>내용을 입력하세요</a:t>
-            </a:r>
-          </a:p>
-        </p:txBody>
-      </p:sp>
-      <p:sp>
-        <p:nvSpPr>
-          <p:cNvPr id="16" name="TextBox 15">
-            <a:extLst>
-              <a:ext uri="{FF2B5EF4-FFF2-40B4-BE49-F238E27FC236}">
-                <a16:creationId xmlns:a16="http://schemas.microsoft.com/office/drawing/2014/main" id="{FD5F3A16-019F-4601-B0EF-882D4466946E}"/>
-              </a:ext>
-            </a:extLst>
-          </p:cNvPr>
-          <p:cNvSpPr txBox="1"/>
-          <p:nvPr/>
-        </p:nvSpPr>
-        <p:spPr>
-          <a:xfrm>
-            <a:off x="-98231" y="50565"/>
-            <a:ext cx="353943" cy="1849121"/>
-          </a:xfrm>
-          <a:prstGeom prst="rect">
-            <a:avLst/>
-          </a:prstGeom>
-          <a:noFill/>
-        </p:spPr>
-        <p:txBody>
-          <a:bodyPr vert="eaVert" wrap="square" rtlCol="0">
-            <a:spAutoFit/>
-          </a:bodyPr>
-          <a:lstStyle/>
-          <a:p>
-            <a:r>
-              <a:rPr lang="en-US" altLang="ko-KR" sz="1100" dirty="0">
-                <a:solidFill>
-                  <a:schemeClr val="bg1"/>
-                </a:solidFill>
-              </a:rPr>
-              <a:t>Part 1</a:t>
-            </a:r>
-            <a:endParaRPr lang="ko-KR" altLang="en-US" sz="1100" dirty="0">
-              <a:solidFill>
-                <a:schemeClr val="bg1"/>
-              </a:solidFill>
-            </a:endParaRPr>
           </a:p>
         </p:txBody>
       </p:sp>
@@ -21069,377 +22613,6 @@
 </file>
 
 <file path=ppt/slides/slide5.xml><?xml version="1.0" encoding="utf-8"?>
-<p:sld xmlns:a="http://schemas.openxmlformats.org/drawingml/2006/main" xmlns:r="http://schemas.openxmlformats.org/officeDocument/2006/relationships" xmlns:p="http://schemas.openxmlformats.org/presentationml/2006/main">
-  <p:cSld>
-    <p:bg>
-      <p:bgPr>
-        <a:solidFill>
-          <a:schemeClr val="tx2">
-            <a:lumMod val="75000"/>
-          </a:schemeClr>
-        </a:solidFill>
-        <a:effectLst/>
-      </p:bgPr>
-    </p:bg>
-    <p:spTree>
-      <p:nvGrpSpPr>
-        <p:cNvPr id="1" name=""/>
-        <p:cNvGrpSpPr/>
-        <p:nvPr/>
-      </p:nvGrpSpPr>
-      <p:grpSpPr>
-        <a:xfrm>
-          <a:off x="0" y="0"/>
-          <a:ext cx="0" cy="0"/>
-          <a:chOff x="0" y="0"/>
-          <a:chExt cx="0" cy="0"/>
-        </a:xfrm>
-      </p:grpSpPr>
-      <p:pic>
-        <p:nvPicPr>
-          <p:cNvPr id="6" name="그림 5" descr="실외, 물, 자연, 남자이(가) 표시된 사진&#10;&#10;자동 생성된 설명">
-            <a:extLst>
-              <a:ext uri="{FF2B5EF4-FFF2-40B4-BE49-F238E27FC236}">
-                <a16:creationId xmlns:a16="http://schemas.microsoft.com/office/drawing/2014/main" id="{4D7477A6-39A8-4642-8DC6-EE96DDA7AC2D}"/>
-              </a:ext>
-            </a:extLst>
-          </p:cNvPr>
-          <p:cNvPicPr>
-            <a:picLocks noChangeAspect="1"/>
-          </p:cNvPicPr>
-          <p:nvPr/>
-        </p:nvPicPr>
-        <p:blipFill rotWithShape="1">
-          <a:blip r:embed="rId2" cstate="screen">
-            <a:extLst>
-              <a:ext uri="{28A0092B-C50C-407E-A947-70E740481C1C}">
-                <a14:useLocalDpi xmlns:a14="http://schemas.microsoft.com/office/drawing/2010/main" val="0"/>
-              </a:ext>
-            </a:extLst>
-          </a:blip>
-          <a:srcRect/>
-          <a:stretch/>
-        </p:blipFill>
-        <p:spPr>
-          <a:xfrm>
-            <a:off x="0" y="3040912"/>
-            <a:ext cx="12192000" cy="3817088"/>
-          </a:xfrm>
-          <a:prstGeom prst="rect">
-            <a:avLst/>
-          </a:prstGeom>
-        </p:spPr>
-      </p:pic>
-      <p:sp>
-        <p:nvSpPr>
-          <p:cNvPr id="7" name="TextBox 6">
-            <a:extLst>
-              <a:ext uri="{FF2B5EF4-FFF2-40B4-BE49-F238E27FC236}">
-                <a16:creationId xmlns:a16="http://schemas.microsoft.com/office/drawing/2014/main" id="{F2894A62-3A98-4459-B069-8674BB246AAC}"/>
-              </a:ext>
-            </a:extLst>
-          </p:cNvPr>
-          <p:cNvSpPr txBox="1"/>
-          <p:nvPr/>
-        </p:nvSpPr>
-        <p:spPr>
-          <a:xfrm>
-            <a:off x="234434" y="249086"/>
-            <a:ext cx="4468863" cy="523220"/>
-          </a:xfrm>
-          <a:prstGeom prst="rect">
-            <a:avLst/>
-          </a:prstGeom>
-          <a:noFill/>
-        </p:spPr>
-        <p:txBody>
-          <a:bodyPr wrap="square" rtlCol="0">
-            <a:spAutoFit/>
-          </a:bodyPr>
-          <a:lstStyle/>
-          <a:p>
-            <a:r>
-              <a:rPr lang="en-US" altLang="ko-KR" sz="2800">
-                <a:solidFill>
-                  <a:schemeClr val="bg1"/>
-                </a:solidFill>
-                <a:latin typeface="휴먼매직체" panose="02030504000101010101" pitchFamily="18" charset="-127"/>
-                <a:ea typeface="휴먼매직체" panose="02030504000101010101" pitchFamily="18" charset="-127"/>
-              </a:rPr>
-              <a:t>3. </a:t>
-            </a:r>
-            <a:r>
-              <a:rPr lang="ko-KR" altLang="en-US" sz="2800">
-                <a:solidFill>
-                  <a:schemeClr val="bg1"/>
-                </a:solidFill>
-                <a:latin typeface="휴먼매직체" panose="02030504000101010101" pitchFamily="18" charset="-127"/>
-                <a:ea typeface="휴먼매직체" panose="02030504000101010101" pitchFamily="18" charset="-127"/>
-              </a:rPr>
-              <a:t>유사 사이트 분석</a:t>
-            </a:r>
-            <a:endParaRPr lang="ko-KR" altLang="en-US" sz="2800" dirty="0">
-              <a:solidFill>
-                <a:schemeClr val="bg1"/>
-              </a:solidFill>
-              <a:latin typeface="휴먼매직체" panose="02030504000101010101" pitchFamily="18" charset="-127"/>
-              <a:ea typeface="휴먼매직체" panose="02030504000101010101" pitchFamily="18" charset="-127"/>
-            </a:endParaRPr>
-          </a:p>
-        </p:txBody>
-      </p:sp>
-    </p:spTree>
-    <p:extLst>
-      <p:ext uri="{BB962C8B-B14F-4D97-AF65-F5344CB8AC3E}">
-        <p14:creationId xmlns:p14="http://schemas.microsoft.com/office/powerpoint/2010/main" val="1503160340"/>
-      </p:ext>
-    </p:extLst>
-  </p:cSld>
-  <p:clrMapOvr>
-    <a:masterClrMapping/>
-  </p:clrMapOvr>
-  <mc:AlternateContent xmlns:mc="http://schemas.openxmlformats.org/markup-compatibility/2006" xmlns:p14="http://schemas.microsoft.com/office/powerpoint/2010/main">
-    <mc:Choice Requires="p14">
-      <p:transition spd="med" p14:dur="700">
-        <p:fade/>
-      </p:transition>
-    </mc:Choice>
-    <mc:Fallback xmlns="">
-      <p:transition spd="med">
-        <p:fade/>
-      </p:transition>
-    </mc:Fallback>
-  </mc:AlternateContent>
-</p:sld>
-</file>
-
-<file path=ppt/slides/slide6.xml><?xml version="1.0" encoding="utf-8"?>
-<p:sld xmlns:a="http://schemas.openxmlformats.org/drawingml/2006/main" xmlns:r="http://schemas.openxmlformats.org/officeDocument/2006/relationships" xmlns:p="http://schemas.openxmlformats.org/presentationml/2006/main">
-  <p:cSld>
-    <p:bg>
-      <p:bgPr>
-        <a:solidFill>
-          <a:schemeClr val="tx2">
-            <a:lumMod val="75000"/>
-          </a:schemeClr>
-        </a:solidFill>
-        <a:effectLst/>
-      </p:bgPr>
-    </p:bg>
-    <p:spTree>
-      <p:nvGrpSpPr>
-        <p:cNvPr id="1" name=""/>
-        <p:cNvGrpSpPr/>
-        <p:nvPr/>
-      </p:nvGrpSpPr>
-      <p:grpSpPr>
-        <a:xfrm>
-          <a:off x="0" y="0"/>
-          <a:ext cx="0" cy="0"/>
-          <a:chOff x="0" y="0"/>
-          <a:chExt cx="0" cy="0"/>
-        </a:xfrm>
-      </p:grpSpPr>
-      <p:sp>
-        <p:nvSpPr>
-          <p:cNvPr id="6" name="TextBox 5">
-            <a:extLst>
-              <a:ext uri="{FF2B5EF4-FFF2-40B4-BE49-F238E27FC236}">
-                <a16:creationId xmlns:a16="http://schemas.microsoft.com/office/drawing/2014/main" id="{52457443-236A-4B97-AB90-9C203498A48B}"/>
-              </a:ext>
-            </a:extLst>
-          </p:cNvPr>
-          <p:cNvSpPr txBox="1"/>
-          <p:nvPr/>
-        </p:nvSpPr>
-        <p:spPr>
-          <a:xfrm>
-            <a:off x="260420" y="188003"/>
-            <a:ext cx="5446528" cy="1455911"/>
-          </a:xfrm>
-          <a:prstGeom prst="rect">
-            <a:avLst/>
-          </a:prstGeom>
-          <a:noFill/>
-        </p:spPr>
-        <p:txBody>
-          <a:bodyPr wrap="square">
-            <a:spAutoFit/>
-          </a:bodyPr>
-          <a:lstStyle/>
-          <a:p>
-            <a:pPr algn="just">
-              <a:lnSpc>
-                <a:spcPct val="150000"/>
-              </a:lnSpc>
-            </a:pPr>
-            <a:r>
-              <a:rPr lang="ko-KR" altLang="en-US" sz="3200" spc="-150">
-                <a:solidFill>
-                  <a:schemeClr val="bg1"/>
-                </a:solidFill>
-                <a:latin typeface="휴먼매직체" panose="02030504000101010101" pitchFamily="18" charset="-127"/>
-                <a:ea typeface="휴먼매직체" panose="02030504000101010101" pitchFamily="18" charset="-127"/>
-              </a:rPr>
-              <a:t>밀리그램</a:t>
-            </a:r>
-            <a:r>
-              <a:rPr lang="en-US" altLang="ko-KR" sz="3200" spc="-150">
-                <a:solidFill>
-                  <a:schemeClr val="bg1"/>
-                </a:solidFill>
-                <a:latin typeface="휴먼매직체" panose="02030504000101010101" pitchFamily="18" charset="-127"/>
-                <a:ea typeface="휴먼매직체" panose="02030504000101010101" pitchFamily="18" charset="-127"/>
-              </a:rPr>
-              <a:t>, </a:t>
-            </a:r>
-            <a:r>
-              <a:rPr lang="ko-KR" altLang="en-US" sz="3200" spc="-150">
-                <a:solidFill>
-                  <a:schemeClr val="bg1"/>
-                </a:solidFill>
-                <a:latin typeface="휴먼매직체" panose="02030504000101010101" pitchFamily="18" charset="-127"/>
-                <a:ea typeface="휴먼매직체" panose="02030504000101010101" pitchFamily="18" charset="-127"/>
-              </a:rPr>
-              <a:t>영양 성분 </a:t>
-            </a:r>
-            <a:r>
-              <a:rPr lang="en-US" altLang="ko-KR" sz="3200" spc="-150">
-                <a:solidFill>
-                  <a:schemeClr val="bg1"/>
-                </a:solidFill>
-                <a:latin typeface="휴먼매직체" panose="02030504000101010101" pitchFamily="18" charset="-127"/>
-                <a:ea typeface="휴먼매직체" panose="02030504000101010101" pitchFamily="18" charset="-127"/>
-              </a:rPr>
-              <a:t>X</a:t>
-            </a:r>
-          </a:p>
-          <a:p>
-            <a:pPr algn="just">
-              <a:lnSpc>
-                <a:spcPct val="150000"/>
-              </a:lnSpc>
-            </a:pPr>
-            <a:r>
-              <a:rPr lang="ko-KR" altLang="en-US" sz="3200" spc="-150">
-                <a:solidFill>
-                  <a:schemeClr val="bg1"/>
-                </a:solidFill>
-                <a:latin typeface="휴먼매직체" panose="02030504000101010101" pitchFamily="18" charset="-127"/>
-                <a:ea typeface="휴먼매직체" panose="02030504000101010101" pitchFamily="18" charset="-127"/>
-              </a:rPr>
-              <a:t>삼성헬스케어</a:t>
-            </a:r>
-            <a:r>
-              <a:rPr lang="en-US" altLang="ko-KR" sz="3200" spc="-150">
-                <a:solidFill>
-                  <a:schemeClr val="bg1"/>
-                </a:solidFill>
-                <a:latin typeface="휴먼매직체" panose="02030504000101010101" pitchFamily="18" charset="-127"/>
-                <a:ea typeface="휴먼매직체" panose="02030504000101010101" pitchFamily="18" charset="-127"/>
-              </a:rPr>
-              <a:t>, </a:t>
-            </a:r>
-            <a:r>
-              <a:rPr lang="ko-KR" altLang="en-US" sz="3200" spc="-150">
-                <a:solidFill>
-                  <a:schemeClr val="bg1"/>
-                </a:solidFill>
-                <a:latin typeface="휴먼매직체" panose="02030504000101010101" pitchFamily="18" charset="-127"/>
-                <a:ea typeface="휴먼매직체" panose="02030504000101010101" pitchFamily="18" charset="-127"/>
-              </a:rPr>
-              <a:t>인바디 </a:t>
-            </a:r>
-            <a:r>
-              <a:rPr lang="en-US" altLang="ko-KR" sz="3200" spc="-150">
-                <a:solidFill>
-                  <a:schemeClr val="bg1"/>
-                </a:solidFill>
-                <a:latin typeface="휴먼매직체" panose="02030504000101010101" pitchFamily="18" charset="-127"/>
-                <a:ea typeface="휴먼매직체" panose="02030504000101010101" pitchFamily="18" charset="-127"/>
-              </a:rPr>
-              <a:t>X</a:t>
-            </a:r>
-            <a:endParaRPr lang="ko-KR" altLang="en-US" sz="3200" spc="-150" dirty="0">
-              <a:solidFill>
-                <a:schemeClr val="bg1"/>
-              </a:solidFill>
-              <a:latin typeface="휴먼매직체" panose="02030504000101010101" pitchFamily="18" charset="-127"/>
-              <a:ea typeface="휴먼매직체" panose="02030504000101010101" pitchFamily="18" charset="-127"/>
-            </a:endParaRPr>
-          </a:p>
-        </p:txBody>
-      </p:sp>
-      <p:sp>
-        <p:nvSpPr>
-          <p:cNvPr id="5" name="TextBox 4">
-            <a:extLst>
-              <a:ext uri="{FF2B5EF4-FFF2-40B4-BE49-F238E27FC236}">
-                <a16:creationId xmlns:a16="http://schemas.microsoft.com/office/drawing/2014/main" id="{1EB95980-B21E-481E-BF88-C25A52D77758}"/>
-              </a:ext>
-            </a:extLst>
-          </p:cNvPr>
-          <p:cNvSpPr txBox="1"/>
-          <p:nvPr/>
-        </p:nvSpPr>
-        <p:spPr>
-          <a:xfrm>
-            <a:off x="2745641" y="2331038"/>
-            <a:ext cx="627095" cy="1200329"/>
-          </a:xfrm>
-          <a:prstGeom prst="rect">
-            <a:avLst/>
-          </a:prstGeom>
-          <a:noFill/>
-        </p:spPr>
-        <p:txBody>
-          <a:bodyPr wrap="none" rtlCol="0">
-            <a:spAutoFit/>
-          </a:bodyPr>
-          <a:lstStyle/>
-          <a:p>
-            <a:r>
-              <a:rPr lang="en-US" altLang="ko-KR" sz="7200" dirty="0">
-                <a:solidFill>
-                  <a:schemeClr val="bg1"/>
-                </a:solidFill>
-              </a:rPr>
-              <a:t>“</a:t>
-            </a:r>
-            <a:endParaRPr lang="ko-KR" altLang="en-US" sz="7200" dirty="0">
-              <a:solidFill>
-                <a:schemeClr val="bg1"/>
-              </a:solidFill>
-            </a:endParaRPr>
-          </a:p>
-        </p:txBody>
-      </p:sp>
-    </p:spTree>
-    <p:extLst>
-      <p:ext uri="{BB962C8B-B14F-4D97-AF65-F5344CB8AC3E}">
-        <p14:creationId xmlns:p14="http://schemas.microsoft.com/office/powerpoint/2010/main" val="1627780173"/>
-      </p:ext>
-    </p:extLst>
-  </p:cSld>
-  <p:clrMapOvr>
-    <a:masterClrMapping/>
-  </p:clrMapOvr>
-  <mc:AlternateContent xmlns:mc="http://schemas.openxmlformats.org/markup-compatibility/2006" xmlns:p14="http://schemas.microsoft.com/office/powerpoint/2010/main">
-    <mc:Choice Requires="p14">
-      <p:transition spd="med" p14:dur="700">
-        <p:fade/>
-      </p:transition>
-    </mc:Choice>
-    <mc:Fallback xmlns="">
-      <p:transition spd="med">
-        <p:fade/>
-      </p:transition>
-    </mc:Fallback>
-  </mc:AlternateContent>
-</p:sld>
-</file>
-
-<file path=ppt/slides/slide7.xml><?xml version="1.0" encoding="utf-8"?>
 <p:sld xmlns:a="http://schemas.openxmlformats.org/drawingml/2006/main" xmlns:r="http://schemas.openxmlformats.org/officeDocument/2006/relationships" xmlns:p="http://schemas.openxmlformats.org/presentationml/2006/main">
   <p:cSld>
     <p:spTree>
@@ -21590,50 +22763,6 @@
               </a:rPr>
               <a:t>제목을 입력하세요</a:t>
             </a:r>
-          </a:p>
-        </p:txBody>
-      </p:sp>
-      <p:sp>
-        <p:nvSpPr>
-          <p:cNvPr id="15" name="TextBox 14">
-            <a:extLst>
-              <a:ext uri="{FF2B5EF4-FFF2-40B4-BE49-F238E27FC236}">
-                <a16:creationId xmlns:a16="http://schemas.microsoft.com/office/drawing/2014/main" id="{8815A429-0165-46F7-A030-F0DB180F3DE0}"/>
-              </a:ext>
-            </a:extLst>
-          </p:cNvPr>
-          <p:cNvSpPr txBox="1"/>
-          <p:nvPr/>
-        </p:nvSpPr>
-        <p:spPr>
-          <a:xfrm>
-            <a:off x="-98231" y="50565"/>
-            <a:ext cx="353943" cy="1849121"/>
-          </a:xfrm>
-          <a:prstGeom prst="rect">
-            <a:avLst/>
-          </a:prstGeom>
-          <a:noFill/>
-        </p:spPr>
-        <p:txBody>
-          <a:bodyPr vert="eaVert" wrap="square" rtlCol="0">
-            <a:spAutoFit/>
-          </a:bodyPr>
-          <a:lstStyle/>
-          <a:p>
-            <a:r>
-              <a:rPr lang="en-US" altLang="ko-KR" sz="1100" dirty="0">
-                <a:solidFill>
-                  <a:schemeClr val="bg1"/>
-                </a:solidFill>
-              </a:rPr>
-              <a:t>Part 2</a:t>
-            </a:r>
-            <a:endParaRPr lang="ko-KR" altLang="en-US" sz="1100" dirty="0">
-              <a:solidFill>
-                <a:schemeClr val="bg1"/>
-              </a:solidFill>
-            </a:endParaRPr>
           </a:p>
         </p:txBody>
       </p:sp>
@@ -22007,9 +23136,19 @@
 </p:sld>
 </file>
 
-<file path=ppt/slides/slide8.xml><?xml version="1.0" encoding="utf-8"?>
+<file path=ppt/slides/slide6.xml><?xml version="1.0" encoding="utf-8"?>
 <p:sld xmlns:a="http://schemas.openxmlformats.org/drawingml/2006/main" xmlns:r="http://schemas.openxmlformats.org/officeDocument/2006/relationships" xmlns:p="http://schemas.openxmlformats.org/presentationml/2006/main">
   <p:cSld>
+    <p:bg>
+      <p:bgPr>
+        <a:solidFill>
+          <a:schemeClr val="tx2">
+            <a:lumMod val="75000"/>
+          </a:schemeClr>
+        </a:solidFill>
+        <a:effectLst/>
+      </p:bgPr>
+    </p:bg>
     <p:spTree>
       <p:nvGrpSpPr>
         <p:cNvPr id="1" name=""/>
@@ -22024,107 +23163,12 @@
           <a:chExt cx="0" cy="0"/>
         </a:xfrm>
       </p:grpSpPr>
-      <p:cxnSp>
-        <p:nvCxnSpPr>
-          <p:cNvPr id="4" name="직선 연결선 3">
-            <a:extLst>
-              <a:ext uri="{FF2B5EF4-FFF2-40B4-BE49-F238E27FC236}">
-                <a16:creationId xmlns:a16="http://schemas.microsoft.com/office/drawing/2014/main" id="{9A8E474A-6ECB-442D-8A42-7881F4DFBB2A}"/>
-              </a:ext>
-            </a:extLst>
-          </p:cNvPr>
-          <p:cNvCxnSpPr>
-            <a:cxnSpLocks/>
-          </p:cNvCxnSpPr>
-          <p:nvPr/>
-        </p:nvCxnSpPr>
-        <p:spPr>
-          <a:xfrm>
-            <a:off x="177800" y="835707"/>
-            <a:ext cx="12014200" cy="0"/>
-          </a:xfrm>
-          <a:prstGeom prst="line">
-            <a:avLst/>
-          </a:prstGeom>
-          <a:ln>
-            <a:solidFill>
-              <a:schemeClr val="accent2"/>
-            </a:solidFill>
-          </a:ln>
-        </p:spPr>
-        <p:style>
-          <a:lnRef idx="1">
-            <a:schemeClr val="accent1"/>
-          </a:lnRef>
-          <a:fillRef idx="0">
-            <a:schemeClr val="accent1"/>
-          </a:fillRef>
-          <a:effectRef idx="0">
-            <a:schemeClr val="accent1"/>
-          </a:effectRef>
-          <a:fontRef idx="minor">
-            <a:schemeClr val="tx1"/>
-          </a:fontRef>
-        </p:style>
-      </p:cxnSp>
       <p:sp>
         <p:nvSpPr>
-          <p:cNvPr id="5" name="직사각형 4">
+          <p:cNvPr id="7" name="TextBox 6">
             <a:extLst>
               <a:ext uri="{FF2B5EF4-FFF2-40B4-BE49-F238E27FC236}">
-                <a16:creationId xmlns:a16="http://schemas.microsoft.com/office/drawing/2014/main" id="{76EF8051-9646-4552-BE57-7D95D1538BA2}"/>
-              </a:ext>
-            </a:extLst>
-          </p:cNvPr>
-          <p:cNvSpPr/>
-          <p:nvPr/>
-        </p:nvSpPr>
-        <p:spPr>
-          <a:xfrm>
-            <a:off x="0" y="0"/>
-            <a:ext cx="177800" cy="6858000"/>
-          </a:xfrm>
-          <a:prstGeom prst="rect">
-            <a:avLst/>
-          </a:prstGeom>
-          <a:solidFill>
-            <a:schemeClr val="accent1"/>
-          </a:solidFill>
-          <a:ln>
-            <a:noFill/>
-          </a:ln>
-        </p:spPr>
-        <p:style>
-          <a:lnRef idx="2">
-            <a:schemeClr val="accent1">
-              <a:shade val="50000"/>
-            </a:schemeClr>
-          </a:lnRef>
-          <a:fillRef idx="1">
-            <a:schemeClr val="accent1"/>
-          </a:fillRef>
-          <a:effectRef idx="0">
-            <a:schemeClr val="accent1"/>
-          </a:effectRef>
-          <a:fontRef idx="minor">
-            <a:schemeClr val="lt1"/>
-          </a:fontRef>
-        </p:style>
-        <p:txBody>
-          <a:bodyPr rtlCol="0" anchor="ctr"/>
-          <a:lstStyle/>
-          <a:p>
-            <a:pPr algn="ctr"/>
-            <a:endParaRPr lang="ko-KR" altLang="en-US"/>
-          </a:p>
-        </p:txBody>
-      </p:sp>
-      <p:sp>
-        <p:nvSpPr>
-          <p:cNvPr id="9" name="TextBox 8">
-            <a:extLst>
-              <a:ext uri="{FF2B5EF4-FFF2-40B4-BE49-F238E27FC236}">
-                <a16:creationId xmlns:a16="http://schemas.microsoft.com/office/drawing/2014/main" id="{7FFA9BC9-96FB-4B17-AF51-48D81692F2D7}"/>
+                <a16:creationId xmlns:a16="http://schemas.microsoft.com/office/drawing/2014/main" id="{F2894A62-3A98-4459-B069-8674BB246AAC}"/>
               </a:ext>
             </a:extLst>
           </p:cNvPr>
@@ -22133,566 +23177,8 @@
         </p:nvSpPr>
         <p:spPr>
           <a:xfrm>
-            <a:off x="329610" y="111525"/>
-            <a:ext cx="3134191" cy="584775"/>
-          </a:xfrm>
-          <a:prstGeom prst="rect">
-            <a:avLst/>
-          </a:prstGeom>
-          <a:noFill/>
-        </p:spPr>
-        <p:txBody>
-          <a:bodyPr wrap="none" rtlCol="0">
-            <a:spAutoFit/>
-          </a:bodyPr>
-          <a:lstStyle/>
-          <a:p>
-            <a:r>
-              <a:rPr lang="ko-KR" altLang="en-US" sz="3200" spc="-300" dirty="0">
-                <a:solidFill>
-                  <a:schemeClr val="tx1">
-                    <a:lumMod val="85000"/>
-                    <a:lumOff val="15000"/>
-                  </a:schemeClr>
-                </a:solidFill>
-              </a:rPr>
-              <a:t>제목을 입력하세요</a:t>
-            </a:r>
-          </a:p>
-        </p:txBody>
-      </p:sp>
-      <p:sp>
-        <p:nvSpPr>
-          <p:cNvPr id="15" name="TextBox 14">
-            <a:extLst>
-              <a:ext uri="{FF2B5EF4-FFF2-40B4-BE49-F238E27FC236}">
-                <a16:creationId xmlns:a16="http://schemas.microsoft.com/office/drawing/2014/main" id="{8815A429-0165-46F7-A030-F0DB180F3DE0}"/>
-              </a:ext>
-            </a:extLst>
-          </p:cNvPr>
-          <p:cNvSpPr txBox="1"/>
-          <p:nvPr/>
-        </p:nvSpPr>
-        <p:spPr>
-          <a:xfrm>
-            <a:off x="-98231" y="50565"/>
-            <a:ext cx="353943" cy="1849121"/>
-          </a:xfrm>
-          <a:prstGeom prst="rect">
-            <a:avLst/>
-          </a:prstGeom>
-          <a:noFill/>
-        </p:spPr>
-        <p:txBody>
-          <a:bodyPr vert="eaVert" wrap="square" rtlCol="0">
-            <a:spAutoFit/>
-          </a:bodyPr>
-          <a:lstStyle/>
-          <a:p>
-            <a:r>
-              <a:rPr lang="en-US" altLang="ko-KR" sz="1100" dirty="0">
-                <a:solidFill>
-                  <a:schemeClr val="bg1"/>
-                </a:solidFill>
-              </a:rPr>
-              <a:t>Part 2</a:t>
-            </a:r>
-            <a:endParaRPr lang="ko-KR" altLang="en-US" sz="1100" dirty="0">
-              <a:solidFill>
-                <a:schemeClr val="bg1"/>
-              </a:solidFill>
-            </a:endParaRPr>
-          </a:p>
-        </p:txBody>
-      </p:sp>
-      <p:cxnSp>
-        <p:nvCxnSpPr>
-          <p:cNvPr id="12" name="직선 연결선 11">
-            <a:extLst>
-              <a:ext uri="{FF2B5EF4-FFF2-40B4-BE49-F238E27FC236}">
-                <a16:creationId xmlns:a16="http://schemas.microsoft.com/office/drawing/2014/main" id="{9742D1A6-E7F3-4E84-9CDB-BF483BDD38B5}"/>
-              </a:ext>
-            </a:extLst>
-          </p:cNvPr>
-          <p:cNvCxnSpPr/>
-          <p:nvPr/>
-        </p:nvCxnSpPr>
-        <p:spPr>
-          <a:xfrm>
-            <a:off x="1046180" y="5507781"/>
-            <a:ext cx="2038350" cy="0"/>
-          </a:xfrm>
-          <a:prstGeom prst="line">
-            <a:avLst/>
-          </a:prstGeom>
-          <a:ln>
-            <a:solidFill>
-              <a:schemeClr val="tx1">
-                <a:lumMod val="50000"/>
-                <a:lumOff val="50000"/>
-              </a:schemeClr>
-            </a:solidFill>
-          </a:ln>
-        </p:spPr>
-        <p:style>
-          <a:lnRef idx="1">
-            <a:schemeClr val="accent1"/>
-          </a:lnRef>
-          <a:fillRef idx="0">
-            <a:schemeClr val="accent1"/>
-          </a:fillRef>
-          <a:effectRef idx="0">
-            <a:schemeClr val="accent1"/>
-          </a:effectRef>
-          <a:fontRef idx="minor">
-            <a:schemeClr val="tx1"/>
-          </a:fontRef>
-        </p:style>
-      </p:cxnSp>
-      <p:sp>
-        <p:nvSpPr>
-          <p:cNvPr id="13" name="TextBox 12">
-            <a:extLst>
-              <a:ext uri="{FF2B5EF4-FFF2-40B4-BE49-F238E27FC236}">
-                <a16:creationId xmlns:a16="http://schemas.microsoft.com/office/drawing/2014/main" id="{395E5339-1C54-4ED6-B26B-49980CB5CBCB}"/>
-              </a:ext>
-            </a:extLst>
-          </p:cNvPr>
-          <p:cNvSpPr txBox="1"/>
-          <p:nvPr/>
-        </p:nvSpPr>
-        <p:spPr>
-          <a:xfrm>
-            <a:off x="1279466" y="5583953"/>
-            <a:ext cx="1571777" cy="307777"/>
-          </a:xfrm>
-          <a:prstGeom prst="rect">
-            <a:avLst/>
-          </a:prstGeom>
-          <a:noFill/>
-        </p:spPr>
-        <p:txBody>
-          <a:bodyPr wrap="none" rtlCol="0">
-            <a:spAutoFit/>
-          </a:bodyPr>
-          <a:lstStyle/>
-          <a:p>
-            <a:pPr algn="ctr"/>
-            <a:r>
-              <a:rPr lang="en-US" altLang="ko-KR" sz="1400" dirty="0"/>
-              <a:t>PowerPoint, 2017</a:t>
-            </a:r>
-            <a:endParaRPr lang="ko-KR" altLang="en-US" sz="1400" dirty="0"/>
-          </a:p>
-        </p:txBody>
-      </p:sp>
-      <p:sp>
-        <p:nvSpPr>
-          <p:cNvPr id="14" name="TextBox 13">
-            <a:extLst>
-              <a:ext uri="{FF2B5EF4-FFF2-40B4-BE49-F238E27FC236}">
-                <a16:creationId xmlns:a16="http://schemas.microsoft.com/office/drawing/2014/main" id="{02D0422F-D06A-41DE-8CDA-E3F0EF25AD87}"/>
-              </a:ext>
-            </a:extLst>
-          </p:cNvPr>
-          <p:cNvSpPr txBox="1"/>
-          <p:nvPr/>
-        </p:nvSpPr>
-        <p:spPr>
-          <a:xfrm>
-            <a:off x="1630364" y="5875254"/>
-            <a:ext cx="958916" cy="261610"/>
-          </a:xfrm>
-          <a:prstGeom prst="rect">
-            <a:avLst/>
-          </a:prstGeom>
-          <a:noFill/>
-        </p:spPr>
-        <p:txBody>
-          <a:bodyPr wrap="none" rtlCol="0">
-            <a:spAutoFit/>
-          </a:bodyPr>
-          <a:lstStyle/>
-          <a:p>
-            <a:pPr algn="ctr"/>
-            <a:r>
-              <a:rPr lang="en-US" altLang="ko-KR" sz="1100" dirty="0"/>
-              <a:t>Saebyeol Yu</a:t>
-            </a:r>
-            <a:endParaRPr lang="ko-KR" altLang="en-US" sz="1100" dirty="0"/>
-          </a:p>
-        </p:txBody>
-      </p:sp>
-      <p:cxnSp>
-        <p:nvCxnSpPr>
-          <p:cNvPr id="16" name="직선 연결선 15">
-            <a:extLst>
-              <a:ext uri="{FF2B5EF4-FFF2-40B4-BE49-F238E27FC236}">
-                <a16:creationId xmlns:a16="http://schemas.microsoft.com/office/drawing/2014/main" id="{5F729412-9112-4DCB-A429-D645A9C6FCE2}"/>
-              </a:ext>
-            </a:extLst>
-          </p:cNvPr>
-          <p:cNvCxnSpPr/>
-          <p:nvPr/>
-        </p:nvCxnSpPr>
-        <p:spPr>
-          <a:xfrm>
-            <a:off x="3710583" y="5507781"/>
-            <a:ext cx="2038350" cy="0"/>
-          </a:xfrm>
-          <a:prstGeom prst="line">
-            <a:avLst/>
-          </a:prstGeom>
-          <a:ln>
-            <a:solidFill>
-              <a:schemeClr val="tx1">
-                <a:lumMod val="50000"/>
-                <a:lumOff val="50000"/>
-              </a:schemeClr>
-            </a:solidFill>
-          </a:ln>
-        </p:spPr>
-        <p:style>
-          <a:lnRef idx="1">
-            <a:schemeClr val="accent1"/>
-          </a:lnRef>
-          <a:fillRef idx="0">
-            <a:schemeClr val="accent1"/>
-          </a:fillRef>
-          <a:effectRef idx="0">
-            <a:schemeClr val="accent1"/>
-          </a:effectRef>
-          <a:fontRef idx="minor">
-            <a:schemeClr val="tx1"/>
-          </a:fontRef>
-        </p:style>
-      </p:cxnSp>
-      <p:sp>
-        <p:nvSpPr>
-          <p:cNvPr id="17" name="TextBox 16">
-            <a:extLst>
-              <a:ext uri="{FF2B5EF4-FFF2-40B4-BE49-F238E27FC236}">
-                <a16:creationId xmlns:a16="http://schemas.microsoft.com/office/drawing/2014/main" id="{328F6FD4-8AB4-4E8B-9170-4D1C5928B7DA}"/>
-              </a:ext>
-            </a:extLst>
-          </p:cNvPr>
-          <p:cNvSpPr txBox="1"/>
-          <p:nvPr/>
-        </p:nvSpPr>
-        <p:spPr>
-          <a:xfrm>
-            <a:off x="3943870" y="5603032"/>
-            <a:ext cx="1571777" cy="307777"/>
-          </a:xfrm>
-          <a:prstGeom prst="rect">
-            <a:avLst/>
-          </a:prstGeom>
-          <a:noFill/>
-        </p:spPr>
-        <p:txBody>
-          <a:bodyPr wrap="none" rtlCol="0">
-            <a:spAutoFit/>
-          </a:bodyPr>
-          <a:lstStyle/>
-          <a:p>
-            <a:pPr algn="ctr"/>
-            <a:r>
-              <a:rPr lang="en-US" altLang="ko-KR" sz="1400" dirty="0"/>
-              <a:t>PowerPoint, 2018</a:t>
-            </a:r>
-            <a:endParaRPr lang="ko-KR" altLang="en-US" sz="1400" dirty="0"/>
-          </a:p>
-        </p:txBody>
-      </p:sp>
-      <p:sp>
-        <p:nvSpPr>
-          <p:cNvPr id="18" name="TextBox 17">
-            <a:extLst>
-              <a:ext uri="{FF2B5EF4-FFF2-40B4-BE49-F238E27FC236}">
-                <a16:creationId xmlns:a16="http://schemas.microsoft.com/office/drawing/2014/main" id="{BDA9770A-D39D-4A7F-A14E-E772054AAB72}"/>
-              </a:ext>
-            </a:extLst>
-          </p:cNvPr>
-          <p:cNvSpPr txBox="1"/>
-          <p:nvPr/>
-        </p:nvSpPr>
-        <p:spPr>
-          <a:xfrm>
-            <a:off x="4294767" y="5875254"/>
-            <a:ext cx="958916" cy="261610"/>
-          </a:xfrm>
-          <a:prstGeom prst="rect">
-            <a:avLst/>
-          </a:prstGeom>
-          <a:noFill/>
-        </p:spPr>
-        <p:txBody>
-          <a:bodyPr wrap="none" rtlCol="0">
-            <a:spAutoFit/>
-          </a:bodyPr>
-          <a:lstStyle/>
-          <a:p>
-            <a:pPr algn="ctr"/>
-            <a:r>
-              <a:rPr lang="en-US" altLang="ko-KR" sz="1100" dirty="0"/>
-              <a:t>Saebyeol Yu</a:t>
-            </a:r>
-            <a:endParaRPr lang="ko-KR" altLang="en-US" sz="1100" dirty="0"/>
-          </a:p>
-        </p:txBody>
-      </p:sp>
-      <p:cxnSp>
-        <p:nvCxnSpPr>
-          <p:cNvPr id="19" name="직선 연결선 18">
-            <a:extLst>
-              <a:ext uri="{FF2B5EF4-FFF2-40B4-BE49-F238E27FC236}">
-                <a16:creationId xmlns:a16="http://schemas.microsoft.com/office/drawing/2014/main" id="{8A5DFFCE-4A81-4FD3-B342-6726CD12DD5D}"/>
-              </a:ext>
-            </a:extLst>
-          </p:cNvPr>
-          <p:cNvCxnSpPr/>
-          <p:nvPr/>
-        </p:nvCxnSpPr>
-        <p:spPr>
-          <a:xfrm>
-            <a:off x="6374986" y="5507781"/>
-            <a:ext cx="2038350" cy="0"/>
-          </a:xfrm>
-          <a:prstGeom prst="line">
-            <a:avLst/>
-          </a:prstGeom>
-          <a:ln>
-            <a:solidFill>
-              <a:schemeClr val="tx1">
-                <a:lumMod val="50000"/>
-                <a:lumOff val="50000"/>
-              </a:schemeClr>
-            </a:solidFill>
-          </a:ln>
-        </p:spPr>
-        <p:style>
-          <a:lnRef idx="1">
-            <a:schemeClr val="accent1"/>
-          </a:lnRef>
-          <a:fillRef idx="0">
-            <a:schemeClr val="accent1"/>
-          </a:fillRef>
-          <a:effectRef idx="0">
-            <a:schemeClr val="accent1"/>
-          </a:effectRef>
-          <a:fontRef idx="minor">
-            <a:schemeClr val="tx1"/>
-          </a:fontRef>
-        </p:style>
-      </p:cxnSp>
-      <p:sp>
-        <p:nvSpPr>
-          <p:cNvPr id="20" name="TextBox 19">
-            <a:extLst>
-              <a:ext uri="{FF2B5EF4-FFF2-40B4-BE49-F238E27FC236}">
-                <a16:creationId xmlns:a16="http://schemas.microsoft.com/office/drawing/2014/main" id="{4269153D-1DEC-4CFC-87C4-EB3F768AE6D4}"/>
-              </a:ext>
-            </a:extLst>
-          </p:cNvPr>
-          <p:cNvSpPr txBox="1"/>
-          <p:nvPr/>
-        </p:nvSpPr>
-        <p:spPr>
-          <a:xfrm>
-            <a:off x="6608273" y="5603032"/>
-            <a:ext cx="1571777" cy="307777"/>
-          </a:xfrm>
-          <a:prstGeom prst="rect">
-            <a:avLst/>
-          </a:prstGeom>
-          <a:noFill/>
-        </p:spPr>
-        <p:txBody>
-          <a:bodyPr wrap="none" rtlCol="0">
-            <a:spAutoFit/>
-          </a:bodyPr>
-          <a:lstStyle/>
-          <a:p>
-            <a:pPr algn="ctr"/>
-            <a:r>
-              <a:rPr lang="en-US" altLang="ko-KR" sz="1400" dirty="0"/>
-              <a:t>PowerPoint, 2019</a:t>
-            </a:r>
-            <a:endParaRPr lang="ko-KR" altLang="en-US" sz="1400" dirty="0"/>
-          </a:p>
-        </p:txBody>
-      </p:sp>
-      <p:sp>
-        <p:nvSpPr>
-          <p:cNvPr id="21" name="TextBox 20">
-            <a:extLst>
-              <a:ext uri="{FF2B5EF4-FFF2-40B4-BE49-F238E27FC236}">
-                <a16:creationId xmlns:a16="http://schemas.microsoft.com/office/drawing/2014/main" id="{5DEAC1AD-7D88-4E81-8571-1A0B8F3677AE}"/>
-              </a:ext>
-            </a:extLst>
-          </p:cNvPr>
-          <p:cNvSpPr txBox="1"/>
-          <p:nvPr/>
-        </p:nvSpPr>
-        <p:spPr>
-          <a:xfrm>
-            <a:off x="6959170" y="5875254"/>
-            <a:ext cx="958916" cy="261610"/>
-          </a:xfrm>
-          <a:prstGeom prst="rect">
-            <a:avLst/>
-          </a:prstGeom>
-          <a:noFill/>
-        </p:spPr>
-        <p:txBody>
-          <a:bodyPr wrap="none" rtlCol="0">
-            <a:spAutoFit/>
-          </a:bodyPr>
-          <a:lstStyle/>
-          <a:p>
-            <a:pPr algn="ctr"/>
-            <a:r>
-              <a:rPr lang="en-US" altLang="ko-KR" sz="1100" dirty="0"/>
-              <a:t>Saebyeol Yu</a:t>
-            </a:r>
-            <a:endParaRPr lang="ko-KR" altLang="en-US" sz="1100" dirty="0"/>
-          </a:p>
-        </p:txBody>
-      </p:sp>
-      <p:cxnSp>
-        <p:nvCxnSpPr>
-          <p:cNvPr id="22" name="직선 연결선 21">
-            <a:extLst>
-              <a:ext uri="{FF2B5EF4-FFF2-40B4-BE49-F238E27FC236}">
-                <a16:creationId xmlns:a16="http://schemas.microsoft.com/office/drawing/2014/main" id="{EBA72BCD-F717-4443-92F7-ABE5A7BB32FC}"/>
-              </a:ext>
-            </a:extLst>
-          </p:cNvPr>
-          <p:cNvCxnSpPr/>
-          <p:nvPr/>
-        </p:nvCxnSpPr>
-        <p:spPr>
-          <a:xfrm>
-            <a:off x="9039389" y="5507781"/>
-            <a:ext cx="2038350" cy="0"/>
-          </a:xfrm>
-          <a:prstGeom prst="line">
-            <a:avLst/>
-          </a:prstGeom>
-          <a:ln>
-            <a:solidFill>
-              <a:schemeClr val="tx1">
-                <a:lumMod val="50000"/>
-                <a:lumOff val="50000"/>
-              </a:schemeClr>
-            </a:solidFill>
-          </a:ln>
-        </p:spPr>
-        <p:style>
-          <a:lnRef idx="1">
-            <a:schemeClr val="accent1"/>
-          </a:lnRef>
-          <a:fillRef idx="0">
-            <a:schemeClr val="accent1"/>
-          </a:fillRef>
-          <a:effectRef idx="0">
-            <a:schemeClr val="accent1"/>
-          </a:effectRef>
-          <a:fontRef idx="minor">
-            <a:schemeClr val="tx1"/>
-          </a:fontRef>
-        </p:style>
-      </p:cxnSp>
-      <p:sp>
-        <p:nvSpPr>
-          <p:cNvPr id="23" name="TextBox 22">
-            <a:extLst>
-              <a:ext uri="{FF2B5EF4-FFF2-40B4-BE49-F238E27FC236}">
-                <a16:creationId xmlns:a16="http://schemas.microsoft.com/office/drawing/2014/main" id="{1D358335-3797-481A-88A9-AA0689023883}"/>
-              </a:ext>
-            </a:extLst>
-          </p:cNvPr>
-          <p:cNvSpPr txBox="1"/>
-          <p:nvPr/>
-        </p:nvSpPr>
-        <p:spPr>
-          <a:xfrm>
-            <a:off x="9272676" y="5603032"/>
-            <a:ext cx="1571777" cy="307777"/>
-          </a:xfrm>
-          <a:prstGeom prst="rect">
-            <a:avLst/>
-          </a:prstGeom>
-          <a:noFill/>
-        </p:spPr>
-        <p:txBody>
-          <a:bodyPr wrap="none" rtlCol="0">
-            <a:spAutoFit/>
-          </a:bodyPr>
-          <a:lstStyle/>
-          <a:p>
-            <a:pPr algn="ctr"/>
-            <a:r>
-              <a:rPr lang="en-US" altLang="ko-KR" sz="1400" dirty="0"/>
-              <a:t>PowerPoint, 2020</a:t>
-            </a:r>
-            <a:endParaRPr lang="ko-KR" altLang="en-US" sz="1400" dirty="0"/>
-          </a:p>
-        </p:txBody>
-      </p:sp>
-      <p:sp>
-        <p:nvSpPr>
-          <p:cNvPr id="24" name="TextBox 23">
-            <a:extLst>
-              <a:ext uri="{FF2B5EF4-FFF2-40B4-BE49-F238E27FC236}">
-                <a16:creationId xmlns:a16="http://schemas.microsoft.com/office/drawing/2014/main" id="{9421D3E1-0BB4-4B74-A707-5BAC350839EB}"/>
-              </a:ext>
-            </a:extLst>
-          </p:cNvPr>
-          <p:cNvSpPr txBox="1"/>
-          <p:nvPr/>
-        </p:nvSpPr>
-        <p:spPr>
-          <a:xfrm>
-            <a:off x="9623573" y="5875254"/>
-            <a:ext cx="958916" cy="261610"/>
-          </a:xfrm>
-          <a:prstGeom prst="rect">
-            <a:avLst/>
-          </a:prstGeom>
-          <a:noFill/>
-        </p:spPr>
-        <p:txBody>
-          <a:bodyPr wrap="none" rtlCol="0">
-            <a:spAutoFit/>
-          </a:bodyPr>
-          <a:lstStyle/>
-          <a:p>
-            <a:pPr algn="ctr"/>
-            <a:r>
-              <a:rPr lang="en-US" altLang="ko-KR" sz="1100" dirty="0"/>
-              <a:t>Saebyeol Yu</a:t>
-            </a:r>
-            <a:endParaRPr lang="ko-KR" altLang="en-US" sz="1100" dirty="0"/>
-          </a:p>
-        </p:txBody>
-      </p:sp>
-      <p:sp>
-        <p:nvSpPr>
-          <p:cNvPr id="25" name="TextBox 24">
-            <a:extLst>
-              <a:ext uri="{FF2B5EF4-FFF2-40B4-BE49-F238E27FC236}">
-                <a16:creationId xmlns:a16="http://schemas.microsoft.com/office/drawing/2014/main" id="{B0DD473D-626F-4DC6-A648-3BFCC6B4AF47}"/>
-              </a:ext>
-            </a:extLst>
-          </p:cNvPr>
-          <p:cNvSpPr txBox="1"/>
-          <p:nvPr/>
-        </p:nvSpPr>
-        <p:spPr>
-          <a:xfrm flipH="1">
-            <a:off x="889747" y="1558487"/>
-            <a:ext cx="2488018" cy="400110"/>
+            <a:off x="234434" y="207141"/>
+            <a:ext cx="4468863" cy="523220"/>
           </a:xfrm>
           <a:prstGeom prst="rect">
             <a:avLst/>
@@ -22706,330 +23192,59 @@
           <a:lstStyle/>
           <a:p>
             <a:r>
-              <a:rPr lang="en-US" altLang="ko-KR" sz="2000" b="1" dirty="0"/>
-              <a:t>001</a:t>
-            </a:r>
-            <a:endParaRPr lang="ko-KR" altLang="en-US" sz="2000" b="1" dirty="0"/>
-          </a:p>
-        </p:txBody>
-      </p:sp>
-      <p:sp>
-        <p:nvSpPr>
-          <p:cNvPr id="26" name="TextBox 25">
-            <a:extLst>
-              <a:ext uri="{FF2B5EF4-FFF2-40B4-BE49-F238E27FC236}">
-                <a16:creationId xmlns:a16="http://schemas.microsoft.com/office/drawing/2014/main" id="{C4404A3D-C925-4422-B36F-7ADEB3EAF66A}"/>
-              </a:ext>
-            </a:extLst>
-          </p:cNvPr>
-          <p:cNvSpPr txBox="1"/>
-          <p:nvPr/>
-        </p:nvSpPr>
-        <p:spPr>
-          <a:xfrm flipH="1">
-            <a:off x="3505799" y="1558487"/>
-            <a:ext cx="819325" cy="400110"/>
-          </a:xfrm>
-          <a:prstGeom prst="rect">
-            <a:avLst/>
-          </a:prstGeom>
-          <a:noFill/>
-        </p:spPr>
-        <p:txBody>
-          <a:bodyPr wrap="square" rtlCol="0">
-            <a:spAutoFit/>
-          </a:bodyPr>
-          <a:lstStyle/>
-          <a:p>
-            <a:r>
-              <a:rPr lang="en-US" altLang="ko-KR" sz="2000" b="1" dirty="0"/>
-              <a:t>002</a:t>
-            </a:r>
-            <a:endParaRPr lang="ko-KR" altLang="en-US" sz="2000" b="1" dirty="0"/>
-          </a:p>
-        </p:txBody>
-      </p:sp>
-      <p:sp>
-        <p:nvSpPr>
-          <p:cNvPr id="27" name="TextBox 26">
-            <a:extLst>
-              <a:ext uri="{FF2B5EF4-FFF2-40B4-BE49-F238E27FC236}">
-                <a16:creationId xmlns:a16="http://schemas.microsoft.com/office/drawing/2014/main" id="{E8A0000D-7E54-4A27-84C9-D2E4F33159A4}"/>
-              </a:ext>
-            </a:extLst>
-          </p:cNvPr>
-          <p:cNvSpPr txBox="1"/>
-          <p:nvPr/>
-        </p:nvSpPr>
-        <p:spPr>
-          <a:xfrm flipH="1">
-            <a:off x="6121851" y="1558487"/>
-            <a:ext cx="819325" cy="400110"/>
-          </a:xfrm>
-          <a:prstGeom prst="rect">
-            <a:avLst/>
-          </a:prstGeom>
-          <a:noFill/>
-        </p:spPr>
-        <p:txBody>
-          <a:bodyPr wrap="square" rtlCol="0">
-            <a:spAutoFit/>
-          </a:bodyPr>
-          <a:lstStyle/>
-          <a:p>
-            <a:r>
-              <a:rPr lang="en-US" altLang="ko-KR" sz="2000" b="1" dirty="0"/>
-              <a:t>003</a:t>
-            </a:r>
-            <a:endParaRPr lang="ko-KR" altLang="en-US" sz="2000" b="1" dirty="0"/>
-          </a:p>
-        </p:txBody>
-      </p:sp>
-      <p:sp>
-        <p:nvSpPr>
-          <p:cNvPr id="28" name="TextBox 27">
-            <a:extLst>
-              <a:ext uri="{FF2B5EF4-FFF2-40B4-BE49-F238E27FC236}">
-                <a16:creationId xmlns:a16="http://schemas.microsoft.com/office/drawing/2014/main" id="{3773FE2E-63C9-4C75-B7D8-DECD7FFAFFB3}"/>
-              </a:ext>
-            </a:extLst>
-          </p:cNvPr>
-          <p:cNvSpPr txBox="1"/>
-          <p:nvPr/>
-        </p:nvSpPr>
-        <p:spPr>
-          <a:xfrm flipH="1">
-            <a:off x="8737903" y="1558487"/>
-            <a:ext cx="819325" cy="400110"/>
-          </a:xfrm>
-          <a:prstGeom prst="rect">
-            <a:avLst/>
-          </a:prstGeom>
-          <a:noFill/>
-        </p:spPr>
-        <p:txBody>
-          <a:bodyPr wrap="square" rtlCol="0">
-            <a:spAutoFit/>
-          </a:bodyPr>
-          <a:lstStyle/>
-          <a:p>
-            <a:r>
-              <a:rPr lang="en-US" altLang="ko-KR" sz="2000" b="1" dirty="0"/>
-              <a:t>004</a:t>
-            </a:r>
-            <a:endParaRPr lang="ko-KR" altLang="en-US" sz="2000" b="1" dirty="0"/>
-          </a:p>
-        </p:txBody>
-      </p:sp>
-      <p:sp>
-        <p:nvSpPr>
-          <p:cNvPr id="29" name="직사각형 28">
-            <a:extLst>
-              <a:ext uri="{FF2B5EF4-FFF2-40B4-BE49-F238E27FC236}">
-                <a16:creationId xmlns:a16="http://schemas.microsoft.com/office/drawing/2014/main" id="{120F1523-9CAD-4C27-A816-6A3DB5808645}"/>
-              </a:ext>
-            </a:extLst>
-          </p:cNvPr>
-          <p:cNvSpPr/>
-          <p:nvPr/>
-        </p:nvSpPr>
-        <p:spPr>
-          <a:xfrm>
-            <a:off x="805841" y="1971955"/>
-            <a:ext cx="2519028" cy="3358703"/>
-          </a:xfrm>
-          <a:prstGeom prst="rect">
-            <a:avLst/>
-          </a:prstGeom>
-          <a:ln>
-            <a:noFill/>
-          </a:ln>
-        </p:spPr>
-        <p:style>
-          <a:lnRef idx="2">
-            <a:schemeClr val="accent1">
-              <a:shade val="50000"/>
-            </a:schemeClr>
-          </a:lnRef>
-          <a:fillRef idx="1">
-            <a:schemeClr val="accent1"/>
-          </a:fillRef>
-          <a:effectRef idx="0">
-            <a:schemeClr val="accent1"/>
-          </a:effectRef>
-          <a:fontRef idx="minor">
-            <a:schemeClr val="lt1"/>
-          </a:fontRef>
-        </p:style>
-        <p:txBody>
-          <a:bodyPr rtlCol="0" anchor="ctr"/>
-          <a:lstStyle/>
-          <a:p>
-            <a:pPr algn="ctr"/>
-            <a:endParaRPr lang="ko-KR" altLang="en-US"/>
-          </a:p>
-        </p:txBody>
-      </p:sp>
-      <p:sp>
-        <p:nvSpPr>
-          <p:cNvPr id="30" name="직사각형 29">
-            <a:extLst>
-              <a:ext uri="{FF2B5EF4-FFF2-40B4-BE49-F238E27FC236}">
-                <a16:creationId xmlns:a16="http://schemas.microsoft.com/office/drawing/2014/main" id="{85DFD22B-A591-4CCA-B629-F891C787C026}"/>
-              </a:ext>
-            </a:extLst>
-          </p:cNvPr>
-          <p:cNvSpPr/>
-          <p:nvPr/>
-        </p:nvSpPr>
-        <p:spPr>
-          <a:xfrm>
-            <a:off x="3470244" y="1971955"/>
-            <a:ext cx="2519028" cy="3358703"/>
-          </a:xfrm>
-          <a:prstGeom prst="rect">
-            <a:avLst/>
-          </a:prstGeom>
-          <a:solidFill>
-            <a:schemeClr val="accent2"/>
-          </a:solidFill>
-          <a:ln>
-            <a:noFill/>
-          </a:ln>
-        </p:spPr>
-        <p:style>
-          <a:lnRef idx="2">
-            <a:schemeClr val="accent1">
-              <a:shade val="50000"/>
-            </a:schemeClr>
-          </a:lnRef>
-          <a:fillRef idx="1">
-            <a:schemeClr val="accent1"/>
-          </a:fillRef>
-          <a:effectRef idx="0">
-            <a:schemeClr val="accent1"/>
-          </a:effectRef>
-          <a:fontRef idx="minor">
-            <a:schemeClr val="lt1"/>
-          </a:fontRef>
-        </p:style>
-        <p:txBody>
-          <a:bodyPr rtlCol="0" anchor="ctr"/>
-          <a:lstStyle/>
-          <a:p>
-            <a:pPr algn="ctr"/>
-            <a:endParaRPr lang="ko-KR" altLang="en-US"/>
-          </a:p>
-        </p:txBody>
-      </p:sp>
-      <p:sp>
-        <p:nvSpPr>
-          <p:cNvPr id="31" name="직사각형 30">
-            <a:extLst>
-              <a:ext uri="{FF2B5EF4-FFF2-40B4-BE49-F238E27FC236}">
-                <a16:creationId xmlns:a16="http://schemas.microsoft.com/office/drawing/2014/main" id="{EB34BCCA-2631-4478-B26A-D30B20B83E90}"/>
-              </a:ext>
-            </a:extLst>
-          </p:cNvPr>
-          <p:cNvSpPr/>
-          <p:nvPr/>
-        </p:nvSpPr>
-        <p:spPr>
-          <a:xfrm>
-            <a:off x="6134647" y="1971955"/>
-            <a:ext cx="2519028" cy="3358703"/>
-          </a:xfrm>
-          <a:prstGeom prst="rect">
-            <a:avLst/>
-          </a:prstGeom>
-          <a:solidFill>
-            <a:schemeClr val="accent3"/>
-          </a:solidFill>
-          <a:ln>
-            <a:noFill/>
-          </a:ln>
-        </p:spPr>
-        <p:style>
-          <a:lnRef idx="2">
-            <a:schemeClr val="accent1">
-              <a:shade val="50000"/>
-            </a:schemeClr>
-          </a:lnRef>
-          <a:fillRef idx="1">
-            <a:schemeClr val="accent1"/>
-          </a:fillRef>
-          <a:effectRef idx="0">
-            <a:schemeClr val="accent1"/>
-          </a:effectRef>
-          <a:fontRef idx="minor">
-            <a:schemeClr val="lt1"/>
-          </a:fontRef>
-        </p:style>
-        <p:txBody>
-          <a:bodyPr rtlCol="0" anchor="ctr"/>
-          <a:lstStyle/>
-          <a:p>
-            <a:pPr algn="ctr"/>
-            <a:endParaRPr lang="ko-KR" altLang="en-US"/>
-          </a:p>
-        </p:txBody>
-      </p:sp>
-      <p:sp>
-        <p:nvSpPr>
-          <p:cNvPr id="32" name="직사각형 31">
-            <a:extLst>
-              <a:ext uri="{FF2B5EF4-FFF2-40B4-BE49-F238E27FC236}">
-                <a16:creationId xmlns:a16="http://schemas.microsoft.com/office/drawing/2014/main" id="{7721A97E-197F-4022-8947-CAF47AC231A8}"/>
-              </a:ext>
-            </a:extLst>
-          </p:cNvPr>
-          <p:cNvSpPr/>
-          <p:nvPr/>
-        </p:nvSpPr>
-        <p:spPr>
-          <a:xfrm>
-            <a:off x="8799050" y="1971955"/>
-            <a:ext cx="2519028" cy="3358703"/>
-          </a:xfrm>
-          <a:prstGeom prst="rect">
-            <a:avLst/>
-          </a:prstGeom>
-          <a:solidFill>
-            <a:schemeClr val="accent4"/>
-          </a:solidFill>
-          <a:ln>
-            <a:noFill/>
-          </a:ln>
-        </p:spPr>
-        <p:style>
-          <a:lnRef idx="2">
-            <a:schemeClr val="accent1">
-              <a:shade val="50000"/>
-            </a:schemeClr>
-          </a:lnRef>
-          <a:fillRef idx="1">
-            <a:schemeClr val="accent1"/>
-          </a:fillRef>
-          <a:effectRef idx="0">
-            <a:schemeClr val="accent1"/>
-          </a:effectRef>
-          <a:fontRef idx="minor">
-            <a:schemeClr val="lt1"/>
-          </a:fontRef>
-        </p:style>
-        <p:txBody>
-          <a:bodyPr rtlCol="0" anchor="ctr"/>
-          <a:lstStyle/>
-          <a:p>
-            <a:pPr algn="ctr"/>
-            <a:endParaRPr lang="ko-KR" altLang="en-US"/>
+              <a:rPr lang="en-US" altLang="ko-KR" sz="2800">
+                <a:solidFill>
+                  <a:schemeClr val="bg1"/>
+                </a:solidFill>
+                <a:latin typeface="휴먼매직체" panose="02030504000101010101" pitchFamily="18" charset="-127"/>
+                <a:ea typeface="휴먼매직체" panose="02030504000101010101" pitchFamily="18" charset="-127"/>
+              </a:rPr>
+              <a:t>3. </a:t>
+            </a:r>
+            <a:r>
+              <a:rPr lang="ko-KR" altLang="en-US" sz="2800">
+                <a:solidFill>
+                  <a:schemeClr val="bg1"/>
+                </a:solidFill>
+                <a:latin typeface="휴먼매직체" panose="02030504000101010101" pitchFamily="18" charset="-127"/>
+                <a:ea typeface="휴먼매직체" panose="02030504000101010101" pitchFamily="18" charset="-127"/>
+              </a:rPr>
+              <a:t>유사 사이트 분석 </a:t>
+            </a:r>
+            <a:r>
+              <a:rPr lang="en-US" altLang="ko-KR" sz="2800">
+                <a:solidFill>
+                  <a:schemeClr val="bg1"/>
+                </a:solidFill>
+                <a:latin typeface="휴먼매직체" panose="02030504000101010101" pitchFamily="18" charset="-127"/>
+                <a:ea typeface="휴먼매직체" panose="02030504000101010101" pitchFamily="18" charset="-127"/>
+              </a:rPr>
+              <a:t>: </a:t>
+            </a:r>
+            <a:r>
+              <a:rPr lang="ko-KR" altLang="en-US" sz="2800">
+                <a:solidFill>
+                  <a:schemeClr val="bg1"/>
+                </a:solidFill>
+                <a:latin typeface="휴먼매직체" panose="02030504000101010101" pitchFamily="18" charset="-127"/>
+                <a:ea typeface="휴먼매직체" panose="02030504000101010101" pitchFamily="18" charset="-127"/>
+              </a:rPr>
+              <a:t>밀리그램</a:t>
+            </a:r>
+            <a:endParaRPr lang="ko-KR" altLang="en-US" sz="2800" dirty="0">
+              <a:solidFill>
+                <a:schemeClr val="bg1"/>
+              </a:solidFill>
+              <a:latin typeface="휴먼매직체" panose="02030504000101010101" pitchFamily="18" charset="-127"/>
+              <a:ea typeface="휴먼매직체" panose="02030504000101010101" pitchFamily="18" charset="-127"/>
+            </a:endParaRPr>
           </a:p>
         </p:txBody>
       </p:sp>
     </p:spTree>
     <p:extLst>
       <p:ext uri="{BB962C8B-B14F-4D97-AF65-F5344CB8AC3E}">
-        <p14:creationId xmlns:p14="http://schemas.microsoft.com/office/powerpoint/2010/main" val="3039576005"/>
+        <p14:creationId xmlns:p14="http://schemas.microsoft.com/office/powerpoint/2010/main" val="1503160340"/>
       </p:ext>
     </p:extLst>
   </p:cSld>
@@ -23051,9 +23266,19 @@
 </p:sld>
 </file>
 
-<file path=ppt/slides/slide9.xml><?xml version="1.0" encoding="utf-8"?>
+<file path=ppt/slides/slide7.xml><?xml version="1.0" encoding="utf-8"?>
 <p:sld xmlns:a="http://schemas.openxmlformats.org/drawingml/2006/main" xmlns:r="http://schemas.openxmlformats.org/officeDocument/2006/relationships" xmlns:p="http://schemas.openxmlformats.org/presentationml/2006/main">
   <p:cSld>
+    <p:bg>
+      <p:bgPr>
+        <a:solidFill>
+          <a:schemeClr val="tx2">
+            <a:lumMod val="75000"/>
+          </a:schemeClr>
+        </a:solidFill>
+        <a:effectLst/>
+      </p:bgPr>
+    </p:bg>
     <p:spTree>
       <p:nvGrpSpPr>
         <p:cNvPr id="1" name=""/>
@@ -23068,107 +23293,12 @@
           <a:chExt cx="0" cy="0"/>
         </a:xfrm>
       </p:grpSpPr>
-      <p:cxnSp>
-        <p:nvCxnSpPr>
-          <p:cNvPr id="4" name="직선 연결선 3">
-            <a:extLst>
-              <a:ext uri="{FF2B5EF4-FFF2-40B4-BE49-F238E27FC236}">
-                <a16:creationId xmlns:a16="http://schemas.microsoft.com/office/drawing/2014/main" id="{9A8E474A-6ECB-442D-8A42-7881F4DFBB2A}"/>
-              </a:ext>
-            </a:extLst>
-          </p:cNvPr>
-          <p:cNvCxnSpPr>
-            <a:cxnSpLocks/>
-          </p:cNvCxnSpPr>
-          <p:nvPr/>
-        </p:nvCxnSpPr>
-        <p:spPr>
-          <a:xfrm>
-            <a:off x="177800" y="835707"/>
-            <a:ext cx="12014200" cy="0"/>
-          </a:xfrm>
-          <a:prstGeom prst="line">
-            <a:avLst/>
-          </a:prstGeom>
-          <a:ln>
-            <a:solidFill>
-              <a:schemeClr val="accent2"/>
-            </a:solidFill>
-          </a:ln>
-        </p:spPr>
-        <p:style>
-          <a:lnRef idx="1">
-            <a:schemeClr val="accent1"/>
-          </a:lnRef>
-          <a:fillRef idx="0">
-            <a:schemeClr val="accent1"/>
-          </a:fillRef>
-          <a:effectRef idx="0">
-            <a:schemeClr val="accent1"/>
-          </a:effectRef>
-          <a:fontRef idx="minor">
-            <a:schemeClr val="tx1"/>
-          </a:fontRef>
-        </p:style>
-      </p:cxnSp>
       <p:sp>
         <p:nvSpPr>
-          <p:cNvPr id="5" name="직사각형 4">
+          <p:cNvPr id="6" name="TextBox 5">
             <a:extLst>
               <a:ext uri="{FF2B5EF4-FFF2-40B4-BE49-F238E27FC236}">
-                <a16:creationId xmlns:a16="http://schemas.microsoft.com/office/drawing/2014/main" id="{76EF8051-9646-4552-BE57-7D95D1538BA2}"/>
-              </a:ext>
-            </a:extLst>
-          </p:cNvPr>
-          <p:cNvSpPr/>
-          <p:nvPr/>
-        </p:nvSpPr>
-        <p:spPr>
-          <a:xfrm>
-            <a:off x="0" y="0"/>
-            <a:ext cx="177800" cy="6858000"/>
-          </a:xfrm>
-          <a:prstGeom prst="rect">
-            <a:avLst/>
-          </a:prstGeom>
-          <a:solidFill>
-            <a:schemeClr val="accent1"/>
-          </a:solidFill>
-          <a:ln>
-            <a:noFill/>
-          </a:ln>
-        </p:spPr>
-        <p:style>
-          <a:lnRef idx="2">
-            <a:schemeClr val="accent1">
-              <a:shade val="50000"/>
-            </a:schemeClr>
-          </a:lnRef>
-          <a:fillRef idx="1">
-            <a:schemeClr val="accent1"/>
-          </a:fillRef>
-          <a:effectRef idx="0">
-            <a:schemeClr val="accent1"/>
-          </a:effectRef>
-          <a:fontRef idx="minor">
-            <a:schemeClr val="lt1"/>
-          </a:fontRef>
-        </p:style>
-        <p:txBody>
-          <a:bodyPr rtlCol="0" anchor="ctr"/>
-          <a:lstStyle/>
-          <a:p>
-            <a:pPr algn="ctr"/>
-            <a:endParaRPr lang="ko-KR" altLang="en-US"/>
-          </a:p>
-        </p:txBody>
-      </p:sp>
-      <p:sp>
-        <p:nvSpPr>
-          <p:cNvPr id="9" name="TextBox 8">
-            <a:extLst>
-              <a:ext uri="{FF2B5EF4-FFF2-40B4-BE49-F238E27FC236}">
-                <a16:creationId xmlns:a16="http://schemas.microsoft.com/office/drawing/2014/main" id="{7FFA9BC9-96FB-4B17-AF51-48D81692F2D7}"/>
+                <a16:creationId xmlns:a16="http://schemas.microsoft.com/office/drawing/2014/main" id="{52457443-236A-4B97-AB90-9C203498A48B}"/>
               </a:ext>
             </a:extLst>
           </p:cNvPr>
@@ -23177,8 +23307,84 @@
         </p:nvSpPr>
         <p:spPr>
           <a:xfrm>
-            <a:off x="329610" y="111525"/>
-            <a:ext cx="3134191" cy="584775"/>
+            <a:off x="3624405" y="2331038"/>
+            <a:ext cx="5446528" cy="717248"/>
+          </a:xfrm>
+          <a:prstGeom prst="rect">
+            <a:avLst/>
+          </a:prstGeom>
+          <a:noFill/>
+        </p:spPr>
+        <p:txBody>
+          <a:bodyPr wrap="square">
+            <a:spAutoFit/>
+          </a:bodyPr>
+          <a:lstStyle/>
+          <a:p>
+            <a:pPr algn="just">
+              <a:lnSpc>
+                <a:spcPct val="150000"/>
+              </a:lnSpc>
+            </a:pPr>
+            <a:r>
+              <a:rPr lang="ko-KR" altLang="en-US" sz="3200" spc="-150">
+                <a:solidFill>
+                  <a:schemeClr val="bg1"/>
+                </a:solidFill>
+                <a:latin typeface="휴먼매직체" panose="02030504000101010101" pitchFamily="18" charset="-127"/>
+                <a:ea typeface="휴먼매직체" panose="02030504000101010101" pitchFamily="18" charset="-127"/>
+              </a:rPr>
+              <a:t>밀리그램</a:t>
+            </a:r>
+            <a:r>
+              <a:rPr lang="en-US" altLang="ko-KR" sz="3200" spc="-150">
+                <a:solidFill>
+                  <a:schemeClr val="bg1"/>
+                </a:solidFill>
+                <a:latin typeface="휴먼매직체" panose="02030504000101010101" pitchFamily="18" charset="-127"/>
+                <a:ea typeface="휴먼매직체" panose="02030504000101010101" pitchFamily="18" charset="-127"/>
+              </a:rPr>
+              <a:t>, </a:t>
+            </a:r>
+            <a:r>
+              <a:rPr lang="ko-KR" altLang="en-US" sz="3200" spc="-150">
+                <a:solidFill>
+                  <a:schemeClr val="bg1"/>
+                </a:solidFill>
+                <a:latin typeface="휴먼매직체" panose="02030504000101010101" pitchFamily="18" charset="-127"/>
+                <a:ea typeface="휴먼매직체" panose="02030504000101010101" pitchFamily="18" charset="-127"/>
+              </a:rPr>
+              <a:t>영양 성분 </a:t>
+            </a:r>
+            <a:r>
+              <a:rPr lang="en-US" altLang="ko-KR" sz="3200" spc="-150">
+                <a:solidFill>
+                  <a:schemeClr val="bg1"/>
+                </a:solidFill>
+                <a:latin typeface="휴먼매직체" panose="02030504000101010101" pitchFamily="18" charset="-127"/>
+                <a:ea typeface="휴먼매직체" panose="02030504000101010101" pitchFamily="18" charset="-127"/>
+              </a:rPr>
+              <a:t>X</a:t>
+            </a:r>
+          </a:p>
+        </p:txBody>
+      </p:sp>
+      <p:sp>
+        <p:nvSpPr>
+          <p:cNvPr id="5" name="TextBox 4">
+            <a:extLst>
+              <a:ext uri="{FF2B5EF4-FFF2-40B4-BE49-F238E27FC236}">
+                <a16:creationId xmlns:a16="http://schemas.microsoft.com/office/drawing/2014/main" id="{1EB95980-B21E-481E-BF88-C25A52D77758}"/>
+              </a:ext>
+            </a:extLst>
+          </p:cNvPr>
+          <p:cNvSpPr txBox="1"/>
+          <p:nvPr/>
+        </p:nvSpPr>
+        <p:spPr>
+          <a:xfrm>
+            <a:off x="2745641" y="2331038"/>
+            <a:ext cx="627095" cy="1200329"/>
           </a:xfrm>
           <a:prstGeom prst="rect">
             <a:avLst/>
@@ -23192,154 +23398,27 @@
           <a:lstStyle/>
           <a:p>
             <a:r>
-              <a:rPr lang="ko-KR" altLang="en-US" sz="3200" spc="-300" dirty="0">
+              <a:rPr lang="en-US" altLang="ko-KR" sz="7200" dirty="0">
                 <a:solidFill>
-                  <a:schemeClr val="tx1">
-                    <a:lumMod val="85000"/>
-                    <a:lumOff val="15000"/>
-                  </a:schemeClr>
+                  <a:schemeClr val="bg1"/>
                 </a:solidFill>
               </a:rPr>
-              <a:t>제목을 입력하세요</a:t>
-            </a:r>
+              <a:t>“</a:t>
+            </a:r>
+            <a:endParaRPr lang="ko-KR" altLang="en-US" sz="7200" dirty="0">
+              <a:solidFill>
+                <a:schemeClr val="bg1"/>
+              </a:solidFill>
+            </a:endParaRPr>
           </a:p>
         </p:txBody>
       </p:sp>
-      <p:grpSp>
-        <p:nvGrpSpPr>
-          <p:cNvPr id="8" name="그룹 7">
-            <a:extLst>
-              <a:ext uri="{FF2B5EF4-FFF2-40B4-BE49-F238E27FC236}">
-                <a16:creationId xmlns:a16="http://schemas.microsoft.com/office/drawing/2014/main" id="{4584462D-D1AA-4646-A16C-37BE2E5E4952}"/>
-              </a:ext>
-            </a:extLst>
-          </p:cNvPr>
-          <p:cNvGrpSpPr/>
-          <p:nvPr/>
-        </p:nvGrpSpPr>
-        <p:grpSpPr>
-          <a:xfrm>
-            <a:off x="3181774" y="1622966"/>
-            <a:ext cx="5855412" cy="3600000"/>
-            <a:chOff x="3141134" y="1907446"/>
-            <a:chExt cx="5855412" cy="3600000"/>
-          </a:xfrm>
-        </p:grpSpPr>
-        <p:sp>
-          <p:nvSpPr>
-            <p:cNvPr id="10" name="타원 9">
-              <a:extLst>
-                <a:ext uri="{FF2B5EF4-FFF2-40B4-BE49-F238E27FC236}">
-                  <a16:creationId xmlns:a16="http://schemas.microsoft.com/office/drawing/2014/main" id="{A81C7FE2-5A76-4C1A-8F4E-BBD5A32DB97A}"/>
-                </a:ext>
-              </a:extLst>
-            </p:cNvPr>
-            <p:cNvSpPr/>
-            <p:nvPr/>
-          </p:nvSpPr>
-          <p:spPr>
-            <a:xfrm>
-              <a:off x="3141134" y="1907446"/>
-              <a:ext cx="3600000" cy="3600000"/>
-            </a:xfrm>
-            <a:prstGeom prst="ellipse">
-              <a:avLst/>
-            </a:prstGeom>
-            <a:solidFill>
-              <a:schemeClr val="accent2">
-                <a:alpha val="80000"/>
-              </a:schemeClr>
-            </a:solidFill>
-            <a:ln>
-              <a:noFill/>
-            </a:ln>
-          </p:spPr>
-          <p:style>
-            <a:lnRef idx="2">
-              <a:schemeClr val="accent1">
-                <a:shade val="50000"/>
-              </a:schemeClr>
-            </a:lnRef>
-            <a:fillRef idx="1">
-              <a:schemeClr val="accent1"/>
-            </a:fillRef>
-            <a:effectRef idx="0">
-              <a:schemeClr val="accent1"/>
-            </a:effectRef>
-            <a:fontRef idx="minor">
-              <a:schemeClr val="lt1"/>
-            </a:fontRef>
-          </p:style>
-          <p:txBody>
-            <a:bodyPr rtlCol="0" anchor="ctr"/>
-            <a:lstStyle/>
-            <a:p>
-              <a:pPr algn="ctr"/>
-              <a:endParaRPr lang="ko-KR" altLang="en-US"/>
-            </a:p>
-          </p:txBody>
-        </p:sp>
-        <p:sp>
-          <p:nvSpPr>
-            <p:cNvPr id="11" name="타원 10">
-              <a:extLst>
-                <a:ext uri="{FF2B5EF4-FFF2-40B4-BE49-F238E27FC236}">
-                  <a16:creationId xmlns:a16="http://schemas.microsoft.com/office/drawing/2014/main" id="{869B8532-74A5-4C9C-9F0F-AFCC184D8496}"/>
-                </a:ext>
-              </a:extLst>
-            </p:cNvPr>
-            <p:cNvSpPr/>
-            <p:nvPr/>
-          </p:nvSpPr>
-          <p:spPr>
-            <a:xfrm>
-              <a:off x="5396546" y="1907446"/>
-              <a:ext cx="3600000" cy="3600000"/>
-            </a:xfrm>
-            <a:prstGeom prst="ellipse">
-              <a:avLst/>
-            </a:prstGeom>
-            <a:solidFill>
-              <a:schemeClr val="accent4">
-                <a:alpha val="80000"/>
-              </a:schemeClr>
-            </a:solidFill>
-            <a:ln>
-              <a:noFill/>
-            </a:ln>
-          </p:spPr>
-          <p:style>
-            <a:lnRef idx="2">
-              <a:schemeClr val="accent1">
-                <a:shade val="50000"/>
-              </a:schemeClr>
-            </a:lnRef>
-            <a:fillRef idx="1">
-              <a:schemeClr val="accent1"/>
-            </a:fillRef>
-            <a:effectRef idx="0">
-              <a:schemeClr val="accent1"/>
-            </a:effectRef>
-            <a:fontRef idx="minor">
-              <a:schemeClr val="lt1"/>
-            </a:fontRef>
-          </p:style>
-          <p:txBody>
-            <a:bodyPr rtlCol="0" anchor="ctr"/>
-            <a:lstStyle/>
-            <a:p>
-              <a:pPr algn="ctr"/>
-              <a:endParaRPr lang="ko-KR" altLang="en-US"/>
-            </a:p>
-          </p:txBody>
-        </p:sp>
-      </p:grpSp>
       <p:sp>
         <p:nvSpPr>
-          <p:cNvPr id="7" name="TextBox 6">
+          <p:cNvPr id="2" name="TextBox 1">
             <a:extLst>
               <a:ext uri="{FF2B5EF4-FFF2-40B4-BE49-F238E27FC236}">
-                <a16:creationId xmlns:a16="http://schemas.microsoft.com/office/drawing/2014/main" id="{9A7034D5-42A8-4241-9D66-9B53239DB210}"/>
+                <a16:creationId xmlns:a16="http://schemas.microsoft.com/office/drawing/2014/main" id="{DDE284A1-06BB-AEF6-CC6C-FF63F7DABC50}"/>
               </a:ext>
             </a:extLst>
           </p:cNvPr>
@@ -23348,8 +23427,8 @@
         </p:nvSpPr>
         <p:spPr>
           <a:xfrm>
-            <a:off x="5073925" y="6007164"/>
-            <a:ext cx="2044149" cy="369332"/>
+            <a:off x="234434" y="207141"/>
+            <a:ext cx="4468863" cy="523220"/>
           </a:xfrm>
           <a:prstGeom prst="rect">
             <a:avLst/>
@@ -23357,59 +23436,57 @@
           <a:noFill/>
         </p:spPr>
         <p:txBody>
-          <a:bodyPr wrap="none" rtlCol="0">
+          <a:bodyPr wrap="square" rtlCol="0">
             <a:spAutoFit/>
           </a:bodyPr>
           <a:lstStyle/>
           <a:p>
-            <a:pPr algn="ctr"/>
-            <a:r>
-              <a:rPr lang="ko-KR" altLang="en-US" dirty="0"/>
-              <a:t>내용을 입력하세요</a:t>
-            </a:r>
-          </a:p>
-        </p:txBody>
-      </p:sp>
-      <p:sp>
-        <p:nvSpPr>
-          <p:cNvPr id="15" name="TextBox 14">
-            <a:extLst>
-              <a:ext uri="{FF2B5EF4-FFF2-40B4-BE49-F238E27FC236}">
-                <a16:creationId xmlns:a16="http://schemas.microsoft.com/office/drawing/2014/main" id="{8815A429-0165-46F7-A030-F0DB180F3DE0}"/>
-              </a:ext>
-            </a:extLst>
-          </p:cNvPr>
-          <p:cNvSpPr txBox="1"/>
-          <p:nvPr/>
-        </p:nvSpPr>
-        <p:spPr>
-          <a:xfrm>
-            <a:off x="-98231" y="50565"/>
-            <a:ext cx="353943" cy="1849121"/>
-          </a:xfrm>
-          <a:prstGeom prst="rect">
-            <a:avLst/>
-          </a:prstGeom>
-          <a:noFill/>
-        </p:spPr>
-        <p:txBody>
-          <a:bodyPr vert="eaVert" wrap="square" rtlCol="0">
-            <a:spAutoFit/>
-          </a:bodyPr>
-          <a:lstStyle/>
-          <a:p>
-            <a:r>
-              <a:rPr lang="en-US" altLang="ko-KR" sz="1100" dirty="0">
+            <a:r>
+              <a:rPr lang="en-US" altLang="ko-KR" sz="2800">
                 <a:solidFill>
                   <a:schemeClr val="bg1"/>
                 </a:solidFill>
-              </a:rPr>
-              <a:t>Part 2</a:t>
-            </a:r>
-            <a:endParaRPr lang="ko-KR" altLang="en-US" sz="1100" dirty="0">
+                <a:latin typeface="휴먼매직체" panose="02030504000101010101" pitchFamily="18" charset="-127"/>
+                <a:ea typeface="휴먼매직체" panose="02030504000101010101" pitchFamily="18" charset="-127"/>
+              </a:rPr>
+              <a:t>3. </a:t>
+            </a:r>
+            <a:r>
+              <a:rPr lang="ko-KR" altLang="en-US" sz="2800">
+                <a:solidFill>
+                  <a:schemeClr val="bg1"/>
+                </a:solidFill>
+                <a:latin typeface="휴먼매직체" panose="02030504000101010101" pitchFamily="18" charset="-127"/>
+                <a:ea typeface="휴먼매직체" panose="02030504000101010101" pitchFamily="18" charset="-127"/>
+              </a:rPr>
+              <a:t>유사 사이트 분석 </a:t>
+            </a:r>
+            <a:r>
+              <a:rPr lang="en-US" altLang="ko-KR" sz="2800">
+                <a:solidFill>
+                  <a:schemeClr val="bg1"/>
+                </a:solidFill>
+                <a:latin typeface="휴먼매직체" panose="02030504000101010101" pitchFamily="18" charset="-127"/>
+                <a:ea typeface="휴먼매직체" panose="02030504000101010101" pitchFamily="18" charset="-127"/>
+              </a:rPr>
+              <a:t>: </a:t>
+            </a:r>
+            <a:r>
+              <a:rPr lang="ko-KR" altLang="en-US" sz="2800">
+                <a:solidFill>
+                  <a:schemeClr val="bg1"/>
+                </a:solidFill>
+                <a:latin typeface="휴먼매직체" panose="02030504000101010101" pitchFamily="18" charset="-127"/>
+                <a:ea typeface="휴먼매직체" panose="02030504000101010101" pitchFamily="18" charset="-127"/>
+              </a:rPr>
+              <a:t>밀리그램</a:t>
+            </a:r>
+            <a:endParaRPr lang="ko-KR" altLang="en-US" sz="2800" dirty="0">
               <a:solidFill>
                 <a:schemeClr val="bg1"/>
               </a:solidFill>
+              <a:latin typeface="휴먼매직체" panose="02030504000101010101" pitchFamily="18" charset="-127"/>
+              <a:ea typeface="휴먼매직체" panose="02030504000101010101" pitchFamily="18" charset="-127"/>
             </a:endParaRPr>
           </a:p>
         </p:txBody>
@@ -23417,7 +23494,7 @@
     </p:spTree>
     <p:extLst>
       <p:ext uri="{BB962C8B-B14F-4D97-AF65-F5344CB8AC3E}">
-        <p14:creationId xmlns:p14="http://schemas.microsoft.com/office/powerpoint/2010/main" val="1415009542"/>
+        <p14:creationId xmlns:p14="http://schemas.microsoft.com/office/powerpoint/2010/main" val="1627780173"/>
       </p:ext>
     </p:extLst>
   </p:cSld>
@@ -23431,6 +23508,386 @@
       </p:transition>
     </mc:Choice>
     <mc:Fallback xmlns="">
+      <p:transition spd="med">
+        <p:fade/>
+      </p:transition>
+    </mc:Fallback>
+  </mc:AlternateContent>
+</p:sld>
+</file>
+
+<file path=ppt/slides/slide8.xml><?xml version="1.0" encoding="utf-8"?>
+<p:sld xmlns:a="http://schemas.openxmlformats.org/drawingml/2006/main" xmlns:r="http://schemas.openxmlformats.org/officeDocument/2006/relationships" xmlns:p="http://schemas.openxmlformats.org/presentationml/2006/main">
+  <p:cSld>
+    <p:bg>
+      <p:bgPr>
+        <a:solidFill>
+          <a:schemeClr val="tx2">
+            <a:lumMod val="75000"/>
+          </a:schemeClr>
+        </a:solidFill>
+        <a:effectLst/>
+      </p:bgPr>
+    </p:bg>
+    <p:spTree>
+      <p:nvGrpSpPr>
+        <p:cNvPr id="1" name=""/>
+        <p:cNvGrpSpPr/>
+        <p:nvPr/>
+      </p:nvGrpSpPr>
+      <p:grpSpPr>
+        <a:xfrm>
+          <a:off x="0" y="0"/>
+          <a:ext cx="0" cy="0"/>
+          <a:chOff x="0" y="0"/>
+          <a:chExt cx="0" cy="0"/>
+        </a:xfrm>
+      </p:grpSpPr>
+      <p:sp>
+        <p:nvSpPr>
+          <p:cNvPr id="6" name="TextBox 5">
+            <a:extLst>
+              <a:ext uri="{FF2B5EF4-FFF2-40B4-BE49-F238E27FC236}">
+                <a16:creationId xmlns:a16="http://schemas.microsoft.com/office/drawing/2014/main" id="{52457443-236A-4B97-AB90-9C203498A48B}"/>
+              </a:ext>
+            </a:extLst>
+          </p:cNvPr>
+          <p:cNvSpPr txBox="1"/>
+          <p:nvPr/>
+        </p:nvSpPr>
+        <p:spPr>
+          <a:xfrm>
+            <a:off x="3624405" y="2331038"/>
+            <a:ext cx="5446528" cy="717248"/>
+          </a:xfrm>
+          <a:prstGeom prst="rect">
+            <a:avLst/>
+          </a:prstGeom>
+          <a:noFill/>
+        </p:spPr>
+        <p:txBody>
+          <a:bodyPr wrap="square">
+            <a:spAutoFit/>
+          </a:bodyPr>
+          <a:lstStyle/>
+          <a:p>
+            <a:pPr algn="just">
+              <a:lnSpc>
+                <a:spcPct val="150000"/>
+              </a:lnSpc>
+            </a:pPr>
+            <a:r>
+              <a:rPr lang="ko-KR" altLang="en-US" sz="3200" spc="-150">
+                <a:solidFill>
+                  <a:schemeClr val="bg1"/>
+                </a:solidFill>
+                <a:latin typeface="휴먼매직체" panose="02030504000101010101" pitchFamily="18" charset="-127"/>
+                <a:ea typeface="휴먼매직체" panose="02030504000101010101" pitchFamily="18" charset="-127"/>
+              </a:rPr>
+              <a:t>밀리그램</a:t>
+            </a:r>
+            <a:r>
+              <a:rPr lang="en-US" altLang="ko-KR" sz="3200" spc="-150">
+                <a:solidFill>
+                  <a:schemeClr val="bg1"/>
+                </a:solidFill>
+                <a:latin typeface="휴먼매직체" panose="02030504000101010101" pitchFamily="18" charset="-127"/>
+                <a:ea typeface="휴먼매직체" panose="02030504000101010101" pitchFamily="18" charset="-127"/>
+              </a:rPr>
+              <a:t>, </a:t>
+            </a:r>
+            <a:r>
+              <a:rPr lang="ko-KR" altLang="en-US" sz="3200" spc="-150">
+                <a:solidFill>
+                  <a:schemeClr val="bg1"/>
+                </a:solidFill>
+                <a:latin typeface="휴먼매직체" panose="02030504000101010101" pitchFamily="18" charset="-127"/>
+                <a:ea typeface="휴먼매직체" panose="02030504000101010101" pitchFamily="18" charset="-127"/>
+              </a:rPr>
+              <a:t>영양 성분 </a:t>
+            </a:r>
+            <a:r>
+              <a:rPr lang="en-US" altLang="ko-KR" sz="3200" spc="-150">
+                <a:solidFill>
+                  <a:schemeClr val="bg1"/>
+                </a:solidFill>
+                <a:latin typeface="휴먼매직체" panose="02030504000101010101" pitchFamily="18" charset="-127"/>
+                <a:ea typeface="휴먼매직체" panose="02030504000101010101" pitchFamily="18" charset="-127"/>
+              </a:rPr>
+              <a:t>X</a:t>
+            </a:r>
+          </a:p>
+        </p:txBody>
+      </p:sp>
+      <p:sp>
+        <p:nvSpPr>
+          <p:cNvPr id="5" name="TextBox 4">
+            <a:extLst>
+              <a:ext uri="{FF2B5EF4-FFF2-40B4-BE49-F238E27FC236}">
+                <a16:creationId xmlns:a16="http://schemas.microsoft.com/office/drawing/2014/main" id="{1EB95980-B21E-481E-BF88-C25A52D77758}"/>
+              </a:ext>
+            </a:extLst>
+          </p:cNvPr>
+          <p:cNvSpPr txBox="1"/>
+          <p:nvPr/>
+        </p:nvSpPr>
+        <p:spPr>
+          <a:xfrm>
+            <a:off x="2745641" y="2331038"/>
+            <a:ext cx="627095" cy="1200329"/>
+          </a:xfrm>
+          <a:prstGeom prst="rect">
+            <a:avLst/>
+          </a:prstGeom>
+          <a:noFill/>
+        </p:spPr>
+        <p:txBody>
+          <a:bodyPr wrap="none" rtlCol="0">
+            <a:spAutoFit/>
+          </a:bodyPr>
+          <a:lstStyle/>
+          <a:p>
+            <a:r>
+              <a:rPr lang="en-US" altLang="ko-KR" sz="7200" dirty="0">
+                <a:solidFill>
+                  <a:schemeClr val="bg1"/>
+                </a:solidFill>
+              </a:rPr>
+              <a:t>“</a:t>
+            </a:r>
+            <a:endParaRPr lang="ko-KR" altLang="en-US" sz="7200" dirty="0">
+              <a:solidFill>
+                <a:schemeClr val="bg1"/>
+              </a:solidFill>
+            </a:endParaRPr>
+          </a:p>
+        </p:txBody>
+      </p:sp>
+      <p:sp>
+        <p:nvSpPr>
+          <p:cNvPr id="2" name="TextBox 1">
+            <a:extLst>
+              <a:ext uri="{FF2B5EF4-FFF2-40B4-BE49-F238E27FC236}">
+                <a16:creationId xmlns:a16="http://schemas.microsoft.com/office/drawing/2014/main" id="{DDE284A1-06BB-AEF6-CC6C-FF63F7DABC50}"/>
+              </a:ext>
+            </a:extLst>
+          </p:cNvPr>
+          <p:cNvSpPr txBox="1"/>
+          <p:nvPr/>
+        </p:nvSpPr>
+        <p:spPr>
+          <a:xfrm>
+            <a:off x="234434" y="207141"/>
+            <a:ext cx="4468863" cy="523220"/>
+          </a:xfrm>
+          <a:prstGeom prst="rect">
+            <a:avLst/>
+          </a:prstGeom>
+          <a:noFill/>
+        </p:spPr>
+        <p:txBody>
+          <a:bodyPr wrap="square" rtlCol="0">
+            <a:spAutoFit/>
+          </a:bodyPr>
+          <a:lstStyle/>
+          <a:p>
+            <a:r>
+              <a:rPr lang="en-US" altLang="ko-KR" sz="2800">
+                <a:solidFill>
+                  <a:schemeClr val="bg1"/>
+                </a:solidFill>
+                <a:latin typeface="휴먼매직체" panose="02030504000101010101" pitchFamily="18" charset="-127"/>
+                <a:ea typeface="휴먼매직체" panose="02030504000101010101" pitchFamily="18" charset="-127"/>
+              </a:rPr>
+              <a:t>3. </a:t>
+            </a:r>
+            <a:r>
+              <a:rPr lang="ko-KR" altLang="en-US" sz="2800">
+                <a:solidFill>
+                  <a:schemeClr val="bg1"/>
+                </a:solidFill>
+                <a:latin typeface="휴먼매직체" panose="02030504000101010101" pitchFamily="18" charset="-127"/>
+                <a:ea typeface="휴먼매직체" panose="02030504000101010101" pitchFamily="18" charset="-127"/>
+              </a:rPr>
+              <a:t>유사 사이트 분석 </a:t>
+            </a:r>
+            <a:r>
+              <a:rPr lang="en-US" altLang="ko-KR" sz="2800">
+                <a:solidFill>
+                  <a:schemeClr val="bg1"/>
+                </a:solidFill>
+                <a:latin typeface="휴먼매직체" panose="02030504000101010101" pitchFamily="18" charset="-127"/>
+                <a:ea typeface="휴먼매직체" panose="02030504000101010101" pitchFamily="18" charset="-127"/>
+              </a:rPr>
+              <a:t>: </a:t>
+            </a:r>
+            <a:r>
+              <a:rPr lang="ko-KR" altLang="en-US" sz="2800">
+                <a:solidFill>
+                  <a:schemeClr val="bg1"/>
+                </a:solidFill>
+                <a:latin typeface="휴먼매직체" panose="02030504000101010101" pitchFamily="18" charset="-127"/>
+                <a:ea typeface="휴먼매직체" panose="02030504000101010101" pitchFamily="18" charset="-127"/>
+              </a:rPr>
+              <a:t>밀리그램</a:t>
+            </a:r>
+            <a:endParaRPr lang="ko-KR" altLang="en-US" sz="2800" dirty="0">
+              <a:solidFill>
+                <a:schemeClr val="bg1"/>
+              </a:solidFill>
+              <a:latin typeface="휴먼매직체" panose="02030504000101010101" pitchFamily="18" charset="-127"/>
+              <a:ea typeface="휴먼매직체" panose="02030504000101010101" pitchFamily="18" charset="-127"/>
+            </a:endParaRPr>
+          </a:p>
+        </p:txBody>
+      </p:sp>
+    </p:spTree>
+    <p:extLst>
+      <p:ext uri="{BB962C8B-B14F-4D97-AF65-F5344CB8AC3E}">
+        <p14:creationId xmlns:p14="http://schemas.microsoft.com/office/powerpoint/2010/main" val="2322387484"/>
+      </p:ext>
+    </p:extLst>
+  </p:cSld>
+  <p:clrMapOvr>
+    <a:masterClrMapping/>
+  </p:clrMapOvr>
+  <mc:AlternateContent xmlns:mc="http://schemas.openxmlformats.org/markup-compatibility/2006">
+    <mc:Choice xmlns:p14="http://schemas.microsoft.com/office/powerpoint/2010/main" Requires="p14">
+      <p:transition spd="med" p14:dur="700">
+        <p:fade/>
+      </p:transition>
+    </mc:Choice>
+    <mc:Fallback>
+      <p:transition spd="med">
+        <p:fade/>
+      </p:transition>
+    </mc:Fallback>
+  </mc:AlternateContent>
+</p:sld>
+</file>
+
+<file path=ppt/slides/slide9.xml><?xml version="1.0" encoding="utf-8"?>
+<p:sld xmlns:a="http://schemas.openxmlformats.org/drawingml/2006/main" xmlns:r="http://schemas.openxmlformats.org/officeDocument/2006/relationships" xmlns:p="http://schemas.openxmlformats.org/presentationml/2006/main">
+  <p:cSld>
+    <p:bg>
+      <p:bgPr>
+        <a:solidFill>
+          <a:schemeClr val="tx2">
+            <a:lumMod val="75000"/>
+          </a:schemeClr>
+        </a:solidFill>
+        <a:effectLst/>
+      </p:bgPr>
+    </p:bg>
+    <p:spTree>
+      <p:nvGrpSpPr>
+        <p:cNvPr id="1" name=""/>
+        <p:cNvGrpSpPr/>
+        <p:nvPr/>
+      </p:nvGrpSpPr>
+      <p:grpSpPr>
+        <a:xfrm>
+          <a:off x="0" y="0"/>
+          <a:ext cx="0" cy="0"/>
+          <a:chOff x="0" y="0"/>
+          <a:chExt cx="0" cy="0"/>
+        </a:xfrm>
+      </p:grpSpPr>
+      <p:sp>
+        <p:nvSpPr>
+          <p:cNvPr id="2" name="TextBox 1">
+            <a:extLst>
+              <a:ext uri="{FF2B5EF4-FFF2-40B4-BE49-F238E27FC236}">
+                <a16:creationId xmlns:a16="http://schemas.microsoft.com/office/drawing/2014/main" id="{DDE284A1-06BB-AEF6-CC6C-FF63F7DABC50}"/>
+              </a:ext>
+            </a:extLst>
+          </p:cNvPr>
+          <p:cNvSpPr txBox="1"/>
+          <p:nvPr/>
+        </p:nvSpPr>
+        <p:spPr>
+          <a:xfrm>
+            <a:off x="234434" y="207141"/>
+            <a:ext cx="5134520" cy="523220"/>
+          </a:xfrm>
+          <a:prstGeom prst="rect">
+            <a:avLst/>
+          </a:prstGeom>
+          <a:noFill/>
+        </p:spPr>
+        <p:txBody>
+          <a:bodyPr wrap="square" rtlCol="0">
+            <a:spAutoFit/>
+          </a:bodyPr>
+          <a:lstStyle/>
+          <a:p>
+            <a:r>
+              <a:rPr lang="en-US" altLang="ko-KR" sz="2800">
+                <a:solidFill>
+                  <a:schemeClr val="bg1"/>
+                </a:solidFill>
+                <a:latin typeface="휴먼매직체" panose="02030504000101010101" pitchFamily="18" charset="-127"/>
+                <a:ea typeface="휴먼매직체" panose="02030504000101010101" pitchFamily="18" charset="-127"/>
+              </a:rPr>
+              <a:t>3. </a:t>
+            </a:r>
+            <a:r>
+              <a:rPr lang="ko-KR" altLang="en-US" sz="2800">
+                <a:solidFill>
+                  <a:schemeClr val="bg1"/>
+                </a:solidFill>
+                <a:latin typeface="휴먼매직체" panose="02030504000101010101" pitchFamily="18" charset="-127"/>
+                <a:ea typeface="휴먼매직체" panose="02030504000101010101" pitchFamily="18" charset="-127"/>
+              </a:rPr>
+              <a:t>유사 사이트 분석 </a:t>
+            </a:r>
+            <a:r>
+              <a:rPr lang="en-US" altLang="ko-KR" sz="2800">
+                <a:solidFill>
+                  <a:schemeClr val="bg1"/>
+                </a:solidFill>
+                <a:latin typeface="휴먼매직체" panose="02030504000101010101" pitchFamily="18" charset="-127"/>
+                <a:ea typeface="휴먼매직체" panose="02030504000101010101" pitchFamily="18" charset="-127"/>
+              </a:rPr>
+              <a:t>: </a:t>
+            </a:r>
+            <a:r>
+              <a:rPr lang="ko-KR" altLang="en-US" sz="2800" spc="-150">
+                <a:solidFill>
+                  <a:schemeClr val="bg1"/>
+                </a:solidFill>
+                <a:latin typeface="휴먼매직체" panose="02030504000101010101" pitchFamily="18" charset="-127"/>
+                <a:ea typeface="휴먼매직체" panose="02030504000101010101" pitchFamily="18" charset="-127"/>
+              </a:rPr>
+              <a:t>삼성헬스케어</a:t>
+            </a:r>
+            <a:endParaRPr lang="ko-KR" altLang="en-US" sz="2800" dirty="0">
+              <a:solidFill>
+                <a:schemeClr val="bg1"/>
+              </a:solidFill>
+              <a:latin typeface="휴먼매직체" panose="02030504000101010101" pitchFamily="18" charset="-127"/>
+              <a:ea typeface="휴먼매직체" panose="02030504000101010101" pitchFamily="18" charset="-127"/>
+            </a:endParaRPr>
+          </a:p>
+        </p:txBody>
+      </p:sp>
+    </p:spTree>
+    <p:extLst>
+      <p:ext uri="{BB962C8B-B14F-4D97-AF65-F5344CB8AC3E}">
+        <p14:creationId xmlns:p14="http://schemas.microsoft.com/office/powerpoint/2010/main" val="2365036064"/>
+      </p:ext>
+    </p:extLst>
+  </p:cSld>
+  <p:clrMapOvr>
+    <a:masterClrMapping/>
+  </p:clrMapOvr>
+  <mc:AlternateContent xmlns:mc="http://schemas.openxmlformats.org/markup-compatibility/2006">
+    <mc:Choice xmlns:p14="http://schemas.microsoft.com/office/powerpoint/2010/main" Requires="p14">
+      <p:transition spd="med" p14:dur="700">
+        <p:fade/>
+      </p:transition>
+    </mc:Choice>
+    <mc:Fallback>
       <p:transition spd="med">
         <p:fade/>
       </p:transition>

--- a/기말과제.pptx
+++ b/기말과제.pptx
@@ -6898,7 +6898,7 @@
           <a:p>
             <a:fld id="{9FE7A9D4-2312-4C80-955C-3A7FA2F8832A}" type="datetimeFigureOut">
               <a:rPr lang="ko-KR" altLang="en-US" smtClean="0"/>
-              <a:t>2022-11-14</a:t>
+              <a:t>2022-11-20</a:t>
             </a:fld>
             <a:endParaRPr lang="ko-KR" altLang="en-US"/>
           </a:p>
@@ -7198,7 +7198,7 @@
           <a:p>
             <a:fld id="{9FE7A9D4-2312-4C80-955C-3A7FA2F8832A}" type="datetimeFigureOut">
               <a:rPr lang="ko-KR" altLang="en-US" smtClean="0"/>
-              <a:t>2022-11-14</a:t>
+              <a:t>2022-11-20</a:t>
             </a:fld>
             <a:endParaRPr lang="ko-KR" altLang="en-US"/>
           </a:p>
@@ -7408,7 +7408,7 @@
           <a:p>
             <a:fld id="{9FE7A9D4-2312-4C80-955C-3A7FA2F8832A}" type="datetimeFigureOut">
               <a:rPr lang="ko-KR" altLang="en-US" smtClean="0"/>
-              <a:t>2022-11-14</a:t>
+              <a:t>2022-11-20</a:t>
             </a:fld>
             <a:endParaRPr lang="ko-KR" altLang="en-US"/>
           </a:p>
@@ -7628,7 +7628,7 @@
           <a:p>
             <a:fld id="{9FE7A9D4-2312-4C80-955C-3A7FA2F8832A}" type="datetimeFigureOut">
               <a:rPr lang="ko-KR" altLang="en-US" smtClean="0"/>
-              <a:t>2022-11-14</a:t>
+              <a:t>2022-11-20</a:t>
             </a:fld>
             <a:endParaRPr lang="ko-KR" altLang="en-US"/>
           </a:p>
@@ -7838,7 +7838,7 @@
           <a:p>
             <a:fld id="{9FE7A9D4-2312-4C80-955C-3A7FA2F8832A}" type="datetimeFigureOut">
               <a:rPr lang="ko-KR" altLang="en-US" smtClean="0"/>
-              <a:t>2022-11-14</a:t>
+              <a:t>2022-11-20</a:t>
             </a:fld>
             <a:endParaRPr lang="ko-KR" altLang="en-US"/>
           </a:p>
@@ -8125,7 +8125,7 @@
           <a:p>
             <a:fld id="{9FE7A9D4-2312-4C80-955C-3A7FA2F8832A}" type="datetimeFigureOut">
               <a:rPr lang="ko-KR" altLang="en-US" smtClean="0"/>
-              <a:t>2022-11-14</a:t>
+              <a:t>2022-11-20</a:t>
             </a:fld>
             <a:endParaRPr lang="ko-KR" altLang="en-US"/>
           </a:p>
@@ -8402,7 +8402,7 @@
           <a:p>
             <a:fld id="{9FE7A9D4-2312-4C80-955C-3A7FA2F8832A}" type="datetimeFigureOut">
               <a:rPr lang="ko-KR" altLang="en-US" smtClean="0"/>
-              <a:t>2022-11-14</a:t>
+              <a:t>2022-11-20</a:t>
             </a:fld>
             <a:endParaRPr lang="ko-KR" altLang="en-US"/>
           </a:p>
@@ -8826,7 +8826,7 @@
           <a:p>
             <a:fld id="{9FE7A9D4-2312-4C80-955C-3A7FA2F8832A}" type="datetimeFigureOut">
               <a:rPr lang="ko-KR" altLang="en-US" smtClean="0"/>
-              <a:t>2022-11-14</a:t>
+              <a:t>2022-11-20</a:t>
             </a:fld>
             <a:endParaRPr lang="ko-KR" altLang="en-US"/>
           </a:p>
@@ -8979,7 +8979,7 @@
           <a:p>
             <a:fld id="{9FE7A9D4-2312-4C80-955C-3A7FA2F8832A}" type="datetimeFigureOut">
               <a:rPr lang="ko-KR" altLang="en-US" smtClean="0"/>
-              <a:t>2022-11-14</a:t>
+              <a:t>2022-11-20</a:t>
             </a:fld>
             <a:endParaRPr lang="ko-KR" altLang="en-US"/>
           </a:p>
@@ -9193,7 +9193,7 @@
           <a:p>
             <a:fld id="{9FE7A9D4-2312-4C80-955C-3A7FA2F8832A}" type="datetimeFigureOut">
               <a:rPr lang="ko-KR" altLang="en-US" smtClean="0"/>
-              <a:t>2022-11-14</a:t>
+              <a:t>2022-11-20</a:t>
             </a:fld>
             <a:endParaRPr lang="ko-KR" altLang="en-US"/>
           </a:p>
@@ -9407,7 +9407,7 @@
           <a:p>
             <a:fld id="{9FE7A9D4-2312-4C80-955C-3A7FA2F8832A}" type="datetimeFigureOut">
               <a:rPr lang="ko-KR" altLang="en-US" smtClean="0"/>
-              <a:t>2022-11-14</a:t>
+              <a:t>2022-11-20</a:t>
             </a:fld>
             <a:endParaRPr lang="ko-KR" altLang="en-US"/>
           </a:p>
@@ -9730,7 +9730,7 @@
           <a:p>
             <a:fld id="{9FE7A9D4-2312-4C80-955C-3A7FA2F8832A}" type="datetimeFigureOut">
               <a:rPr lang="ko-KR" altLang="en-US" smtClean="0"/>
-              <a:t>2022-11-14</a:t>
+              <a:t>2022-11-20</a:t>
             </a:fld>
             <a:endParaRPr lang="ko-KR" altLang="en-US"/>
           </a:p>
@@ -9983,7 +9983,7 @@
           <a:p>
             <a:fld id="{9FE7A9D4-2312-4C80-955C-3A7FA2F8832A}" type="datetimeFigureOut">
               <a:rPr lang="ko-KR" altLang="en-US" smtClean="0"/>
-              <a:t>2022-11-14</a:t>
+              <a:t>2022-11-20</a:t>
             </a:fld>
             <a:endParaRPr lang="ko-KR" altLang="en-US"/>
           </a:p>
@@ -10842,126 +10842,6 @@
       </p:grpSpPr>
       <p:sp>
         <p:nvSpPr>
-          <p:cNvPr id="6" name="TextBox 5">
-            <a:extLst>
-              <a:ext uri="{FF2B5EF4-FFF2-40B4-BE49-F238E27FC236}">
-                <a16:creationId xmlns:a16="http://schemas.microsoft.com/office/drawing/2014/main" id="{52457443-236A-4B97-AB90-9C203498A48B}"/>
-              </a:ext>
-            </a:extLst>
-          </p:cNvPr>
-          <p:cNvSpPr txBox="1"/>
-          <p:nvPr/>
-        </p:nvSpPr>
-        <p:spPr>
-          <a:xfrm>
-            <a:off x="3624405" y="2331038"/>
-            <a:ext cx="5446528" cy="717248"/>
-          </a:xfrm>
-          <a:prstGeom prst="rect">
-            <a:avLst/>
-          </a:prstGeom>
-          <a:noFill/>
-        </p:spPr>
-        <p:txBody>
-          <a:bodyPr wrap="square">
-            <a:spAutoFit/>
-          </a:bodyPr>
-          <a:lstStyle/>
-          <a:p>
-            <a:pPr algn="just">
-              <a:lnSpc>
-                <a:spcPct val="150000"/>
-              </a:lnSpc>
-            </a:pPr>
-            <a:r>
-              <a:rPr lang="ko-KR" altLang="en-US" sz="3200" spc="-150">
-                <a:solidFill>
-                  <a:schemeClr val="bg1"/>
-                </a:solidFill>
-                <a:latin typeface="휴먼매직체" panose="02030504000101010101" pitchFamily="18" charset="-127"/>
-                <a:ea typeface="휴먼매직체" panose="02030504000101010101" pitchFamily="18" charset="-127"/>
-              </a:rPr>
-              <a:t>삼성헬스케어</a:t>
-            </a:r>
-            <a:r>
-              <a:rPr lang="en-US" altLang="ko-KR" sz="3200" spc="-150">
-                <a:solidFill>
-                  <a:schemeClr val="bg1"/>
-                </a:solidFill>
-                <a:latin typeface="휴먼매직체" panose="02030504000101010101" pitchFamily="18" charset="-127"/>
-                <a:ea typeface="휴먼매직체" panose="02030504000101010101" pitchFamily="18" charset="-127"/>
-              </a:rPr>
-              <a:t>, </a:t>
-            </a:r>
-            <a:r>
-              <a:rPr lang="ko-KR" altLang="en-US" sz="3200" spc="-150">
-                <a:solidFill>
-                  <a:schemeClr val="bg1"/>
-                </a:solidFill>
-                <a:latin typeface="휴먼매직체" panose="02030504000101010101" pitchFamily="18" charset="-127"/>
-                <a:ea typeface="휴먼매직체" panose="02030504000101010101" pitchFamily="18" charset="-127"/>
-              </a:rPr>
-              <a:t>인바디 </a:t>
-            </a:r>
-            <a:r>
-              <a:rPr lang="en-US" altLang="ko-KR" sz="3200" spc="-150">
-                <a:solidFill>
-                  <a:schemeClr val="bg1"/>
-                </a:solidFill>
-                <a:latin typeface="휴먼매직체" panose="02030504000101010101" pitchFamily="18" charset="-127"/>
-                <a:ea typeface="휴먼매직체" panose="02030504000101010101" pitchFamily="18" charset="-127"/>
-              </a:rPr>
-              <a:t>X</a:t>
-            </a:r>
-          </a:p>
-        </p:txBody>
-      </p:sp>
-      <p:sp>
-        <p:nvSpPr>
-          <p:cNvPr id="5" name="TextBox 4">
-            <a:extLst>
-              <a:ext uri="{FF2B5EF4-FFF2-40B4-BE49-F238E27FC236}">
-                <a16:creationId xmlns:a16="http://schemas.microsoft.com/office/drawing/2014/main" id="{1EB95980-B21E-481E-BF88-C25A52D77758}"/>
-              </a:ext>
-            </a:extLst>
-          </p:cNvPr>
-          <p:cNvSpPr txBox="1"/>
-          <p:nvPr/>
-        </p:nvSpPr>
-        <p:spPr>
-          <a:xfrm>
-            <a:off x="2745641" y="2331038"/>
-            <a:ext cx="627095" cy="1200329"/>
-          </a:xfrm>
-          <a:prstGeom prst="rect">
-            <a:avLst/>
-          </a:prstGeom>
-          <a:noFill/>
-        </p:spPr>
-        <p:txBody>
-          <a:bodyPr wrap="none" rtlCol="0">
-            <a:spAutoFit/>
-          </a:bodyPr>
-          <a:lstStyle/>
-          <a:p>
-            <a:r>
-              <a:rPr lang="en-US" altLang="ko-KR" sz="7200" dirty="0">
-                <a:solidFill>
-                  <a:schemeClr val="bg1"/>
-                </a:solidFill>
-              </a:rPr>
-              <a:t>“</a:t>
-            </a:r>
-            <a:endParaRPr lang="ko-KR" altLang="en-US" sz="7200" dirty="0">
-              <a:solidFill>
-                <a:schemeClr val="bg1"/>
-              </a:solidFill>
-            </a:endParaRPr>
-          </a:p>
-        </p:txBody>
-      </p:sp>
-      <p:sp>
-        <p:nvSpPr>
           <p:cNvPr id="2" name="TextBox 1">
             <a:extLst>
               <a:ext uri="{FF2B5EF4-FFF2-40B4-BE49-F238E27FC236}">
@@ -11038,6 +10918,1674 @@
           </a:p>
         </p:txBody>
       </p:sp>
+      <p:grpSp>
+        <p:nvGrpSpPr>
+          <p:cNvPr id="66" name="그룹 65">
+            <a:extLst>
+              <a:ext uri="{FF2B5EF4-FFF2-40B4-BE49-F238E27FC236}">
+                <a16:creationId xmlns:a16="http://schemas.microsoft.com/office/drawing/2014/main" id="{FF692727-6D85-371F-7C4D-E06D1D02350E}"/>
+              </a:ext>
+            </a:extLst>
+          </p:cNvPr>
+          <p:cNvGrpSpPr>
+            <a:grpSpLocks noGrp="1" noUngrp="1" noRot="1" noMove="1" noResize="1"/>
+          </p:cNvGrpSpPr>
+          <p:nvPr/>
+        </p:nvGrpSpPr>
+        <p:grpSpPr>
+          <a:xfrm>
+            <a:off x="741527" y="1489045"/>
+            <a:ext cx="5463953" cy="3778231"/>
+            <a:chOff x="741527" y="1489045"/>
+            <a:chExt cx="5463953" cy="3778231"/>
+          </a:xfrm>
+        </p:grpSpPr>
+        <p:grpSp>
+          <p:nvGrpSpPr>
+            <p:cNvPr id="43" name="그룹 42">
+              <a:extLst>
+                <a:ext uri="{FF2B5EF4-FFF2-40B4-BE49-F238E27FC236}">
+                  <a16:creationId xmlns:a16="http://schemas.microsoft.com/office/drawing/2014/main" id="{C34E1870-6EB4-9917-DCA4-13843040A770}"/>
+                </a:ext>
+              </a:extLst>
+            </p:cNvPr>
+            <p:cNvGrpSpPr>
+              <a:grpSpLocks noGrp="1" noUngrp="1" noRot="1" noMove="1" noResize="1"/>
+            </p:cNvGrpSpPr>
+            <p:nvPr/>
+          </p:nvGrpSpPr>
+          <p:grpSpPr>
+            <a:xfrm>
+              <a:off x="741527" y="1489045"/>
+              <a:ext cx="2545508" cy="3527571"/>
+              <a:chOff x="741527" y="1489045"/>
+              <a:chExt cx="2545508" cy="3527571"/>
+            </a:xfrm>
+          </p:grpSpPr>
+          <p:pic>
+            <p:nvPicPr>
+              <p:cNvPr id="8" name="그림 7">
+                <a:extLst>
+                  <a:ext uri="{FF2B5EF4-FFF2-40B4-BE49-F238E27FC236}">
+                    <a16:creationId xmlns:a16="http://schemas.microsoft.com/office/drawing/2014/main" id="{CA376841-4969-9C3E-68C3-ACD70871DECC}"/>
+                  </a:ext>
+                </a:extLst>
+              </p:cNvPr>
+              <p:cNvPicPr>
+                <a:picLocks noGrp="1" noRot="1" noChangeAspect="1" noMove="1" noResize="1" noEditPoints="1" noAdjustHandles="1" noChangeArrowheads="1" noChangeShapeType="1" noCrop="1"/>
+              </p:cNvPicPr>
+              <p:nvPr/>
+            </p:nvPicPr>
+            <p:blipFill>
+              <a:blip r:embed="rId2" cstate="screen">
+                <a:extLst>
+                  <a:ext uri="{28A0092B-C50C-407E-A947-70E740481C1C}">
+                    <a14:useLocalDpi xmlns:a14="http://schemas.microsoft.com/office/drawing/2010/main" val="0"/>
+                  </a:ext>
+                </a:extLst>
+              </a:blip>
+              <a:stretch>
+                <a:fillRect/>
+              </a:stretch>
+            </p:blipFill>
+            <p:spPr>
+              <a:xfrm>
+                <a:off x="741527" y="1489045"/>
+                <a:ext cx="2545508" cy="3527571"/>
+              </a:xfrm>
+              <a:prstGeom prst="rect">
+                <a:avLst/>
+              </a:prstGeom>
+            </p:spPr>
+          </p:pic>
+          <p:sp>
+            <p:nvSpPr>
+              <p:cNvPr id="9" name="직사각형 8">
+                <a:extLst>
+                  <a:ext uri="{FF2B5EF4-FFF2-40B4-BE49-F238E27FC236}">
+                    <a16:creationId xmlns:a16="http://schemas.microsoft.com/office/drawing/2014/main" id="{440B3EAB-1DA1-AB8E-81B0-9505431F458F}"/>
+                  </a:ext>
+                </a:extLst>
+              </p:cNvPr>
+              <p:cNvSpPr>
+                <a:spLocks noGrp="1" noRot="1" noMove="1" noResize="1" noEditPoints="1" noAdjustHandles="1" noChangeArrowheads="1" noChangeShapeType="1"/>
+              </p:cNvSpPr>
+              <p:nvPr/>
+            </p:nvSpPr>
+            <p:spPr>
+              <a:xfrm>
+                <a:off x="901211" y="1937857"/>
+                <a:ext cx="526639" cy="201335"/>
+              </a:xfrm>
+              <a:prstGeom prst="rect">
+                <a:avLst/>
+              </a:prstGeom>
+              <a:solidFill>
+                <a:srgbClr val="21345C">
+                  <a:alpha val="0"/>
+                </a:srgbClr>
+              </a:solidFill>
+              <a:ln w="19050">
+                <a:solidFill>
+                  <a:srgbClr val="FF0000"/>
+                </a:solidFill>
+              </a:ln>
+            </p:spPr>
+            <p:style>
+              <a:lnRef idx="2">
+                <a:schemeClr val="accent1">
+                  <a:shade val="50000"/>
+                </a:schemeClr>
+              </a:lnRef>
+              <a:fillRef idx="1">
+                <a:schemeClr val="accent1"/>
+              </a:fillRef>
+              <a:effectRef idx="0">
+                <a:schemeClr val="accent1"/>
+              </a:effectRef>
+              <a:fontRef idx="minor">
+                <a:schemeClr val="lt1"/>
+              </a:fontRef>
+            </p:style>
+            <p:txBody>
+              <a:bodyPr rtlCol="0" anchor="ctr"/>
+              <a:lstStyle/>
+              <a:p>
+                <a:pPr algn="ctr"/>
+                <a:endParaRPr lang="ko-KR" altLang="en-US"/>
+              </a:p>
+            </p:txBody>
+          </p:sp>
+          <p:sp>
+            <p:nvSpPr>
+              <p:cNvPr id="10" name="직사각형 9">
+                <a:extLst>
+                  <a:ext uri="{FF2B5EF4-FFF2-40B4-BE49-F238E27FC236}">
+                    <a16:creationId xmlns:a16="http://schemas.microsoft.com/office/drawing/2014/main" id="{EDF95C5B-BCC1-442D-7FB4-597CBA6BDA22}"/>
+                  </a:ext>
+                </a:extLst>
+              </p:cNvPr>
+              <p:cNvSpPr>
+                <a:spLocks noGrp="1" noRot="1" noMove="1" noResize="1" noEditPoints="1" noAdjustHandles="1" noChangeArrowheads="1" noChangeShapeType="1"/>
+              </p:cNvSpPr>
+              <p:nvPr/>
+            </p:nvSpPr>
+            <p:spPr>
+              <a:xfrm>
+                <a:off x="901212" y="2923043"/>
+                <a:ext cx="451138" cy="201335"/>
+              </a:xfrm>
+              <a:prstGeom prst="rect">
+                <a:avLst/>
+              </a:prstGeom>
+              <a:solidFill>
+                <a:srgbClr val="21345C">
+                  <a:alpha val="0"/>
+                </a:srgbClr>
+              </a:solidFill>
+              <a:ln w="19050">
+                <a:solidFill>
+                  <a:srgbClr val="FF0000"/>
+                </a:solidFill>
+              </a:ln>
+            </p:spPr>
+            <p:style>
+              <a:lnRef idx="2">
+                <a:schemeClr val="accent1">
+                  <a:shade val="50000"/>
+                </a:schemeClr>
+              </a:lnRef>
+              <a:fillRef idx="1">
+                <a:schemeClr val="accent1"/>
+              </a:fillRef>
+              <a:effectRef idx="0">
+                <a:schemeClr val="accent1"/>
+              </a:effectRef>
+              <a:fontRef idx="minor">
+                <a:schemeClr val="lt1"/>
+              </a:fontRef>
+            </p:style>
+            <p:txBody>
+              <a:bodyPr rtlCol="0" anchor="ctr"/>
+              <a:lstStyle/>
+              <a:p>
+                <a:pPr algn="ctr"/>
+                <a:endParaRPr lang="ko-KR" altLang="en-US"/>
+              </a:p>
+            </p:txBody>
+          </p:sp>
+          <p:sp>
+            <p:nvSpPr>
+              <p:cNvPr id="11" name="직사각형 10">
+                <a:extLst>
+                  <a:ext uri="{FF2B5EF4-FFF2-40B4-BE49-F238E27FC236}">
+                    <a16:creationId xmlns:a16="http://schemas.microsoft.com/office/drawing/2014/main" id="{C9195E59-D02E-BD23-7B21-1CBC67CE5AD8}"/>
+                  </a:ext>
+                </a:extLst>
+              </p:cNvPr>
+              <p:cNvSpPr>
+                <a:spLocks noGrp="1" noRot="1" noMove="1" noResize="1" noEditPoints="1" noAdjustHandles="1" noChangeArrowheads="1" noChangeShapeType="1"/>
+              </p:cNvSpPr>
+              <p:nvPr/>
+            </p:nvSpPr>
+            <p:spPr>
+              <a:xfrm>
+                <a:off x="884434" y="3693791"/>
+                <a:ext cx="325302" cy="201335"/>
+              </a:xfrm>
+              <a:prstGeom prst="rect">
+                <a:avLst/>
+              </a:prstGeom>
+              <a:solidFill>
+                <a:srgbClr val="21345C">
+                  <a:alpha val="0"/>
+                </a:srgbClr>
+              </a:solidFill>
+              <a:ln w="19050">
+                <a:solidFill>
+                  <a:srgbClr val="FF0000"/>
+                </a:solidFill>
+              </a:ln>
+            </p:spPr>
+            <p:style>
+              <a:lnRef idx="2">
+                <a:schemeClr val="accent1">
+                  <a:shade val="50000"/>
+                </a:schemeClr>
+              </a:lnRef>
+              <a:fillRef idx="1">
+                <a:schemeClr val="accent1"/>
+              </a:fillRef>
+              <a:effectRef idx="0">
+                <a:schemeClr val="accent1"/>
+              </a:effectRef>
+              <a:fontRef idx="minor">
+                <a:schemeClr val="lt1"/>
+              </a:fontRef>
+            </p:style>
+            <p:txBody>
+              <a:bodyPr rtlCol="0" anchor="ctr"/>
+              <a:lstStyle/>
+              <a:p>
+                <a:pPr algn="ctr"/>
+                <a:endParaRPr lang="ko-KR" altLang="en-US"/>
+              </a:p>
+            </p:txBody>
+          </p:sp>
+        </p:grpSp>
+        <p:cxnSp>
+          <p:nvCxnSpPr>
+            <p:cNvPr id="22" name="직선 화살표 연결선 21">
+              <a:extLst>
+                <a:ext uri="{FF2B5EF4-FFF2-40B4-BE49-F238E27FC236}">
+                  <a16:creationId xmlns:a16="http://schemas.microsoft.com/office/drawing/2014/main" id="{0C80840C-3835-AD04-8DA0-708F35BCDEAF}"/>
+                </a:ext>
+              </a:extLst>
+            </p:cNvPr>
+            <p:cNvCxnSpPr>
+              <a:cxnSpLocks noGrp="1" noRot="1" noMove="1" noResize="1" noEditPoints="1" noAdjustHandles="1" noChangeArrowheads="1" noChangeShapeType="1"/>
+              <a:stCxn id="9" idx="3"/>
+              <a:endCxn id="24" idx="1"/>
+            </p:cNvCxnSpPr>
+            <p:nvPr/>
+          </p:nvCxnSpPr>
+          <p:spPr>
+            <a:xfrm>
+              <a:off x="1427850" y="2038525"/>
+              <a:ext cx="2232122" cy="3004"/>
+            </a:xfrm>
+            <a:prstGeom prst="straightConnector1">
+              <a:avLst/>
+            </a:prstGeom>
+            <a:ln>
+              <a:solidFill>
+                <a:srgbClr val="FF0000"/>
+              </a:solidFill>
+              <a:tailEnd type="triangle"/>
+            </a:ln>
+          </p:spPr>
+          <p:style>
+            <a:lnRef idx="1">
+              <a:schemeClr val="accent1"/>
+            </a:lnRef>
+            <a:fillRef idx="0">
+              <a:schemeClr val="accent1"/>
+            </a:fillRef>
+            <a:effectRef idx="0">
+              <a:schemeClr val="accent1"/>
+            </a:effectRef>
+            <a:fontRef idx="minor">
+              <a:schemeClr val="tx1"/>
+            </a:fontRef>
+          </p:style>
+        </p:cxnSp>
+        <p:sp>
+          <p:nvSpPr>
+            <p:cNvPr id="24" name="TextBox 23">
+              <a:extLst>
+                <a:ext uri="{FF2B5EF4-FFF2-40B4-BE49-F238E27FC236}">
+                  <a16:creationId xmlns:a16="http://schemas.microsoft.com/office/drawing/2014/main" id="{3BDA25A8-9673-A0E2-A9B4-3D089F9D9CDD}"/>
+                </a:ext>
+              </a:extLst>
+            </p:cNvPr>
+            <p:cNvSpPr txBox="1">
+              <a:spLocks noGrp="1" noRot="1" noMove="1" noResize="1" noEditPoints="1" noAdjustHandles="1" noChangeArrowheads="1" noChangeShapeType="1"/>
+            </p:cNvSpPr>
+            <p:nvPr/>
+          </p:nvSpPr>
+          <p:spPr>
+            <a:xfrm>
+              <a:off x="3659972" y="1687586"/>
+              <a:ext cx="2545508" cy="707886"/>
+            </a:xfrm>
+            <a:prstGeom prst="rect">
+              <a:avLst/>
+            </a:prstGeom>
+            <a:noFill/>
+          </p:spPr>
+          <p:txBody>
+            <a:bodyPr wrap="square" rtlCol="0">
+              <a:spAutoFit/>
+            </a:bodyPr>
+            <a:lstStyle/>
+            <a:p>
+              <a:r>
+                <a:rPr lang="ko-KR" altLang="en-US" sz="2000" dirty="0">
+                  <a:solidFill>
+                    <a:schemeClr val="bg1"/>
+                  </a:solidFill>
+                  <a:latin typeface="휴먼매직체" panose="02030504000101010101" pitchFamily="18" charset="-127"/>
+                  <a:ea typeface="휴먼매직체" panose="02030504000101010101" pitchFamily="18" charset="-127"/>
+                </a:rPr>
+                <a:t>걸음 수</a:t>
+              </a:r>
+              <a:r>
+                <a:rPr lang="en-US" altLang="ko-KR" sz="2000" dirty="0">
+                  <a:solidFill>
+                    <a:schemeClr val="bg1"/>
+                  </a:solidFill>
+                  <a:latin typeface="휴먼매직체" panose="02030504000101010101" pitchFamily="18" charset="-127"/>
+                  <a:ea typeface="휴먼매직체" panose="02030504000101010101" pitchFamily="18" charset="-127"/>
+                </a:rPr>
+                <a:t>, </a:t>
+              </a:r>
+              <a:r>
+                <a:rPr lang="ko-KR" altLang="en-US" sz="2000" dirty="0">
+                  <a:solidFill>
+                    <a:schemeClr val="bg1"/>
+                  </a:solidFill>
+                  <a:latin typeface="휴먼매직체" panose="02030504000101010101" pitchFamily="18" charset="-127"/>
+                  <a:ea typeface="휴먼매직체" panose="02030504000101010101" pitchFamily="18" charset="-127"/>
+                </a:rPr>
+                <a:t>활동시간</a:t>
+              </a:r>
+              <a:r>
+                <a:rPr lang="en-US" altLang="ko-KR" sz="2000" dirty="0">
+                  <a:solidFill>
+                    <a:schemeClr val="bg1"/>
+                  </a:solidFill>
+                  <a:latin typeface="휴먼매직체" panose="02030504000101010101" pitchFamily="18" charset="-127"/>
+                  <a:ea typeface="휴먼매직체" panose="02030504000101010101" pitchFamily="18" charset="-127"/>
+                </a:rPr>
+                <a:t>, </a:t>
+              </a:r>
+              <a:r>
+                <a:rPr lang="ko-KR" altLang="en-US" sz="2000" dirty="0">
+                  <a:solidFill>
+                    <a:schemeClr val="bg1"/>
+                  </a:solidFill>
+                  <a:latin typeface="휴먼매직체" panose="02030504000101010101" pitchFamily="18" charset="-127"/>
+                  <a:ea typeface="휴먼매직체" panose="02030504000101010101" pitchFamily="18" charset="-127"/>
+                </a:rPr>
+                <a:t>활동 칼로리 등 확인 가능</a:t>
+              </a:r>
+            </a:p>
+          </p:txBody>
+        </p:sp>
+        <p:cxnSp>
+          <p:nvCxnSpPr>
+            <p:cNvPr id="27" name="직선 화살표 연결선 26">
+              <a:extLst>
+                <a:ext uri="{FF2B5EF4-FFF2-40B4-BE49-F238E27FC236}">
+                  <a16:creationId xmlns:a16="http://schemas.microsoft.com/office/drawing/2014/main" id="{DE471C82-5FC1-97C9-A77E-89B144E68569}"/>
+                </a:ext>
+              </a:extLst>
+            </p:cNvPr>
+            <p:cNvCxnSpPr>
+              <a:cxnSpLocks noGrp="1" noRot="1" noMove="1" noResize="1" noEditPoints="1" noAdjustHandles="1" noChangeArrowheads="1" noChangeShapeType="1"/>
+              <a:stCxn id="10" idx="3"/>
+              <a:endCxn id="29" idx="1"/>
+            </p:cNvCxnSpPr>
+            <p:nvPr/>
+          </p:nvCxnSpPr>
+          <p:spPr>
+            <a:xfrm>
+              <a:off x="1352350" y="3023711"/>
+              <a:ext cx="2307622" cy="14295"/>
+            </a:xfrm>
+            <a:prstGeom prst="straightConnector1">
+              <a:avLst/>
+            </a:prstGeom>
+            <a:ln>
+              <a:solidFill>
+                <a:srgbClr val="FF0000"/>
+              </a:solidFill>
+              <a:tailEnd type="triangle"/>
+            </a:ln>
+          </p:spPr>
+          <p:style>
+            <a:lnRef idx="1">
+              <a:schemeClr val="accent1"/>
+            </a:lnRef>
+            <a:fillRef idx="0">
+              <a:schemeClr val="accent1"/>
+            </a:fillRef>
+            <a:effectRef idx="0">
+              <a:schemeClr val="accent1"/>
+            </a:effectRef>
+            <a:fontRef idx="minor">
+              <a:schemeClr val="tx1"/>
+            </a:fontRef>
+          </p:style>
+        </p:cxnSp>
+        <p:sp>
+          <p:nvSpPr>
+            <p:cNvPr id="29" name="TextBox 28">
+              <a:extLst>
+                <a:ext uri="{FF2B5EF4-FFF2-40B4-BE49-F238E27FC236}">
+                  <a16:creationId xmlns:a16="http://schemas.microsoft.com/office/drawing/2014/main" id="{2CA4E1A6-3418-BFA9-05A7-4E3BC2DE19B3}"/>
+                </a:ext>
+              </a:extLst>
+            </p:cNvPr>
+            <p:cNvSpPr txBox="1">
+              <a:spLocks noGrp="1" noRot="1" noMove="1" noResize="1" noEditPoints="1" noAdjustHandles="1" noChangeArrowheads="1" noChangeShapeType="1"/>
+            </p:cNvSpPr>
+            <p:nvPr/>
+          </p:nvSpPr>
+          <p:spPr>
+            <a:xfrm>
+              <a:off x="3659972" y="2684063"/>
+              <a:ext cx="2338156" cy="707886"/>
+            </a:xfrm>
+            <a:prstGeom prst="rect">
+              <a:avLst/>
+            </a:prstGeom>
+            <a:noFill/>
+          </p:spPr>
+          <p:txBody>
+            <a:bodyPr wrap="square" rtlCol="0">
+              <a:spAutoFit/>
+            </a:bodyPr>
+            <a:lstStyle/>
+            <a:p>
+              <a:r>
+                <a:rPr lang="ko-KR" altLang="en-US" sz="2000" dirty="0">
+                  <a:solidFill>
+                    <a:schemeClr val="bg1"/>
+                  </a:solidFill>
+                  <a:latin typeface="휴먼매직체" panose="02030504000101010101" pitchFamily="18" charset="-127"/>
+                  <a:ea typeface="휴먼매직체" panose="02030504000101010101" pitchFamily="18" charset="-127"/>
+                </a:rPr>
+                <a:t>기록된 걸음 수와 평균 걸음 수 비교 가능</a:t>
+              </a:r>
+            </a:p>
+          </p:txBody>
+        </p:sp>
+        <p:sp>
+          <p:nvSpPr>
+            <p:cNvPr id="30" name="TextBox 29">
+              <a:extLst>
+                <a:ext uri="{FF2B5EF4-FFF2-40B4-BE49-F238E27FC236}">
+                  <a16:creationId xmlns:a16="http://schemas.microsoft.com/office/drawing/2014/main" id="{D9D55AEB-FCF7-54A8-0640-57B622F73961}"/>
+                </a:ext>
+              </a:extLst>
+            </p:cNvPr>
+            <p:cNvSpPr txBox="1">
+              <a:spLocks noGrp="1" noRot="1" noMove="1" noResize="1" noEditPoints="1" noAdjustHandles="1" noChangeArrowheads="1" noChangeShapeType="1"/>
+            </p:cNvSpPr>
+            <p:nvPr/>
+          </p:nvSpPr>
+          <p:spPr>
+            <a:xfrm>
+              <a:off x="3659972" y="4251613"/>
+              <a:ext cx="2545508" cy="1015663"/>
+            </a:xfrm>
+            <a:prstGeom prst="rect">
+              <a:avLst/>
+            </a:prstGeom>
+            <a:noFill/>
+          </p:spPr>
+          <p:txBody>
+            <a:bodyPr wrap="square" rtlCol="0">
+              <a:spAutoFit/>
+            </a:bodyPr>
+            <a:lstStyle/>
+            <a:p>
+              <a:r>
+                <a:rPr lang="ko-KR" altLang="en-US" sz="2000" dirty="0">
+                  <a:solidFill>
+                    <a:schemeClr val="bg1"/>
+                  </a:solidFill>
+                  <a:latin typeface="휴먼매직체" panose="02030504000101010101" pitchFamily="18" charset="-127"/>
+                  <a:ea typeface="휴먼매직체" panose="02030504000101010101" pitchFamily="18" charset="-127"/>
+                </a:rPr>
+                <a:t>걷기</a:t>
+              </a:r>
+              <a:r>
+                <a:rPr lang="en-US" altLang="ko-KR" sz="2000" dirty="0">
+                  <a:solidFill>
+                    <a:schemeClr val="bg1"/>
+                  </a:solidFill>
+                  <a:latin typeface="휴먼매직체" panose="02030504000101010101" pitchFamily="18" charset="-127"/>
+                  <a:ea typeface="휴먼매직체" panose="02030504000101010101" pitchFamily="18" charset="-127"/>
+                </a:rPr>
+                <a:t>, </a:t>
+              </a:r>
+              <a:r>
+                <a:rPr lang="ko-KR" altLang="en-US" sz="2000" dirty="0">
+                  <a:solidFill>
+                    <a:schemeClr val="bg1"/>
+                  </a:solidFill>
+                  <a:latin typeface="휴먼매직체" panose="02030504000101010101" pitchFamily="18" charset="-127"/>
+                  <a:ea typeface="휴먼매직체" panose="02030504000101010101" pitchFamily="18" charset="-127"/>
+                </a:rPr>
+                <a:t>달리기</a:t>
+              </a:r>
+              <a:r>
+                <a:rPr lang="en-US" altLang="ko-KR" sz="2000" dirty="0">
+                  <a:solidFill>
+                    <a:schemeClr val="bg1"/>
+                  </a:solidFill>
+                  <a:latin typeface="휴먼매직체" panose="02030504000101010101" pitchFamily="18" charset="-127"/>
+                  <a:ea typeface="휴먼매직체" panose="02030504000101010101" pitchFamily="18" charset="-127"/>
+                </a:rPr>
+                <a:t>, </a:t>
+              </a:r>
+              <a:r>
+                <a:rPr lang="ko-KR" altLang="en-US" sz="2000" dirty="0">
+                  <a:solidFill>
+                    <a:schemeClr val="bg1"/>
+                  </a:solidFill>
+                  <a:latin typeface="휴먼매직체" panose="02030504000101010101" pitchFamily="18" charset="-127"/>
+                  <a:ea typeface="휴먼매직체" panose="02030504000101010101" pitchFamily="18" charset="-127"/>
+                </a:rPr>
+                <a:t>자전거 타기</a:t>
+              </a:r>
+              <a:r>
+                <a:rPr lang="en-US" altLang="ko-KR" sz="2000" dirty="0">
+                  <a:solidFill>
+                    <a:schemeClr val="bg1"/>
+                  </a:solidFill>
+                  <a:latin typeface="휴먼매직체" panose="02030504000101010101" pitchFamily="18" charset="-127"/>
+                  <a:ea typeface="휴먼매직체" panose="02030504000101010101" pitchFamily="18" charset="-127"/>
+                </a:rPr>
+                <a:t>, </a:t>
+              </a:r>
+              <a:r>
+                <a:rPr lang="ko-KR" altLang="en-US" sz="2000" dirty="0">
+                  <a:solidFill>
+                    <a:schemeClr val="bg1"/>
+                  </a:solidFill>
+                  <a:latin typeface="휴먼매직체" panose="02030504000101010101" pitchFamily="18" charset="-127"/>
+                  <a:ea typeface="휴먼매직체" panose="02030504000101010101" pitchFamily="18" charset="-127"/>
+                </a:rPr>
+                <a:t>근력운동 기구 등 운동할 종목 선택 후 기록</a:t>
+              </a:r>
+            </a:p>
+          </p:txBody>
+        </p:sp>
+        <p:cxnSp>
+          <p:nvCxnSpPr>
+            <p:cNvPr id="38" name="연결선: 꺾임 37">
+              <a:extLst>
+                <a:ext uri="{FF2B5EF4-FFF2-40B4-BE49-F238E27FC236}">
+                  <a16:creationId xmlns:a16="http://schemas.microsoft.com/office/drawing/2014/main" id="{0B155983-8681-57FE-F813-F650B68136C3}"/>
+                </a:ext>
+              </a:extLst>
+            </p:cNvPr>
+            <p:cNvCxnSpPr>
+              <a:cxnSpLocks noGrp="1" noRot="1" noMove="1" noResize="1" noEditPoints="1" noAdjustHandles="1" noChangeArrowheads="1" noChangeShapeType="1"/>
+              <a:stCxn id="11" idx="2"/>
+              <a:endCxn id="30" idx="1"/>
+            </p:cNvCxnSpPr>
+            <p:nvPr/>
+          </p:nvCxnSpPr>
+          <p:spPr>
+            <a:xfrm rot="16200000" flipH="1">
+              <a:off x="1921369" y="3020841"/>
+              <a:ext cx="864319" cy="2612887"/>
+            </a:xfrm>
+            <a:prstGeom prst="bentConnector2">
+              <a:avLst/>
+            </a:prstGeom>
+            <a:ln>
+              <a:solidFill>
+                <a:srgbClr val="FF0000"/>
+              </a:solidFill>
+              <a:tailEnd type="triangle"/>
+            </a:ln>
+          </p:spPr>
+          <p:style>
+            <a:lnRef idx="1">
+              <a:schemeClr val="accent1"/>
+            </a:lnRef>
+            <a:fillRef idx="0">
+              <a:schemeClr val="accent1"/>
+            </a:fillRef>
+            <a:effectRef idx="0">
+              <a:schemeClr val="accent1"/>
+            </a:effectRef>
+            <a:fontRef idx="minor">
+              <a:schemeClr val="tx1"/>
+            </a:fontRef>
+          </p:style>
+        </p:cxnSp>
+      </p:grpSp>
+      <p:grpSp>
+        <p:nvGrpSpPr>
+          <p:cNvPr id="85" name="그룹 84">
+            <a:extLst>
+              <a:ext uri="{FF2B5EF4-FFF2-40B4-BE49-F238E27FC236}">
+                <a16:creationId xmlns:a16="http://schemas.microsoft.com/office/drawing/2014/main" id="{2FBC53B2-7EEE-CF3A-9CAB-88C85135BD20}"/>
+              </a:ext>
+            </a:extLst>
+          </p:cNvPr>
+          <p:cNvGrpSpPr>
+            <a:grpSpLocks noGrp="1" noUngrp="1" noRot="1" noMove="1" noResize="1"/>
+          </p:cNvGrpSpPr>
+          <p:nvPr/>
+        </p:nvGrpSpPr>
+        <p:grpSpPr>
+          <a:xfrm>
+            <a:off x="2216162" y="1362305"/>
+            <a:ext cx="9375076" cy="5036603"/>
+            <a:chOff x="2216162" y="1362305"/>
+            <a:chExt cx="9375076" cy="5036603"/>
+          </a:xfrm>
+        </p:grpSpPr>
+        <p:grpSp>
+          <p:nvGrpSpPr>
+            <p:cNvPr id="67" name="그룹 66">
+              <a:extLst>
+                <a:ext uri="{FF2B5EF4-FFF2-40B4-BE49-F238E27FC236}">
+                  <a16:creationId xmlns:a16="http://schemas.microsoft.com/office/drawing/2014/main" id="{1B6AF8D6-4F12-D065-8256-2827042A18C9}"/>
+                </a:ext>
+              </a:extLst>
+            </p:cNvPr>
+            <p:cNvGrpSpPr>
+              <a:grpSpLocks noGrp="1" noUngrp="1" noRot="1" noMove="1" noResize="1"/>
+            </p:cNvGrpSpPr>
+            <p:nvPr/>
+          </p:nvGrpSpPr>
+          <p:grpSpPr>
+            <a:xfrm>
+              <a:off x="6375034" y="1362305"/>
+              <a:ext cx="5216204" cy="3654312"/>
+              <a:chOff x="6375034" y="1362305"/>
+              <a:chExt cx="5216204" cy="3654312"/>
+            </a:xfrm>
+          </p:grpSpPr>
+          <p:grpSp>
+            <p:nvGrpSpPr>
+              <p:cNvPr id="42" name="그룹 41">
+                <a:extLst>
+                  <a:ext uri="{FF2B5EF4-FFF2-40B4-BE49-F238E27FC236}">
+                    <a16:creationId xmlns:a16="http://schemas.microsoft.com/office/drawing/2014/main" id="{2AA3A336-E914-267C-5EE2-E7A1EA5F88C8}"/>
+                  </a:ext>
+                </a:extLst>
+              </p:cNvPr>
+              <p:cNvGrpSpPr>
+                <a:grpSpLocks noGrp="1" noUngrp="1" noRot="1" noMove="1" noResize="1"/>
+              </p:cNvGrpSpPr>
+              <p:nvPr/>
+            </p:nvGrpSpPr>
+            <p:grpSpPr>
+              <a:xfrm>
+                <a:off x="6375034" y="1489045"/>
+                <a:ext cx="2191627" cy="3527572"/>
+                <a:chOff x="6375034" y="1489045"/>
+                <a:chExt cx="2191627" cy="3527572"/>
+              </a:xfrm>
+            </p:grpSpPr>
+            <p:pic>
+              <p:nvPicPr>
+                <p:cNvPr id="18" name="그림 17">
+                  <a:extLst>
+                    <a:ext uri="{FF2B5EF4-FFF2-40B4-BE49-F238E27FC236}">
+                      <a16:creationId xmlns:a16="http://schemas.microsoft.com/office/drawing/2014/main" id="{AF4EE3CB-22C6-BEA1-D118-F83BD7982891}"/>
+                    </a:ext>
+                  </a:extLst>
+                </p:cNvPr>
+                <p:cNvPicPr>
+                  <a:picLocks noGrp="1" noRot="1" noChangeAspect="1" noMove="1" noResize="1" noEditPoints="1" noAdjustHandles="1" noChangeArrowheads="1" noChangeShapeType="1" noCrop="1"/>
+                </p:cNvPicPr>
+                <p:nvPr/>
+              </p:nvPicPr>
+              <p:blipFill>
+                <a:blip r:embed="rId3" cstate="screen">
+                  <a:extLst>
+                    <a:ext uri="{28A0092B-C50C-407E-A947-70E740481C1C}">
+                      <a14:useLocalDpi xmlns:a14="http://schemas.microsoft.com/office/drawing/2010/main" val="0"/>
+                    </a:ext>
+                  </a:extLst>
+                </a:blip>
+                <a:stretch>
+                  <a:fillRect/>
+                </a:stretch>
+              </p:blipFill>
+              <p:spPr>
+                <a:xfrm>
+                  <a:off x="6375034" y="1489045"/>
+                  <a:ext cx="2191627" cy="3527572"/>
+                </a:xfrm>
+                <a:prstGeom prst="rect">
+                  <a:avLst/>
+                </a:prstGeom>
+              </p:spPr>
+            </p:pic>
+            <p:sp>
+              <p:nvSpPr>
+                <p:cNvPr id="13" name="직사각형 12">
+                  <a:extLst>
+                    <a:ext uri="{FF2B5EF4-FFF2-40B4-BE49-F238E27FC236}">
+                      <a16:creationId xmlns:a16="http://schemas.microsoft.com/office/drawing/2014/main" id="{ED7194EE-9B9B-FB8E-1975-23FB7DB36A14}"/>
+                    </a:ext>
+                  </a:extLst>
+                </p:cNvPr>
+                <p:cNvSpPr>
+                  <a:spLocks noGrp="1" noRot="1" noMove="1" noResize="1" noEditPoints="1" noAdjustHandles="1" noChangeArrowheads="1" noChangeShapeType="1"/>
+                </p:cNvSpPr>
+                <p:nvPr/>
+              </p:nvSpPr>
+              <p:spPr>
+                <a:xfrm>
+                  <a:off x="6482926" y="1615581"/>
+                  <a:ext cx="325302" cy="201335"/>
+                </a:xfrm>
+                <a:prstGeom prst="rect">
+                  <a:avLst/>
+                </a:prstGeom>
+                <a:solidFill>
+                  <a:srgbClr val="21345C">
+                    <a:alpha val="0"/>
+                  </a:srgbClr>
+                </a:solidFill>
+                <a:ln w="19050">
+                  <a:solidFill>
+                    <a:srgbClr val="FF0000"/>
+                  </a:solidFill>
+                </a:ln>
+              </p:spPr>
+              <p:style>
+                <a:lnRef idx="2">
+                  <a:schemeClr val="accent1">
+                    <a:shade val="50000"/>
+                  </a:schemeClr>
+                </a:lnRef>
+                <a:fillRef idx="1">
+                  <a:schemeClr val="accent1"/>
+                </a:fillRef>
+                <a:effectRef idx="0">
+                  <a:schemeClr val="accent1"/>
+                </a:effectRef>
+                <a:fontRef idx="minor">
+                  <a:schemeClr val="lt1"/>
+                </a:fontRef>
+              </p:style>
+              <p:txBody>
+                <a:bodyPr rtlCol="0" anchor="ctr"/>
+                <a:lstStyle/>
+                <a:p>
+                  <a:pPr algn="ctr"/>
+                  <a:endParaRPr lang="ko-KR" altLang="en-US">
+                    <a:latin typeface="휴먼매직체" panose="02030504000101010101" pitchFamily="18" charset="-127"/>
+                    <a:ea typeface="휴먼매직체" panose="02030504000101010101" pitchFamily="18" charset="-127"/>
+                  </a:endParaRPr>
+                </a:p>
+              </p:txBody>
+            </p:sp>
+            <p:sp>
+              <p:nvSpPr>
+                <p:cNvPr id="14" name="직사각형 13">
+                  <a:extLst>
+                    <a:ext uri="{FF2B5EF4-FFF2-40B4-BE49-F238E27FC236}">
+                      <a16:creationId xmlns:a16="http://schemas.microsoft.com/office/drawing/2014/main" id="{050CF162-C50C-5D69-53E6-ED37D1416274}"/>
+                    </a:ext>
+                  </a:extLst>
+                </p:cNvPr>
+                <p:cNvSpPr>
+                  <a:spLocks noGrp="1" noRot="1" noMove="1" noResize="1" noEditPoints="1" noAdjustHandles="1" noChangeArrowheads="1" noChangeShapeType="1"/>
+                </p:cNvSpPr>
+                <p:nvPr/>
+              </p:nvSpPr>
+              <p:spPr>
+                <a:xfrm>
+                  <a:off x="6482926" y="2269311"/>
+                  <a:ext cx="325302" cy="201335"/>
+                </a:xfrm>
+                <a:prstGeom prst="rect">
+                  <a:avLst/>
+                </a:prstGeom>
+                <a:solidFill>
+                  <a:srgbClr val="21345C">
+                    <a:alpha val="0"/>
+                  </a:srgbClr>
+                </a:solidFill>
+                <a:ln w="19050">
+                  <a:solidFill>
+                    <a:srgbClr val="FF0000"/>
+                  </a:solidFill>
+                </a:ln>
+              </p:spPr>
+              <p:style>
+                <a:lnRef idx="2">
+                  <a:schemeClr val="accent1">
+                    <a:shade val="50000"/>
+                  </a:schemeClr>
+                </a:lnRef>
+                <a:fillRef idx="1">
+                  <a:schemeClr val="accent1"/>
+                </a:fillRef>
+                <a:effectRef idx="0">
+                  <a:schemeClr val="accent1"/>
+                </a:effectRef>
+                <a:fontRef idx="minor">
+                  <a:schemeClr val="lt1"/>
+                </a:fontRef>
+              </p:style>
+              <p:txBody>
+                <a:bodyPr rtlCol="0" anchor="ctr"/>
+                <a:lstStyle/>
+                <a:p>
+                  <a:pPr algn="ctr"/>
+                  <a:endParaRPr lang="ko-KR" altLang="en-US">
+                    <a:latin typeface="휴먼매직체" panose="02030504000101010101" pitchFamily="18" charset="-127"/>
+                    <a:ea typeface="휴먼매직체" panose="02030504000101010101" pitchFamily="18" charset="-127"/>
+                  </a:endParaRPr>
+                </a:p>
+              </p:txBody>
+            </p:sp>
+            <p:sp>
+              <p:nvSpPr>
+                <p:cNvPr id="15" name="직사각형 14">
+                  <a:extLst>
+                    <a:ext uri="{FF2B5EF4-FFF2-40B4-BE49-F238E27FC236}">
+                      <a16:creationId xmlns:a16="http://schemas.microsoft.com/office/drawing/2014/main" id="{32C5BF47-E79F-7705-A775-D356781934F8}"/>
+                    </a:ext>
+                  </a:extLst>
+                </p:cNvPr>
+                <p:cNvSpPr>
+                  <a:spLocks noGrp="1" noRot="1" noMove="1" noResize="1" noEditPoints="1" noAdjustHandles="1" noChangeArrowheads="1" noChangeShapeType="1"/>
+                </p:cNvSpPr>
+                <p:nvPr/>
+              </p:nvSpPr>
+              <p:spPr>
+                <a:xfrm>
+                  <a:off x="6482926" y="2923042"/>
+                  <a:ext cx="625907" cy="201335"/>
+                </a:xfrm>
+                <a:prstGeom prst="rect">
+                  <a:avLst/>
+                </a:prstGeom>
+                <a:solidFill>
+                  <a:srgbClr val="21345C">
+                    <a:alpha val="0"/>
+                  </a:srgbClr>
+                </a:solidFill>
+                <a:ln w="19050">
+                  <a:solidFill>
+                    <a:srgbClr val="FF0000"/>
+                  </a:solidFill>
+                </a:ln>
+              </p:spPr>
+              <p:style>
+                <a:lnRef idx="2">
+                  <a:schemeClr val="accent1">
+                    <a:shade val="50000"/>
+                  </a:schemeClr>
+                </a:lnRef>
+                <a:fillRef idx="1">
+                  <a:schemeClr val="accent1"/>
+                </a:fillRef>
+                <a:effectRef idx="0">
+                  <a:schemeClr val="accent1"/>
+                </a:effectRef>
+                <a:fontRef idx="minor">
+                  <a:schemeClr val="lt1"/>
+                </a:fontRef>
+              </p:style>
+              <p:txBody>
+                <a:bodyPr rtlCol="0" anchor="ctr"/>
+                <a:lstStyle/>
+                <a:p>
+                  <a:pPr algn="ctr"/>
+                  <a:endParaRPr lang="ko-KR" altLang="en-US">
+                    <a:latin typeface="휴먼매직체" panose="02030504000101010101" pitchFamily="18" charset="-127"/>
+                    <a:ea typeface="휴먼매직체" panose="02030504000101010101" pitchFamily="18" charset="-127"/>
+                  </a:endParaRPr>
+                </a:p>
+              </p:txBody>
+            </p:sp>
+            <p:sp>
+              <p:nvSpPr>
+                <p:cNvPr id="16" name="직사각형 15">
+                  <a:extLst>
+                    <a:ext uri="{FF2B5EF4-FFF2-40B4-BE49-F238E27FC236}">
+                      <a16:creationId xmlns:a16="http://schemas.microsoft.com/office/drawing/2014/main" id="{A2EA72B2-5618-0D66-D5DA-D715148BBA81}"/>
+                    </a:ext>
+                  </a:extLst>
+                </p:cNvPr>
+                <p:cNvSpPr>
+                  <a:spLocks noGrp="1" noRot="1" noMove="1" noResize="1" noEditPoints="1" noAdjustHandles="1" noChangeArrowheads="1" noChangeShapeType="1"/>
+                </p:cNvSpPr>
+                <p:nvPr/>
+              </p:nvSpPr>
+              <p:spPr>
+                <a:xfrm>
+                  <a:off x="6482926" y="3705552"/>
+                  <a:ext cx="223237" cy="201335"/>
+                </a:xfrm>
+                <a:prstGeom prst="rect">
+                  <a:avLst/>
+                </a:prstGeom>
+                <a:solidFill>
+                  <a:srgbClr val="21345C">
+                    <a:alpha val="0"/>
+                  </a:srgbClr>
+                </a:solidFill>
+                <a:ln w="19050">
+                  <a:solidFill>
+                    <a:srgbClr val="FF0000"/>
+                  </a:solidFill>
+                </a:ln>
+              </p:spPr>
+              <p:style>
+                <a:lnRef idx="2">
+                  <a:schemeClr val="accent1">
+                    <a:shade val="50000"/>
+                  </a:schemeClr>
+                </a:lnRef>
+                <a:fillRef idx="1">
+                  <a:schemeClr val="accent1"/>
+                </a:fillRef>
+                <a:effectRef idx="0">
+                  <a:schemeClr val="accent1"/>
+                </a:effectRef>
+                <a:fontRef idx="minor">
+                  <a:schemeClr val="lt1"/>
+                </a:fontRef>
+              </p:style>
+              <p:txBody>
+                <a:bodyPr rtlCol="0" anchor="ctr"/>
+                <a:lstStyle/>
+                <a:p>
+                  <a:pPr algn="ctr"/>
+                  <a:endParaRPr lang="ko-KR" altLang="en-US" dirty="0">
+                    <a:latin typeface="휴먼매직체" panose="02030504000101010101" pitchFamily="18" charset="-127"/>
+                    <a:ea typeface="휴먼매직체" panose="02030504000101010101" pitchFamily="18" charset="-127"/>
+                  </a:endParaRPr>
+                </a:p>
+              </p:txBody>
+            </p:sp>
+          </p:grpSp>
+          <p:cxnSp>
+            <p:nvCxnSpPr>
+              <p:cNvPr id="45" name="직선 화살표 연결선 44">
+                <a:extLst>
+                  <a:ext uri="{FF2B5EF4-FFF2-40B4-BE49-F238E27FC236}">
+                    <a16:creationId xmlns:a16="http://schemas.microsoft.com/office/drawing/2014/main" id="{CF9B5D4B-1750-BDF2-9C0E-9DFD969E84F5}"/>
+                  </a:ext>
+                </a:extLst>
+              </p:cNvPr>
+              <p:cNvCxnSpPr>
+                <a:cxnSpLocks noGrp="1" noRot="1" noMove="1" noResize="1" noEditPoints="1" noAdjustHandles="1" noChangeArrowheads="1" noChangeShapeType="1"/>
+                <a:stCxn id="13" idx="3"/>
+                <a:endCxn id="46" idx="1"/>
+              </p:cNvCxnSpPr>
+              <p:nvPr/>
+            </p:nvCxnSpPr>
+            <p:spPr>
+              <a:xfrm flipV="1">
+                <a:off x="6808228" y="1716248"/>
+                <a:ext cx="2237502" cy="1"/>
+              </a:xfrm>
+              <a:prstGeom prst="straightConnector1">
+                <a:avLst/>
+              </a:prstGeom>
+              <a:ln>
+                <a:solidFill>
+                  <a:srgbClr val="FF0000"/>
+                </a:solidFill>
+                <a:tailEnd type="triangle"/>
+              </a:ln>
+            </p:spPr>
+            <p:style>
+              <a:lnRef idx="1">
+                <a:schemeClr val="accent1"/>
+              </a:lnRef>
+              <a:fillRef idx="0">
+                <a:schemeClr val="accent1"/>
+              </a:fillRef>
+              <a:effectRef idx="0">
+                <a:schemeClr val="accent1"/>
+              </a:effectRef>
+              <a:fontRef idx="minor">
+                <a:schemeClr val="tx1"/>
+              </a:fontRef>
+            </p:style>
+          </p:cxnSp>
+          <p:sp>
+            <p:nvSpPr>
+              <p:cNvPr id="46" name="TextBox 45">
+                <a:extLst>
+                  <a:ext uri="{FF2B5EF4-FFF2-40B4-BE49-F238E27FC236}">
+                    <a16:creationId xmlns:a16="http://schemas.microsoft.com/office/drawing/2014/main" id="{B999931C-EEA0-C13D-C941-4D1CB9512D8F}"/>
+                  </a:ext>
+                </a:extLst>
+              </p:cNvPr>
+              <p:cNvSpPr txBox="1">
+                <a:spLocks noGrp="1" noRot="1" noMove="1" noResize="1" noEditPoints="1" noAdjustHandles="1" noChangeArrowheads="1" noChangeShapeType="1"/>
+              </p:cNvSpPr>
+              <p:nvPr/>
+            </p:nvSpPr>
+            <p:spPr>
+              <a:xfrm>
+                <a:off x="9045730" y="1362305"/>
+                <a:ext cx="2545508" cy="707886"/>
+              </a:xfrm>
+              <a:prstGeom prst="rect">
+                <a:avLst/>
+              </a:prstGeom>
+              <a:noFill/>
+            </p:spPr>
+            <p:txBody>
+              <a:bodyPr wrap="square" rtlCol="0">
+                <a:spAutoFit/>
+              </a:bodyPr>
+              <a:lstStyle/>
+              <a:p>
+                <a:r>
+                  <a:rPr lang="ko-KR" altLang="en-US" sz="2000" dirty="0">
+                    <a:solidFill>
+                      <a:schemeClr val="bg1"/>
+                    </a:solidFill>
+                    <a:latin typeface="휴먼매직체" panose="02030504000101010101" pitchFamily="18" charset="-127"/>
+                    <a:ea typeface="휴먼매직체" panose="02030504000101010101" pitchFamily="18" charset="-127"/>
+                  </a:rPr>
+                  <a:t>먹은 음식 기록 및 성분 확인 가능</a:t>
+                </a:r>
+              </a:p>
+            </p:txBody>
+          </p:sp>
+          <p:sp>
+            <p:nvSpPr>
+              <p:cNvPr id="50" name="TextBox 49">
+                <a:extLst>
+                  <a:ext uri="{FF2B5EF4-FFF2-40B4-BE49-F238E27FC236}">
+                    <a16:creationId xmlns:a16="http://schemas.microsoft.com/office/drawing/2014/main" id="{A40A7A4F-CD67-FD7F-A377-ABE41FFCF9E4}"/>
+                  </a:ext>
+                </a:extLst>
+              </p:cNvPr>
+              <p:cNvSpPr txBox="1">
+                <a:spLocks noGrp="1" noRot="1" noMove="1" noResize="1" noEditPoints="1" noAdjustHandles="1" noChangeArrowheads="1" noChangeShapeType="1"/>
+              </p:cNvSpPr>
+              <p:nvPr/>
+            </p:nvSpPr>
+            <p:spPr>
+              <a:xfrm>
+                <a:off x="9045730" y="2391366"/>
+                <a:ext cx="2404743" cy="707886"/>
+              </a:xfrm>
+              <a:prstGeom prst="rect">
+                <a:avLst/>
+              </a:prstGeom>
+              <a:noFill/>
+            </p:spPr>
+            <p:txBody>
+              <a:bodyPr wrap="square" rtlCol="0">
+                <a:spAutoFit/>
+              </a:bodyPr>
+              <a:lstStyle/>
+              <a:p>
+                <a:r>
+                  <a:rPr lang="ko-KR" altLang="en-US" sz="2000" dirty="0">
+                    <a:solidFill>
+                      <a:schemeClr val="bg1"/>
+                    </a:solidFill>
+                    <a:latin typeface="휴먼매직체" panose="02030504000101010101" pitchFamily="18" charset="-127"/>
+                    <a:ea typeface="휴먼매직체" panose="02030504000101010101" pitchFamily="18" charset="-127"/>
+                  </a:rPr>
+                  <a:t>수면 기록을 통해 수면 패턴 확인</a:t>
+                </a:r>
+              </a:p>
+            </p:txBody>
+          </p:sp>
+          <p:cxnSp>
+            <p:nvCxnSpPr>
+              <p:cNvPr id="51" name="연결선: 꺾임 50">
+                <a:extLst>
+                  <a:ext uri="{FF2B5EF4-FFF2-40B4-BE49-F238E27FC236}">
+                    <a16:creationId xmlns:a16="http://schemas.microsoft.com/office/drawing/2014/main" id="{22807512-1D94-C456-F206-B80054E8FBD9}"/>
+                  </a:ext>
+                </a:extLst>
+              </p:cNvPr>
+              <p:cNvCxnSpPr>
+                <a:cxnSpLocks noGrp="1" noRot="1" noMove="1" noResize="1" noEditPoints="1" noAdjustHandles="1" noChangeArrowheads="1" noChangeShapeType="1"/>
+                <a:stCxn id="14" idx="2"/>
+                <a:endCxn id="50" idx="1"/>
+              </p:cNvCxnSpPr>
+              <p:nvPr/>
+            </p:nvCxnSpPr>
+            <p:spPr>
+              <a:xfrm rot="16200000" flipH="1">
+                <a:off x="7708322" y="1407900"/>
+                <a:ext cx="274663" cy="2400153"/>
+              </a:xfrm>
+              <a:prstGeom prst="bentConnector2">
+                <a:avLst/>
+              </a:prstGeom>
+              <a:ln>
+                <a:solidFill>
+                  <a:srgbClr val="FF0000"/>
+                </a:solidFill>
+                <a:tailEnd type="triangle"/>
+              </a:ln>
+            </p:spPr>
+            <p:style>
+              <a:lnRef idx="1">
+                <a:schemeClr val="accent1"/>
+              </a:lnRef>
+              <a:fillRef idx="0">
+                <a:schemeClr val="accent1"/>
+              </a:fillRef>
+              <a:effectRef idx="0">
+                <a:schemeClr val="accent1"/>
+              </a:effectRef>
+              <a:fontRef idx="minor">
+                <a:schemeClr val="tx1"/>
+              </a:fontRef>
+            </p:style>
+          </p:cxnSp>
+          <p:sp>
+            <p:nvSpPr>
+              <p:cNvPr id="56" name="TextBox 55">
+                <a:extLst>
+                  <a:ext uri="{FF2B5EF4-FFF2-40B4-BE49-F238E27FC236}">
+                    <a16:creationId xmlns:a16="http://schemas.microsoft.com/office/drawing/2014/main" id="{41F09727-DB51-500E-3EE1-77CA019D0C4A}"/>
+                  </a:ext>
+                </a:extLst>
+              </p:cNvPr>
+              <p:cNvSpPr txBox="1">
+                <a:spLocks noGrp="1" noRot="1" noMove="1" noResize="1" noEditPoints="1" noAdjustHandles="1" noChangeArrowheads="1" noChangeShapeType="1"/>
+              </p:cNvSpPr>
+              <p:nvPr/>
+            </p:nvSpPr>
+            <p:spPr>
+              <a:xfrm>
+                <a:off x="9045729" y="3199001"/>
+                <a:ext cx="2545508" cy="707886"/>
+              </a:xfrm>
+              <a:prstGeom prst="rect">
+                <a:avLst/>
+              </a:prstGeom>
+              <a:noFill/>
+            </p:spPr>
+            <p:txBody>
+              <a:bodyPr wrap="square" rtlCol="0">
+                <a:spAutoFit/>
+              </a:bodyPr>
+              <a:lstStyle/>
+              <a:p>
+                <a:r>
+                  <a:rPr lang="ko-KR" altLang="en-US" sz="2000" dirty="0">
+                    <a:solidFill>
+                      <a:schemeClr val="bg1"/>
+                    </a:solidFill>
+                    <a:latin typeface="휴먼매직체" panose="02030504000101010101" pitchFamily="18" charset="-127"/>
+                    <a:ea typeface="휴먼매직체" panose="02030504000101010101" pitchFamily="18" charset="-127"/>
+                  </a:rPr>
+                  <a:t>체중</a:t>
+                </a:r>
+                <a:r>
+                  <a:rPr lang="en-US" altLang="ko-KR" sz="2000" dirty="0">
+                    <a:solidFill>
+                      <a:schemeClr val="bg1"/>
+                    </a:solidFill>
+                    <a:latin typeface="휴먼매직체" panose="02030504000101010101" pitchFamily="18" charset="-127"/>
+                    <a:ea typeface="휴먼매직체" panose="02030504000101010101" pitchFamily="18" charset="-127"/>
+                  </a:rPr>
+                  <a:t>, </a:t>
+                </a:r>
+                <a:r>
+                  <a:rPr lang="ko-KR" altLang="en-US" sz="2000" dirty="0" err="1">
+                    <a:solidFill>
+                      <a:schemeClr val="bg1"/>
+                    </a:solidFill>
+                    <a:latin typeface="휴먼매직체" panose="02030504000101010101" pitchFamily="18" charset="-127"/>
+                    <a:ea typeface="휴먼매직체" panose="02030504000101010101" pitchFamily="18" charset="-127"/>
+                  </a:rPr>
+                  <a:t>골격근량</a:t>
+                </a:r>
+                <a:r>
+                  <a:rPr lang="en-US" altLang="ko-KR" sz="2000" dirty="0">
+                    <a:solidFill>
+                      <a:schemeClr val="bg1"/>
+                    </a:solidFill>
+                    <a:latin typeface="휴먼매직체" panose="02030504000101010101" pitchFamily="18" charset="-127"/>
+                    <a:ea typeface="휴먼매직체" panose="02030504000101010101" pitchFamily="18" charset="-127"/>
+                  </a:rPr>
+                  <a:t>, </a:t>
+                </a:r>
+                <a:r>
+                  <a:rPr lang="ko-KR" altLang="en-US" sz="2000" dirty="0">
+                    <a:solidFill>
+                      <a:schemeClr val="bg1"/>
+                    </a:solidFill>
+                    <a:latin typeface="휴먼매직체" panose="02030504000101010101" pitchFamily="18" charset="-127"/>
+                    <a:ea typeface="휴먼매직체" panose="02030504000101010101" pitchFamily="18" charset="-127"/>
+                  </a:rPr>
+                  <a:t>체지방률 입력 및 목표 설정</a:t>
+                </a:r>
+              </a:p>
+            </p:txBody>
+          </p:sp>
+          <p:cxnSp>
+            <p:nvCxnSpPr>
+              <p:cNvPr id="57" name="연결선: 꺾임 56">
+                <a:extLst>
+                  <a:ext uri="{FF2B5EF4-FFF2-40B4-BE49-F238E27FC236}">
+                    <a16:creationId xmlns:a16="http://schemas.microsoft.com/office/drawing/2014/main" id="{C40FE7A5-7F7E-00C6-9294-7589E01E8B3B}"/>
+                  </a:ext>
+                </a:extLst>
+              </p:cNvPr>
+              <p:cNvCxnSpPr>
+                <a:cxnSpLocks noGrp="1" noRot="1" noMove="1" noResize="1" noEditPoints="1" noAdjustHandles="1" noChangeArrowheads="1" noChangeShapeType="1"/>
+                <a:stCxn id="15" idx="2"/>
+                <a:endCxn id="56" idx="1"/>
+              </p:cNvCxnSpPr>
+              <p:nvPr/>
+            </p:nvCxnSpPr>
+            <p:spPr>
+              <a:xfrm rot="16200000" flipH="1">
+                <a:off x="7706521" y="2213735"/>
+                <a:ext cx="428567" cy="2249849"/>
+              </a:xfrm>
+              <a:prstGeom prst="bentConnector2">
+                <a:avLst/>
+              </a:prstGeom>
+              <a:ln>
+                <a:solidFill>
+                  <a:srgbClr val="FF0000"/>
+                </a:solidFill>
+                <a:tailEnd type="triangle"/>
+              </a:ln>
+            </p:spPr>
+            <p:style>
+              <a:lnRef idx="1">
+                <a:schemeClr val="accent1"/>
+              </a:lnRef>
+              <a:fillRef idx="0">
+                <a:schemeClr val="accent1"/>
+              </a:fillRef>
+              <a:effectRef idx="0">
+                <a:schemeClr val="accent1"/>
+              </a:effectRef>
+              <a:fontRef idx="minor">
+                <a:schemeClr val="tx1"/>
+              </a:fontRef>
+            </p:style>
+          </p:cxnSp>
+          <p:sp>
+            <p:nvSpPr>
+              <p:cNvPr id="61" name="TextBox 60">
+                <a:extLst>
+                  <a:ext uri="{FF2B5EF4-FFF2-40B4-BE49-F238E27FC236}">
+                    <a16:creationId xmlns:a16="http://schemas.microsoft.com/office/drawing/2014/main" id="{BD9C18AB-2334-6BF1-B8FA-424418CB8ABB}"/>
+                  </a:ext>
+                </a:extLst>
+              </p:cNvPr>
+              <p:cNvSpPr txBox="1">
+                <a:spLocks noGrp="1" noRot="1" noMove="1" noResize="1" noEditPoints="1" noAdjustHandles="1" noChangeArrowheads="1" noChangeShapeType="1"/>
+              </p:cNvSpPr>
+              <p:nvPr/>
+            </p:nvSpPr>
+            <p:spPr>
+              <a:xfrm>
+                <a:off x="9029603" y="4080358"/>
+                <a:ext cx="2404743" cy="400110"/>
+              </a:xfrm>
+              <a:prstGeom prst="rect">
+                <a:avLst/>
+              </a:prstGeom>
+              <a:noFill/>
+            </p:spPr>
+            <p:txBody>
+              <a:bodyPr wrap="square" rtlCol="0">
+                <a:spAutoFit/>
+              </a:bodyPr>
+              <a:lstStyle/>
+              <a:p>
+                <a:r>
+                  <a:rPr lang="ko-KR" altLang="en-US" sz="2000" dirty="0">
+                    <a:solidFill>
+                      <a:schemeClr val="bg1"/>
+                    </a:solidFill>
+                    <a:latin typeface="휴먼매직체" panose="02030504000101010101" pitchFamily="18" charset="-127"/>
+                    <a:ea typeface="휴먼매직체" panose="02030504000101010101" pitchFamily="18" charset="-127"/>
+                  </a:rPr>
+                  <a:t>오늘 마신 물 입력</a:t>
+                </a:r>
+              </a:p>
+            </p:txBody>
+          </p:sp>
+          <p:cxnSp>
+            <p:nvCxnSpPr>
+              <p:cNvPr id="62" name="연결선: 꺾임 61">
+                <a:extLst>
+                  <a:ext uri="{FF2B5EF4-FFF2-40B4-BE49-F238E27FC236}">
+                    <a16:creationId xmlns:a16="http://schemas.microsoft.com/office/drawing/2014/main" id="{31F08870-873A-F148-687E-57FE96A502BC}"/>
+                  </a:ext>
+                </a:extLst>
+              </p:cNvPr>
+              <p:cNvCxnSpPr>
+                <a:cxnSpLocks noGrp="1" noRot="1" noMove="1" noResize="1" noEditPoints="1" noAdjustHandles="1" noChangeArrowheads="1" noChangeShapeType="1"/>
+                <a:stCxn id="16" idx="2"/>
+                <a:endCxn id="61" idx="1"/>
+              </p:cNvCxnSpPr>
+              <p:nvPr/>
+            </p:nvCxnSpPr>
+            <p:spPr>
+              <a:xfrm rot="16200000" flipH="1">
+                <a:off x="7625311" y="2876121"/>
+                <a:ext cx="373526" cy="2435058"/>
+              </a:xfrm>
+              <a:prstGeom prst="bentConnector2">
+                <a:avLst/>
+              </a:prstGeom>
+              <a:ln>
+                <a:solidFill>
+                  <a:srgbClr val="FF0000"/>
+                </a:solidFill>
+                <a:tailEnd type="triangle"/>
+              </a:ln>
+            </p:spPr>
+            <p:style>
+              <a:lnRef idx="1">
+                <a:schemeClr val="accent1"/>
+              </a:lnRef>
+              <a:fillRef idx="0">
+                <a:schemeClr val="accent1"/>
+              </a:fillRef>
+              <a:effectRef idx="0">
+                <a:schemeClr val="accent1"/>
+              </a:effectRef>
+              <a:fontRef idx="minor">
+                <a:schemeClr val="tx1"/>
+              </a:fontRef>
+            </p:style>
+          </p:cxnSp>
+        </p:grpSp>
+        <p:cxnSp>
+          <p:nvCxnSpPr>
+            <p:cNvPr id="68" name="연결선: 꺾임 67">
+              <a:extLst>
+                <a:ext uri="{FF2B5EF4-FFF2-40B4-BE49-F238E27FC236}">
+                  <a16:creationId xmlns:a16="http://schemas.microsoft.com/office/drawing/2014/main" id="{080BB5C6-10C4-21D0-7138-B2315C57A9DE}"/>
+                </a:ext>
+              </a:extLst>
+            </p:cNvPr>
+            <p:cNvCxnSpPr>
+              <a:cxnSpLocks noGrp="1" noRot="1" noMove="1" noResize="1" noEditPoints="1" noAdjustHandles="1" noChangeArrowheads="1" noChangeShapeType="1"/>
+              <a:stCxn id="69" idx="2"/>
+              <a:endCxn id="74" idx="3"/>
+            </p:cNvCxnSpPr>
+            <p:nvPr/>
+          </p:nvCxnSpPr>
+          <p:spPr>
+            <a:xfrm rot="5400000">
+              <a:off x="5425221" y="4420446"/>
+              <a:ext cx="1182237" cy="2374577"/>
+            </a:xfrm>
+            <a:prstGeom prst="bentConnector2">
+              <a:avLst/>
+            </a:prstGeom>
+            <a:ln>
+              <a:solidFill>
+                <a:srgbClr val="FF0000"/>
+              </a:solidFill>
+              <a:tailEnd type="triangle"/>
+            </a:ln>
+          </p:spPr>
+          <p:style>
+            <a:lnRef idx="1">
+              <a:schemeClr val="accent1"/>
+            </a:lnRef>
+            <a:fillRef idx="0">
+              <a:schemeClr val="accent1"/>
+            </a:fillRef>
+            <a:effectRef idx="0">
+              <a:schemeClr val="accent1"/>
+            </a:effectRef>
+            <a:fontRef idx="minor">
+              <a:schemeClr val="tx1"/>
+            </a:fontRef>
+          </p:style>
+        </p:cxnSp>
+        <p:sp>
+          <p:nvSpPr>
+            <p:cNvPr id="69" name="직사각형 68">
+              <a:extLst>
+                <a:ext uri="{FF2B5EF4-FFF2-40B4-BE49-F238E27FC236}">
+                  <a16:creationId xmlns:a16="http://schemas.microsoft.com/office/drawing/2014/main" id="{21AB5940-7AD6-B7AB-5295-61BF28C7576E}"/>
+                </a:ext>
+              </a:extLst>
+            </p:cNvPr>
+            <p:cNvSpPr>
+              <a:spLocks noGrp="1" noRot="1" noMove="1" noResize="1" noEditPoints="1" noAdjustHandles="1" noChangeArrowheads="1" noChangeShapeType="1"/>
+            </p:cNvSpPr>
+            <p:nvPr/>
+          </p:nvSpPr>
+          <p:spPr>
+            <a:xfrm>
+              <a:off x="7024942" y="4643089"/>
+              <a:ext cx="357369" cy="373527"/>
+            </a:xfrm>
+            <a:prstGeom prst="rect">
+              <a:avLst/>
+            </a:prstGeom>
+            <a:solidFill>
+              <a:srgbClr val="21345C">
+                <a:alpha val="0"/>
+              </a:srgbClr>
+            </a:solidFill>
+            <a:ln w="19050">
+              <a:solidFill>
+                <a:srgbClr val="FF0000"/>
+              </a:solidFill>
+            </a:ln>
+          </p:spPr>
+          <p:style>
+            <a:lnRef idx="2">
+              <a:schemeClr val="accent1">
+                <a:shade val="50000"/>
+              </a:schemeClr>
+            </a:lnRef>
+            <a:fillRef idx="1">
+              <a:schemeClr val="accent1"/>
+            </a:fillRef>
+            <a:effectRef idx="0">
+              <a:schemeClr val="accent1"/>
+            </a:effectRef>
+            <a:fontRef idx="minor">
+              <a:schemeClr val="lt1"/>
+            </a:fontRef>
+          </p:style>
+          <p:txBody>
+            <a:bodyPr rtlCol="0" anchor="ctr"/>
+            <a:lstStyle/>
+            <a:p>
+              <a:pPr algn="ctr"/>
+              <a:endParaRPr lang="ko-KR" altLang="en-US">
+                <a:latin typeface="휴먼매직체" panose="02030504000101010101" pitchFamily="18" charset="-127"/>
+                <a:ea typeface="휴먼매직체" panose="02030504000101010101" pitchFamily="18" charset="-127"/>
+              </a:endParaRPr>
+            </a:p>
+          </p:txBody>
+        </p:sp>
+        <p:sp>
+          <p:nvSpPr>
+            <p:cNvPr id="71" name="직사각형 70">
+              <a:extLst>
+                <a:ext uri="{FF2B5EF4-FFF2-40B4-BE49-F238E27FC236}">
+                  <a16:creationId xmlns:a16="http://schemas.microsoft.com/office/drawing/2014/main" id="{3A85DE28-774E-DC22-B087-D95B038B727F}"/>
+                </a:ext>
+              </a:extLst>
+            </p:cNvPr>
+            <p:cNvSpPr>
+              <a:spLocks noGrp="1" noRot="1" noMove="1" noResize="1" noEditPoints="1" noAdjustHandles="1" noChangeArrowheads="1" noChangeShapeType="1"/>
+            </p:cNvSpPr>
+            <p:nvPr/>
+          </p:nvSpPr>
+          <p:spPr>
+            <a:xfrm>
+              <a:off x="7551865" y="4643089"/>
+              <a:ext cx="357369" cy="373527"/>
+            </a:xfrm>
+            <a:prstGeom prst="rect">
+              <a:avLst/>
+            </a:prstGeom>
+            <a:solidFill>
+              <a:srgbClr val="21345C">
+                <a:alpha val="0"/>
+              </a:srgbClr>
+            </a:solidFill>
+            <a:ln w="19050">
+              <a:solidFill>
+                <a:srgbClr val="FF0000"/>
+              </a:solidFill>
+            </a:ln>
+          </p:spPr>
+          <p:style>
+            <a:lnRef idx="2">
+              <a:schemeClr val="accent1">
+                <a:shade val="50000"/>
+              </a:schemeClr>
+            </a:lnRef>
+            <a:fillRef idx="1">
+              <a:schemeClr val="accent1"/>
+            </a:fillRef>
+            <a:effectRef idx="0">
+              <a:schemeClr val="accent1"/>
+            </a:effectRef>
+            <a:fontRef idx="minor">
+              <a:schemeClr val="lt1"/>
+            </a:fontRef>
+          </p:style>
+          <p:txBody>
+            <a:bodyPr rtlCol="0" anchor="ctr"/>
+            <a:lstStyle/>
+            <a:p>
+              <a:pPr algn="ctr"/>
+              <a:endParaRPr lang="ko-KR" altLang="en-US">
+                <a:latin typeface="휴먼매직체" panose="02030504000101010101" pitchFamily="18" charset="-127"/>
+                <a:ea typeface="휴먼매직체" panose="02030504000101010101" pitchFamily="18" charset="-127"/>
+              </a:endParaRPr>
+            </a:p>
+          </p:txBody>
+        </p:sp>
+        <p:sp>
+          <p:nvSpPr>
+            <p:cNvPr id="74" name="TextBox 73">
+              <a:extLst>
+                <a:ext uri="{FF2B5EF4-FFF2-40B4-BE49-F238E27FC236}">
+                  <a16:creationId xmlns:a16="http://schemas.microsoft.com/office/drawing/2014/main" id="{08CD6537-E55F-D7EA-9738-0041F4778148}"/>
+                </a:ext>
+              </a:extLst>
+            </p:cNvPr>
+            <p:cNvSpPr txBox="1">
+              <a:spLocks noGrp="1" noRot="1" noMove="1" noResize="1" noEditPoints="1" noAdjustHandles="1" noChangeArrowheads="1" noChangeShapeType="1"/>
+            </p:cNvSpPr>
+            <p:nvPr/>
+          </p:nvSpPr>
+          <p:spPr>
+            <a:xfrm>
+              <a:off x="2216162" y="5998798"/>
+              <a:ext cx="2612888" cy="400110"/>
+            </a:xfrm>
+            <a:prstGeom prst="rect">
+              <a:avLst/>
+            </a:prstGeom>
+            <a:noFill/>
+          </p:spPr>
+          <p:txBody>
+            <a:bodyPr wrap="square" rtlCol="0">
+              <a:spAutoFit/>
+            </a:bodyPr>
+            <a:lstStyle/>
+            <a:p>
+              <a:r>
+                <a:rPr lang="ko-KR" altLang="en-US" sz="2000" dirty="0">
+                  <a:solidFill>
+                    <a:schemeClr val="bg1"/>
+                  </a:solidFill>
+                  <a:latin typeface="휴먼매직체" panose="02030504000101010101" pitchFamily="18" charset="-127"/>
+                  <a:ea typeface="휴먼매직체" panose="02030504000101010101" pitchFamily="18" charset="-127"/>
+                </a:rPr>
+                <a:t>다른 사용자와 대결 가능</a:t>
+              </a:r>
+            </a:p>
+          </p:txBody>
+        </p:sp>
+        <p:cxnSp>
+          <p:nvCxnSpPr>
+            <p:cNvPr id="80" name="연결선: 꺾임 79">
+              <a:extLst>
+                <a:ext uri="{FF2B5EF4-FFF2-40B4-BE49-F238E27FC236}">
+                  <a16:creationId xmlns:a16="http://schemas.microsoft.com/office/drawing/2014/main" id="{3C925E1A-6362-6F40-5A9C-7AADDEEA2CB0}"/>
+                </a:ext>
+              </a:extLst>
+            </p:cNvPr>
+            <p:cNvCxnSpPr>
+              <a:cxnSpLocks noGrp="1" noRot="1" noMove="1" noResize="1" noEditPoints="1" noAdjustHandles="1" noChangeArrowheads="1" noChangeShapeType="1"/>
+              <a:stCxn id="71" idx="2"/>
+              <a:endCxn id="81" idx="1"/>
+            </p:cNvCxnSpPr>
+            <p:nvPr/>
+          </p:nvCxnSpPr>
+          <p:spPr>
+            <a:xfrm rot="16200000" flipH="1">
+              <a:off x="7357028" y="5390137"/>
+              <a:ext cx="984889" cy="237845"/>
+            </a:xfrm>
+            <a:prstGeom prst="bentConnector2">
+              <a:avLst/>
+            </a:prstGeom>
+            <a:ln>
+              <a:solidFill>
+                <a:srgbClr val="FF0000"/>
+              </a:solidFill>
+              <a:tailEnd type="triangle"/>
+            </a:ln>
+          </p:spPr>
+          <p:style>
+            <a:lnRef idx="1">
+              <a:schemeClr val="accent1"/>
+            </a:lnRef>
+            <a:fillRef idx="0">
+              <a:schemeClr val="accent1"/>
+            </a:fillRef>
+            <a:effectRef idx="0">
+              <a:schemeClr val="accent1"/>
+            </a:effectRef>
+            <a:fontRef idx="minor">
+              <a:schemeClr val="tx1"/>
+            </a:fontRef>
+          </p:style>
+        </p:cxnSp>
+        <p:sp>
+          <p:nvSpPr>
+            <p:cNvPr id="81" name="TextBox 80">
+              <a:extLst>
+                <a:ext uri="{FF2B5EF4-FFF2-40B4-BE49-F238E27FC236}">
+                  <a16:creationId xmlns:a16="http://schemas.microsoft.com/office/drawing/2014/main" id="{B33735B6-C191-3BF9-953B-02502B2AC49C}"/>
+                </a:ext>
+              </a:extLst>
+            </p:cNvPr>
+            <p:cNvSpPr txBox="1">
+              <a:spLocks noGrp="1" noRot="1" noMove="1" noResize="1" noEditPoints="1" noAdjustHandles="1" noChangeArrowheads="1" noChangeShapeType="1"/>
+            </p:cNvSpPr>
+            <p:nvPr/>
+          </p:nvSpPr>
+          <p:spPr>
+            <a:xfrm>
+              <a:off x="7968395" y="5647562"/>
+              <a:ext cx="2612888" cy="707886"/>
+            </a:xfrm>
+            <a:prstGeom prst="rect">
+              <a:avLst/>
+            </a:prstGeom>
+            <a:noFill/>
+          </p:spPr>
+          <p:txBody>
+            <a:bodyPr wrap="square" rtlCol="0">
+              <a:spAutoFit/>
+            </a:bodyPr>
+            <a:lstStyle/>
+            <a:p>
+              <a:r>
+                <a:rPr lang="ko-KR" altLang="en-US" sz="2000" dirty="0">
+                  <a:solidFill>
+                    <a:schemeClr val="bg1"/>
+                  </a:solidFill>
+                  <a:latin typeface="휴먼매직체" panose="02030504000101010101" pitchFamily="18" charset="-127"/>
+                  <a:ea typeface="휴먼매직체" panose="02030504000101010101" pitchFamily="18" charset="-127"/>
+                </a:rPr>
+                <a:t>건강과 관련된 다양한 서비스 제공</a:t>
+              </a:r>
+            </a:p>
+          </p:txBody>
+        </p:sp>
+      </p:grpSp>
     </p:spTree>
     <p:extLst>
       <p:ext uri="{BB962C8B-B14F-4D97-AF65-F5344CB8AC3E}">
@@ -11048,13 +12596,13 @@
   <p:clrMapOvr>
     <a:masterClrMapping/>
   </p:clrMapOvr>
-  <mc:AlternateContent xmlns:mc="http://schemas.openxmlformats.org/markup-compatibility/2006">
-    <mc:Choice xmlns:p14="http://schemas.microsoft.com/office/powerpoint/2010/main" Requires="p14">
+  <mc:AlternateContent xmlns:mc="http://schemas.openxmlformats.org/markup-compatibility/2006" xmlns:p14="http://schemas.microsoft.com/office/powerpoint/2010/main">
+    <mc:Choice Requires="p14">
       <p:transition spd="med" p14:dur="700">
         <p:fade/>
       </p:transition>
     </mc:Choice>
-    <mc:Fallback>
+    <mc:Fallback xmlns="">
       <p:transition spd="med">
         <p:fade/>
       </p:transition>
@@ -11092,126 +12640,6 @@
       </p:grpSpPr>
       <p:sp>
         <p:nvSpPr>
-          <p:cNvPr id="6" name="TextBox 5">
-            <a:extLst>
-              <a:ext uri="{FF2B5EF4-FFF2-40B4-BE49-F238E27FC236}">
-                <a16:creationId xmlns:a16="http://schemas.microsoft.com/office/drawing/2014/main" id="{52457443-236A-4B97-AB90-9C203498A48B}"/>
-              </a:ext>
-            </a:extLst>
-          </p:cNvPr>
-          <p:cNvSpPr txBox="1"/>
-          <p:nvPr/>
-        </p:nvSpPr>
-        <p:spPr>
-          <a:xfrm>
-            <a:off x="3624405" y="2331038"/>
-            <a:ext cx="5446528" cy="717248"/>
-          </a:xfrm>
-          <a:prstGeom prst="rect">
-            <a:avLst/>
-          </a:prstGeom>
-          <a:noFill/>
-        </p:spPr>
-        <p:txBody>
-          <a:bodyPr wrap="square">
-            <a:spAutoFit/>
-          </a:bodyPr>
-          <a:lstStyle/>
-          <a:p>
-            <a:pPr algn="just">
-              <a:lnSpc>
-                <a:spcPct val="150000"/>
-              </a:lnSpc>
-            </a:pPr>
-            <a:r>
-              <a:rPr lang="ko-KR" altLang="en-US" sz="3200" spc="-150">
-                <a:solidFill>
-                  <a:schemeClr val="bg1"/>
-                </a:solidFill>
-                <a:latin typeface="휴먼매직체" panose="02030504000101010101" pitchFamily="18" charset="-127"/>
-                <a:ea typeface="휴먼매직체" panose="02030504000101010101" pitchFamily="18" charset="-127"/>
-              </a:rPr>
-              <a:t>삼성헬스케어</a:t>
-            </a:r>
-            <a:r>
-              <a:rPr lang="en-US" altLang="ko-KR" sz="3200" spc="-150">
-                <a:solidFill>
-                  <a:schemeClr val="bg1"/>
-                </a:solidFill>
-                <a:latin typeface="휴먼매직체" panose="02030504000101010101" pitchFamily="18" charset="-127"/>
-                <a:ea typeface="휴먼매직체" panose="02030504000101010101" pitchFamily="18" charset="-127"/>
-              </a:rPr>
-              <a:t>, </a:t>
-            </a:r>
-            <a:r>
-              <a:rPr lang="ko-KR" altLang="en-US" sz="3200" spc="-150">
-                <a:solidFill>
-                  <a:schemeClr val="bg1"/>
-                </a:solidFill>
-                <a:latin typeface="휴먼매직체" panose="02030504000101010101" pitchFamily="18" charset="-127"/>
-                <a:ea typeface="휴먼매직체" panose="02030504000101010101" pitchFamily="18" charset="-127"/>
-              </a:rPr>
-              <a:t>인바디 </a:t>
-            </a:r>
-            <a:r>
-              <a:rPr lang="en-US" altLang="ko-KR" sz="3200" spc="-150">
-                <a:solidFill>
-                  <a:schemeClr val="bg1"/>
-                </a:solidFill>
-                <a:latin typeface="휴먼매직체" panose="02030504000101010101" pitchFamily="18" charset="-127"/>
-                <a:ea typeface="휴먼매직체" panose="02030504000101010101" pitchFamily="18" charset="-127"/>
-              </a:rPr>
-              <a:t>X</a:t>
-            </a:r>
-          </a:p>
-        </p:txBody>
-      </p:sp>
-      <p:sp>
-        <p:nvSpPr>
-          <p:cNvPr id="5" name="TextBox 4">
-            <a:extLst>
-              <a:ext uri="{FF2B5EF4-FFF2-40B4-BE49-F238E27FC236}">
-                <a16:creationId xmlns:a16="http://schemas.microsoft.com/office/drawing/2014/main" id="{1EB95980-B21E-481E-BF88-C25A52D77758}"/>
-              </a:ext>
-            </a:extLst>
-          </p:cNvPr>
-          <p:cNvSpPr txBox="1"/>
-          <p:nvPr/>
-        </p:nvSpPr>
-        <p:spPr>
-          <a:xfrm>
-            <a:off x="2745641" y="2331038"/>
-            <a:ext cx="627095" cy="1200329"/>
-          </a:xfrm>
-          <a:prstGeom prst="rect">
-            <a:avLst/>
-          </a:prstGeom>
-          <a:noFill/>
-        </p:spPr>
-        <p:txBody>
-          <a:bodyPr wrap="none" rtlCol="0">
-            <a:spAutoFit/>
-          </a:bodyPr>
-          <a:lstStyle/>
-          <a:p>
-            <a:r>
-              <a:rPr lang="en-US" altLang="ko-KR" sz="7200" dirty="0">
-                <a:solidFill>
-                  <a:schemeClr val="bg1"/>
-                </a:solidFill>
-              </a:rPr>
-              <a:t>“</a:t>
-            </a:r>
-            <a:endParaRPr lang="ko-KR" altLang="en-US" sz="7200" dirty="0">
-              <a:solidFill>
-                <a:schemeClr val="bg1"/>
-              </a:solidFill>
-            </a:endParaRPr>
-          </a:p>
-        </p:txBody>
-      </p:sp>
-      <p:sp>
-        <p:nvSpPr>
           <p:cNvPr id="2" name="TextBox 1">
             <a:extLst>
               <a:ext uri="{FF2B5EF4-FFF2-40B4-BE49-F238E27FC236}">
@@ -11288,6 +12716,824 @@
           </a:p>
         </p:txBody>
       </p:sp>
+      <p:grpSp>
+        <p:nvGrpSpPr>
+          <p:cNvPr id="29" name="그룹 28">
+            <a:extLst>
+              <a:ext uri="{FF2B5EF4-FFF2-40B4-BE49-F238E27FC236}">
+                <a16:creationId xmlns:a16="http://schemas.microsoft.com/office/drawing/2014/main" id="{70776CF5-3BD4-BADD-5A00-D90D6D54EBF6}"/>
+              </a:ext>
+            </a:extLst>
+          </p:cNvPr>
+          <p:cNvGrpSpPr>
+            <a:grpSpLocks noGrp="1" noUngrp="1" noRot="1" noMove="1" noResize="1"/>
+          </p:cNvGrpSpPr>
+          <p:nvPr/>
+        </p:nvGrpSpPr>
+        <p:grpSpPr>
+          <a:xfrm>
+            <a:off x="741527" y="1489045"/>
+            <a:ext cx="4861263" cy="3527573"/>
+            <a:chOff x="741527" y="1489045"/>
+            <a:chExt cx="4861263" cy="3527573"/>
+          </a:xfrm>
+        </p:grpSpPr>
+        <p:pic>
+          <p:nvPicPr>
+            <p:cNvPr id="9" name="그림 8">
+              <a:extLst>
+                <a:ext uri="{FF2B5EF4-FFF2-40B4-BE49-F238E27FC236}">
+                  <a16:creationId xmlns:a16="http://schemas.microsoft.com/office/drawing/2014/main" id="{48E50DEF-9AA9-783D-8566-10B9C175F1B9}"/>
+                </a:ext>
+              </a:extLst>
+            </p:cNvPr>
+            <p:cNvPicPr>
+              <a:picLocks noGrp="1" noRot="1" noChangeAspect="1" noMove="1" noResize="1" noEditPoints="1" noAdjustHandles="1" noChangeArrowheads="1" noChangeShapeType="1" noCrop="1"/>
+            </p:cNvPicPr>
+            <p:nvPr/>
+          </p:nvPicPr>
+          <p:blipFill>
+            <a:blip r:embed="rId2" cstate="screen">
+              <a:extLst>
+                <a:ext uri="{28A0092B-C50C-407E-A947-70E740481C1C}">
+                  <a14:useLocalDpi xmlns:a14="http://schemas.microsoft.com/office/drawing/2010/main" val="0"/>
+                </a:ext>
+              </a:extLst>
+            </a:blip>
+            <a:stretch>
+              <a:fillRect/>
+            </a:stretch>
+          </p:blipFill>
+          <p:spPr>
+            <a:xfrm>
+              <a:off x="741527" y="1489045"/>
+              <a:ext cx="2128989" cy="3527573"/>
+            </a:xfrm>
+            <a:prstGeom prst="rect">
+              <a:avLst/>
+            </a:prstGeom>
+          </p:spPr>
+        </p:pic>
+        <p:cxnSp>
+          <p:nvCxnSpPr>
+            <p:cNvPr id="10" name="직선 화살표 연결선 9">
+              <a:extLst>
+                <a:ext uri="{FF2B5EF4-FFF2-40B4-BE49-F238E27FC236}">
+                  <a16:creationId xmlns:a16="http://schemas.microsoft.com/office/drawing/2014/main" id="{4491DF13-82AF-190A-2C10-9A2930F5D886}"/>
+                </a:ext>
+              </a:extLst>
+            </p:cNvPr>
+            <p:cNvCxnSpPr>
+              <a:cxnSpLocks noGrp="1" noRot="1" noMove="1" noResize="1" noEditPoints="1" noAdjustHandles="1" noChangeArrowheads="1" noChangeShapeType="1"/>
+              <a:stCxn id="11" idx="3"/>
+              <a:endCxn id="19" idx="1"/>
+            </p:cNvCxnSpPr>
+            <p:nvPr/>
+          </p:nvCxnSpPr>
+          <p:spPr>
+            <a:xfrm>
+              <a:off x="2768367" y="2549461"/>
+              <a:ext cx="496267" cy="11944"/>
+            </a:xfrm>
+            <a:prstGeom prst="straightConnector1">
+              <a:avLst/>
+            </a:prstGeom>
+            <a:ln>
+              <a:solidFill>
+                <a:srgbClr val="FF0000"/>
+              </a:solidFill>
+              <a:tailEnd type="triangle"/>
+            </a:ln>
+          </p:spPr>
+          <p:style>
+            <a:lnRef idx="1">
+              <a:schemeClr val="accent1"/>
+            </a:lnRef>
+            <a:fillRef idx="0">
+              <a:schemeClr val="accent1"/>
+            </a:fillRef>
+            <a:effectRef idx="0">
+              <a:schemeClr val="accent1"/>
+            </a:effectRef>
+            <a:fontRef idx="minor">
+              <a:schemeClr val="tx1"/>
+            </a:fontRef>
+          </p:style>
+        </p:cxnSp>
+        <p:sp>
+          <p:nvSpPr>
+            <p:cNvPr id="11" name="직사각형 10">
+              <a:extLst>
+                <a:ext uri="{FF2B5EF4-FFF2-40B4-BE49-F238E27FC236}">
+                  <a16:creationId xmlns:a16="http://schemas.microsoft.com/office/drawing/2014/main" id="{29141251-BD00-BCF6-9801-D150B30AC586}"/>
+                </a:ext>
+              </a:extLst>
+            </p:cNvPr>
+            <p:cNvSpPr>
+              <a:spLocks noGrp="1" noRot="1" noMove="1" noResize="1" noEditPoints="1" noAdjustHandles="1" noChangeArrowheads="1" noChangeShapeType="1"/>
+            </p:cNvSpPr>
+            <p:nvPr/>
+          </p:nvSpPr>
+          <p:spPr>
+            <a:xfrm>
+              <a:off x="2419378" y="2428739"/>
+              <a:ext cx="348989" cy="241443"/>
+            </a:xfrm>
+            <a:prstGeom prst="rect">
+              <a:avLst/>
+            </a:prstGeom>
+            <a:solidFill>
+              <a:srgbClr val="21345C">
+                <a:alpha val="0"/>
+              </a:srgbClr>
+            </a:solidFill>
+            <a:ln w="19050">
+              <a:solidFill>
+                <a:srgbClr val="FF0000"/>
+              </a:solidFill>
+            </a:ln>
+          </p:spPr>
+          <p:style>
+            <a:lnRef idx="2">
+              <a:schemeClr val="accent1">
+                <a:shade val="50000"/>
+              </a:schemeClr>
+            </a:lnRef>
+            <a:fillRef idx="1">
+              <a:schemeClr val="accent1"/>
+            </a:fillRef>
+            <a:effectRef idx="0">
+              <a:schemeClr val="accent1"/>
+            </a:effectRef>
+            <a:fontRef idx="minor">
+              <a:schemeClr val="lt1"/>
+            </a:fontRef>
+          </p:style>
+          <p:txBody>
+            <a:bodyPr rtlCol="0" anchor="ctr"/>
+            <a:lstStyle/>
+            <a:p>
+              <a:pPr algn="ctr"/>
+              <a:endParaRPr lang="ko-KR" altLang="en-US"/>
+            </a:p>
+          </p:txBody>
+        </p:sp>
+        <p:sp>
+          <p:nvSpPr>
+            <p:cNvPr id="12" name="직사각형 11">
+              <a:extLst>
+                <a:ext uri="{FF2B5EF4-FFF2-40B4-BE49-F238E27FC236}">
+                  <a16:creationId xmlns:a16="http://schemas.microsoft.com/office/drawing/2014/main" id="{E342A223-90B1-8D99-CFEE-946BC4ECE076}"/>
+                </a:ext>
+              </a:extLst>
+            </p:cNvPr>
+            <p:cNvSpPr>
+              <a:spLocks noGrp="1" noRot="1" noMove="1" noResize="1" noEditPoints="1" noAdjustHandles="1" noChangeArrowheads="1" noChangeShapeType="1"/>
+            </p:cNvSpPr>
+            <p:nvPr/>
+          </p:nvSpPr>
+          <p:spPr>
+            <a:xfrm>
+              <a:off x="1510018" y="2759978"/>
+              <a:ext cx="587230" cy="177963"/>
+            </a:xfrm>
+            <a:prstGeom prst="rect">
+              <a:avLst/>
+            </a:prstGeom>
+            <a:solidFill>
+              <a:schemeClr val="tx2"/>
+            </a:solidFill>
+          </p:spPr>
+          <p:style>
+            <a:lnRef idx="2">
+              <a:schemeClr val="accent1">
+                <a:shade val="50000"/>
+              </a:schemeClr>
+            </a:lnRef>
+            <a:fillRef idx="1">
+              <a:schemeClr val="accent1"/>
+            </a:fillRef>
+            <a:effectRef idx="0">
+              <a:schemeClr val="accent1"/>
+            </a:effectRef>
+            <a:fontRef idx="minor">
+              <a:schemeClr val="lt1"/>
+            </a:fontRef>
+          </p:style>
+          <p:txBody>
+            <a:bodyPr rtlCol="0" anchor="ctr"/>
+            <a:lstStyle/>
+            <a:p>
+              <a:pPr algn="ctr"/>
+              <a:endParaRPr lang="ko-KR" altLang="en-US"/>
+            </a:p>
+          </p:txBody>
+        </p:sp>
+        <p:sp>
+          <p:nvSpPr>
+            <p:cNvPr id="15" name="직사각형 14">
+              <a:extLst>
+                <a:ext uri="{FF2B5EF4-FFF2-40B4-BE49-F238E27FC236}">
+                  <a16:creationId xmlns:a16="http://schemas.microsoft.com/office/drawing/2014/main" id="{24574829-D1DA-F7BB-B587-E4E88C6BA47B}"/>
+                </a:ext>
+              </a:extLst>
+            </p:cNvPr>
+            <p:cNvSpPr>
+              <a:spLocks noGrp="1" noRot="1" noMove="1" noResize="1" noEditPoints="1" noAdjustHandles="1" noChangeArrowheads="1" noChangeShapeType="1"/>
+            </p:cNvSpPr>
+            <p:nvPr/>
+          </p:nvSpPr>
+          <p:spPr>
+            <a:xfrm>
+              <a:off x="843646" y="3495540"/>
+              <a:ext cx="432194" cy="187228"/>
+            </a:xfrm>
+            <a:prstGeom prst="rect">
+              <a:avLst/>
+            </a:prstGeom>
+            <a:solidFill>
+              <a:srgbClr val="21345C">
+                <a:alpha val="0"/>
+              </a:srgbClr>
+            </a:solidFill>
+            <a:ln w="19050">
+              <a:solidFill>
+                <a:srgbClr val="FF0000"/>
+              </a:solidFill>
+            </a:ln>
+          </p:spPr>
+          <p:style>
+            <a:lnRef idx="2">
+              <a:schemeClr val="accent1">
+                <a:shade val="50000"/>
+              </a:schemeClr>
+            </a:lnRef>
+            <a:fillRef idx="1">
+              <a:schemeClr val="accent1"/>
+            </a:fillRef>
+            <a:effectRef idx="0">
+              <a:schemeClr val="accent1"/>
+            </a:effectRef>
+            <a:fontRef idx="minor">
+              <a:schemeClr val="lt1"/>
+            </a:fontRef>
+          </p:style>
+          <p:txBody>
+            <a:bodyPr rtlCol="0" anchor="ctr"/>
+            <a:lstStyle/>
+            <a:p>
+              <a:pPr algn="ctr"/>
+              <a:endParaRPr lang="ko-KR" altLang="en-US"/>
+            </a:p>
+          </p:txBody>
+        </p:sp>
+        <p:cxnSp>
+          <p:nvCxnSpPr>
+            <p:cNvPr id="16" name="직선 화살표 연결선 15">
+              <a:extLst>
+                <a:ext uri="{FF2B5EF4-FFF2-40B4-BE49-F238E27FC236}">
+                  <a16:creationId xmlns:a16="http://schemas.microsoft.com/office/drawing/2014/main" id="{8706534E-3BCA-FF34-8474-5F8A745D4E4E}"/>
+                </a:ext>
+              </a:extLst>
+            </p:cNvPr>
+            <p:cNvCxnSpPr>
+              <a:cxnSpLocks noGrp="1" noRot="1" noMove="1" noResize="1" noEditPoints="1" noAdjustHandles="1" noChangeArrowheads="1" noChangeShapeType="1"/>
+              <a:stCxn id="15" idx="3"/>
+              <a:endCxn id="20" idx="1"/>
+            </p:cNvCxnSpPr>
+            <p:nvPr/>
+          </p:nvCxnSpPr>
+          <p:spPr>
+            <a:xfrm flipV="1">
+              <a:off x="1275840" y="3588956"/>
+              <a:ext cx="1988794" cy="198"/>
+            </a:xfrm>
+            <a:prstGeom prst="straightConnector1">
+              <a:avLst/>
+            </a:prstGeom>
+            <a:ln>
+              <a:solidFill>
+                <a:srgbClr val="FF0000"/>
+              </a:solidFill>
+              <a:tailEnd type="triangle"/>
+            </a:ln>
+          </p:spPr>
+          <p:style>
+            <a:lnRef idx="1">
+              <a:schemeClr val="accent1"/>
+            </a:lnRef>
+            <a:fillRef idx="0">
+              <a:schemeClr val="accent1"/>
+            </a:fillRef>
+            <a:effectRef idx="0">
+              <a:schemeClr val="accent1"/>
+            </a:effectRef>
+            <a:fontRef idx="minor">
+              <a:schemeClr val="tx1"/>
+            </a:fontRef>
+          </p:style>
+        </p:cxnSp>
+        <p:sp>
+          <p:nvSpPr>
+            <p:cNvPr id="19" name="TextBox 18">
+              <a:extLst>
+                <a:ext uri="{FF2B5EF4-FFF2-40B4-BE49-F238E27FC236}">
+                  <a16:creationId xmlns:a16="http://schemas.microsoft.com/office/drawing/2014/main" id="{251FDD69-5668-CD6B-BDC8-940EF0B0A39B}"/>
+                </a:ext>
+              </a:extLst>
+            </p:cNvPr>
+            <p:cNvSpPr txBox="1">
+              <a:spLocks noGrp="1" noRot="1" noMove="1" noResize="1" noEditPoints="1" noAdjustHandles="1" noChangeArrowheads="1" noChangeShapeType="1"/>
+            </p:cNvSpPr>
+            <p:nvPr/>
+          </p:nvSpPr>
+          <p:spPr>
+            <a:xfrm>
+              <a:off x="3264634" y="2361350"/>
+              <a:ext cx="2338156" cy="400110"/>
+            </a:xfrm>
+            <a:prstGeom prst="rect">
+              <a:avLst/>
+            </a:prstGeom>
+            <a:noFill/>
+          </p:spPr>
+          <p:txBody>
+            <a:bodyPr wrap="square" rtlCol="0">
+              <a:spAutoFit/>
+            </a:bodyPr>
+            <a:lstStyle/>
+            <a:p>
+              <a:r>
+                <a:rPr lang="ko-KR" altLang="en-US" sz="2000" dirty="0">
+                  <a:solidFill>
+                    <a:schemeClr val="bg1"/>
+                  </a:solidFill>
+                  <a:latin typeface="휴먼매직체" panose="02030504000101010101" pitchFamily="18" charset="-127"/>
+                  <a:ea typeface="휴먼매직체" panose="02030504000101010101" pitchFamily="18" charset="-127"/>
+                </a:rPr>
+                <a:t>성별</a:t>
+              </a:r>
+              <a:r>
+                <a:rPr lang="en-US" altLang="ko-KR" sz="2000" dirty="0">
+                  <a:solidFill>
+                    <a:schemeClr val="bg1"/>
+                  </a:solidFill>
+                  <a:latin typeface="휴먼매직체" panose="02030504000101010101" pitchFamily="18" charset="-127"/>
+                  <a:ea typeface="휴먼매직체" panose="02030504000101010101" pitchFamily="18" charset="-127"/>
+                </a:rPr>
+                <a:t>, </a:t>
+              </a:r>
+              <a:r>
+                <a:rPr lang="ko-KR" altLang="en-US" sz="2000" dirty="0">
+                  <a:solidFill>
+                    <a:schemeClr val="bg1"/>
+                  </a:solidFill>
+                  <a:latin typeface="휴먼매직체" panose="02030504000101010101" pitchFamily="18" charset="-127"/>
+                  <a:ea typeface="휴먼매직체" panose="02030504000101010101" pitchFamily="18" charset="-127"/>
+                </a:rPr>
+                <a:t>키</a:t>
+              </a:r>
+              <a:r>
+                <a:rPr lang="en-US" altLang="ko-KR" sz="2000" dirty="0">
+                  <a:solidFill>
+                    <a:schemeClr val="bg1"/>
+                  </a:solidFill>
+                  <a:latin typeface="휴먼매직체" panose="02030504000101010101" pitchFamily="18" charset="-127"/>
+                  <a:ea typeface="휴먼매직체" panose="02030504000101010101" pitchFamily="18" charset="-127"/>
+                </a:rPr>
+                <a:t>, </a:t>
+              </a:r>
+              <a:r>
+                <a:rPr lang="ko-KR" altLang="en-US" sz="2000" dirty="0">
+                  <a:solidFill>
+                    <a:schemeClr val="bg1"/>
+                  </a:solidFill>
+                  <a:latin typeface="휴먼매직체" panose="02030504000101010101" pitchFamily="18" charset="-127"/>
+                  <a:ea typeface="휴먼매직체" panose="02030504000101010101" pitchFamily="18" charset="-127"/>
+                </a:rPr>
+                <a:t>체중 등 설정</a:t>
+              </a:r>
+            </a:p>
+          </p:txBody>
+        </p:sp>
+        <p:sp>
+          <p:nvSpPr>
+            <p:cNvPr id="20" name="TextBox 19">
+              <a:extLst>
+                <a:ext uri="{FF2B5EF4-FFF2-40B4-BE49-F238E27FC236}">
+                  <a16:creationId xmlns:a16="http://schemas.microsoft.com/office/drawing/2014/main" id="{294C6B08-2D0E-A1BF-1069-300B2AC04C24}"/>
+                </a:ext>
+              </a:extLst>
+            </p:cNvPr>
+            <p:cNvSpPr txBox="1">
+              <a:spLocks noGrp="1" noRot="1" noMove="1" noResize="1" noEditPoints="1" noAdjustHandles="1" noChangeArrowheads="1" noChangeShapeType="1"/>
+            </p:cNvSpPr>
+            <p:nvPr/>
+          </p:nvSpPr>
+          <p:spPr>
+            <a:xfrm>
+              <a:off x="3264634" y="3388901"/>
+              <a:ext cx="2338156" cy="400110"/>
+            </a:xfrm>
+            <a:prstGeom prst="rect">
+              <a:avLst/>
+            </a:prstGeom>
+            <a:noFill/>
+          </p:spPr>
+          <p:txBody>
+            <a:bodyPr wrap="square" rtlCol="0">
+              <a:spAutoFit/>
+            </a:bodyPr>
+            <a:lstStyle/>
+            <a:p>
+              <a:r>
+                <a:rPr lang="ko-KR" altLang="en-US" sz="2000">
+                  <a:solidFill>
+                    <a:schemeClr val="bg1"/>
+                  </a:solidFill>
+                  <a:latin typeface="휴먼매직체" panose="02030504000101010101" pitchFamily="18" charset="-127"/>
+                  <a:ea typeface="휴먼매직체" panose="02030504000101010101" pitchFamily="18" charset="-127"/>
+                </a:rPr>
+                <a:t>주간 분석 데이터 제공</a:t>
+              </a:r>
+              <a:endParaRPr lang="ko-KR" altLang="en-US" sz="2000" dirty="0">
+                <a:solidFill>
+                  <a:schemeClr val="bg1"/>
+                </a:solidFill>
+                <a:latin typeface="휴먼매직체" panose="02030504000101010101" pitchFamily="18" charset="-127"/>
+                <a:ea typeface="휴먼매직체" panose="02030504000101010101" pitchFamily="18" charset="-127"/>
+              </a:endParaRPr>
+            </a:p>
+          </p:txBody>
+        </p:sp>
+      </p:grpSp>
+      <p:grpSp>
+        <p:nvGrpSpPr>
+          <p:cNvPr id="41" name="그룹 40">
+            <a:extLst>
+              <a:ext uri="{FF2B5EF4-FFF2-40B4-BE49-F238E27FC236}">
+                <a16:creationId xmlns:a16="http://schemas.microsoft.com/office/drawing/2014/main" id="{5BA0D497-F3D9-AFC2-7E04-ABB9CD74A185}"/>
+              </a:ext>
+            </a:extLst>
+          </p:cNvPr>
+          <p:cNvGrpSpPr>
+            <a:grpSpLocks noGrp="1" noUngrp="1" noRot="1" noMove="1" noResize="1"/>
+          </p:cNvGrpSpPr>
+          <p:nvPr/>
+        </p:nvGrpSpPr>
+        <p:grpSpPr>
+          <a:xfrm>
+            <a:off x="6096000" y="1489045"/>
+            <a:ext cx="5019413" cy="3527574"/>
+            <a:chOff x="6096000" y="1489045"/>
+            <a:chExt cx="5019413" cy="3527574"/>
+          </a:xfrm>
+        </p:grpSpPr>
+        <p:pic>
+          <p:nvPicPr>
+            <p:cNvPr id="4" name="그림 3">
+              <a:extLst>
+                <a:ext uri="{FF2B5EF4-FFF2-40B4-BE49-F238E27FC236}">
+                  <a16:creationId xmlns:a16="http://schemas.microsoft.com/office/drawing/2014/main" id="{09CB8F11-BA9D-840C-976F-5B8FD61519BD}"/>
+                </a:ext>
+              </a:extLst>
+            </p:cNvPr>
+            <p:cNvPicPr>
+              <a:picLocks noGrp="1" noRot="1" noChangeAspect="1" noMove="1" noResize="1" noEditPoints="1" noAdjustHandles="1" noChangeArrowheads="1" noChangeShapeType="1" noCrop="1"/>
+            </p:cNvPicPr>
+            <p:nvPr/>
+          </p:nvPicPr>
+          <p:blipFill>
+            <a:blip r:embed="rId3" cstate="screen">
+              <a:extLst>
+                <a:ext uri="{28A0092B-C50C-407E-A947-70E740481C1C}">
+                  <a14:useLocalDpi xmlns:a14="http://schemas.microsoft.com/office/drawing/2010/main" val="0"/>
+                </a:ext>
+              </a:extLst>
+            </a:blip>
+            <a:stretch>
+              <a:fillRect/>
+            </a:stretch>
+          </p:blipFill>
+          <p:spPr>
+            <a:xfrm>
+              <a:off x="6096000" y="1489045"/>
+              <a:ext cx="2005571" cy="3527574"/>
+            </a:xfrm>
+            <a:prstGeom prst="rect">
+              <a:avLst/>
+            </a:prstGeom>
+          </p:spPr>
+        </p:pic>
+        <p:cxnSp>
+          <p:nvCxnSpPr>
+            <p:cNvPr id="26" name="직선 화살표 연결선 25">
+              <a:extLst>
+                <a:ext uri="{FF2B5EF4-FFF2-40B4-BE49-F238E27FC236}">
+                  <a16:creationId xmlns:a16="http://schemas.microsoft.com/office/drawing/2014/main" id="{78AAB426-0AED-3CAA-F327-A96457291333}"/>
+                </a:ext>
+              </a:extLst>
+            </p:cNvPr>
+            <p:cNvCxnSpPr>
+              <a:cxnSpLocks noGrp="1" noRot="1" noMove="1" noResize="1" noEditPoints="1" noAdjustHandles="1" noChangeArrowheads="1" noChangeShapeType="1"/>
+              <a:stCxn id="27" idx="3"/>
+              <a:endCxn id="28" idx="1"/>
+            </p:cNvCxnSpPr>
+            <p:nvPr/>
+          </p:nvCxnSpPr>
+          <p:spPr>
+            <a:xfrm flipV="1">
+              <a:off x="8011486" y="2670182"/>
+              <a:ext cx="454879" cy="1124"/>
+            </a:xfrm>
+            <a:prstGeom prst="straightConnector1">
+              <a:avLst/>
+            </a:prstGeom>
+            <a:ln>
+              <a:solidFill>
+                <a:srgbClr val="FF0000"/>
+              </a:solidFill>
+              <a:tailEnd type="triangle"/>
+            </a:ln>
+          </p:spPr>
+          <p:style>
+            <a:lnRef idx="1">
+              <a:schemeClr val="accent1"/>
+            </a:lnRef>
+            <a:fillRef idx="0">
+              <a:schemeClr val="accent1"/>
+            </a:fillRef>
+            <a:effectRef idx="0">
+              <a:schemeClr val="accent1"/>
+            </a:effectRef>
+            <a:fontRef idx="minor">
+              <a:schemeClr val="tx1"/>
+            </a:fontRef>
+          </p:style>
+        </p:cxnSp>
+        <p:sp>
+          <p:nvSpPr>
+            <p:cNvPr id="27" name="직사각형 26">
+              <a:extLst>
+                <a:ext uri="{FF2B5EF4-FFF2-40B4-BE49-F238E27FC236}">
+                  <a16:creationId xmlns:a16="http://schemas.microsoft.com/office/drawing/2014/main" id="{BBC95CD7-4BBF-8AB0-77B4-BCD2CCEA8F4A}"/>
+                </a:ext>
+              </a:extLst>
+            </p:cNvPr>
+            <p:cNvSpPr>
+              <a:spLocks noGrp="1" noRot="1" noMove="1" noResize="1" noEditPoints="1" noAdjustHandles="1" noChangeArrowheads="1" noChangeShapeType="1"/>
+            </p:cNvSpPr>
+            <p:nvPr/>
+          </p:nvSpPr>
+          <p:spPr>
+            <a:xfrm>
+              <a:off x="6194980" y="1492064"/>
+              <a:ext cx="1816506" cy="2358483"/>
+            </a:xfrm>
+            <a:prstGeom prst="rect">
+              <a:avLst/>
+            </a:prstGeom>
+            <a:solidFill>
+              <a:srgbClr val="21345C">
+                <a:alpha val="0"/>
+              </a:srgbClr>
+            </a:solidFill>
+            <a:ln w="19050">
+              <a:solidFill>
+                <a:srgbClr val="FF0000"/>
+              </a:solidFill>
+            </a:ln>
+          </p:spPr>
+          <p:style>
+            <a:lnRef idx="2">
+              <a:schemeClr val="accent1">
+                <a:shade val="50000"/>
+              </a:schemeClr>
+            </a:lnRef>
+            <a:fillRef idx="1">
+              <a:schemeClr val="accent1"/>
+            </a:fillRef>
+            <a:effectRef idx="0">
+              <a:schemeClr val="accent1"/>
+            </a:effectRef>
+            <a:fontRef idx="minor">
+              <a:schemeClr val="lt1"/>
+            </a:fontRef>
+          </p:style>
+          <p:txBody>
+            <a:bodyPr rtlCol="0" anchor="ctr"/>
+            <a:lstStyle/>
+            <a:p>
+              <a:pPr algn="ctr"/>
+              <a:endParaRPr lang="ko-KR" altLang="en-US"/>
+            </a:p>
+          </p:txBody>
+        </p:sp>
+        <p:sp>
+          <p:nvSpPr>
+            <p:cNvPr id="28" name="TextBox 27">
+              <a:extLst>
+                <a:ext uri="{FF2B5EF4-FFF2-40B4-BE49-F238E27FC236}">
+                  <a16:creationId xmlns:a16="http://schemas.microsoft.com/office/drawing/2014/main" id="{163D233E-D4B3-7D88-4A8B-EE17478954AE}"/>
+                </a:ext>
+              </a:extLst>
+            </p:cNvPr>
+            <p:cNvSpPr txBox="1">
+              <a:spLocks noGrp="1" noRot="1" noMove="1" noResize="1" noEditPoints="1" noAdjustHandles="1" noChangeArrowheads="1" noChangeShapeType="1"/>
+            </p:cNvSpPr>
+            <p:nvPr/>
+          </p:nvSpPr>
+          <p:spPr>
+            <a:xfrm>
+              <a:off x="8466365" y="2470127"/>
+              <a:ext cx="2649048" cy="400110"/>
+            </a:xfrm>
+            <a:prstGeom prst="rect">
+              <a:avLst/>
+            </a:prstGeom>
+            <a:noFill/>
+          </p:spPr>
+          <p:txBody>
+            <a:bodyPr wrap="square" rtlCol="0">
+              <a:spAutoFit/>
+            </a:bodyPr>
+            <a:lstStyle/>
+            <a:p>
+              <a:r>
+                <a:rPr lang="ko-KR" altLang="en-US" sz="2000">
+                  <a:solidFill>
+                    <a:schemeClr val="bg1"/>
+                  </a:solidFill>
+                  <a:latin typeface="휴먼매직체" panose="02030504000101010101" pitchFamily="18" charset="-127"/>
+                  <a:ea typeface="휴먼매직체" panose="02030504000101010101" pitchFamily="18" charset="-127"/>
+                </a:rPr>
+                <a:t>각종 기록 한 눈에 확인</a:t>
+              </a:r>
+              <a:endParaRPr lang="ko-KR" altLang="en-US" sz="2000" dirty="0">
+                <a:solidFill>
+                  <a:schemeClr val="bg1"/>
+                </a:solidFill>
+                <a:latin typeface="휴먼매직체" panose="02030504000101010101" pitchFamily="18" charset="-127"/>
+                <a:ea typeface="휴먼매직체" panose="02030504000101010101" pitchFamily="18" charset="-127"/>
+              </a:endParaRPr>
+            </a:p>
+          </p:txBody>
+        </p:sp>
+        <p:cxnSp>
+          <p:nvCxnSpPr>
+            <p:cNvPr id="34" name="직선 화살표 연결선 33">
+              <a:extLst>
+                <a:ext uri="{FF2B5EF4-FFF2-40B4-BE49-F238E27FC236}">
+                  <a16:creationId xmlns:a16="http://schemas.microsoft.com/office/drawing/2014/main" id="{4C471BBE-12E2-DE44-4529-398FFBBCD537}"/>
+                </a:ext>
+              </a:extLst>
+            </p:cNvPr>
+            <p:cNvCxnSpPr>
+              <a:cxnSpLocks noGrp="1" noRot="1" noMove="1" noResize="1" noEditPoints="1" noAdjustHandles="1" noChangeArrowheads="1" noChangeShapeType="1"/>
+              <a:stCxn id="35" idx="3"/>
+              <a:endCxn id="36" idx="1"/>
+            </p:cNvCxnSpPr>
+            <p:nvPr/>
+          </p:nvCxnSpPr>
+          <p:spPr>
+            <a:xfrm flipV="1">
+              <a:off x="6451134" y="4159595"/>
+              <a:ext cx="2015231" cy="1"/>
+            </a:xfrm>
+            <a:prstGeom prst="straightConnector1">
+              <a:avLst/>
+            </a:prstGeom>
+            <a:ln>
+              <a:solidFill>
+                <a:srgbClr val="FF0000"/>
+              </a:solidFill>
+              <a:tailEnd type="triangle"/>
+            </a:ln>
+          </p:spPr>
+          <p:style>
+            <a:lnRef idx="1">
+              <a:schemeClr val="accent1"/>
+            </a:lnRef>
+            <a:fillRef idx="0">
+              <a:schemeClr val="accent1"/>
+            </a:fillRef>
+            <a:effectRef idx="0">
+              <a:schemeClr val="accent1"/>
+            </a:effectRef>
+            <a:fontRef idx="minor">
+              <a:schemeClr val="tx1"/>
+            </a:fontRef>
+          </p:style>
+        </p:cxnSp>
+        <p:sp>
+          <p:nvSpPr>
+            <p:cNvPr id="35" name="직사각형 34">
+              <a:extLst>
+                <a:ext uri="{FF2B5EF4-FFF2-40B4-BE49-F238E27FC236}">
+                  <a16:creationId xmlns:a16="http://schemas.microsoft.com/office/drawing/2014/main" id="{D8361C5B-6ADC-DED7-5C03-FBC6596F0B98}"/>
+                </a:ext>
+              </a:extLst>
+            </p:cNvPr>
+            <p:cNvSpPr>
+              <a:spLocks noGrp="1" noRot="1" noMove="1" noResize="1" noEditPoints="1" noAdjustHandles="1" noChangeArrowheads="1" noChangeShapeType="1"/>
+            </p:cNvSpPr>
+            <p:nvPr/>
+          </p:nvSpPr>
+          <p:spPr>
+            <a:xfrm>
+              <a:off x="6176729" y="4065973"/>
+              <a:ext cx="274405" cy="187245"/>
+            </a:xfrm>
+            <a:prstGeom prst="rect">
+              <a:avLst/>
+            </a:prstGeom>
+            <a:solidFill>
+              <a:srgbClr val="21345C">
+                <a:alpha val="0"/>
+              </a:srgbClr>
+            </a:solidFill>
+            <a:ln w="19050">
+              <a:solidFill>
+                <a:srgbClr val="FF0000"/>
+              </a:solidFill>
+            </a:ln>
+          </p:spPr>
+          <p:style>
+            <a:lnRef idx="2">
+              <a:schemeClr val="accent1">
+                <a:shade val="50000"/>
+              </a:schemeClr>
+            </a:lnRef>
+            <a:fillRef idx="1">
+              <a:schemeClr val="accent1"/>
+            </a:fillRef>
+            <a:effectRef idx="0">
+              <a:schemeClr val="accent1"/>
+            </a:effectRef>
+            <a:fontRef idx="minor">
+              <a:schemeClr val="lt1"/>
+            </a:fontRef>
+          </p:style>
+          <p:txBody>
+            <a:bodyPr rtlCol="0" anchor="ctr"/>
+            <a:lstStyle/>
+            <a:p>
+              <a:pPr algn="ctr"/>
+              <a:endParaRPr lang="ko-KR" altLang="en-US"/>
+            </a:p>
+          </p:txBody>
+        </p:sp>
+        <p:sp>
+          <p:nvSpPr>
+            <p:cNvPr id="36" name="TextBox 35">
+              <a:extLst>
+                <a:ext uri="{FF2B5EF4-FFF2-40B4-BE49-F238E27FC236}">
+                  <a16:creationId xmlns:a16="http://schemas.microsoft.com/office/drawing/2014/main" id="{47BEBF8F-8BE3-41B7-44AF-2BEB0FF3A163}"/>
+                </a:ext>
+              </a:extLst>
+            </p:cNvPr>
+            <p:cNvSpPr txBox="1">
+              <a:spLocks noGrp="1" noRot="1" noMove="1" noResize="1" noEditPoints="1" noAdjustHandles="1" noChangeArrowheads="1" noChangeShapeType="1"/>
+            </p:cNvSpPr>
+            <p:nvPr/>
+          </p:nvSpPr>
+          <p:spPr>
+            <a:xfrm>
+              <a:off x="8466365" y="3959540"/>
+              <a:ext cx="2447712" cy="400110"/>
+            </a:xfrm>
+            <a:prstGeom prst="rect">
+              <a:avLst/>
+            </a:prstGeom>
+            <a:noFill/>
+          </p:spPr>
+          <p:txBody>
+            <a:bodyPr wrap="square" rtlCol="0">
+              <a:spAutoFit/>
+            </a:bodyPr>
+            <a:lstStyle/>
+            <a:p>
+              <a:r>
+                <a:rPr lang="ko-KR" altLang="en-US" sz="2000">
+                  <a:solidFill>
+                    <a:schemeClr val="bg1"/>
+                  </a:solidFill>
+                  <a:latin typeface="휴먼매직체" panose="02030504000101010101" pitchFamily="18" charset="-127"/>
+                  <a:ea typeface="휴먼매직체" panose="02030504000101010101" pitchFamily="18" charset="-127"/>
+                </a:rPr>
+                <a:t>기록에 따라 배지 획득</a:t>
+              </a:r>
+              <a:endParaRPr lang="ko-KR" altLang="en-US" sz="2000" dirty="0">
+                <a:solidFill>
+                  <a:schemeClr val="bg1"/>
+                </a:solidFill>
+                <a:latin typeface="휴먼매직체" panose="02030504000101010101" pitchFamily="18" charset="-127"/>
+                <a:ea typeface="휴먼매직체" panose="02030504000101010101" pitchFamily="18" charset="-127"/>
+              </a:endParaRPr>
+            </a:p>
+          </p:txBody>
+        </p:sp>
+      </p:grpSp>
     </p:spTree>
     <p:extLst>
       <p:ext uri="{BB962C8B-B14F-4D97-AF65-F5344CB8AC3E}">
@@ -11298,13 +13544,13 @@
   <p:clrMapOvr>
     <a:masterClrMapping/>
   </p:clrMapOvr>
-  <mc:AlternateContent xmlns:mc="http://schemas.openxmlformats.org/markup-compatibility/2006">
-    <mc:Choice xmlns:p14="http://schemas.microsoft.com/office/powerpoint/2010/main" Requires="p14">
+  <mc:AlternateContent xmlns:mc="http://schemas.openxmlformats.org/markup-compatibility/2006" xmlns:p14="http://schemas.microsoft.com/office/powerpoint/2010/main">
+    <mc:Choice Requires="p14">
       <p:transition spd="med" p14:dur="700">
         <p:fade/>
       </p:transition>
     </mc:Choice>
-    <mc:Fallback>
+    <mc:Fallback xmlns="">
       <p:transition spd="med">
         <p:fade/>
       </p:transition>
@@ -22421,49 +24667,49 @@
           <a:lstStyle/>
           <a:p>
             <a:r>
-              <a:rPr lang="en-US" altLang="ko-KR" sz="2000">
+              <a:rPr lang="en-US" altLang="ko-KR" sz="2000" dirty="0">
                 <a:latin typeface="휴먼매직체" panose="02030504000101010101" pitchFamily="18" charset="-127"/>
                 <a:ea typeface="휴먼매직체" panose="02030504000101010101" pitchFamily="18" charset="-127"/>
               </a:rPr>
               <a:t>*</a:t>
             </a:r>
             <a:r>
-              <a:rPr lang="ko-KR" altLang="en-US" sz="2000">
+              <a:rPr lang="ko-KR" altLang="en-US" sz="2000" dirty="0">
                 <a:latin typeface="휴먼매직체" panose="02030504000101010101" pitchFamily="18" charset="-127"/>
                 <a:ea typeface="휴먼매직체" panose="02030504000101010101" pitchFamily="18" charset="-127"/>
               </a:rPr>
               <a:t>요새 다이어트와 건강에 관한 열풍</a:t>
             </a:r>
             <a:r>
-              <a:rPr lang="en-US" altLang="ko-KR" sz="2000">
+              <a:rPr lang="en-US" altLang="ko-KR" sz="2000" dirty="0">
                 <a:latin typeface="휴먼매직체" panose="02030504000101010101" pitchFamily="18" charset="-127"/>
                 <a:ea typeface="휴먼매직체" panose="02030504000101010101" pitchFamily="18" charset="-127"/>
               </a:rPr>
               <a:t>!! </a:t>
             </a:r>
             <a:r>
-              <a:rPr lang="ko-KR" altLang="en-US" sz="2000">
+              <a:rPr lang="ko-KR" altLang="en-US" sz="2000" dirty="0">
                 <a:latin typeface="휴먼매직체" panose="02030504000101010101" pitchFamily="18" charset="-127"/>
                 <a:ea typeface="휴먼매직체" panose="02030504000101010101" pitchFamily="18" charset="-127"/>
               </a:rPr>
               <a:t>관련 기사 작성</a:t>
             </a:r>
             <a:r>
-              <a:rPr lang="en-US" altLang="ko-KR" sz="2000">
+              <a:rPr lang="en-US" altLang="ko-KR" sz="2000" dirty="0">
                 <a:latin typeface="휴먼매직체" panose="02030504000101010101" pitchFamily="18" charset="-127"/>
                 <a:ea typeface="휴먼매직체" panose="02030504000101010101" pitchFamily="18" charset="-127"/>
               </a:rPr>
               <a:t>(</a:t>
             </a:r>
             <a:r>
-              <a:rPr lang="ko-KR" altLang="en-US" sz="2000">
+              <a:rPr lang="ko-KR" altLang="en-US" sz="2000" dirty="0">
                 <a:latin typeface="휴먼매직체" panose="02030504000101010101" pitchFamily="18" charset="-127"/>
                 <a:ea typeface="휴먼매직체" panose="02030504000101010101" pitchFamily="18" charset="-127"/>
               </a:rPr>
               <a:t>링크 필수</a:t>
             </a:r>
             <a:r>
-              <a:rPr lang="en-US" altLang="ko-KR" sz="2000">
+              <a:rPr lang="en-US" altLang="ko-KR" sz="2000" dirty="0">
                 <a:latin typeface="휴먼매직체" panose="02030504000101010101" pitchFamily="18" charset="-127"/>
                 <a:ea typeface="휴먼매직체" panose="02030504000101010101" pitchFamily="18" charset="-127"/>
               </a:rPr>
@@ -22472,35 +24718,35 @@
           </a:p>
           <a:p>
             <a:r>
-              <a:rPr lang="en-US" altLang="ko-KR" sz="2000">
+              <a:rPr lang="en-US" altLang="ko-KR" sz="2000" dirty="0">
                 <a:latin typeface="휴먼매직체" panose="02030504000101010101" pitchFamily="18" charset="-127"/>
                 <a:ea typeface="휴먼매직체" panose="02030504000101010101" pitchFamily="18" charset="-127"/>
               </a:rPr>
               <a:t>*</a:t>
             </a:r>
             <a:r>
-              <a:rPr lang="ko-KR" altLang="en-US" sz="2000">
+              <a:rPr lang="ko-KR" altLang="en-US" sz="2000" dirty="0">
                 <a:latin typeface="휴먼매직체" panose="02030504000101010101" pitchFamily="18" charset="-127"/>
                 <a:ea typeface="휴먼매직체" panose="02030504000101010101" pitchFamily="18" charset="-127"/>
               </a:rPr>
               <a:t>개인마다 필요 열량에 따른 영양 성분의 기준치가 다르고</a:t>
             </a:r>
             <a:r>
-              <a:rPr lang="en-US" altLang="ko-KR" sz="2000">
+              <a:rPr lang="en-US" altLang="ko-KR" sz="2000" dirty="0">
                 <a:latin typeface="휴먼매직체" panose="02030504000101010101" pitchFamily="18" charset="-127"/>
                 <a:ea typeface="휴먼매직체" panose="02030504000101010101" pitchFamily="18" charset="-127"/>
               </a:rPr>
               <a:t>, </a:t>
             </a:r>
             <a:r>
-              <a:rPr lang="ko-KR" altLang="en-US" sz="2000">
+              <a:rPr lang="ko-KR" altLang="en-US" sz="2000" dirty="0">
                 <a:latin typeface="휴먼매직체" panose="02030504000101010101" pitchFamily="18" charset="-127"/>
                 <a:ea typeface="휴먼매직체" panose="02030504000101010101" pitchFamily="18" charset="-127"/>
               </a:rPr>
               <a:t>대부분 자신의 기준치를 잘 모른다</a:t>
             </a:r>
             <a:r>
-              <a:rPr lang="en-US" altLang="ko-KR" sz="2000">
+              <a:rPr lang="en-US" altLang="ko-KR" sz="2000" dirty="0">
                 <a:latin typeface="휴먼매직체" panose="02030504000101010101" pitchFamily="18" charset="-127"/>
                 <a:ea typeface="휴먼매직체" panose="02030504000101010101" pitchFamily="18" charset="-127"/>
               </a:rPr>
@@ -22509,76 +24755,72 @@
           </a:p>
           <a:p>
             <a:r>
-              <a:rPr lang="en-US" altLang="ko-KR" sz="2000">
+              <a:rPr lang="en-US" altLang="ko-KR" sz="2000" dirty="0">
                 <a:latin typeface="휴먼매직체" panose="02030504000101010101" pitchFamily="18" charset="-127"/>
                 <a:ea typeface="휴먼매직체" panose="02030504000101010101" pitchFamily="18" charset="-127"/>
               </a:rPr>
               <a:t>*</a:t>
             </a:r>
             <a:r>
-              <a:rPr lang="ko-KR" altLang="en-US" sz="2000">
+              <a:rPr lang="ko-KR" altLang="en-US" sz="2000" dirty="0">
                 <a:latin typeface="휴먼매직체" panose="02030504000101010101" pitchFamily="18" charset="-127"/>
                 <a:ea typeface="휴먼매직체" panose="02030504000101010101" pitchFamily="18" charset="-127"/>
               </a:rPr>
               <a:t>음식 영양 성분표를 보면 직관적으로 알아보기 싶지 않다</a:t>
             </a:r>
             <a:r>
-              <a:rPr lang="en-US" altLang="ko-KR" sz="2000">
+              <a:rPr lang="en-US" altLang="ko-KR" sz="2000" dirty="0">
                 <a:latin typeface="휴먼매직체" panose="02030504000101010101" pitchFamily="18" charset="-127"/>
                 <a:ea typeface="휴먼매직체" panose="02030504000101010101" pitchFamily="18" charset="-127"/>
               </a:rPr>
               <a:t>. </a:t>
             </a:r>
             <a:r>
-              <a:rPr lang="ko-KR" altLang="en-US" sz="2000">
+              <a:rPr lang="ko-KR" altLang="en-US" sz="2000" dirty="0">
                 <a:latin typeface="휴먼매직체" panose="02030504000101010101" pitchFamily="18" charset="-127"/>
                 <a:ea typeface="휴먼매직체" panose="02030504000101010101" pitchFamily="18" charset="-127"/>
               </a:rPr>
               <a:t>자신이 관심 있는 영양소만 대충 보고 넘어가는 경우가 많다</a:t>
             </a:r>
             <a:r>
-              <a:rPr lang="en-US" altLang="ko-KR" sz="2000">
+              <a:rPr lang="en-US" altLang="ko-KR" sz="2000" dirty="0">
                 <a:latin typeface="휴먼매직체" panose="02030504000101010101" pitchFamily="18" charset="-127"/>
                 <a:ea typeface="휴먼매직체" panose="02030504000101010101" pitchFamily="18" charset="-127"/>
               </a:rPr>
               <a:t>.</a:t>
             </a:r>
-            <a:endParaRPr lang="en-US" altLang="ko-KR" sz="2000" dirty="0">
-              <a:latin typeface="휴먼매직체" panose="02030504000101010101" pitchFamily="18" charset="-127"/>
-              <a:ea typeface="휴먼매직체" panose="02030504000101010101" pitchFamily="18" charset="-127"/>
-            </a:endParaRPr>
           </a:p>
           <a:p>
             <a:r>
-              <a:rPr lang="en-US" altLang="ko-KR" sz="2000">
+              <a:rPr lang="en-US" altLang="ko-KR" sz="2000" dirty="0">
                 <a:latin typeface="휴먼매직체" panose="02030504000101010101" pitchFamily="18" charset="-127"/>
                 <a:ea typeface="휴먼매직체" panose="02030504000101010101" pitchFamily="18" charset="-127"/>
               </a:rPr>
               <a:t>*</a:t>
             </a:r>
             <a:r>
-              <a:rPr lang="ko-KR" altLang="en-US" sz="2000">
+              <a:rPr lang="ko-KR" altLang="en-US" sz="2000" dirty="0">
                 <a:latin typeface="휴먼매직체" panose="02030504000101010101" pitchFamily="18" charset="-127"/>
                 <a:ea typeface="휴먼매직체" panose="02030504000101010101" pitchFamily="18" charset="-127"/>
               </a:rPr>
               <a:t>영양 성분표도 전체 성분만 표시되어</a:t>
             </a:r>
             <a:r>
-              <a:rPr lang="en-US" altLang="ko-KR" sz="2000">
+              <a:rPr lang="en-US" altLang="ko-KR" sz="2000" dirty="0">
                 <a:latin typeface="휴먼매직체" panose="02030504000101010101" pitchFamily="18" charset="-127"/>
                 <a:ea typeface="휴먼매직체" panose="02030504000101010101" pitchFamily="18" charset="-127"/>
               </a:rPr>
               <a:t>,</a:t>
             </a:r>
             <a:r>
-              <a:rPr lang="ko-KR" altLang="en-US" sz="2000">
+              <a:rPr lang="ko-KR" altLang="en-US" sz="2000" dirty="0">
                 <a:latin typeface="휴먼매직체" panose="02030504000101010101" pitchFamily="18" charset="-127"/>
                 <a:ea typeface="휴먼매직체" panose="02030504000101010101" pitchFamily="18" charset="-127"/>
               </a:rPr>
               <a:t> 내가 먹고 싶은 만큼만 먹었을 때는 어느 정도로 영양을 섭취했는지 알 수가 없다</a:t>
             </a:r>
             <a:r>
-              <a:rPr lang="en-US" altLang="ko-KR" sz="2000">
+              <a:rPr lang="en-US" altLang="ko-KR" sz="2000" dirty="0">
                 <a:latin typeface="휴먼매직체" panose="02030504000101010101" pitchFamily="18" charset="-127"/>
                 <a:ea typeface="휴먼매직체" panose="02030504000101010101" pitchFamily="18" charset="-127"/>
               </a:rPr>
@@ -23751,13 +25993,13 @@
   <p:clrMapOvr>
     <a:masterClrMapping/>
   </p:clrMapOvr>
-  <mc:AlternateContent xmlns:mc="http://schemas.openxmlformats.org/markup-compatibility/2006">
-    <mc:Choice xmlns:p14="http://schemas.microsoft.com/office/powerpoint/2010/main" Requires="p14">
+  <mc:AlternateContent xmlns:mc="http://schemas.openxmlformats.org/markup-compatibility/2006" xmlns:p14="http://schemas.microsoft.com/office/powerpoint/2010/main">
+    <mc:Choice Requires="p14">
       <p:transition spd="med" p14:dur="700">
         <p:fade/>
       </p:transition>
     </mc:Choice>
-    <mc:Fallback>
+    <mc:Fallback xmlns="">
       <p:transition spd="med">
         <p:fade/>
       </p:transition>
@@ -23822,7 +26064,7 @@
           <a:lstStyle/>
           <a:p>
             <a:r>
-              <a:rPr lang="en-US" altLang="ko-KR" sz="2800">
+              <a:rPr lang="en-US" altLang="ko-KR" sz="2800" dirty="0">
                 <a:solidFill>
                   <a:schemeClr val="bg1"/>
                 </a:solidFill>
@@ -23832,7 +26074,7 @@
               <a:t>3. </a:t>
             </a:r>
             <a:r>
-              <a:rPr lang="ko-KR" altLang="en-US" sz="2800">
+              <a:rPr lang="ko-KR" altLang="en-US" sz="2800" dirty="0">
                 <a:solidFill>
                   <a:schemeClr val="bg1"/>
                 </a:solidFill>
@@ -23842,7 +26084,7 @@
               <a:t>유사 사이트 분석 </a:t>
             </a:r>
             <a:r>
-              <a:rPr lang="en-US" altLang="ko-KR" sz="2800">
+              <a:rPr lang="en-US" altLang="ko-KR" sz="2800" dirty="0">
                 <a:solidFill>
                   <a:schemeClr val="bg1"/>
                 </a:solidFill>
@@ -23852,7 +26094,7 @@
               <a:t>: </a:t>
             </a:r>
             <a:r>
-              <a:rPr lang="ko-KR" altLang="en-US" sz="2800" spc="-150">
+              <a:rPr lang="ko-KR" altLang="en-US" sz="2800" spc="-150" dirty="0" err="1">
                 <a:solidFill>
                   <a:schemeClr val="bg1"/>
                 </a:solidFill>
@@ -23868,6 +26110,195 @@
               <a:latin typeface="휴먼매직체" panose="02030504000101010101" pitchFamily="18" charset="-127"/>
               <a:ea typeface="휴먼매직체" panose="02030504000101010101" pitchFamily="18" charset="-127"/>
             </a:endParaRPr>
+          </a:p>
+        </p:txBody>
+      </p:sp>
+      <p:pic>
+        <p:nvPicPr>
+          <p:cNvPr id="4" name="그림 3">
+            <a:extLst>
+              <a:ext uri="{FF2B5EF4-FFF2-40B4-BE49-F238E27FC236}">
+                <a16:creationId xmlns:a16="http://schemas.microsoft.com/office/drawing/2014/main" id="{95BD7113-48EC-100F-3B37-3E99FB5E5D0F}"/>
+              </a:ext>
+            </a:extLst>
+          </p:cNvPr>
+          <p:cNvPicPr>
+            <a:picLocks noChangeAspect="1"/>
+          </p:cNvPicPr>
+          <p:nvPr/>
+        </p:nvPicPr>
+        <p:blipFill>
+          <a:blip r:embed="rId2">
+            <a:extLst>
+              <a:ext uri="{28A0092B-C50C-407E-A947-70E740481C1C}">
+                <a14:useLocalDpi xmlns:a14="http://schemas.microsoft.com/office/drawing/2010/main" val="0"/>
+              </a:ext>
+            </a:extLst>
+          </a:blip>
+          <a:stretch>
+            <a:fillRect/>
+          </a:stretch>
+        </p:blipFill>
+        <p:spPr>
+          <a:xfrm>
+            <a:off x="1730131" y="2357437"/>
+            <a:ext cx="2143125" cy="2143125"/>
+          </a:xfrm>
+          <a:prstGeom prst="rect">
+            <a:avLst/>
+          </a:prstGeom>
+        </p:spPr>
+      </p:pic>
+      <p:sp>
+        <p:nvSpPr>
+          <p:cNvPr id="6" name="TextBox 5">
+            <a:extLst>
+              <a:ext uri="{FF2B5EF4-FFF2-40B4-BE49-F238E27FC236}">
+                <a16:creationId xmlns:a16="http://schemas.microsoft.com/office/drawing/2014/main" id="{1AC1E4B4-6F1F-F0DD-965B-D63595E8EC6A}"/>
+              </a:ext>
+            </a:extLst>
+          </p:cNvPr>
+          <p:cNvSpPr txBox="1"/>
+          <p:nvPr/>
+        </p:nvSpPr>
+        <p:spPr>
+          <a:xfrm>
+            <a:off x="4520242" y="2357437"/>
+            <a:ext cx="5348377" cy="400110"/>
+          </a:xfrm>
+          <a:prstGeom prst="rect">
+            <a:avLst/>
+          </a:prstGeom>
+          <a:noFill/>
+        </p:spPr>
+        <p:txBody>
+          <a:bodyPr wrap="square" rtlCol="0">
+            <a:spAutoFit/>
+          </a:bodyPr>
+          <a:lstStyle/>
+          <a:p>
+            <a:r>
+              <a:rPr lang="en-US" altLang="ko-KR" sz="2000" dirty="0">
+                <a:solidFill>
+                  <a:schemeClr val="bg1"/>
+                </a:solidFill>
+                <a:latin typeface="휴먼매직체" panose="02030504000101010101" pitchFamily="18" charset="-127"/>
+                <a:ea typeface="휴먼매직체" panose="02030504000101010101" pitchFamily="18" charset="-127"/>
+              </a:rPr>
+              <a:t>10</a:t>
+            </a:r>
+            <a:r>
+              <a:rPr lang="ko-KR" altLang="en-US" sz="2000" dirty="0">
+                <a:solidFill>
+                  <a:schemeClr val="bg1"/>
+                </a:solidFill>
+                <a:latin typeface="휴먼매직체" panose="02030504000101010101" pitchFamily="18" charset="-127"/>
+                <a:ea typeface="휴먼매직체" panose="02030504000101010101" pitchFamily="18" charset="-127"/>
+              </a:rPr>
+              <a:t>억 회 이상의 다운로드</a:t>
+            </a:r>
+          </a:p>
+        </p:txBody>
+      </p:sp>
+      <p:sp>
+        <p:nvSpPr>
+          <p:cNvPr id="7" name="TextBox 6">
+            <a:extLst>
+              <a:ext uri="{FF2B5EF4-FFF2-40B4-BE49-F238E27FC236}">
+                <a16:creationId xmlns:a16="http://schemas.microsoft.com/office/drawing/2014/main" id="{B35F0271-34FB-6781-B959-6618F0604317}"/>
+              </a:ext>
+            </a:extLst>
+          </p:cNvPr>
+          <p:cNvSpPr txBox="1"/>
+          <p:nvPr/>
+        </p:nvSpPr>
+        <p:spPr>
+          <a:xfrm>
+            <a:off x="4520241" y="3881803"/>
+            <a:ext cx="5348377" cy="400110"/>
+          </a:xfrm>
+          <a:prstGeom prst="rect">
+            <a:avLst/>
+          </a:prstGeom>
+          <a:noFill/>
+        </p:spPr>
+        <p:txBody>
+          <a:bodyPr wrap="square" rtlCol="0">
+            <a:spAutoFit/>
+          </a:bodyPr>
+          <a:lstStyle/>
+          <a:p>
+            <a:r>
+              <a:rPr lang="ko-KR" altLang="en-US" sz="2000" dirty="0">
+                <a:solidFill>
+                  <a:schemeClr val="bg1"/>
+                </a:solidFill>
+                <a:latin typeface="휴먼매직체" panose="02030504000101010101" pitchFamily="18" charset="-127"/>
+                <a:ea typeface="휴먼매직체" panose="02030504000101010101" pitchFamily="18" charset="-127"/>
+              </a:rPr>
+              <a:t>음식 성분 확인 가능 </a:t>
+            </a:r>
+          </a:p>
+        </p:txBody>
+      </p:sp>
+      <p:sp>
+        <p:nvSpPr>
+          <p:cNvPr id="8" name="TextBox 7">
+            <a:extLst>
+              <a:ext uri="{FF2B5EF4-FFF2-40B4-BE49-F238E27FC236}">
+                <a16:creationId xmlns:a16="http://schemas.microsoft.com/office/drawing/2014/main" id="{F82CA297-3C05-3D5B-619C-9FCC9DBF33C1}"/>
+              </a:ext>
+            </a:extLst>
+          </p:cNvPr>
+          <p:cNvSpPr txBox="1"/>
+          <p:nvPr/>
+        </p:nvSpPr>
+        <p:spPr>
+          <a:xfrm>
+            <a:off x="4520242" y="3119620"/>
+            <a:ext cx="5941628" cy="400110"/>
+          </a:xfrm>
+          <a:prstGeom prst="rect">
+            <a:avLst/>
+          </a:prstGeom>
+          <a:noFill/>
+        </p:spPr>
+        <p:txBody>
+          <a:bodyPr wrap="square" rtlCol="0">
+            <a:spAutoFit/>
+          </a:bodyPr>
+          <a:lstStyle/>
+          <a:p>
+            <a:r>
+              <a:rPr lang="ko-KR" altLang="en-US" sz="2000" dirty="0">
+                <a:solidFill>
+                  <a:schemeClr val="bg1"/>
+                </a:solidFill>
+                <a:latin typeface="휴먼매직체" panose="02030504000101010101" pitchFamily="18" charset="-127"/>
+                <a:ea typeface="휴먼매직체" panose="02030504000101010101" pitchFamily="18" charset="-127"/>
+              </a:rPr>
+              <a:t>건강관리 및 헬스 서비스를 지원하는 </a:t>
+            </a:r>
+            <a:r>
+              <a:rPr lang="ko-KR" altLang="en-US" sz="2000" dirty="0" err="1">
+                <a:solidFill>
+                  <a:schemeClr val="bg1"/>
+                </a:solidFill>
+                <a:latin typeface="휴먼매직체" panose="02030504000101010101" pitchFamily="18" charset="-127"/>
+                <a:ea typeface="휴먼매직체" panose="02030504000101010101" pitchFamily="18" charset="-127"/>
+              </a:rPr>
+              <a:t>라이프로깅</a:t>
+            </a:r>
+            <a:r>
+              <a:rPr lang="ko-KR" altLang="en-US" sz="2000" dirty="0">
+                <a:solidFill>
+                  <a:schemeClr val="bg1"/>
+                </a:solidFill>
+                <a:latin typeface="휴먼매직체" panose="02030504000101010101" pitchFamily="18" charset="-127"/>
+                <a:ea typeface="휴먼매직체" panose="02030504000101010101" pitchFamily="18" charset="-127"/>
+              </a:rPr>
+              <a:t> 플랫폼</a:t>
+            </a:r>
           </a:p>
         </p:txBody>
       </p:sp>
@@ -23881,13 +26312,13 @@
   <p:clrMapOvr>
     <a:masterClrMapping/>
   </p:clrMapOvr>
-  <mc:AlternateContent xmlns:mc="http://schemas.openxmlformats.org/markup-compatibility/2006">
-    <mc:Choice xmlns:p14="http://schemas.microsoft.com/office/powerpoint/2010/main" Requires="p14">
+  <mc:AlternateContent xmlns:mc="http://schemas.openxmlformats.org/markup-compatibility/2006" xmlns:p14="http://schemas.microsoft.com/office/powerpoint/2010/main">
+    <mc:Choice Requires="p14">
       <p:transition spd="med" p14:dur="700">
         <p:fade/>
       </p:transition>
     </mc:Choice>
-    <mc:Fallback>
+    <mc:Fallback xmlns="">
       <p:transition spd="med">
         <p:fade/>
       </p:transition>

--- a/기말과제.pptx
+++ b/기말과제.pptx
@@ -25,22 +25,23 @@
     <p:sldId id="301" r:id="rId19"/>
     <p:sldId id="302" r:id="rId20"/>
     <p:sldId id="303" r:id="rId21"/>
-    <p:sldId id="287" r:id="rId22"/>
-    <p:sldId id="280" r:id="rId23"/>
-    <p:sldId id="289" r:id="rId24"/>
-    <p:sldId id="288" r:id="rId25"/>
-    <p:sldId id="299" r:id="rId26"/>
-    <p:sldId id="294" r:id="rId27"/>
-    <p:sldId id="290" r:id="rId28"/>
-    <p:sldId id="291" r:id="rId29"/>
-    <p:sldId id="292" r:id="rId30"/>
-    <p:sldId id="293" r:id="rId31"/>
-    <p:sldId id="256" r:id="rId32"/>
-    <p:sldId id="257" r:id="rId33"/>
-    <p:sldId id="260" r:id="rId34"/>
-    <p:sldId id="259" r:id="rId35"/>
-    <p:sldId id="265" r:id="rId36"/>
-    <p:sldId id="266" r:id="rId37"/>
+    <p:sldId id="329" r:id="rId22"/>
+    <p:sldId id="287" r:id="rId23"/>
+    <p:sldId id="280" r:id="rId24"/>
+    <p:sldId id="289" r:id="rId25"/>
+    <p:sldId id="288" r:id="rId26"/>
+    <p:sldId id="299" r:id="rId27"/>
+    <p:sldId id="294" r:id="rId28"/>
+    <p:sldId id="290" r:id="rId29"/>
+    <p:sldId id="291" r:id="rId30"/>
+    <p:sldId id="292" r:id="rId31"/>
+    <p:sldId id="293" r:id="rId32"/>
+    <p:sldId id="256" r:id="rId33"/>
+    <p:sldId id="257" r:id="rId34"/>
+    <p:sldId id="260" r:id="rId35"/>
+    <p:sldId id="259" r:id="rId36"/>
+    <p:sldId id="265" r:id="rId37"/>
+    <p:sldId id="266" r:id="rId38"/>
   </p:sldIdLst>
   <p:sldSz cx="12192000" cy="6858000"/>
   <p:notesSz cx="6858000" cy="9144000"/>
@@ -16888,13 +16889,15 @@
               </a:ext>
             </a:extLst>
           </p:cNvPr>
-          <p:cNvSpPr txBox="1"/>
+          <p:cNvSpPr txBox="1">
+            <a:spLocks noGrp="1" noRot="1" noMove="1" noResize="1" noEditPoints="1" noAdjustHandles="1" noChangeArrowheads="1" noChangeShapeType="1"/>
+          </p:cNvSpPr>
           <p:nvPr/>
         </p:nvSpPr>
         <p:spPr>
           <a:xfrm>
             <a:off x="234434" y="207141"/>
-            <a:ext cx="5134520" cy="523220"/>
+            <a:ext cx="6401258" cy="523220"/>
           </a:xfrm>
           <a:prstGeom prst="rect">
             <a:avLst/>
@@ -16947,6 +16950,46 @@
               </a:rPr>
               <a:t>삼성헬스케어</a:t>
             </a:r>
+            <a:r>
+              <a:rPr lang="ko-KR" altLang="en-US" sz="2800" spc="-150" dirty="0">
+                <a:solidFill>
+                  <a:schemeClr val="bg1"/>
+                </a:solidFill>
+                <a:latin typeface="휴먼매직체" panose="02030504000101010101" pitchFamily="18" charset="-127"/>
+                <a:ea typeface="휴먼매직체" panose="02030504000101010101" pitchFamily="18" charset="-127"/>
+              </a:rPr>
+              <a:t> </a:t>
+            </a:r>
+            <a:r>
+              <a:rPr lang="en-US" altLang="ko-KR" sz="2800" spc="-150" dirty="0">
+                <a:solidFill>
+                  <a:schemeClr val="bg1"/>
+                </a:solidFill>
+                <a:latin typeface="휴먼매직체" panose="02030504000101010101" pitchFamily="18" charset="-127"/>
+                <a:ea typeface="휴먼매직체" panose="02030504000101010101" pitchFamily="18" charset="-127"/>
+              </a:rPr>
+              <a:t>(</a:t>
+            </a:r>
+            <a:r>
+              <a:rPr lang="ko-KR" altLang="en-US" sz="2800" spc="-150" dirty="0">
+                <a:solidFill>
+                  <a:schemeClr val="bg1"/>
+                </a:solidFill>
+                <a:latin typeface="휴먼매직체" panose="02030504000101010101" pitchFamily="18" charset="-127"/>
+                <a:ea typeface="휴먼매직체" panose="02030504000101010101" pitchFamily="18" charset="-127"/>
+              </a:rPr>
+              <a:t>이윤호</a:t>
+            </a:r>
+            <a:r>
+              <a:rPr lang="en-US" altLang="ko-KR" sz="2800" spc="-150" dirty="0">
+                <a:solidFill>
+                  <a:schemeClr val="bg1"/>
+                </a:solidFill>
+                <a:latin typeface="휴먼매직체" panose="02030504000101010101" pitchFamily="18" charset="-127"/>
+                <a:ea typeface="휴먼매직체" panose="02030504000101010101" pitchFamily="18" charset="-127"/>
+              </a:rPr>
+              <a:t>)</a:t>
+            </a:r>
             <a:endParaRPr lang="ko-KR" altLang="en-US" sz="2800" dirty="0">
               <a:solidFill>
                 <a:schemeClr val="bg1"/>
@@ -16957,18 +17000,493 @@
           </a:p>
         </p:txBody>
       </p:sp>
-      <p:pic>
-        <p:nvPicPr>
-          <p:cNvPr id="4" name="그림 3">
+      <p:sp>
+        <p:nvSpPr>
+          <p:cNvPr id="10" name="TextBox 9">
             <a:extLst>
               <a:ext uri="{FF2B5EF4-FFF2-40B4-BE49-F238E27FC236}">
-                <a16:creationId xmlns:a16="http://schemas.microsoft.com/office/drawing/2014/main" id="{95BD7113-48EC-100F-3B37-3E99FB5E5D0F}"/>
+                <a16:creationId xmlns:a16="http://schemas.microsoft.com/office/drawing/2014/main" id="{443B3678-729F-5A63-13E1-434F98218CBB}"/>
               </a:ext>
             </a:extLst>
           </p:cNvPr>
-          <p:cNvPicPr>
-            <a:picLocks noChangeAspect="1"/>
-          </p:cNvPicPr>
+          <p:cNvSpPr txBox="1"/>
+          <p:nvPr/>
+        </p:nvSpPr>
+        <p:spPr>
+          <a:xfrm>
+            <a:off x="5368954" y="2091765"/>
+            <a:ext cx="5941628" cy="2554545"/>
+          </a:xfrm>
+          <a:prstGeom prst="rect">
+            <a:avLst/>
+          </a:prstGeom>
+          <a:noFill/>
+        </p:spPr>
+        <p:txBody>
+          <a:bodyPr wrap="square" rtlCol="0">
+            <a:spAutoFit/>
+          </a:bodyPr>
+          <a:lstStyle/>
+          <a:p>
+            <a:pPr marL="0" marR="0" lvl="0" indent="0" algn="l" defTabSz="914400" rtl="0" eaLnBrk="1" fontAlgn="auto" latinLnBrk="1" hangingPunct="1">
+              <a:lnSpc>
+                <a:spcPct val="100000"/>
+              </a:lnSpc>
+              <a:spcBef>
+                <a:spcPts val="0"/>
+              </a:spcBef>
+              <a:spcAft>
+                <a:spcPts val="0"/>
+              </a:spcAft>
+              <a:buClrTx/>
+              <a:buSzTx/>
+              <a:buFontTx/>
+              <a:buNone/>
+              <a:tabLst/>
+              <a:defRPr/>
+            </a:pPr>
+            <a:r>
+              <a:rPr kumimoji="0" lang="en-US" altLang="ko-KR" sz="2000" b="0" i="0" u="none" strike="noStrike" kern="1200" cap="none" spc="0" normalizeH="0" baseline="0" noProof="0" dirty="0">
+                <a:ln>
+                  <a:noFill/>
+                </a:ln>
+                <a:solidFill>
+                  <a:srgbClr val="326393">
+                    <a:lumMod val="20000"/>
+                    <a:lumOff val="80000"/>
+                  </a:srgbClr>
+                </a:solidFill>
+                <a:effectLst/>
+                <a:uLnTx/>
+                <a:uFillTx/>
+                <a:latin typeface="휴먼매직체" panose="02030504000101010101" pitchFamily="18" charset="-127"/>
+                <a:ea typeface="휴먼매직체" panose="02030504000101010101" pitchFamily="18" charset="-127"/>
+                <a:cs typeface="+mn-cs"/>
+              </a:rPr>
+              <a:t>*</a:t>
+            </a:r>
+            <a:r>
+              <a:rPr kumimoji="0" lang="ko-KR" altLang="en-US" sz="2000" b="0" i="0" u="none" strike="noStrike" kern="1200" cap="none" spc="0" normalizeH="0" baseline="0" noProof="0" dirty="0">
+                <a:ln>
+                  <a:noFill/>
+                </a:ln>
+                <a:solidFill>
+                  <a:srgbClr val="326393">
+                    <a:lumMod val="20000"/>
+                    <a:lumOff val="80000"/>
+                  </a:srgbClr>
+                </a:solidFill>
+                <a:effectLst/>
+                <a:uLnTx/>
+                <a:uFillTx/>
+                <a:latin typeface="휴먼매직체" panose="02030504000101010101" pitchFamily="18" charset="-127"/>
+                <a:ea typeface="휴먼매직체" panose="02030504000101010101" pitchFamily="18" charset="-127"/>
+                <a:cs typeface="+mn-cs"/>
+              </a:rPr>
+              <a:t>선정이유</a:t>
+            </a:r>
+            <a:endParaRPr kumimoji="0" lang="en-US" altLang="ko-KR" sz="2000" b="0" i="0" u="none" strike="noStrike" kern="1200" cap="none" spc="0" normalizeH="0" baseline="0" noProof="0" dirty="0">
+              <a:ln>
+                <a:noFill/>
+              </a:ln>
+              <a:solidFill>
+                <a:srgbClr val="326393">
+                  <a:lumMod val="20000"/>
+                  <a:lumOff val="80000"/>
+                </a:srgbClr>
+              </a:solidFill>
+              <a:effectLst/>
+              <a:uLnTx/>
+              <a:uFillTx/>
+              <a:latin typeface="휴먼매직체" panose="02030504000101010101" pitchFamily="18" charset="-127"/>
+              <a:ea typeface="휴먼매직체" panose="02030504000101010101" pitchFamily="18" charset="-127"/>
+              <a:cs typeface="+mn-cs"/>
+            </a:endParaRPr>
+          </a:p>
+          <a:p>
+            <a:pPr marL="0" marR="0" lvl="0" indent="0" algn="l" defTabSz="914400" rtl="0" eaLnBrk="1" fontAlgn="auto" latinLnBrk="1" hangingPunct="1">
+              <a:lnSpc>
+                <a:spcPct val="100000"/>
+              </a:lnSpc>
+              <a:spcBef>
+                <a:spcPts val="0"/>
+              </a:spcBef>
+              <a:spcAft>
+                <a:spcPts val="0"/>
+              </a:spcAft>
+              <a:buClrTx/>
+              <a:buSzTx/>
+              <a:buFontTx/>
+              <a:buNone/>
+              <a:tabLst/>
+              <a:defRPr/>
+            </a:pPr>
+            <a:endParaRPr kumimoji="0" lang="en-US" altLang="ko-KR" sz="2000" b="0" i="0" u="none" strike="noStrike" kern="1200" cap="none" spc="0" normalizeH="0" baseline="0" noProof="0" dirty="0">
+              <a:ln>
+                <a:noFill/>
+              </a:ln>
+              <a:solidFill>
+                <a:srgbClr val="326393">
+                  <a:lumMod val="20000"/>
+                  <a:lumOff val="80000"/>
+                </a:srgbClr>
+              </a:solidFill>
+              <a:effectLst/>
+              <a:uLnTx/>
+              <a:uFillTx/>
+              <a:latin typeface="휴먼매직체" panose="02030504000101010101" pitchFamily="18" charset="-127"/>
+              <a:ea typeface="휴먼매직체" panose="02030504000101010101" pitchFamily="18" charset="-127"/>
+              <a:cs typeface="+mn-cs"/>
+            </a:endParaRPr>
+          </a:p>
+          <a:p>
+            <a:pPr marL="0" marR="0" lvl="0" indent="0" algn="l" defTabSz="914400" rtl="0" eaLnBrk="1" fontAlgn="auto" latinLnBrk="1" hangingPunct="1">
+              <a:lnSpc>
+                <a:spcPct val="100000"/>
+              </a:lnSpc>
+              <a:spcBef>
+                <a:spcPts val="0"/>
+              </a:spcBef>
+              <a:spcAft>
+                <a:spcPts val="0"/>
+              </a:spcAft>
+              <a:buClrTx/>
+              <a:buSzTx/>
+              <a:buFontTx/>
+              <a:buNone/>
+              <a:tabLst/>
+              <a:defRPr/>
+            </a:pPr>
+            <a:endParaRPr kumimoji="0" lang="en-US" altLang="ko-KR" sz="2000" b="0" i="0" u="none" strike="noStrike" kern="1200" cap="none" spc="0" normalizeH="0" baseline="0" noProof="0" dirty="0">
+              <a:ln>
+                <a:noFill/>
+              </a:ln>
+              <a:solidFill>
+                <a:srgbClr val="326393">
+                  <a:lumMod val="20000"/>
+                  <a:lumOff val="80000"/>
+                </a:srgbClr>
+              </a:solidFill>
+              <a:effectLst/>
+              <a:uLnTx/>
+              <a:uFillTx/>
+              <a:latin typeface="휴먼매직체" panose="02030504000101010101" pitchFamily="18" charset="-127"/>
+              <a:ea typeface="휴먼매직체" panose="02030504000101010101" pitchFamily="18" charset="-127"/>
+              <a:cs typeface="+mn-cs"/>
+            </a:endParaRPr>
+          </a:p>
+          <a:p>
+            <a:pPr marL="342900" marR="0" lvl="0" indent="-342900" algn="l" defTabSz="914400" rtl="0" eaLnBrk="1" fontAlgn="auto" latinLnBrk="1" hangingPunct="1">
+              <a:lnSpc>
+                <a:spcPct val="100000"/>
+              </a:lnSpc>
+              <a:spcBef>
+                <a:spcPts val="0"/>
+              </a:spcBef>
+              <a:spcAft>
+                <a:spcPts val="0"/>
+              </a:spcAft>
+              <a:buClrTx/>
+              <a:buSzTx/>
+              <a:buFont typeface="Wingdings" panose="05000000000000000000" pitchFamily="2" charset="2"/>
+              <a:buChar char="ü"/>
+              <a:tabLst/>
+              <a:defRPr/>
+            </a:pPr>
+            <a:r>
+              <a:rPr kumimoji="0" lang="en-US" altLang="ko-KR" sz="2000" b="0" i="0" u="none" strike="noStrike" kern="1200" cap="none" spc="0" normalizeH="0" baseline="0" noProof="0" dirty="0">
+                <a:ln>
+                  <a:noFill/>
+                </a:ln>
+                <a:solidFill>
+                  <a:srgbClr val="326393">
+                    <a:lumMod val="20000"/>
+                    <a:lumOff val="80000"/>
+                  </a:srgbClr>
+                </a:solidFill>
+                <a:effectLst/>
+                <a:uLnTx/>
+                <a:uFillTx/>
+                <a:latin typeface="휴먼매직체" panose="02030504000101010101" pitchFamily="18" charset="-127"/>
+                <a:ea typeface="휴먼매직체" panose="02030504000101010101" pitchFamily="18" charset="-127"/>
+                <a:cs typeface="+mn-cs"/>
+              </a:rPr>
+              <a:t>10</a:t>
+            </a:r>
+            <a:r>
+              <a:rPr kumimoji="0" lang="ko-KR" altLang="en-US" sz="2000" b="0" i="0" u="none" strike="noStrike" kern="1200" cap="none" spc="0" normalizeH="0" baseline="0" noProof="0" dirty="0">
+                <a:ln>
+                  <a:noFill/>
+                </a:ln>
+                <a:solidFill>
+                  <a:srgbClr val="326393">
+                    <a:lumMod val="20000"/>
+                    <a:lumOff val="80000"/>
+                  </a:srgbClr>
+                </a:solidFill>
+                <a:effectLst/>
+                <a:uLnTx/>
+                <a:uFillTx/>
+                <a:latin typeface="휴먼매직체" panose="02030504000101010101" pitchFamily="18" charset="-127"/>
+                <a:ea typeface="휴먼매직체" panose="02030504000101010101" pitchFamily="18" charset="-127"/>
+                <a:cs typeface="+mn-cs"/>
+              </a:rPr>
+              <a:t>억 회 이상 다운로드</a:t>
+            </a:r>
+            <a:endParaRPr kumimoji="0" lang="en-US" altLang="ko-KR" sz="2000" b="0" i="0" u="none" strike="noStrike" kern="1200" cap="none" spc="0" normalizeH="0" baseline="0" noProof="0" dirty="0">
+              <a:ln>
+                <a:noFill/>
+              </a:ln>
+              <a:solidFill>
+                <a:srgbClr val="326393">
+                  <a:lumMod val="20000"/>
+                  <a:lumOff val="80000"/>
+                </a:srgbClr>
+              </a:solidFill>
+              <a:effectLst/>
+              <a:uLnTx/>
+              <a:uFillTx/>
+              <a:latin typeface="휴먼매직체" panose="02030504000101010101" pitchFamily="18" charset="-127"/>
+              <a:ea typeface="휴먼매직체" panose="02030504000101010101" pitchFamily="18" charset="-127"/>
+              <a:cs typeface="+mn-cs"/>
+            </a:endParaRPr>
+          </a:p>
+          <a:p>
+            <a:pPr marL="342900" marR="0" lvl="0" indent="-342900" algn="l" defTabSz="914400" rtl="0" eaLnBrk="1" fontAlgn="auto" latinLnBrk="1" hangingPunct="1">
+              <a:lnSpc>
+                <a:spcPct val="100000"/>
+              </a:lnSpc>
+              <a:spcBef>
+                <a:spcPts val="0"/>
+              </a:spcBef>
+              <a:spcAft>
+                <a:spcPts val="0"/>
+              </a:spcAft>
+              <a:buClrTx/>
+              <a:buSzTx/>
+              <a:buFont typeface="Wingdings" panose="05000000000000000000" pitchFamily="2" charset="2"/>
+              <a:buChar char="ü"/>
+              <a:tabLst/>
+              <a:defRPr/>
+            </a:pPr>
+            <a:endParaRPr kumimoji="0" lang="en-US" altLang="ko-KR" sz="2000" b="0" i="0" u="none" strike="noStrike" kern="1200" cap="none" spc="0" normalizeH="0" baseline="0" noProof="0" dirty="0">
+              <a:ln>
+                <a:noFill/>
+              </a:ln>
+              <a:solidFill>
+                <a:srgbClr val="326393">
+                  <a:lumMod val="20000"/>
+                  <a:lumOff val="80000"/>
+                </a:srgbClr>
+              </a:solidFill>
+              <a:effectLst/>
+              <a:uLnTx/>
+              <a:uFillTx/>
+              <a:latin typeface="휴먼매직체" panose="02030504000101010101" pitchFamily="18" charset="-127"/>
+              <a:ea typeface="휴먼매직체" panose="02030504000101010101" pitchFamily="18" charset="-127"/>
+              <a:cs typeface="+mn-cs"/>
+            </a:endParaRPr>
+          </a:p>
+          <a:p>
+            <a:pPr marL="342900" marR="0" lvl="0" indent="-342900" algn="l" defTabSz="914400" rtl="0" eaLnBrk="1" fontAlgn="auto" latinLnBrk="1" hangingPunct="1">
+              <a:lnSpc>
+                <a:spcPct val="100000"/>
+              </a:lnSpc>
+              <a:spcBef>
+                <a:spcPts val="0"/>
+              </a:spcBef>
+              <a:spcAft>
+                <a:spcPts val="0"/>
+              </a:spcAft>
+              <a:buClrTx/>
+              <a:buSzTx/>
+              <a:buFont typeface="Wingdings" panose="05000000000000000000" pitchFamily="2" charset="2"/>
+              <a:buChar char="ü"/>
+              <a:tabLst/>
+              <a:defRPr/>
+            </a:pPr>
+            <a:r>
+              <a:rPr kumimoji="0" lang="ko-KR" altLang="en-US" sz="2000" b="0" i="0" u="none" strike="noStrike" kern="1200" cap="none" spc="0" normalizeH="0" baseline="0" noProof="0" dirty="0">
+                <a:ln>
+                  <a:noFill/>
+                </a:ln>
+                <a:solidFill>
+                  <a:srgbClr val="326393">
+                    <a:lumMod val="20000"/>
+                    <a:lumOff val="80000"/>
+                  </a:srgbClr>
+                </a:solidFill>
+                <a:effectLst/>
+                <a:uLnTx/>
+                <a:uFillTx/>
+                <a:latin typeface="휴먼매직체" panose="02030504000101010101" pitchFamily="18" charset="-127"/>
+                <a:ea typeface="휴먼매직체" panose="02030504000101010101" pitchFamily="18" charset="-127"/>
+                <a:cs typeface="+mn-cs"/>
+              </a:rPr>
+              <a:t>건강관리 및 헬스 서비스를 지원하는 </a:t>
+            </a:r>
+            <a:r>
+              <a:rPr kumimoji="0" lang="ko-KR" altLang="en-US" sz="2000" b="0" i="0" u="none" strike="noStrike" kern="1200" cap="none" spc="0" normalizeH="0" baseline="0" noProof="0" dirty="0" err="1">
+                <a:ln>
+                  <a:noFill/>
+                </a:ln>
+                <a:solidFill>
+                  <a:srgbClr val="326393">
+                    <a:lumMod val="20000"/>
+                    <a:lumOff val="80000"/>
+                  </a:srgbClr>
+                </a:solidFill>
+                <a:effectLst/>
+                <a:uLnTx/>
+                <a:uFillTx/>
+                <a:latin typeface="휴먼매직체" panose="02030504000101010101" pitchFamily="18" charset="-127"/>
+                <a:ea typeface="휴먼매직체" panose="02030504000101010101" pitchFamily="18" charset="-127"/>
+                <a:cs typeface="+mn-cs"/>
+              </a:rPr>
+              <a:t>라이프로깅</a:t>
+            </a:r>
+            <a:r>
+              <a:rPr kumimoji="0" lang="ko-KR" altLang="en-US" sz="2000" b="0" i="0" u="none" strike="noStrike" kern="1200" cap="none" spc="0" normalizeH="0" baseline="0" noProof="0" dirty="0">
+                <a:ln>
+                  <a:noFill/>
+                </a:ln>
+                <a:solidFill>
+                  <a:srgbClr val="326393">
+                    <a:lumMod val="20000"/>
+                    <a:lumOff val="80000"/>
+                  </a:srgbClr>
+                </a:solidFill>
+                <a:effectLst/>
+                <a:uLnTx/>
+                <a:uFillTx/>
+                <a:latin typeface="휴먼매직체" panose="02030504000101010101" pitchFamily="18" charset="-127"/>
+                <a:ea typeface="휴먼매직체" panose="02030504000101010101" pitchFamily="18" charset="-127"/>
+                <a:cs typeface="+mn-cs"/>
+              </a:rPr>
+              <a:t> 플랫폼</a:t>
+            </a:r>
+            <a:endParaRPr kumimoji="0" lang="en-US" altLang="ko-KR" sz="2000" b="0" i="0" u="none" strike="noStrike" kern="1200" cap="none" spc="0" normalizeH="0" baseline="0" noProof="0" dirty="0">
+              <a:ln>
+                <a:noFill/>
+              </a:ln>
+              <a:solidFill>
+                <a:srgbClr val="326393">
+                  <a:lumMod val="20000"/>
+                  <a:lumOff val="80000"/>
+                </a:srgbClr>
+              </a:solidFill>
+              <a:effectLst/>
+              <a:uLnTx/>
+              <a:uFillTx/>
+              <a:latin typeface="휴먼매직체" panose="02030504000101010101" pitchFamily="18" charset="-127"/>
+              <a:ea typeface="휴먼매직체" panose="02030504000101010101" pitchFamily="18" charset="-127"/>
+              <a:cs typeface="+mn-cs"/>
+            </a:endParaRPr>
+          </a:p>
+          <a:p>
+            <a:pPr marL="342900" marR="0" lvl="0" indent="-342900" algn="l" defTabSz="914400" rtl="0" eaLnBrk="1" fontAlgn="auto" latinLnBrk="1" hangingPunct="1">
+              <a:lnSpc>
+                <a:spcPct val="100000"/>
+              </a:lnSpc>
+              <a:spcBef>
+                <a:spcPts val="0"/>
+              </a:spcBef>
+              <a:spcAft>
+                <a:spcPts val="0"/>
+              </a:spcAft>
+              <a:buClrTx/>
+              <a:buSzTx/>
+              <a:buFont typeface="Wingdings" panose="05000000000000000000" pitchFamily="2" charset="2"/>
+              <a:buChar char="ü"/>
+              <a:tabLst/>
+              <a:defRPr/>
+            </a:pPr>
+            <a:endParaRPr kumimoji="0" lang="en-US" altLang="ko-KR" sz="2000" b="0" i="0" u="none" strike="noStrike" kern="1200" cap="none" spc="0" normalizeH="0" baseline="0" noProof="0" dirty="0">
+              <a:ln>
+                <a:noFill/>
+              </a:ln>
+              <a:solidFill>
+                <a:srgbClr val="326393">
+                  <a:lumMod val="20000"/>
+                  <a:lumOff val="80000"/>
+                </a:srgbClr>
+              </a:solidFill>
+              <a:effectLst/>
+              <a:uLnTx/>
+              <a:uFillTx/>
+              <a:latin typeface="휴먼매직체" panose="02030504000101010101" pitchFamily="18" charset="-127"/>
+              <a:ea typeface="휴먼매직체" panose="02030504000101010101" pitchFamily="18" charset="-127"/>
+              <a:cs typeface="+mn-cs"/>
+            </a:endParaRPr>
+          </a:p>
+          <a:p>
+            <a:pPr marL="342900" marR="0" lvl="0" indent="-342900" algn="l" defTabSz="914400" rtl="0" eaLnBrk="1" fontAlgn="auto" latinLnBrk="1" hangingPunct="1">
+              <a:lnSpc>
+                <a:spcPct val="100000"/>
+              </a:lnSpc>
+              <a:spcBef>
+                <a:spcPts val="0"/>
+              </a:spcBef>
+              <a:spcAft>
+                <a:spcPts val="0"/>
+              </a:spcAft>
+              <a:buClrTx/>
+              <a:buSzTx/>
+              <a:buFont typeface="Wingdings" panose="05000000000000000000" pitchFamily="2" charset="2"/>
+              <a:buChar char="ü"/>
+              <a:tabLst/>
+              <a:defRPr/>
+            </a:pPr>
+            <a:r>
+              <a:rPr kumimoji="0" lang="ko-KR" altLang="en-US" sz="2000" b="0" i="0" u="none" strike="noStrike" kern="1200" cap="none" spc="0" normalizeH="0" baseline="0" noProof="0" dirty="0">
+                <a:ln>
+                  <a:noFill/>
+                </a:ln>
+                <a:solidFill>
+                  <a:srgbClr val="326393">
+                    <a:lumMod val="20000"/>
+                    <a:lumOff val="80000"/>
+                  </a:srgbClr>
+                </a:solidFill>
+                <a:effectLst/>
+                <a:uLnTx/>
+                <a:uFillTx/>
+                <a:latin typeface="휴먼매직체" panose="02030504000101010101" pitchFamily="18" charset="-127"/>
+                <a:ea typeface="휴먼매직체" panose="02030504000101010101" pitchFamily="18" charset="-127"/>
+                <a:cs typeface="+mn-cs"/>
+              </a:rPr>
+              <a:t>음식 성분 확인 가능</a:t>
+            </a:r>
+            <a:endParaRPr kumimoji="0" lang="en-US" altLang="ko-KR" sz="2000" b="0" i="0" u="none" strike="noStrike" kern="1200" cap="none" spc="0" normalizeH="0" baseline="0" noProof="0" dirty="0">
+              <a:ln>
+                <a:noFill/>
+              </a:ln>
+              <a:solidFill>
+                <a:srgbClr val="326393">
+                  <a:lumMod val="20000"/>
+                  <a:lumOff val="80000"/>
+                </a:srgbClr>
+              </a:solidFill>
+              <a:effectLst/>
+              <a:uLnTx/>
+              <a:uFillTx/>
+              <a:latin typeface="휴먼매직체" panose="02030504000101010101" pitchFamily="18" charset="-127"/>
+              <a:ea typeface="휴먼매직체" panose="02030504000101010101" pitchFamily="18" charset="-127"/>
+              <a:cs typeface="+mn-cs"/>
+            </a:endParaRPr>
+          </a:p>
+        </p:txBody>
+      </p:sp>
+      <p:pic>
+        <p:nvPicPr>
+          <p:cNvPr id="11" name="그림 10">
+            <a:extLst>
+              <a:ext uri="{FF2B5EF4-FFF2-40B4-BE49-F238E27FC236}">
+                <a16:creationId xmlns:a16="http://schemas.microsoft.com/office/drawing/2014/main" id="{BA76BA36-31E4-F0C8-7D38-DB433307F93B}"/>
+              </a:ext>
+            </a:extLst>
+          </p:cNvPr>
+          <p:cNvPicPr/>
           <p:nvPr/>
         </p:nvPicPr>
         <p:blipFill>
@@ -16985,167 +17503,14 @@
         </p:blipFill>
         <p:spPr>
           <a:xfrm>
-            <a:off x="1730131" y="2357437"/>
-            <a:ext cx="2143125" cy="2143125"/>
+            <a:off x="1422326" y="2091765"/>
+            <a:ext cx="3443287" cy="3070170"/>
           </a:xfrm>
           <a:prstGeom prst="rect">
             <a:avLst/>
           </a:prstGeom>
         </p:spPr>
       </p:pic>
-      <p:sp>
-        <p:nvSpPr>
-          <p:cNvPr id="6" name="TextBox 5">
-            <a:extLst>
-              <a:ext uri="{FF2B5EF4-FFF2-40B4-BE49-F238E27FC236}">
-                <a16:creationId xmlns:a16="http://schemas.microsoft.com/office/drawing/2014/main" id="{1AC1E4B4-6F1F-F0DD-965B-D63595E8EC6A}"/>
-              </a:ext>
-            </a:extLst>
-          </p:cNvPr>
-          <p:cNvSpPr txBox="1"/>
-          <p:nvPr/>
-        </p:nvSpPr>
-        <p:spPr>
-          <a:xfrm>
-            <a:off x="4520242" y="2357437"/>
-            <a:ext cx="5348377" cy="400110"/>
-          </a:xfrm>
-          <a:prstGeom prst="rect">
-            <a:avLst/>
-          </a:prstGeom>
-          <a:noFill/>
-        </p:spPr>
-        <p:txBody>
-          <a:bodyPr wrap="square" rtlCol="0">
-            <a:spAutoFit/>
-          </a:bodyPr>
-          <a:lstStyle/>
-          <a:p>
-            <a:r>
-              <a:rPr lang="en-US" altLang="ko-KR" sz="2000" dirty="0">
-                <a:solidFill>
-                  <a:schemeClr val="bg1"/>
-                </a:solidFill>
-                <a:latin typeface="휴먼매직체" panose="02030504000101010101" pitchFamily="18" charset="-127"/>
-                <a:ea typeface="휴먼매직체" panose="02030504000101010101" pitchFamily="18" charset="-127"/>
-              </a:rPr>
-              <a:t>10</a:t>
-            </a:r>
-            <a:r>
-              <a:rPr lang="ko-KR" altLang="en-US" sz="2000" dirty="0">
-                <a:solidFill>
-                  <a:schemeClr val="bg1"/>
-                </a:solidFill>
-                <a:latin typeface="휴먼매직체" panose="02030504000101010101" pitchFamily="18" charset="-127"/>
-                <a:ea typeface="휴먼매직체" panose="02030504000101010101" pitchFamily="18" charset="-127"/>
-              </a:rPr>
-              <a:t>억 회 이상의 다운로드</a:t>
-            </a:r>
-          </a:p>
-        </p:txBody>
-      </p:sp>
-      <p:sp>
-        <p:nvSpPr>
-          <p:cNvPr id="7" name="TextBox 6">
-            <a:extLst>
-              <a:ext uri="{FF2B5EF4-FFF2-40B4-BE49-F238E27FC236}">
-                <a16:creationId xmlns:a16="http://schemas.microsoft.com/office/drawing/2014/main" id="{B35F0271-34FB-6781-B959-6618F0604317}"/>
-              </a:ext>
-            </a:extLst>
-          </p:cNvPr>
-          <p:cNvSpPr txBox="1"/>
-          <p:nvPr/>
-        </p:nvSpPr>
-        <p:spPr>
-          <a:xfrm>
-            <a:off x="4520241" y="3881803"/>
-            <a:ext cx="5348377" cy="400110"/>
-          </a:xfrm>
-          <a:prstGeom prst="rect">
-            <a:avLst/>
-          </a:prstGeom>
-          <a:noFill/>
-        </p:spPr>
-        <p:txBody>
-          <a:bodyPr wrap="square" rtlCol="0">
-            <a:spAutoFit/>
-          </a:bodyPr>
-          <a:lstStyle/>
-          <a:p>
-            <a:r>
-              <a:rPr lang="ko-KR" altLang="en-US" sz="2000" dirty="0">
-                <a:solidFill>
-                  <a:schemeClr val="bg1"/>
-                </a:solidFill>
-                <a:latin typeface="휴먼매직체" panose="02030504000101010101" pitchFamily="18" charset="-127"/>
-                <a:ea typeface="휴먼매직체" panose="02030504000101010101" pitchFamily="18" charset="-127"/>
-              </a:rPr>
-              <a:t>음식 성분 확인 가능 </a:t>
-            </a:r>
-          </a:p>
-        </p:txBody>
-      </p:sp>
-      <p:sp>
-        <p:nvSpPr>
-          <p:cNvPr id="8" name="TextBox 7">
-            <a:extLst>
-              <a:ext uri="{FF2B5EF4-FFF2-40B4-BE49-F238E27FC236}">
-                <a16:creationId xmlns:a16="http://schemas.microsoft.com/office/drawing/2014/main" id="{F82CA297-3C05-3D5B-619C-9FCC9DBF33C1}"/>
-              </a:ext>
-            </a:extLst>
-          </p:cNvPr>
-          <p:cNvSpPr txBox="1"/>
-          <p:nvPr/>
-        </p:nvSpPr>
-        <p:spPr>
-          <a:xfrm>
-            <a:off x="4520242" y="3119620"/>
-            <a:ext cx="5941628" cy="400110"/>
-          </a:xfrm>
-          <a:prstGeom prst="rect">
-            <a:avLst/>
-          </a:prstGeom>
-          <a:noFill/>
-        </p:spPr>
-        <p:txBody>
-          <a:bodyPr wrap="square" rtlCol="0">
-            <a:spAutoFit/>
-          </a:bodyPr>
-          <a:lstStyle/>
-          <a:p>
-            <a:r>
-              <a:rPr lang="ko-KR" altLang="en-US" sz="2000" dirty="0">
-                <a:solidFill>
-                  <a:schemeClr val="bg1"/>
-                </a:solidFill>
-                <a:latin typeface="휴먼매직체" panose="02030504000101010101" pitchFamily="18" charset="-127"/>
-                <a:ea typeface="휴먼매직체" panose="02030504000101010101" pitchFamily="18" charset="-127"/>
-              </a:rPr>
-              <a:t>건강관리 및 헬스 서비스를 지원하는 </a:t>
-            </a:r>
-            <a:r>
-              <a:rPr lang="ko-KR" altLang="en-US" sz="2000" dirty="0" err="1">
-                <a:solidFill>
-                  <a:schemeClr val="bg1"/>
-                </a:solidFill>
-                <a:latin typeface="휴먼매직체" panose="02030504000101010101" pitchFamily="18" charset="-127"/>
-                <a:ea typeface="휴먼매직체" panose="02030504000101010101" pitchFamily="18" charset="-127"/>
-              </a:rPr>
-              <a:t>라이프로깅</a:t>
-            </a:r>
-            <a:r>
-              <a:rPr lang="ko-KR" altLang="en-US" sz="2000" dirty="0">
-                <a:solidFill>
-                  <a:schemeClr val="bg1"/>
-                </a:solidFill>
-                <a:latin typeface="휴먼매직체" panose="02030504000101010101" pitchFamily="18" charset="-127"/>
-                <a:ea typeface="휴먼매직체" panose="02030504000101010101" pitchFamily="18" charset="-127"/>
-              </a:rPr>
-              <a:t> 플랫폼</a:t>
-            </a:r>
-          </a:p>
-        </p:txBody>
-      </p:sp>
     </p:spTree>
     <p:extLst>
       <p:ext uri="{BB962C8B-B14F-4D97-AF65-F5344CB8AC3E}">
@@ -17207,7 +17572,9 @@
               </a:ext>
             </a:extLst>
           </p:cNvPr>
-          <p:cNvSpPr txBox="1"/>
+          <p:cNvSpPr txBox="1">
+            <a:spLocks noGrp="1" noRot="1" noMove="1" noResize="1" noEditPoints="1" noAdjustHandles="1" noChangeArrowheads="1" noChangeShapeType="1"/>
+          </p:cNvSpPr>
           <p:nvPr/>
         </p:nvSpPr>
         <p:spPr>
@@ -17227,7 +17594,7 @@
           <a:lstStyle/>
           <a:p>
             <a:r>
-              <a:rPr lang="en-US" altLang="ko-KR" sz="2800">
+              <a:rPr lang="en-US" altLang="ko-KR" sz="2800" dirty="0">
                 <a:solidFill>
                   <a:schemeClr val="bg1"/>
                 </a:solidFill>
@@ -17237,7 +17604,7 @@
               <a:t>3. </a:t>
             </a:r>
             <a:r>
-              <a:rPr lang="ko-KR" altLang="en-US" sz="2800">
+              <a:rPr lang="ko-KR" altLang="en-US" sz="2800" dirty="0">
                 <a:solidFill>
                   <a:schemeClr val="bg1"/>
                 </a:solidFill>
@@ -17247,7 +17614,7 @@
               <a:t>유사 사이트 분석 </a:t>
             </a:r>
             <a:r>
-              <a:rPr lang="en-US" altLang="ko-KR" sz="2800">
+              <a:rPr lang="en-US" altLang="ko-KR" sz="2800" dirty="0">
                 <a:solidFill>
                   <a:schemeClr val="bg1"/>
                 </a:solidFill>
@@ -17257,7 +17624,7 @@
               <a:t>: </a:t>
             </a:r>
             <a:r>
-              <a:rPr lang="ko-KR" altLang="en-US" sz="2800" spc="-150">
+              <a:rPr lang="ko-KR" altLang="en-US" sz="2800" spc="-150" dirty="0" err="1">
                 <a:solidFill>
                   <a:schemeClr val="bg1"/>
                 </a:solidFill>
@@ -18944,6 +19311,141 @@
           </p:txBody>
         </p:sp>
       </p:grpSp>
+      <p:sp>
+        <p:nvSpPr>
+          <p:cNvPr id="3" name="TextBox 2">
+            <a:extLst>
+              <a:ext uri="{FF2B5EF4-FFF2-40B4-BE49-F238E27FC236}">
+                <a16:creationId xmlns:a16="http://schemas.microsoft.com/office/drawing/2014/main" id="{3949D3A8-A9F5-26AD-3B5D-DE9A9B8970EA}"/>
+              </a:ext>
+            </a:extLst>
+          </p:cNvPr>
+          <p:cNvSpPr txBox="1">
+            <a:spLocks noGrp="1" noRot="1" noMove="1" noResize="1" noEditPoints="1" noAdjustHandles="1" noChangeArrowheads="1" noChangeShapeType="1"/>
+          </p:cNvSpPr>
+          <p:nvPr/>
+        </p:nvSpPr>
+        <p:spPr>
+          <a:xfrm>
+            <a:off x="5318714" y="264943"/>
+            <a:ext cx="4823669" cy="400110"/>
+          </a:xfrm>
+          <a:prstGeom prst="rect">
+            <a:avLst/>
+          </a:prstGeom>
+          <a:noFill/>
+        </p:spPr>
+        <p:txBody>
+          <a:bodyPr wrap="square" rtlCol="0">
+            <a:spAutoFit/>
+          </a:bodyPr>
+          <a:lstStyle/>
+          <a:p>
+            <a:pPr marL="0" marR="0" lvl="0" indent="0" algn="l" defTabSz="914400" rtl="0" eaLnBrk="1" fontAlgn="auto" latinLnBrk="1" hangingPunct="1">
+              <a:lnSpc>
+                <a:spcPct val="100000"/>
+              </a:lnSpc>
+              <a:spcBef>
+                <a:spcPts val="0"/>
+              </a:spcBef>
+              <a:spcAft>
+                <a:spcPts val="0"/>
+              </a:spcAft>
+              <a:buClrTx/>
+              <a:buSzTx/>
+              <a:buFontTx/>
+              <a:buNone/>
+              <a:tabLst/>
+              <a:defRPr/>
+            </a:pPr>
+            <a:r>
+              <a:rPr kumimoji="0" lang="en-US" altLang="ko-KR" sz="2000" b="0" i="0" u="none" strike="noStrike" kern="1200" cap="none" spc="0" normalizeH="0" baseline="0" noProof="0" dirty="0">
+                <a:ln>
+                  <a:noFill/>
+                </a:ln>
+                <a:solidFill>
+                  <a:prstClr val="white"/>
+                </a:solidFill>
+                <a:effectLst/>
+                <a:uLnTx/>
+                <a:uFillTx/>
+                <a:latin typeface="휴먼매직체" panose="02030504000101010101" pitchFamily="18" charset="-127"/>
+                <a:ea typeface="휴먼매직체" panose="02030504000101010101" pitchFamily="18" charset="-127"/>
+                <a:cs typeface="+mn-cs"/>
+              </a:rPr>
+              <a:t>*</a:t>
+            </a:r>
+            <a:r>
+              <a:rPr kumimoji="0" lang="ko-KR" altLang="en-US" sz="2000" b="0" i="0" u="none" strike="noStrike" kern="1200" cap="none" spc="0" normalizeH="0" baseline="0" noProof="0" dirty="0">
+                <a:ln>
+                  <a:noFill/>
+                </a:ln>
+                <a:solidFill>
+                  <a:prstClr val="white"/>
+                </a:solidFill>
+                <a:effectLst/>
+                <a:uLnTx/>
+                <a:uFillTx/>
+                <a:latin typeface="휴먼매직체" panose="02030504000101010101" pitchFamily="18" charset="-127"/>
+                <a:ea typeface="휴먼매직체" panose="02030504000101010101" pitchFamily="18" charset="-127"/>
+                <a:cs typeface="+mn-cs"/>
+              </a:rPr>
+              <a:t>콘텐츠 및 기능 분석 </a:t>
+            </a:r>
+            <a:r>
+              <a:rPr kumimoji="0" lang="en-US" altLang="ko-KR" sz="2000" b="0" i="0" u="none" strike="noStrike" kern="1200" cap="none" spc="0" normalizeH="0" baseline="0" noProof="0" dirty="0">
+                <a:ln>
+                  <a:noFill/>
+                </a:ln>
+                <a:solidFill>
+                  <a:prstClr val="white"/>
+                </a:solidFill>
+                <a:effectLst/>
+                <a:uLnTx/>
+                <a:uFillTx/>
+                <a:latin typeface="휴먼매직체" panose="02030504000101010101" pitchFamily="18" charset="-127"/>
+                <a:ea typeface="휴먼매직체" panose="02030504000101010101" pitchFamily="18" charset="-127"/>
+                <a:cs typeface="+mn-cs"/>
+              </a:rPr>
+              <a:t>(</a:t>
+            </a:r>
+            <a:r>
+              <a:rPr kumimoji="0" lang="ko-KR" altLang="en-US" sz="2000" b="0" i="0" u="none" strike="noStrike" kern="1200" cap="none" spc="0" normalizeH="0" baseline="0" noProof="0" dirty="0">
+                <a:ln>
+                  <a:noFill/>
+                </a:ln>
+                <a:solidFill>
+                  <a:prstClr val="white"/>
+                </a:solidFill>
+                <a:effectLst/>
+                <a:uLnTx/>
+                <a:uFillTx/>
+                <a:latin typeface="휴먼매직체" panose="02030504000101010101" pitchFamily="18" charset="-127"/>
+                <a:ea typeface="휴먼매직체" panose="02030504000101010101" pitchFamily="18" charset="-127"/>
+                <a:cs typeface="+mn-cs"/>
+              </a:rPr>
+              <a:t>이윤호</a:t>
+            </a:r>
+            <a:r>
+              <a:rPr kumimoji="0" lang="en-US" altLang="ko-KR" sz="2000" b="0" i="0" u="none" strike="noStrike" kern="1200" cap="none" spc="0" normalizeH="0" baseline="0" noProof="0" dirty="0">
+                <a:ln>
+                  <a:noFill/>
+                </a:ln>
+                <a:solidFill>
+                  <a:prstClr val="white"/>
+                </a:solidFill>
+                <a:effectLst/>
+                <a:uLnTx/>
+                <a:uFillTx/>
+                <a:latin typeface="휴먼매직체" panose="02030504000101010101" pitchFamily="18" charset="-127"/>
+                <a:ea typeface="휴먼매직체" panose="02030504000101010101" pitchFamily="18" charset="-127"/>
+                <a:cs typeface="+mn-cs"/>
+              </a:rPr>
+              <a:t>)</a:t>
+            </a:r>
+          </a:p>
+        </p:txBody>
+      </p:sp>
     </p:spTree>
     <p:extLst>
       <p:ext uri="{BB962C8B-B14F-4D97-AF65-F5344CB8AC3E}">
@@ -19506,7 +20008,9 @@
               </a:ext>
             </a:extLst>
           </p:cNvPr>
-          <p:cNvSpPr txBox="1"/>
+          <p:cNvSpPr txBox="1">
+            <a:spLocks noGrp="1" noRot="1" noMove="1" noResize="1" noEditPoints="1" noAdjustHandles="1" noChangeArrowheads="1" noChangeShapeType="1"/>
+          </p:cNvSpPr>
           <p:nvPr/>
         </p:nvSpPr>
         <p:spPr>
@@ -19526,7 +20030,7 @@
           <a:lstStyle/>
           <a:p>
             <a:r>
-              <a:rPr lang="en-US" altLang="ko-KR" sz="2800">
+              <a:rPr lang="en-US" altLang="ko-KR" sz="2800" dirty="0">
                 <a:solidFill>
                   <a:schemeClr val="bg1"/>
                 </a:solidFill>
@@ -19536,7 +20040,7 @@
               <a:t>3. </a:t>
             </a:r>
             <a:r>
-              <a:rPr lang="ko-KR" altLang="en-US" sz="2800">
+              <a:rPr lang="ko-KR" altLang="en-US" sz="2800" dirty="0">
                 <a:solidFill>
                   <a:schemeClr val="bg1"/>
                 </a:solidFill>
@@ -19546,7 +20050,7 @@
               <a:t>유사 사이트 분석 </a:t>
             </a:r>
             <a:r>
-              <a:rPr lang="en-US" altLang="ko-KR" sz="2800">
+              <a:rPr lang="en-US" altLang="ko-KR" sz="2800" dirty="0">
                 <a:solidFill>
                   <a:schemeClr val="bg1"/>
                 </a:solidFill>
@@ -19556,7 +20060,7 @@
               <a:t>: </a:t>
             </a:r>
             <a:r>
-              <a:rPr lang="ko-KR" altLang="en-US" sz="2800" spc="-150">
+              <a:rPr lang="ko-KR" altLang="en-US" sz="2800" spc="-150" dirty="0" err="1">
                 <a:solidFill>
                   <a:schemeClr val="bg1"/>
                 </a:solidFill>
@@ -20393,6 +20897,141 @@
           </p:txBody>
         </p:sp>
       </p:grpSp>
+      <p:sp>
+        <p:nvSpPr>
+          <p:cNvPr id="3" name="TextBox 2">
+            <a:extLst>
+              <a:ext uri="{FF2B5EF4-FFF2-40B4-BE49-F238E27FC236}">
+                <a16:creationId xmlns:a16="http://schemas.microsoft.com/office/drawing/2014/main" id="{35BDC8ED-3A46-71A1-C16D-371393581B6F}"/>
+              </a:ext>
+            </a:extLst>
+          </p:cNvPr>
+          <p:cNvSpPr txBox="1">
+            <a:spLocks noGrp="1" noRot="1" noMove="1" noResize="1" noEditPoints="1" noAdjustHandles="1" noChangeArrowheads="1" noChangeShapeType="1"/>
+          </p:cNvSpPr>
+          <p:nvPr/>
+        </p:nvSpPr>
+        <p:spPr>
+          <a:xfrm>
+            <a:off x="5318714" y="264943"/>
+            <a:ext cx="4823669" cy="400110"/>
+          </a:xfrm>
+          <a:prstGeom prst="rect">
+            <a:avLst/>
+          </a:prstGeom>
+          <a:noFill/>
+        </p:spPr>
+        <p:txBody>
+          <a:bodyPr wrap="square" rtlCol="0">
+            <a:spAutoFit/>
+          </a:bodyPr>
+          <a:lstStyle/>
+          <a:p>
+            <a:pPr marL="0" marR="0" lvl="0" indent="0" algn="l" defTabSz="914400" rtl="0" eaLnBrk="1" fontAlgn="auto" latinLnBrk="1" hangingPunct="1">
+              <a:lnSpc>
+                <a:spcPct val="100000"/>
+              </a:lnSpc>
+              <a:spcBef>
+                <a:spcPts val="0"/>
+              </a:spcBef>
+              <a:spcAft>
+                <a:spcPts val="0"/>
+              </a:spcAft>
+              <a:buClrTx/>
+              <a:buSzTx/>
+              <a:buFontTx/>
+              <a:buNone/>
+              <a:tabLst/>
+              <a:defRPr/>
+            </a:pPr>
+            <a:r>
+              <a:rPr kumimoji="0" lang="en-US" altLang="ko-KR" sz="2000" b="0" i="0" u="none" strike="noStrike" kern="1200" cap="none" spc="0" normalizeH="0" baseline="0" noProof="0" dirty="0">
+                <a:ln>
+                  <a:noFill/>
+                </a:ln>
+                <a:solidFill>
+                  <a:prstClr val="white"/>
+                </a:solidFill>
+                <a:effectLst/>
+                <a:uLnTx/>
+                <a:uFillTx/>
+                <a:latin typeface="휴먼매직체" panose="02030504000101010101" pitchFamily="18" charset="-127"/>
+                <a:ea typeface="휴먼매직체" panose="02030504000101010101" pitchFamily="18" charset="-127"/>
+                <a:cs typeface="+mn-cs"/>
+              </a:rPr>
+              <a:t>*</a:t>
+            </a:r>
+            <a:r>
+              <a:rPr kumimoji="0" lang="ko-KR" altLang="en-US" sz="2000" b="0" i="0" u="none" strike="noStrike" kern="1200" cap="none" spc="0" normalizeH="0" baseline="0" noProof="0" dirty="0">
+                <a:ln>
+                  <a:noFill/>
+                </a:ln>
+                <a:solidFill>
+                  <a:prstClr val="white"/>
+                </a:solidFill>
+                <a:effectLst/>
+                <a:uLnTx/>
+                <a:uFillTx/>
+                <a:latin typeface="휴먼매직체" panose="02030504000101010101" pitchFamily="18" charset="-127"/>
+                <a:ea typeface="휴먼매직체" panose="02030504000101010101" pitchFamily="18" charset="-127"/>
+                <a:cs typeface="+mn-cs"/>
+              </a:rPr>
+              <a:t>콘텐츠 및 기능 분석 </a:t>
+            </a:r>
+            <a:r>
+              <a:rPr kumimoji="0" lang="en-US" altLang="ko-KR" sz="2000" b="0" i="0" u="none" strike="noStrike" kern="1200" cap="none" spc="0" normalizeH="0" baseline="0" noProof="0" dirty="0">
+                <a:ln>
+                  <a:noFill/>
+                </a:ln>
+                <a:solidFill>
+                  <a:prstClr val="white"/>
+                </a:solidFill>
+                <a:effectLst/>
+                <a:uLnTx/>
+                <a:uFillTx/>
+                <a:latin typeface="휴먼매직체" panose="02030504000101010101" pitchFamily="18" charset="-127"/>
+                <a:ea typeface="휴먼매직체" panose="02030504000101010101" pitchFamily="18" charset="-127"/>
+                <a:cs typeface="+mn-cs"/>
+              </a:rPr>
+              <a:t>(</a:t>
+            </a:r>
+            <a:r>
+              <a:rPr kumimoji="0" lang="ko-KR" altLang="en-US" sz="2000" b="0" i="0" u="none" strike="noStrike" kern="1200" cap="none" spc="0" normalizeH="0" baseline="0" noProof="0" dirty="0">
+                <a:ln>
+                  <a:noFill/>
+                </a:ln>
+                <a:solidFill>
+                  <a:prstClr val="white"/>
+                </a:solidFill>
+                <a:effectLst/>
+                <a:uLnTx/>
+                <a:uFillTx/>
+                <a:latin typeface="휴먼매직체" panose="02030504000101010101" pitchFamily="18" charset="-127"/>
+                <a:ea typeface="휴먼매직체" panose="02030504000101010101" pitchFamily="18" charset="-127"/>
+                <a:cs typeface="+mn-cs"/>
+              </a:rPr>
+              <a:t>이윤호</a:t>
+            </a:r>
+            <a:r>
+              <a:rPr kumimoji="0" lang="en-US" altLang="ko-KR" sz="2000" b="0" i="0" u="none" strike="noStrike" kern="1200" cap="none" spc="0" normalizeH="0" baseline="0" noProof="0" dirty="0">
+                <a:ln>
+                  <a:noFill/>
+                </a:ln>
+                <a:solidFill>
+                  <a:prstClr val="white"/>
+                </a:solidFill>
+                <a:effectLst/>
+                <a:uLnTx/>
+                <a:uFillTx/>
+                <a:latin typeface="휴먼매직체" panose="02030504000101010101" pitchFamily="18" charset="-127"/>
+                <a:ea typeface="휴먼매직체" panose="02030504000101010101" pitchFamily="18" charset="-127"/>
+                <a:cs typeface="+mn-cs"/>
+              </a:rPr>
+              <a:t>)</a:t>
+            </a:r>
+          </a:p>
+        </p:txBody>
+      </p:sp>
     </p:spTree>
     <p:extLst>
       <p:ext uri="{BB962C8B-B14F-4D97-AF65-F5344CB8AC3E}">
@@ -20419,6 +21058,1301 @@
 </file>
 
 <file path=ppt/slides/slide21.xml><?xml version="1.0" encoding="utf-8"?>
+<p:sld xmlns:a="http://schemas.openxmlformats.org/drawingml/2006/main" xmlns:r="http://schemas.openxmlformats.org/officeDocument/2006/relationships" xmlns:p="http://schemas.openxmlformats.org/presentationml/2006/main">
+  <p:cSld>
+    <p:bg>
+      <p:bgPr>
+        <a:solidFill>
+          <a:schemeClr val="tx2">
+            <a:lumMod val="75000"/>
+          </a:schemeClr>
+        </a:solidFill>
+        <a:effectLst/>
+      </p:bgPr>
+    </p:bg>
+    <p:spTree>
+      <p:nvGrpSpPr>
+        <p:cNvPr id="1" name=""/>
+        <p:cNvGrpSpPr/>
+        <p:nvPr/>
+      </p:nvGrpSpPr>
+      <p:grpSpPr>
+        <a:xfrm>
+          <a:off x="0" y="0"/>
+          <a:ext cx="0" cy="0"/>
+          <a:chOff x="0" y="0"/>
+          <a:chExt cx="0" cy="0"/>
+        </a:xfrm>
+      </p:grpSpPr>
+      <p:sp>
+        <p:nvSpPr>
+          <p:cNvPr id="2" name="TextBox 1">
+            <a:extLst>
+              <a:ext uri="{FF2B5EF4-FFF2-40B4-BE49-F238E27FC236}">
+                <a16:creationId xmlns:a16="http://schemas.microsoft.com/office/drawing/2014/main" id="{DDE284A1-06BB-AEF6-CC6C-FF63F7DABC50}"/>
+              </a:ext>
+            </a:extLst>
+          </p:cNvPr>
+          <p:cNvSpPr txBox="1">
+            <a:spLocks noGrp="1" noRot="1" noMove="1" noResize="1" noEditPoints="1" noAdjustHandles="1" noChangeArrowheads="1" noChangeShapeType="1"/>
+          </p:cNvSpPr>
+          <p:nvPr/>
+        </p:nvSpPr>
+        <p:spPr>
+          <a:xfrm>
+            <a:off x="234434" y="207141"/>
+            <a:ext cx="5042241" cy="523220"/>
+          </a:xfrm>
+          <a:prstGeom prst="rect">
+            <a:avLst/>
+          </a:prstGeom>
+          <a:noFill/>
+        </p:spPr>
+        <p:txBody>
+          <a:bodyPr wrap="square" rtlCol="0">
+            <a:spAutoFit/>
+          </a:bodyPr>
+          <a:lstStyle/>
+          <a:p>
+            <a:pPr marL="0" marR="0" lvl="0" indent="0" algn="l" defTabSz="914400" rtl="0" eaLnBrk="1" fontAlgn="auto" latinLnBrk="1" hangingPunct="1">
+              <a:lnSpc>
+                <a:spcPct val="100000"/>
+              </a:lnSpc>
+              <a:spcBef>
+                <a:spcPts val="0"/>
+              </a:spcBef>
+              <a:spcAft>
+                <a:spcPts val="0"/>
+              </a:spcAft>
+              <a:buClrTx/>
+              <a:buSzTx/>
+              <a:buFontTx/>
+              <a:buNone/>
+              <a:tabLst/>
+              <a:defRPr/>
+            </a:pPr>
+            <a:r>
+              <a:rPr kumimoji="0" lang="en-US" altLang="ko-KR" sz="2800" b="0" i="0" u="none" strike="noStrike" kern="1200" cap="none" spc="0" normalizeH="0" baseline="0" noProof="0" dirty="0">
+                <a:ln>
+                  <a:noFill/>
+                </a:ln>
+                <a:solidFill>
+                  <a:prstClr val="white"/>
+                </a:solidFill>
+                <a:effectLst/>
+                <a:uLnTx/>
+                <a:uFillTx/>
+                <a:latin typeface="휴먼매직체" panose="02030504000101010101" pitchFamily="18" charset="-127"/>
+                <a:ea typeface="휴먼매직체" panose="02030504000101010101" pitchFamily="18" charset="-127"/>
+                <a:cs typeface="+mn-cs"/>
+              </a:rPr>
+              <a:t>3. </a:t>
+            </a:r>
+            <a:r>
+              <a:rPr kumimoji="0" lang="ko-KR" altLang="en-US" sz="2800" b="0" i="0" u="none" strike="noStrike" kern="1200" cap="none" spc="0" normalizeH="0" baseline="0" noProof="0" dirty="0">
+                <a:ln>
+                  <a:noFill/>
+                </a:ln>
+                <a:solidFill>
+                  <a:prstClr val="white"/>
+                </a:solidFill>
+                <a:effectLst/>
+                <a:uLnTx/>
+                <a:uFillTx/>
+                <a:latin typeface="휴먼매직체" panose="02030504000101010101" pitchFamily="18" charset="-127"/>
+                <a:ea typeface="휴먼매직체" panose="02030504000101010101" pitchFamily="18" charset="-127"/>
+                <a:cs typeface="+mn-cs"/>
+              </a:rPr>
+              <a:t>유사 사이트 분석 </a:t>
+            </a:r>
+            <a:r>
+              <a:rPr kumimoji="0" lang="en-US" altLang="ko-KR" sz="2800" b="0" i="0" u="none" strike="noStrike" kern="1200" cap="none" spc="0" normalizeH="0" baseline="0" noProof="0" dirty="0">
+                <a:ln>
+                  <a:noFill/>
+                </a:ln>
+                <a:solidFill>
+                  <a:prstClr val="white"/>
+                </a:solidFill>
+                <a:effectLst/>
+                <a:uLnTx/>
+                <a:uFillTx/>
+                <a:latin typeface="휴먼매직체" panose="02030504000101010101" pitchFamily="18" charset="-127"/>
+                <a:ea typeface="휴먼매직체" panose="02030504000101010101" pitchFamily="18" charset="-127"/>
+                <a:cs typeface="+mn-cs"/>
+              </a:rPr>
+              <a:t>: </a:t>
+            </a:r>
+            <a:r>
+              <a:rPr kumimoji="0" lang="ko-KR" altLang="en-US" sz="2800" b="0" i="0" u="none" strike="noStrike" kern="1200" cap="none" spc="0" normalizeH="0" baseline="0" noProof="0" dirty="0" err="1">
+                <a:ln>
+                  <a:noFill/>
+                </a:ln>
+                <a:solidFill>
+                  <a:prstClr val="white"/>
+                </a:solidFill>
+                <a:effectLst/>
+                <a:uLnTx/>
+                <a:uFillTx/>
+                <a:latin typeface="휴먼매직체" panose="02030504000101010101" pitchFamily="18" charset="-127"/>
+                <a:ea typeface="휴먼매직체" panose="02030504000101010101" pitchFamily="18" charset="-127"/>
+                <a:cs typeface="+mn-cs"/>
+              </a:rPr>
+              <a:t>삼성헬스케어</a:t>
+            </a:r>
+            <a:endParaRPr kumimoji="0" lang="ko-KR" altLang="en-US" sz="2800" b="0" i="0" u="none" strike="noStrike" kern="1200" cap="none" spc="0" normalizeH="0" baseline="0" noProof="0" dirty="0">
+              <a:ln>
+                <a:noFill/>
+              </a:ln>
+              <a:solidFill>
+                <a:prstClr val="white"/>
+              </a:solidFill>
+              <a:effectLst/>
+              <a:uLnTx/>
+              <a:uFillTx/>
+              <a:latin typeface="휴먼매직체" panose="02030504000101010101" pitchFamily="18" charset="-127"/>
+              <a:ea typeface="휴먼매직체" panose="02030504000101010101" pitchFamily="18" charset="-127"/>
+              <a:cs typeface="+mn-cs"/>
+            </a:endParaRPr>
+          </a:p>
+        </p:txBody>
+      </p:sp>
+      <p:sp>
+        <p:nvSpPr>
+          <p:cNvPr id="3" name="TextBox 2">
+            <a:extLst>
+              <a:ext uri="{FF2B5EF4-FFF2-40B4-BE49-F238E27FC236}">
+                <a16:creationId xmlns:a16="http://schemas.microsoft.com/office/drawing/2014/main" id="{F2BFB476-5F02-C4C1-C367-EA6DEDA79802}"/>
+              </a:ext>
+            </a:extLst>
+          </p:cNvPr>
+          <p:cNvSpPr txBox="1">
+            <a:spLocks noGrp="1" noRot="1" noMove="1" noResize="1" noEditPoints="1" noAdjustHandles="1" noChangeArrowheads="1" noChangeShapeType="1"/>
+          </p:cNvSpPr>
+          <p:nvPr/>
+        </p:nvSpPr>
+        <p:spPr>
+          <a:xfrm>
+            <a:off x="6448340" y="1781372"/>
+            <a:ext cx="5042241" cy="2616101"/>
+          </a:xfrm>
+          <a:prstGeom prst="rect">
+            <a:avLst/>
+          </a:prstGeom>
+          <a:noFill/>
+        </p:spPr>
+        <p:txBody>
+          <a:bodyPr wrap="square" rtlCol="0">
+            <a:spAutoFit/>
+          </a:bodyPr>
+          <a:lstStyle/>
+          <a:p>
+            <a:pPr marL="0" marR="0" lvl="0" indent="0" algn="ctr" defTabSz="914400" rtl="0" eaLnBrk="1" fontAlgn="auto" latinLnBrk="1" hangingPunct="1">
+              <a:lnSpc>
+                <a:spcPct val="100000"/>
+              </a:lnSpc>
+              <a:spcBef>
+                <a:spcPts val="0"/>
+              </a:spcBef>
+              <a:spcAft>
+                <a:spcPts val="0"/>
+              </a:spcAft>
+              <a:buClrTx/>
+              <a:buSzTx/>
+              <a:buFontTx/>
+              <a:buNone/>
+              <a:tabLst/>
+              <a:defRPr/>
+            </a:pPr>
+            <a:r>
+              <a:rPr kumimoji="0" lang="en-US" altLang="ko-KR" sz="2400" b="0" i="0" u="none" strike="noStrike" kern="1200" cap="none" spc="0" normalizeH="0" baseline="0" noProof="0" dirty="0">
+                <a:ln>
+                  <a:noFill/>
+                </a:ln>
+                <a:solidFill>
+                  <a:prstClr val="white"/>
+                </a:solidFill>
+                <a:effectLst/>
+                <a:uLnTx/>
+                <a:uFillTx/>
+                <a:latin typeface="휴먼매직체" panose="02030504000101010101" pitchFamily="18" charset="-127"/>
+                <a:ea typeface="휴먼매직체" panose="02030504000101010101" pitchFamily="18" charset="-127"/>
+                <a:cs typeface="+mn-cs"/>
+              </a:rPr>
+              <a:t>*</a:t>
+            </a:r>
+            <a:r>
+              <a:rPr kumimoji="0" lang="ko-KR" altLang="en-US" sz="2400" b="0" i="0" u="none" strike="noStrike" kern="1200" cap="none" spc="0" normalizeH="0" baseline="0" noProof="0" dirty="0">
+                <a:ln>
+                  <a:noFill/>
+                </a:ln>
+                <a:solidFill>
+                  <a:prstClr val="white"/>
+                </a:solidFill>
+                <a:effectLst/>
+                <a:uLnTx/>
+                <a:uFillTx/>
+                <a:latin typeface="휴먼매직체" panose="02030504000101010101" pitchFamily="18" charset="-127"/>
+                <a:ea typeface="휴먼매직체" panose="02030504000101010101" pitchFamily="18" charset="-127"/>
+                <a:cs typeface="+mn-cs"/>
+              </a:rPr>
+              <a:t>시사점</a:t>
+            </a:r>
+            <a:endParaRPr kumimoji="0" lang="en-US" altLang="ko-KR" sz="2400" b="0" i="0" u="none" strike="noStrike" kern="1200" cap="none" spc="0" normalizeH="0" baseline="0" noProof="0" dirty="0">
+              <a:ln>
+                <a:noFill/>
+              </a:ln>
+              <a:solidFill>
+                <a:prstClr val="white"/>
+              </a:solidFill>
+              <a:effectLst/>
+              <a:uLnTx/>
+              <a:uFillTx/>
+              <a:latin typeface="휴먼매직체" panose="02030504000101010101" pitchFamily="18" charset="-127"/>
+              <a:ea typeface="휴먼매직체" panose="02030504000101010101" pitchFamily="18" charset="-127"/>
+              <a:cs typeface="+mn-cs"/>
+            </a:endParaRPr>
+          </a:p>
+          <a:p>
+            <a:pPr marR="0" lvl="0" algn="l" defTabSz="914400" rtl="0" eaLnBrk="1" fontAlgn="auto" latinLnBrk="1" hangingPunct="1">
+              <a:lnSpc>
+                <a:spcPct val="100000"/>
+              </a:lnSpc>
+              <a:spcBef>
+                <a:spcPts val="0"/>
+              </a:spcBef>
+              <a:spcAft>
+                <a:spcPts val="0"/>
+              </a:spcAft>
+              <a:buClrTx/>
+              <a:buSzTx/>
+              <a:tabLst/>
+              <a:defRPr/>
+            </a:pPr>
+            <a:endParaRPr kumimoji="0" lang="en-US" altLang="ko-KR" sz="2000" b="0" i="0" u="none" strike="noStrike" kern="1200" cap="none" spc="0" normalizeH="0" baseline="0" noProof="0" dirty="0">
+              <a:ln>
+                <a:noFill/>
+              </a:ln>
+              <a:solidFill>
+                <a:srgbClr val="326393">
+                  <a:lumMod val="20000"/>
+                  <a:lumOff val="80000"/>
+                </a:srgbClr>
+              </a:solidFill>
+              <a:effectLst/>
+              <a:uLnTx/>
+              <a:uFillTx/>
+              <a:latin typeface="휴먼매직체" panose="02030504000101010101" pitchFamily="18" charset="-127"/>
+              <a:ea typeface="휴먼매직체" panose="02030504000101010101" pitchFamily="18" charset="-127"/>
+              <a:cs typeface="+mn-cs"/>
+            </a:endParaRPr>
+          </a:p>
+          <a:p>
+            <a:pPr marL="342900" marR="0" lvl="0" indent="-342900" algn="l" defTabSz="914400" rtl="0" eaLnBrk="1" fontAlgn="auto" latinLnBrk="1" hangingPunct="1">
+              <a:lnSpc>
+                <a:spcPct val="100000"/>
+              </a:lnSpc>
+              <a:spcBef>
+                <a:spcPts val="0"/>
+              </a:spcBef>
+              <a:spcAft>
+                <a:spcPts val="0"/>
+              </a:spcAft>
+              <a:buClrTx/>
+              <a:buSzTx/>
+              <a:buFont typeface="Wingdings" panose="05000000000000000000" pitchFamily="2" charset="2"/>
+              <a:buChar char="ü"/>
+              <a:tabLst/>
+              <a:defRPr/>
+            </a:pPr>
+            <a:r>
+              <a:rPr kumimoji="0" lang="ko-KR" altLang="en-US" sz="2000" b="0" i="0" u="none" strike="noStrike" kern="1200" cap="none" spc="0" normalizeH="0" baseline="0" noProof="0" dirty="0">
+                <a:ln>
+                  <a:noFill/>
+                </a:ln>
+                <a:solidFill>
+                  <a:srgbClr val="326393">
+                    <a:lumMod val="20000"/>
+                    <a:lumOff val="80000"/>
+                  </a:srgbClr>
+                </a:solidFill>
+                <a:effectLst/>
+                <a:uLnTx/>
+                <a:uFillTx/>
+                <a:latin typeface="휴먼매직체" panose="02030504000101010101" pitchFamily="18" charset="-127"/>
+                <a:ea typeface="휴먼매직체" panose="02030504000101010101" pitchFamily="18" charset="-127"/>
+                <a:cs typeface="+mn-cs"/>
+              </a:rPr>
+              <a:t>모바일 유저는 </a:t>
+            </a:r>
+            <a:r>
+              <a:rPr kumimoji="0" lang="ko-KR" altLang="en-US" sz="2000" b="0" i="0" u="none" strike="noStrike" kern="1200" cap="none" spc="0" normalizeH="0" baseline="0" noProof="0" dirty="0" err="1">
+                <a:ln>
+                  <a:noFill/>
+                </a:ln>
+                <a:solidFill>
+                  <a:srgbClr val="326393">
+                    <a:lumMod val="20000"/>
+                    <a:lumOff val="80000"/>
+                  </a:srgbClr>
+                </a:solidFill>
+                <a:effectLst/>
+                <a:uLnTx/>
+                <a:uFillTx/>
+                <a:latin typeface="휴먼매직체" panose="02030504000101010101" pitchFamily="18" charset="-127"/>
+                <a:ea typeface="휴먼매직체" panose="02030504000101010101" pitchFamily="18" charset="-127"/>
+                <a:cs typeface="+mn-cs"/>
+              </a:rPr>
+              <a:t>체성분</a:t>
+            </a:r>
+            <a:r>
+              <a:rPr kumimoji="0" lang="ko-KR" altLang="en-US" sz="2000" b="0" i="0" u="none" strike="noStrike" kern="1200" cap="none" spc="0" normalizeH="0" baseline="0" noProof="0" dirty="0">
+                <a:ln>
+                  <a:noFill/>
+                </a:ln>
+                <a:solidFill>
+                  <a:srgbClr val="326393">
+                    <a:lumMod val="20000"/>
+                    <a:lumOff val="80000"/>
+                  </a:srgbClr>
+                </a:solidFill>
+                <a:effectLst/>
+                <a:uLnTx/>
+                <a:uFillTx/>
+                <a:latin typeface="휴먼매직체" panose="02030504000101010101" pitchFamily="18" charset="-127"/>
+                <a:ea typeface="휴먼매직체" panose="02030504000101010101" pitchFamily="18" charset="-127"/>
+                <a:cs typeface="+mn-cs"/>
+              </a:rPr>
+              <a:t> </a:t>
+            </a:r>
+            <a:r>
+              <a:rPr kumimoji="0" lang="en-US" altLang="ko-KR" sz="2000" b="0" i="0" u="none" strike="noStrike" kern="1200" cap="none" spc="0" normalizeH="0" baseline="0" noProof="0" dirty="0">
+                <a:ln>
+                  <a:noFill/>
+                </a:ln>
+                <a:solidFill>
+                  <a:srgbClr val="326393">
+                    <a:lumMod val="20000"/>
+                    <a:lumOff val="80000"/>
+                  </a:srgbClr>
+                </a:solidFill>
+                <a:effectLst/>
+                <a:uLnTx/>
+                <a:uFillTx/>
+                <a:latin typeface="휴먼매직체" panose="02030504000101010101" pitchFamily="18" charset="-127"/>
+                <a:ea typeface="휴먼매직체" panose="02030504000101010101" pitchFamily="18" charset="-127"/>
+                <a:cs typeface="+mn-cs"/>
+              </a:rPr>
+              <a:t>BMI</a:t>
+            </a:r>
+            <a:r>
+              <a:rPr kumimoji="0" lang="ko-KR" altLang="en-US" sz="2000" b="0" i="0" u="none" strike="noStrike" kern="1200" cap="none" spc="0" normalizeH="0" baseline="0" noProof="0" dirty="0">
+                <a:ln>
+                  <a:noFill/>
+                </a:ln>
+                <a:solidFill>
+                  <a:srgbClr val="326393">
+                    <a:lumMod val="20000"/>
+                    <a:lumOff val="80000"/>
+                  </a:srgbClr>
+                </a:solidFill>
+                <a:effectLst/>
+                <a:uLnTx/>
+                <a:uFillTx/>
+                <a:latin typeface="휴먼매직체" panose="02030504000101010101" pitchFamily="18" charset="-127"/>
+                <a:ea typeface="휴먼매직체" panose="02030504000101010101" pitchFamily="18" charset="-127"/>
+                <a:cs typeface="+mn-cs"/>
+              </a:rPr>
+              <a:t>지수 직접 입력</a:t>
+            </a:r>
+            <a:endParaRPr kumimoji="0" lang="en-US" altLang="ko-KR" sz="2000" b="0" i="0" u="none" strike="noStrike" kern="1200" cap="none" spc="0" normalizeH="0" baseline="0" noProof="0" dirty="0">
+              <a:ln>
+                <a:noFill/>
+              </a:ln>
+              <a:solidFill>
+                <a:srgbClr val="326393">
+                  <a:lumMod val="20000"/>
+                  <a:lumOff val="80000"/>
+                </a:srgbClr>
+              </a:solidFill>
+              <a:effectLst/>
+              <a:uLnTx/>
+              <a:uFillTx/>
+              <a:latin typeface="휴먼매직체" panose="02030504000101010101" pitchFamily="18" charset="-127"/>
+              <a:ea typeface="휴먼매직체" panose="02030504000101010101" pitchFamily="18" charset="-127"/>
+              <a:cs typeface="+mn-cs"/>
+            </a:endParaRPr>
+          </a:p>
+          <a:p>
+            <a:pPr marL="800100" lvl="1" indent="-342900">
+              <a:buFontTx/>
+              <a:buChar char="-"/>
+              <a:defRPr/>
+            </a:pPr>
+            <a:r>
+              <a:rPr lang="ko-KR" altLang="en-US" sz="2000" dirty="0">
+                <a:solidFill>
+                  <a:srgbClr val="326393">
+                    <a:lumMod val="20000"/>
+                    <a:lumOff val="80000"/>
+                  </a:srgbClr>
+                </a:solidFill>
+                <a:latin typeface="휴먼매직체" panose="02030504000101010101" pitchFamily="18" charset="-127"/>
+                <a:ea typeface="휴먼매직체" panose="02030504000101010101" pitchFamily="18" charset="-127"/>
+              </a:rPr>
+              <a:t>부정확한 정보</a:t>
+            </a:r>
+            <a:endParaRPr lang="en-US" altLang="ko-KR" sz="2000" dirty="0">
+              <a:solidFill>
+                <a:srgbClr val="326393">
+                  <a:lumMod val="20000"/>
+                  <a:lumOff val="80000"/>
+                </a:srgbClr>
+              </a:solidFill>
+              <a:latin typeface="휴먼매직체" panose="02030504000101010101" pitchFamily="18" charset="-127"/>
+              <a:ea typeface="휴먼매직체" panose="02030504000101010101" pitchFamily="18" charset="-127"/>
+            </a:endParaRPr>
+          </a:p>
+          <a:p>
+            <a:pPr marL="800100" lvl="1" indent="-342900">
+              <a:buFontTx/>
+              <a:buChar char="-"/>
+              <a:defRPr/>
+            </a:pPr>
+            <a:endParaRPr lang="en-US" altLang="ko-KR" sz="2000" dirty="0">
+              <a:solidFill>
+                <a:srgbClr val="326393">
+                  <a:lumMod val="20000"/>
+                  <a:lumOff val="80000"/>
+                </a:srgbClr>
+              </a:solidFill>
+              <a:latin typeface="휴먼매직체" panose="02030504000101010101" pitchFamily="18" charset="-127"/>
+              <a:ea typeface="휴먼매직체" panose="02030504000101010101" pitchFamily="18" charset="-127"/>
+            </a:endParaRPr>
+          </a:p>
+          <a:p>
+            <a:pPr marL="342900" indent="-342900">
+              <a:buFont typeface="Wingdings" panose="05000000000000000000" pitchFamily="2" charset="2"/>
+              <a:buChar char="ü"/>
+              <a:defRPr/>
+            </a:pPr>
+            <a:r>
+              <a:rPr lang="ko-KR" altLang="en-US" sz="2000" dirty="0">
+                <a:solidFill>
+                  <a:srgbClr val="326393">
+                    <a:lumMod val="20000"/>
+                    <a:lumOff val="80000"/>
+                  </a:srgbClr>
+                </a:solidFill>
+                <a:latin typeface="휴먼매직체" panose="02030504000101010101" pitchFamily="18" charset="-127"/>
+                <a:ea typeface="휴먼매직체" panose="02030504000101010101" pitchFamily="18" charset="-127"/>
+              </a:rPr>
+              <a:t>다양한 음식 성분을 검색을 통해 확인 가능</a:t>
+            </a:r>
+            <a:endParaRPr lang="en-US" altLang="ko-KR" sz="2000" dirty="0">
+              <a:solidFill>
+                <a:srgbClr val="326393">
+                  <a:lumMod val="20000"/>
+                  <a:lumOff val="80000"/>
+                </a:srgbClr>
+              </a:solidFill>
+              <a:latin typeface="휴먼매직체" panose="02030504000101010101" pitchFamily="18" charset="-127"/>
+              <a:ea typeface="휴먼매직체" panose="02030504000101010101" pitchFamily="18" charset="-127"/>
+            </a:endParaRPr>
+          </a:p>
+          <a:p>
+            <a:pPr>
+              <a:defRPr/>
+            </a:pPr>
+            <a:endParaRPr lang="en-US" altLang="ko-KR" sz="2000" dirty="0">
+              <a:solidFill>
+                <a:srgbClr val="326393">
+                  <a:lumMod val="20000"/>
+                  <a:lumOff val="80000"/>
+                </a:srgbClr>
+              </a:solidFill>
+              <a:latin typeface="휴먼매직체" panose="02030504000101010101" pitchFamily="18" charset="-127"/>
+              <a:ea typeface="휴먼매직체" panose="02030504000101010101" pitchFamily="18" charset="-127"/>
+            </a:endParaRPr>
+          </a:p>
+          <a:p>
+            <a:pPr marL="342900" indent="-342900">
+              <a:buFont typeface="Wingdings" panose="05000000000000000000" pitchFamily="2" charset="2"/>
+              <a:buChar char="ü"/>
+              <a:defRPr/>
+            </a:pPr>
+            <a:endParaRPr lang="en-US" altLang="ko-KR" sz="2000" dirty="0">
+              <a:solidFill>
+                <a:srgbClr val="326393">
+                  <a:lumMod val="20000"/>
+                  <a:lumOff val="80000"/>
+                </a:srgbClr>
+              </a:solidFill>
+              <a:latin typeface="휴먼매직체" panose="02030504000101010101" pitchFamily="18" charset="-127"/>
+              <a:ea typeface="휴먼매직체" panose="02030504000101010101" pitchFamily="18" charset="-127"/>
+            </a:endParaRPr>
+          </a:p>
+        </p:txBody>
+      </p:sp>
+      <p:sp>
+        <p:nvSpPr>
+          <p:cNvPr id="5" name="TextBox 4">
+            <a:extLst>
+              <a:ext uri="{FF2B5EF4-FFF2-40B4-BE49-F238E27FC236}">
+                <a16:creationId xmlns:a16="http://schemas.microsoft.com/office/drawing/2014/main" id="{B9427E87-9899-6D2C-F3C3-7A1239AC415A}"/>
+              </a:ext>
+            </a:extLst>
+          </p:cNvPr>
+          <p:cNvSpPr txBox="1">
+            <a:spLocks noGrp="1" noRot="1" noMove="1" noResize="1" noEditPoints="1" noAdjustHandles="1" noChangeArrowheads="1" noChangeShapeType="1"/>
+          </p:cNvSpPr>
+          <p:nvPr/>
+        </p:nvSpPr>
+        <p:spPr>
+          <a:xfrm>
+            <a:off x="601214" y="1769176"/>
+            <a:ext cx="4675461" cy="3539430"/>
+          </a:xfrm>
+          <a:prstGeom prst="rect">
+            <a:avLst/>
+          </a:prstGeom>
+          <a:noFill/>
+        </p:spPr>
+        <p:txBody>
+          <a:bodyPr wrap="square" rtlCol="0">
+            <a:spAutoFit/>
+          </a:bodyPr>
+          <a:lstStyle/>
+          <a:p>
+            <a:pPr marL="0" marR="0" lvl="0" indent="0" algn="ctr" defTabSz="914400" rtl="0" eaLnBrk="1" fontAlgn="auto" latinLnBrk="1" hangingPunct="1">
+              <a:lnSpc>
+                <a:spcPct val="100000"/>
+              </a:lnSpc>
+              <a:spcBef>
+                <a:spcPts val="0"/>
+              </a:spcBef>
+              <a:spcAft>
+                <a:spcPts val="0"/>
+              </a:spcAft>
+              <a:buClrTx/>
+              <a:buSzTx/>
+              <a:buFontTx/>
+              <a:buNone/>
+              <a:tabLst/>
+              <a:defRPr/>
+            </a:pPr>
+            <a:r>
+              <a:rPr kumimoji="0" lang="en-US" altLang="ko-KR" sz="2400" b="0" i="0" u="none" strike="noStrike" kern="1200" cap="none" spc="0" normalizeH="0" baseline="0" noProof="0" dirty="0">
+                <a:ln>
+                  <a:noFill/>
+                </a:ln>
+                <a:solidFill>
+                  <a:prstClr val="white"/>
+                </a:solidFill>
+                <a:effectLst/>
+                <a:uLnTx/>
+                <a:uFillTx/>
+                <a:latin typeface="휴먼매직체" panose="02030504000101010101" pitchFamily="18" charset="-127"/>
+                <a:ea typeface="휴먼매직체" panose="02030504000101010101" pitchFamily="18" charset="-127"/>
+                <a:cs typeface="+mn-cs"/>
+              </a:rPr>
+              <a:t>*</a:t>
+            </a:r>
+            <a:r>
+              <a:rPr kumimoji="0" lang="ko-KR" altLang="en-US" sz="2400" b="0" i="0" u="none" strike="noStrike" kern="1200" cap="none" spc="0" normalizeH="0" baseline="0" noProof="0" dirty="0">
+                <a:ln>
+                  <a:noFill/>
+                </a:ln>
+                <a:solidFill>
+                  <a:prstClr val="white"/>
+                </a:solidFill>
+                <a:effectLst/>
+                <a:uLnTx/>
+                <a:uFillTx/>
+                <a:latin typeface="휴먼매직체" panose="02030504000101010101" pitchFamily="18" charset="-127"/>
+                <a:ea typeface="휴먼매직체" panose="02030504000101010101" pitchFamily="18" charset="-127"/>
+                <a:cs typeface="+mn-cs"/>
+              </a:rPr>
+              <a:t>특징</a:t>
+            </a:r>
+            <a:endParaRPr kumimoji="0" lang="en-US" altLang="ko-KR" sz="2000" b="0" i="0" u="none" strike="noStrike" kern="1200" cap="none" spc="0" normalizeH="0" baseline="0" noProof="0" dirty="0">
+              <a:ln>
+                <a:noFill/>
+              </a:ln>
+              <a:solidFill>
+                <a:prstClr val="white"/>
+              </a:solidFill>
+              <a:effectLst/>
+              <a:uLnTx/>
+              <a:uFillTx/>
+              <a:latin typeface="휴먼매직체" panose="02030504000101010101" pitchFamily="18" charset="-127"/>
+              <a:ea typeface="휴먼매직체" panose="02030504000101010101" pitchFamily="18" charset="-127"/>
+              <a:cs typeface="+mn-cs"/>
+            </a:endParaRPr>
+          </a:p>
+          <a:p>
+            <a:pPr marR="0" lvl="0" algn="l" defTabSz="914400" rtl="0" eaLnBrk="1" fontAlgn="auto" latinLnBrk="1" hangingPunct="1">
+              <a:lnSpc>
+                <a:spcPct val="100000"/>
+              </a:lnSpc>
+              <a:spcBef>
+                <a:spcPts val="0"/>
+              </a:spcBef>
+              <a:spcAft>
+                <a:spcPts val="0"/>
+              </a:spcAft>
+              <a:buClrTx/>
+              <a:buSzTx/>
+              <a:tabLst/>
+              <a:defRPr/>
+            </a:pPr>
+            <a:endParaRPr kumimoji="0" lang="en-US" altLang="ko-KR" sz="2000" b="0" i="0" u="none" strike="noStrike" kern="1200" cap="none" spc="0" normalizeH="0" baseline="0" noProof="0" dirty="0">
+              <a:ln>
+                <a:noFill/>
+              </a:ln>
+              <a:solidFill>
+                <a:srgbClr val="326393">
+                  <a:lumMod val="20000"/>
+                  <a:lumOff val="80000"/>
+                </a:srgbClr>
+              </a:solidFill>
+              <a:effectLst/>
+              <a:uLnTx/>
+              <a:uFillTx/>
+              <a:latin typeface="휴먼매직체" panose="02030504000101010101" pitchFamily="18" charset="-127"/>
+              <a:ea typeface="휴먼매직체" panose="02030504000101010101" pitchFamily="18" charset="-127"/>
+              <a:cs typeface="+mn-cs"/>
+            </a:endParaRPr>
+          </a:p>
+          <a:p>
+            <a:pPr marL="342900" marR="0" lvl="0" indent="-342900" algn="l" defTabSz="914400" rtl="0" eaLnBrk="1" fontAlgn="auto" latinLnBrk="1" hangingPunct="1">
+              <a:lnSpc>
+                <a:spcPct val="100000"/>
+              </a:lnSpc>
+              <a:spcBef>
+                <a:spcPts val="0"/>
+              </a:spcBef>
+              <a:spcAft>
+                <a:spcPts val="0"/>
+              </a:spcAft>
+              <a:buClrTx/>
+              <a:buSzTx/>
+              <a:buFont typeface="Wingdings" panose="05000000000000000000" pitchFamily="2" charset="2"/>
+              <a:buChar char="ü"/>
+              <a:tabLst/>
+              <a:defRPr/>
+            </a:pPr>
+            <a:r>
+              <a:rPr kumimoji="0" lang="ko-KR" altLang="en-US" sz="2000" b="0" i="0" u="none" strike="noStrike" kern="1200" cap="none" spc="0" normalizeH="0" baseline="0" noProof="0" dirty="0" err="1">
+                <a:ln>
+                  <a:noFill/>
+                </a:ln>
+                <a:solidFill>
+                  <a:srgbClr val="326393">
+                    <a:lumMod val="20000"/>
+                    <a:lumOff val="80000"/>
+                  </a:srgbClr>
+                </a:solidFill>
+                <a:effectLst/>
+                <a:uLnTx/>
+                <a:uFillTx/>
+                <a:latin typeface="휴먼매직체" panose="02030504000101010101" pitchFamily="18" charset="-127"/>
+                <a:ea typeface="휴먼매직체" panose="02030504000101010101" pitchFamily="18" charset="-127"/>
+                <a:cs typeface="+mn-cs"/>
+              </a:rPr>
+              <a:t>갤럭시워치</a:t>
+            </a:r>
+            <a:r>
+              <a:rPr kumimoji="0" lang="en-US" altLang="ko-KR" sz="2000" b="0" i="0" u="none" strike="noStrike" kern="1200" cap="none" spc="0" normalizeH="0" baseline="0" noProof="0" dirty="0">
+                <a:ln>
+                  <a:noFill/>
+                </a:ln>
+                <a:solidFill>
+                  <a:srgbClr val="326393">
+                    <a:lumMod val="20000"/>
+                    <a:lumOff val="80000"/>
+                  </a:srgbClr>
+                </a:solidFill>
+                <a:effectLst/>
+                <a:uLnTx/>
+                <a:uFillTx/>
+                <a:latin typeface="휴먼매직체" panose="02030504000101010101" pitchFamily="18" charset="-127"/>
+                <a:ea typeface="휴먼매직체" panose="02030504000101010101" pitchFamily="18" charset="-127"/>
+                <a:cs typeface="+mn-cs"/>
+              </a:rPr>
+              <a:t>5</a:t>
+            </a:r>
+            <a:r>
+              <a:rPr kumimoji="0" lang="ko-KR" altLang="en-US" sz="2000" b="0" i="0" u="none" strike="noStrike" kern="1200" cap="none" spc="0" normalizeH="0" baseline="0" noProof="0" dirty="0">
+                <a:ln>
+                  <a:noFill/>
+                </a:ln>
+                <a:solidFill>
+                  <a:srgbClr val="326393">
+                    <a:lumMod val="20000"/>
+                    <a:lumOff val="80000"/>
+                  </a:srgbClr>
+                </a:solidFill>
+                <a:effectLst/>
+                <a:uLnTx/>
+                <a:uFillTx/>
+                <a:latin typeface="휴먼매직체" panose="02030504000101010101" pitchFamily="18" charset="-127"/>
+                <a:ea typeface="휴먼매직체" panose="02030504000101010101" pitchFamily="18" charset="-127"/>
+                <a:cs typeface="+mn-cs"/>
+              </a:rPr>
+              <a:t> 사용자는 </a:t>
+            </a:r>
+            <a:r>
+              <a:rPr lang="ko-KR" altLang="en-US" sz="2000" dirty="0" err="1">
+                <a:solidFill>
+                  <a:srgbClr val="326393">
+                    <a:lumMod val="20000"/>
+                    <a:lumOff val="80000"/>
+                  </a:srgbClr>
+                </a:solidFill>
+                <a:latin typeface="휴먼매직체" panose="02030504000101010101" pitchFamily="18" charset="-127"/>
+                <a:ea typeface="휴먼매직체" panose="02030504000101010101" pitchFamily="18" charset="-127"/>
+              </a:rPr>
+              <a:t>체성분</a:t>
+            </a:r>
+            <a:r>
+              <a:rPr lang="ko-KR" altLang="en-US" sz="2000" dirty="0">
+                <a:solidFill>
+                  <a:srgbClr val="326393">
+                    <a:lumMod val="20000"/>
+                    <a:lumOff val="80000"/>
+                  </a:srgbClr>
+                </a:solidFill>
+                <a:latin typeface="휴먼매직체" panose="02030504000101010101" pitchFamily="18" charset="-127"/>
+                <a:ea typeface="휴먼매직체" panose="02030504000101010101" pitchFamily="18" charset="-127"/>
+              </a:rPr>
+              <a:t> </a:t>
+            </a:r>
+            <a:r>
+              <a:rPr lang="en-US" altLang="ko-KR" sz="2000" dirty="0">
+                <a:solidFill>
+                  <a:srgbClr val="326393">
+                    <a:lumMod val="20000"/>
+                    <a:lumOff val="80000"/>
+                  </a:srgbClr>
+                </a:solidFill>
+                <a:latin typeface="휴먼매직체" panose="02030504000101010101" pitchFamily="18" charset="-127"/>
+                <a:ea typeface="휴먼매직체" panose="02030504000101010101" pitchFamily="18" charset="-127"/>
+              </a:rPr>
+              <a:t>BMI</a:t>
+            </a:r>
+            <a:r>
+              <a:rPr lang="ko-KR" altLang="en-US" sz="2000" dirty="0">
+                <a:solidFill>
+                  <a:srgbClr val="326393">
+                    <a:lumMod val="20000"/>
+                    <a:lumOff val="80000"/>
+                  </a:srgbClr>
+                </a:solidFill>
+                <a:latin typeface="휴먼매직체" panose="02030504000101010101" pitchFamily="18" charset="-127"/>
+                <a:ea typeface="휴먼매직체" panose="02030504000101010101" pitchFamily="18" charset="-127"/>
+              </a:rPr>
+              <a:t>지수 측정 기능 포함</a:t>
+            </a:r>
+            <a:endParaRPr kumimoji="0" lang="en-US" altLang="ko-KR" sz="2000" b="0" i="0" u="none" strike="noStrike" kern="1200" cap="none" spc="0" normalizeH="0" baseline="0" noProof="0" dirty="0">
+              <a:ln>
+                <a:noFill/>
+              </a:ln>
+              <a:solidFill>
+                <a:srgbClr val="326393">
+                  <a:lumMod val="20000"/>
+                  <a:lumOff val="80000"/>
+                </a:srgbClr>
+              </a:solidFill>
+              <a:effectLst/>
+              <a:uLnTx/>
+              <a:uFillTx/>
+              <a:latin typeface="휴먼매직체" panose="02030504000101010101" pitchFamily="18" charset="-127"/>
+              <a:ea typeface="휴먼매직체" panose="02030504000101010101" pitchFamily="18" charset="-127"/>
+              <a:cs typeface="+mn-cs"/>
+            </a:endParaRPr>
+          </a:p>
+          <a:p>
+            <a:pPr marL="0" marR="0" lvl="0" indent="0" algn="l" defTabSz="914400" rtl="0" eaLnBrk="1" fontAlgn="auto" latinLnBrk="1" hangingPunct="1">
+              <a:lnSpc>
+                <a:spcPct val="100000"/>
+              </a:lnSpc>
+              <a:spcBef>
+                <a:spcPts val="0"/>
+              </a:spcBef>
+              <a:spcAft>
+                <a:spcPts val="0"/>
+              </a:spcAft>
+              <a:buClrTx/>
+              <a:buSzTx/>
+              <a:buFontTx/>
+              <a:buNone/>
+              <a:tabLst/>
+              <a:defRPr/>
+            </a:pPr>
+            <a:endParaRPr kumimoji="0" lang="en-US" altLang="ko-KR" sz="2000" b="0" i="0" u="none" strike="noStrike" kern="1200" cap="none" spc="0" normalizeH="0" baseline="0" noProof="0" dirty="0">
+              <a:ln>
+                <a:noFill/>
+              </a:ln>
+              <a:solidFill>
+                <a:srgbClr val="326393">
+                  <a:lumMod val="20000"/>
+                  <a:lumOff val="80000"/>
+                </a:srgbClr>
+              </a:solidFill>
+              <a:effectLst/>
+              <a:uLnTx/>
+              <a:uFillTx/>
+              <a:latin typeface="휴먼매직체" panose="02030504000101010101" pitchFamily="18" charset="-127"/>
+              <a:ea typeface="휴먼매직체" panose="02030504000101010101" pitchFamily="18" charset="-127"/>
+              <a:cs typeface="+mn-cs"/>
+            </a:endParaRPr>
+          </a:p>
+          <a:p>
+            <a:pPr marL="342900" marR="0" lvl="0" indent="-342900" algn="l" defTabSz="914400" rtl="0" eaLnBrk="1" fontAlgn="auto" latinLnBrk="1" hangingPunct="1">
+              <a:lnSpc>
+                <a:spcPct val="100000"/>
+              </a:lnSpc>
+              <a:spcBef>
+                <a:spcPts val="0"/>
+              </a:spcBef>
+              <a:spcAft>
+                <a:spcPts val="0"/>
+              </a:spcAft>
+              <a:buClrTx/>
+              <a:buSzTx/>
+              <a:buFont typeface="Wingdings" panose="05000000000000000000" pitchFamily="2" charset="2"/>
+              <a:buChar char="ü"/>
+              <a:tabLst/>
+              <a:defRPr/>
+            </a:pPr>
+            <a:r>
+              <a:rPr kumimoji="0" lang="ko-KR" altLang="en-US" sz="2000" b="0" i="0" u="none" strike="noStrike" kern="1200" cap="none" spc="0" normalizeH="0" baseline="0" noProof="0" dirty="0" err="1">
+                <a:ln>
+                  <a:noFill/>
+                </a:ln>
+                <a:solidFill>
+                  <a:srgbClr val="326393">
+                    <a:lumMod val="20000"/>
+                    <a:lumOff val="80000"/>
+                  </a:srgbClr>
+                </a:solidFill>
+                <a:effectLst/>
+                <a:uLnTx/>
+                <a:uFillTx/>
+                <a:latin typeface="휴먼매직체" panose="02030504000101010101" pitchFamily="18" charset="-127"/>
+                <a:ea typeface="휴먼매직체" panose="02030504000101010101" pitchFamily="18" charset="-127"/>
+                <a:cs typeface="+mn-cs"/>
+              </a:rPr>
+              <a:t>투게더</a:t>
+            </a:r>
+            <a:r>
+              <a:rPr kumimoji="0" lang="en-US" altLang="ko-KR" sz="2000" b="0" i="0" u="none" strike="noStrike" kern="1200" cap="none" spc="0" normalizeH="0" baseline="0" noProof="0" dirty="0">
+                <a:ln>
+                  <a:noFill/>
+                </a:ln>
+                <a:solidFill>
+                  <a:srgbClr val="326393">
+                    <a:lumMod val="20000"/>
+                    <a:lumOff val="80000"/>
+                  </a:srgbClr>
+                </a:solidFill>
+                <a:effectLst/>
+                <a:uLnTx/>
+                <a:uFillTx/>
+                <a:latin typeface="휴먼매직체" panose="02030504000101010101" pitchFamily="18" charset="-127"/>
+                <a:ea typeface="휴먼매직체" panose="02030504000101010101" pitchFamily="18" charset="-127"/>
+                <a:cs typeface="+mn-cs"/>
+              </a:rPr>
+              <a:t>, </a:t>
+            </a:r>
+            <a:r>
+              <a:rPr kumimoji="0" lang="ko-KR" altLang="en-US" sz="2000" b="0" i="0" u="none" strike="noStrike" kern="1200" cap="none" spc="0" normalizeH="0" baseline="0" noProof="0" dirty="0">
+                <a:ln>
+                  <a:noFill/>
+                </a:ln>
+                <a:solidFill>
+                  <a:srgbClr val="326393">
+                    <a:lumMod val="20000"/>
+                    <a:lumOff val="80000"/>
+                  </a:srgbClr>
+                </a:solidFill>
+                <a:effectLst/>
+                <a:uLnTx/>
+                <a:uFillTx/>
+                <a:latin typeface="휴먼매직체" panose="02030504000101010101" pitchFamily="18" charset="-127"/>
+                <a:ea typeface="휴먼매직체" panose="02030504000101010101" pitchFamily="18" charset="-127"/>
+                <a:cs typeface="+mn-cs"/>
+              </a:rPr>
+              <a:t>피트니스 기능으로 다양하게 건강 관리 가능</a:t>
+            </a:r>
+            <a:br>
+              <a:rPr kumimoji="0" lang="en-US" altLang="ko-KR" sz="2000" b="0" i="0" u="none" strike="noStrike" kern="1200" cap="none" spc="0" normalizeH="0" baseline="0" noProof="0" dirty="0">
+                <a:ln>
+                  <a:noFill/>
+                </a:ln>
+                <a:solidFill>
+                  <a:srgbClr val="326393">
+                    <a:lumMod val="20000"/>
+                    <a:lumOff val="80000"/>
+                  </a:srgbClr>
+                </a:solidFill>
+                <a:effectLst/>
+                <a:uLnTx/>
+                <a:uFillTx/>
+                <a:latin typeface="휴먼매직체" panose="02030504000101010101" pitchFamily="18" charset="-127"/>
+                <a:ea typeface="휴먼매직체" panose="02030504000101010101" pitchFamily="18" charset="-127"/>
+                <a:cs typeface="+mn-cs"/>
+              </a:rPr>
+            </a:br>
+            <a:endParaRPr kumimoji="0" lang="en-US" altLang="ko-KR" sz="2000" b="0" i="0" u="none" strike="noStrike" kern="1200" cap="none" spc="0" normalizeH="0" baseline="0" noProof="0" dirty="0">
+              <a:ln>
+                <a:noFill/>
+              </a:ln>
+              <a:solidFill>
+                <a:srgbClr val="326393">
+                  <a:lumMod val="20000"/>
+                  <a:lumOff val="80000"/>
+                </a:srgbClr>
+              </a:solidFill>
+              <a:effectLst/>
+              <a:uLnTx/>
+              <a:uFillTx/>
+              <a:latin typeface="휴먼매직체" panose="02030504000101010101" pitchFamily="18" charset="-127"/>
+              <a:ea typeface="휴먼매직체" panose="02030504000101010101" pitchFamily="18" charset="-127"/>
+              <a:cs typeface="+mn-cs"/>
+            </a:endParaRPr>
+          </a:p>
+          <a:p>
+            <a:pPr marL="342900" marR="0" lvl="0" indent="-342900" algn="l" defTabSz="914400" rtl="0" eaLnBrk="1" fontAlgn="auto" latinLnBrk="1" hangingPunct="1">
+              <a:lnSpc>
+                <a:spcPct val="100000"/>
+              </a:lnSpc>
+              <a:spcBef>
+                <a:spcPts val="0"/>
+              </a:spcBef>
+              <a:spcAft>
+                <a:spcPts val="0"/>
+              </a:spcAft>
+              <a:buClrTx/>
+              <a:buSzTx/>
+              <a:buFont typeface="Wingdings" panose="05000000000000000000" pitchFamily="2" charset="2"/>
+              <a:buChar char="ü"/>
+              <a:tabLst/>
+              <a:defRPr/>
+            </a:pPr>
+            <a:r>
+              <a:rPr lang="ko-KR" altLang="en-US" sz="2000" dirty="0">
+                <a:solidFill>
+                  <a:srgbClr val="326393">
+                    <a:lumMod val="20000"/>
+                    <a:lumOff val="80000"/>
+                  </a:srgbClr>
+                </a:solidFill>
+                <a:latin typeface="휴먼매직체" panose="02030504000101010101" pitchFamily="18" charset="-127"/>
+                <a:ea typeface="휴먼매직체" panose="02030504000101010101" pitchFamily="18" charset="-127"/>
+              </a:rPr>
+              <a:t>매일 건강 기록 확인 가능</a:t>
+            </a:r>
+            <a:endParaRPr lang="en-US" altLang="ko-KR" sz="2000" dirty="0">
+              <a:solidFill>
+                <a:srgbClr val="326393">
+                  <a:lumMod val="20000"/>
+                  <a:lumOff val="80000"/>
+                </a:srgbClr>
+              </a:solidFill>
+              <a:latin typeface="휴먼매직체" panose="02030504000101010101" pitchFamily="18" charset="-127"/>
+              <a:ea typeface="휴먼매직체" panose="02030504000101010101" pitchFamily="18" charset="-127"/>
+            </a:endParaRPr>
+          </a:p>
+          <a:p>
+            <a:pPr marL="342900" marR="0" lvl="0" indent="-342900" algn="l" defTabSz="914400" rtl="0" eaLnBrk="1" fontAlgn="auto" latinLnBrk="1" hangingPunct="1">
+              <a:lnSpc>
+                <a:spcPct val="100000"/>
+              </a:lnSpc>
+              <a:spcBef>
+                <a:spcPts val="0"/>
+              </a:spcBef>
+              <a:spcAft>
+                <a:spcPts val="0"/>
+              </a:spcAft>
+              <a:buClrTx/>
+              <a:buSzTx/>
+              <a:buFont typeface="Wingdings" panose="05000000000000000000" pitchFamily="2" charset="2"/>
+              <a:buChar char="ü"/>
+              <a:tabLst/>
+              <a:defRPr/>
+            </a:pPr>
+            <a:endParaRPr kumimoji="0" lang="en-US" altLang="ko-KR" sz="2000" b="0" i="0" u="none" strike="noStrike" kern="1200" cap="none" spc="0" normalizeH="0" baseline="0" noProof="0" dirty="0">
+              <a:ln>
+                <a:noFill/>
+              </a:ln>
+              <a:solidFill>
+                <a:srgbClr val="326393">
+                  <a:lumMod val="20000"/>
+                  <a:lumOff val="80000"/>
+                </a:srgbClr>
+              </a:solidFill>
+              <a:effectLst/>
+              <a:uLnTx/>
+              <a:uFillTx/>
+              <a:latin typeface="휴먼매직체" panose="02030504000101010101" pitchFamily="18" charset="-127"/>
+              <a:ea typeface="휴먼매직체" panose="02030504000101010101" pitchFamily="18" charset="-127"/>
+              <a:cs typeface="+mn-cs"/>
+            </a:endParaRPr>
+          </a:p>
+          <a:p>
+            <a:pPr marL="342900" marR="0" lvl="0" indent="-342900" algn="l" defTabSz="914400" rtl="0" eaLnBrk="1" fontAlgn="auto" latinLnBrk="1" hangingPunct="1">
+              <a:lnSpc>
+                <a:spcPct val="100000"/>
+              </a:lnSpc>
+              <a:spcBef>
+                <a:spcPts val="0"/>
+              </a:spcBef>
+              <a:spcAft>
+                <a:spcPts val="0"/>
+              </a:spcAft>
+              <a:buClrTx/>
+              <a:buSzTx/>
+              <a:buFont typeface="Wingdings" panose="05000000000000000000" pitchFamily="2" charset="2"/>
+              <a:buChar char="ü"/>
+              <a:tabLst/>
+              <a:defRPr/>
+            </a:pPr>
+            <a:r>
+              <a:rPr kumimoji="0" lang="ko-KR" altLang="en-US" sz="2000" b="0" i="0" u="none" strike="noStrike" kern="1200" cap="none" spc="0" normalizeH="0" baseline="0" noProof="0" dirty="0">
+                <a:ln>
+                  <a:noFill/>
+                </a:ln>
+                <a:solidFill>
+                  <a:srgbClr val="326393">
+                    <a:lumMod val="20000"/>
+                    <a:lumOff val="80000"/>
+                  </a:srgbClr>
+                </a:solidFill>
+                <a:effectLst/>
+                <a:uLnTx/>
+                <a:uFillTx/>
+                <a:latin typeface="휴먼매직체" panose="02030504000101010101" pitchFamily="18" charset="-127"/>
+                <a:ea typeface="휴먼매직체" panose="02030504000101010101" pitchFamily="18" charset="-127"/>
+                <a:cs typeface="+mn-cs"/>
+              </a:rPr>
+              <a:t>불확실한 칼로리 소모량</a:t>
+            </a:r>
+            <a:endParaRPr kumimoji="0" lang="en-US" altLang="ko-KR" sz="2000" b="0" i="0" u="none" strike="noStrike" kern="1200" cap="none" spc="0" normalizeH="0" baseline="0" noProof="0" dirty="0">
+              <a:ln>
+                <a:noFill/>
+              </a:ln>
+              <a:solidFill>
+                <a:srgbClr val="326393">
+                  <a:lumMod val="20000"/>
+                  <a:lumOff val="80000"/>
+                </a:srgbClr>
+              </a:solidFill>
+              <a:effectLst/>
+              <a:uLnTx/>
+              <a:uFillTx/>
+              <a:latin typeface="휴먼매직체" panose="02030504000101010101" pitchFamily="18" charset="-127"/>
+              <a:ea typeface="휴먼매직체" panose="02030504000101010101" pitchFamily="18" charset="-127"/>
+              <a:cs typeface="+mn-cs"/>
+            </a:endParaRPr>
+          </a:p>
+        </p:txBody>
+      </p:sp>
+      <p:sp>
+        <p:nvSpPr>
+          <p:cNvPr id="4" name="TextBox 3">
+            <a:extLst>
+              <a:ext uri="{FF2B5EF4-FFF2-40B4-BE49-F238E27FC236}">
+                <a16:creationId xmlns:a16="http://schemas.microsoft.com/office/drawing/2014/main" id="{9A70AB6F-DDAD-98E5-05F6-CEFF06FCB9CA}"/>
+              </a:ext>
+            </a:extLst>
+          </p:cNvPr>
+          <p:cNvSpPr txBox="1">
+            <a:spLocks noGrp="1" noRot="1" noMove="1" noResize="1" noEditPoints="1" noAdjustHandles="1" noChangeArrowheads="1" noChangeShapeType="1"/>
+          </p:cNvSpPr>
+          <p:nvPr/>
+        </p:nvSpPr>
+        <p:spPr>
+          <a:xfrm>
+            <a:off x="5318714" y="274532"/>
+            <a:ext cx="4823669" cy="400110"/>
+          </a:xfrm>
+          <a:prstGeom prst="rect">
+            <a:avLst/>
+          </a:prstGeom>
+          <a:noFill/>
+        </p:spPr>
+        <p:txBody>
+          <a:bodyPr wrap="square" rtlCol="0">
+            <a:spAutoFit/>
+          </a:bodyPr>
+          <a:lstStyle/>
+          <a:p>
+            <a:pPr marL="0" marR="0" lvl="0" indent="0" algn="l" defTabSz="914400" rtl="0" eaLnBrk="1" fontAlgn="auto" latinLnBrk="1" hangingPunct="1">
+              <a:lnSpc>
+                <a:spcPct val="100000"/>
+              </a:lnSpc>
+              <a:spcBef>
+                <a:spcPts val="0"/>
+              </a:spcBef>
+              <a:spcAft>
+                <a:spcPts val="0"/>
+              </a:spcAft>
+              <a:buClrTx/>
+              <a:buSzTx/>
+              <a:buFontTx/>
+              <a:buNone/>
+              <a:tabLst/>
+              <a:defRPr/>
+            </a:pPr>
+            <a:r>
+              <a:rPr kumimoji="0" lang="en-US" altLang="ko-KR" sz="2000" b="0" i="0" u="none" strike="noStrike" kern="1200" cap="none" spc="0" normalizeH="0" baseline="0" noProof="0" dirty="0">
+                <a:ln>
+                  <a:noFill/>
+                </a:ln>
+                <a:solidFill>
+                  <a:prstClr val="white"/>
+                </a:solidFill>
+                <a:effectLst/>
+                <a:uLnTx/>
+                <a:uFillTx/>
+                <a:latin typeface="휴먼매직체" panose="02030504000101010101" pitchFamily="18" charset="-127"/>
+                <a:ea typeface="휴먼매직체" panose="02030504000101010101" pitchFamily="18" charset="-127"/>
+                <a:cs typeface="+mn-cs"/>
+              </a:rPr>
+              <a:t>*</a:t>
+            </a:r>
+            <a:r>
+              <a:rPr kumimoji="0" lang="ko-KR" altLang="en-US" sz="2000" b="0" i="0" u="none" strike="noStrike" kern="1200" cap="none" spc="0" normalizeH="0" baseline="0" noProof="0" dirty="0">
+                <a:ln>
+                  <a:noFill/>
+                </a:ln>
+                <a:solidFill>
+                  <a:prstClr val="white"/>
+                </a:solidFill>
+                <a:effectLst/>
+                <a:uLnTx/>
+                <a:uFillTx/>
+                <a:latin typeface="휴먼매직체" panose="02030504000101010101" pitchFamily="18" charset="-127"/>
+                <a:ea typeface="휴먼매직체" panose="02030504000101010101" pitchFamily="18" charset="-127"/>
+                <a:cs typeface="+mn-cs"/>
+              </a:rPr>
+              <a:t>특징</a:t>
+            </a:r>
+            <a:r>
+              <a:rPr kumimoji="0" lang="en-US" altLang="ko-KR" sz="2000" b="0" i="0" u="none" strike="noStrike" kern="1200" cap="none" spc="0" normalizeH="0" baseline="0" noProof="0" dirty="0">
+                <a:ln>
+                  <a:noFill/>
+                </a:ln>
+                <a:solidFill>
+                  <a:prstClr val="white"/>
+                </a:solidFill>
+                <a:effectLst/>
+                <a:uLnTx/>
+                <a:uFillTx/>
+                <a:latin typeface="휴먼매직체" panose="02030504000101010101" pitchFamily="18" charset="-127"/>
+                <a:ea typeface="휴먼매직체" panose="02030504000101010101" pitchFamily="18" charset="-127"/>
+                <a:cs typeface="+mn-cs"/>
+              </a:rPr>
+              <a:t> </a:t>
+            </a:r>
+            <a:r>
+              <a:rPr kumimoji="0" lang="ko-KR" altLang="en-US" sz="2000" b="0" i="0" u="none" strike="noStrike" kern="1200" cap="none" spc="0" normalizeH="0" baseline="0" noProof="0" dirty="0">
+                <a:ln>
+                  <a:noFill/>
+                </a:ln>
+                <a:solidFill>
+                  <a:prstClr val="white"/>
+                </a:solidFill>
+                <a:effectLst/>
+                <a:uLnTx/>
+                <a:uFillTx/>
+                <a:latin typeface="휴먼매직체" panose="02030504000101010101" pitchFamily="18" charset="-127"/>
+                <a:ea typeface="휴먼매직체" panose="02030504000101010101" pitchFamily="18" charset="-127"/>
+                <a:cs typeface="+mn-cs"/>
+              </a:rPr>
+              <a:t>및 시사점 </a:t>
+            </a:r>
+            <a:r>
+              <a:rPr kumimoji="0" lang="en-US" altLang="ko-KR" sz="2000" b="0" i="0" u="none" strike="noStrike" kern="1200" cap="none" spc="0" normalizeH="0" baseline="0" noProof="0" dirty="0">
+                <a:ln>
+                  <a:noFill/>
+                </a:ln>
+                <a:solidFill>
+                  <a:prstClr val="white"/>
+                </a:solidFill>
+                <a:effectLst/>
+                <a:uLnTx/>
+                <a:uFillTx/>
+                <a:latin typeface="휴먼매직체" panose="02030504000101010101" pitchFamily="18" charset="-127"/>
+                <a:ea typeface="휴먼매직체" panose="02030504000101010101" pitchFamily="18" charset="-127"/>
+                <a:cs typeface="+mn-cs"/>
+              </a:rPr>
+              <a:t>(</a:t>
+            </a:r>
+            <a:r>
+              <a:rPr kumimoji="0" lang="ko-KR" altLang="en-US" sz="2000" b="0" i="0" u="none" strike="noStrike" kern="1200" cap="none" spc="0" normalizeH="0" baseline="0" noProof="0" dirty="0">
+                <a:ln>
+                  <a:noFill/>
+                </a:ln>
+                <a:solidFill>
+                  <a:prstClr val="white"/>
+                </a:solidFill>
+                <a:effectLst/>
+                <a:uLnTx/>
+                <a:uFillTx/>
+                <a:latin typeface="휴먼매직체" panose="02030504000101010101" pitchFamily="18" charset="-127"/>
+                <a:ea typeface="휴먼매직체" panose="02030504000101010101" pitchFamily="18" charset="-127"/>
+                <a:cs typeface="+mn-cs"/>
+              </a:rPr>
+              <a:t>이윤호</a:t>
+            </a:r>
+            <a:r>
+              <a:rPr kumimoji="0" lang="en-US" altLang="ko-KR" sz="2000" b="0" i="0" u="none" strike="noStrike" kern="1200" cap="none" spc="0" normalizeH="0" baseline="0" noProof="0" dirty="0">
+                <a:ln>
+                  <a:noFill/>
+                </a:ln>
+                <a:solidFill>
+                  <a:prstClr val="white"/>
+                </a:solidFill>
+                <a:effectLst/>
+                <a:uLnTx/>
+                <a:uFillTx/>
+                <a:latin typeface="휴먼매직체" panose="02030504000101010101" pitchFamily="18" charset="-127"/>
+                <a:ea typeface="휴먼매직체" panose="02030504000101010101" pitchFamily="18" charset="-127"/>
+                <a:cs typeface="+mn-cs"/>
+              </a:rPr>
+              <a:t>)</a:t>
+            </a:r>
+          </a:p>
+        </p:txBody>
+      </p:sp>
+    </p:spTree>
+    <p:extLst>
+      <p:ext uri="{BB962C8B-B14F-4D97-AF65-F5344CB8AC3E}">
+        <p14:creationId xmlns:p14="http://schemas.microsoft.com/office/powerpoint/2010/main" val="1556606414"/>
+      </p:ext>
+    </p:extLst>
+  </p:cSld>
+  <p:clrMapOvr>
+    <a:masterClrMapping/>
+  </p:clrMapOvr>
+  <mc:AlternateContent xmlns:mc="http://schemas.openxmlformats.org/markup-compatibility/2006" xmlns:p14="http://schemas.microsoft.com/office/powerpoint/2010/main">
+    <mc:Choice Requires="p14">
+      <p:transition spd="med" p14:dur="700">
+        <p:fade/>
+      </p:transition>
+    </mc:Choice>
+    <mc:Fallback xmlns="">
+      <p:transition spd="med">
+        <p:fade/>
+      </p:transition>
+    </mc:Fallback>
+  </mc:AlternateContent>
+</p:sld>
+</file>
+
+<file path=ppt/slides/slide22.xml><?xml version="1.0" encoding="utf-8"?>
 <p:sld xmlns:a="http://schemas.openxmlformats.org/drawingml/2006/main" xmlns:r="http://schemas.openxmlformats.org/officeDocument/2006/relationships" xmlns:p="http://schemas.openxmlformats.org/presentationml/2006/main">
   <p:cSld>
     <p:spTree>
@@ -20545,7 +22479,7 @@
         <p:spPr>
           <a:xfrm>
             <a:off x="329610" y="111525"/>
-            <a:ext cx="1478290" cy="523220"/>
+            <a:ext cx="2754920" cy="523220"/>
           </a:xfrm>
           <a:prstGeom prst="rect">
             <a:avLst/>
@@ -20553,13 +22487,13 @@
           <a:noFill/>
         </p:spPr>
         <p:txBody>
-          <a:bodyPr wrap="none" rtlCol="0">
+          <a:bodyPr wrap="square" rtlCol="0">
             <a:spAutoFit/>
           </a:bodyPr>
           <a:lstStyle/>
           <a:p>
             <a:r>
-              <a:rPr lang="en-US" altLang="ko-KR" sz="2800" spc="-300">
+              <a:rPr lang="en-US" altLang="ko-KR" sz="2800" spc="-300" dirty="0">
                 <a:solidFill>
                   <a:schemeClr val="tx1">
                     <a:lumMod val="85000"/>
@@ -20572,7 +22506,7 @@
               <a:t>4.</a:t>
             </a:r>
             <a:r>
-              <a:rPr lang="ko-KR" altLang="en-US" sz="2800" spc="-300">
+              <a:rPr lang="ko-KR" altLang="en-US" sz="2800" spc="-300" dirty="0">
                 <a:solidFill>
                   <a:schemeClr val="tx1">
                     <a:lumMod val="85000"/>
@@ -20582,7 +22516,46 @@
                 <a:latin typeface="휴먼매직체" panose="02030504000101010101" pitchFamily="18" charset="-127"/>
                 <a:ea typeface="휴먼매직체" panose="02030504000101010101" pitchFamily="18" charset="-127"/>
               </a:rPr>
-              <a:t>개발 목표</a:t>
+              <a:t>개발 목표 </a:t>
+            </a:r>
+            <a:r>
+              <a:rPr lang="en-US" altLang="ko-KR" sz="2800" spc="-300" dirty="0">
+                <a:solidFill>
+                  <a:schemeClr val="tx1">
+                    <a:lumMod val="85000"/>
+                    <a:lumOff val="15000"/>
+                  </a:schemeClr>
+                </a:solidFill>
+                <a:latin typeface="휴먼매직체" panose="02030504000101010101" pitchFamily="18" charset="-127"/>
+                <a:ea typeface="휴먼매직체" panose="02030504000101010101" pitchFamily="18" charset="-127"/>
+              </a:rPr>
+              <a:t>(</a:t>
+            </a:r>
+            <a:r>
+              <a:rPr lang="ko-KR" altLang="en-US" sz="2800" spc="-300" dirty="0">
+                <a:solidFill>
+                  <a:schemeClr val="tx1">
+                    <a:lumMod val="85000"/>
+                    <a:lumOff val="15000"/>
+                  </a:schemeClr>
+                </a:solidFill>
+                <a:latin typeface="휴먼매직체" panose="02030504000101010101" pitchFamily="18" charset="-127"/>
+                <a:ea typeface="휴먼매직체" panose="02030504000101010101" pitchFamily="18" charset="-127"/>
+              </a:rPr>
+              <a:t>이윤호</a:t>
+            </a:r>
+            <a:r>
+              <a:rPr lang="en-US" altLang="ko-KR" sz="2800" spc="-300" dirty="0">
+                <a:solidFill>
+                  <a:schemeClr val="tx1">
+                    <a:lumMod val="85000"/>
+                    <a:lumOff val="15000"/>
+                  </a:schemeClr>
+                </a:solidFill>
+                <a:latin typeface="휴먼매직체" panose="02030504000101010101" pitchFamily="18" charset="-127"/>
+                <a:ea typeface="휴먼매직체" panose="02030504000101010101" pitchFamily="18" charset="-127"/>
+              </a:rPr>
+              <a:t>)</a:t>
             </a:r>
             <a:endParaRPr lang="ko-KR" altLang="en-US" sz="2800" spc="-300" dirty="0">
               <a:solidFill>
@@ -20962,7 +22935,66 @@
           <a:lstStyle/>
           <a:p>
             <a:pPr algn="ctr"/>
-            <a:endParaRPr lang="ko-KR" altLang="en-US"/>
+            <a:r>
+              <a:rPr lang="en-US" altLang="ko-KR" sz="2000" dirty="0">
+                <a:solidFill>
+                  <a:schemeClr val="accent4"/>
+                </a:solidFill>
+                <a:latin typeface="휴먼매직체" panose="02030504000101010101" pitchFamily="18" charset="-127"/>
+                <a:ea typeface="휴먼매직체" panose="02030504000101010101" pitchFamily="18" charset="-127"/>
+              </a:rPr>
+              <a:t>AR</a:t>
+            </a:r>
+            <a:r>
+              <a:rPr lang="ko-KR" altLang="en-US" sz="2000" dirty="0">
+                <a:solidFill>
+                  <a:schemeClr val="accent4"/>
+                </a:solidFill>
+                <a:latin typeface="휴먼매직체" panose="02030504000101010101" pitchFamily="18" charset="-127"/>
+                <a:ea typeface="휴먼매직체" panose="02030504000101010101" pitchFamily="18" charset="-127"/>
+              </a:rPr>
+              <a:t>로 음식 성분 확인</a:t>
+            </a:r>
+            <a:endParaRPr lang="en-US" altLang="ko-KR" sz="2000" dirty="0">
+              <a:solidFill>
+                <a:schemeClr val="accent4"/>
+              </a:solidFill>
+              <a:latin typeface="휴먼매직체" panose="02030504000101010101" pitchFamily="18" charset="-127"/>
+              <a:ea typeface="휴먼매직체" panose="02030504000101010101" pitchFamily="18" charset="-127"/>
+            </a:endParaRPr>
+          </a:p>
+          <a:p>
+            <a:pPr algn="ctr"/>
+            <a:endParaRPr lang="en-US" altLang="ko-KR" sz="2000" dirty="0">
+              <a:solidFill>
+                <a:schemeClr val="accent4"/>
+              </a:solidFill>
+              <a:latin typeface="휴먼매직체" panose="02030504000101010101" pitchFamily="18" charset="-127"/>
+              <a:ea typeface="휴먼매직체" panose="02030504000101010101" pitchFamily="18" charset="-127"/>
+            </a:endParaRPr>
+          </a:p>
+          <a:p>
+            <a:pPr algn="ctr"/>
+            <a:r>
+              <a:rPr lang="en-US" altLang="ko-KR" sz="2000" dirty="0">
+                <a:solidFill>
+                  <a:schemeClr val="accent4"/>
+                </a:solidFill>
+                <a:latin typeface="휴먼매직체" panose="02030504000101010101" pitchFamily="18" charset="-127"/>
+                <a:ea typeface="휴먼매직체" panose="02030504000101010101" pitchFamily="18" charset="-127"/>
+              </a:rPr>
+              <a:t>-</a:t>
+            </a:r>
+            <a:r>
+              <a:rPr lang="ko-KR" altLang="en-US" sz="2000" dirty="0">
+                <a:solidFill>
+                  <a:schemeClr val="accent4"/>
+                </a:solidFill>
+                <a:latin typeface="휴먼매직체" panose="02030504000101010101" pitchFamily="18" charset="-127"/>
+                <a:ea typeface="휴먼매직체" panose="02030504000101010101" pitchFamily="18" charset="-127"/>
+              </a:rPr>
+              <a:t> 음식 성분을 직관적으로 확인</a:t>
+            </a:r>
           </a:p>
         </p:txBody>
       </p:sp>
@@ -21014,7 +23046,66 @@
           <a:lstStyle/>
           <a:p>
             <a:pPr algn="ctr"/>
-            <a:endParaRPr lang="ko-KR" altLang="en-US"/>
+            <a:r>
+              <a:rPr lang="en-US" altLang="ko-KR" sz="2000" dirty="0">
+                <a:solidFill>
+                  <a:schemeClr val="bg2"/>
+                </a:solidFill>
+                <a:latin typeface="휴먼매직체" panose="02030504000101010101" pitchFamily="18" charset="-127"/>
+                <a:ea typeface="휴먼매직체" panose="02030504000101010101" pitchFamily="18" charset="-127"/>
+              </a:rPr>
+              <a:t>AR</a:t>
+            </a:r>
+            <a:r>
+              <a:rPr lang="ko-KR" altLang="en-US" sz="2000" dirty="0">
+                <a:solidFill>
+                  <a:schemeClr val="bg2"/>
+                </a:solidFill>
+                <a:latin typeface="휴먼매직체" panose="02030504000101010101" pitchFamily="18" charset="-127"/>
+                <a:ea typeface="휴먼매직체" panose="02030504000101010101" pitchFamily="18" charset="-127"/>
+              </a:rPr>
+              <a:t>로 내가 먹은 양만큼 음식 성분 계산 및 기록</a:t>
+            </a:r>
+            <a:endParaRPr lang="en-US" altLang="ko-KR" sz="2000" dirty="0">
+              <a:solidFill>
+                <a:schemeClr val="bg2"/>
+              </a:solidFill>
+              <a:latin typeface="휴먼매직체" panose="02030504000101010101" pitchFamily="18" charset="-127"/>
+              <a:ea typeface="휴먼매직체" panose="02030504000101010101" pitchFamily="18" charset="-127"/>
+            </a:endParaRPr>
+          </a:p>
+          <a:p>
+            <a:pPr algn="ctr"/>
+            <a:endParaRPr lang="en-US" altLang="ko-KR" sz="2000" dirty="0">
+              <a:solidFill>
+                <a:schemeClr val="bg2"/>
+              </a:solidFill>
+              <a:latin typeface="휴먼매직체" panose="02030504000101010101" pitchFamily="18" charset="-127"/>
+              <a:ea typeface="휴먼매직체" panose="02030504000101010101" pitchFamily="18" charset="-127"/>
+            </a:endParaRPr>
+          </a:p>
+          <a:p>
+            <a:pPr algn="ctr"/>
+            <a:r>
+              <a:rPr lang="en-US" altLang="ko-KR" sz="2000" dirty="0">
+                <a:solidFill>
+                  <a:schemeClr val="bg2"/>
+                </a:solidFill>
+                <a:latin typeface="휴먼매직체" panose="02030504000101010101" pitchFamily="18" charset="-127"/>
+                <a:ea typeface="휴먼매직체" panose="02030504000101010101" pitchFamily="18" charset="-127"/>
+              </a:rPr>
+              <a:t>- </a:t>
+            </a:r>
+            <a:r>
+              <a:rPr lang="ko-KR" altLang="en-US" sz="2000" dirty="0">
+                <a:solidFill>
+                  <a:schemeClr val="bg2"/>
+                </a:solidFill>
+                <a:latin typeface="휴먼매직체" panose="02030504000101010101" pitchFamily="18" charset="-127"/>
+                <a:ea typeface="휴먼매직체" panose="02030504000101010101" pitchFamily="18" charset="-127"/>
+              </a:rPr>
+              <a:t>영양소를 얼마나 섭취했는지 확인 및 기록</a:t>
+            </a:r>
           </a:p>
         </p:txBody>
       </p:sp>
@@ -21066,7 +23157,106 @@
           <a:lstStyle/>
           <a:p>
             <a:pPr algn="ctr"/>
-            <a:endParaRPr lang="ko-KR" altLang="en-US"/>
+            <a:r>
+              <a:rPr lang="ko-KR" altLang="en-US" sz="2000" dirty="0">
+                <a:solidFill>
+                  <a:schemeClr val="accent1"/>
+                </a:solidFill>
+                <a:latin typeface="휴먼매직체" panose="02030504000101010101" pitchFamily="18" charset="-127"/>
+                <a:ea typeface="휴먼매직체" panose="02030504000101010101" pitchFamily="18" charset="-127"/>
+              </a:rPr>
+              <a:t>보건소 모바일 헬스케어 </a:t>
+            </a:r>
+            <a:r>
+              <a:rPr lang="en-US" altLang="ko-KR" sz="2000" dirty="0">
+                <a:solidFill>
+                  <a:schemeClr val="accent1"/>
+                </a:solidFill>
+                <a:latin typeface="휴먼매직체" panose="02030504000101010101" pitchFamily="18" charset="-127"/>
+                <a:ea typeface="휴먼매직체" panose="02030504000101010101" pitchFamily="18" charset="-127"/>
+              </a:rPr>
+              <a:t>open </a:t>
+            </a:r>
+            <a:r>
+              <a:rPr lang="en-US" altLang="ko-KR" sz="2000" dirty="0" err="1">
+                <a:solidFill>
+                  <a:schemeClr val="accent1"/>
+                </a:solidFill>
+                <a:latin typeface="휴먼매직체" panose="02030504000101010101" pitchFamily="18" charset="-127"/>
+                <a:ea typeface="휴먼매직체" panose="02030504000101010101" pitchFamily="18" charset="-127"/>
+              </a:rPr>
+              <a:t>api</a:t>
+            </a:r>
+            <a:r>
+              <a:rPr lang="ko-KR" altLang="en-US" sz="2000" dirty="0">
+                <a:solidFill>
+                  <a:schemeClr val="accent1"/>
+                </a:solidFill>
+                <a:latin typeface="휴먼매직체" panose="02030504000101010101" pitchFamily="18" charset="-127"/>
+                <a:ea typeface="휴먼매직체" panose="02030504000101010101" pitchFamily="18" charset="-127"/>
+              </a:rPr>
+              <a:t>로 체성분계 연동</a:t>
+            </a:r>
+            <a:endParaRPr lang="en-US" altLang="ko-KR" sz="2000" dirty="0">
+              <a:solidFill>
+                <a:schemeClr val="accent1"/>
+              </a:solidFill>
+              <a:latin typeface="휴먼매직체" panose="02030504000101010101" pitchFamily="18" charset="-127"/>
+              <a:ea typeface="휴먼매직체" panose="02030504000101010101" pitchFamily="18" charset="-127"/>
+            </a:endParaRPr>
+          </a:p>
+          <a:p>
+            <a:pPr algn="ctr"/>
+            <a:endParaRPr lang="en-US" altLang="ko-KR" sz="2000" dirty="0">
+              <a:solidFill>
+                <a:schemeClr val="accent1"/>
+              </a:solidFill>
+              <a:latin typeface="휴먼매직체" panose="02030504000101010101" pitchFamily="18" charset="-127"/>
+              <a:ea typeface="휴먼매직체" panose="02030504000101010101" pitchFamily="18" charset="-127"/>
+            </a:endParaRPr>
+          </a:p>
+          <a:p>
+            <a:pPr algn="ctr"/>
+            <a:r>
+              <a:rPr lang="en-US" altLang="ko-KR" sz="2000" dirty="0">
+                <a:solidFill>
+                  <a:schemeClr val="accent1"/>
+                </a:solidFill>
+                <a:latin typeface="휴먼매직체" panose="02030504000101010101" pitchFamily="18" charset="-127"/>
+                <a:ea typeface="휴먼매직체" panose="02030504000101010101" pitchFamily="18" charset="-127"/>
+              </a:rPr>
+              <a:t>- </a:t>
+            </a:r>
+            <a:r>
+              <a:rPr lang="ko-KR" altLang="en-US" sz="2000" dirty="0">
+                <a:solidFill>
+                  <a:schemeClr val="accent1"/>
+                </a:solidFill>
+                <a:latin typeface="휴먼매직체" panose="02030504000101010101" pitchFamily="18" charset="-127"/>
+                <a:ea typeface="휴먼매직체" panose="02030504000101010101" pitchFamily="18" charset="-127"/>
+              </a:rPr>
+              <a:t>측정된 </a:t>
+            </a:r>
+            <a:r>
+              <a:rPr lang="ko-KR" altLang="en-US" sz="2000" dirty="0" err="1">
+                <a:solidFill>
+                  <a:schemeClr val="accent1"/>
+                </a:solidFill>
+                <a:latin typeface="휴먼매직체" panose="02030504000101010101" pitchFamily="18" charset="-127"/>
+                <a:ea typeface="휴먼매직체" panose="02030504000101010101" pitchFamily="18" charset="-127"/>
+              </a:rPr>
+              <a:t>체성분</a:t>
+            </a:r>
+            <a:r>
+              <a:rPr lang="ko-KR" altLang="en-US" sz="2000" dirty="0">
+                <a:solidFill>
+                  <a:schemeClr val="accent1"/>
+                </a:solidFill>
+                <a:latin typeface="휴먼매직체" panose="02030504000101010101" pitchFamily="18" charset="-127"/>
+                <a:ea typeface="휴먼매직체" panose="02030504000101010101" pitchFamily="18" charset="-127"/>
+              </a:rPr>
+              <a:t> 기록</a:t>
+            </a:r>
           </a:p>
         </p:txBody>
       </p:sp>
@@ -21118,7 +23308,16 @@
           <a:lstStyle/>
           <a:p>
             <a:pPr algn="ctr"/>
-            <a:endParaRPr lang="ko-KR" altLang="en-US"/>
+            <a:r>
+              <a:rPr lang="ko-KR" altLang="en-US" sz="2000" dirty="0">
+                <a:solidFill>
+                  <a:schemeClr val="tx2"/>
+                </a:solidFill>
+                <a:latin typeface="휴먼매직체" panose="02030504000101010101" pitchFamily="18" charset="-127"/>
+                <a:ea typeface="휴먼매직체" panose="02030504000101010101" pitchFamily="18" charset="-127"/>
+              </a:rPr>
+              <a:t>측정된 체성분에 따라 필요 섭취량 조절</a:t>
+            </a:r>
           </a:p>
         </p:txBody>
       </p:sp>
@@ -21147,7 +23346,7 @@
 </p:sld>
 </file>
 
-<file path=ppt/slides/slide22.xml><?xml version="1.0" encoding="utf-8"?>
+<file path=ppt/slides/slide23.xml><?xml version="1.0" encoding="utf-8"?>
 <p:sld xmlns:a="http://schemas.openxmlformats.org/drawingml/2006/main" xmlns:r="http://schemas.openxmlformats.org/officeDocument/2006/relationships" xmlns:p="http://schemas.openxmlformats.org/presentationml/2006/main">
   <p:cSld>
     <p:spTree>
@@ -21491,7 +23690,7 @@
 </p:sld>
 </file>
 
-<file path=ppt/slides/slide23.xml><?xml version="1.0" encoding="utf-8"?>
+<file path=ppt/slides/slide24.xml><?xml version="1.0" encoding="utf-8"?>
 <p:sld xmlns:a="http://schemas.openxmlformats.org/drawingml/2006/main" xmlns:r="http://schemas.openxmlformats.org/officeDocument/2006/relationships" xmlns:p="http://schemas.openxmlformats.org/presentationml/2006/main">
   <p:cSld>
     <p:spTree>
@@ -22234,7 +24433,7 @@
 </p:sld>
 </file>
 
-<file path=ppt/slides/slide24.xml><?xml version="1.0" encoding="utf-8"?>
+<file path=ppt/slides/slide25.xml><?xml version="1.0" encoding="utf-8"?>
 <p:sld xmlns:a="http://schemas.openxmlformats.org/drawingml/2006/main" xmlns:r="http://schemas.openxmlformats.org/officeDocument/2006/relationships" xmlns:p="http://schemas.openxmlformats.org/presentationml/2006/main">
   <p:cSld>
     <p:spTree>
@@ -23879,7 +26078,7 @@
 </p:sld>
 </file>
 
-<file path=ppt/slides/slide25.xml><?xml version="1.0" encoding="utf-8"?>
+<file path=ppt/slides/slide26.xml><?xml version="1.0" encoding="utf-8"?>
 <p:sld xmlns:a="http://schemas.openxmlformats.org/drawingml/2006/main" xmlns:r="http://schemas.openxmlformats.org/officeDocument/2006/relationships" xmlns:p="http://schemas.openxmlformats.org/presentationml/2006/main">
   <p:cSld>
     <p:bg>
@@ -24050,7 +26249,7 @@
 </p:sld>
 </file>
 
-<file path=ppt/slides/slide26.xml><?xml version="1.0" encoding="utf-8"?>
+<file path=ppt/slides/slide27.xml><?xml version="1.0" encoding="utf-8"?>
 <p:sld xmlns:a="http://schemas.openxmlformats.org/drawingml/2006/main" xmlns:r="http://schemas.openxmlformats.org/officeDocument/2006/relationships" xmlns:p="http://schemas.openxmlformats.org/presentationml/2006/main">
   <p:cSld>
     <p:bg>
@@ -24349,7 +26548,7 @@
 </p:sld>
 </file>
 
-<file path=ppt/slides/slide27.xml><?xml version="1.0" encoding="utf-8"?>
+<file path=ppt/slides/slide28.xml><?xml version="1.0" encoding="utf-8"?>
 <p:sld xmlns:a="http://schemas.openxmlformats.org/drawingml/2006/main" xmlns:r="http://schemas.openxmlformats.org/officeDocument/2006/relationships" xmlns:p="http://schemas.openxmlformats.org/presentationml/2006/main">
   <p:cSld>
     <p:spTree>
@@ -25701,7 +27900,7 @@
 </p:sld>
 </file>
 
-<file path=ppt/slides/slide28.xml><?xml version="1.0" encoding="utf-8"?>
+<file path=ppt/slides/slide29.xml><?xml version="1.0" encoding="utf-8"?>
 <p:sld xmlns:a="http://schemas.openxmlformats.org/drawingml/2006/main" xmlns:r="http://schemas.openxmlformats.org/officeDocument/2006/relationships" xmlns:p="http://schemas.openxmlformats.org/presentationml/2006/main">
   <p:cSld>
     <p:spTree>
@@ -26789,529 +28988,6 @@
 </p:sld>
 </file>
 
-<file path=ppt/slides/slide29.xml><?xml version="1.0" encoding="utf-8"?>
-<p:sld xmlns:a="http://schemas.openxmlformats.org/drawingml/2006/main" xmlns:r="http://schemas.openxmlformats.org/officeDocument/2006/relationships" xmlns:p="http://schemas.openxmlformats.org/presentationml/2006/main">
-  <p:cSld>
-    <p:spTree>
-      <p:nvGrpSpPr>
-        <p:cNvPr id="1" name=""/>
-        <p:cNvGrpSpPr/>
-        <p:nvPr/>
-      </p:nvGrpSpPr>
-      <p:grpSpPr>
-        <a:xfrm>
-          <a:off x="0" y="0"/>
-          <a:ext cx="0" cy="0"/>
-          <a:chOff x="0" y="0"/>
-          <a:chExt cx="0" cy="0"/>
-        </a:xfrm>
-      </p:grpSpPr>
-      <p:cxnSp>
-        <p:nvCxnSpPr>
-          <p:cNvPr id="4" name="직선 연결선 3">
-            <a:extLst>
-              <a:ext uri="{FF2B5EF4-FFF2-40B4-BE49-F238E27FC236}">
-                <a16:creationId xmlns:a16="http://schemas.microsoft.com/office/drawing/2014/main" id="{9A8E474A-6ECB-442D-8A42-7881F4DFBB2A}"/>
-              </a:ext>
-            </a:extLst>
-          </p:cNvPr>
-          <p:cNvCxnSpPr>
-            <a:cxnSpLocks/>
-          </p:cNvCxnSpPr>
-          <p:nvPr/>
-        </p:nvCxnSpPr>
-        <p:spPr>
-          <a:xfrm>
-            <a:off x="177800" y="835707"/>
-            <a:ext cx="12014200" cy="0"/>
-          </a:xfrm>
-          <a:prstGeom prst="line">
-            <a:avLst/>
-          </a:prstGeom>
-          <a:ln>
-            <a:solidFill>
-              <a:schemeClr val="accent2"/>
-            </a:solidFill>
-          </a:ln>
-        </p:spPr>
-        <p:style>
-          <a:lnRef idx="1">
-            <a:schemeClr val="accent1"/>
-          </a:lnRef>
-          <a:fillRef idx="0">
-            <a:schemeClr val="accent1"/>
-          </a:fillRef>
-          <a:effectRef idx="0">
-            <a:schemeClr val="accent1"/>
-          </a:effectRef>
-          <a:fontRef idx="minor">
-            <a:schemeClr val="tx1"/>
-          </a:fontRef>
-        </p:style>
-      </p:cxnSp>
-      <p:sp>
-        <p:nvSpPr>
-          <p:cNvPr id="5" name="직사각형 4">
-            <a:extLst>
-              <a:ext uri="{FF2B5EF4-FFF2-40B4-BE49-F238E27FC236}">
-                <a16:creationId xmlns:a16="http://schemas.microsoft.com/office/drawing/2014/main" id="{76EF8051-9646-4552-BE57-7D95D1538BA2}"/>
-              </a:ext>
-            </a:extLst>
-          </p:cNvPr>
-          <p:cNvSpPr/>
-          <p:nvPr/>
-        </p:nvSpPr>
-        <p:spPr>
-          <a:xfrm>
-            <a:off x="0" y="0"/>
-            <a:ext cx="177800" cy="6858000"/>
-          </a:xfrm>
-          <a:prstGeom prst="rect">
-            <a:avLst/>
-          </a:prstGeom>
-          <a:solidFill>
-            <a:schemeClr val="accent1"/>
-          </a:solidFill>
-          <a:ln>
-            <a:noFill/>
-          </a:ln>
-        </p:spPr>
-        <p:style>
-          <a:lnRef idx="2">
-            <a:schemeClr val="accent1">
-              <a:shade val="50000"/>
-            </a:schemeClr>
-          </a:lnRef>
-          <a:fillRef idx="1">
-            <a:schemeClr val="accent1"/>
-          </a:fillRef>
-          <a:effectRef idx="0">
-            <a:schemeClr val="accent1"/>
-          </a:effectRef>
-          <a:fontRef idx="minor">
-            <a:schemeClr val="lt1"/>
-          </a:fontRef>
-        </p:style>
-        <p:txBody>
-          <a:bodyPr rtlCol="0" anchor="ctr"/>
-          <a:lstStyle/>
-          <a:p>
-            <a:pPr algn="ctr"/>
-            <a:endParaRPr lang="ko-KR" altLang="en-US"/>
-          </a:p>
-        </p:txBody>
-      </p:sp>
-      <p:sp>
-        <p:nvSpPr>
-          <p:cNvPr id="9" name="TextBox 8">
-            <a:extLst>
-              <a:ext uri="{FF2B5EF4-FFF2-40B4-BE49-F238E27FC236}">
-                <a16:creationId xmlns:a16="http://schemas.microsoft.com/office/drawing/2014/main" id="{7FFA9BC9-96FB-4B17-AF51-48D81692F2D7}"/>
-              </a:ext>
-            </a:extLst>
-          </p:cNvPr>
-          <p:cNvSpPr txBox="1"/>
-          <p:nvPr/>
-        </p:nvSpPr>
-        <p:spPr>
-          <a:xfrm>
-            <a:off x="329610" y="111525"/>
-            <a:ext cx="3134191" cy="584775"/>
-          </a:xfrm>
-          <a:prstGeom prst="rect">
-            <a:avLst/>
-          </a:prstGeom>
-          <a:noFill/>
-        </p:spPr>
-        <p:txBody>
-          <a:bodyPr wrap="none" rtlCol="0">
-            <a:spAutoFit/>
-          </a:bodyPr>
-          <a:lstStyle/>
-          <a:p>
-            <a:r>
-              <a:rPr lang="ko-KR" altLang="en-US" sz="3200" spc="-300" dirty="0">
-                <a:solidFill>
-                  <a:schemeClr val="tx1">
-                    <a:lumMod val="85000"/>
-                    <a:lumOff val="15000"/>
-                  </a:schemeClr>
-                </a:solidFill>
-              </a:rPr>
-              <a:t>제목을 입력하세요</a:t>
-            </a:r>
-          </a:p>
-        </p:txBody>
-      </p:sp>
-      <p:graphicFrame>
-        <p:nvGraphicFramePr>
-          <p:cNvPr id="24" name="다이어그램 23">
-            <a:extLst>
-              <a:ext uri="{FF2B5EF4-FFF2-40B4-BE49-F238E27FC236}">
-                <a16:creationId xmlns:a16="http://schemas.microsoft.com/office/drawing/2014/main" id="{EE3E2F4D-6BE1-4FCD-B33E-961CD7CF38F5}"/>
-              </a:ext>
-            </a:extLst>
-          </p:cNvPr>
-          <p:cNvGraphicFramePr/>
-          <p:nvPr>
-            <p:extLst>
-              <p:ext uri="{D42A27DB-BD31-4B8C-83A1-F6EECF244321}">
-                <p14:modId xmlns:p14="http://schemas.microsoft.com/office/powerpoint/2010/main" val="3209711143"/>
-              </p:ext>
-            </p:extLst>
-          </p:nvPr>
-        </p:nvGraphicFramePr>
-        <p:xfrm>
-          <a:off x="417217" y="2081080"/>
-          <a:ext cx="5410200" cy="3822699"/>
-        </p:xfrm>
-        <a:graphic>
-          <a:graphicData uri="http://schemas.openxmlformats.org/drawingml/2006/diagram">
-            <dgm:relIds xmlns:dgm="http://schemas.openxmlformats.org/drawingml/2006/diagram" xmlns:r="http://schemas.openxmlformats.org/officeDocument/2006/relationships" r:dm="rId2" r:lo="rId3" r:qs="rId4" r:cs="rId5"/>
-          </a:graphicData>
-        </a:graphic>
-      </p:graphicFrame>
-      <p:sp>
-        <p:nvSpPr>
-          <p:cNvPr id="25" name="TextBox 24">
-            <a:extLst>
-              <a:ext uri="{FF2B5EF4-FFF2-40B4-BE49-F238E27FC236}">
-                <a16:creationId xmlns:a16="http://schemas.microsoft.com/office/drawing/2014/main" id="{3A60998A-E839-4F72-83D7-9194FA3C7526}"/>
-              </a:ext>
-            </a:extLst>
-          </p:cNvPr>
-          <p:cNvSpPr txBox="1"/>
-          <p:nvPr/>
-        </p:nvSpPr>
-        <p:spPr>
-          <a:xfrm>
-            <a:off x="6504263" y="3591469"/>
-            <a:ext cx="5270520" cy="2144754"/>
-          </a:xfrm>
-          <a:prstGeom prst="rect">
-            <a:avLst/>
-          </a:prstGeom>
-          <a:noFill/>
-        </p:spPr>
-        <p:txBody>
-          <a:bodyPr wrap="square" rtlCol="0" anchor="t">
-            <a:spAutoFit/>
-          </a:bodyPr>
-          <a:lstStyle/>
-          <a:p>
-            <a:pPr algn="just">
-              <a:lnSpc>
-                <a:spcPct val="120000"/>
-              </a:lnSpc>
-            </a:pPr>
-            <a:r>
-              <a:rPr lang="ko-KR" altLang="en-US" sz="1600" spc="-150" dirty="0">
-                <a:latin typeface="+mn-ea"/>
-              </a:rPr>
-              <a:t>그리워 멀리 하나에 이름과</a:t>
-            </a:r>
-            <a:r>
-              <a:rPr lang="en-US" altLang="ko-KR" sz="1600" spc="-150" dirty="0">
-                <a:latin typeface="+mn-ea"/>
-              </a:rPr>
-              <a:t>, </a:t>
-            </a:r>
-            <a:r>
-              <a:rPr lang="ko-KR" altLang="en-US" sz="1600" spc="-150" dirty="0">
-                <a:latin typeface="+mn-ea"/>
-              </a:rPr>
-              <a:t>무엇인지 별에도 어머니 이름자 </a:t>
-            </a:r>
-            <a:r>
-              <a:rPr lang="ko-KR" altLang="en-US" sz="1600" spc="-150" dirty="0" err="1">
-                <a:latin typeface="+mn-ea"/>
-              </a:rPr>
-              <a:t>거외다</a:t>
-            </a:r>
-            <a:r>
-              <a:rPr lang="en-US" altLang="ko-KR" sz="1600" spc="-150" dirty="0">
-                <a:latin typeface="+mn-ea"/>
-              </a:rPr>
-              <a:t>. </a:t>
-            </a:r>
-            <a:r>
-              <a:rPr lang="ko-KR" altLang="en-US" sz="1600" spc="-150" dirty="0">
-                <a:latin typeface="+mn-ea"/>
-              </a:rPr>
-              <a:t>하나에 슬퍼하는 너무나 위에 된 봅니다</a:t>
-            </a:r>
-            <a:r>
-              <a:rPr lang="en-US" altLang="ko-KR" sz="1600" spc="-150" dirty="0">
-                <a:latin typeface="+mn-ea"/>
-              </a:rPr>
-              <a:t>. </a:t>
-            </a:r>
-            <a:r>
-              <a:rPr lang="ko-KR" altLang="en-US" sz="1600" spc="-150" dirty="0">
-                <a:latin typeface="+mn-ea"/>
-              </a:rPr>
-              <a:t>없이 별에도 이름을 나는 풀이 </a:t>
-            </a:r>
-            <a:r>
-              <a:rPr lang="ko-KR" altLang="en-US" sz="1600" spc="-150" dirty="0" err="1">
-                <a:latin typeface="+mn-ea"/>
-              </a:rPr>
-              <a:t>거외다</a:t>
-            </a:r>
-            <a:r>
-              <a:rPr lang="en-US" altLang="ko-KR" sz="1600" spc="-150" dirty="0">
-                <a:latin typeface="+mn-ea"/>
-              </a:rPr>
-              <a:t>. </a:t>
-            </a:r>
-            <a:r>
-              <a:rPr lang="ko-KR" altLang="en-US" sz="1600" spc="-150" dirty="0">
-                <a:latin typeface="+mn-ea"/>
-              </a:rPr>
-              <a:t>부끄러운 시와 계절이 봅니다</a:t>
-            </a:r>
-            <a:r>
-              <a:rPr lang="en-US" altLang="ko-KR" sz="1600" spc="-150" dirty="0">
-                <a:latin typeface="+mn-ea"/>
-              </a:rPr>
-              <a:t>. </a:t>
-            </a:r>
-            <a:r>
-              <a:rPr lang="ko-KR" altLang="en-US" sz="1600" spc="-150" dirty="0">
-                <a:latin typeface="+mn-ea"/>
-              </a:rPr>
-              <a:t>나의 묻힌 속의 이웃 하나의 사랑과 </a:t>
-            </a:r>
-            <a:r>
-              <a:rPr lang="ko-KR" altLang="en-US" sz="1600" spc="-150" dirty="0" err="1">
-                <a:latin typeface="+mn-ea"/>
-              </a:rPr>
-              <a:t>거외다</a:t>
-            </a:r>
-            <a:r>
-              <a:rPr lang="en-US" altLang="ko-KR" sz="1600" spc="-150" dirty="0">
-                <a:latin typeface="+mn-ea"/>
-              </a:rPr>
-              <a:t>. </a:t>
-            </a:r>
-            <a:r>
-              <a:rPr lang="ko-KR" altLang="en-US" sz="1600" spc="-150" dirty="0">
-                <a:latin typeface="+mn-ea"/>
-              </a:rPr>
-              <a:t>하나에 위에 강아지</a:t>
-            </a:r>
-            <a:r>
-              <a:rPr lang="en-US" altLang="ko-KR" sz="1600" spc="-150" dirty="0">
-                <a:latin typeface="+mn-ea"/>
-              </a:rPr>
-              <a:t>, </a:t>
-            </a:r>
-            <a:r>
-              <a:rPr lang="ko-KR" altLang="en-US" sz="1600" spc="-150" dirty="0">
-                <a:latin typeface="+mn-ea"/>
-              </a:rPr>
-              <a:t>봅니다</a:t>
-            </a:r>
-            <a:r>
-              <a:rPr lang="en-US" altLang="ko-KR" sz="1600" spc="-150" dirty="0">
-                <a:latin typeface="+mn-ea"/>
-              </a:rPr>
-              <a:t>. </a:t>
-            </a:r>
-            <a:r>
-              <a:rPr lang="ko-KR" altLang="en-US" sz="1600" spc="-150" dirty="0">
-                <a:latin typeface="+mn-ea"/>
-              </a:rPr>
-              <a:t>새겨지는 별 불러 어머니</a:t>
-            </a:r>
-            <a:r>
-              <a:rPr lang="en-US" altLang="ko-KR" sz="1600" spc="-150" dirty="0">
-                <a:latin typeface="+mn-ea"/>
-              </a:rPr>
-              <a:t>, </a:t>
-            </a:r>
-            <a:r>
-              <a:rPr lang="ko-KR" altLang="en-US" sz="1600" spc="-150" dirty="0">
-                <a:latin typeface="+mn-ea"/>
-              </a:rPr>
-              <a:t>이제 것은 별들을 </a:t>
-            </a:r>
-            <a:r>
-              <a:rPr lang="ko-KR" altLang="en-US" sz="1600" spc="-150" dirty="0" err="1">
-                <a:latin typeface="+mn-ea"/>
-              </a:rPr>
-              <a:t>거외다</a:t>
-            </a:r>
-            <a:r>
-              <a:rPr lang="en-US" altLang="ko-KR" sz="1600" spc="-150" dirty="0">
-                <a:latin typeface="+mn-ea"/>
-              </a:rPr>
-              <a:t>. </a:t>
-            </a:r>
-            <a:r>
-              <a:rPr lang="ko-KR" altLang="en-US" sz="1600" spc="-150" dirty="0">
-                <a:latin typeface="+mn-ea"/>
-              </a:rPr>
-              <a:t>된 슬퍼하는 못 별 시인의 사랑과 있습니다</a:t>
-            </a:r>
-            <a:r>
-              <a:rPr lang="en-US" altLang="ko-KR" sz="1600" spc="-150" dirty="0">
-                <a:latin typeface="+mn-ea"/>
-              </a:rPr>
-              <a:t>. </a:t>
-            </a:r>
-            <a:r>
-              <a:rPr lang="ko-KR" altLang="en-US" sz="1600" spc="-150" dirty="0">
-                <a:latin typeface="+mn-ea"/>
-              </a:rPr>
-              <a:t>멀리 그러나 이런 겨울이 봅니다</a:t>
-            </a:r>
-            <a:r>
-              <a:rPr lang="en-US" altLang="ko-KR" sz="1600" spc="-150" dirty="0">
-                <a:latin typeface="+mn-ea"/>
-              </a:rPr>
-              <a:t>. </a:t>
-            </a:r>
-            <a:r>
-              <a:rPr lang="ko-KR" altLang="en-US" sz="1600" spc="-150" dirty="0">
-                <a:latin typeface="+mn-ea"/>
-              </a:rPr>
-              <a:t>하나에 풀이 별 </a:t>
-            </a:r>
-            <a:r>
-              <a:rPr lang="ko-KR" altLang="en-US" sz="1600" spc="-150" dirty="0" err="1">
-                <a:latin typeface="+mn-ea"/>
-              </a:rPr>
-              <a:t>라이너</a:t>
-            </a:r>
-            <a:r>
-              <a:rPr lang="ko-KR" altLang="en-US" sz="1600" spc="-150" dirty="0">
-                <a:latin typeface="+mn-ea"/>
-              </a:rPr>
-              <a:t> 쓸쓸함과 버리었습니다</a:t>
-            </a:r>
-            <a:r>
-              <a:rPr lang="en-US" altLang="ko-KR" sz="1600" spc="-150" dirty="0">
-                <a:latin typeface="+mn-ea"/>
-              </a:rPr>
-              <a:t>. </a:t>
-            </a:r>
-            <a:endParaRPr lang="ko-KR" altLang="en-US" sz="1600" spc="-150" dirty="0">
-              <a:latin typeface="+mn-ea"/>
-            </a:endParaRPr>
-          </a:p>
-        </p:txBody>
-      </p:sp>
-      <p:sp>
-        <p:nvSpPr>
-          <p:cNvPr id="44" name="TextBox 43">
-            <a:extLst>
-              <a:ext uri="{FF2B5EF4-FFF2-40B4-BE49-F238E27FC236}">
-                <a16:creationId xmlns:a16="http://schemas.microsoft.com/office/drawing/2014/main" id="{D19E0717-CD8B-42B4-A8A2-4E605CEEBAB8}"/>
-              </a:ext>
-            </a:extLst>
-          </p:cNvPr>
-          <p:cNvSpPr txBox="1"/>
-          <p:nvPr/>
-        </p:nvSpPr>
-        <p:spPr>
-          <a:xfrm>
-            <a:off x="6504263" y="2705686"/>
-            <a:ext cx="3493264" cy="584775"/>
-          </a:xfrm>
-          <a:prstGeom prst="rect">
-            <a:avLst/>
-          </a:prstGeom>
-          <a:noFill/>
-        </p:spPr>
-        <p:txBody>
-          <a:bodyPr wrap="none" rtlCol="0">
-            <a:spAutoFit/>
-          </a:bodyPr>
-          <a:lstStyle/>
-          <a:p>
-            <a:r>
-              <a:rPr lang="ko-KR" altLang="en-US" sz="3200" spc="-300" dirty="0">
-                <a:solidFill>
-                  <a:schemeClr val="tx1">
-                    <a:lumMod val="75000"/>
-                    <a:lumOff val="25000"/>
-                  </a:schemeClr>
-                </a:solidFill>
-                <a:latin typeface="+mj-ea"/>
-                <a:ea typeface="+mj-ea"/>
-              </a:rPr>
-              <a:t>소제목을 입력하세요</a:t>
-            </a:r>
-          </a:p>
-        </p:txBody>
-      </p:sp>
-      <p:cxnSp>
-        <p:nvCxnSpPr>
-          <p:cNvPr id="45" name="직선 연결선 44">
-            <a:extLst>
-              <a:ext uri="{FF2B5EF4-FFF2-40B4-BE49-F238E27FC236}">
-                <a16:creationId xmlns:a16="http://schemas.microsoft.com/office/drawing/2014/main" id="{AFF4DE48-4666-4E6F-9AD6-32D570A160F3}"/>
-              </a:ext>
-            </a:extLst>
-          </p:cNvPr>
-          <p:cNvCxnSpPr/>
-          <p:nvPr/>
-        </p:nvCxnSpPr>
-        <p:spPr>
-          <a:xfrm>
-            <a:off x="6504263" y="3429000"/>
-            <a:ext cx="5687737" cy="0"/>
-          </a:xfrm>
-          <a:prstGeom prst="line">
-            <a:avLst/>
-          </a:prstGeom>
-          <a:ln>
-            <a:solidFill>
-              <a:schemeClr val="tx1"/>
-            </a:solidFill>
-          </a:ln>
-        </p:spPr>
-        <p:style>
-          <a:lnRef idx="1">
-            <a:schemeClr val="accent1"/>
-          </a:lnRef>
-          <a:fillRef idx="0">
-            <a:schemeClr val="accent1"/>
-          </a:fillRef>
-          <a:effectRef idx="0">
-            <a:schemeClr val="accent1"/>
-          </a:effectRef>
-          <a:fontRef idx="minor">
-            <a:schemeClr val="tx1"/>
-          </a:fontRef>
-        </p:style>
-      </p:cxnSp>
-    </p:spTree>
-    <p:extLst>
-      <p:ext uri="{BB962C8B-B14F-4D97-AF65-F5344CB8AC3E}">
-        <p14:creationId xmlns:p14="http://schemas.microsoft.com/office/powerpoint/2010/main" val="3549485027"/>
-      </p:ext>
-    </p:extLst>
-  </p:cSld>
-  <p:clrMapOvr>
-    <a:masterClrMapping/>
-  </p:clrMapOvr>
-  <mc:AlternateContent xmlns:mc="http://schemas.openxmlformats.org/markup-compatibility/2006" xmlns:p14="http://schemas.microsoft.com/office/powerpoint/2010/main">
-    <mc:Choice Requires="p14">
-      <p:transition spd="med" p14:dur="700">
-        <p:fade/>
-      </p:transition>
-    </mc:Choice>
-    <mc:Fallback xmlns="">
-      <p:transition spd="med">
-        <p:fade/>
-      </p:transition>
-    </mc:Fallback>
-  </mc:AlternateContent>
-</p:sld>
-</file>
-
 <file path=ppt/slides/slide3.xml><?xml version="1.0" encoding="utf-8"?>
 <p:sld xmlns:a="http://schemas.openxmlformats.org/drawingml/2006/main" xmlns:r="http://schemas.openxmlformats.org/officeDocument/2006/relationships" xmlns:p="http://schemas.openxmlformats.org/presentationml/2006/main">
   <p:cSld>
@@ -28581,6 +30257,529 @@
           </a:p>
         </p:txBody>
       </p:sp>
+      <p:graphicFrame>
+        <p:nvGraphicFramePr>
+          <p:cNvPr id="24" name="다이어그램 23">
+            <a:extLst>
+              <a:ext uri="{FF2B5EF4-FFF2-40B4-BE49-F238E27FC236}">
+                <a16:creationId xmlns:a16="http://schemas.microsoft.com/office/drawing/2014/main" id="{EE3E2F4D-6BE1-4FCD-B33E-961CD7CF38F5}"/>
+              </a:ext>
+            </a:extLst>
+          </p:cNvPr>
+          <p:cNvGraphicFramePr/>
+          <p:nvPr>
+            <p:extLst>
+              <p:ext uri="{D42A27DB-BD31-4B8C-83A1-F6EECF244321}">
+                <p14:modId xmlns:p14="http://schemas.microsoft.com/office/powerpoint/2010/main" val="3209711143"/>
+              </p:ext>
+            </p:extLst>
+          </p:nvPr>
+        </p:nvGraphicFramePr>
+        <p:xfrm>
+          <a:off x="417217" y="2081080"/>
+          <a:ext cx="5410200" cy="3822699"/>
+        </p:xfrm>
+        <a:graphic>
+          <a:graphicData uri="http://schemas.openxmlformats.org/drawingml/2006/diagram">
+            <dgm:relIds xmlns:dgm="http://schemas.openxmlformats.org/drawingml/2006/diagram" xmlns:r="http://schemas.openxmlformats.org/officeDocument/2006/relationships" r:dm="rId2" r:lo="rId3" r:qs="rId4" r:cs="rId5"/>
+          </a:graphicData>
+        </a:graphic>
+      </p:graphicFrame>
+      <p:sp>
+        <p:nvSpPr>
+          <p:cNvPr id="25" name="TextBox 24">
+            <a:extLst>
+              <a:ext uri="{FF2B5EF4-FFF2-40B4-BE49-F238E27FC236}">
+                <a16:creationId xmlns:a16="http://schemas.microsoft.com/office/drawing/2014/main" id="{3A60998A-E839-4F72-83D7-9194FA3C7526}"/>
+              </a:ext>
+            </a:extLst>
+          </p:cNvPr>
+          <p:cNvSpPr txBox="1"/>
+          <p:nvPr/>
+        </p:nvSpPr>
+        <p:spPr>
+          <a:xfrm>
+            <a:off x="6504263" y="3591469"/>
+            <a:ext cx="5270520" cy="2144754"/>
+          </a:xfrm>
+          <a:prstGeom prst="rect">
+            <a:avLst/>
+          </a:prstGeom>
+          <a:noFill/>
+        </p:spPr>
+        <p:txBody>
+          <a:bodyPr wrap="square" rtlCol="0" anchor="t">
+            <a:spAutoFit/>
+          </a:bodyPr>
+          <a:lstStyle/>
+          <a:p>
+            <a:pPr algn="just">
+              <a:lnSpc>
+                <a:spcPct val="120000"/>
+              </a:lnSpc>
+            </a:pPr>
+            <a:r>
+              <a:rPr lang="ko-KR" altLang="en-US" sz="1600" spc="-150" dirty="0">
+                <a:latin typeface="+mn-ea"/>
+              </a:rPr>
+              <a:t>그리워 멀리 하나에 이름과</a:t>
+            </a:r>
+            <a:r>
+              <a:rPr lang="en-US" altLang="ko-KR" sz="1600" spc="-150" dirty="0">
+                <a:latin typeface="+mn-ea"/>
+              </a:rPr>
+              <a:t>, </a:t>
+            </a:r>
+            <a:r>
+              <a:rPr lang="ko-KR" altLang="en-US" sz="1600" spc="-150" dirty="0">
+                <a:latin typeface="+mn-ea"/>
+              </a:rPr>
+              <a:t>무엇인지 별에도 어머니 이름자 </a:t>
+            </a:r>
+            <a:r>
+              <a:rPr lang="ko-KR" altLang="en-US" sz="1600" spc="-150" dirty="0" err="1">
+                <a:latin typeface="+mn-ea"/>
+              </a:rPr>
+              <a:t>거외다</a:t>
+            </a:r>
+            <a:r>
+              <a:rPr lang="en-US" altLang="ko-KR" sz="1600" spc="-150" dirty="0">
+                <a:latin typeface="+mn-ea"/>
+              </a:rPr>
+              <a:t>. </a:t>
+            </a:r>
+            <a:r>
+              <a:rPr lang="ko-KR" altLang="en-US" sz="1600" spc="-150" dirty="0">
+                <a:latin typeface="+mn-ea"/>
+              </a:rPr>
+              <a:t>하나에 슬퍼하는 너무나 위에 된 봅니다</a:t>
+            </a:r>
+            <a:r>
+              <a:rPr lang="en-US" altLang="ko-KR" sz="1600" spc="-150" dirty="0">
+                <a:latin typeface="+mn-ea"/>
+              </a:rPr>
+              <a:t>. </a:t>
+            </a:r>
+            <a:r>
+              <a:rPr lang="ko-KR" altLang="en-US" sz="1600" spc="-150" dirty="0">
+                <a:latin typeface="+mn-ea"/>
+              </a:rPr>
+              <a:t>없이 별에도 이름을 나는 풀이 </a:t>
+            </a:r>
+            <a:r>
+              <a:rPr lang="ko-KR" altLang="en-US" sz="1600" spc="-150" dirty="0" err="1">
+                <a:latin typeface="+mn-ea"/>
+              </a:rPr>
+              <a:t>거외다</a:t>
+            </a:r>
+            <a:r>
+              <a:rPr lang="en-US" altLang="ko-KR" sz="1600" spc="-150" dirty="0">
+                <a:latin typeface="+mn-ea"/>
+              </a:rPr>
+              <a:t>. </a:t>
+            </a:r>
+            <a:r>
+              <a:rPr lang="ko-KR" altLang="en-US" sz="1600" spc="-150" dirty="0">
+                <a:latin typeface="+mn-ea"/>
+              </a:rPr>
+              <a:t>부끄러운 시와 계절이 봅니다</a:t>
+            </a:r>
+            <a:r>
+              <a:rPr lang="en-US" altLang="ko-KR" sz="1600" spc="-150" dirty="0">
+                <a:latin typeface="+mn-ea"/>
+              </a:rPr>
+              <a:t>. </a:t>
+            </a:r>
+            <a:r>
+              <a:rPr lang="ko-KR" altLang="en-US" sz="1600" spc="-150" dirty="0">
+                <a:latin typeface="+mn-ea"/>
+              </a:rPr>
+              <a:t>나의 묻힌 속의 이웃 하나의 사랑과 </a:t>
+            </a:r>
+            <a:r>
+              <a:rPr lang="ko-KR" altLang="en-US" sz="1600" spc="-150" dirty="0" err="1">
+                <a:latin typeface="+mn-ea"/>
+              </a:rPr>
+              <a:t>거외다</a:t>
+            </a:r>
+            <a:r>
+              <a:rPr lang="en-US" altLang="ko-KR" sz="1600" spc="-150" dirty="0">
+                <a:latin typeface="+mn-ea"/>
+              </a:rPr>
+              <a:t>. </a:t>
+            </a:r>
+            <a:r>
+              <a:rPr lang="ko-KR" altLang="en-US" sz="1600" spc="-150" dirty="0">
+                <a:latin typeface="+mn-ea"/>
+              </a:rPr>
+              <a:t>하나에 위에 강아지</a:t>
+            </a:r>
+            <a:r>
+              <a:rPr lang="en-US" altLang="ko-KR" sz="1600" spc="-150" dirty="0">
+                <a:latin typeface="+mn-ea"/>
+              </a:rPr>
+              <a:t>, </a:t>
+            </a:r>
+            <a:r>
+              <a:rPr lang="ko-KR" altLang="en-US" sz="1600" spc="-150" dirty="0">
+                <a:latin typeface="+mn-ea"/>
+              </a:rPr>
+              <a:t>봅니다</a:t>
+            </a:r>
+            <a:r>
+              <a:rPr lang="en-US" altLang="ko-KR" sz="1600" spc="-150" dirty="0">
+                <a:latin typeface="+mn-ea"/>
+              </a:rPr>
+              <a:t>. </a:t>
+            </a:r>
+            <a:r>
+              <a:rPr lang="ko-KR" altLang="en-US" sz="1600" spc="-150" dirty="0">
+                <a:latin typeface="+mn-ea"/>
+              </a:rPr>
+              <a:t>새겨지는 별 불러 어머니</a:t>
+            </a:r>
+            <a:r>
+              <a:rPr lang="en-US" altLang="ko-KR" sz="1600" spc="-150" dirty="0">
+                <a:latin typeface="+mn-ea"/>
+              </a:rPr>
+              <a:t>, </a:t>
+            </a:r>
+            <a:r>
+              <a:rPr lang="ko-KR" altLang="en-US" sz="1600" spc="-150" dirty="0">
+                <a:latin typeface="+mn-ea"/>
+              </a:rPr>
+              <a:t>이제 것은 별들을 </a:t>
+            </a:r>
+            <a:r>
+              <a:rPr lang="ko-KR" altLang="en-US" sz="1600" spc="-150" dirty="0" err="1">
+                <a:latin typeface="+mn-ea"/>
+              </a:rPr>
+              <a:t>거외다</a:t>
+            </a:r>
+            <a:r>
+              <a:rPr lang="en-US" altLang="ko-KR" sz="1600" spc="-150" dirty="0">
+                <a:latin typeface="+mn-ea"/>
+              </a:rPr>
+              <a:t>. </a:t>
+            </a:r>
+            <a:r>
+              <a:rPr lang="ko-KR" altLang="en-US" sz="1600" spc="-150" dirty="0">
+                <a:latin typeface="+mn-ea"/>
+              </a:rPr>
+              <a:t>된 슬퍼하는 못 별 시인의 사랑과 있습니다</a:t>
+            </a:r>
+            <a:r>
+              <a:rPr lang="en-US" altLang="ko-KR" sz="1600" spc="-150" dirty="0">
+                <a:latin typeface="+mn-ea"/>
+              </a:rPr>
+              <a:t>. </a:t>
+            </a:r>
+            <a:r>
+              <a:rPr lang="ko-KR" altLang="en-US" sz="1600" spc="-150" dirty="0">
+                <a:latin typeface="+mn-ea"/>
+              </a:rPr>
+              <a:t>멀리 그러나 이런 겨울이 봅니다</a:t>
+            </a:r>
+            <a:r>
+              <a:rPr lang="en-US" altLang="ko-KR" sz="1600" spc="-150" dirty="0">
+                <a:latin typeface="+mn-ea"/>
+              </a:rPr>
+              <a:t>. </a:t>
+            </a:r>
+            <a:r>
+              <a:rPr lang="ko-KR" altLang="en-US" sz="1600" spc="-150" dirty="0">
+                <a:latin typeface="+mn-ea"/>
+              </a:rPr>
+              <a:t>하나에 풀이 별 </a:t>
+            </a:r>
+            <a:r>
+              <a:rPr lang="ko-KR" altLang="en-US" sz="1600" spc="-150" dirty="0" err="1">
+                <a:latin typeface="+mn-ea"/>
+              </a:rPr>
+              <a:t>라이너</a:t>
+            </a:r>
+            <a:r>
+              <a:rPr lang="ko-KR" altLang="en-US" sz="1600" spc="-150" dirty="0">
+                <a:latin typeface="+mn-ea"/>
+              </a:rPr>
+              <a:t> 쓸쓸함과 버리었습니다</a:t>
+            </a:r>
+            <a:r>
+              <a:rPr lang="en-US" altLang="ko-KR" sz="1600" spc="-150" dirty="0">
+                <a:latin typeface="+mn-ea"/>
+              </a:rPr>
+              <a:t>. </a:t>
+            </a:r>
+            <a:endParaRPr lang="ko-KR" altLang="en-US" sz="1600" spc="-150" dirty="0">
+              <a:latin typeface="+mn-ea"/>
+            </a:endParaRPr>
+          </a:p>
+        </p:txBody>
+      </p:sp>
+      <p:sp>
+        <p:nvSpPr>
+          <p:cNvPr id="44" name="TextBox 43">
+            <a:extLst>
+              <a:ext uri="{FF2B5EF4-FFF2-40B4-BE49-F238E27FC236}">
+                <a16:creationId xmlns:a16="http://schemas.microsoft.com/office/drawing/2014/main" id="{D19E0717-CD8B-42B4-A8A2-4E605CEEBAB8}"/>
+              </a:ext>
+            </a:extLst>
+          </p:cNvPr>
+          <p:cNvSpPr txBox="1"/>
+          <p:nvPr/>
+        </p:nvSpPr>
+        <p:spPr>
+          <a:xfrm>
+            <a:off x="6504263" y="2705686"/>
+            <a:ext cx="3493264" cy="584775"/>
+          </a:xfrm>
+          <a:prstGeom prst="rect">
+            <a:avLst/>
+          </a:prstGeom>
+          <a:noFill/>
+        </p:spPr>
+        <p:txBody>
+          <a:bodyPr wrap="none" rtlCol="0">
+            <a:spAutoFit/>
+          </a:bodyPr>
+          <a:lstStyle/>
+          <a:p>
+            <a:r>
+              <a:rPr lang="ko-KR" altLang="en-US" sz="3200" spc="-300" dirty="0">
+                <a:solidFill>
+                  <a:schemeClr val="tx1">
+                    <a:lumMod val="75000"/>
+                    <a:lumOff val="25000"/>
+                  </a:schemeClr>
+                </a:solidFill>
+                <a:latin typeface="+mj-ea"/>
+                <a:ea typeface="+mj-ea"/>
+              </a:rPr>
+              <a:t>소제목을 입력하세요</a:t>
+            </a:r>
+          </a:p>
+        </p:txBody>
+      </p:sp>
+      <p:cxnSp>
+        <p:nvCxnSpPr>
+          <p:cNvPr id="45" name="직선 연결선 44">
+            <a:extLst>
+              <a:ext uri="{FF2B5EF4-FFF2-40B4-BE49-F238E27FC236}">
+                <a16:creationId xmlns:a16="http://schemas.microsoft.com/office/drawing/2014/main" id="{AFF4DE48-4666-4E6F-9AD6-32D570A160F3}"/>
+              </a:ext>
+            </a:extLst>
+          </p:cNvPr>
+          <p:cNvCxnSpPr/>
+          <p:nvPr/>
+        </p:nvCxnSpPr>
+        <p:spPr>
+          <a:xfrm>
+            <a:off x="6504263" y="3429000"/>
+            <a:ext cx="5687737" cy="0"/>
+          </a:xfrm>
+          <a:prstGeom prst="line">
+            <a:avLst/>
+          </a:prstGeom>
+          <a:ln>
+            <a:solidFill>
+              <a:schemeClr val="tx1"/>
+            </a:solidFill>
+          </a:ln>
+        </p:spPr>
+        <p:style>
+          <a:lnRef idx="1">
+            <a:schemeClr val="accent1"/>
+          </a:lnRef>
+          <a:fillRef idx="0">
+            <a:schemeClr val="accent1"/>
+          </a:fillRef>
+          <a:effectRef idx="0">
+            <a:schemeClr val="accent1"/>
+          </a:effectRef>
+          <a:fontRef idx="minor">
+            <a:schemeClr val="tx1"/>
+          </a:fontRef>
+        </p:style>
+      </p:cxnSp>
+    </p:spTree>
+    <p:extLst>
+      <p:ext uri="{BB962C8B-B14F-4D97-AF65-F5344CB8AC3E}">
+        <p14:creationId xmlns:p14="http://schemas.microsoft.com/office/powerpoint/2010/main" val="3549485027"/>
+      </p:ext>
+    </p:extLst>
+  </p:cSld>
+  <p:clrMapOvr>
+    <a:masterClrMapping/>
+  </p:clrMapOvr>
+  <mc:AlternateContent xmlns:mc="http://schemas.openxmlformats.org/markup-compatibility/2006" xmlns:p14="http://schemas.microsoft.com/office/powerpoint/2010/main">
+    <mc:Choice Requires="p14">
+      <p:transition spd="med" p14:dur="700">
+        <p:fade/>
+      </p:transition>
+    </mc:Choice>
+    <mc:Fallback xmlns="">
+      <p:transition spd="med">
+        <p:fade/>
+      </p:transition>
+    </mc:Fallback>
+  </mc:AlternateContent>
+</p:sld>
+</file>
+
+<file path=ppt/slides/slide31.xml><?xml version="1.0" encoding="utf-8"?>
+<p:sld xmlns:a="http://schemas.openxmlformats.org/drawingml/2006/main" xmlns:r="http://schemas.openxmlformats.org/officeDocument/2006/relationships" xmlns:p="http://schemas.openxmlformats.org/presentationml/2006/main">
+  <p:cSld>
+    <p:spTree>
+      <p:nvGrpSpPr>
+        <p:cNvPr id="1" name=""/>
+        <p:cNvGrpSpPr/>
+        <p:nvPr/>
+      </p:nvGrpSpPr>
+      <p:grpSpPr>
+        <a:xfrm>
+          <a:off x="0" y="0"/>
+          <a:ext cx="0" cy="0"/>
+          <a:chOff x="0" y="0"/>
+          <a:chExt cx="0" cy="0"/>
+        </a:xfrm>
+      </p:grpSpPr>
+      <p:cxnSp>
+        <p:nvCxnSpPr>
+          <p:cNvPr id="4" name="직선 연결선 3">
+            <a:extLst>
+              <a:ext uri="{FF2B5EF4-FFF2-40B4-BE49-F238E27FC236}">
+                <a16:creationId xmlns:a16="http://schemas.microsoft.com/office/drawing/2014/main" id="{9A8E474A-6ECB-442D-8A42-7881F4DFBB2A}"/>
+              </a:ext>
+            </a:extLst>
+          </p:cNvPr>
+          <p:cNvCxnSpPr>
+            <a:cxnSpLocks/>
+          </p:cNvCxnSpPr>
+          <p:nvPr/>
+        </p:nvCxnSpPr>
+        <p:spPr>
+          <a:xfrm>
+            <a:off x="177800" y="835707"/>
+            <a:ext cx="12014200" cy="0"/>
+          </a:xfrm>
+          <a:prstGeom prst="line">
+            <a:avLst/>
+          </a:prstGeom>
+          <a:ln>
+            <a:solidFill>
+              <a:schemeClr val="accent2"/>
+            </a:solidFill>
+          </a:ln>
+        </p:spPr>
+        <p:style>
+          <a:lnRef idx="1">
+            <a:schemeClr val="accent1"/>
+          </a:lnRef>
+          <a:fillRef idx="0">
+            <a:schemeClr val="accent1"/>
+          </a:fillRef>
+          <a:effectRef idx="0">
+            <a:schemeClr val="accent1"/>
+          </a:effectRef>
+          <a:fontRef idx="minor">
+            <a:schemeClr val="tx1"/>
+          </a:fontRef>
+        </p:style>
+      </p:cxnSp>
+      <p:sp>
+        <p:nvSpPr>
+          <p:cNvPr id="5" name="직사각형 4">
+            <a:extLst>
+              <a:ext uri="{FF2B5EF4-FFF2-40B4-BE49-F238E27FC236}">
+                <a16:creationId xmlns:a16="http://schemas.microsoft.com/office/drawing/2014/main" id="{76EF8051-9646-4552-BE57-7D95D1538BA2}"/>
+              </a:ext>
+            </a:extLst>
+          </p:cNvPr>
+          <p:cNvSpPr/>
+          <p:nvPr/>
+        </p:nvSpPr>
+        <p:spPr>
+          <a:xfrm>
+            <a:off x="0" y="0"/>
+            <a:ext cx="177800" cy="6858000"/>
+          </a:xfrm>
+          <a:prstGeom prst="rect">
+            <a:avLst/>
+          </a:prstGeom>
+          <a:solidFill>
+            <a:schemeClr val="accent1"/>
+          </a:solidFill>
+          <a:ln>
+            <a:noFill/>
+          </a:ln>
+        </p:spPr>
+        <p:style>
+          <a:lnRef idx="2">
+            <a:schemeClr val="accent1">
+              <a:shade val="50000"/>
+            </a:schemeClr>
+          </a:lnRef>
+          <a:fillRef idx="1">
+            <a:schemeClr val="accent1"/>
+          </a:fillRef>
+          <a:effectRef idx="0">
+            <a:schemeClr val="accent1"/>
+          </a:effectRef>
+          <a:fontRef idx="minor">
+            <a:schemeClr val="lt1"/>
+          </a:fontRef>
+        </p:style>
+        <p:txBody>
+          <a:bodyPr rtlCol="0" anchor="ctr"/>
+          <a:lstStyle/>
+          <a:p>
+            <a:pPr algn="ctr"/>
+            <a:endParaRPr lang="ko-KR" altLang="en-US"/>
+          </a:p>
+        </p:txBody>
+      </p:sp>
+      <p:sp>
+        <p:nvSpPr>
+          <p:cNvPr id="9" name="TextBox 8">
+            <a:extLst>
+              <a:ext uri="{FF2B5EF4-FFF2-40B4-BE49-F238E27FC236}">
+                <a16:creationId xmlns:a16="http://schemas.microsoft.com/office/drawing/2014/main" id="{7FFA9BC9-96FB-4B17-AF51-48D81692F2D7}"/>
+              </a:ext>
+            </a:extLst>
+          </p:cNvPr>
+          <p:cNvSpPr txBox="1"/>
+          <p:nvPr/>
+        </p:nvSpPr>
+        <p:spPr>
+          <a:xfrm>
+            <a:off x="329610" y="111525"/>
+            <a:ext cx="3134191" cy="584775"/>
+          </a:xfrm>
+          <a:prstGeom prst="rect">
+            <a:avLst/>
+          </a:prstGeom>
+          <a:noFill/>
+        </p:spPr>
+        <p:txBody>
+          <a:bodyPr wrap="none" rtlCol="0">
+            <a:spAutoFit/>
+          </a:bodyPr>
+          <a:lstStyle/>
+          <a:p>
+            <a:r>
+              <a:rPr lang="ko-KR" altLang="en-US" sz="3200" spc="-300" dirty="0">
+                <a:solidFill>
+                  <a:schemeClr val="tx1">
+                    <a:lumMod val="85000"/>
+                    <a:lumOff val="15000"/>
+                  </a:schemeClr>
+                </a:solidFill>
+              </a:rPr>
+              <a:t>제목을 입력하세요</a:t>
+            </a:r>
+          </a:p>
+        </p:txBody>
+      </p:sp>
       <p:sp>
         <p:nvSpPr>
           <p:cNvPr id="10" name="직사각형 9">
@@ -29023,7 +31222,7 @@
 </p:sld>
 </file>
 
-<file path=ppt/slides/slide31.xml><?xml version="1.0" encoding="utf-8"?>
+<file path=ppt/slides/slide32.xml><?xml version="1.0" encoding="utf-8"?>
 <p:sld xmlns:a="http://schemas.openxmlformats.org/drawingml/2006/main" xmlns:r="http://schemas.openxmlformats.org/officeDocument/2006/relationships" xmlns:p="http://schemas.openxmlformats.org/presentationml/2006/main">
   <p:cSld>
     <p:spTree>
@@ -29418,7 +31617,7 @@
 </p:sld>
 </file>
 
-<file path=ppt/slides/slide32.xml><?xml version="1.0" encoding="utf-8"?>
+<file path=ppt/slides/slide33.xml><?xml version="1.0" encoding="utf-8"?>
 <p:sld xmlns:a="http://schemas.openxmlformats.org/drawingml/2006/main" xmlns:r="http://schemas.openxmlformats.org/officeDocument/2006/relationships" xmlns:p="http://schemas.openxmlformats.org/presentationml/2006/main">
   <p:cSld>
     <p:spTree>
@@ -29813,7 +32012,7 @@
 </p:sld>
 </file>
 
-<file path=ppt/slides/slide33.xml><?xml version="1.0" encoding="utf-8"?>
+<file path=ppt/slides/slide34.xml><?xml version="1.0" encoding="utf-8"?>
 <p:sld xmlns:a="http://schemas.openxmlformats.org/drawingml/2006/main" xmlns:r="http://schemas.openxmlformats.org/officeDocument/2006/relationships" xmlns:p="http://schemas.openxmlformats.org/presentationml/2006/main">
   <p:cSld>
     <p:spTree>
@@ -30208,7 +32407,7 @@
 </p:sld>
 </file>
 
-<file path=ppt/slides/slide34.xml><?xml version="1.0" encoding="utf-8"?>
+<file path=ppt/slides/slide35.xml><?xml version="1.0" encoding="utf-8"?>
 <p:sld xmlns:a="http://schemas.openxmlformats.org/drawingml/2006/main" xmlns:r="http://schemas.openxmlformats.org/officeDocument/2006/relationships" xmlns:p="http://schemas.openxmlformats.org/presentationml/2006/main">
   <p:cSld>
     <p:spTree>
@@ -30603,7 +32802,7 @@
 </p:sld>
 </file>
 
-<file path=ppt/slides/slide35.xml><?xml version="1.0" encoding="utf-8"?>
+<file path=ppt/slides/slide36.xml><?xml version="1.0" encoding="utf-8"?>
 <p:sld xmlns:a="http://schemas.openxmlformats.org/drawingml/2006/main" xmlns:r="http://schemas.openxmlformats.org/officeDocument/2006/relationships" xmlns:p="http://schemas.openxmlformats.org/presentationml/2006/main">
   <p:cSld>
     <p:spTree>
@@ -30998,7 +33197,7 @@
 </p:sld>
 </file>
 
-<file path=ppt/slides/slide36.xml><?xml version="1.0" encoding="utf-8"?>
+<file path=ppt/slides/slide37.xml><?xml version="1.0" encoding="utf-8"?>
 <p:sld xmlns:a="http://schemas.openxmlformats.org/drawingml/2006/main" xmlns:r="http://schemas.openxmlformats.org/officeDocument/2006/relationships" xmlns:p="http://schemas.openxmlformats.org/presentationml/2006/main">
   <p:cSld>
     <p:spTree>
@@ -34428,7 +36627,7 @@
               <a:defRPr/>
             </a:pPr>
             <a:r>
-              <a:rPr kumimoji="0" lang="en-US" altLang="ko-KR" sz="2000" b="0" i="0" u="none" strike="noStrike" kern="1200" cap="none" spc="0" normalizeH="0" baseline="0" noProof="0">
+              <a:rPr kumimoji="0" lang="en-US" altLang="ko-KR" sz="2000" b="0" i="0" u="none" strike="noStrike" kern="1200" cap="none" spc="0" normalizeH="0" baseline="0" noProof="0" dirty="0">
                 <a:ln>
                   <a:noFill/>
                 </a:ln>
@@ -34448,7 +36647,7 @@
               <a:t>*</a:t>
             </a:r>
             <a:r>
-              <a:rPr kumimoji="0" lang="ko-KR" altLang="en-US" sz="2000" b="0" i="0" u="none" strike="noStrike" kern="1200" cap="none" spc="0" normalizeH="0" baseline="0" noProof="0">
+              <a:rPr kumimoji="0" lang="ko-KR" altLang="en-US" sz="2000" b="0" i="0" u="none" strike="noStrike" kern="1200" cap="none" spc="0" normalizeH="0" baseline="0" noProof="0" dirty="0">
                 <a:ln>
                   <a:noFill/>
                 </a:ln>
@@ -34467,7 +36666,7 @@
               </a:rPr>
               <a:t>선정이유</a:t>
             </a:r>
-            <a:endParaRPr kumimoji="0" lang="en-US" altLang="ko-KR" sz="2000" b="0" i="0" u="none" strike="noStrike" kern="1200" cap="none" spc="0" normalizeH="0" baseline="0" noProof="0">
+            <a:endParaRPr kumimoji="0" lang="en-US" altLang="ko-KR" sz="2000" b="0" i="0" u="none" strike="noStrike" kern="1200" cap="none" spc="0" normalizeH="0" baseline="0" noProof="0" dirty="0">
               <a:ln>
                 <a:noFill/>
               </a:ln>
@@ -34503,7 +36702,7 @@
               <a:tabLst/>
               <a:defRPr/>
             </a:pPr>
-            <a:endParaRPr kumimoji="0" lang="en-US" altLang="ko-KR" sz="2000" b="0" i="0" u="none" strike="noStrike" kern="1200" cap="none" spc="0" normalizeH="0" baseline="0" noProof="0">
+            <a:endParaRPr kumimoji="0" lang="en-US" altLang="ko-KR" sz="2000" b="0" i="0" u="none" strike="noStrike" kern="1200" cap="none" spc="0" normalizeH="0" baseline="0" noProof="0" dirty="0">
               <a:ln>
                 <a:noFill/>
               </a:ln>
@@ -34539,7 +36738,7 @@
               <a:tabLst/>
               <a:defRPr/>
             </a:pPr>
-            <a:endParaRPr kumimoji="0" lang="en-US" altLang="ko-KR" sz="2000" b="0" i="0" u="none" strike="noStrike" kern="1200" cap="none" spc="0" normalizeH="0" baseline="0" noProof="0">
+            <a:endParaRPr kumimoji="0" lang="en-US" altLang="ko-KR" sz="2000" b="0" i="0" u="none" strike="noStrike" kern="1200" cap="none" spc="0" normalizeH="0" baseline="0" noProof="0" dirty="0">
               <a:ln>
                 <a:noFill/>
               </a:ln>
@@ -34576,7 +36775,7 @@
               <a:defRPr/>
             </a:pPr>
             <a:r>
-              <a:rPr kumimoji="0" lang="ko-KR" altLang="en-US" sz="2000" b="0" i="0" u="none" strike="noStrike" kern="1200" cap="none" spc="0" normalizeH="0" baseline="0" noProof="0">
+              <a:rPr kumimoji="0" lang="ko-KR" altLang="en-US" sz="2000" b="0" i="0" u="none" strike="noStrike" kern="1200" cap="none" spc="0" normalizeH="0" baseline="0" noProof="0" dirty="0">
                 <a:ln>
                   <a:noFill/>
                 </a:ln>
@@ -34595,7 +36794,7 @@
               </a:rPr>
               <a:t>모든 기록을 한곳에서 쉽게 관리 가능</a:t>
             </a:r>
-            <a:endParaRPr kumimoji="0" lang="en-US" altLang="ko-KR" sz="2000" b="0" i="0" u="none" strike="noStrike" kern="1200" cap="none" spc="0" normalizeH="0" baseline="0" noProof="0">
+            <a:endParaRPr kumimoji="0" lang="en-US" altLang="ko-KR" sz="2000" b="0" i="0" u="none" strike="noStrike" kern="1200" cap="none" spc="0" normalizeH="0" baseline="0" noProof="0" dirty="0">
               <a:ln>
                 <a:noFill/>
               </a:ln>
@@ -34631,7 +36830,7 @@
               <a:tabLst/>
               <a:defRPr/>
             </a:pPr>
-            <a:endParaRPr kumimoji="0" lang="en-US" altLang="ko-KR" sz="2000" b="0" i="0" u="none" strike="noStrike" kern="1200" cap="none" spc="0" normalizeH="0" baseline="0" noProof="0">
+            <a:endParaRPr kumimoji="0" lang="en-US" altLang="ko-KR" sz="2000" b="0" i="0" u="none" strike="noStrike" kern="1200" cap="none" spc="0" normalizeH="0" baseline="0" noProof="0" dirty="0">
               <a:ln>
                 <a:noFill/>
               </a:ln>
@@ -34668,7 +36867,7 @@
               <a:defRPr/>
             </a:pPr>
             <a:r>
-              <a:rPr kumimoji="0" lang="ko-KR" altLang="en-US" sz="2000" b="0" i="0" u="none" strike="noStrike" kern="1200" cap="none" spc="0" normalizeH="0" baseline="0" noProof="0">
+              <a:rPr kumimoji="0" lang="ko-KR" altLang="en-US" sz="2000" b="0" i="0" u="none" strike="noStrike" kern="1200" cap="none" spc="0" normalizeH="0" baseline="0" noProof="0" dirty="0">
                 <a:ln>
                   <a:noFill/>
                 </a:ln>
@@ -34687,7 +36886,7 @@
               </a:rPr>
               <a:t>사람들과 함께 공유 가능</a:t>
             </a:r>
-            <a:endParaRPr kumimoji="0" lang="en-US" altLang="ko-KR" sz="2000" b="0" i="0" u="none" strike="noStrike" kern="1200" cap="none" spc="0" normalizeH="0" baseline="0" noProof="0">
+            <a:endParaRPr kumimoji="0" lang="en-US" altLang="ko-KR" sz="2000" b="0" i="0" u="none" strike="noStrike" kern="1200" cap="none" spc="0" normalizeH="0" baseline="0" noProof="0" dirty="0">
               <a:ln>
                 <a:noFill/>
               </a:ln>
@@ -34723,7 +36922,7 @@
               <a:tabLst/>
               <a:defRPr/>
             </a:pPr>
-            <a:endParaRPr kumimoji="0" lang="en-US" altLang="ko-KR" sz="2000" b="0" i="0" u="none" strike="noStrike" kern="1200" cap="none" spc="0" normalizeH="0" baseline="0" noProof="0">
+            <a:endParaRPr kumimoji="0" lang="en-US" altLang="ko-KR" sz="2000" b="0" i="0" u="none" strike="noStrike" kern="1200" cap="none" spc="0" normalizeH="0" baseline="0" noProof="0" dirty="0">
               <a:ln>
                 <a:noFill/>
               </a:ln>
@@ -34760,7 +36959,7 @@
               <a:defRPr/>
             </a:pPr>
             <a:r>
-              <a:rPr kumimoji="0" lang="ko-KR" altLang="en-US" sz="2000" b="0" i="0" u="none" strike="noStrike" kern="1200" cap="none" spc="0" normalizeH="0" baseline="0" noProof="0">
+              <a:rPr kumimoji="0" lang="ko-KR" altLang="en-US" sz="2000" b="0" i="0" u="none" strike="noStrike" kern="1200" cap="none" spc="0" normalizeH="0" baseline="0" noProof="0" dirty="0">
                 <a:ln>
                   <a:noFill/>
                 </a:ln>
@@ -34780,7 +36979,7 @@
               <a:t>미션</a:t>
             </a:r>
             <a:r>
-              <a:rPr kumimoji="0" lang="en-US" altLang="ko-KR" sz="2000" b="0" i="0" u="none" strike="noStrike" kern="1200" cap="none" spc="0" normalizeH="0" baseline="0" noProof="0">
+              <a:rPr kumimoji="0" lang="en-US" altLang="ko-KR" sz="2000" b="0" i="0" u="none" strike="noStrike" kern="1200" cap="none" spc="0" normalizeH="0" baseline="0" noProof="0" dirty="0">
                 <a:ln>
                   <a:noFill/>
                 </a:ln>
@@ -34800,7 +36999,7 @@
               <a:t>, </a:t>
             </a:r>
             <a:r>
-              <a:rPr kumimoji="0" lang="ko-KR" altLang="en-US" sz="2000" b="0" i="0" u="none" strike="noStrike" kern="1200" cap="none" spc="0" normalizeH="0" baseline="0" noProof="0">
+              <a:rPr kumimoji="0" lang="ko-KR" altLang="en-US" sz="2000" b="0" i="0" u="none" strike="noStrike" kern="1200" cap="none" spc="0" normalizeH="0" baseline="0" noProof="0" dirty="0">
                 <a:ln>
                   <a:noFill/>
                 </a:ln>
@@ -34820,7 +37019,7 @@
               <a:t>주간 리포트</a:t>
             </a:r>
             <a:r>
-              <a:rPr kumimoji="0" lang="en-US" altLang="ko-KR" sz="2000" b="0" i="0" u="none" strike="noStrike" kern="1200" cap="none" spc="0" normalizeH="0" baseline="0" noProof="0">
+              <a:rPr kumimoji="0" lang="en-US" altLang="ko-KR" sz="2000" b="0" i="0" u="none" strike="noStrike" kern="1200" cap="none" spc="0" normalizeH="0" baseline="0" noProof="0" dirty="0">
                 <a:ln>
                   <a:noFill/>
                 </a:ln>
@@ -34840,7 +37039,7 @@
               <a:t>, </a:t>
             </a:r>
             <a:r>
-              <a:rPr kumimoji="0" lang="ko-KR" altLang="en-US" sz="2000" b="0" i="0" u="none" strike="noStrike" kern="1200" cap="none" spc="0" normalizeH="0" baseline="0" noProof="0">
+              <a:rPr kumimoji="0" lang="ko-KR" altLang="en-US" sz="2000" b="0" i="0" u="none" strike="noStrike" kern="1200" cap="none" spc="0" normalizeH="0" baseline="0" noProof="0" dirty="0">
                 <a:ln>
                   <a:noFill/>
                 </a:ln>
@@ -34859,7 +37058,7 @@
               </a:rPr>
               <a:t>기록 등 다양한 기능 탑재</a:t>
             </a:r>
-            <a:endParaRPr kumimoji="0" lang="en-US" altLang="ko-KR" sz="2000" b="0" i="0" u="none" strike="noStrike" kern="1200" cap="none" spc="0" normalizeH="0" baseline="0" noProof="0">
+            <a:endParaRPr kumimoji="0" lang="en-US" altLang="ko-KR" sz="2000" b="0" i="0" u="none" strike="noStrike" kern="1200" cap="none" spc="0" normalizeH="0" baseline="0" noProof="0" dirty="0">
               <a:ln>
                 <a:noFill/>
               </a:ln>
@@ -35111,7 +37310,7 @@
               <a:defRPr/>
             </a:pPr>
             <a:r>
-              <a:rPr kumimoji="0" lang="en-US" altLang="ko-KR" sz="2000" b="0" i="0" u="none" strike="noStrike" kern="1200" cap="none" spc="0" normalizeH="0" baseline="0" noProof="0">
+              <a:rPr kumimoji="0" lang="en-US" altLang="ko-KR" sz="2000" b="0" i="0" u="none" strike="noStrike" kern="1200" cap="none" spc="0" normalizeH="0" baseline="0" noProof="0" dirty="0">
                 <a:ln>
                   <a:noFill/>
                 </a:ln>
@@ -35128,7 +37327,7 @@
               <a:t>*</a:t>
             </a:r>
             <a:r>
-              <a:rPr kumimoji="0" lang="ko-KR" altLang="en-US" sz="2000" b="0" i="0" u="none" strike="noStrike" kern="1200" cap="none" spc="0" normalizeH="0" baseline="0" noProof="0">
+              <a:rPr kumimoji="0" lang="ko-KR" altLang="en-US" sz="2000" b="0" i="0" u="none" strike="noStrike" kern="1200" cap="none" spc="0" normalizeH="0" baseline="0" noProof="0" dirty="0">
                 <a:ln>
                   <a:noFill/>
                 </a:ln>
@@ -35144,7 +37343,7 @@
               </a:rPr>
               <a:t>콘텐츠 및 기능 분석</a:t>
             </a:r>
-            <a:endParaRPr kumimoji="0" lang="en-US" altLang="ko-KR" sz="2000" b="0" i="0" u="none" strike="noStrike" kern="1200" cap="none" spc="0" normalizeH="0" baseline="0" noProof="0">
+            <a:endParaRPr kumimoji="0" lang="en-US" altLang="ko-KR" sz="2000" b="0" i="0" u="none" strike="noStrike" kern="1200" cap="none" spc="0" normalizeH="0" baseline="0" noProof="0" dirty="0">
               <a:ln>
                 <a:noFill/>
               </a:ln>

--- a/기말과제.pptx
+++ b/기말과제.pptx
@@ -5543,7 +5543,7 @@
           <a:p>
             <a:fld id="{9FE7A9D4-2312-4C80-955C-3A7FA2F8832A}" type="datetimeFigureOut">
               <a:rPr lang="ko-KR" altLang="en-US" smtClean="0"/>
-              <a:t>2022-11-20</a:t>
+              <a:t>2022-11-21</a:t>
             </a:fld>
             <a:endParaRPr lang="ko-KR" altLang="en-US"/>
           </a:p>
@@ -5843,7 +5843,7 @@
           <a:p>
             <a:fld id="{9FE7A9D4-2312-4C80-955C-3A7FA2F8832A}" type="datetimeFigureOut">
               <a:rPr lang="ko-KR" altLang="en-US" smtClean="0"/>
-              <a:t>2022-11-20</a:t>
+              <a:t>2022-11-21</a:t>
             </a:fld>
             <a:endParaRPr lang="ko-KR" altLang="en-US"/>
           </a:p>
@@ -6053,7 +6053,7 @@
           <a:p>
             <a:fld id="{9FE7A9D4-2312-4C80-955C-3A7FA2F8832A}" type="datetimeFigureOut">
               <a:rPr lang="ko-KR" altLang="en-US" smtClean="0"/>
-              <a:t>2022-11-20</a:t>
+              <a:t>2022-11-21</a:t>
             </a:fld>
             <a:endParaRPr lang="ko-KR" altLang="en-US"/>
           </a:p>
@@ -6273,7 +6273,7 @@
           <a:p>
             <a:fld id="{9FE7A9D4-2312-4C80-955C-3A7FA2F8832A}" type="datetimeFigureOut">
               <a:rPr lang="ko-KR" altLang="en-US" smtClean="0"/>
-              <a:t>2022-11-20</a:t>
+              <a:t>2022-11-21</a:t>
             </a:fld>
             <a:endParaRPr lang="ko-KR" altLang="en-US"/>
           </a:p>
@@ -6483,7 +6483,7 @@
           <a:p>
             <a:fld id="{9FE7A9D4-2312-4C80-955C-3A7FA2F8832A}" type="datetimeFigureOut">
               <a:rPr lang="ko-KR" altLang="en-US" smtClean="0"/>
-              <a:t>2022-11-20</a:t>
+              <a:t>2022-11-21</a:t>
             </a:fld>
             <a:endParaRPr lang="ko-KR" altLang="en-US"/>
           </a:p>
@@ -6770,7 +6770,7 @@
           <a:p>
             <a:fld id="{9FE7A9D4-2312-4C80-955C-3A7FA2F8832A}" type="datetimeFigureOut">
               <a:rPr lang="ko-KR" altLang="en-US" smtClean="0"/>
-              <a:t>2022-11-20</a:t>
+              <a:t>2022-11-21</a:t>
             </a:fld>
             <a:endParaRPr lang="ko-KR" altLang="en-US"/>
           </a:p>
@@ -7047,7 +7047,7 @@
           <a:p>
             <a:fld id="{9FE7A9D4-2312-4C80-955C-3A7FA2F8832A}" type="datetimeFigureOut">
               <a:rPr lang="ko-KR" altLang="en-US" smtClean="0"/>
-              <a:t>2022-11-20</a:t>
+              <a:t>2022-11-21</a:t>
             </a:fld>
             <a:endParaRPr lang="ko-KR" altLang="en-US"/>
           </a:p>
@@ -7471,7 +7471,7 @@
           <a:p>
             <a:fld id="{9FE7A9D4-2312-4C80-955C-3A7FA2F8832A}" type="datetimeFigureOut">
               <a:rPr lang="ko-KR" altLang="en-US" smtClean="0"/>
-              <a:t>2022-11-20</a:t>
+              <a:t>2022-11-21</a:t>
             </a:fld>
             <a:endParaRPr lang="ko-KR" altLang="en-US"/>
           </a:p>
@@ -7624,7 +7624,7 @@
           <a:p>
             <a:fld id="{9FE7A9D4-2312-4C80-955C-3A7FA2F8832A}" type="datetimeFigureOut">
               <a:rPr lang="ko-KR" altLang="en-US" smtClean="0"/>
-              <a:t>2022-11-20</a:t>
+              <a:t>2022-11-21</a:t>
             </a:fld>
             <a:endParaRPr lang="ko-KR" altLang="en-US"/>
           </a:p>
@@ -7838,7 +7838,7 @@
           <a:p>
             <a:fld id="{9FE7A9D4-2312-4C80-955C-3A7FA2F8832A}" type="datetimeFigureOut">
               <a:rPr lang="ko-KR" altLang="en-US" smtClean="0"/>
-              <a:t>2022-11-20</a:t>
+              <a:t>2022-11-21</a:t>
             </a:fld>
             <a:endParaRPr lang="ko-KR" altLang="en-US"/>
           </a:p>
@@ -8052,7 +8052,7 @@
           <a:p>
             <a:fld id="{9FE7A9D4-2312-4C80-955C-3A7FA2F8832A}" type="datetimeFigureOut">
               <a:rPr lang="ko-KR" altLang="en-US" smtClean="0"/>
-              <a:t>2022-11-20</a:t>
+              <a:t>2022-11-21</a:t>
             </a:fld>
             <a:endParaRPr lang="ko-KR" altLang="en-US"/>
           </a:p>
@@ -8375,7 +8375,7 @@
           <a:p>
             <a:fld id="{9FE7A9D4-2312-4C80-955C-3A7FA2F8832A}" type="datetimeFigureOut">
               <a:rPr lang="ko-KR" altLang="en-US" smtClean="0"/>
-              <a:t>2022-11-20</a:t>
+              <a:t>2022-11-21</a:t>
             </a:fld>
             <a:endParaRPr lang="ko-KR" altLang="en-US"/>
           </a:p>
@@ -8628,7 +8628,7 @@
           <a:p>
             <a:fld id="{9FE7A9D4-2312-4C80-955C-3A7FA2F8832A}" type="datetimeFigureOut">
               <a:rPr lang="ko-KR" altLang="en-US" smtClean="0"/>
-              <a:t>2022-11-20</a:t>
+              <a:t>2022-11-21</a:t>
             </a:fld>
             <a:endParaRPr lang="ko-KR" altLang="en-US"/>
           </a:p>
@@ -9634,236 +9634,6 @@
           <a:chExt cx="0" cy="0"/>
         </a:xfrm>
       </p:grpSpPr>
-      <p:sp>
-        <p:nvSpPr>
-          <p:cNvPr id="2" name="TextBox 1">
-            <a:extLst>
-              <a:ext uri="{FF2B5EF4-FFF2-40B4-BE49-F238E27FC236}">
-                <a16:creationId xmlns:a16="http://schemas.microsoft.com/office/drawing/2014/main" id="{DDE284A1-06BB-AEF6-CC6C-FF63F7DABC50}"/>
-              </a:ext>
-            </a:extLst>
-          </p:cNvPr>
-          <p:cNvSpPr txBox="1">
-            <a:spLocks noGrp="1" noRot="1" noMove="1" noResize="1" noEditPoints="1" noAdjustHandles="1" noChangeArrowheads="1" noChangeShapeType="1"/>
-          </p:cNvSpPr>
-          <p:nvPr/>
-        </p:nvSpPr>
-        <p:spPr>
-          <a:xfrm>
-            <a:off x="234434" y="207141"/>
-            <a:ext cx="4468863" cy="523220"/>
-          </a:xfrm>
-          <a:prstGeom prst="rect">
-            <a:avLst/>
-          </a:prstGeom>
-          <a:noFill/>
-        </p:spPr>
-        <p:txBody>
-          <a:bodyPr wrap="square" rtlCol="0">
-            <a:spAutoFit/>
-          </a:bodyPr>
-          <a:lstStyle/>
-          <a:p>
-            <a:pPr marL="0" marR="0" lvl="0" indent="0" algn="l" defTabSz="914400" rtl="0" eaLnBrk="1" fontAlgn="auto" latinLnBrk="1" hangingPunct="1">
-              <a:lnSpc>
-                <a:spcPct val="100000"/>
-              </a:lnSpc>
-              <a:spcBef>
-                <a:spcPts val="0"/>
-              </a:spcBef>
-              <a:spcAft>
-                <a:spcPts val="0"/>
-              </a:spcAft>
-              <a:buClrTx/>
-              <a:buSzTx/>
-              <a:buFontTx/>
-              <a:buNone/>
-              <a:tabLst/>
-              <a:defRPr/>
-            </a:pPr>
-            <a:r>
-              <a:rPr kumimoji="0" lang="en-US" altLang="ko-KR" sz="2800" b="0" i="0" u="none" strike="noStrike" kern="1200" cap="none" spc="0" normalizeH="0" baseline="0" noProof="0">
-                <a:ln>
-                  <a:noFill/>
-                </a:ln>
-                <a:solidFill>
-                  <a:prstClr val="white"/>
-                </a:solidFill>
-                <a:effectLst/>
-                <a:uLnTx/>
-                <a:uFillTx/>
-                <a:latin typeface="휴먼매직체" panose="02030504000101010101" pitchFamily="18" charset="-127"/>
-                <a:ea typeface="휴먼매직체" panose="02030504000101010101" pitchFamily="18" charset="-127"/>
-                <a:cs typeface="+mn-cs"/>
-              </a:rPr>
-              <a:t>3. </a:t>
-            </a:r>
-            <a:r>
-              <a:rPr kumimoji="0" lang="ko-KR" altLang="en-US" sz="2800" b="0" i="0" u="none" strike="noStrike" kern="1200" cap="none" spc="0" normalizeH="0" baseline="0" noProof="0">
-                <a:ln>
-                  <a:noFill/>
-                </a:ln>
-                <a:solidFill>
-                  <a:prstClr val="white"/>
-                </a:solidFill>
-                <a:effectLst/>
-                <a:uLnTx/>
-                <a:uFillTx/>
-                <a:latin typeface="휴먼매직체" panose="02030504000101010101" pitchFamily="18" charset="-127"/>
-                <a:ea typeface="휴먼매직체" panose="02030504000101010101" pitchFamily="18" charset="-127"/>
-                <a:cs typeface="+mn-cs"/>
-              </a:rPr>
-              <a:t>유사 사이트 분석 </a:t>
-            </a:r>
-            <a:r>
-              <a:rPr kumimoji="0" lang="en-US" altLang="ko-KR" sz="2800" b="0" i="0" u="none" strike="noStrike" kern="1200" cap="none" spc="0" normalizeH="0" baseline="0" noProof="0">
-                <a:ln>
-                  <a:noFill/>
-                </a:ln>
-                <a:solidFill>
-                  <a:prstClr val="white"/>
-                </a:solidFill>
-                <a:effectLst/>
-                <a:uLnTx/>
-                <a:uFillTx/>
-                <a:latin typeface="휴먼매직체" panose="02030504000101010101" pitchFamily="18" charset="-127"/>
-                <a:ea typeface="휴먼매직체" panose="02030504000101010101" pitchFamily="18" charset="-127"/>
-                <a:cs typeface="+mn-cs"/>
-              </a:rPr>
-              <a:t>: </a:t>
-            </a:r>
-            <a:r>
-              <a:rPr kumimoji="0" lang="ko-KR" altLang="en-US" sz="2800" b="0" i="0" u="none" strike="noStrike" kern="1200" cap="none" spc="0" normalizeH="0" baseline="0" noProof="0">
-                <a:ln>
-                  <a:noFill/>
-                </a:ln>
-                <a:solidFill>
-                  <a:prstClr val="white"/>
-                </a:solidFill>
-                <a:effectLst/>
-                <a:uLnTx/>
-                <a:uFillTx/>
-                <a:latin typeface="휴먼매직체" panose="02030504000101010101" pitchFamily="18" charset="-127"/>
-                <a:ea typeface="휴먼매직체" panose="02030504000101010101" pitchFamily="18" charset="-127"/>
-                <a:cs typeface="+mn-cs"/>
-              </a:rPr>
-              <a:t>밀리그램</a:t>
-            </a:r>
-            <a:endParaRPr kumimoji="0" lang="ko-KR" altLang="en-US" sz="2800" b="0" i="0" u="none" strike="noStrike" kern="1200" cap="none" spc="0" normalizeH="0" baseline="0" noProof="0" dirty="0">
-              <a:ln>
-                <a:noFill/>
-              </a:ln>
-              <a:solidFill>
-                <a:prstClr val="white"/>
-              </a:solidFill>
-              <a:effectLst/>
-              <a:uLnTx/>
-              <a:uFillTx/>
-              <a:latin typeface="휴먼매직체" panose="02030504000101010101" pitchFamily="18" charset="-127"/>
-              <a:ea typeface="휴먼매직체" panose="02030504000101010101" pitchFamily="18" charset="-127"/>
-              <a:cs typeface="+mn-cs"/>
-            </a:endParaRPr>
-          </a:p>
-        </p:txBody>
-      </p:sp>
-      <p:sp>
-        <p:nvSpPr>
-          <p:cNvPr id="7" name="TextBox 6">
-            <a:extLst>
-              <a:ext uri="{FF2B5EF4-FFF2-40B4-BE49-F238E27FC236}">
-                <a16:creationId xmlns:a16="http://schemas.microsoft.com/office/drawing/2014/main" id="{E4ECE52B-C87C-47ED-3377-19B3BDFE6B8A}"/>
-              </a:ext>
-            </a:extLst>
-          </p:cNvPr>
-          <p:cNvSpPr txBox="1">
-            <a:spLocks noGrp="1" noRot="1" noMove="1" noResize="1" noEditPoints="1" noAdjustHandles="1" noChangeArrowheads="1" noChangeShapeType="1"/>
-          </p:cNvSpPr>
-          <p:nvPr/>
-        </p:nvSpPr>
-        <p:spPr>
-          <a:xfrm>
-            <a:off x="4703297" y="271354"/>
-            <a:ext cx="4823669" cy="400110"/>
-          </a:xfrm>
-          <a:prstGeom prst="rect">
-            <a:avLst/>
-          </a:prstGeom>
-          <a:noFill/>
-        </p:spPr>
-        <p:txBody>
-          <a:bodyPr wrap="square" rtlCol="0">
-            <a:spAutoFit/>
-          </a:bodyPr>
-          <a:lstStyle/>
-          <a:p>
-            <a:pPr marL="0" marR="0" lvl="0" indent="0" algn="l" defTabSz="914400" rtl="0" eaLnBrk="1" fontAlgn="auto" latinLnBrk="1" hangingPunct="1">
-              <a:lnSpc>
-                <a:spcPct val="100000"/>
-              </a:lnSpc>
-              <a:spcBef>
-                <a:spcPts val="0"/>
-              </a:spcBef>
-              <a:spcAft>
-                <a:spcPts val="0"/>
-              </a:spcAft>
-              <a:buClrTx/>
-              <a:buSzTx/>
-              <a:buFontTx/>
-              <a:buNone/>
-              <a:tabLst/>
-              <a:defRPr/>
-            </a:pPr>
-            <a:r>
-              <a:rPr kumimoji="0" lang="en-US" altLang="ko-KR" sz="2000" b="0" i="0" u="none" strike="noStrike" kern="1200" cap="none" spc="0" normalizeH="0" baseline="0" noProof="0">
-                <a:ln>
-                  <a:noFill/>
-                </a:ln>
-                <a:solidFill>
-                  <a:prstClr val="white"/>
-                </a:solidFill>
-                <a:effectLst/>
-                <a:uLnTx/>
-                <a:uFillTx/>
-                <a:latin typeface="휴먼매직체" panose="02030504000101010101" pitchFamily="18" charset="-127"/>
-                <a:ea typeface="휴먼매직체" panose="02030504000101010101" pitchFamily="18" charset="-127"/>
-                <a:cs typeface="+mn-cs"/>
-              </a:rPr>
-              <a:t>*</a:t>
-            </a:r>
-            <a:r>
-              <a:rPr kumimoji="0" lang="ko-KR" altLang="en-US" sz="2000" b="0" i="0" u="none" strike="noStrike" kern="1200" cap="none" spc="0" normalizeH="0" baseline="0" noProof="0">
-                <a:ln>
-                  <a:noFill/>
-                </a:ln>
-                <a:solidFill>
-                  <a:prstClr val="white"/>
-                </a:solidFill>
-                <a:effectLst/>
-                <a:uLnTx/>
-                <a:uFillTx/>
-                <a:latin typeface="휴먼매직체" panose="02030504000101010101" pitchFamily="18" charset="-127"/>
-                <a:ea typeface="휴먼매직체" panose="02030504000101010101" pitchFamily="18" charset="-127"/>
-                <a:cs typeface="+mn-cs"/>
-              </a:rPr>
-              <a:t>콘텐츠 및 기능 분석</a:t>
-            </a:r>
-            <a:endParaRPr kumimoji="0" lang="en-US" altLang="ko-KR" sz="2000" b="0" i="0" u="none" strike="noStrike" kern="1200" cap="none" spc="0" normalizeH="0" baseline="0" noProof="0">
-              <a:ln>
-                <a:noFill/>
-              </a:ln>
-              <a:solidFill>
-                <a:prstClr val="white"/>
-              </a:solidFill>
-              <a:effectLst/>
-              <a:uLnTx/>
-              <a:uFillTx/>
-              <a:latin typeface="휴먼매직체" panose="02030504000101010101" pitchFamily="18" charset="-127"/>
-              <a:ea typeface="휴먼매직체" panose="02030504000101010101" pitchFamily="18" charset="-127"/>
-              <a:cs typeface="+mn-cs"/>
-            </a:endParaRPr>
-          </a:p>
-        </p:txBody>
-      </p:sp>
       <p:pic>
         <p:nvPicPr>
           <p:cNvPr id="5" name="그림 4">
@@ -11092,6 +10862,255 @@
           </a:fontRef>
         </p:style>
       </p:cxnSp>
+      <p:sp>
+        <p:nvSpPr>
+          <p:cNvPr id="13" name="TextBox 12">
+            <a:extLst>
+              <a:ext uri="{FF2B5EF4-FFF2-40B4-BE49-F238E27FC236}">
+                <a16:creationId xmlns:a16="http://schemas.microsoft.com/office/drawing/2014/main" id="{BEF238D6-D4D8-CD8C-9313-1EC1E05CB177}"/>
+              </a:ext>
+            </a:extLst>
+          </p:cNvPr>
+          <p:cNvSpPr txBox="1"/>
+          <p:nvPr/>
+        </p:nvSpPr>
+        <p:spPr>
+          <a:xfrm>
+            <a:off x="234434" y="207141"/>
+            <a:ext cx="4468863" cy="523220"/>
+          </a:xfrm>
+          <a:prstGeom prst="rect">
+            <a:avLst/>
+          </a:prstGeom>
+          <a:noFill/>
+        </p:spPr>
+        <p:txBody>
+          <a:bodyPr wrap="square" rtlCol="0">
+            <a:spAutoFit/>
+          </a:bodyPr>
+          <a:lstStyle/>
+          <a:p>
+            <a:pPr marL="0" marR="0" lvl="0" indent="0" algn="l" defTabSz="914400" rtl="0" eaLnBrk="1" fontAlgn="auto" latinLnBrk="1" hangingPunct="1">
+              <a:lnSpc>
+                <a:spcPct val="100000"/>
+              </a:lnSpc>
+              <a:spcBef>
+                <a:spcPts val="0"/>
+              </a:spcBef>
+              <a:spcAft>
+                <a:spcPts val="0"/>
+              </a:spcAft>
+              <a:buClrTx/>
+              <a:buSzTx/>
+              <a:buFontTx/>
+              <a:buNone/>
+              <a:tabLst/>
+              <a:defRPr/>
+            </a:pPr>
+            <a:r>
+              <a:rPr kumimoji="0" lang="en-US" altLang="ko-KR" sz="2800" b="0" i="0" u="none" strike="noStrike" kern="1200" cap="none" spc="0" normalizeH="0" baseline="0" noProof="0" dirty="0">
+                <a:ln>
+                  <a:noFill/>
+                </a:ln>
+                <a:solidFill>
+                  <a:prstClr val="white"/>
+                </a:solidFill>
+                <a:effectLst/>
+                <a:uLnTx/>
+                <a:uFillTx/>
+                <a:latin typeface="휴먼매직체" panose="02030504000101010101" pitchFamily="18" charset="-127"/>
+                <a:ea typeface="휴먼매직체" panose="02030504000101010101" pitchFamily="18" charset="-127"/>
+                <a:cs typeface="+mn-cs"/>
+              </a:rPr>
+              <a:t>3. </a:t>
+            </a:r>
+            <a:r>
+              <a:rPr kumimoji="0" lang="ko-KR" altLang="en-US" sz="2800" b="0" i="0" u="none" strike="noStrike" kern="1200" cap="none" spc="0" normalizeH="0" baseline="0" noProof="0" dirty="0">
+                <a:ln>
+                  <a:noFill/>
+                </a:ln>
+                <a:solidFill>
+                  <a:prstClr val="white"/>
+                </a:solidFill>
+                <a:effectLst/>
+                <a:uLnTx/>
+                <a:uFillTx/>
+                <a:latin typeface="휴먼매직체" panose="02030504000101010101" pitchFamily="18" charset="-127"/>
+                <a:ea typeface="휴먼매직체" panose="02030504000101010101" pitchFamily="18" charset="-127"/>
+                <a:cs typeface="+mn-cs"/>
+              </a:rPr>
+              <a:t>유사 어플 분석 </a:t>
+            </a:r>
+            <a:r>
+              <a:rPr kumimoji="0" lang="en-US" altLang="ko-KR" sz="2800" b="0" i="0" u="none" strike="noStrike" kern="1200" cap="none" spc="0" normalizeH="0" baseline="0" noProof="0" dirty="0">
+                <a:ln>
+                  <a:noFill/>
+                </a:ln>
+                <a:solidFill>
+                  <a:prstClr val="white"/>
+                </a:solidFill>
+                <a:effectLst/>
+                <a:uLnTx/>
+                <a:uFillTx/>
+                <a:latin typeface="휴먼매직체" panose="02030504000101010101" pitchFamily="18" charset="-127"/>
+                <a:ea typeface="휴먼매직체" panose="02030504000101010101" pitchFamily="18" charset="-127"/>
+                <a:cs typeface="+mn-cs"/>
+              </a:rPr>
+              <a:t>: </a:t>
+            </a:r>
+            <a:r>
+              <a:rPr kumimoji="0" lang="ko-KR" altLang="en-US" sz="2800" b="0" i="0" u="none" strike="noStrike" kern="1200" cap="none" spc="0" normalizeH="0" baseline="0" noProof="0" dirty="0">
+                <a:ln>
+                  <a:noFill/>
+                </a:ln>
+                <a:solidFill>
+                  <a:prstClr val="white"/>
+                </a:solidFill>
+                <a:effectLst/>
+                <a:uLnTx/>
+                <a:uFillTx/>
+                <a:latin typeface="휴먼매직체" panose="02030504000101010101" pitchFamily="18" charset="-127"/>
+                <a:ea typeface="휴먼매직체" panose="02030504000101010101" pitchFamily="18" charset="-127"/>
+                <a:cs typeface="+mn-cs"/>
+              </a:rPr>
+              <a:t>밀리그램</a:t>
+            </a:r>
+          </a:p>
+        </p:txBody>
+      </p:sp>
+      <p:sp>
+        <p:nvSpPr>
+          <p:cNvPr id="14" name="TextBox 13">
+            <a:extLst>
+              <a:ext uri="{FF2B5EF4-FFF2-40B4-BE49-F238E27FC236}">
+                <a16:creationId xmlns:a16="http://schemas.microsoft.com/office/drawing/2014/main" id="{62971890-37D0-ED8D-89BF-51DCD983215D}"/>
+              </a:ext>
+            </a:extLst>
+          </p:cNvPr>
+          <p:cNvSpPr txBox="1"/>
+          <p:nvPr/>
+        </p:nvSpPr>
+        <p:spPr>
+          <a:xfrm>
+            <a:off x="4703297" y="271354"/>
+            <a:ext cx="4823669" cy="400110"/>
+          </a:xfrm>
+          <a:prstGeom prst="rect">
+            <a:avLst/>
+          </a:prstGeom>
+          <a:noFill/>
+        </p:spPr>
+        <p:txBody>
+          <a:bodyPr wrap="square" rtlCol="0">
+            <a:spAutoFit/>
+          </a:bodyPr>
+          <a:lstStyle/>
+          <a:p>
+            <a:pPr marL="0" marR="0" lvl="0" indent="0" algn="l" defTabSz="914400" rtl="0" eaLnBrk="1" fontAlgn="auto" latinLnBrk="1" hangingPunct="1">
+              <a:lnSpc>
+                <a:spcPct val="100000"/>
+              </a:lnSpc>
+              <a:spcBef>
+                <a:spcPts val="0"/>
+              </a:spcBef>
+              <a:spcAft>
+                <a:spcPts val="0"/>
+              </a:spcAft>
+              <a:buClrTx/>
+              <a:buSzTx/>
+              <a:buFontTx/>
+              <a:buNone/>
+              <a:tabLst/>
+              <a:defRPr/>
+            </a:pPr>
+            <a:r>
+              <a:rPr kumimoji="0" lang="en-US" altLang="ko-KR" sz="2000" b="0" i="0" u="none" strike="noStrike" kern="1200" cap="none" spc="0" normalizeH="0" baseline="0" noProof="0" dirty="0">
+                <a:ln>
+                  <a:noFill/>
+                </a:ln>
+                <a:solidFill>
+                  <a:prstClr val="white"/>
+                </a:solidFill>
+                <a:effectLst/>
+                <a:uLnTx/>
+                <a:uFillTx/>
+                <a:latin typeface="휴먼매직체" panose="02030504000101010101" pitchFamily="18" charset="-127"/>
+                <a:ea typeface="휴먼매직체" panose="02030504000101010101" pitchFamily="18" charset="-127"/>
+                <a:cs typeface="+mn-cs"/>
+              </a:rPr>
+              <a:t>*</a:t>
+            </a:r>
+            <a:r>
+              <a:rPr kumimoji="0" lang="ko-KR" altLang="en-US" sz="2000" b="0" i="0" u="none" strike="noStrike" kern="1200" cap="none" spc="0" normalizeH="0" baseline="0" noProof="0" dirty="0">
+                <a:ln>
+                  <a:noFill/>
+                </a:ln>
+                <a:solidFill>
+                  <a:prstClr val="white"/>
+                </a:solidFill>
+                <a:effectLst/>
+                <a:uLnTx/>
+                <a:uFillTx/>
+                <a:latin typeface="휴먼매직체" panose="02030504000101010101" pitchFamily="18" charset="-127"/>
+                <a:ea typeface="휴먼매직체" panose="02030504000101010101" pitchFamily="18" charset="-127"/>
+                <a:cs typeface="+mn-cs"/>
+              </a:rPr>
+              <a:t>콘텐츠 및 기능 분석 </a:t>
+            </a:r>
+            <a:r>
+              <a:rPr kumimoji="0" lang="en-US" altLang="ko-KR" sz="2000" b="0" i="0" u="none" strike="noStrike" kern="1200" cap="none" spc="0" normalizeH="0" baseline="0" noProof="0" dirty="0">
+                <a:ln>
+                  <a:noFill/>
+                </a:ln>
+                <a:solidFill>
+                  <a:prstClr val="white"/>
+                </a:solidFill>
+                <a:effectLst/>
+                <a:uLnTx/>
+                <a:uFillTx/>
+                <a:latin typeface="휴먼매직체" panose="02030504000101010101" pitchFamily="18" charset="-127"/>
+                <a:ea typeface="휴먼매직체" panose="02030504000101010101" pitchFamily="18" charset="-127"/>
+                <a:cs typeface="+mn-cs"/>
+              </a:rPr>
+              <a:t>(</a:t>
+            </a:r>
+            <a:r>
+              <a:rPr lang="ko-KR" altLang="en-US" sz="2000" dirty="0" err="1">
+                <a:solidFill>
+                  <a:prstClr val="white"/>
+                </a:solidFill>
+                <a:latin typeface="휴먼매직체" panose="02030504000101010101" pitchFamily="18" charset="-127"/>
+                <a:ea typeface="휴먼매직체" panose="02030504000101010101" pitchFamily="18" charset="-127"/>
+              </a:rPr>
+              <a:t>윤시현</a:t>
+            </a:r>
+            <a:r>
+              <a:rPr lang="en-US" altLang="ko-KR" sz="2000" dirty="0">
+                <a:solidFill>
+                  <a:prstClr val="white"/>
+                </a:solidFill>
+                <a:latin typeface="휴먼매직체" panose="02030504000101010101" pitchFamily="18" charset="-127"/>
+                <a:ea typeface="휴먼매직체" panose="02030504000101010101" pitchFamily="18" charset="-127"/>
+              </a:rPr>
+              <a:t>)</a:t>
+            </a:r>
+            <a:endParaRPr kumimoji="0" lang="en-US" altLang="ko-KR" sz="2000" b="0" i="0" u="none" strike="noStrike" kern="1200" cap="none" spc="0" normalizeH="0" baseline="0" noProof="0" dirty="0">
+              <a:ln>
+                <a:noFill/>
+              </a:ln>
+              <a:solidFill>
+                <a:prstClr val="white"/>
+              </a:solidFill>
+              <a:effectLst/>
+              <a:uLnTx/>
+              <a:uFillTx/>
+              <a:latin typeface="휴먼매직체" panose="02030504000101010101" pitchFamily="18" charset="-127"/>
+              <a:ea typeface="휴먼매직체" panose="02030504000101010101" pitchFamily="18" charset="-127"/>
+              <a:cs typeface="+mn-cs"/>
+            </a:endParaRPr>
+          </a:p>
+        </p:txBody>
+      </p:sp>
     </p:spTree>
     <p:extLst>
       <p:ext uri="{BB962C8B-B14F-4D97-AF65-F5344CB8AC3E}">
@@ -11192,7 +11211,7 @@
               <a:defRPr/>
             </a:pPr>
             <a:r>
-              <a:rPr kumimoji="0" lang="en-US" altLang="ko-KR" sz="2800" b="0" i="0" u="none" strike="noStrike" kern="1200" cap="none" spc="0" normalizeH="0" baseline="0" noProof="0">
+              <a:rPr kumimoji="0" lang="en-US" altLang="ko-KR" sz="2800" b="0" i="0" u="none" strike="noStrike" kern="1200" cap="none" spc="0" normalizeH="0" baseline="0" noProof="0" dirty="0">
                 <a:ln>
                   <a:noFill/>
                 </a:ln>
@@ -11209,7 +11228,7 @@
               <a:t>3. </a:t>
             </a:r>
             <a:r>
-              <a:rPr kumimoji="0" lang="ko-KR" altLang="en-US" sz="2800" b="0" i="0" u="none" strike="noStrike" kern="1200" cap="none" spc="0" normalizeH="0" baseline="0" noProof="0">
+              <a:rPr kumimoji="0" lang="ko-KR" altLang="en-US" sz="2800" b="0" i="0" u="none" strike="noStrike" kern="1200" cap="none" spc="0" normalizeH="0" baseline="0" noProof="0" dirty="0">
                 <a:ln>
                   <a:noFill/>
                 </a:ln>
@@ -11223,10 +11242,10 @@
                 <a:ea typeface="휴먼매직체" panose="02030504000101010101" pitchFamily="18" charset="-127"/>
                 <a:cs typeface="+mn-cs"/>
               </a:rPr>
-              <a:t>유사 사이트 분석 </a:t>
-            </a:r>
-            <a:r>
-              <a:rPr kumimoji="0" lang="en-US" altLang="ko-KR" sz="2800" b="0" i="0" u="none" strike="noStrike" kern="1200" cap="none" spc="0" normalizeH="0" baseline="0" noProof="0">
+              <a:t>유사 어플 분석 </a:t>
+            </a:r>
+            <a:r>
+              <a:rPr kumimoji="0" lang="en-US" altLang="ko-KR" sz="2800" b="0" i="0" u="none" strike="noStrike" kern="1200" cap="none" spc="0" normalizeH="0" baseline="0" noProof="0" dirty="0">
                 <a:ln>
                   <a:noFill/>
                 </a:ln>
@@ -11243,7 +11262,7 @@
               <a:t>: </a:t>
             </a:r>
             <a:r>
-              <a:rPr kumimoji="0" lang="ko-KR" altLang="en-US" sz="2800" b="0" i="0" u="none" strike="noStrike" kern="1200" cap="none" spc="0" normalizeH="0" baseline="0" noProof="0">
+              <a:rPr kumimoji="0" lang="ko-KR" altLang="en-US" sz="2800" b="0" i="0" u="none" strike="noStrike" kern="1200" cap="none" spc="0" normalizeH="0" baseline="0" noProof="0" dirty="0">
                 <a:ln>
                   <a:noFill/>
                 </a:ln>
@@ -11259,20 +11278,6 @@
               </a:rPr>
               <a:t>밀리그램</a:t>
             </a:r>
-            <a:endParaRPr kumimoji="0" lang="ko-KR" altLang="en-US" sz="2800" b="0" i="0" u="none" strike="noStrike" kern="1200" cap="none" spc="0" normalizeH="0" baseline="0" noProof="0" dirty="0">
-              <a:ln>
-                <a:noFill/>
-              </a:ln>
-              <a:solidFill>
-                <a:prstClr val="white"/>
-              </a:solidFill>
-              <a:effectLst/>
-              <a:uLnTx/>
-              <a:uFillTx/>
-              <a:latin typeface="휴먼매직체" panose="02030504000101010101" pitchFamily="18" charset="-127"/>
-              <a:ea typeface="휴먼매직체" panose="02030504000101010101" pitchFamily="18" charset="-127"/>
-              <a:cs typeface="+mn-cs"/>
-            </a:endParaRPr>
           </a:p>
         </p:txBody>
       </p:sp>
@@ -11324,7 +11329,7 @@
               <a:defRPr/>
             </a:pPr>
             <a:r>
-              <a:rPr kumimoji="0" lang="en-US" altLang="ko-KR" sz="2000" b="0" i="0" u="none" strike="noStrike" kern="1200" cap="none" spc="0" normalizeH="0" baseline="0" noProof="0">
+              <a:rPr kumimoji="0" lang="en-US" altLang="ko-KR" sz="2000" b="0" i="0" u="none" strike="noStrike" kern="1200" cap="none" spc="0" normalizeH="0" baseline="0" noProof="0" dirty="0">
                 <a:ln>
                   <a:noFill/>
                 </a:ln>
@@ -11341,7 +11346,7 @@
               <a:t>*</a:t>
             </a:r>
             <a:r>
-              <a:rPr kumimoji="0" lang="ko-KR" altLang="en-US" sz="2000" b="0" i="0" u="none" strike="noStrike" kern="1200" cap="none" spc="0" normalizeH="0" baseline="0" noProof="0">
+              <a:rPr kumimoji="0" lang="ko-KR" altLang="en-US" sz="2000" b="0" i="0" u="none" strike="noStrike" kern="1200" cap="none" spc="0" normalizeH="0" baseline="0" noProof="0" dirty="0">
                 <a:ln>
                   <a:noFill/>
                 </a:ln>
@@ -11355,9 +11360,46 @@
                 <a:ea typeface="휴먼매직체" panose="02030504000101010101" pitchFamily="18" charset="-127"/>
                 <a:cs typeface="+mn-cs"/>
               </a:rPr>
-              <a:t>콘텐츠 및 기능 분석</a:t>
-            </a:r>
-            <a:endParaRPr kumimoji="0" lang="en-US" altLang="ko-KR" sz="2000" b="0" i="0" u="none" strike="noStrike" kern="1200" cap="none" spc="0" normalizeH="0" baseline="0" noProof="0">
+              <a:t>콘텐츠 및 기능 분석 </a:t>
+            </a:r>
+            <a:r>
+              <a:rPr kumimoji="0" lang="en-US" altLang="ko-KR" sz="2000" b="0" i="0" u="none" strike="noStrike" kern="1200" cap="none" spc="0" normalizeH="0" baseline="0" noProof="0" dirty="0">
+                <a:ln>
+                  <a:noFill/>
+                </a:ln>
+                <a:solidFill>
+                  <a:prstClr val="white"/>
+                </a:solidFill>
+                <a:effectLst/>
+                <a:uLnTx/>
+                <a:uFillTx/>
+                <a:latin typeface="휴먼매직체" panose="02030504000101010101" pitchFamily="18" charset="-127"/>
+                <a:ea typeface="휴먼매직체" panose="02030504000101010101" pitchFamily="18" charset="-127"/>
+                <a:cs typeface="+mn-cs"/>
+              </a:rPr>
+              <a:t>(</a:t>
+            </a:r>
+            <a:r>
+              <a:rPr lang="ko-KR" altLang="en-US" sz="2000" dirty="0" err="1">
+                <a:solidFill>
+                  <a:prstClr val="white"/>
+                </a:solidFill>
+                <a:latin typeface="휴먼매직체" panose="02030504000101010101" pitchFamily="18" charset="-127"/>
+                <a:ea typeface="휴먼매직체" panose="02030504000101010101" pitchFamily="18" charset="-127"/>
+              </a:rPr>
+              <a:t>윤시현</a:t>
+            </a:r>
+            <a:r>
+              <a:rPr lang="en-US" altLang="ko-KR" sz="2000" dirty="0">
+                <a:solidFill>
+                  <a:prstClr val="white"/>
+                </a:solidFill>
+                <a:latin typeface="휴먼매직체" panose="02030504000101010101" pitchFamily="18" charset="-127"/>
+                <a:ea typeface="휴먼매직체" panose="02030504000101010101" pitchFamily="18" charset="-127"/>
+              </a:rPr>
+              <a:t>)</a:t>
+            </a:r>
+            <a:endParaRPr kumimoji="0" lang="en-US" altLang="ko-KR" sz="2000" b="0" i="0" u="none" strike="noStrike" kern="1200" cap="none" spc="0" normalizeH="0" baseline="0" noProof="0" dirty="0">
               <a:ln>
                 <a:noFill/>
               </a:ln>
@@ -12229,7 +12271,9 @@
               </a:ext>
             </a:extLst>
           </p:cNvPr>
-          <p:cNvSpPr txBox="1"/>
+          <p:cNvSpPr txBox="1">
+            <a:spLocks noGrp="1" noRot="1" noMove="1" noResize="1" noEditPoints="1" noAdjustHandles="1" noChangeArrowheads="1" noChangeShapeType="1"/>
+          </p:cNvSpPr>
           <p:nvPr/>
         </p:nvSpPr>
         <p:spPr>
@@ -12266,7 +12310,7 @@
               <a:defRPr/>
             </a:pPr>
             <a:r>
-              <a:rPr kumimoji="0" lang="en-US" altLang="ko-KR" sz="2800" b="0" i="0" u="none" strike="noStrike" kern="1200" cap="none" spc="0" normalizeH="0" baseline="0" noProof="0">
+              <a:rPr kumimoji="0" lang="en-US" altLang="ko-KR" sz="2800" b="0" i="0" u="none" strike="noStrike" kern="1200" cap="none" spc="0" normalizeH="0" baseline="0" noProof="0" dirty="0">
                 <a:ln>
                   <a:noFill/>
                 </a:ln>
@@ -12283,7 +12327,7 @@
               <a:t>3. </a:t>
             </a:r>
             <a:r>
-              <a:rPr kumimoji="0" lang="ko-KR" altLang="en-US" sz="2800" b="0" i="0" u="none" strike="noStrike" kern="1200" cap="none" spc="0" normalizeH="0" baseline="0" noProof="0">
+              <a:rPr kumimoji="0" lang="ko-KR" altLang="en-US" sz="2800" b="0" i="0" u="none" strike="noStrike" kern="1200" cap="none" spc="0" normalizeH="0" baseline="0" noProof="0" dirty="0">
                 <a:ln>
                   <a:noFill/>
                 </a:ln>
@@ -12297,10 +12341,10 @@
                 <a:ea typeface="휴먼매직체" panose="02030504000101010101" pitchFamily="18" charset="-127"/>
                 <a:cs typeface="+mn-cs"/>
               </a:rPr>
-              <a:t>유사 사이트 분석 </a:t>
-            </a:r>
-            <a:r>
-              <a:rPr kumimoji="0" lang="en-US" altLang="ko-KR" sz="2800" b="0" i="0" u="none" strike="noStrike" kern="1200" cap="none" spc="0" normalizeH="0" baseline="0" noProof="0">
+              <a:t>유사 어플 분석 </a:t>
+            </a:r>
+            <a:r>
+              <a:rPr kumimoji="0" lang="en-US" altLang="ko-KR" sz="2800" b="0" i="0" u="none" strike="noStrike" kern="1200" cap="none" spc="0" normalizeH="0" baseline="0" noProof="0" dirty="0">
                 <a:ln>
                   <a:noFill/>
                 </a:ln>
@@ -12317,7 +12361,7 @@
               <a:t>: </a:t>
             </a:r>
             <a:r>
-              <a:rPr kumimoji="0" lang="ko-KR" altLang="en-US" sz="2800" b="0" i="0" u="none" strike="noStrike" kern="1200" cap="none" spc="0" normalizeH="0" baseline="0" noProof="0">
+              <a:rPr kumimoji="0" lang="ko-KR" altLang="en-US" sz="2800" b="0" i="0" u="none" strike="noStrike" kern="1200" cap="none" spc="0" normalizeH="0" baseline="0" noProof="0" dirty="0">
                 <a:ln>
                   <a:noFill/>
                 </a:ln>
@@ -12333,20 +12377,6 @@
               </a:rPr>
               <a:t>밀리그램</a:t>
             </a:r>
-            <a:endParaRPr kumimoji="0" lang="ko-KR" altLang="en-US" sz="2800" b="0" i="0" u="none" strike="noStrike" kern="1200" cap="none" spc="0" normalizeH="0" baseline="0" noProof="0" dirty="0">
-              <a:ln>
-                <a:noFill/>
-              </a:ln>
-              <a:solidFill>
-                <a:prstClr val="white"/>
-              </a:solidFill>
-              <a:effectLst/>
-              <a:uLnTx/>
-              <a:uFillTx/>
-              <a:latin typeface="휴먼매직체" panose="02030504000101010101" pitchFamily="18" charset="-127"/>
-              <a:ea typeface="휴먼매직체" panose="02030504000101010101" pitchFamily="18" charset="-127"/>
-              <a:cs typeface="+mn-cs"/>
-            </a:endParaRPr>
           </a:p>
         </p:txBody>
       </p:sp>
@@ -12396,7 +12426,7 @@
               <a:defRPr/>
             </a:pPr>
             <a:r>
-              <a:rPr kumimoji="0" lang="en-US" altLang="ko-KR" sz="2000" b="0" i="0" u="none" strike="noStrike" kern="1200" cap="none" spc="0" normalizeH="0" baseline="0" noProof="0">
+              <a:rPr kumimoji="0" lang="en-US" altLang="ko-KR" sz="2000" b="0" i="0" u="none" strike="noStrike" kern="1200" cap="none" spc="0" normalizeH="0" baseline="0" noProof="0" dirty="0">
                 <a:ln>
                   <a:noFill/>
                 </a:ln>
@@ -12413,7 +12443,7 @@
               <a:t>*</a:t>
             </a:r>
             <a:r>
-              <a:rPr kumimoji="0" lang="ko-KR" altLang="en-US" sz="2000" b="0" i="0" u="none" strike="noStrike" kern="1200" cap="none" spc="0" normalizeH="0" baseline="0" noProof="0">
+              <a:rPr kumimoji="0" lang="ko-KR" altLang="en-US" sz="2000" b="0" i="0" u="none" strike="noStrike" kern="1200" cap="none" spc="0" normalizeH="0" baseline="0" noProof="0" dirty="0">
                 <a:ln>
                   <a:noFill/>
                 </a:ln>
@@ -12430,7 +12460,7 @@
               <a:t>특징</a:t>
             </a:r>
             <a:r>
-              <a:rPr kumimoji="0" lang="en-US" altLang="ko-KR" sz="2000" b="0" i="0" u="none" strike="noStrike" kern="1200" cap="none" spc="0" normalizeH="0" baseline="0" noProof="0">
+              <a:rPr kumimoji="0" lang="en-US" altLang="ko-KR" sz="2000" b="0" i="0" u="none" strike="noStrike" kern="1200" cap="none" spc="0" normalizeH="0" baseline="0" noProof="0" dirty="0">
                 <a:ln>
                   <a:noFill/>
                 </a:ln>
@@ -12447,7 +12477,7 @@
               <a:t> </a:t>
             </a:r>
             <a:r>
-              <a:rPr kumimoji="0" lang="ko-KR" altLang="en-US" sz="2000" b="0" i="0" u="none" strike="noStrike" kern="1200" cap="none" spc="0" normalizeH="0" baseline="0" noProof="0">
+              <a:rPr kumimoji="0" lang="ko-KR" altLang="en-US" sz="2000" b="0" i="0" u="none" strike="noStrike" kern="1200" cap="none" spc="0" normalizeH="0" baseline="0" noProof="0" dirty="0">
                 <a:ln>
                   <a:noFill/>
                 </a:ln>
@@ -12461,22 +12491,59 @@
                 <a:ea typeface="휴먼매직체" panose="02030504000101010101" pitchFamily="18" charset="-127"/>
                 <a:cs typeface="+mn-cs"/>
               </a:rPr>
-              <a:t>및 시사점</a:t>
-            </a:r>
-            <a:endParaRPr kumimoji="0" lang="en-US" altLang="ko-KR" sz="2000" b="0" i="0" u="none" strike="noStrike" kern="1200" cap="none" spc="0" normalizeH="0" baseline="0" noProof="0">
-              <a:ln>
-                <a:noFill/>
-              </a:ln>
-              <a:solidFill>
-                <a:prstClr val="white"/>
-              </a:solidFill>
-              <a:effectLst/>
-              <a:uLnTx/>
-              <a:uFillTx/>
-              <a:latin typeface="휴먼매직체" panose="02030504000101010101" pitchFamily="18" charset="-127"/>
-              <a:ea typeface="휴먼매직체" panose="02030504000101010101" pitchFamily="18" charset="-127"/>
-              <a:cs typeface="+mn-cs"/>
-            </a:endParaRPr>
+              <a:t>및 시사점 </a:t>
+            </a:r>
+            <a:r>
+              <a:rPr kumimoji="0" lang="en-US" altLang="ko-KR" sz="2000" b="0" i="0" u="none" strike="noStrike" kern="1200" cap="none" spc="0" normalizeH="0" baseline="0" noProof="0" dirty="0">
+                <a:ln>
+                  <a:noFill/>
+                </a:ln>
+                <a:solidFill>
+                  <a:prstClr val="white"/>
+                </a:solidFill>
+                <a:effectLst/>
+                <a:uLnTx/>
+                <a:uFillTx/>
+                <a:latin typeface="휴먼매직체" panose="02030504000101010101" pitchFamily="18" charset="-127"/>
+                <a:ea typeface="휴먼매직체" panose="02030504000101010101" pitchFamily="18" charset="-127"/>
+                <a:cs typeface="+mn-cs"/>
+              </a:rPr>
+              <a:t>(</a:t>
+            </a:r>
+            <a:r>
+              <a:rPr kumimoji="0" lang="ko-KR" altLang="en-US" sz="2000" b="0" i="0" u="none" strike="noStrike" kern="1200" cap="none" spc="0" normalizeH="0" baseline="0" noProof="0" dirty="0" err="1">
+                <a:ln>
+                  <a:noFill/>
+                </a:ln>
+                <a:solidFill>
+                  <a:prstClr val="white"/>
+                </a:solidFill>
+                <a:effectLst/>
+                <a:uLnTx/>
+                <a:uFillTx/>
+                <a:latin typeface="휴먼매직체" panose="02030504000101010101" pitchFamily="18" charset="-127"/>
+                <a:ea typeface="휴먼매직체" panose="02030504000101010101" pitchFamily="18" charset="-127"/>
+                <a:cs typeface="+mn-cs"/>
+              </a:rPr>
+              <a:t>윤시현</a:t>
+            </a:r>
+            <a:r>
+              <a:rPr kumimoji="0" lang="en-US" altLang="ko-KR" sz="2000" b="0" i="0" u="none" strike="noStrike" kern="1200" cap="none" spc="0" normalizeH="0" baseline="0" noProof="0" dirty="0">
+                <a:ln>
+                  <a:noFill/>
+                </a:ln>
+                <a:solidFill>
+                  <a:prstClr val="white"/>
+                </a:solidFill>
+                <a:effectLst/>
+                <a:uLnTx/>
+                <a:uFillTx/>
+                <a:latin typeface="휴먼매직체" panose="02030504000101010101" pitchFamily="18" charset="-127"/>
+                <a:ea typeface="휴먼매직체" panose="02030504000101010101" pitchFamily="18" charset="-127"/>
+                <a:cs typeface="+mn-cs"/>
+              </a:rPr>
+              <a:t>)</a:t>
+            </a:r>
           </a:p>
         </p:txBody>
       </p:sp>
@@ -13540,13 +13607,15 @@
               </a:ext>
             </a:extLst>
           </p:cNvPr>
-          <p:cNvSpPr txBox="1"/>
+          <p:cNvSpPr txBox="1">
+            <a:spLocks noGrp="1" noRot="1" noMove="1" noResize="1" noEditPoints="1" noAdjustHandles="1" noChangeArrowheads="1" noChangeShapeType="1"/>
+          </p:cNvSpPr>
           <p:nvPr/>
         </p:nvSpPr>
         <p:spPr>
           <a:xfrm>
             <a:off x="234434" y="207141"/>
-            <a:ext cx="4468863" cy="523220"/>
+            <a:ext cx="5612693" cy="523220"/>
           </a:xfrm>
           <a:prstGeom prst="rect">
             <a:avLst/>
@@ -13577,7 +13646,7 @@
               <a:defRPr/>
             </a:pPr>
             <a:r>
-              <a:rPr kumimoji="0" lang="en-US" altLang="ko-KR" sz="2800" b="0" i="0" u="none" strike="noStrike" kern="1200" cap="none" spc="0" normalizeH="0" baseline="0" noProof="0">
+              <a:rPr kumimoji="0" lang="en-US" altLang="ko-KR" sz="2800" b="0" i="0" u="none" strike="noStrike" kern="1200" cap="none" spc="0" normalizeH="0" baseline="0" noProof="0" dirty="0">
                 <a:ln>
                   <a:noFill/>
                 </a:ln>
@@ -13594,7 +13663,7 @@
               <a:t>3. </a:t>
             </a:r>
             <a:r>
-              <a:rPr kumimoji="0" lang="ko-KR" altLang="en-US" sz="2800" b="0" i="0" u="none" strike="noStrike" kern="1200" cap="none" spc="0" normalizeH="0" baseline="0" noProof="0">
+              <a:rPr kumimoji="0" lang="ko-KR" altLang="en-US" sz="2800" b="0" i="0" u="none" strike="noStrike" kern="1200" cap="none" spc="0" normalizeH="0" baseline="0" noProof="0" dirty="0">
                 <a:ln>
                   <a:noFill/>
                 </a:ln>
@@ -13608,10 +13677,10 @@
                 <a:ea typeface="휴먼매직체" panose="02030504000101010101" pitchFamily="18" charset="-127"/>
                 <a:cs typeface="+mn-cs"/>
               </a:rPr>
-              <a:t>유사 사이트 분석 </a:t>
-            </a:r>
-            <a:r>
-              <a:rPr kumimoji="0" lang="en-US" altLang="ko-KR" sz="2800" b="0" i="0" u="none" strike="noStrike" kern="1200" cap="none" spc="0" normalizeH="0" baseline="0" noProof="0">
+              <a:t>유사 어플 분석 </a:t>
+            </a:r>
+            <a:r>
+              <a:rPr kumimoji="0" lang="en-US" altLang="ko-KR" sz="2800" b="0" i="0" u="none" strike="noStrike" kern="1200" cap="none" spc="0" normalizeH="0" baseline="0" noProof="0" dirty="0">
                 <a:ln>
                   <a:noFill/>
                 </a:ln>
@@ -13628,7 +13697,7 @@
               <a:t>: </a:t>
             </a:r>
             <a:r>
-              <a:rPr kumimoji="0" lang="ko-KR" altLang="en-US" sz="2800" b="0" i="0" u="none" strike="noStrike" kern="1200" cap="none" spc="0" normalizeH="0" baseline="0" noProof="0">
+              <a:rPr kumimoji="0" lang="ko-KR" altLang="en-US" sz="2800" b="0" i="0" u="none" strike="noStrike" kern="1200" cap="none" spc="0" normalizeH="0" baseline="0" noProof="0" dirty="0" err="1">
                 <a:ln>
                   <a:noFill/>
                 </a:ln>
@@ -13643,6 +13712,74 @@
                 <a:cs typeface="+mn-cs"/>
               </a:rPr>
               <a:t>서제스틱</a:t>
+            </a:r>
+            <a:r>
+              <a:rPr kumimoji="0" lang="ko-KR" altLang="en-US" sz="2800" b="0" i="0" u="none" strike="noStrike" kern="1200" cap="none" spc="0" normalizeH="0" baseline="0" noProof="0" dirty="0">
+                <a:ln>
+                  <a:noFill/>
+                </a:ln>
+                <a:solidFill>
+                  <a:prstClr val="white"/>
+                </a:solidFill>
+                <a:effectLst/>
+                <a:uLnTx/>
+                <a:uFillTx/>
+                <a:latin typeface="휴먼매직체" panose="02030504000101010101" pitchFamily="18" charset="-127"/>
+                <a:ea typeface="휴먼매직체" panose="02030504000101010101" pitchFamily="18" charset="-127"/>
+                <a:cs typeface="+mn-cs"/>
+              </a:rPr>
+              <a:t> </a:t>
+            </a:r>
+            <a:r>
+              <a:rPr kumimoji="0" lang="en-US" altLang="ko-KR" sz="2800" b="0" i="0" u="none" strike="noStrike" kern="1200" cap="none" spc="0" normalizeH="0" baseline="0" noProof="0" dirty="0">
+                <a:ln>
+                  <a:noFill/>
+                </a:ln>
+                <a:solidFill>
+                  <a:prstClr val="white"/>
+                </a:solidFill>
+                <a:effectLst/>
+                <a:uLnTx/>
+                <a:uFillTx/>
+                <a:latin typeface="휴먼매직체" panose="02030504000101010101" pitchFamily="18" charset="-127"/>
+                <a:ea typeface="휴먼매직체" panose="02030504000101010101" pitchFamily="18" charset="-127"/>
+                <a:cs typeface="+mn-cs"/>
+              </a:rPr>
+              <a:t>(</a:t>
+            </a:r>
+            <a:r>
+              <a:rPr kumimoji="0" lang="ko-KR" altLang="en-US" sz="2800" b="0" i="0" u="none" strike="noStrike" kern="1200" cap="none" spc="0" normalizeH="0" baseline="0" noProof="0" dirty="0" err="1">
+                <a:ln>
+                  <a:noFill/>
+                </a:ln>
+                <a:solidFill>
+                  <a:prstClr val="white"/>
+                </a:solidFill>
+                <a:effectLst/>
+                <a:uLnTx/>
+                <a:uFillTx/>
+                <a:latin typeface="휴먼매직체" panose="02030504000101010101" pitchFamily="18" charset="-127"/>
+                <a:ea typeface="휴먼매직체" panose="02030504000101010101" pitchFamily="18" charset="-127"/>
+                <a:cs typeface="+mn-cs"/>
+              </a:rPr>
+              <a:t>윤시현</a:t>
+            </a:r>
+            <a:r>
+              <a:rPr kumimoji="0" lang="en-US" altLang="ko-KR" sz="2800" b="0" i="0" u="none" strike="noStrike" kern="1200" cap="none" spc="0" normalizeH="0" baseline="0" noProof="0" dirty="0">
+                <a:ln>
+                  <a:noFill/>
+                </a:ln>
+                <a:solidFill>
+                  <a:prstClr val="white"/>
+                </a:solidFill>
+                <a:effectLst/>
+                <a:uLnTx/>
+                <a:uFillTx/>
+                <a:latin typeface="휴먼매직체" panose="02030504000101010101" pitchFamily="18" charset="-127"/>
+                <a:ea typeface="휴먼매직체" panose="02030504000101010101" pitchFamily="18" charset="-127"/>
+                <a:cs typeface="+mn-cs"/>
+              </a:rPr>
+              <a:t>)</a:t>
             </a:r>
             <a:endParaRPr kumimoji="0" lang="ko-KR" altLang="en-US" sz="2800" b="0" i="0" u="none" strike="noStrike" kern="1200" cap="none" spc="0" normalizeH="0" baseline="0" noProof="0" dirty="0">
               <a:ln>
@@ -14223,7 +14360,7 @@
             <p:nvPr/>
           </p:nvPicPr>
           <p:blipFill>
-            <a:blip r:embed="rId2">
+            <a:blip r:embed="rId2" cstate="screen">
               <a:extLst>
                 <a:ext uri="{28A0092B-C50C-407E-A947-70E740481C1C}">
                   <a14:useLocalDpi xmlns:a14="http://schemas.microsoft.com/office/drawing/2010/main" val="0"/>
@@ -14281,7 +14418,7 @@
               <p:nvPr/>
             </p:nvPicPr>
             <p:blipFill>
-              <a:blip r:embed="rId3">
+              <a:blip r:embed="rId3" cstate="screen">
                 <a:extLst>
                   <a:ext uri="{28A0092B-C50C-407E-A947-70E740481C1C}">
                     <a14:useLocalDpi xmlns:a14="http://schemas.microsoft.com/office/drawing/2010/main" val="0"/>
@@ -14317,7 +14454,7 @@
               <p:nvPr/>
             </p:nvPicPr>
             <p:blipFill>
-              <a:blip r:embed="rId4">
+              <a:blip r:embed="rId4" cstate="screen">
                 <a:extLst>
                   <a:ext uri="{28A0092B-C50C-407E-A947-70E740481C1C}">
                     <a14:useLocalDpi xmlns:a14="http://schemas.microsoft.com/office/drawing/2010/main" val="0"/>
@@ -14388,7 +14525,7 @@
               <a:defRPr/>
             </a:pPr>
             <a:r>
-              <a:rPr kumimoji="0" lang="en-US" altLang="ko-KR" sz="2800" b="0" i="0" u="none" strike="noStrike" kern="1200" cap="none" spc="0" normalizeH="0" baseline="0" noProof="0">
+              <a:rPr kumimoji="0" lang="en-US" altLang="ko-KR" sz="2800" b="0" i="0" u="none" strike="noStrike" kern="1200" cap="none" spc="0" normalizeH="0" baseline="0" noProof="0" dirty="0">
                 <a:ln>
                   <a:noFill/>
                 </a:ln>
@@ -14405,7 +14542,7 @@
               <a:t>3. </a:t>
             </a:r>
             <a:r>
-              <a:rPr kumimoji="0" lang="ko-KR" altLang="en-US" sz="2800" b="0" i="0" u="none" strike="noStrike" kern="1200" cap="none" spc="0" normalizeH="0" baseline="0" noProof="0">
+              <a:rPr kumimoji="0" lang="ko-KR" altLang="en-US" sz="2800" b="0" i="0" u="none" strike="noStrike" kern="1200" cap="none" spc="0" normalizeH="0" baseline="0" noProof="0" dirty="0">
                 <a:ln>
                   <a:noFill/>
                 </a:ln>
@@ -14419,10 +14556,10 @@
                 <a:ea typeface="휴먼매직체" panose="02030504000101010101" pitchFamily="18" charset="-127"/>
                 <a:cs typeface="+mn-cs"/>
               </a:rPr>
-              <a:t>유사 사이트 분석 </a:t>
-            </a:r>
-            <a:r>
-              <a:rPr kumimoji="0" lang="en-US" altLang="ko-KR" sz="2800" b="0" i="0" u="none" strike="noStrike" kern="1200" cap="none" spc="0" normalizeH="0" baseline="0" noProof="0">
+              <a:t>유사 어플 분석 </a:t>
+            </a:r>
+            <a:r>
+              <a:rPr kumimoji="0" lang="en-US" altLang="ko-KR" sz="2800" b="0" i="0" u="none" strike="noStrike" kern="1200" cap="none" spc="0" normalizeH="0" baseline="0" noProof="0" dirty="0">
                 <a:ln>
                   <a:noFill/>
                 </a:ln>
@@ -14439,7 +14576,7 @@
               <a:t>: </a:t>
             </a:r>
             <a:r>
-              <a:rPr kumimoji="0" lang="ko-KR" altLang="en-US" sz="2800" b="0" i="0" u="none" strike="noStrike" kern="1200" cap="none" spc="0" normalizeH="0" baseline="0" noProof="0">
+              <a:rPr kumimoji="0" lang="ko-KR" altLang="en-US" sz="2800" b="0" i="0" u="none" strike="noStrike" kern="1200" cap="none" spc="0" normalizeH="0" baseline="0" noProof="0" dirty="0" err="1">
                 <a:ln>
                   <a:noFill/>
                 </a:ln>
@@ -14520,7 +14657,7 @@
               <a:defRPr/>
             </a:pPr>
             <a:r>
-              <a:rPr kumimoji="0" lang="en-US" altLang="ko-KR" sz="2000" b="0" i="0" u="none" strike="noStrike" kern="1200" cap="none" spc="0" normalizeH="0" baseline="0" noProof="0">
+              <a:rPr kumimoji="0" lang="en-US" altLang="ko-KR" sz="2000" b="0" i="0" u="none" strike="noStrike" kern="1200" cap="none" spc="0" normalizeH="0" baseline="0" noProof="0" dirty="0">
                 <a:ln>
                   <a:noFill/>
                 </a:ln>
@@ -14537,7 +14674,7 @@
               <a:t>*</a:t>
             </a:r>
             <a:r>
-              <a:rPr kumimoji="0" lang="ko-KR" altLang="en-US" sz="2000" b="0" i="0" u="none" strike="noStrike" kern="1200" cap="none" spc="0" normalizeH="0" baseline="0" noProof="0">
+              <a:rPr kumimoji="0" lang="ko-KR" altLang="en-US" sz="2000" b="0" i="0" u="none" strike="noStrike" kern="1200" cap="none" spc="0" normalizeH="0" baseline="0" noProof="0" dirty="0">
                 <a:ln>
                   <a:noFill/>
                 </a:ln>
@@ -14551,22 +14688,59 @@
                 <a:ea typeface="휴먼매직체" panose="02030504000101010101" pitchFamily="18" charset="-127"/>
                 <a:cs typeface="+mn-cs"/>
               </a:rPr>
-              <a:t>콘텐츠 및 기능 분석</a:t>
-            </a:r>
-            <a:endParaRPr kumimoji="0" lang="en-US" altLang="ko-KR" sz="2000" b="0" i="0" u="none" strike="noStrike" kern="1200" cap="none" spc="0" normalizeH="0" baseline="0" noProof="0">
-              <a:ln>
-                <a:noFill/>
-              </a:ln>
-              <a:solidFill>
-                <a:prstClr val="white"/>
-              </a:solidFill>
-              <a:effectLst/>
-              <a:uLnTx/>
-              <a:uFillTx/>
-              <a:latin typeface="휴먼매직체" panose="02030504000101010101" pitchFamily="18" charset="-127"/>
-              <a:ea typeface="휴먼매직체" panose="02030504000101010101" pitchFamily="18" charset="-127"/>
-              <a:cs typeface="+mn-cs"/>
-            </a:endParaRPr>
+              <a:t>콘텐츠 및 기능 분석 </a:t>
+            </a:r>
+            <a:r>
+              <a:rPr kumimoji="0" lang="en-US" altLang="ko-KR" sz="2000" b="0" i="0" u="none" strike="noStrike" kern="1200" cap="none" spc="0" normalizeH="0" baseline="0" noProof="0" dirty="0">
+                <a:ln>
+                  <a:noFill/>
+                </a:ln>
+                <a:solidFill>
+                  <a:prstClr val="white"/>
+                </a:solidFill>
+                <a:effectLst/>
+                <a:uLnTx/>
+                <a:uFillTx/>
+                <a:latin typeface="휴먼매직체" panose="02030504000101010101" pitchFamily="18" charset="-127"/>
+                <a:ea typeface="휴먼매직체" panose="02030504000101010101" pitchFamily="18" charset="-127"/>
+                <a:cs typeface="+mn-cs"/>
+              </a:rPr>
+              <a:t>(</a:t>
+            </a:r>
+            <a:r>
+              <a:rPr kumimoji="0" lang="ko-KR" altLang="en-US" sz="2000" b="0" i="0" u="none" strike="noStrike" kern="1200" cap="none" spc="0" normalizeH="0" baseline="0" noProof="0" dirty="0" err="1">
+                <a:ln>
+                  <a:noFill/>
+                </a:ln>
+                <a:solidFill>
+                  <a:prstClr val="white"/>
+                </a:solidFill>
+                <a:effectLst/>
+                <a:uLnTx/>
+                <a:uFillTx/>
+                <a:latin typeface="휴먼매직체" panose="02030504000101010101" pitchFamily="18" charset="-127"/>
+                <a:ea typeface="휴먼매직체" panose="02030504000101010101" pitchFamily="18" charset="-127"/>
+                <a:cs typeface="+mn-cs"/>
+              </a:rPr>
+              <a:t>윤시현</a:t>
+            </a:r>
+            <a:r>
+              <a:rPr kumimoji="0" lang="en-US" altLang="ko-KR" sz="2000" b="0" i="0" u="none" strike="noStrike" kern="1200" cap="none" spc="0" normalizeH="0" baseline="0" noProof="0" dirty="0">
+                <a:ln>
+                  <a:noFill/>
+                </a:ln>
+                <a:solidFill>
+                  <a:prstClr val="white"/>
+                </a:solidFill>
+                <a:effectLst/>
+                <a:uLnTx/>
+                <a:uFillTx/>
+                <a:latin typeface="휴먼매직체" panose="02030504000101010101" pitchFamily="18" charset="-127"/>
+                <a:ea typeface="휴먼매직체" panose="02030504000101010101" pitchFamily="18" charset="-127"/>
+                <a:cs typeface="+mn-cs"/>
+              </a:rPr>
+              <a:t>)</a:t>
+            </a:r>
           </a:p>
         </p:txBody>
       </p:sp>
@@ -15622,7 +15796,7 @@
             <p:nvPr/>
           </p:nvPicPr>
           <p:blipFill>
-            <a:blip r:embed="rId2">
+            <a:blip r:embed="rId2" cstate="screen">
               <a:extLst>
                 <a:ext uri="{28A0092B-C50C-407E-A947-70E740481C1C}">
                   <a14:useLocalDpi xmlns:a14="http://schemas.microsoft.com/office/drawing/2010/main" val="0"/>
@@ -15658,7 +15832,7 @@
             <p:nvPr/>
           </p:nvPicPr>
           <p:blipFill>
-            <a:blip r:embed="rId3">
+            <a:blip r:embed="rId3" cstate="screen">
               <a:extLst>
                 <a:ext uri="{28A0092B-C50C-407E-A947-70E740481C1C}">
                   <a14:useLocalDpi xmlns:a14="http://schemas.microsoft.com/office/drawing/2010/main" val="0"/>
@@ -15694,7 +15868,7 @@
             <p:nvPr/>
           </p:nvPicPr>
           <p:blipFill>
-            <a:blip r:embed="rId4">
+            <a:blip r:embed="rId4" cstate="screen">
               <a:extLst>
                 <a:ext uri="{28A0092B-C50C-407E-A947-70E740481C1C}">
                   <a14:useLocalDpi xmlns:a14="http://schemas.microsoft.com/office/drawing/2010/main" val="0"/>
@@ -15716,236 +15890,6 @@
           </p:spPr>
         </p:pic>
       </p:grpSp>
-      <p:sp>
-        <p:nvSpPr>
-          <p:cNvPr id="2" name="TextBox 1">
-            <a:extLst>
-              <a:ext uri="{FF2B5EF4-FFF2-40B4-BE49-F238E27FC236}">
-                <a16:creationId xmlns:a16="http://schemas.microsoft.com/office/drawing/2014/main" id="{DDE284A1-06BB-AEF6-CC6C-FF63F7DABC50}"/>
-              </a:ext>
-            </a:extLst>
-          </p:cNvPr>
-          <p:cNvSpPr txBox="1">
-            <a:spLocks noGrp="1" noRot="1" noMove="1" noResize="1" noEditPoints="1" noAdjustHandles="1" noChangeArrowheads="1" noChangeShapeType="1"/>
-          </p:cNvSpPr>
-          <p:nvPr/>
-        </p:nvSpPr>
-        <p:spPr>
-          <a:xfrm>
-            <a:off x="234434" y="207141"/>
-            <a:ext cx="4468863" cy="523220"/>
-          </a:xfrm>
-          <a:prstGeom prst="rect">
-            <a:avLst/>
-          </a:prstGeom>
-          <a:noFill/>
-        </p:spPr>
-        <p:txBody>
-          <a:bodyPr wrap="square" rtlCol="0">
-            <a:spAutoFit/>
-          </a:bodyPr>
-          <a:lstStyle/>
-          <a:p>
-            <a:pPr marL="0" marR="0" lvl="0" indent="0" algn="l" defTabSz="914400" rtl="0" eaLnBrk="1" fontAlgn="auto" latinLnBrk="1" hangingPunct="1">
-              <a:lnSpc>
-                <a:spcPct val="100000"/>
-              </a:lnSpc>
-              <a:spcBef>
-                <a:spcPts val="0"/>
-              </a:spcBef>
-              <a:spcAft>
-                <a:spcPts val="0"/>
-              </a:spcAft>
-              <a:buClrTx/>
-              <a:buSzTx/>
-              <a:buFontTx/>
-              <a:buNone/>
-              <a:tabLst/>
-              <a:defRPr/>
-            </a:pPr>
-            <a:r>
-              <a:rPr kumimoji="0" lang="en-US" altLang="ko-KR" sz="2800" b="0" i="0" u="none" strike="noStrike" kern="1200" cap="none" spc="0" normalizeH="0" baseline="0" noProof="0">
-                <a:ln>
-                  <a:noFill/>
-                </a:ln>
-                <a:solidFill>
-                  <a:prstClr val="white"/>
-                </a:solidFill>
-                <a:effectLst/>
-                <a:uLnTx/>
-                <a:uFillTx/>
-                <a:latin typeface="휴먼매직체" panose="02030504000101010101" pitchFamily="18" charset="-127"/>
-                <a:ea typeface="휴먼매직체" panose="02030504000101010101" pitchFamily="18" charset="-127"/>
-                <a:cs typeface="+mn-cs"/>
-              </a:rPr>
-              <a:t>3. </a:t>
-            </a:r>
-            <a:r>
-              <a:rPr kumimoji="0" lang="ko-KR" altLang="en-US" sz="2800" b="0" i="0" u="none" strike="noStrike" kern="1200" cap="none" spc="0" normalizeH="0" baseline="0" noProof="0">
-                <a:ln>
-                  <a:noFill/>
-                </a:ln>
-                <a:solidFill>
-                  <a:prstClr val="white"/>
-                </a:solidFill>
-                <a:effectLst/>
-                <a:uLnTx/>
-                <a:uFillTx/>
-                <a:latin typeface="휴먼매직체" panose="02030504000101010101" pitchFamily="18" charset="-127"/>
-                <a:ea typeface="휴먼매직체" panose="02030504000101010101" pitchFamily="18" charset="-127"/>
-                <a:cs typeface="+mn-cs"/>
-              </a:rPr>
-              <a:t>유사 사이트 분석 </a:t>
-            </a:r>
-            <a:r>
-              <a:rPr kumimoji="0" lang="en-US" altLang="ko-KR" sz="2800" b="0" i="0" u="none" strike="noStrike" kern="1200" cap="none" spc="0" normalizeH="0" baseline="0" noProof="0">
-                <a:ln>
-                  <a:noFill/>
-                </a:ln>
-                <a:solidFill>
-                  <a:prstClr val="white"/>
-                </a:solidFill>
-                <a:effectLst/>
-                <a:uLnTx/>
-                <a:uFillTx/>
-                <a:latin typeface="휴먼매직체" panose="02030504000101010101" pitchFamily="18" charset="-127"/>
-                <a:ea typeface="휴먼매직체" panose="02030504000101010101" pitchFamily="18" charset="-127"/>
-                <a:cs typeface="+mn-cs"/>
-              </a:rPr>
-              <a:t>: </a:t>
-            </a:r>
-            <a:r>
-              <a:rPr kumimoji="0" lang="ko-KR" altLang="en-US" sz="2800" b="0" i="0" u="none" strike="noStrike" kern="1200" cap="none" spc="0" normalizeH="0" baseline="0" noProof="0">
-                <a:ln>
-                  <a:noFill/>
-                </a:ln>
-                <a:solidFill>
-                  <a:prstClr val="white"/>
-                </a:solidFill>
-                <a:effectLst/>
-                <a:uLnTx/>
-                <a:uFillTx/>
-                <a:latin typeface="휴먼매직체" panose="02030504000101010101" pitchFamily="18" charset="-127"/>
-                <a:ea typeface="휴먼매직체" panose="02030504000101010101" pitchFamily="18" charset="-127"/>
-                <a:cs typeface="+mn-cs"/>
-              </a:rPr>
-              <a:t>서제스틱</a:t>
-            </a:r>
-            <a:endParaRPr kumimoji="0" lang="ko-KR" altLang="en-US" sz="2800" b="0" i="0" u="none" strike="noStrike" kern="1200" cap="none" spc="0" normalizeH="0" baseline="0" noProof="0" dirty="0">
-              <a:ln>
-                <a:noFill/>
-              </a:ln>
-              <a:solidFill>
-                <a:prstClr val="white"/>
-              </a:solidFill>
-              <a:effectLst/>
-              <a:uLnTx/>
-              <a:uFillTx/>
-              <a:latin typeface="휴먼매직체" panose="02030504000101010101" pitchFamily="18" charset="-127"/>
-              <a:ea typeface="휴먼매직체" panose="02030504000101010101" pitchFamily="18" charset="-127"/>
-              <a:cs typeface="+mn-cs"/>
-            </a:endParaRPr>
-          </a:p>
-        </p:txBody>
-      </p:sp>
-      <p:sp>
-        <p:nvSpPr>
-          <p:cNvPr id="3" name="TextBox 2">
-            <a:extLst>
-              <a:ext uri="{FF2B5EF4-FFF2-40B4-BE49-F238E27FC236}">
-                <a16:creationId xmlns:a16="http://schemas.microsoft.com/office/drawing/2014/main" id="{6EF34F69-6A43-CE2B-9403-869FDD7131FA}"/>
-              </a:ext>
-            </a:extLst>
-          </p:cNvPr>
-          <p:cNvSpPr txBox="1">
-            <a:spLocks noGrp="1" noRot="1" noMove="1" noResize="1" noEditPoints="1" noAdjustHandles="1" noChangeArrowheads="1" noChangeShapeType="1"/>
-          </p:cNvSpPr>
-          <p:nvPr/>
-        </p:nvSpPr>
-        <p:spPr>
-          <a:xfrm>
-            <a:off x="4703297" y="271354"/>
-            <a:ext cx="4823669" cy="400110"/>
-          </a:xfrm>
-          <a:prstGeom prst="rect">
-            <a:avLst/>
-          </a:prstGeom>
-          <a:noFill/>
-        </p:spPr>
-        <p:txBody>
-          <a:bodyPr wrap="square" rtlCol="0">
-            <a:spAutoFit/>
-          </a:bodyPr>
-          <a:lstStyle/>
-          <a:p>
-            <a:pPr marL="0" marR="0" lvl="0" indent="0" algn="l" defTabSz="914400" rtl="0" eaLnBrk="1" fontAlgn="auto" latinLnBrk="1" hangingPunct="1">
-              <a:lnSpc>
-                <a:spcPct val="100000"/>
-              </a:lnSpc>
-              <a:spcBef>
-                <a:spcPts val="0"/>
-              </a:spcBef>
-              <a:spcAft>
-                <a:spcPts val="0"/>
-              </a:spcAft>
-              <a:buClrTx/>
-              <a:buSzTx/>
-              <a:buFontTx/>
-              <a:buNone/>
-              <a:tabLst/>
-              <a:defRPr/>
-            </a:pPr>
-            <a:r>
-              <a:rPr kumimoji="0" lang="en-US" altLang="ko-KR" sz="2000" b="0" i="0" u="none" strike="noStrike" kern="1200" cap="none" spc="0" normalizeH="0" baseline="0" noProof="0">
-                <a:ln>
-                  <a:noFill/>
-                </a:ln>
-                <a:solidFill>
-                  <a:prstClr val="white"/>
-                </a:solidFill>
-                <a:effectLst/>
-                <a:uLnTx/>
-                <a:uFillTx/>
-                <a:latin typeface="휴먼매직체" panose="02030504000101010101" pitchFamily="18" charset="-127"/>
-                <a:ea typeface="휴먼매직체" panose="02030504000101010101" pitchFamily="18" charset="-127"/>
-                <a:cs typeface="+mn-cs"/>
-              </a:rPr>
-              <a:t>*</a:t>
-            </a:r>
-            <a:r>
-              <a:rPr kumimoji="0" lang="ko-KR" altLang="en-US" sz="2000" b="0" i="0" u="none" strike="noStrike" kern="1200" cap="none" spc="0" normalizeH="0" baseline="0" noProof="0">
-                <a:ln>
-                  <a:noFill/>
-                </a:ln>
-                <a:solidFill>
-                  <a:prstClr val="white"/>
-                </a:solidFill>
-                <a:effectLst/>
-                <a:uLnTx/>
-                <a:uFillTx/>
-                <a:latin typeface="휴먼매직체" panose="02030504000101010101" pitchFamily="18" charset="-127"/>
-                <a:ea typeface="휴먼매직체" panose="02030504000101010101" pitchFamily="18" charset="-127"/>
-                <a:cs typeface="+mn-cs"/>
-              </a:rPr>
-              <a:t>콘텐츠 및 기능 분석</a:t>
-            </a:r>
-            <a:endParaRPr kumimoji="0" lang="en-US" altLang="ko-KR" sz="2000" b="0" i="0" u="none" strike="noStrike" kern="1200" cap="none" spc="0" normalizeH="0" baseline="0" noProof="0">
-              <a:ln>
-                <a:noFill/>
-              </a:ln>
-              <a:solidFill>
-                <a:prstClr val="white"/>
-              </a:solidFill>
-              <a:effectLst/>
-              <a:uLnTx/>
-              <a:uFillTx/>
-              <a:latin typeface="휴먼매직체" panose="02030504000101010101" pitchFamily="18" charset="-127"/>
-              <a:ea typeface="휴먼매직체" panose="02030504000101010101" pitchFamily="18" charset="-127"/>
-              <a:cs typeface="+mn-cs"/>
-            </a:endParaRPr>
-          </a:p>
-        </p:txBody>
-      </p:sp>
       <p:sp>
         <p:nvSpPr>
           <p:cNvPr id="8" name="TextBox 7">
@@ -16848,6 +16792,271 @@
           </a:fontRef>
         </p:style>
       </p:cxnSp>
+      <p:sp>
+        <p:nvSpPr>
+          <p:cNvPr id="4" name="TextBox 3">
+            <a:extLst>
+              <a:ext uri="{FF2B5EF4-FFF2-40B4-BE49-F238E27FC236}">
+                <a16:creationId xmlns:a16="http://schemas.microsoft.com/office/drawing/2014/main" id="{10A0A1B0-704D-489A-9325-B845291D5F0C}"/>
+              </a:ext>
+            </a:extLst>
+          </p:cNvPr>
+          <p:cNvSpPr txBox="1"/>
+          <p:nvPr/>
+        </p:nvSpPr>
+        <p:spPr>
+          <a:xfrm>
+            <a:off x="234434" y="207141"/>
+            <a:ext cx="4468863" cy="523220"/>
+          </a:xfrm>
+          <a:prstGeom prst="rect">
+            <a:avLst/>
+          </a:prstGeom>
+          <a:noFill/>
+        </p:spPr>
+        <p:txBody>
+          <a:bodyPr wrap="square" rtlCol="0">
+            <a:spAutoFit/>
+          </a:bodyPr>
+          <a:lstStyle/>
+          <a:p>
+            <a:pPr marL="0" marR="0" lvl="0" indent="0" algn="l" defTabSz="914400" rtl="0" eaLnBrk="1" fontAlgn="auto" latinLnBrk="1" hangingPunct="1">
+              <a:lnSpc>
+                <a:spcPct val="100000"/>
+              </a:lnSpc>
+              <a:spcBef>
+                <a:spcPts val="0"/>
+              </a:spcBef>
+              <a:spcAft>
+                <a:spcPts val="0"/>
+              </a:spcAft>
+              <a:buClrTx/>
+              <a:buSzTx/>
+              <a:buFontTx/>
+              <a:buNone/>
+              <a:tabLst/>
+              <a:defRPr/>
+            </a:pPr>
+            <a:r>
+              <a:rPr kumimoji="0" lang="en-US" altLang="ko-KR" sz="2800" b="0" i="0" u="none" strike="noStrike" kern="1200" cap="none" spc="0" normalizeH="0" baseline="0" noProof="0" dirty="0">
+                <a:ln>
+                  <a:noFill/>
+                </a:ln>
+                <a:solidFill>
+                  <a:prstClr val="white"/>
+                </a:solidFill>
+                <a:effectLst/>
+                <a:uLnTx/>
+                <a:uFillTx/>
+                <a:latin typeface="휴먼매직체" panose="02030504000101010101" pitchFamily="18" charset="-127"/>
+                <a:ea typeface="휴먼매직체" panose="02030504000101010101" pitchFamily="18" charset="-127"/>
+                <a:cs typeface="+mn-cs"/>
+              </a:rPr>
+              <a:t>3. </a:t>
+            </a:r>
+            <a:r>
+              <a:rPr kumimoji="0" lang="ko-KR" altLang="en-US" sz="2800" b="0" i="0" u="none" strike="noStrike" kern="1200" cap="none" spc="0" normalizeH="0" baseline="0" noProof="0" dirty="0">
+                <a:ln>
+                  <a:noFill/>
+                </a:ln>
+                <a:solidFill>
+                  <a:prstClr val="white"/>
+                </a:solidFill>
+                <a:effectLst/>
+                <a:uLnTx/>
+                <a:uFillTx/>
+                <a:latin typeface="휴먼매직체" panose="02030504000101010101" pitchFamily="18" charset="-127"/>
+                <a:ea typeface="휴먼매직체" panose="02030504000101010101" pitchFamily="18" charset="-127"/>
+                <a:cs typeface="+mn-cs"/>
+              </a:rPr>
+              <a:t>유사 어플 분석 </a:t>
+            </a:r>
+            <a:r>
+              <a:rPr kumimoji="0" lang="en-US" altLang="ko-KR" sz="2800" b="0" i="0" u="none" strike="noStrike" kern="1200" cap="none" spc="0" normalizeH="0" baseline="0" noProof="0" dirty="0">
+                <a:ln>
+                  <a:noFill/>
+                </a:ln>
+                <a:solidFill>
+                  <a:prstClr val="white"/>
+                </a:solidFill>
+                <a:effectLst/>
+                <a:uLnTx/>
+                <a:uFillTx/>
+                <a:latin typeface="휴먼매직체" panose="02030504000101010101" pitchFamily="18" charset="-127"/>
+                <a:ea typeface="휴먼매직체" panose="02030504000101010101" pitchFamily="18" charset="-127"/>
+                <a:cs typeface="+mn-cs"/>
+              </a:rPr>
+              <a:t>: </a:t>
+            </a:r>
+            <a:r>
+              <a:rPr kumimoji="0" lang="ko-KR" altLang="en-US" sz="2800" b="0" i="0" u="none" strike="noStrike" kern="1200" cap="none" spc="0" normalizeH="0" baseline="0" noProof="0" dirty="0" err="1">
+                <a:ln>
+                  <a:noFill/>
+                </a:ln>
+                <a:solidFill>
+                  <a:prstClr val="white"/>
+                </a:solidFill>
+                <a:effectLst/>
+                <a:uLnTx/>
+                <a:uFillTx/>
+                <a:latin typeface="휴먼매직체" panose="02030504000101010101" pitchFamily="18" charset="-127"/>
+                <a:ea typeface="휴먼매직체" panose="02030504000101010101" pitchFamily="18" charset="-127"/>
+                <a:cs typeface="+mn-cs"/>
+              </a:rPr>
+              <a:t>서제스틱</a:t>
+            </a:r>
+            <a:endParaRPr kumimoji="0" lang="ko-KR" altLang="en-US" sz="2800" b="0" i="0" u="none" strike="noStrike" kern="1200" cap="none" spc="0" normalizeH="0" baseline="0" noProof="0" dirty="0">
+              <a:ln>
+                <a:noFill/>
+              </a:ln>
+              <a:solidFill>
+                <a:prstClr val="white"/>
+              </a:solidFill>
+              <a:effectLst/>
+              <a:uLnTx/>
+              <a:uFillTx/>
+              <a:latin typeface="휴먼매직체" panose="02030504000101010101" pitchFamily="18" charset="-127"/>
+              <a:ea typeface="휴먼매직체" panose="02030504000101010101" pitchFamily="18" charset="-127"/>
+              <a:cs typeface="+mn-cs"/>
+            </a:endParaRPr>
+          </a:p>
+        </p:txBody>
+      </p:sp>
+      <p:sp>
+        <p:nvSpPr>
+          <p:cNvPr id="5" name="TextBox 4">
+            <a:extLst>
+              <a:ext uri="{FF2B5EF4-FFF2-40B4-BE49-F238E27FC236}">
+                <a16:creationId xmlns:a16="http://schemas.microsoft.com/office/drawing/2014/main" id="{9220116F-E198-88DB-6745-4F1E85312F22}"/>
+              </a:ext>
+            </a:extLst>
+          </p:cNvPr>
+          <p:cNvSpPr txBox="1">
+            <a:spLocks noGrp="1" noRot="1" noMove="1" noResize="1" noEditPoints="1" noAdjustHandles="1" noChangeArrowheads="1" noChangeShapeType="1"/>
+          </p:cNvSpPr>
+          <p:nvPr/>
+        </p:nvSpPr>
+        <p:spPr>
+          <a:xfrm>
+            <a:off x="4703297" y="271354"/>
+            <a:ext cx="4823669" cy="400110"/>
+          </a:xfrm>
+          <a:prstGeom prst="rect">
+            <a:avLst/>
+          </a:prstGeom>
+          <a:noFill/>
+        </p:spPr>
+        <p:txBody>
+          <a:bodyPr wrap="square" rtlCol="0">
+            <a:spAutoFit/>
+          </a:bodyPr>
+          <a:lstStyle/>
+          <a:p>
+            <a:pPr marL="0" marR="0" lvl="0" indent="0" algn="l" defTabSz="914400" rtl="0" eaLnBrk="1" fontAlgn="auto" latinLnBrk="1" hangingPunct="1">
+              <a:lnSpc>
+                <a:spcPct val="100000"/>
+              </a:lnSpc>
+              <a:spcBef>
+                <a:spcPts val="0"/>
+              </a:spcBef>
+              <a:spcAft>
+                <a:spcPts val="0"/>
+              </a:spcAft>
+              <a:buClrTx/>
+              <a:buSzTx/>
+              <a:buFontTx/>
+              <a:buNone/>
+              <a:tabLst/>
+              <a:defRPr/>
+            </a:pPr>
+            <a:r>
+              <a:rPr kumimoji="0" lang="en-US" altLang="ko-KR" sz="2000" b="0" i="0" u="none" strike="noStrike" kern="1200" cap="none" spc="0" normalizeH="0" baseline="0" noProof="0" dirty="0">
+                <a:ln>
+                  <a:noFill/>
+                </a:ln>
+                <a:solidFill>
+                  <a:prstClr val="white"/>
+                </a:solidFill>
+                <a:effectLst/>
+                <a:uLnTx/>
+                <a:uFillTx/>
+                <a:latin typeface="휴먼매직체" panose="02030504000101010101" pitchFamily="18" charset="-127"/>
+                <a:ea typeface="휴먼매직체" panose="02030504000101010101" pitchFamily="18" charset="-127"/>
+                <a:cs typeface="+mn-cs"/>
+              </a:rPr>
+              <a:t>*</a:t>
+            </a:r>
+            <a:r>
+              <a:rPr kumimoji="0" lang="ko-KR" altLang="en-US" sz="2000" b="0" i="0" u="none" strike="noStrike" kern="1200" cap="none" spc="0" normalizeH="0" baseline="0" noProof="0" dirty="0">
+                <a:ln>
+                  <a:noFill/>
+                </a:ln>
+                <a:solidFill>
+                  <a:prstClr val="white"/>
+                </a:solidFill>
+                <a:effectLst/>
+                <a:uLnTx/>
+                <a:uFillTx/>
+                <a:latin typeface="휴먼매직체" panose="02030504000101010101" pitchFamily="18" charset="-127"/>
+                <a:ea typeface="휴먼매직체" panose="02030504000101010101" pitchFamily="18" charset="-127"/>
+                <a:cs typeface="+mn-cs"/>
+              </a:rPr>
+              <a:t>콘텐츠 및 기능 분석 </a:t>
+            </a:r>
+            <a:r>
+              <a:rPr kumimoji="0" lang="en-US" altLang="ko-KR" sz="2000" b="0" i="0" u="none" strike="noStrike" kern="1200" cap="none" spc="0" normalizeH="0" baseline="0" noProof="0" dirty="0">
+                <a:ln>
+                  <a:noFill/>
+                </a:ln>
+                <a:solidFill>
+                  <a:prstClr val="white"/>
+                </a:solidFill>
+                <a:effectLst/>
+                <a:uLnTx/>
+                <a:uFillTx/>
+                <a:latin typeface="휴먼매직체" panose="02030504000101010101" pitchFamily="18" charset="-127"/>
+                <a:ea typeface="휴먼매직체" panose="02030504000101010101" pitchFamily="18" charset="-127"/>
+                <a:cs typeface="+mn-cs"/>
+              </a:rPr>
+              <a:t>(</a:t>
+            </a:r>
+            <a:r>
+              <a:rPr kumimoji="0" lang="ko-KR" altLang="en-US" sz="2000" b="0" i="0" u="none" strike="noStrike" kern="1200" cap="none" spc="0" normalizeH="0" baseline="0" noProof="0" dirty="0" err="1">
+                <a:ln>
+                  <a:noFill/>
+                </a:ln>
+                <a:solidFill>
+                  <a:prstClr val="white"/>
+                </a:solidFill>
+                <a:effectLst/>
+                <a:uLnTx/>
+                <a:uFillTx/>
+                <a:latin typeface="휴먼매직체" panose="02030504000101010101" pitchFamily="18" charset="-127"/>
+                <a:ea typeface="휴먼매직체" panose="02030504000101010101" pitchFamily="18" charset="-127"/>
+                <a:cs typeface="+mn-cs"/>
+              </a:rPr>
+              <a:t>윤시현</a:t>
+            </a:r>
+            <a:r>
+              <a:rPr kumimoji="0" lang="en-US" altLang="ko-KR" sz="2000" b="0" i="0" u="none" strike="noStrike" kern="1200" cap="none" spc="0" normalizeH="0" baseline="0" noProof="0" dirty="0">
+                <a:ln>
+                  <a:noFill/>
+                </a:ln>
+                <a:solidFill>
+                  <a:prstClr val="white"/>
+                </a:solidFill>
+                <a:effectLst/>
+                <a:uLnTx/>
+                <a:uFillTx/>
+                <a:latin typeface="휴먼매직체" panose="02030504000101010101" pitchFamily="18" charset="-127"/>
+                <a:ea typeface="휴먼매직체" panose="02030504000101010101" pitchFamily="18" charset="-127"/>
+                <a:cs typeface="+mn-cs"/>
+              </a:rPr>
+              <a:t>)</a:t>
+            </a:r>
+          </a:p>
+        </p:txBody>
+      </p:sp>
     </p:spTree>
     <p:extLst>
       <p:ext uri="{BB962C8B-B14F-4D97-AF65-F5344CB8AC3E}">
@@ -16937,7 +17146,7 @@
             <p:nvPr/>
           </p:nvPicPr>
           <p:blipFill>
-            <a:blip r:embed="rId2">
+            <a:blip r:embed="rId2" cstate="screen">
               <a:extLst>
                 <a:ext uri="{28A0092B-C50C-407E-A947-70E740481C1C}">
                   <a14:useLocalDpi xmlns:a14="http://schemas.microsoft.com/office/drawing/2010/main" val="0"/>
@@ -16973,7 +17182,7 @@
             <p:nvPr/>
           </p:nvPicPr>
           <p:blipFill>
-            <a:blip r:embed="rId3">
+            <a:blip r:embed="rId3" cstate="screen">
               <a:extLst>
                 <a:ext uri="{28A0092B-C50C-407E-A947-70E740481C1C}">
                   <a14:useLocalDpi xmlns:a14="http://schemas.microsoft.com/office/drawing/2010/main" val="0"/>
@@ -16995,236 +17204,6 @@
           </p:spPr>
         </p:pic>
       </p:grpSp>
-      <p:sp>
-        <p:nvSpPr>
-          <p:cNvPr id="2" name="TextBox 1">
-            <a:extLst>
-              <a:ext uri="{FF2B5EF4-FFF2-40B4-BE49-F238E27FC236}">
-                <a16:creationId xmlns:a16="http://schemas.microsoft.com/office/drawing/2014/main" id="{DDE284A1-06BB-AEF6-CC6C-FF63F7DABC50}"/>
-              </a:ext>
-            </a:extLst>
-          </p:cNvPr>
-          <p:cNvSpPr txBox="1">
-            <a:spLocks noGrp="1" noRot="1" noMove="1" noResize="1" noEditPoints="1" noAdjustHandles="1" noChangeArrowheads="1" noChangeShapeType="1"/>
-          </p:cNvSpPr>
-          <p:nvPr/>
-        </p:nvSpPr>
-        <p:spPr>
-          <a:xfrm>
-            <a:off x="234434" y="207141"/>
-            <a:ext cx="4468863" cy="523220"/>
-          </a:xfrm>
-          <a:prstGeom prst="rect">
-            <a:avLst/>
-          </a:prstGeom>
-          <a:noFill/>
-        </p:spPr>
-        <p:txBody>
-          <a:bodyPr wrap="square" rtlCol="0">
-            <a:spAutoFit/>
-          </a:bodyPr>
-          <a:lstStyle/>
-          <a:p>
-            <a:pPr marL="0" marR="0" lvl="0" indent="0" algn="l" defTabSz="914400" rtl="0" eaLnBrk="1" fontAlgn="auto" latinLnBrk="1" hangingPunct="1">
-              <a:lnSpc>
-                <a:spcPct val="100000"/>
-              </a:lnSpc>
-              <a:spcBef>
-                <a:spcPts val="0"/>
-              </a:spcBef>
-              <a:spcAft>
-                <a:spcPts val="0"/>
-              </a:spcAft>
-              <a:buClrTx/>
-              <a:buSzTx/>
-              <a:buFontTx/>
-              <a:buNone/>
-              <a:tabLst/>
-              <a:defRPr/>
-            </a:pPr>
-            <a:r>
-              <a:rPr kumimoji="0" lang="en-US" altLang="ko-KR" sz="2800" b="0" i="0" u="none" strike="noStrike" kern="1200" cap="none" spc="0" normalizeH="0" baseline="0" noProof="0">
-                <a:ln>
-                  <a:noFill/>
-                </a:ln>
-                <a:solidFill>
-                  <a:prstClr val="white"/>
-                </a:solidFill>
-                <a:effectLst/>
-                <a:uLnTx/>
-                <a:uFillTx/>
-                <a:latin typeface="휴먼매직체" panose="02030504000101010101" pitchFamily="18" charset="-127"/>
-                <a:ea typeface="휴먼매직체" panose="02030504000101010101" pitchFamily="18" charset="-127"/>
-                <a:cs typeface="+mn-cs"/>
-              </a:rPr>
-              <a:t>3. </a:t>
-            </a:r>
-            <a:r>
-              <a:rPr kumimoji="0" lang="ko-KR" altLang="en-US" sz="2800" b="0" i="0" u="none" strike="noStrike" kern="1200" cap="none" spc="0" normalizeH="0" baseline="0" noProof="0">
-                <a:ln>
-                  <a:noFill/>
-                </a:ln>
-                <a:solidFill>
-                  <a:prstClr val="white"/>
-                </a:solidFill>
-                <a:effectLst/>
-                <a:uLnTx/>
-                <a:uFillTx/>
-                <a:latin typeface="휴먼매직체" panose="02030504000101010101" pitchFamily="18" charset="-127"/>
-                <a:ea typeface="휴먼매직체" panose="02030504000101010101" pitchFamily="18" charset="-127"/>
-                <a:cs typeface="+mn-cs"/>
-              </a:rPr>
-              <a:t>유사 사이트 분석 </a:t>
-            </a:r>
-            <a:r>
-              <a:rPr kumimoji="0" lang="en-US" altLang="ko-KR" sz="2800" b="0" i="0" u="none" strike="noStrike" kern="1200" cap="none" spc="0" normalizeH="0" baseline="0" noProof="0">
-                <a:ln>
-                  <a:noFill/>
-                </a:ln>
-                <a:solidFill>
-                  <a:prstClr val="white"/>
-                </a:solidFill>
-                <a:effectLst/>
-                <a:uLnTx/>
-                <a:uFillTx/>
-                <a:latin typeface="휴먼매직체" panose="02030504000101010101" pitchFamily="18" charset="-127"/>
-                <a:ea typeface="휴먼매직체" panose="02030504000101010101" pitchFamily="18" charset="-127"/>
-                <a:cs typeface="+mn-cs"/>
-              </a:rPr>
-              <a:t>: </a:t>
-            </a:r>
-            <a:r>
-              <a:rPr kumimoji="0" lang="ko-KR" altLang="en-US" sz="2800" b="0" i="0" u="none" strike="noStrike" kern="1200" cap="none" spc="0" normalizeH="0" baseline="0" noProof="0">
-                <a:ln>
-                  <a:noFill/>
-                </a:ln>
-                <a:solidFill>
-                  <a:prstClr val="white"/>
-                </a:solidFill>
-                <a:effectLst/>
-                <a:uLnTx/>
-                <a:uFillTx/>
-                <a:latin typeface="휴먼매직체" panose="02030504000101010101" pitchFamily="18" charset="-127"/>
-                <a:ea typeface="휴먼매직체" panose="02030504000101010101" pitchFamily="18" charset="-127"/>
-                <a:cs typeface="+mn-cs"/>
-              </a:rPr>
-              <a:t>서제스틱</a:t>
-            </a:r>
-            <a:endParaRPr kumimoji="0" lang="ko-KR" altLang="en-US" sz="2800" b="0" i="0" u="none" strike="noStrike" kern="1200" cap="none" spc="0" normalizeH="0" baseline="0" noProof="0" dirty="0">
-              <a:ln>
-                <a:noFill/>
-              </a:ln>
-              <a:solidFill>
-                <a:prstClr val="white"/>
-              </a:solidFill>
-              <a:effectLst/>
-              <a:uLnTx/>
-              <a:uFillTx/>
-              <a:latin typeface="휴먼매직체" panose="02030504000101010101" pitchFamily="18" charset="-127"/>
-              <a:ea typeface="휴먼매직체" panose="02030504000101010101" pitchFamily="18" charset="-127"/>
-              <a:cs typeface="+mn-cs"/>
-            </a:endParaRPr>
-          </a:p>
-        </p:txBody>
-      </p:sp>
-      <p:sp>
-        <p:nvSpPr>
-          <p:cNvPr id="3" name="TextBox 2">
-            <a:extLst>
-              <a:ext uri="{FF2B5EF4-FFF2-40B4-BE49-F238E27FC236}">
-                <a16:creationId xmlns:a16="http://schemas.microsoft.com/office/drawing/2014/main" id="{6EF34F69-6A43-CE2B-9403-869FDD7131FA}"/>
-              </a:ext>
-            </a:extLst>
-          </p:cNvPr>
-          <p:cNvSpPr txBox="1">
-            <a:spLocks noGrp="1" noRot="1" noMove="1" noResize="1" noEditPoints="1" noAdjustHandles="1" noChangeArrowheads="1" noChangeShapeType="1"/>
-          </p:cNvSpPr>
-          <p:nvPr/>
-        </p:nvSpPr>
-        <p:spPr>
-          <a:xfrm>
-            <a:off x="4703297" y="271354"/>
-            <a:ext cx="4823669" cy="400110"/>
-          </a:xfrm>
-          <a:prstGeom prst="rect">
-            <a:avLst/>
-          </a:prstGeom>
-          <a:noFill/>
-        </p:spPr>
-        <p:txBody>
-          <a:bodyPr wrap="square" rtlCol="0">
-            <a:spAutoFit/>
-          </a:bodyPr>
-          <a:lstStyle/>
-          <a:p>
-            <a:pPr marL="0" marR="0" lvl="0" indent="0" algn="l" defTabSz="914400" rtl="0" eaLnBrk="1" fontAlgn="auto" latinLnBrk="1" hangingPunct="1">
-              <a:lnSpc>
-                <a:spcPct val="100000"/>
-              </a:lnSpc>
-              <a:spcBef>
-                <a:spcPts val="0"/>
-              </a:spcBef>
-              <a:spcAft>
-                <a:spcPts val="0"/>
-              </a:spcAft>
-              <a:buClrTx/>
-              <a:buSzTx/>
-              <a:buFontTx/>
-              <a:buNone/>
-              <a:tabLst/>
-              <a:defRPr/>
-            </a:pPr>
-            <a:r>
-              <a:rPr kumimoji="0" lang="en-US" altLang="ko-KR" sz="2000" b="0" i="0" u="none" strike="noStrike" kern="1200" cap="none" spc="0" normalizeH="0" baseline="0" noProof="0">
-                <a:ln>
-                  <a:noFill/>
-                </a:ln>
-                <a:solidFill>
-                  <a:prstClr val="white"/>
-                </a:solidFill>
-                <a:effectLst/>
-                <a:uLnTx/>
-                <a:uFillTx/>
-                <a:latin typeface="휴먼매직체" panose="02030504000101010101" pitchFamily="18" charset="-127"/>
-                <a:ea typeface="휴먼매직체" panose="02030504000101010101" pitchFamily="18" charset="-127"/>
-                <a:cs typeface="+mn-cs"/>
-              </a:rPr>
-              <a:t>*</a:t>
-            </a:r>
-            <a:r>
-              <a:rPr kumimoji="0" lang="ko-KR" altLang="en-US" sz="2000" b="0" i="0" u="none" strike="noStrike" kern="1200" cap="none" spc="0" normalizeH="0" baseline="0" noProof="0">
-                <a:ln>
-                  <a:noFill/>
-                </a:ln>
-                <a:solidFill>
-                  <a:prstClr val="white"/>
-                </a:solidFill>
-                <a:effectLst/>
-                <a:uLnTx/>
-                <a:uFillTx/>
-                <a:latin typeface="휴먼매직체" panose="02030504000101010101" pitchFamily="18" charset="-127"/>
-                <a:ea typeface="휴먼매직체" panose="02030504000101010101" pitchFamily="18" charset="-127"/>
-                <a:cs typeface="+mn-cs"/>
-              </a:rPr>
-              <a:t>콘텐츠 및 기능 분석</a:t>
-            </a:r>
-            <a:endParaRPr kumimoji="0" lang="en-US" altLang="ko-KR" sz="2000" b="0" i="0" u="none" strike="noStrike" kern="1200" cap="none" spc="0" normalizeH="0" baseline="0" noProof="0">
-              <a:ln>
-                <a:noFill/>
-              </a:ln>
-              <a:solidFill>
-                <a:prstClr val="white"/>
-              </a:solidFill>
-              <a:effectLst/>
-              <a:uLnTx/>
-              <a:uFillTx/>
-              <a:latin typeface="휴먼매직체" panose="02030504000101010101" pitchFamily="18" charset="-127"/>
-              <a:ea typeface="휴먼매직체" panose="02030504000101010101" pitchFamily="18" charset="-127"/>
-              <a:cs typeface="+mn-cs"/>
-            </a:endParaRPr>
-          </a:p>
-        </p:txBody>
-      </p:sp>
       <p:sp>
         <p:nvSpPr>
           <p:cNvPr id="8" name="TextBox 7">
@@ -18371,6 +18350,273 @@
           </a:prstGeom>
         </p:spPr>
       </p:pic>
+      <p:sp>
+        <p:nvSpPr>
+          <p:cNvPr id="4" name="TextBox 3">
+            <a:extLst>
+              <a:ext uri="{FF2B5EF4-FFF2-40B4-BE49-F238E27FC236}">
+                <a16:creationId xmlns:a16="http://schemas.microsoft.com/office/drawing/2014/main" id="{8FC731DE-6A9B-4683-F716-B03CAED66476}"/>
+              </a:ext>
+            </a:extLst>
+          </p:cNvPr>
+          <p:cNvSpPr txBox="1">
+            <a:spLocks noGrp="1" noRot="1" noMove="1" noResize="1" noEditPoints="1" noAdjustHandles="1" noChangeArrowheads="1" noChangeShapeType="1"/>
+          </p:cNvSpPr>
+          <p:nvPr/>
+        </p:nvSpPr>
+        <p:spPr>
+          <a:xfrm>
+            <a:off x="234434" y="207141"/>
+            <a:ext cx="4468863" cy="523220"/>
+          </a:xfrm>
+          <a:prstGeom prst="rect">
+            <a:avLst/>
+          </a:prstGeom>
+          <a:noFill/>
+        </p:spPr>
+        <p:txBody>
+          <a:bodyPr wrap="square" rtlCol="0">
+            <a:spAutoFit/>
+          </a:bodyPr>
+          <a:lstStyle/>
+          <a:p>
+            <a:pPr marL="0" marR="0" lvl="0" indent="0" defTabSz="914400" rtl="0" eaLnBrk="1" fontAlgn="auto" latinLnBrk="1" hangingPunct="1">
+              <a:lnSpc>
+                <a:spcPct val="100000"/>
+              </a:lnSpc>
+              <a:spcBef>
+                <a:spcPts val="0"/>
+              </a:spcBef>
+              <a:spcAft>
+                <a:spcPts val="0"/>
+              </a:spcAft>
+              <a:buClrTx/>
+              <a:buSzTx/>
+              <a:buFontTx/>
+              <a:buNone/>
+              <a:tabLst/>
+              <a:defRPr/>
+            </a:pPr>
+            <a:r>
+              <a:rPr kumimoji="0" lang="en-US" altLang="ko-KR" sz="2800" b="0" i="0" u="none" strike="noStrike" kern="1200" cap="none" spc="0" normalizeH="0" baseline="0" noProof="0" dirty="0">
+                <a:ln>
+                  <a:noFill/>
+                </a:ln>
+                <a:solidFill>
+                  <a:prstClr val="white"/>
+                </a:solidFill>
+                <a:effectLst/>
+                <a:uLnTx/>
+                <a:uFillTx/>
+                <a:latin typeface="휴먼매직체" panose="02030504000101010101" pitchFamily="18" charset="-127"/>
+                <a:ea typeface="휴먼매직체" panose="02030504000101010101" pitchFamily="18" charset="-127"/>
+                <a:cs typeface="+mn-cs"/>
+              </a:rPr>
+              <a:t>3. </a:t>
+            </a:r>
+            <a:r>
+              <a:rPr kumimoji="0" lang="ko-KR" altLang="en-US" sz="2800" b="0" i="0" u="none" strike="noStrike" kern="1200" cap="none" spc="0" normalizeH="0" baseline="0" noProof="0" dirty="0">
+                <a:ln>
+                  <a:noFill/>
+                </a:ln>
+                <a:solidFill>
+                  <a:prstClr val="white"/>
+                </a:solidFill>
+                <a:effectLst/>
+                <a:uLnTx/>
+                <a:uFillTx/>
+                <a:latin typeface="휴먼매직체" panose="02030504000101010101" pitchFamily="18" charset="-127"/>
+                <a:ea typeface="휴먼매직체" panose="02030504000101010101" pitchFamily="18" charset="-127"/>
+                <a:cs typeface="+mn-cs"/>
+              </a:rPr>
+              <a:t>유사 어플 분석 </a:t>
+            </a:r>
+            <a:r>
+              <a:rPr kumimoji="0" lang="en-US" altLang="ko-KR" sz="2800" b="0" i="0" u="none" strike="noStrike" kern="1200" cap="none" spc="0" normalizeH="0" baseline="0" noProof="0" dirty="0">
+                <a:ln>
+                  <a:noFill/>
+                </a:ln>
+                <a:solidFill>
+                  <a:prstClr val="white"/>
+                </a:solidFill>
+                <a:effectLst/>
+                <a:uLnTx/>
+                <a:uFillTx/>
+                <a:latin typeface="휴먼매직체" panose="02030504000101010101" pitchFamily="18" charset="-127"/>
+                <a:ea typeface="휴먼매직체" panose="02030504000101010101" pitchFamily="18" charset="-127"/>
+                <a:cs typeface="+mn-cs"/>
+              </a:rPr>
+              <a:t>: </a:t>
+            </a:r>
+            <a:r>
+              <a:rPr kumimoji="0" lang="ko-KR" altLang="en-US" sz="2800" b="0" i="0" u="none" strike="noStrike" kern="1200" cap="none" spc="0" normalizeH="0" baseline="0" noProof="0" dirty="0" err="1">
+                <a:ln>
+                  <a:noFill/>
+                </a:ln>
+                <a:solidFill>
+                  <a:prstClr val="white"/>
+                </a:solidFill>
+                <a:effectLst/>
+                <a:uLnTx/>
+                <a:uFillTx/>
+                <a:latin typeface="휴먼매직체" panose="02030504000101010101" pitchFamily="18" charset="-127"/>
+                <a:ea typeface="휴먼매직체" panose="02030504000101010101" pitchFamily="18" charset="-127"/>
+                <a:cs typeface="+mn-cs"/>
+              </a:rPr>
+              <a:t>서제스틱</a:t>
+            </a:r>
+            <a:endParaRPr kumimoji="0" lang="ko-KR" altLang="en-US" sz="2800" b="0" i="0" u="none" strike="noStrike" kern="1200" cap="none" spc="0" normalizeH="0" baseline="0" noProof="0" dirty="0">
+              <a:ln>
+                <a:noFill/>
+              </a:ln>
+              <a:solidFill>
+                <a:prstClr val="white"/>
+              </a:solidFill>
+              <a:effectLst/>
+              <a:uLnTx/>
+              <a:uFillTx/>
+              <a:latin typeface="휴먼매직체" panose="02030504000101010101" pitchFamily="18" charset="-127"/>
+              <a:ea typeface="휴먼매직체" panose="02030504000101010101" pitchFamily="18" charset="-127"/>
+              <a:cs typeface="+mn-cs"/>
+            </a:endParaRPr>
+          </a:p>
+        </p:txBody>
+      </p:sp>
+      <p:sp>
+        <p:nvSpPr>
+          <p:cNvPr id="6" name="TextBox 5">
+            <a:extLst>
+              <a:ext uri="{FF2B5EF4-FFF2-40B4-BE49-F238E27FC236}">
+                <a16:creationId xmlns:a16="http://schemas.microsoft.com/office/drawing/2014/main" id="{81A6DD64-DE98-3A84-AA51-C162D0EF9104}"/>
+              </a:ext>
+            </a:extLst>
+          </p:cNvPr>
+          <p:cNvSpPr txBox="1">
+            <a:spLocks noGrp="1" noRot="1" noMove="1" noResize="1" noEditPoints="1" noAdjustHandles="1" noChangeArrowheads="1" noChangeShapeType="1"/>
+          </p:cNvSpPr>
+          <p:nvPr/>
+        </p:nvSpPr>
+        <p:spPr>
+          <a:xfrm>
+            <a:off x="4703297" y="271354"/>
+            <a:ext cx="4823669" cy="400110"/>
+          </a:xfrm>
+          <a:prstGeom prst="rect">
+            <a:avLst/>
+          </a:prstGeom>
+          <a:noFill/>
+        </p:spPr>
+        <p:txBody>
+          <a:bodyPr wrap="square" rtlCol="0">
+            <a:spAutoFit/>
+          </a:bodyPr>
+          <a:lstStyle/>
+          <a:p>
+            <a:pPr marL="0" marR="0" lvl="0" indent="0" defTabSz="914400" rtl="0" eaLnBrk="1" fontAlgn="auto" latinLnBrk="1" hangingPunct="1">
+              <a:lnSpc>
+                <a:spcPct val="100000"/>
+              </a:lnSpc>
+              <a:spcBef>
+                <a:spcPts val="0"/>
+              </a:spcBef>
+              <a:spcAft>
+                <a:spcPts val="0"/>
+              </a:spcAft>
+              <a:buClrTx/>
+              <a:buSzTx/>
+              <a:buFontTx/>
+              <a:buNone/>
+              <a:tabLst/>
+              <a:defRPr/>
+            </a:pPr>
+            <a:r>
+              <a:rPr kumimoji="0" lang="en-US" altLang="ko-KR" sz="2000" b="0" i="0" u="none" strike="noStrike" kern="1200" cap="none" spc="0" normalizeH="0" baseline="0" noProof="0" dirty="0">
+                <a:ln>
+                  <a:noFill/>
+                </a:ln>
+                <a:solidFill>
+                  <a:prstClr val="white"/>
+                </a:solidFill>
+                <a:effectLst/>
+                <a:uLnTx/>
+                <a:uFillTx/>
+                <a:latin typeface="휴먼매직체" panose="02030504000101010101" pitchFamily="18" charset="-127"/>
+                <a:ea typeface="휴먼매직체" panose="02030504000101010101" pitchFamily="18" charset="-127"/>
+                <a:cs typeface="+mn-cs"/>
+              </a:rPr>
+              <a:t>*</a:t>
+            </a:r>
+            <a:r>
+              <a:rPr kumimoji="0" lang="ko-KR" altLang="en-US" sz="2000" b="0" i="0" u="none" strike="noStrike" kern="1200" cap="none" spc="0" normalizeH="0" baseline="0" noProof="0" dirty="0">
+                <a:ln>
+                  <a:noFill/>
+                </a:ln>
+                <a:solidFill>
+                  <a:prstClr val="white"/>
+                </a:solidFill>
+                <a:effectLst/>
+                <a:uLnTx/>
+                <a:uFillTx/>
+                <a:latin typeface="휴먼매직체" panose="02030504000101010101" pitchFamily="18" charset="-127"/>
+                <a:ea typeface="휴먼매직체" panose="02030504000101010101" pitchFamily="18" charset="-127"/>
+                <a:cs typeface="+mn-cs"/>
+              </a:rPr>
+              <a:t>콘텐츠 및 기능 분석 </a:t>
+            </a:r>
+            <a:r>
+              <a:rPr kumimoji="0" lang="en-US" altLang="ko-KR" sz="2000" b="0" i="0" u="none" strike="noStrike" kern="1200" cap="none" spc="0" normalizeH="0" baseline="0" noProof="0" dirty="0">
+                <a:ln>
+                  <a:noFill/>
+                </a:ln>
+                <a:solidFill>
+                  <a:prstClr val="white"/>
+                </a:solidFill>
+                <a:effectLst/>
+                <a:uLnTx/>
+                <a:uFillTx/>
+                <a:latin typeface="휴먼매직체" panose="02030504000101010101" pitchFamily="18" charset="-127"/>
+                <a:ea typeface="휴먼매직체" panose="02030504000101010101" pitchFamily="18" charset="-127"/>
+                <a:cs typeface="+mn-cs"/>
+              </a:rPr>
+              <a:t>(</a:t>
+            </a:r>
+            <a:r>
+              <a:rPr kumimoji="0" lang="ko-KR" altLang="en-US" sz="2000" b="0" i="0" u="none" strike="noStrike" kern="1200" cap="none" spc="0" normalizeH="0" baseline="0" noProof="0" dirty="0" err="1">
+                <a:ln>
+                  <a:noFill/>
+                </a:ln>
+                <a:solidFill>
+                  <a:prstClr val="white"/>
+                </a:solidFill>
+                <a:effectLst/>
+                <a:uLnTx/>
+                <a:uFillTx/>
+                <a:latin typeface="휴먼매직체" panose="02030504000101010101" pitchFamily="18" charset="-127"/>
+                <a:ea typeface="휴먼매직체" panose="02030504000101010101" pitchFamily="18" charset="-127"/>
+                <a:cs typeface="+mn-cs"/>
+              </a:rPr>
+              <a:t>윤시현</a:t>
+            </a:r>
+            <a:r>
+              <a:rPr kumimoji="0" lang="en-US" altLang="ko-KR" sz="2000" b="0" i="0" u="none" strike="noStrike" kern="1200" cap="none" spc="0" normalizeH="0" baseline="0" noProof="0" dirty="0">
+                <a:ln>
+                  <a:noFill/>
+                </a:ln>
+                <a:solidFill>
+                  <a:prstClr val="white"/>
+                </a:solidFill>
+                <a:effectLst/>
+                <a:uLnTx/>
+                <a:uFillTx/>
+                <a:latin typeface="휴먼매직체" panose="02030504000101010101" pitchFamily="18" charset="-127"/>
+                <a:ea typeface="휴먼매직체" panose="02030504000101010101" pitchFamily="18" charset="-127"/>
+                <a:cs typeface="+mn-cs"/>
+              </a:rPr>
+              <a:t>)</a:t>
+            </a:r>
+          </a:p>
+        </p:txBody>
+      </p:sp>
     </p:spTree>
     <p:extLst>
       <p:ext uri="{BB962C8B-B14F-4D97-AF65-F5344CB8AC3E}">
@@ -18438,7 +18684,7 @@
           <p:nvPr/>
         </p:nvPicPr>
         <p:blipFill>
-          <a:blip r:embed="rId2">
+          <a:blip r:embed="rId2" cstate="screen">
             <a:extLst>
               <a:ext uri="{28A0092B-C50C-407E-A947-70E740481C1C}">
                 <a14:useLocalDpi xmlns:a14="http://schemas.microsoft.com/office/drawing/2010/main" val="0"/>
@@ -18459,236 +18705,6 @@
           </a:prstGeom>
         </p:spPr>
       </p:pic>
-      <p:sp>
-        <p:nvSpPr>
-          <p:cNvPr id="2" name="TextBox 1">
-            <a:extLst>
-              <a:ext uri="{FF2B5EF4-FFF2-40B4-BE49-F238E27FC236}">
-                <a16:creationId xmlns:a16="http://schemas.microsoft.com/office/drawing/2014/main" id="{DDE284A1-06BB-AEF6-CC6C-FF63F7DABC50}"/>
-              </a:ext>
-            </a:extLst>
-          </p:cNvPr>
-          <p:cNvSpPr txBox="1">
-            <a:spLocks noGrp="1" noRot="1" noMove="1" noResize="1" noEditPoints="1" noAdjustHandles="1" noChangeArrowheads="1" noChangeShapeType="1"/>
-          </p:cNvSpPr>
-          <p:nvPr/>
-        </p:nvSpPr>
-        <p:spPr>
-          <a:xfrm>
-            <a:off x="234434" y="207141"/>
-            <a:ext cx="4468863" cy="523220"/>
-          </a:xfrm>
-          <a:prstGeom prst="rect">
-            <a:avLst/>
-          </a:prstGeom>
-          <a:noFill/>
-        </p:spPr>
-        <p:txBody>
-          <a:bodyPr wrap="square" rtlCol="0">
-            <a:spAutoFit/>
-          </a:bodyPr>
-          <a:lstStyle/>
-          <a:p>
-            <a:pPr marL="0" marR="0" lvl="0" indent="0" algn="l" defTabSz="914400" rtl="0" eaLnBrk="1" fontAlgn="auto" latinLnBrk="1" hangingPunct="1">
-              <a:lnSpc>
-                <a:spcPct val="100000"/>
-              </a:lnSpc>
-              <a:spcBef>
-                <a:spcPts val="0"/>
-              </a:spcBef>
-              <a:spcAft>
-                <a:spcPts val="0"/>
-              </a:spcAft>
-              <a:buClrTx/>
-              <a:buSzTx/>
-              <a:buFontTx/>
-              <a:buNone/>
-              <a:tabLst/>
-              <a:defRPr/>
-            </a:pPr>
-            <a:r>
-              <a:rPr kumimoji="0" lang="en-US" altLang="ko-KR" sz="2800" b="0" i="0" u="none" strike="noStrike" kern="1200" cap="none" spc="0" normalizeH="0" baseline="0" noProof="0">
-                <a:ln>
-                  <a:noFill/>
-                </a:ln>
-                <a:solidFill>
-                  <a:prstClr val="white"/>
-                </a:solidFill>
-                <a:effectLst/>
-                <a:uLnTx/>
-                <a:uFillTx/>
-                <a:latin typeface="휴먼매직체" panose="02030504000101010101" pitchFamily="18" charset="-127"/>
-                <a:ea typeface="휴먼매직체" panose="02030504000101010101" pitchFamily="18" charset="-127"/>
-                <a:cs typeface="+mn-cs"/>
-              </a:rPr>
-              <a:t>3. </a:t>
-            </a:r>
-            <a:r>
-              <a:rPr kumimoji="0" lang="ko-KR" altLang="en-US" sz="2800" b="0" i="0" u="none" strike="noStrike" kern="1200" cap="none" spc="0" normalizeH="0" baseline="0" noProof="0">
-                <a:ln>
-                  <a:noFill/>
-                </a:ln>
-                <a:solidFill>
-                  <a:prstClr val="white"/>
-                </a:solidFill>
-                <a:effectLst/>
-                <a:uLnTx/>
-                <a:uFillTx/>
-                <a:latin typeface="휴먼매직체" panose="02030504000101010101" pitchFamily="18" charset="-127"/>
-                <a:ea typeface="휴먼매직체" panose="02030504000101010101" pitchFamily="18" charset="-127"/>
-                <a:cs typeface="+mn-cs"/>
-              </a:rPr>
-              <a:t>유사 사이트 분석 </a:t>
-            </a:r>
-            <a:r>
-              <a:rPr kumimoji="0" lang="en-US" altLang="ko-KR" sz="2800" b="0" i="0" u="none" strike="noStrike" kern="1200" cap="none" spc="0" normalizeH="0" baseline="0" noProof="0">
-                <a:ln>
-                  <a:noFill/>
-                </a:ln>
-                <a:solidFill>
-                  <a:prstClr val="white"/>
-                </a:solidFill>
-                <a:effectLst/>
-                <a:uLnTx/>
-                <a:uFillTx/>
-                <a:latin typeface="휴먼매직체" panose="02030504000101010101" pitchFamily="18" charset="-127"/>
-                <a:ea typeface="휴먼매직체" panose="02030504000101010101" pitchFamily="18" charset="-127"/>
-                <a:cs typeface="+mn-cs"/>
-              </a:rPr>
-              <a:t>: </a:t>
-            </a:r>
-            <a:r>
-              <a:rPr kumimoji="0" lang="ko-KR" altLang="en-US" sz="2800" b="0" i="0" u="none" strike="noStrike" kern="1200" cap="none" spc="0" normalizeH="0" baseline="0" noProof="0">
-                <a:ln>
-                  <a:noFill/>
-                </a:ln>
-                <a:solidFill>
-                  <a:prstClr val="white"/>
-                </a:solidFill>
-                <a:effectLst/>
-                <a:uLnTx/>
-                <a:uFillTx/>
-                <a:latin typeface="휴먼매직체" panose="02030504000101010101" pitchFamily="18" charset="-127"/>
-                <a:ea typeface="휴먼매직체" panose="02030504000101010101" pitchFamily="18" charset="-127"/>
-                <a:cs typeface="+mn-cs"/>
-              </a:rPr>
-              <a:t>서제스틱</a:t>
-            </a:r>
-            <a:endParaRPr kumimoji="0" lang="ko-KR" altLang="en-US" sz="2800" b="0" i="0" u="none" strike="noStrike" kern="1200" cap="none" spc="0" normalizeH="0" baseline="0" noProof="0" dirty="0">
-              <a:ln>
-                <a:noFill/>
-              </a:ln>
-              <a:solidFill>
-                <a:prstClr val="white"/>
-              </a:solidFill>
-              <a:effectLst/>
-              <a:uLnTx/>
-              <a:uFillTx/>
-              <a:latin typeface="휴먼매직체" panose="02030504000101010101" pitchFamily="18" charset="-127"/>
-              <a:ea typeface="휴먼매직체" panose="02030504000101010101" pitchFamily="18" charset="-127"/>
-              <a:cs typeface="+mn-cs"/>
-            </a:endParaRPr>
-          </a:p>
-        </p:txBody>
-      </p:sp>
-      <p:sp>
-        <p:nvSpPr>
-          <p:cNvPr id="3" name="TextBox 2">
-            <a:extLst>
-              <a:ext uri="{FF2B5EF4-FFF2-40B4-BE49-F238E27FC236}">
-                <a16:creationId xmlns:a16="http://schemas.microsoft.com/office/drawing/2014/main" id="{6EF34F69-6A43-CE2B-9403-869FDD7131FA}"/>
-              </a:ext>
-            </a:extLst>
-          </p:cNvPr>
-          <p:cNvSpPr txBox="1">
-            <a:spLocks noGrp="1" noRot="1" noMove="1" noResize="1" noEditPoints="1" noAdjustHandles="1" noChangeArrowheads="1" noChangeShapeType="1"/>
-          </p:cNvSpPr>
-          <p:nvPr/>
-        </p:nvSpPr>
-        <p:spPr>
-          <a:xfrm>
-            <a:off x="4703297" y="271354"/>
-            <a:ext cx="4823669" cy="400110"/>
-          </a:xfrm>
-          <a:prstGeom prst="rect">
-            <a:avLst/>
-          </a:prstGeom>
-          <a:noFill/>
-        </p:spPr>
-        <p:txBody>
-          <a:bodyPr wrap="square" rtlCol="0">
-            <a:spAutoFit/>
-          </a:bodyPr>
-          <a:lstStyle/>
-          <a:p>
-            <a:pPr marL="0" marR="0" lvl="0" indent="0" algn="l" defTabSz="914400" rtl="0" eaLnBrk="1" fontAlgn="auto" latinLnBrk="1" hangingPunct="1">
-              <a:lnSpc>
-                <a:spcPct val="100000"/>
-              </a:lnSpc>
-              <a:spcBef>
-                <a:spcPts val="0"/>
-              </a:spcBef>
-              <a:spcAft>
-                <a:spcPts val="0"/>
-              </a:spcAft>
-              <a:buClrTx/>
-              <a:buSzTx/>
-              <a:buFontTx/>
-              <a:buNone/>
-              <a:tabLst/>
-              <a:defRPr/>
-            </a:pPr>
-            <a:r>
-              <a:rPr kumimoji="0" lang="en-US" altLang="ko-KR" sz="2000" b="0" i="0" u="none" strike="noStrike" kern="1200" cap="none" spc="0" normalizeH="0" baseline="0" noProof="0">
-                <a:ln>
-                  <a:noFill/>
-                </a:ln>
-                <a:solidFill>
-                  <a:prstClr val="white"/>
-                </a:solidFill>
-                <a:effectLst/>
-                <a:uLnTx/>
-                <a:uFillTx/>
-                <a:latin typeface="휴먼매직체" panose="02030504000101010101" pitchFamily="18" charset="-127"/>
-                <a:ea typeface="휴먼매직체" panose="02030504000101010101" pitchFamily="18" charset="-127"/>
-                <a:cs typeface="+mn-cs"/>
-              </a:rPr>
-              <a:t>*</a:t>
-            </a:r>
-            <a:r>
-              <a:rPr kumimoji="0" lang="ko-KR" altLang="en-US" sz="2000" b="0" i="0" u="none" strike="noStrike" kern="1200" cap="none" spc="0" normalizeH="0" baseline="0" noProof="0">
-                <a:ln>
-                  <a:noFill/>
-                </a:ln>
-                <a:solidFill>
-                  <a:prstClr val="white"/>
-                </a:solidFill>
-                <a:effectLst/>
-                <a:uLnTx/>
-                <a:uFillTx/>
-                <a:latin typeface="휴먼매직체" panose="02030504000101010101" pitchFamily="18" charset="-127"/>
-                <a:ea typeface="휴먼매직체" panose="02030504000101010101" pitchFamily="18" charset="-127"/>
-                <a:cs typeface="+mn-cs"/>
-              </a:rPr>
-              <a:t>콘텐츠 및 기능 분석</a:t>
-            </a:r>
-            <a:endParaRPr kumimoji="0" lang="en-US" altLang="ko-KR" sz="2000" b="0" i="0" u="none" strike="noStrike" kern="1200" cap="none" spc="0" normalizeH="0" baseline="0" noProof="0">
-              <a:ln>
-                <a:noFill/>
-              </a:ln>
-              <a:solidFill>
-                <a:prstClr val="white"/>
-              </a:solidFill>
-              <a:effectLst/>
-              <a:uLnTx/>
-              <a:uFillTx/>
-              <a:latin typeface="휴먼매직체" panose="02030504000101010101" pitchFamily="18" charset="-127"/>
-              <a:ea typeface="휴먼매직체" panose="02030504000101010101" pitchFamily="18" charset="-127"/>
-              <a:cs typeface="+mn-cs"/>
-            </a:endParaRPr>
-          </a:p>
-        </p:txBody>
-      </p:sp>
       <p:sp>
         <p:nvSpPr>
           <p:cNvPr id="8" name="TextBox 7">
@@ -19672,6 +19688,271 @@
           </a:fontRef>
         </p:style>
       </p:cxnSp>
+      <p:sp>
+        <p:nvSpPr>
+          <p:cNvPr id="4" name="TextBox 3">
+            <a:extLst>
+              <a:ext uri="{FF2B5EF4-FFF2-40B4-BE49-F238E27FC236}">
+                <a16:creationId xmlns:a16="http://schemas.microsoft.com/office/drawing/2014/main" id="{657A23D0-F2F7-938A-9ADC-81D79FA75EC6}"/>
+              </a:ext>
+            </a:extLst>
+          </p:cNvPr>
+          <p:cNvSpPr txBox="1"/>
+          <p:nvPr/>
+        </p:nvSpPr>
+        <p:spPr>
+          <a:xfrm>
+            <a:off x="234434" y="207141"/>
+            <a:ext cx="4468863" cy="523220"/>
+          </a:xfrm>
+          <a:prstGeom prst="rect">
+            <a:avLst/>
+          </a:prstGeom>
+          <a:noFill/>
+        </p:spPr>
+        <p:txBody>
+          <a:bodyPr wrap="square" rtlCol="0">
+            <a:spAutoFit/>
+          </a:bodyPr>
+          <a:lstStyle/>
+          <a:p>
+            <a:pPr marL="0" marR="0" lvl="0" indent="0" algn="l" defTabSz="914400" rtl="0" eaLnBrk="1" fontAlgn="auto" latinLnBrk="1" hangingPunct="1">
+              <a:lnSpc>
+                <a:spcPct val="100000"/>
+              </a:lnSpc>
+              <a:spcBef>
+                <a:spcPts val="0"/>
+              </a:spcBef>
+              <a:spcAft>
+                <a:spcPts val="0"/>
+              </a:spcAft>
+              <a:buClrTx/>
+              <a:buSzTx/>
+              <a:buFontTx/>
+              <a:buNone/>
+              <a:tabLst/>
+              <a:defRPr/>
+            </a:pPr>
+            <a:r>
+              <a:rPr kumimoji="0" lang="en-US" altLang="ko-KR" sz="2800" b="0" i="0" u="none" strike="noStrike" kern="1200" cap="none" spc="0" normalizeH="0" baseline="0" noProof="0" dirty="0">
+                <a:ln>
+                  <a:noFill/>
+                </a:ln>
+                <a:solidFill>
+                  <a:prstClr val="white"/>
+                </a:solidFill>
+                <a:effectLst/>
+                <a:uLnTx/>
+                <a:uFillTx/>
+                <a:latin typeface="휴먼매직체" panose="02030504000101010101" pitchFamily="18" charset="-127"/>
+                <a:ea typeface="휴먼매직체" panose="02030504000101010101" pitchFamily="18" charset="-127"/>
+                <a:cs typeface="+mn-cs"/>
+              </a:rPr>
+              <a:t>3. </a:t>
+            </a:r>
+            <a:r>
+              <a:rPr kumimoji="0" lang="ko-KR" altLang="en-US" sz="2800" b="0" i="0" u="none" strike="noStrike" kern="1200" cap="none" spc="0" normalizeH="0" baseline="0" noProof="0" dirty="0">
+                <a:ln>
+                  <a:noFill/>
+                </a:ln>
+                <a:solidFill>
+                  <a:prstClr val="white"/>
+                </a:solidFill>
+                <a:effectLst/>
+                <a:uLnTx/>
+                <a:uFillTx/>
+                <a:latin typeface="휴먼매직체" panose="02030504000101010101" pitchFamily="18" charset="-127"/>
+                <a:ea typeface="휴먼매직체" panose="02030504000101010101" pitchFamily="18" charset="-127"/>
+                <a:cs typeface="+mn-cs"/>
+              </a:rPr>
+              <a:t>유사 어플 분석 </a:t>
+            </a:r>
+            <a:r>
+              <a:rPr kumimoji="0" lang="en-US" altLang="ko-KR" sz="2800" b="0" i="0" u="none" strike="noStrike" kern="1200" cap="none" spc="0" normalizeH="0" baseline="0" noProof="0" dirty="0">
+                <a:ln>
+                  <a:noFill/>
+                </a:ln>
+                <a:solidFill>
+                  <a:prstClr val="white"/>
+                </a:solidFill>
+                <a:effectLst/>
+                <a:uLnTx/>
+                <a:uFillTx/>
+                <a:latin typeface="휴먼매직체" panose="02030504000101010101" pitchFamily="18" charset="-127"/>
+                <a:ea typeface="휴먼매직체" panose="02030504000101010101" pitchFamily="18" charset="-127"/>
+                <a:cs typeface="+mn-cs"/>
+              </a:rPr>
+              <a:t>: </a:t>
+            </a:r>
+            <a:r>
+              <a:rPr kumimoji="0" lang="ko-KR" altLang="en-US" sz="2800" b="0" i="0" u="none" strike="noStrike" kern="1200" cap="none" spc="0" normalizeH="0" baseline="0" noProof="0" dirty="0" err="1">
+                <a:ln>
+                  <a:noFill/>
+                </a:ln>
+                <a:solidFill>
+                  <a:prstClr val="white"/>
+                </a:solidFill>
+                <a:effectLst/>
+                <a:uLnTx/>
+                <a:uFillTx/>
+                <a:latin typeface="휴먼매직체" panose="02030504000101010101" pitchFamily="18" charset="-127"/>
+                <a:ea typeface="휴먼매직체" panose="02030504000101010101" pitchFamily="18" charset="-127"/>
+                <a:cs typeface="+mn-cs"/>
+              </a:rPr>
+              <a:t>서제스틱</a:t>
+            </a:r>
+            <a:endParaRPr kumimoji="0" lang="ko-KR" altLang="en-US" sz="2800" b="0" i="0" u="none" strike="noStrike" kern="1200" cap="none" spc="0" normalizeH="0" baseline="0" noProof="0" dirty="0">
+              <a:ln>
+                <a:noFill/>
+              </a:ln>
+              <a:solidFill>
+                <a:prstClr val="white"/>
+              </a:solidFill>
+              <a:effectLst/>
+              <a:uLnTx/>
+              <a:uFillTx/>
+              <a:latin typeface="휴먼매직체" panose="02030504000101010101" pitchFamily="18" charset="-127"/>
+              <a:ea typeface="휴먼매직체" panose="02030504000101010101" pitchFamily="18" charset="-127"/>
+              <a:cs typeface="+mn-cs"/>
+            </a:endParaRPr>
+          </a:p>
+        </p:txBody>
+      </p:sp>
+      <p:sp>
+        <p:nvSpPr>
+          <p:cNvPr id="5" name="TextBox 4">
+            <a:extLst>
+              <a:ext uri="{FF2B5EF4-FFF2-40B4-BE49-F238E27FC236}">
+                <a16:creationId xmlns:a16="http://schemas.microsoft.com/office/drawing/2014/main" id="{5EEAD098-A71D-C929-10F9-88231BB5360D}"/>
+              </a:ext>
+            </a:extLst>
+          </p:cNvPr>
+          <p:cNvSpPr txBox="1">
+            <a:spLocks/>
+          </p:cNvSpPr>
+          <p:nvPr/>
+        </p:nvSpPr>
+        <p:spPr>
+          <a:xfrm>
+            <a:off x="4703297" y="271354"/>
+            <a:ext cx="4823669" cy="400110"/>
+          </a:xfrm>
+          <a:prstGeom prst="rect">
+            <a:avLst/>
+          </a:prstGeom>
+          <a:noFill/>
+        </p:spPr>
+        <p:txBody>
+          <a:bodyPr wrap="square" rtlCol="0">
+            <a:spAutoFit/>
+          </a:bodyPr>
+          <a:lstStyle/>
+          <a:p>
+            <a:pPr marL="0" marR="0" lvl="0" indent="0" algn="l" defTabSz="914400" rtl="0" eaLnBrk="1" fontAlgn="auto" latinLnBrk="1" hangingPunct="1">
+              <a:lnSpc>
+                <a:spcPct val="100000"/>
+              </a:lnSpc>
+              <a:spcBef>
+                <a:spcPts val="0"/>
+              </a:spcBef>
+              <a:spcAft>
+                <a:spcPts val="0"/>
+              </a:spcAft>
+              <a:buClrTx/>
+              <a:buSzTx/>
+              <a:buFontTx/>
+              <a:buNone/>
+              <a:tabLst/>
+              <a:defRPr/>
+            </a:pPr>
+            <a:r>
+              <a:rPr kumimoji="0" lang="en-US" altLang="ko-KR" sz="2000" b="0" i="0" u="none" strike="noStrike" kern="1200" cap="none" spc="0" normalizeH="0" baseline="0" noProof="0" dirty="0">
+                <a:ln>
+                  <a:noFill/>
+                </a:ln>
+                <a:solidFill>
+                  <a:prstClr val="white"/>
+                </a:solidFill>
+                <a:effectLst/>
+                <a:uLnTx/>
+                <a:uFillTx/>
+                <a:latin typeface="휴먼매직체" panose="02030504000101010101" pitchFamily="18" charset="-127"/>
+                <a:ea typeface="휴먼매직체" panose="02030504000101010101" pitchFamily="18" charset="-127"/>
+                <a:cs typeface="+mn-cs"/>
+              </a:rPr>
+              <a:t>*</a:t>
+            </a:r>
+            <a:r>
+              <a:rPr kumimoji="0" lang="ko-KR" altLang="en-US" sz="2000" b="0" i="0" u="none" strike="noStrike" kern="1200" cap="none" spc="0" normalizeH="0" baseline="0" noProof="0" dirty="0">
+                <a:ln>
+                  <a:noFill/>
+                </a:ln>
+                <a:solidFill>
+                  <a:prstClr val="white"/>
+                </a:solidFill>
+                <a:effectLst/>
+                <a:uLnTx/>
+                <a:uFillTx/>
+                <a:latin typeface="휴먼매직체" panose="02030504000101010101" pitchFamily="18" charset="-127"/>
+                <a:ea typeface="휴먼매직체" panose="02030504000101010101" pitchFamily="18" charset="-127"/>
+                <a:cs typeface="+mn-cs"/>
+              </a:rPr>
+              <a:t>콘텐츠 및 기능 분석 </a:t>
+            </a:r>
+            <a:r>
+              <a:rPr kumimoji="0" lang="en-US" altLang="ko-KR" sz="2000" b="0" i="0" u="none" strike="noStrike" kern="1200" cap="none" spc="0" normalizeH="0" baseline="0" noProof="0" dirty="0">
+                <a:ln>
+                  <a:noFill/>
+                </a:ln>
+                <a:solidFill>
+                  <a:prstClr val="white"/>
+                </a:solidFill>
+                <a:effectLst/>
+                <a:uLnTx/>
+                <a:uFillTx/>
+                <a:latin typeface="휴먼매직체" panose="02030504000101010101" pitchFamily="18" charset="-127"/>
+                <a:ea typeface="휴먼매직체" panose="02030504000101010101" pitchFamily="18" charset="-127"/>
+                <a:cs typeface="+mn-cs"/>
+              </a:rPr>
+              <a:t>(</a:t>
+            </a:r>
+            <a:r>
+              <a:rPr kumimoji="0" lang="ko-KR" altLang="en-US" sz="2000" b="0" i="0" u="none" strike="noStrike" kern="1200" cap="none" spc="0" normalizeH="0" baseline="0" noProof="0" dirty="0" err="1">
+                <a:ln>
+                  <a:noFill/>
+                </a:ln>
+                <a:solidFill>
+                  <a:prstClr val="white"/>
+                </a:solidFill>
+                <a:effectLst/>
+                <a:uLnTx/>
+                <a:uFillTx/>
+                <a:latin typeface="휴먼매직체" panose="02030504000101010101" pitchFamily="18" charset="-127"/>
+                <a:ea typeface="휴먼매직체" panose="02030504000101010101" pitchFamily="18" charset="-127"/>
+                <a:cs typeface="+mn-cs"/>
+              </a:rPr>
+              <a:t>윤시현</a:t>
+            </a:r>
+            <a:r>
+              <a:rPr kumimoji="0" lang="en-US" altLang="ko-KR" sz="2000" b="0" i="0" u="none" strike="noStrike" kern="1200" cap="none" spc="0" normalizeH="0" baseline="0" noProof="0" dirty="0">
+                <a:ln>
+                  <a:noFill/>
+                </a:ln>
+                <a:solidFill>
+                  <a:prstClr val="white"/>
+                </a:solidFill>
+                <a:effectLst/>
+                <a:uLnTx/>
+                <a:uFillTx/>
+                <a:latin typeface="휴먼매직체" panose="02030504000101010101" pitchFamily="18" charset="-127"/>
+                <a:ea typeface="휴먼매직체" panose="02030504000101010101" pitchFamily="18" charset="-127"/>
+                <a:cs typeface="+mn-cs"/>
+              </a:rPr>
+              <a:t>)</a:t>
+            </a:r>
+          </a:p>
+        </p:txBody>
+      </p:sp>
     </p:spTree>
     <p:extLst>
       <p:ext uri="{BB962C8B-B14F-4D97-AF65-F5344CB8AC3E}">
@@ -19724,266 +20005,6 @@
           <a:chExt cx="0" cy="0"/>
         </a:xfrm>
       </p:grpSpPr>
-      <p:sp>
-        <p:nvSpPr>
-          <p:cNvPr id="2" name="TextBox 1">
-            <a:extLst>
-              <a:ext uri="{FF2B5EF4-FFF2-40B4-BE49-F238E27FC236}">
-                <a16:creationId xmlns:a16="http://schemas.microsoft.com/office/drawing/2014/main" id="{DDE284A1-06BB-AEF6-CC6C-FF63F7DABC50}"/>
-              </a:ext>
-            </a:extLst>
-          </p:cNvPr>
-          <p:cNvSpPr txBox="1"/>
-          <p:nvPr/>
-        </p:nvSpPr>
-        <p:spPr>
-          <a:xfrm>
-            <a:off x="234434" y="207141"/>
-            <a:ext cx="4468863" cy="523220"/>
-          </a:xfrm>
-          <a:prstGeom prst="rect">
-            <a:avLst/>
-          </a:prstGeom>
-          <a:noFill/>
-        </p:spPr>
-        <p:txBody>
-          <a:bodyPr wrap="square" rtlCol="0">
-            <a:spAutoFit/>
-          </a:bodyPr>
-          <a:lstStyle/>
-          <a:p>
-            <a:pPr marL="0" marR="0" lvl="0" indent="0" algn="l" defTabSz="914400" rtl="0" eaLnBrk="1" fontAlgn="auto" latinLnBrk="1" hangingPunct="1">
-              <a:lnSpc>
-                <a:spcPct val="100000"/>
-              </a:lnSpc>
-              <a:spcBef>
-                <a:spcPts val="0"/>
-              </a:spcBef>
-              <a:spcAft>
-                <a:spcPts val="0"/>
-              </a:spcAft>
-              <a:buClrTx/>
-              <a:buSzTx/>
-              <a:buFontTx/>
-              <a:buNone/>
-              <a:tabLst/>
-              <a:defRPr/>
-            </a:pPr>
-            <a:r>
-              <a:rPr kumimoji="0" lang="en-US" altLang="ko-KR" sz="2800" b="0" i="0" u="none" strike="noStrike" kern="1200" cap="none" spc="0" normalizeH="0" baseline="0" noProof="0">
-                <a:ln>
-                  <a:noFill/>
-                </a:ln>
-                <a:solidFill>
-                  <a:prstClr val="white"/>
-                </a:solidFill>
-                <a:effectLst/>
-                <a:uLnTx/>
-                <a:uFillTx/>
-                <a:latin typeface="휴먼매직체" panose="02030504000101010101" pitchFamily="18" charset="-127"/>
-                <a:ea typeface="휴먼매직체" panose="02030504000101010101" pitchFamily="18" charset="-127"/>
-                <a:cs typeface="+mn-cs"/>
-              </a:rPr>
-              <a:t>3. </a:t>
-            </a:r>
-            <a:r>
-              <a:rPr kumimoji="0" lang="ko-KR" altLang="en-US" sz="2800" b="0" i="0" u="none" strike="noStrike" kern="1200" cap="none" spc="0" normalizeH="0" baseline="0" noProof="0">
-                <a:ln>
-                  <a:noFill/>
-                </a:ln>
-                <a:solidFill>
-                  <a:prstClr val="white"/>
-                </a:solidFill>
-                <a:effectLst/>
-                <a:uLnTx/>
-                <a:uFillTx/>
-                <a:latin typeface="휴먼매직체" panose="02030504000101010101" pitchFamily="18" charset="-127"/>
-                <a:ea typeface="휴먼매직체" panose="02030504000101010101" pitchFamily="18" charset="-127"/>
-                <a:cs typeface="+mn-cs"/>
-              </a:rPr>
-              <a:t>유사 사이트 분석 </a:t>
-            </a:r>
-            <a:r>
-              <a:rPr kumimoji="0" lang="en-US" altLang="ko-KR" sz="2800" b="0" i="0" u="none" strike="noStrike" kern="1200" cap="none" spc="0" normalizeH="0" baseline="0" noProof="0">
-                <a:ln>
-                  <a:noFill/>
-                </a:ln>
-                <a:solidFill>
-                  <a:prstClr val="white"/>
-                </a:solidFill>
-                <a:effectLst/>
-                <a:uLnTx/>
-                <a:uFillTx/>
-                <a:latin typeface="휴먼매직체" panose="02030504000101010101" pitchFamily="18" charset="-127"/>
-                <a:ea typeface="휴먼매직체" panose="02030504000101010101" pitchFamily="18" charset="-127"/>
-                <a:cs typeface="+mn-cs"/>
-              </a:rPr>
-              <a:t>: </a:t>
-            </a:r>
-            <a:r>
-              <a:rPr kumimoji="0" lang="ko-KR" altLang="en-US" sz="2800" b="0" i="0" u="none" strike="noStrike" kern="1200" cap="none" spc="0" normalizeH="0" baseline="0" noProof="0">
-                <a:ln>
-                  <a:noFill/>
-                </a:ln>
-                <a:solidFill>
-                  <a:prstClr val="white"/>
-                </a:solidFill>
-                <a:effectLst/>
-                <a:uLnTx/>
-                <a:uFillTx/>
-                <a:latin typeface="휴먼매직체" panose="02030504000101010101" pitchFamily="18" charset="-127"/>
-                <a:ea typeface="휴먼매직체" panose="02030504000101010101" pitchFamily="18" charset="-127"/>
-                <a:cs typeface="+mn-cs"/>
-              </a:rPr>
-              <a:t>서제스틱</a:t>
-            </a:r>
-            <a:endParaRPr kumimoji="0" lang="ko-KR" altLang="en-US" sz="2800" b="0" i="0" u="none" strike="noStrike" kern="1200" cap="none" spc="0" normalizeH="0" baseline="0" noProof="0" dirty="0">
-              <a:ln>
-                <a:noFill/>
-              </a:ln>
-              <a:solidFill>
-                <a:prstClr val="white"/>
-              </a:solidFill>
-              <a:effectLst/>
-              <a:uLnTx/>
-              <a:uFillTx/>
-              <a:latin typeface="휴먼매직체" panose="02030504000101010101" pitchFamily="18" charset="-127"/>
-              <a:ea typeface="휴먼매직체" panose="02030504000101010101" pitchFamily="18" charset="-127"/>
-              <a:cs typeface="+mn-cs"/>
-            </a:endParaRPr>
-          </a:p>
-        </p:txBody>
-      </p:sp>
-      <p:sp>
-        <p:nvSpPr>
-          <p:cNvPr id="7" name="TextBox 6">
-            <a:extLst>
-              <a:ext uri="{FF2B5EF4-FFF2-40B4-BE49-F238E27FC236}">
-                <a16:creationId xmlns:a16="http://schemas.microsoft.com/office/drawing/2014/main" id="{E4ECE52B-C87C-47ED-3377-19B3BDFE6B8A}"/>
-              </a:ext>
-            </a:extLst>
-          </p:cNvPr>
-          <p:cNvSpPr txBox="1"/>
-          <p:nvPr/>
-        </p:nvSpPr>
-        <p:spPr>
-          <a:xfrm>
-            <a:off x="4703297" y="271354"/>
-            <a:ext cx="4823669" cy="400110"/>
-          </a:xfrm>
-          <a:prstGeom prst="rect">
-            <a:avLst/>
-          </a:prstGeom>
-          <a:noFill/>
-        </p:spPr>
-        <p:txBody>
-          <a:bodyPr wrap="square" rtlCol="0">
-            <a:spAutoFit/>
-          </a:bodyPr>
-          <a:lstStyle/>
-          <a:p>
-            <a:pPr marL="0" marR="0" lvl="0" indent="0" algn="l" defTabSz="914400" rtl="0" eaLnBrk="1" fontAlgn="auto" latinLnBrk="1" hangingPunct="1">
-              <a:lnSpc>
-                <a:spcPct val="100000"/>
-              </a:lnSpc>
-              <a:spcBef>
-                <a:spcPts val="0"/>
-              </a:spcBef>
-              <a:spcAft>
-                <a:spcPts val="0"/>
-              </a:spcAft>
-              <a:buClrTx/>
-              <a:buSzTx/>
-              <a:buFontTx/>
-              <a:buNone/>
-              <a:tabLst/>
-              <a:defRPr/>
-            </a:pPr>
-            <a:r>
-              <a:rPr kumimoji="0" lang="en-US" altLang="ko-KR" sz="2000" b="0" i="0" u="none" strike="noStrike" kern="1200" cap="none" spc="0" normalizeH="0" baseline="0" noProof="0">
-                <a:ln>
-                  <a:noFill/>
-                </a:ln>
-                <a:solidFill>
-                  <a:prstClr val="white"/>
-                </a:solidFill>
-                <a:effectLst/>
-                <a:uLnTx/>
-                <a:uFillTx/>
-                <a:latin typeface="휴먼매직체" panose="02030504000101010101" pitchFamily="18" charset="-127"/>
-                <a:ea typeface="휴먼매직체" panose="02030504000101010101" pitchFamily="18" charset="-127"/>
-                <a:cs typeface="+mn-cs"/>
-              </a:rPr>
-              <a:t>*</a:t>
-            </a:r>
-            <a:r>
-              <a:rPr kumimoji="0" lang="ko-KR" altLang="en-US" sz="2000" b="0" i="0" u="none" strike="noStrike" kern="1200" cap="none" spc="0" normalizeH="0" baseline="0" noProof="0">
-                <a:ln>
-                  <a:noFill/>
-                </a:ln>
-                <a:solidFill>
-                  <a:prstClr val="white"/>
-                </a:solidFill>
-                <a:effectLst/>
-                <a:uLnTx/>
-                <a:uFillTx/>
-                <a:latin typeface="휴먼매직체" panose="02030504000101010101" pitchFamily="18" charset="-127"/>
-                <a:ea typeface="휴먼매직체" panose="02030504000101010101" pitchFamily="18" charset="-127"/>
-                <a:cs typeface="+mn-cs"/>
-              </a:rPr>
-              <a:t>특징</a:t>
-            </a:r>
-            <a:r>
-              <a:rPr kumimoji="0" lang="en-US" altLang="ko-KR" sz="2000" b="0" i="0" u="none" strike="noStrike" kern="1200" cap="none" spc="0" normalizeH="0" baseline="0" noProof="0">
-                <a:ln>
-                  <a:noFill/>
-                </a:ln>
-                <a:solidFill>
-                  <a:prstClr val="white"/>
-                </a:solidFill>
-                <a:effectLst/>
-                <a:uLnTx/>
-                <a:uFillTx/>
-                <a:latin typeface="휴먼매직체" panose="02030504000101010101" pitchFamily="18" charset="-127"/>
-                <a:ea typeface="휴먼매직체" panose="02030504000101010101" pitchFamily="18" charset="-127"/>
-                <a:cs typeface="+mn-cs"/>
-              </a:rPr>
-              <a:t> </a:t>
-            </a:r>
-            <a:r>
-              <a:rPr kumimoji="0" lang="ko-KR" altLang="en-US" sz="2000" b="0" i="0" u="none" strike="noStrike" kern="1200" cap="none" spc="0" normalizeH="0" baseline="0" noProof="0">
-                <a:ln>
-                  <a:noFill/>
-                </a:ln>
-                <a:solidFill>
-                  <a:prstClr val="white"/>
-                </a:solidFill>
-                <a:effectLst/>
-                <a:uLnTx/>
-                <a:uFillTx/>
-                <a:latin typeface="휴먼매직체" panose="02030504000101010101" pitchFamily="18" charset="-127"/>
-                <a:ea typeface="휴먼매직체" panose="02030504000101010101" pitchFamily="18" charset="-127"/>
-                <a:cs typeface="+mn-cs"/>
-              </a:rPr>
-              <a:t>및 시사점</a:t>
-            </a:r>
-            <a:endParaRPr kumimoji="0" lang="en-US" altLang="ko-KR" sz="2000" b="0" i="0" u="none" strike="noStrike" kern="1200" cap="none" spc="0" normalizeH="0" baseline="0" noProof="0">
-              <a:ln>
-                <a:noFill/>
-              </a:ln>
-              <a:solidFill>
-                <a:prstClr val="white"/>
-              </a:solidFill>
-              <a:effectLst/>
-              <a:uLnTx/>
-              <a:uFillTx/>
-              <a:latin typeface="휴먼매직체" panose="02030504000101010101" pitchFamily="18" charset="-127"/>
-              <a:ea typeface="휴먼매직체" panose="02030504000101010101" pitchFamily="18" charset="-127"/>
-              <a:cs typeface="+mn-cs"/>
-            </a:endParaRPr>
-          </a:p>
-        </p:txBody>
-      </p:sp>
       <p:sp>
         <p:nvSpPr>
           <p:cNvPr id="3" name="TextBox 2">
@@ -21049,6 +21070,305 @@
               <a:ea typeface="휴먼매직체" panose="02030504000101010101" pitchFamily="18" charset="-127"/>
               <a:cs typeface="+mn-cs"/>
             </a:endParaRPr>
+          </a:p>
+        </p:txBody>
+      </p:sp>
+      <p:sp>
+        <p:nvSpPr>
+          <p:cNvPr id="4" name="TextBox 3">
+            <a:extLst>
+              <a:ext uri="{FF2B5EF4-FFF2-40B4-BE49-F238E27FC236}">
+                <a16:creationId xmlns:a16="http://schemas.microsoft.com/office/drawing/2014/main" id="{CEE7A0E5-7D94-2131-E6FC-07AB756A6813}"/>
+              </a:ext>
+            </a:extLst>
+          </p:cNvPr>
+          <p:cNvSpPr txBox="1"/>
+          <p:nvPr/>
+        </p:nvSpPr>
+        <p:spPr>
+          <a:xfrm>
+            <a:off x="234434" y="207141"/>
+            <a:ext cx="4468863" cy="523220"/>
+          </a:xfrm>
+          <a:prstGeom prst="rect">
+            <a:avLst/>
+          </a:prstGeom>
+          <a:noFill/>
+        </p:spPr>
+        <p:txBody>
+          <a:bodyPr wrap="square" rtlCol="0">
+            <a:spAutoFit/>
+          </a:bodyPr>
+          <a:lstStyle/>
+          <a:p>
+            <a:pPr marL="0" marR="0" lvl="0" indent="0" algn="l" defTabSz="914400" rtl="0" eaLnBrk="1" fontAlgn="auto" latinLnBrk="1" hangingPunct="1">
+              <a:lnSpc>
+                <a:spcPct val="100000"/>
+              </a:lnSpc>
+              <a:spcBef>
+                <a:spcPts val="0"/>
+              </a:spcBef>
+              <a:spcAft>
+                <a:spcPts val="0"/>
+              </a:spcAft>
+              <a:buClrTx/>
+              <a:buSzTx/>
+              <a:buFontTx/>
+              <a:buNone/>
+              <a:tabLst/>
+              <a:defRPr/>
+            </a:pPr>
+            <a:r>
+              <a:rPr kumimoji="0" lang="en-US" altLang="ko-KR" sz="2800" b="0" i="0" u="none" strike="noStrike" kern="1200" cap="none" spc="0" normalizeH="0" baseline="0" noProof="0" dirty="0">
+                <a:ln>
+                  <a:noFill/>
+                </a:ln>
+                <a:solidFill>
+                  <a:prstClr val="white"/>
+                </a:solidFill>
+                <a:effectLst/>
+                <a:uLnTx/>
+                <a:uFillTx/>
+                <a:latin typeface="휴먼매직체" panose="02030504000101010101" pitchFamily="18" charset="-127"/>
+                <a:ea typeface="휴먼매직체" panose="02030504000101010101" pitchFamily="18" charset="-127"/>
+                <a:cs typeface="+mn-cs"/>
+              </a:rPr>
+              <a:t>3. </a:t>
+            </a:r>
+            <a:r>
+              <a:rPr kumimoji="0" lang="ko-KR" altLang="en-US" sz="2800" b="0" i="0" u="none" strike="noStrike" kern="1200" cap="none" spc="0" normalizeH="0" baseline="0" noProof="0" dirty="0">
+                <a:ln>
+                  <a:noFill/>
+                </a:ln>
+                <a:solidFill>
+                  <a:prstClr val="white"/>
+                </a:solidFill>
+                <a:effectLst/>
+                <a:uLnTx/>
+                <a:uFillTx/>
+                <a:latin typeface="휴먼매직체" panose="02030504000101010101" pitchFamily="18" charset="-127"/>
+                <a:ea typeface="휴먼매직체" panose="02030504000101010101" pitchFamily="18" charset="-127"/>
+                <a:cs typeface="+mn-cs"/>
+              </a:rPr>
+              <a:t>유사 어플 분석 </a:t>
+            </a:r>
+            <a:r>
+              <a:rPr kumimoji="0" lang="en-US" altLang="ko-KR" sz="2800" b="0" i="0" u="none" strike="noStrike" kern="1200" cap="none" spc="0" normalizeH="0" baseline="0" noProof="0" dirty="0">
+                <a:ln>
+                  <a:noFill/>
+                </a:ln>
+                <a:solidFill>
+                  <a:prstClr val="white"/>
+                </a:solidFill>
+                <a:effectLst/>
+                <a:uLnTx/>
+                <a:uFillTx/>
+                <a:latin typeface="휴먼매직체" panose="02030504000101010101" pitchFamily="18" charset="-127"/>
+                <a:ea typeface="휴먼매직체" panose="02030504000101010101" pitchFamily="18" charset="-127"/>
+                <a:cs typeface="+mn-cs"/>
+              </a:rPr>
+              <a:t>: </a:t>
+            </a:r>
+            <a:r>
+              <a:rPr kumimoji="0" lang="ko-KR" altLang="en-US" sz="2800" b="0" i="0" u="none" strike="noStrike" kern="1200" cap="none" spc="0" normalizeH="0" baseline="0" noProof="0" dirty="0" err="1">
+                <a:ln>
+                  <a:noFill/>
+                </a:ln>
+                <a:solidFill>
+                  <a:prstClr val="white"/>
+                </a:solidFill>
+                <a:effectLst/>
+                <a:uLnTx/>
+                <a:uFillTx/>
+                <a:latin typeface="휴먼매직체" panose="02030504000101010101" pitchFamily="18" charset="-127"/>
+                <a:ea typeface="휴먼매직체" panose="02030504000101010101" pitchFamily="18" charset="-127"/>
+                <a:cs typeface="+mn-cs"/>
+              </a:rPr>
+              <a:t>서제스틱</a:t>
+            </a:r>
+            <a:endParaRPr kumimoji="0" lang="ko-KR" altLang="en-US" sz="2800" b="0" i="0" u="none" strike="noStrike" kern="1200" cap="none" spc="0" normalizeH="0" baseline="0" noProof="0" dirty="0">
+              <a:ln>
+                <a:noFill/>
+              </a:ln>
+              <a:solidFill>
+                <a:prstClr val="white"/>
+              </a:solidFill>
+              <a:effectLst/>
+              <a:uLnTx/>
+              <a:uFillTx/>
+              <a:latin typeface="휴먼매직체" panose="02030504000101010101" pitchFamily="18" charset="-127"/>
+              <a:ea typeface="휴먼매직체" panose="02030504000101010101" pitchFamily="18" charset="-127"/>
+              <a:cs typeface="+mn-cs"/>
+            </a:endParaRPr>
+          </a:p>
+        </p:txBody>
+      </p:sp>
+      <p:sp>
+        <p:nvSpPr>
+          <p:cNvPr id="6" name="TextBox 5">
+            <a:extLst>
+              <a:ext uri="{FF2B5EF4-FFF2-40B4-BE49-F238E27FC236}">
+                <a16:creationId xmlns:a16="http://schemas.microsoft.com/office/drawing/2014/main" id="{A2FA0F9E-5E35-9FB9-A621-FD48FAC1754A}"/>
+              </a:ext>
+            </a:extLst>
+          </p:cNvPr>
+          <p:cNvSpPr txBox="1">
+            <a:spLocks noGrp="1" noRot="1" noMove="1" noResize="1" noEditPoints="1" noAdjustHandles="1" noChangeArrowheads="1" noChangeShapeType="1"/>
+          </p:cNvSpPr>
+          <p:nvPr/>
+        </p:nvSpPr>
+        <p:spPr>
+          <a:xfrm>
+            <a:off x="4703297" y="271354"/>
+            <a:ext cx="4823669" cy="400110"/>
+          </a:xfrm>
+          <a:prstGeom prst="rect">
+            <a:avLst/>
+          </a:prstGeom>
+          <a:noFill/>
+        </p:spPr>
+        <p:txBody>
+          <a:bodyPr wrap="square" rtlCol="0">
+            <a:spAutoFit/>
+          </a:bodyPr>
+          <a:lstStyle/>
+          <a:p>
+            <a:pPr marL="0" marR="0" lvl="0" indent="0" algn="l" defTabSz="914400" rtl="0" eaLnBrk="1" fontAlgn="auto" latinLnBrk="1" hangingPunct="1">
+              <a:lnSpc>
+                <a:spcPct val="100000"/>
+              </a:lnSpc>
+              <a:spcBef>
+                <a:spcPts val="0"/>
+              </a:spcBef>
+              <a:spcAft>
+                <a:spcPts val="0"/>
+              </a:spcAft>
+              <a:buClrTx/>
+              <a:buSzTx/>
+              <a:buFontTx/>
+              <a:buNone/>
+              <a:tabLst/>
+              <a:defRPr/>
+            </a:pPr>
+            <a:r>
+              <a:rPr kumimoji="0" lang="en-US" altLang="ko-KR" sz="2000" b="0" i="0" u="none" strike="noStrike" kern="1200" cap="none" spc="0" normalizeH="0" baseline="0" noProof="0" dirty="0">
+                <a:ln>
+                  <a:noFill/>
+                </a:ln>
+                <a:solidFill>
+                  <a:prstClr val="white"/>
+                </a:solidFill>
+                <a:effectLst/>
+                <a:uLnTx/>
+                <a:uFillTx/>
+                <a:latin typeface="휴먼매직체" panose="02030504000101010101" pitchFamily="18" charset="-127"/>
+                <a:ea typeface="휴먼매직체" panose="02030504000101010101" pitchFamily="18" charset="-127"/>
+                <a:cs typeface="+mn-cs"/>
+              </a:rPr>
+              <a:t>*</a:t>
+            </a:r>
+            <a:r>
+              <a:rPr kumimoji="0" lang="ko-KR" altLang="en-US" sz="2000" b="0" i="0" u="none" strike="noStrike" kern="1200" cap="none" spc="0" normalizeH="0" baseline="0" noProof="0" dirty="0">
+                <a:ln>
+                  <a:noFill/>
+                </a:ln>
+                <a:solidFill>
+                  <a:prstClr val="white"/>
+                </a:solidFill>
+                <a:effectLst/>
+                <a:uLnTx/>
+                <a:uFillTx/>
+                <a:latin typeface="휴먼매직체" panose="02030504000101010101" pitchFamily="18" charset="-127"/>
+                <a:ea typeface="휴먼매직체" panose="02030504000101010101" pitchFamily="18" charset="-127"/>
+                <a:cs typeface="+mn-cs"/>
+              </a:rPr>
+              <a:t> 특징</a:t>
+            </a:r>
+            <a:r>
+              <a:rPr kumimoji="0" lang="en-US" altLang="ko-KR" sz="2000" b="0" i="0" u="none" strike="noStrike" kern="1200" cap="none" spc="0" normalizeH="0" baseline="0" noProof="0" dirty="0">
+                <a:ln>
+                  <a:noFill/>
+                </a:ln>
+                <a:solidFill>
+                  <a:prstClr val="white"/>
+                </a:solidFill>
+                <a:effectLst/>
+                <a:uLnTx/>
+                <a:uFillTx/>
+                <a:latin typeface="휴먼매직체" panose="02030504000101010101" pitchFamily="18" charset="-127"/>
+                <a:ea typeface="휴먼매직체" panose="02030504000101010101" pitchFamily="18" charset="-127"/>
+                <a:cs typeface="+mn-cs"/>
+              </a:rPr>
+              <a:t> </a:t>
+            </a:r>
+            <a:r>
+              <a:rPr kumimoji="0" lang="ko-KR" altLang="en-US" sz="2000" b="0" i="0" u="none" strike="noStrike" kern="1200" cap="none" spc="0" normalizeH="0" baseline="0" noProof="0" dirty="0">
+                <a:ln>
+                  <a:noFill/>
+                </a:ln>
+                <a:solidFill>
+                  <a:prstClr val="white"/>
+                </a:solidFill>
+                <a:effectLst/>
+                <a:uLnTx/>
+                <a:uFillTx/>
+                <a:latin typeface="휴먼매직체" panose="02030504000101010101" pitchFamily="18" charset="-127"/>
+                <a:ea typeface="휴먼매직체" panose="02030504000101010101" pitchFamily="18" charset="-127"/>
+                <a:cs typeface="+mn-cs"/>
+              </a:rPr>
+              <a:t>및 시사점 </a:t>
+            </a:r>
+            <a:r>
+              <a:rPr kumimoji="0" lang="en-US" altLang="ko-KR" sz="2000" b="0" i="0" u="none" strike="noStrike" kern="1200" cap="none" spc="0" normalizeH="0" baseline="0" noProof="0" dirty="0">
+                <a:ln>
+                  <a:noFill/>
+                </a:ln>
+                <a:solidFill>
+                  <a:prstClr val="white"/>
+                </a:solidFill>
+                <a:effectLst/>
+                <a:uLnTx/>
+                <a:uFillTx/>
+                <a:latin typeface="휴먼매직체" panose="02030504000101010101" pitchFamily="18" charset="-127"/>
+                <a:ea typeface="휴먼매직체" panose="02030504000101010101" pitchFamily="18" charset="-127"/>
+                <a:cs typeface="+mn-cs"/>
+              </a:rPr>
+              <a:t>(</a:t>
+            </a:r>
+            <a:r>
+              <a:rPr kumimoji="0" lang="ko-KR" altLang="en-US" sz="2000" b="0" i="0" u="none" strike="noStrike" kern="1200" cap="none" spc="0" normalizeH="0" baseline="0" noProof="0" dirty="0" err="1">
+                <a:ln>
+                  <a:noFill/>
+                </a:ln>
+                <a:solidFill>
+                  <a:prstClr val="white"/>
+                </a:solidFill>
+                <a:effectLst/>
+                <a:uLnTx/>
+                <a:uFillTx/>
+                <a:latin typeface="휴먼매직체" panose="02030504000101010101" pitchFamily="18" charset="-127"/>
+                <a:ea typeface="휴먼매직체" panose="02030504000101010101" pitchFamily="18" charset="-127"/>
+                <a:cs typeface="+mn-cs"/>
+              </a:rPr>
+              <a:t>윤시현</a:t>
+            </a:r>
+            <a:r>
+              <a:rPr kumimoji="0" lang="en-US" altLang="ko-KR" sz="2000" b="0" i="0" u="none" strike="noStrike" kern="1200" cap="none" spc="0" normalizeH="0" baseline="0" noProof="0" dirty="0">
+                <a:ln>
+                  <a:noFill/>
+                </a:ln>
+                <a:solidFill>
+                  <a:prstClr val="white"/>
+                </a:solidFill>
+                <a:effectLst/>
+                <a:uLnTx/>
+                <a:uFillTx/>
+                <a:latin typeface="휴먼매직체" panose="02030504000101010101" pitchFamily="18" charset="-127"/>
+                <a:ea typeface="휴먼매직체" panose="02030504000101010101" pitchFamily="18" charset="-127"/>
+                <a:cs typeface="+mn-cs"/>
+              </a:rPr>
+              <a:t>)</a:t>
+            </a:r>
           </a:p>
         </p:txBody>
       </p:sp>
@@ -21152,7 +21472,34 @@
                 <a:latin typeface="휴먼매직체" panose="02030504000101010101" pitchFamily="18" charset="-127"/>
                 <a:ea typeface="휴먼매직체" panose="02030504000101010101" pitchFamily="18" charset="-127"/>
               </a:rPr>
-              <a:t>유사 사이트 분석 </a:t>
+              <a:t>유사 </a:t>
+            </a:r>
+            <a:r>
+              <a:rPr kumimoji="0" lang="ko-KR" altLang="en-US" sz="2800" b="0" i="0" u="none" strike="noStrike" kern="1200" cap="none" spc="0" normalizeH="0" baseline="0" noProof="0" dirty="0">
+                <a:ln>
+                  <a:noFill/>
+                </a:ln>
+                <a:solidFill>
+                  <a:prstClr val="white"/>
+                </a:solidFill>
+                <a:effectLst/>
+                <a:uLnTx/>
+                <a:uFillTx/>
+                <a:latin typeface="휴먼매직체" panose="02030504000101010101" pitchFamily="18" charset="-127"/>
+                <a:ea typeface="휴먼매직체" panose="02030504000101010101" pitchFamily="18" charset="-127"/>
+                <a:cs typeface="+mn-cs"/>
+              </a:rPr>
+              <a:t>어플</a:t>
+            </a:r>
+            <a:r>
+              <a:rPr lang="ko-KR" altLang="en-US" sz="2800" dirty="0">
+                <a:solidFill>
+                  <a:schemeClr val="bg1"/>
+                </a:solidFill>
+                <a:latin typeface="휴먼매직체" panose="02030504000101010101" pitchFamily="18" charset="-127"/>
+                <a:ea typeface="휴먼매직체" panose="02030504000101010101" pitchFamily="18" charset="-127"/>
+              </a:rPr>
+              <a:t> 분석 </a:t>
             </a:r>
             <a:r>
               <a:rPr lang="en-US" altLang="ko-KR" sz="2800" dirty="0">
@@ -21794,7 +22141,9 @@
               </a:ext>
             </a:extLst>
           </p:cNvPr>
-          <p:cNvSpPr txBox="1"/>
+          <p:cNvSpPr txBox="1">
+            <a:spLocks noGrp="1" noRot="1" noMove="1" noResize="1" noEditPoints="1" noAdjustHandles="1" noChangeArrowheads="1" noChangeShapeType="1"/>
+          </p:cNvSpPr>
           <p:nvPr/>
         </p:nvSpPr>
         <p:spPr>
@@ -21831,7 +22180,7 @@
               <a:defRPr/>
             </a:pPr>
             <a:r>
-              <a:rPr kumimoji="0" lang="en-US" altLang="ko-KR" sz="3200" b="0" i="0" u="none" strike="noStrike" kern="1200" cap="none" spc="0" normalizeH="0" baseline="0" noProof="0">
+              <a:rPr kumimoji="0" lang="en-US" altLang="ko-KR" sz="3200" b="0" i="0" u="none" strike="noStrike" kern="1200" cap="none" spc="0" normalizeH="0" baseline="0" noProof="0" dirty="0">
                 <a:ln>
                   <a:noFill/>
                 </a:ln>
@@ -21848,7 +22197,7 @@
               <a:t>1.</a:t>
             </a:r>
             <a:r>
-              <a:rPr kumimoji="0" lang="ko-KR" altLang="en-US" sz="3200" b="0" i="0" u="none" strike="noStrike" kern="1200" cap="none" spc="0" normalizeH="0" baseline="0" noProof="0">
+              <a:rPr kumimoji="0" lang="ko-KR" altLang="en-US" sz="3200" b="0" i="0" u="none" strike="noStrike" kern="1200" cap="none" spc="0" normalizeH="0" baseline="0" noProof="0" dirty="0">
                 <a:ln>
                   <a:noFill/>
                 </a:ln>
@@ -21864,7 +22213,7 @@
               </a:rPr>
               <a:t>개요</a:t>
             </a:r>
-            <a:endParaRPr kumimoji="0" lang="en-US" altLang="ko-KR" sz="3200" b="0" i="0" u="none" strike="noStrike" kern="1200" cap="none" spc="0" normalizeH="0" baseline="0" noProof="0">
+            <a:endParaRPr kumimoji="0" lang="en-US" altLang="ko-KR" sz="3200" b="0" i="0" u="none" strike="noStrike" kern="1200" cap="none" spc="0" normalizeH="0" baseline="0" noProof="0" dirty="0">
               <a:ln>
                 <a:noFill/>
               </a:ln>
@@ -21897,7 +22246,7 @@
               <a:tabLst/>
               <a:defRPr/>
             </a:pPr>
-            <a:endParaRPr kumimoji="0" lang="en-US" altLang="ko-KR" sz="3200" b="0" i="0" u="none" strike="noStrike" kern="1200" cap="none" spc="0" normalizeH="0" baseline="0" noProof="0">
+            <a:endParaRPr kumimoji="0" lang="en-US" altLang="ko-KR" sz="3200" b="0" i="0" u="none" strike="noStrike" kern="1200" cap="none" spc="0" normalizeH="0" baseline="0" noProof="0" dirty="0">
               <a:ln>
                 <a:noFill/>
               </a:ln>
@@ -21931,7 +22280,7 @@
               <a:defRPr/>
             </a:pPr>
             <a:r>
-              <a:rPr kumimoji="0" lang="en-US" altLang="ko-KR" sz="3200" b="0" i="0" u="none" strike="noStrike" kern="1200" cap="none" spc="0" normalizeH="0" baseline="0" noProof="0">
+              <a:rPr kumimoji="0" lang="en-US" altLang="ko-KR" sz="3200" b="0" i="0" u="none" strike="noStrike" kern="1200" cap="none" spc="0" normalizeH="0" baseline="0" noProof="0" dirty="0">
                 <a:ln>
                   <a:noFill/>
                 </a:ln>
@@ -21948,7 +22297,7 @@
               <a:t>2. </a:t>
             </a:r>
             <a:r>
-              <a:rPr kumimoji="0" lang="ko-KR" altLang="en-US" sz="3200" b="0" i="0" u="none" strike="noStrike" kern="1200" cap="none" spc="0" normalizeH="0" baseline="0" noProof="0">
+              <a:rPr kumimoji="0" lang="ko-KR" altLang="en-US" sz="3200" b="0" i="0" u="none" strike="noStrike" kern="1200" cap="none" spc="0" normalizeH="0" baseline="0" noProof="0" dirty="0">
                 <a:ln>
                   <a:noFill/>
                 </a:ln>
@@ -21964,7 +22313,7 @@
               </a:rPr>
               <a:t>배경 및 필요성</a:t>
             </a:r>
-            <a:endParaRPr kumimoji="0" lang="en-US" altLang="ko-KR" sz="3200" b="0" i="0" u="none" strike="noStrike" kern="1200" cap="none" spc="0" normalizeH="0" baseline="0" noProof="0">
+            <a:endParaRPr kumimoji="0" lang="en-US" altLang="ko-KR" sz="3200" b="0" i="0" u="none" strike="noStrike" kern="1200" cap="none" spc="0" normalizeH="0" baseline="0" noProof="0" dirty="0">
               <a:ln>
                 <a:noFill/>
               </a:ln>
@@ -21997,7 +22346,7 @@
               <a:tabLst/>
               <a:defRPr/>
             </a:pPr>
-            <a:endParaRPr kumimoji="0" lang="en-US" altLang="ko-KR" sz="3200" b="0" i="0" u="none" strike="noStrike" kern="1200" cap="none" spc="0" normalizeH="0" baseline="0" noProof="0">
+            <a:endParaRPr kumimoji="0" lang="en-US" altLang="ko-KR" sz="3200" b="0" i="0" u="none" strike="noStrike" kern="1200" cap="none" spc="0" normalizeH="0" baseline="0" noProof="0" dirty="0">
               <a:ln>
                 <a:noFill/>
               </a:ln>
@@ -22031,7 +22380,7 @@
               <a:defRPr/>
             </a:pPr>
             <a:r>
-              <a:rPr kumimoji="0" lang="en-US" altLang="ko-KR" sz="3200" b="0" i="0" u="none" strike="noStrike" kern="1200" cap="none" spc="0" normalizeH="0" baseline="0" noProof="0">
+              <a:rPr kumimoji="0" lang="en-US" altLang="ko-KR" sz="3200" b="0" i="0" u="none" strike="noStrike" kern="1200" cap="none" spc="0" normalizeH="0" baseline="0" noProof="0" dirty="0">
                 <a:ln>
                   <a:noFill/>
                 </a:ln>
@@ -22048,7 +22397,7 @@
               <a:t>3.</a:t>
             </a:r>
             <a:r>
-              <a:rPr kumimoji="0" lang="ko-KR" altLang="en-US" sz="3200" b="0" i="0" u="none" strike="noStrike" kern="1200" cap="none" spc="0" normalizeH="0" baseline="0" noProof="0">
+              <a:rPr kumimoji="0" lang="ko-KR" altLang="en-US" sz="3200" b="0" i="0" u="none" strike="noStrike" kern="1200" cap="none" spc="0" normalizeH="0" baseline="0" noProof="0" dirty="0">
                 <a:ln>
                   <a:noFill/>
                 </a:ln>
@@ -22064,7 +22413,7 @@
               </a:rPr>
               <a:t>유사 사이트 분석</a:t>
             </a:r>
-            <a:endParaRPr kumimoji="0" lang="en-US" altLang="ko-KR" sz="3200" b="0" i="0" u="none" strike="noStrike" kern="1200" cap="none" spc="0" normalizeH="0" baseline="0" noProof="0">
+            <a:endParaRPr kumimoji="0" lang="en-US" altLang="ko-KR" sz="3200" b="0" i="0" u="none" strike="noStrike" kern="1200" cap="none" spc="0" normalizeH="0" baseline="0" noProof="0" dirty="0">
               <a:ln>
                 <a:noFill/>
               </a:ln>
@@ -22097,7 +22446,7 @@
               <a:tabLst/>
               <a:defRPr/>
             </a:pPr>
-            <a:endParaRPr kumimoji="0" lang="en-US" altLang="ko-KR" sz="3200" b="0" i="0" u="none" strike="noStrike" kern="1200" cap="none" spc="0" normalizeH="0" baseline="0" noProof="0">
+            <a:endParaRPr kumimoji="0" lang="en-US" altLang="ko-KR" sz="3200" b="0" i="0" u="none" strike="noStrike" kern="1200" cap="none" spc="0" normalizeH="0" baseline="0" noProof="0" dirty="0">
               <a:ln>
                 <a:noFill/>
               </a:ln>
@@ -22131,7 +22480,7 @@
               <a:defRPr/>
             </a:pPr>
             <a:r>
-              <a:rPr kumimoji="0" lang="en-US" altLang="ko-KR" sz="3200" b="0" i="0" u="none" strike="noStrike" kern="1200" cap="none" spc="0" normalizeH="0" baseline="0" noProof="0">
+              <a:rPr kumimoji="0" lang="en-US" altLang="ko-KR" sz="3200" b="0" i="0" u="none" strike="noStrike" kern="1200" cap="none" spc="0" normalizeH="0" baseline="0" noProof="0" dirty="0">
                 <a:ln>
                   <a:noFill/>
                 </a:ln>
@@ -22148,7 +22497,7 @@
               <a:t>4.</a:t>
             </a:r>
             <a:r>
-              <a:rPr kumimoji="0" lang="ko-KR" altLang="en-US" sz="3200" b="0" i="0" u="none" strike="noStrike" kern="1200" cap="none" spc="0" normalizeH="0" baseline="0" noProof="0">
+              <a:rPr kumimoji="0" lang="ko-KR" altLang="en-US" sz="3200" b="0" i="0" u="none" strike="noStrike" kern="1200" cap="none" spc="0" normalizeH="0" baseline="0" noProof="0" dirty="0">
                 <a:ln>
                   <a:noFill/>
                 </a:ln>
@@ -22164,20 +22513,6 @@
               </a:rPr>
               <a:t>개발 목표</a:t>
             </a:r>
-            <a:endParaRPr kumimoji="0" lang="ko-KR" altLang="en-US" sz="3200" b="0" i="0" u="none" strike="noStrike" kern="1200" cap="none" spc="0" normalizeH="0" baseline="0" noProof="0" dirty="0">
-              <a:ln>
-                <a:noFill/>
-              </a:ln>
-              <a:solidFill>
-                <a:prstClr val="white"/>
-              </a:solidFill>
-              <a:effectLst/>
-              <a:uLnTx/>
-              <a:uFillTx/>
-              <a:latin typeface="휴먼매직체" panose="02030504000101010101" pitchFamily="18" charset="-127"/>
-              <a:ea typeface="휴먼매직체" panose="02030504000101010101" pitchFamily="18" charset="-127"/>
-              <a:cs typeface="+mn-cs"/>
-            </a:endParaRPr>
           </a:p>
         </p:txBody>
       </p:sp>
@@ -22229,7 +22564,7 @@
               <a:defRPr/>
             </a:pPr>
             <a:r>
-              <a:rPr kumimoji="0" lang="ko-KR" altLang="en-US" sz="2800" b="0" i="0" u="none" strike="noStrike" kern="1200" cap="none" spc="0" normalizeH="0" baseline="0" noProof="0">
+              <a:rPr kumimoji="0" lang="ko-KR" altLang="en-US" sz="2800" b="0" i="0" u="none" strike="noStrike" kern="1200" cap="none" spc="0" normalizeH="0" baseline="0" noProof="0" dirty="0">
                 <a:ln>
                   <a:noFill/>
                 </a:ln>
@@ -22245,20 +22580,6 @@
               </a:rPr>
               <a:t>목차</a:t>
             </a:r>
-            <a:endParaRPr kumimoji="0" lang="ko-KR" altLang="en-US" sz="2800" b="0" i="0" u="none" strike="noStrike" kern="1200" cap="none" spc="0" normalizeH="0" baseline="0" noProof="0" dirty="0">
-              <a:ln>
-                <a:noFill/>
-              </a:ln>
-              <a:solidFill>
-                <a:prstClr val="white"/>
-              </a:solidFill>
-              <a:effectLst/>
-              <a:uLnTx/>
-              <a:uFillTx/>
-              <a:latin typeface="휴먼매직체" panose="02030504000101010101" pitchFamily="18" charset="-127"/>
-              <a:ea typeface="휴먼매직체" panose="02030504000101010101" pitchFamily="18" charset="-127"/>
-              <a:cs typeface="+mn-cs"/>
-            </a:endParaRPr>
           </a:p>
         </p:txBody>
       </p:sp>
@@ -22310,7 +22631,7 @@
               <a:defRPr/>
             </a:pPr>
             <a:r>
-              <a:rPr kumimoji="0" lang="en-US" altLang="ko-KR" sz="3200" b="0" i="0" u="none" strike="noStrike" kern="1200" cap="none" spc="0" normalizeH="0" baseline="0" noProof="0">
+              <a:rPr kumimoji="0" lang="en-US" altLang="ko-KR" sz="3200" b="0" i="0" u="none" strike="noStrike" kern="1200" cap="none" spc="0" normalizeH="0" baseline="0" noProof="0" dirty="0">
                 <a:ln>
                   <a:noFill/>
                 </a:ln>
@@ -22327,7 +22648,7 @@
               <a:t>5.</a:t>
             </a:r>
             <a:r>
-              <a:rPr kumimoji="0" lang="ko-KR" altLang="en-US" sz="3200" b="0" i="0" u="none" strike="noStrike" kern="1200" cap="none" spc="0" normalizeH="0" baseline="0" noProof="0">
+              <a:rPr kumimoji="0" lang="ko-KR" altLang="en-US" sz="3200" b="0" i="0" u="none" strike="noStrike" kern="1200" cap="none" spc="0" normalizeH="0" baseline="0" noProof="0" dirty="0">
                 <a:ln>
                   <a:noFill/>
                 </a:ln>
@@ -22343,7 +22664,7 @@
               </a:rPr>
               <a:t>개발 내용</a:t>
             </a:r>
-            <a:endParaRPr kumimoji="0" lang="en-US" altLang="ko-KR" sz="3200" b="0" i="0" u="none" strike="noStrike" kern="1200" cap="none" spc="0" normalizeH="0" baseline="0" noProof="0">
+            <a:endParaRPr kumimoji="0" lang="en-US" altLang="ko-KR" sz="3200" b="0" i="0" u="none" strike="noStrike" kern="1200" cap="none" spc="0" normalizeH="0" baseline="0" noProof="0" dirty="0">
               <a:ln>
                 <a:noFill/>
               </a:ln>
@@ -22376,7 +22697,7 @@
               <a:tabLst/>
               <a:defRPr/>
             </a:pPr>
-            <a:endParaRPr kumimoji="0" lang="en-US" altLang="ko-KR" sz="3200" b="0" i="0" u="none" strike="noStrike" kern="1200" cap="none" spc="0" normalizeH="0" baseline="0" noProof="0">
+            <a:endParaRPr kumimoji="0" lang="en-US" altLang="ko-KR" sz="3200" b="0" i="0" u="none" strike="noStrike" kern="1200" cap="none" spc="0" normalizeH="0" baseline="0" noProof="0" dirty="0">
               <a:ln>
                 <a:noFill/>
               </a:ln>
@@ -22410,7 +22731,7 @@
               <a:defRPr/>
             </a:pPr>
             <a:r>
-              <a:rPr kumimoji="0" lang="en-US" altLang="ko-KR" sz="3200" b="0" i="0" u="none" strike="noStrike" kern="1200" cap="none" spc="0" normalizeH="0" baseline="0" noProof="0">
+              <a:rPr kumimoji="0" lang="en-US" altLang="ko-KR" sz="3200" b="0" i="0" u="none" strike="noStrike" kern="1200" cap="none" spc="0" normalizeH="0" baseline="0" noProof="0" dirty="0">
                 <a:ln>
                   <a:noFill/>
                 </a:ln>
@@ -22427,7 +22748,7 @@
               <a:t>6.</a:t>
             </a:r>
             <a:r>
-              <a:rPr kumimoji="0" lang="ko-KR" altLang="en-US" sz="3200" b="0" i="0" u="none" strike="noStrike" kern="1200" cap="none" spc="0" normalizeH="0" baseline="0" noProof="0">
+              <a:rPr kumimoji="0" lang="ko-KR" altLang="en-US" sz="3200" b="0" i="0" u="none" strike="noStrike" kern="1200" cap="none" spc="0" normalizeH="0" baseline="0" noProof="0" dirty="0">
                 <a:ln>
                   <a:noFill/>
                 </a:ln>
@@ -22443,7 +22764,7 @@
               </a:rPr>
               <a:t>개발 방법</a:t>
             </a:r>
-            <a:endParaRPr kumimoji="0" lang="en-US" altLang="ko-KR" sz="3200" b="0" i="0" u="none" strike="noStrike" kern="1200" cap="none" spc="0" normalizeH="0" baseline="0" noProof="0">
+            <a:endParaRPr kumimoji="0" lang="en-US" altLang="ko-KR" sz="3200" b="0" i="0" u="none" strike="noStrike" kern="1200" cap="none" spc="0" normalizeH="0" baseline="0" noProof="0" dirty="0">
               <a:ln>
                 <a:noFill/>
               </a:ln>
@@ -22476,7 +22797,7 @@
               <a:tabLst/>
               <a:defRPr/>
             </a:pPr>
-            <a:endParaRPr kumimoji="0" lang="en-US" altLang="ko-KR" sz="3200" b="0" i="0" u="none" strike="noStrike" kern="1200" cap="none" spc="0" normalizeH="0" baseline="0" noProof="0">
+            <a:endParaRPr kumimoji="0" lang="en-US" altLang="ko-KR" sz="3200" b="0" i="0" u="none" strike="noStrike" kern="1200" cap="none" spc="0" normalizeH="0" baseline="0" noProof="0" dirty="0">
               <a:ln>
                 <a:noFill/>
               </a:ln>
@@ -22510,7 +22831,7 @@
               <a:defRPr/>
             </a:pPr>
             <a:r>
-              <a:rPr kumimoji="0" lang="en-US" altLang="ko-KR" sz="3200" b="0" i="0" u="none" strike="noStrike" kern="1200" cap="none" spc="0" normalizeH="0" baseline="0" noProof="0">
+              <a:rPr kumimoji="0" lang="en-US" altLang="ko-KR" sz="3200" b="0" i="0" u="none" strike="noStrike" kern="1200" cap="none" spc="0" normalizeH="0" baseline="0" noProof="0" dirty="0">
                 <a:ln>
                   <a:noFill/>
                 </a:ln>
@@ -22527,7 +22848,7 @@
               <a:t>7.</a:t>
             </a:r>
             <a:r>
-              <a:rPr kumimoji="0" lang="ko-KR" altLang="en-US" sz="3200" b="0" i="0" u="none" strike="noStrike" kern="1200" cap="none" spc="0" normalizeH="0" baseline="0" noProof="0">
+              <a:rPr kumimoji="0" lang="ko-KR" altLang="en-US" sz="3200" b="0" i="0" u="none" strike="noStrike" kern="1200" cap="none" spc="0" normalizeH="0" baseline="0" noProof="0" dirty="0">
                 <a:ln>
                   <a:noFill/>
                 </a:ln>
@@ -22543,7 +22864,7 @@
               </a:rPr>
               <a:t>개발 환경</a:t>
             </a:r>
-            <a:endParaRPr kumimoji="0" lang="en-US" altLang="ko-KR" sz="3200" b="0" i="0" u="none" strike="noStrike" kern="1200" cap="none" spc="0" normalizeH="0" baseline="0" noProof="0">
+            <a:endParaRPr kumimoji="0" lang="en-US" altLang="ko-KR" sz="3200" b="0" i="0" u="none" strike="noStrike" kern="1200" cap="none" spc="0" normalizeH="0" baseline="0" noProof="0" dirty="0">
               <a:ln>
                 <a:noFill/>
               </a:ln>
@@ -22576,7 +22897,7 @@
               <a:tabLst/>
               <a:defRPr/>
             </a:pPr>
-            <a:endParaRPr kumimoji="0" lang="en-US" altLang="ko-KR" sz="3200" b="0" i="0" u="none" strike="noStrike" kern="1200" cap="none" spc="0" normalizeH="0" baseline="0" noProof="0">
+            <a:endParaRPr kumimoji="0" lang="en-US" altLang="ko-KR" sz="3200" b="0" i="0" u="none" strike="noStrike" kern="1200" cap="none" spc="0" normalizeH="0" baseline="0" noProof="0" dirty="0">
               <a:ln>
                 <a:noFill/>
               </a:ln>
@@ -22610,7 +22931,7 @@
               <a:defRPr/>
             </a:pPr>
             <a:r>
-              <a:rPr kumimoji="0" lang="en-US" altLang="ko-KR" sz="3200" b="0" i="0" u="none" strike="noStrike" kern="1200" cap="none" spc="0" normalizeH="0" baseline="0" noProof="0">
+              <a:rPr kumimoji="0" lang="en-US" altLang="ko-KR" sz="3200" b="0" i="0" u="none" strike="noStrike" kern="1200" cap="none" spc="0" normalizeH="0" baseline="0" noProof="0" dirty="0">
                 <a:ln>
                   <a:noFill/>
                 </a:ln>
@@ -22627,7 +22948,7 @@
               <a:t>8.</a:t>
             </a:r>
             <a:r>
-              <a:rPr kumimoji="0" lang="ko-KR" altLang="en-US" sz="3200" b="0" i="0" u="none" strike="noStrike" kern="1200" cap="none" spc="0" normalizeH="0" baseline="0" noProof="0">
+              <a:rPr kumimoji="0" lang="ko-KR" altLang="en-US" sz="3200" b="0" i="0" u="none" strike="noStrike" kern="1200" cap="none" spc="0" normalizeH="0" baseline="0" noProof="0" dirty="0">
                 <a:ln>
                   <a:noFill/>
                 </a:ln>
@@ -22643,7 +22964,7 @@
               </a:rPr>
               <a:t>개발 일정</a:t>
             </a:r>
-            <a:endParaRPr kumimoji="0" lang="en-US" altLang="ko-KR" sz="3200" b="0" i="0" u="none" strike="noStrike" kern="1200" cap="none" spc="0" normalizeH="0" baseline="0" noProof="0">
+            <a:endParaRPr kumimoji="0" lang="en-US" altLang="ko-KR" sz="3200" b="0" i="0" u="none" strike="noStrike" kern="1200" cap="none" spc="0" normalizeH="0" baseline="0" noProof="0" dirty="0">
               <a:ln>
                 <a:noFill/>
               </a:ln>
@@ -22676,7 +22997,7 @@
               <a:tabLst/>
               <a:defRPr/>
             </a:pPr>
-            <a:endParaRPr kumimoji="0" lang="en-US" altLang="ko-KR" sz="3200" b="0" i="0" u="none" strike="noStrike" kern="1200" cap="none" spc="0" normalizeH="0" baseline="0" noProof="0">
+            <a:endParaRPr kumimoji="0" lang="en-US" altLang="ko-KR" sz="3200" b="0" i="0" u="none" strike="noStrike" kern="1200" cap="none" spc="0" normalizeH="0" baseline="0" noProof="0" dirty="0">
               <a:ln>
                 <a:noFill/>
               </a:ln>
@@ -22710,7 +23031,7 @@
               <a:defRPr/>
             </a:pPr>
             <a:r>
-              <a:rPr kumimoji="0" lang="en-US" altLang="ko-KR" sz="3200" b="0" i="0" u="none" strike="noStrike" kern="1200" cap="none" spc="0" normalizeH="0" baseline="0" noProof="0">
+              <a:rPr kumimoji="0" lang="en-US" altLang="ko-KR" sz="3200" b="0" i="0" u="none" strike="noStrike" kern="1200" cap="none" spc="0" normalizeH="0" baseline="0" noProof="0" dirty="0">
                 <a:ln>
                   <a:noFill/>
                 </a:ln>
@@ -22727,7 +23048,7 @@
               <a:t>9.</a:t>
             </a:r>
             <a:r>
-              <a:rPr kumimoji="0" lang="ko-KR" altLang="en-US" sz="3200" b="0" i="0" u="none" strike="noStrike" kern="1200" cap="none" spc="0" normalizeH="0" baseline="0" noProof="0">
+              <a:rPr kumimoji="0" lang="ko-KR" altLang="en-US" sz="3200" b="0" i="0" u="none" strike="noStrike" kern="1200" cap="none" spc="0" normalizeH="0" baseline="0" noProof="0" dirty="0">
                 <a:ln>
                   <a:noFill/>
                 </a:ln>
@@ -22743,20 +23064,6 @@
               </a:rPr>
               <a:t>기대효과 및 활용</a:t>
             </a:r>
-            <a:endParaRPr kumimoji="0" lang="ko-KR" altLang="en-US" sz="3200" b="0" i="0" u="none" strike="noStrike" kern="1200" cap="none" spc="0" normalizeH="0" baseline="0" noProof="0" dirty="0">
-              <a:ln>
-                <a:noFill/>
-              </a:ln>
-              <a:solidFill>
-                <a:prstClr val="white"/>
-              </a:solidFill>
-              <a:effectLst/>
-              <a:uLnTx/>
-              <a:uFillTx/>
-              <a:latin typeface="휴먼매직체" panose="02030504000101010101" pitchFamily="18" charset="-127"/>
-              <a:ea typeface="휴먼매직체" panose="02030504000101010101" pitchFamily="18" charset="-127"/>
-              <a:cs typeface="+mn-cs"/>
-            </a:endParaRPr>
           </a:p>
         </p:txBody>
       </p:sp>
@@ -22860,7 +23167,34 @@
                 <a:latin typeface="휴먼매직체" panose="02030504000101010101" pitchFamily="18" charset="-127"/>
                 <a:ea typeface="휴먼매직체" panose="02030504000101010101" pitchFamily="18" charset="-127"/>
               </a:rPr>
-              <a:t>유사 사이트 분석 </a:t>
+              <a:t>유사 </a:t>
+            </a:r>
+            <a:r>
+              <a:rPr kumimoji="0" lang="ko-KR" altLang="en-US" sz="2800" b="0" i="0" u="none" strike="noStrike" kern="1200" cap="none" spc="0" normalizeH="0" baseline="0" noProof="0" dirty="0">
+                <a:ln>
+                  <a:noFill/>
+                </a:ln>
+                <a:solidFill>
+                  <a:prstClr val="white"/>
+                </a:solidFill>
+                <a:effectLst/>
+                <a:uLnTx/>
+                <a:uFillTx/>
+                <a:latin typeface="휴먼매직체" panose="02030504000101010101" pitchFamily="18" charset="-127"/>
+                <a:ea typeface="휴먼매직체" panose="02030504000101010101" pitchFamily="18" charset="-127"/>
+                <a:cs typeface="+mn-cs"/>
+              </a:rPr>
+              <a:t>어플</a:t>
+            </a:r>
+            <a:r>
+              <a:rPr lang="ko-KR" altLang="en-US" sz="2800" dirty="0">
+                <a:solidFill>
+                  <a:schemeClr val="bg1"/>
+                </a:solidFill>
+                <a:latin typeface="휴먼매직체" panose="02030504000101010101" pitchFamily="18" charset="-127"/>
+                <a:ea typeface="휴먼매직체" panose="02030504000101010101" pitchFamily="18" charset="-127"/>
+              </a:rPr>
+              <a:t> 분석 </a:t>
             </a:r>
             <a:r>
               <a:rPr lang="en-US" altLang="ko-KR" sz="2800" dirty="0">
@@ -24795,7 +25129,34 @@
                 <a:latin typeface="휴먼매직체" panose="02030504000101010101" pitchFamily="18" charset="-127"/>
                 <a:ea typeface="휴먼매직체" panose="02030504000101010101" pitchFamily="18" charset="-127"/>
               </a:rPr>
-              <a:t>유사 사이트 분석 </a:t>
+              <a:t>유사 </a:t>
+            </a:r>
+            <a:r>
+              <a:rPr kumimoji="0" lang="ko-KR" altLang="en-US" sz="2800" b="0" i="0" u="none" strike="noStrike" kern="1200" cap="none" spc="0" normalizeH="0" baseline="0" noProof="0" dirty="0">
+                <a:ln>
+                  <a:noFill/>
+                </a:ln>
+                <a:solidFill>
+                  <a:prstClr val="white"/>
+                </a:solidFill>
+                <a:effectLst/>
+                <a:uLnTx/>
+                <a:uFillTx/>
+                <a:latin typeface="휴먼매직체" panose="02030504000101010101" pitchFamily="18" charset="-127"/>
+                <a:ea typeface="휴먼매직체" panose="02030504000101010101" pitchFamily="18" charset="-127"/>
+                <a:cs typeface="+mn-cs"/>
+              </a:rPr>
+              <a:t>어플</a:t>
+            </a:r>
+            <a:r>
+              <a:rPr lang="ko-KR" altLang="en-US" sz="2800" dirty="0">
+                <a:solidFill>
+                  <a:schemeClr val="bg1"/>
+                </a:solidFill>
+                <a:latin typeface="휴먼매직체" panose="02030504000101010101" pitchFamily="18" charset="-127"/>
+                <a:ea typeface="휴먼매직체" panose="02030504000101010101" pitchFamily="18" charset="-127"/>
+              </a:rPr>
+              <a:t> 분석 </a:t>
             </a:r>
             <a:r>
               <a:rPr lang="en-US" altLang="ko-KR" sz="2800" dirty="0">
@@ -25911,7 +26272,7 @@
                 <a:ea typeface="휴먼매직체" panose="02030504000101010101" pitchFamily="18" charset="-127"/>
                 <a:cs typeface="+mn-cs"/>
               </a:rPr>
-              <a:t>유사 사이트 분석 </a:t>
+              <a:t>유사 어플 분석 </a:t>
             </a:r>
             <a:r>
               <a:rPr kumimoji="0" lang="en-US" altLang="ko-KR" sz="2800" b="0" i="0" u="none" strike="noStrike" kern="1200" cap="none" spc="0" normalizeH="0" baseline="0" noProof="0" dirty="0">
@@ -27906,6 +28267,26 @@
           <a:p>
             <a:pPr algn="ctr"/>
             <a:r>
+              <a:rPr lang="en-US" altLang="ko-KR" sz="2000" dirty="0" err="1">
+                <a:solidFill>
+                  <a:schemeClr val="accent1"/>
+                </a:solidFill>
+                <a:latin typeface="휴먼매직체" panose="02030504000101010101" pitchFamily="18" charset="-127"/>
+                <a:ea typeface="휴먼매직체" panose="02030504000101010101" pitchFamily="18" charset="-127"/>
+              </a:rPr>
+              <a:t>Inbody</a:t>
+            </a:r>
+            <a:r>
+              <a:rPr lang="en-US" altLang="ko-KR" sz="2000" dirty="0">
+                <a:solidFill>
+                  <a:schemeClr val="accent1"/>
+                </a:solidFill>
+                <a:latin typeface="휴먼매직체" panose="02030504000101010101" pitchFamily="18" charset="-127"/>
+                <a:ea typeface="휴먼매직체" panose="02030504000101010101" pitchFamily="18" charset="-127"/>
+              </a:rPr>
+              <a:t> Cloud Server </a:t>
+            </a:r>
+            <a:r>
               <a:rPr lang="ko-KR" altLang="en-US" sz="2000" dirty="0">
                 <a:solidFill>
                   <a:schemeClr val="accent1"/>
@@ -27913,37 +28294,7 @@
                 <a:latin typeface="휴먼매직체" panose="02030504000101010101" pitchFamily="18" charset="-127"/>
                 <a:ea typeface="휴먼매직체" panose="02030504000101010101" pitchFamily="18" charset="-127"/>
               </a:rPr>
-              <a:t>보건소 모바일 헬스케어 </a:t>
-            </a:r>
-            <a:r>
-              <a:rPr lang="en-US" altLang="ko-KR" sz="2000" dirty="0">
-                <a:solidFill>
-                  <a:schemeClr val="accent1"/>
-                </a:solidFill>
-                <a:latin typeface="휴먼매직체" panose="02030504000101010101" pitchFamily="18" charset="-127"/>
-                <a:ea typeface="휴먼매직체" panose="02030504000101010101" pitchFamily="18" charset="-127"/>
-              </a:rPr>
-              <a:t>open </a:t>
-            </a:r>
-            <a:r>
-              <a:rPr lang="en-US" altLang="ko-KR" sz="2000" dirty="0" err="1">
-                <a:solidFill>
-                  <a:schemeClr val="accent1"/>
-                </a:solidFill>
-                <a:latin typeface="휴먼매직체" panose="02030504000101010101" pitchFamily="18" charset="-127"/>
-                <a:ea typeface="휴먼매직체" panose="02030504000101010101" pitchFamily="18" charset="-127"/>
-              </a:rPr>
-              <a:t>api</a:t>
-            </a:r>
-            <a:r>
-              <a:rPr lang="ko-KR" altLang="en-US" sz="2000" dirty="0">
-                <a:solidFill>
-                  <a:schemeClr val="accent1"/>
-                </a:solidFill>
-                <a:latin typeface="휴먼매직체" panose="02030504000101010101" pitchFamily="18" charset="-127"/>
-                <a:ea typeface="휴먼매직체" panose="02030504000101010101" pitchFamily="18" charset="-127"/>
-              </a:rPr>
-              <a:t>로 체성분계 연동</a:t>
+              <a:t>연동</a:t>
             </a:r>
             <a:endParaRPr lang="en-US" altLang="ko-KR" sz="2000" dirty="0">
               <a:solidFill>
@@ -27983,7 +28334,7 @@
                 <a:latin typeface="휴먼매직체" panose="02030504000101010101" pitchFamily="18" charset="-127"/>
                 <a:ea typeface="휴먼매직체" panose="02030504000101010101" pitchFamily="18" charset="-127"/>
               </a:rPr>
-              <a:t>측정된 </a:t>
+              <a:t>서버에 저장된 </a:t>
             </a:r>
             <a:r>
               <a:rPr lang="ko-KR" altLang="en-US" sz="2000" dirty="0" err="1">
@@ -28003,7 +28354,7 @@
                 <a:latin typeface="휴먼매직체" panose="02030504000101010101" pitchFamily="18" charset="-127"/>
                 <a:ea typeface="휴먼매직체" panose="02030504000101010101" pitchFamily="18" charset="-127"/>
               </a:rPr>
-              <a:t> 기록</a:t>
+              <a:t> 데이터 연동</a:t>
             </a:r>
           </a:p>
         </p:txBody>
@@ -28064,7 +28415,7 @@
                 <a:latin typeface="휴먼매직체" panose="02030504000101010101" pitchFamily="18" charset="-127"/>
                 <a:ea typeface="휴먼매직체" panose="02030504000101010101" pitchFamily="18" charset="-127"/>
               </a:rPr>
-              <a:t>측정된 체성분에 따라 필요 섭취량 조절</a:t>
+              <a:t>체성분에 따라 필요한 섭취량 조절</a:t>
             </a:r>
           </a:p>
         </p:txBody>
@@ -32682,7 +33033,9 @@
               </a:ext>
             </a:extLst>
           </p:cNvPr>
-          <p:cNvSpPr txBox="1"/>
+          <p:cNvSpPr txBox="1">
+            <a:spLocks noGrp="1" noRot="1" noMove="1" noResize="1" noEditPoints="1" noAdjustHandles="1" noChangeArrowheads="1" noChangeShapeType="1"/>
+          </p:cNvSpPr>
           <p:nvPr/>
         </p:nvSpPr>
         <p:spPr>
@@ -32719,7 +33072,7 @@
               <a:defRPr/>
             </a:pPr>
             <a:r>
-              <a:rPr kumimoji="0" lang="en-US" altLang="ko-KR" sz="3200" b="0" i="0" u="none" strike="noStrike" kern="1200" cap="none" spc="0" normalizeH="0" baseline="0" noProof="0">
+              <a:rPr kumimoji="0" lang="en-US" altLang="ko-KR" sz="3200" b="0" i="0" u="none" strike="noStrike" kern="1200" cap="none" spc="0" normalizeH="0" baseline="0" noProof="0" dirty="0">
                 <a:ln>
                   <a:noFill/>
                 </a:ln>
@@ -32736,7 +33089,7 @@
               <a:t>“</a:t>
             </a:r>
             <a:r>
-              <a:rPr kumimoji="0" lang="ko-KR" altLang="en-US" sz="3200" b="1" i="0" u="none" strike="noStrike" kern="1200" cap="none" spc="0" normalizeH="0" baseline="0" noProof="0">
+              <a:rPr kumimoji="0" lang="ko-KR" altLang="en-US" sz="3200" b="1" i="0" u="none" strike="noStrike" kern="1200" cap="none" spc="0" normalizeH="0" baseline="0" noProof="0" dirty="0">
                 <a:ln>
                   <a:noFill/>
                 </a:ln>
@@ -32753,7 +33106,7 @@
               <a:t>오늘도 나 배가 고프다</a:t>
             </a:r>
             <a:r>
-              <a:rPr kumimoji="0" lang="en-US" altLang="ko-KR" sz="3200" b="0" i="0" u="none" strike="noStrike" kern="1200" cap="none" spc="0" normalizeH="0" baseline="0" noProof="0">
+              <a:rPr kumimoji="0" lang="en-US" altLang="ko-KR" sz="3200" b="0" i="0" u="none" strike="noStrike" kern="1200" cap="none" spc="0" normalizeH="0" baseline="0" noProof="0" dirty="0">
                 <a:ln>
                   <a:noFill/>
                 </a:ln>
@@ -32770,7 +33123,7 @@
               <a:t>”</a:t>
             </a:r>
             <a:r>
-              <a:rPr kumimoji="0" lang="ko-KR" altLang="en-US" sz="3200" b="0" i="0" u="none" strike="noStrike" kern="1200" cap="none" spc="0" normalizeH="0" baseline="0" noProof="0">
+              <a:rPr kumimoji="0" lang="ko-KR" altLang="en-US" sz="3200" b="0" i="0" u="none" strike="noStrike" kern="1200" cap="none" spc="0" normalizeH="0" baseline="0" noProof="0" dirty="0">
                 <a:ln>
                   <a:noFill/>
                 </a:ln>
@@ -32787,7 +33140,7 @@
               <a:t> 어플은</a:t>
             </a:r>
             <a:r>
-              <a:rPr kumimoji="0" lang="en-US" altLang="ko-KR" sz="3200" b="0" i="0" u="none" strike="noStrike" kern="1200" cap="none" spc="0" normalizeH="0" baseline="0" noProof="0">
+              <a:rPr kumimoji="0" lang="en-US" altLang="ko-KR" sz="3200" b="0" i="0" u="none" strike="noStrike" kern="1200" cap="none" spc="0" normalizeH="0" baseline="0" noProof="0" dirty="0">
                 <a:ln>
                   <a:noFill/>
                 </a:ln>
@@ -32829,7 +33182,9 @@
               </a:ext>
             </a:extLst>
           </p:cNvPr>
-          <p:cNvGrpSpPr/>
+          <p:cNvGrpSpPr>
+            <a:grpSpLocks noGrp="1" noUngrp="1" noRot="1" noMove="1" noResize="1"/>
+          </p:cNvGrpSpPr>
           <p:nvPr/>
         </p:nvGrpSpPr>
         <p:grpSpPr>
@@ -32849,7 +33204,9 @@
                 </a:ext>
               </a:extLst>
             </p:cNvPr>
-            <p:cNvSpPr/>
+            <p:cNvSpPr>
+              <a:spLocks noGrp="1" noRot="1" noMove="1" noResize="1" noEditPoints="1" noAdjustHandles="1" noChangeArrowheads="1" noChangeShapeType="1"/>
+            </p:cNvSpPr>
             <p:nvPr/>
           </p:nvSpPr>
           <p:spPr>
@@ -32930,7 +33287,7 @@
               </a:extLst>
             </p:cNvPr>
             <p:cNvSpPr txBox="1">
-              <a:spLocks/>
+              <a:spLocks noGrp="1" noRot="1" noMove="1" noResize="1" noEditPoints="1" noAdjustHandles="1" noChangeArrowheads="1" noChangeShapeType="1"/>
             </p:cNvSpPr>
             <p:nvPr/>
           </p:nvSpPr>
@@ -33218,13 +33575,15 @@
               </a:ext>
             </a:extLst>
           </p:cNvPr>
-          <p:cNvSpPr txBox="1"/>
+          <p:cNvSpPr txBox="1">
+            <a:spLocks noGrp="1" noRot="1" noMove="1" noResize="1" noEditPoints="1" noAdjustHandles="1" noChangeArrowheads="1" noChangeShapeType="1"/>
+          </p:cNvSpPr>
           <p:nvPr/>
         </p:nvSpPr>
         <p:spPr>
           <a:xfrm>
             <a:off x="274320" y="294640"/>
-            <a:ext cx="1037463" cy="523220"/>
+            <a:ext cx="2569548" cy="523220"/>
           </a:xfrm>
           <a:prstGeom prst="rect">
             <a:avLst/>
@@ -33232,7 +33591,7 @@
           <a:noFill/>
         </p:spPr>
         <p:txBody>
-          <a:bodyPr wrap="none" rtlCol="0">
+          <a:bodyPr wrap="square" rtlCol="0">
             <a:spAutoFit/>
           </a:bodyPr>
           <a:lstStyle/>
@@ -33255,7 +33614,7 @@
               <a:defRPr/>
             </a:pPr>
             <a:r>
-              <a:rPr kumimoji="0" lang="en-US" altLang="ko-KR" sz="2800" b="0" i="0" u="none" strike="noStrike" kern="1200" cap="none" spc="0" normalizeH="0" baseline="0" noProof="0">
+              <a:rPr kumimoji="0" lang="en-US" altLang="ko-KR" sz="2800" b="0" i="0" u="none" strike="noStrike" kern="1200" cap="none" spc="0" normalizeH="0" baseline="0" noProof="0" dirty="0">
                 <a:ln>
                   <a:noFill/>
                 </a:ln>
@@ -33272,7 +33631,7 @@
               <a:t>1.</a:t>
             </a:r>
             <a:r>
-              <a:rPr kumimoji="0" lang="ko-KR" altLang="en-US" sz="2800" b="0" i="0" u="none" strike="noStrike" kern="1200" cap="none" spc="0" normalizeH="0" baseline="0" noProof="0">
+              <a:rPr kumimoji="0" lang="ko-KR" altLang="en-US" sz="2800" b="0" i="0" u="none" strike="noStrike" kern="1200" cap="none" spc="0" normalizeH="0" baseline="0" noProof="0" dirty="0">
                 <a:ln>
                   <a:noFill/>
                 </a:ln>
@@ -33286,7 +33645,58 @@
                 <a:ea typeface="휴먼매직체" panose="02030504000101010101" pitchFamily="18" charset="-127"/>
                 <a:cs typeface="+mn-cs"/>
               </a:rPr>
-              <a:t>개요</a:t>
+              <a:t>개요 </a:t>
+            </a:r>
+            <a:r>
+              <a:rPr kumimoji="0" lang="en-US" altLang="ko-KR" sz="2800" b="0" i="0" u="none" strike="noStrike" kern="1200" cap="none" spc="0" normalizeH="0" baseline="0" noProof="0" dirty="0">
+                <a:ln>
+                  <a:noFill/>
+                </a:ln>
+                <a:solidFill>
+                  <a:prstClr val="white"/>
+                </a:solidFill>
+                <a:effectLst/>
+                <a:uLnTx/>
+                <a:uFillTx/>
+                <a:latin typeface="휴먼매직체" panose="02030504000101010101" pitchFamily="18" charset="-127"/>
+                <a:ea typeface="휴먼매직체" panose="02030504000101010101" pitchFamily="18" charset="-127"/>
+                <a:cs typeface="+mn-cs"/>
+              </a:rPr>
+              <a:t>(</a:t>
+            </a:r>
+            <a:r>
+              <a:rPr kumimoji="0" lang="ko-KR" altLang="en-US" sz="2800" b="0" i="0" u="none" strike="noStrike" kern="1200" cap="none" spc="0" normalizeH="0" baseline="0" noProof="0" dirty="0" err="1">
+                <a:ln>
+                  <a:noFill/>
+                </a:ln>
+                <a:solidFill>
+                  <a:prstClr val="white"/>
+                </a:solidFill>
+                <a:effectLst/>
+                <a:uLnTx/>
+                <a:uFillTx/>
+                <a:latin typeface="휴먼매직체" panose="02030504000101010101" pitchFamily="18" charset="-127"/>
+                <a:ea typeface="휴먼매직체" panose="02030504000101010101" pitchFamily="18" charset="-127"/>
+                <a:cs typeface="+mn-cs"/>
+              </a:rPr>
+              <a:t>윤시현</a:t>
+            </a:r>
+            <a:r>
+              <a:rPr kumimoji="0" lang="en-US" altLang="ko-KR" sz="2800" b="0" i="0" u="none" strike="noStrike" kern="1200" cap="none" spc="0" normalizeH="0" baseline="0" noProof="0" dirty="0">
+                <a:ln>
+                  <a:noFill/>
+                </a:ln>
+                <a:solidFill>
+                  <a:prstClr val="white"/>
+                </a:solidFill>
+                <a:effectLst/>
+                <a:uLnTx/>
+                <a:uFillTx/>
+                <a:latin typeface="휴먼매직체" panose="02030504000101010101" pitchFamily="18" charset="-127"/>
+                <a:ea typeface="휴먼매직체" panose="02030504000101010101" pitchFamily="18" charset="-127"/>
+                <a:cs typeface="+mn-cs"/>
+              </a:rPr>
+              <a:t>)</a:t>
             </a:r>
             <a:endParaRPr kumimoji="0" lang="ko-KR" altLang="en-US" sz="2800" b="0" i="0" u="none" strike="noStrike" kern="1200" cap="none" spc="0" normalizeH="0" baseline="0" noProof="0" dirty="0">
               <a:ln>
@@ -33315,7 +33725,7 @@
             </a:extLst>
           </p:cNvPr>
           <p:cNvPicPr>
-            <a:picLocks noChangeAspect="1"/>
+            <a:picLocks noGrp="1" noRot="1" noChangeAspect="1" noMove="1" noResize="1" noEditPoints="1" noAdjustHandles="1" noChangeArrowheads="1" noChangeShapeType="1" noCrop="1"/>
           </p:cNvPicPr>
           <p:nvPr/>
         </p:nvPicPr>
@@ -33354,7 +33764,7 @@
             </a:extLst>
           </p:cNvPr>
           <p:cNvPicPr>
-            <a:picLocks noChangeAspect="1"/>
+            <a:picLocks noGrp="1" noRot="1" noChangeAspect="1" noMove="1" noResize="1" noEditPoints="1" noAdjustHandles="1" noChangeArrowheads="1" noChangeShapeType="1" noCrop="1"/>
           </p:cNvPicPr>
           <p:nvPr/>
         </p:nvPicPr>
@@ -33393,7 +33803,7 @@
             </a:extLst>
           </p:cNvPr>
           <p:cNvPicPr>
-            <a:picLocks noChangeAspect="1"/>
+            <a:picLocks noGrp="1" noRot="1" noChangeAspect="1" noMove="1" noResize="1" noEditPoints="1" noAdjustHandles="1" noChangeArrowheads="1" noChangeShapeType="1" noCrop="1"/>
           </p:cNvPicPr>
           <p:nvPr/>
         </p:nvPicPr>
@@ -33432,7 +33842,7 @@
             </a:extLst>
           </p:cNvPr>
           <p:cNvPicPr>
-            <a:picLocks noChangeAspect="1"/>
+            <a:picLocks noGrp="1" noRot="1" noChangeAspect="1" noMove="1" noResize="1" noEditPoints="1" noAdjustHandles="1" noChangeArrowheads="1" noChangeShapeType="1" noCrop="1"/>
           </p:cNvPicPr>
           <p:nvPr/>
         </p:nvPicPr>
@@ -33471,7 +33881,7 @@
             </a:extLst>
           </p:cNvPr>
           <p:cNvPicPr>
-            <a:picLocks noChangeAspect="1"/>
+            <a:picLocks noGrp="1" noRot="1" noChangeAspect="1" noMove="1" noResize="1" noEditPoints="1" noAdjustHandles="1" noChangeArrowheads="1" noChangeShapeType="1" noCrop="1"/>
           </p:cNvPicPr>
           <p:nvPr/>
         </p:nvPicPr>
@@ -33510,7 +33920,7 @@
             </a:extLst>
           </p:cNvPr>
           <p:cNvPicPr>
-            <a:picLocks noChangeAspect="1"/>
+            <a:picLocks noGrp="1" noRot="1" noChangeAspect="1" noMove="1" noResize="1" noEditPoints="1" noAdjustHandles="1" noChangeArrowheads="1" noChangeShapeType="1" noCrop="1"/>
           </p:cNvPicPr>
           <p:nvPr/>
         </p:nvPicPr>
@@ -33549,7 +33959,7 @@
             </a:extLst>
           </p:cNvPr>
           <p:cNvSpPr txBox="1">
-            <a:spLocks/>
+            <a:spLocks noGrp="1" noRot="1" noMove="1" noResize="1" noEditPoints="1" noAdjustHandles="1" noChangeArrowheads="1" noChangeShapeType="1"/>
           </p:cNvSpPr>
           <p:nvPr/>
         </p:nvSpPr>
@@ -38274,8 +38684,8 @@
         </p:nvSpPr>
         <p:spPr>
           <a:xfrm>
-            <a:off x="329610" y="111525"/>
-            <a:ext cx="2172390" cy="523220"/>
+            <a:off x="329609" y="111525"/>
+            <a:ext cx="4082999" cy="523220"/>
           </a:xfrm>
           <a:prstGeom prst="rect">
             <a:avLst/>
@@ -38283,7 +38693,7 @@
           <a:noFill/>
         </p:spPr>
         <p:txBody>
-          <a:bodyPr wrap="none" rtlCol="0">
+          <a:bodyPr wrap="square" rtlCol="0">
             <a:spAutoFit/>
           </a:bodyPr>
           <a:lstStyle/>
@@ -38306,7 +38716,7 @@
               <a:defRPr/>
             </a:pPr>
             <a:r>
-              <a:rPr kumimoji="0" lang="en-US" altLang="ko-KR" sz="2800" b="0" i="0" u="none" strike="noStrike" kern="1200" cap="none" spc="-300" normalizeH="0" baseline="0" noProof="0">
+              <a:rPr kumimoji="0" lang="en-US" altLang="ko-KR" sz="2800" b="0" i="0" u="none" strike="noStrike" kern="1200" cap="none" spc="-300" normalizeH="0" baseline="0" noProof="0" dirty="0">
                 <a:ln>
                   <a:noFill/>
                 </a:ln>
@@ -38326,7 +38736,7 @@
               <a:t>2.</a:t>
             </a:r>
             <a:r>
-              <a:rPr kumimoji="0" lang="ko-KR" altLang="en-US" sz="2800" b="0" i="0" u="none" strike="noStrike" kern="1200" cap="none" spc="-300" normalizeH="0" baseline="0" noProof="0">
+              <a:rPr kumimoji="0" lang="ko-KR" altLang="en-US" sz="2800" b="0" i="0" u="none" strike="noStrike" kern="1200" cap="none" spc="-300" normalizeH="0" baseline="0" noProof="0" dirty="0">
                 <a:ln>
                   <a:noFill/>
                 </a:ln>
@@ -38343,7 +38753,67 @@
                 <a:ea typeface="휴먼매직체" panose="02030504000101010101" pitchFamily="18" charset="-127"/>
                 <a:cs typeface="+mn-cs"/>
               </a:rPr>
-              <a:t> 배경 및 필요성</a:t>
+              <a:t> 배경 및 필요성 </a:t>
+            </a:r>
+            <a:r>
+              <a:rPr kumimoji="0" lang="en-US" altLang="ko-KR" sz="2800" b="0" i="0" u="none" strike="noStrike" kern="1200" cap="none" spc="-300" normalizeH="0" baseline="0" noProof="0" dirty="0">
+                <a:ln>
+                  <a:noFill/>
+                </a:ln>
+                <a:solidFill>
+                  <a:prstClr val="black">
+                    <a:lumMod val="85000"/>
+                    <a:lumOff val="15000"/>
+                  </a:prstClr>
+                </a:solidFill>
+                <a:effectLst/>
+                <a:uLnTx/>
+                <a:uFillTx/>
+                <a:latin typeface="휴먼매직체" panose="02030504000101010101" pitchFamily="18" charset="-127"/>
+                <a:ea typeface="휴먼매직체" panose="02030504000101010101" pitchFamily="18" charset="-127"/>
+                <a:cs typeface="+mn-cs"/>
+              </a:rPr>
+              <a:t>(</a:t>
+            </a:r>
+            <a:r>
+              <a:rPr kumimoji="0" lang="ko-KR" altLang="en-US" sz="2800" b="0" i="0" u="none" strike="noStrike" kern="1200" cap="none" spc="-300" normalizeH="0" baseline="0" noProof="0" dirty="0" err="1">
+                <a:ln>
+                  <a:noFill/>
+                </a:ln>
+                <a:solidFill>
+                  <a:prstClr val="black">
+                    <a:lumMod val="85000"/>
+                    <a:lumOff val="15000"/>
+                  </a:prstClr>
+                </a:solidFill>
+                <a:effectLst/>
+                <a:uLnTx/>
+                <a:uFillTx/>
+                <a:latin typeface="휴먼매직체" panose="02030504000101010101" pitchFamily="18" charset="-127"/>
+                <a:ea typeface="휴먼매직체" panose="02030504000101010101" pitchFamily="18" charset="-127"/>
+                <a:cs typeface="+mn-cs"/>
+              </a:rPr>
+              <a:t>윤시현</a:t>
+            </a:r>
+            <a:r>
+              <a:rPr kumimoji="0" lang="en-US" altLang="ko-KR" sz="2800" b="0" i="0" u="none" strike="noStrike" kern="1200" cap="none" spc="-300" normalizeH="0" baseline="0" noProof="0" dirty="0">
+                <a:ln>
+                  <a:noFill/>
+                </a:ln>
+                <a:solidFill>
+                  <a:prstClr val="black">
+                    <a:lumMod val="85000"/>
+                    <a:lumOff val="15000"/>
+                  </a:prstClr>
+                </a:solidFill>
+                <a:effectLst/>
+                <a:uLnTx/>
+                <a:uFillTx/>
+                <a:latin typeface="휴먼매직체" panose="02030504000101010101" pitchFamily="18" charset="-127"/>
+                <a:ea typeface="휴먼매직체" panose="02030504000101010101" pitchFamily="18" charset="-127"/>
+                <a:cs typeface="+mn-cs"/>
+              </a:rPr>
+              <a:t>)</a:t>
             </a:r>
             <a:endParaRPr kumimoji="0" lang="ko-KR" altLang="en-US" sz="2800" b="0" i="0" u="none" strike="noStrike" kern="1200" cap="none" spc="-300" normalizeH="0" baseline="0" noProof="0" dirty="0">
               <a:ln>
@@ -38664,7 +39134,7 @@
               <a:tabLst/>
               <a:defRPr/>
             </a:pPr>
-            <a:endParaRPr kumimoji="0" lang="en-US" altLang="ko-KR" sz="2000" b="1" i="0" u="none" strike="noStrike" kern="1200" cap="none" spc="0" normalizeH="0" baseline="0" noProof="0">
+            <a:endParaRPr kumimoji="0" lang="en-US" altLang="ko-KR" sz="2000" b="1" i="0" u="none" strike="noStrike" kern="1200" cap="none" spc="0" normalizeH="0" baseline="0" noProof="0" dirty="0">
               <a:ln>
                 <a:noFill/>
               </a:ln>
@@ -38698,7 +39168,7 @@
               <a:defRPr/>
             </a:pPr>
             <a:r>
-              <a:rPr kumimoji="0" lang="en-US" altLang="ko-KR" sz="2000" b="1" i="0" u="none" strike="noStrike" kern="1200" cap="none" spc="0" normalizeH="0" baseline="0" noProof="0">
+              <a:rPr kumimoji="0" lang="en-US" altLang="ko-KR" sz="2000" b="1" i="0" u="none" strike="noStrike" kern="1200" cap="none" spc="0" normalizeH="0" baseline="0" noProof="0" dirty="0">
                 <a:ln>
                   <a:noFill/>
                 </a:ln>
@@ -38715,7 +39185,7 @@
               <a:t>“</a:t>
             </a:r>
             <a:r>
-              <a:rPr kumimoji="0" lang="ko-KR" altLang="en-US" sz="2000" b="1" i="0" u="none" strike="noStrike" kern="1200" cap="none" spc="0" normalizeH="0" baseline="0" noProof="0">
+              <a:rPr kumimoji="0" lang="ko-KR" altLang="en-US" sz="2000" b="1" i="0" u="none" strike="noStrike" kern="1200" cap="none" spc="0" normalizeH="0" baseline="0" noProof="0" dirty="0">
                 <a:ln>
                   <a:noFill/>
                 </a:ln>
@@ -38732,7 +39202,7 @@
               <a:t>코로나</a:t>
             </a:r>
             <a:r>
-              <a:rPr kumimoji="0" lang="en-US" altLang="ko-KR" sz="2000" b="1" i="0" u="none" strike="noStrike" kern="1200" cap="none" spc="0" normalizeH="0" baseline="0" noProof="0">
+              <a:rPr kumimoji="0" lang="en-US" altLang="ko-KR" sz="2000" b="1" i="0" u="none" strike="noStrike" kern="1200" cap="none" spc="0" normalizeH="0" baseline="0" noProof="0" dirty="0">
                 <a:ln>
                   <a:noFill/>
                 </a:ln>
@@ -38749,7 +39219,7 @@
               <a:t>19</a:t>
             </a:r>
             <a:r>
-              <a:rPr kumimoji="0" lang="ko-KR" altLang="en-US" sz="2000" b="1" i="0" u="none" strike="noStrike" kern="1200" cap="none" spc="0" normalizeH="0" baseline="0" noProof="0">
+              <a:rPr kumimoji="0" lang="ko-KR" altLang="en-US" sz="2000" b="1" i="0" u="none" strike="noStrike" kern="1200" cap="none" spc="0" normalizeH="0" baseline="0" noProof="0" dirty="0">
                 <a:ln>
                   <a:noFill/>
                 </a:ln>
@@ -38766,7 +39236,7 @@
               <a:t>의 역설</a:t>
             </a:r>
             <a:r>
-              <a:rPr kumimoji="0" lang="en-US" altLang="ko-KR" sz="2000" b="1" i="0" u="none" strike="noStrike" kern="1200" cap="none" spc="0" normalizeH="0" baseline="0" noProof="0">
+              <a:rPr kumimoji="0" lang="en-US" altLang="ko-KR" sz="2000" b="1" i="0" u="none" strike="noStrike" kern="1200" cap="none" spc="0" normalizeH="0" baseline="0" noProof="0" dirty="0">
                 <a:ln>
                   <a:noFill/>
                 </a:ln>
@@ -38783,7 +39253,7 @@
               <a:t>...</a:t>
             </a:r>
             <a:r>
-              <a:rPr kumimoji="0" lang="ko-KR" altLang="en-US" sz="2000" b="1" i="0" u="none" strike="noStrike" kern="1200" cap="none" spc="0" normalizeH="0" baseline="0" noProof="0">
+              <a:rPr kumimoji="0" lang="ko-KR" altLang="en-US" sz="2000" b="1" i="0" u="none" strike="noStrike" kern="1200" cap="none" spc="0" normalizeH="0" baseline="0" noProof="0" dirty="0">
                 <a:ln>
                   <a:noFill/>
                 </a:ln>
@@ -38800,7 +39270,7 @@
               <a:t>운동</a:t>
             </a:r>
             <a:r>
-              <a:rPr kumimoji="0" lang="en-US" altLang="ko-KR" sz="2000" b="1" i="0" u="none" strike="noStrike" kern="1200" cap="none" spc="0" normalizeH="0" baseline="0" noProof="0">
+              <a:rPr kumimoji="0" lang="en-US" altLang="ko-KR" sz="2000" b="1" i="0" u="none" strike="noStrike" kern="1200" cap="none" spc="0" normalizeH="0" baseline="0" noProof="0" dirty="0">
                 <a:ln>
                   <a:noFill/>
                 </a:ln>
@@ -38817,7 +39287,7 @@
               <a:t>, </a:t>
             </a:r>
             <a:r>
-              <a:rPr kumimoji="0" lang="ko-KR" altLang="en-US" sz="2000" b="1" i="0" u="none" strike="noStrike" kern="1200" cap="none" spc="0" normalizeH="0" baseline="0" noProof="0">
+              <a:rPr kumimoji="0" lang="ko-KR" altLang="en-US" sz="2000" b="1" i="0" u="none" strike="noStrike" kern="1200" cap="none" spc="0" normalizeH="0" baseline="0" noProof="0" dirty="0">
                 <a:ln>
                   <a:noFill/>
                 </a:ln>
@@ -38834,7 +39304,7 @@
               <a:t>다이어트족 늘어</a:t>
             </a:r>
             <a:r>
-              <a:rPr kumimoji="0" lang="en-US" altLang="ko-KR" sz="2000" b="1" i="0" u="none" strike="noStrike" kern="1200" cap="none" spc="0" normalizeH="0" baseline="0" noProof="0">
+              <a:rPr kumimoji="0" lang="en-US" altLang="ko-KR" sz="2000" b="1" i="0" u="none" strike="noStrike" kern="1200" cap="none" spc="0" normalizeH="0" baseline="0" noProof="0" dirty="0">
                 <a:ln>
                   <a:noFill/>
                 </a:ln>
@@ -38869,7 +39339,7 @@
               <a:tabLst/>
               <a:defRPr/>
             </a:pPr>
-            <a:endParaRPr kumimoji="0" lang="en-US" altLang="ko-KR" sz="2000" b="1" i="0" u="none" strike="noStrike" kern="1200" cap="none" spc="0" normalizeH="0" baseline="0" noProof="0">
+            <a:endParaRPr kumimoji="0" lang="en-US" altLang="ko-KR" sz="2000" b="1" i="0" u="none" strike="noStrike" kern="1200" cap="none" spc="0" normalizeH="0" baseline="0" noProof="0" dirty="0">
               <a:ln>
                 <a:noFill/>
               </a:ln>
@@ -38902,7 +39372,7 @@
               <a:tabLst/>
               <a:defRPr/>
             </a:pPr>
-            <a:endParaRPr kumimoji="0" lang="ko-KR" altLang="en-US" sz="2000" b="1" i="0" u="none" strike="noStrike" kern="1200" cap="none" spc="0" normalizeH="0" baseline="0" noProof="0">
+            <a:endParaRPr kumimoji="0" lang="ko-KR" altLang="en-US" sz="2000" b="1" i="0" u="none" strike="noStrike" kern="1200" cap="none" spc="0" normalizeH="0" baseline="0" noProof="0" dirty="0">
               <a:ln>
                 <a:noFill/>
               </a:ln>
@@ -38936,7 +39406,7 @@
               <a:defRPr/>
             </a:pPr>
             <a:r>
-              <a:rPr kumimoji="0" lang="ko-KR" altLang="en-US" sz="2000" b="0" i="0" u="none" strike="noStrike" kern="1200" cap="none" spc="0" normalizeH="0" baseline="0" noProof="0">
+              <a:rPr kumimoji="0" lang="ko-KR" altLang="en-US" sz="2000" b="0" i="0" u="none" strike="noStrike" kern="1200" cap="none" spc="0" normalizeH="0" baseline="0" noProof="0" dirty="0">
                 <a:ln>
                   <a:noFill/>
                 </a:ln>
@@ -38953,7 +39423,7 @@
               <a:t>대한비만학회의 ‘코로나</a:t>
             </a:r>
             <a:r>
-              <a:rPr kumimoji="0" lang="en-US" altLang="ko-KR" sz="2000" b="0" i="0" u="none" strike="noStrike" kern="1200" cap="none" spc="0" normalizeH="0" baseline="0" noProof="0">
+              <a:rPr kumimoji="0" lang="en-US" altLang="ko-KR" sz="2000" b="0" i="0" u="none" strike="noStrike" kern="1200" cap="none" spc="0" normalizeH="0" baseline="0" noProof="0" dirty="0">
                 <a:ln>
                   <a:noFill/>
                 </a:ln>
@@ -38970,7 +39440,7 @@
               <a:t>19 </a:t>
             </a:r>
             <a:r>
-              <a:rPr kumimoji="0" lang="ko-KR" altLang="en-US" sz="2000" b="0" i="0" u="none" strike="noStrike" kern="1200" cap="none" spc="0" normalizeH="0" baseline="0" noProof="0">
+              <a:rPr kumimoji="0" lang="ko-KR" altLang="en-US" sz="2000" b="0" i="0" u="none" strike="noStrike" kern="1200" cap="none" spc="0" normalizeH="0" baseline="0" noProof="0" dirty="0">
                 <a:ln>
                   <a:noFill/>
                 </a:ln>
@@ -38987,7 +39457,7 @@
               <a:t>시대 국민 체중 관리 현황 및  비만 인식 조사’ 결과</a:t>
             </a:r>
             <a:r>
-              <a:rPr kumimoji="0" lang="en-US" altLang="ko-KR" sz="2000" b="0" i="0" u="none" strike="noStrike" kern="1200" cap="none" spc="0" normalizeH="0" baseline="0" noProof="0">
+              <a:rPr kumimoji="0" lang="en-US" altLang="ko-KR" sz="2000" b="0" i="0" u="none" strike="noStrike" kern="1200" cap="none" spc="0" normalizeH="0" baseline="0" noProof="0" dirty="0">
                 <a:ln>
                   <a:noFill/>
                 </a:ln>
@@ -39004,7 +39474,7 @@
               <a:t>, </a:t>
             </a:r>
             <a:r>
-              <a:rPr kumimoji="0" lang="ko-KR" altLang="en-US" sz="2000" b="0" i="0" u="none" strike="noStrike" kern="1200" cap="none" spc="0" normalizeH="0" baseline="0" noProof="0">
+              <a:rPr kumimoji="0" lang="ko-KR" altLang="en-US" sz="2000" b="0" i="0" u="none" strike="noStrike" kern="1200" cap="none" spc="0" normalizeH="0" baseline="0" noProof="0" dirty="0">
                 <a:ln>
                   <a:noFill/>
                 </a:ln>
@@ -39021,7 +39491,7 @@
               <a:t>응답자 </a:t>
             </a:r>
             <a:r>
-              <a:rPr kumimoji="0" lang="en-US" altLang="ko-KR" sz="2000" b="0" i="0" u="none" strike="noStrike" kern="1200" cap="none" spc="0" normalizeH="0" baseline="0" noProof="0">
+              <a:rPr kumimoji="0" lang="en-US" altLang="ko-KR" sz="2000" b="0" i="0" u="none" strike="noStrike" kern="1200" cap="none" spc="0" normalizeH="0" baseline="0" noProof="0" dirty="0">
                 <a:ln>
                   <a:noFill/>
                 </a:ln>
@@ -39038,7 +39508,7 @@
               <a:t>10</a:t>
             </a:r>
             <a:r>
-              <a:rPr kumimoji="0" lang="ko-KR" altLang="en-US" sz="2000" b="0" i="0" u="none" strike="noStrike" kern="1200" cap="none" spc="0" normalizeH="0" baseline="0" noProof="0">
+              <a:rPr kumimoji="0" lang="ko-KR" altLang="en-US" sz="2000" b="0" i="0" u="none" strike="noStrike" kern="1200" cap="none" spc="0" normalizeH="0" baseline="0" noProof="0" dirty="0">
                 <a:ln>
                   <a:noFill/>
                 </a:ln>
@@ -39055,7 +39525,7 @@
               <a:t>명 중 </a:t>
             </a:r>
             <a:r>
-              <a:rPr kumimoji="0" lang="en-US" altLang="ko-KR" sz="2000" b="0" i="0" u="none" strike="noStrike" kern="1200" cap="none" spc="0" normalizeH="0" baseline="0" noProof="0">
+              <a:rPr kumimoji="0" lang="en-US" altLang="ko-KR" sz="2000" b="0" i="0" u="none" strike="noStrike" kern="1200" cap="none" spc="0" normalizeH="0" baseline="0" noProof="0" dirty="0">
                 <a:ln>
                   <a:noFill/>
                 </a:ln>
@@ -39072,7 +39542,7 @@
               <a:t>4</a:t>
             </a:r>
             <a:r>
-              <a:rPr kumimoji="0" lang="ko-KR" altLang="en-US" sz="2000" b="0" i="0" u="none" strike="noStrike" kern="1200" cap="none" spc="0" normalizeH="0" baseline="0" noProof="0">
+              <a:rPr kumimoji="0" lang="ko-KR" altLang="en-US" sz="2000" b="0" i="0" u="none" strike="noStrike" kern="1200" cap="none" spc="0" normalizeH="0" baseline="0" noProof="0" dirty="0">
                 <a:ln>
                   <a:noFill/>
                 </a:ln>
@@ -39089,7 +39559,7 @@
               <a:t>명은 코로나</a:t>
             </a:r>
             <a:r>
-              <a:rPr kumimoji="0" lang="en-US" altLang="ko-KR" sz="2000" b="0" i="0" u="none" strike="noStrike" kern="1200" cap="none" spc="0" normalizeH="0" baseline="0" noProof="0">
+              <a:rPr kumimoji="0" lang="en-US" altLang="ko-KR" sz="2000" b="0" i="0" u="none" strike="noStrike" kern="1200" cap="none" spc="0" normalizeH="0" baseline="0" noProof="0" dirty="0">
                 <a:ln>
                   <a:noFill/>
                 </a:ln>
@@ -39106,7 +39576,7 @@
               <a:t>19 </a:t>
             </a:r>
             <a:r>
-              <a:rPr kumimoji="0" lang="ko-KR" altLang="en-US" sz="2000" b="0" i="0" u="none" strike="noStrike" kern="1200" cap="none" spc="0" normalizeH="0" baseline="0" noProof="0">
+              <a:rPr kumimoji="0" lang="ko-KR" altLang="en-US" sz="2000" b="0" i="0" u="none" strike="noStrike" kern="1200" cap="none" spc="0" normalizeH="0" baseline="0" noProof="0" dirty="0">
                 <a:ln>
                   <a:noFill/>
                 </a:ln>
@@ -39123,7 +39593,7 @@
               <a:t>이전 대비 체중이 </a:t>
             </a:r>
             <a:r>
-              <a:rPr kumimoji="0" lang="en-US" altLang="ko-KR" sz="2000" b="0" i="0" u="none" strike="noStrike" kern="1200" cap="none" spc="0" normalizeH="0" baseline="0" noProof="0">
+              <a:rPr kumimoji="0" lang="en-US" altLang="ko-KR" sz="2000" b="0" i="0" u="none" strike="noStrike" kern="1200" cap="none" spc="0" normalizeH="0" baseline="0" noProof="0" dirty="0">
                 <a:ln>
                   <a:noFill/>
                 </a:ln>
@@ -39140,7 +39610,7 @@
               <a:t>3kg </a:t>
             </a:r>
             <a:r>
-              <a:rPr kumimoji="0" lang="ko-KR" altLang="en-US" sz="2000" b="0" i="0" u="none" strike="noStrike" kern="1200" cap="none" spc="0" normalizeH="0" baseline="0" noProof="0">
+              <a:rPr kumimoji="0" lang="ko-KR" altLang="en-US" sz="2000" b="0" i="0" u="none" strike="noStrike" kern="1200" cap="none" spc="0" normalizeH="0" baseline="0" noProof="0" dirty="0">
                 <a:ln>
                   <a:noFill/>
                 </a:ln>
@@ -39156,7 +39626,7 @@
               </a:rPr>
               <a:t>이상 증가</a:t>
             </a:r>
-            <a:endParaRPr kumimoji="0" lang="en-US" altLang="ko-KR" sz="2000" b="0" i="0" u="none" strike="noStrike" kern="1200" cap="none" spc="0" normalizeH="0" baseline="0" noProof="0">
+            <a:endParaRPr kumimoji="0" lang="en-US" altLang="ko-KR" sz="2000" b="0" i="0" u="none" strike="noStrike" kern="1200" cap="none" spc="0" normalizeH="0" baseline="0" noProof="0" dirty="0">
               <a:ln>
                 <a:noFill/>
               </a:ln>
@@ -39190,7 +39660,7 @@
               <a:defRPr/>
             </a:pPr>
             <a:r>
-              <a:rPr kumimoji="0" lang="ko-KR" altLang="en-US" sz="2000" b="0" i="0" u="none" strike="noStrike" kern="1200" cap="none" spc="0" normalizeH="0" baseline="0" noProof="0">
+              <a:rPr kumimoji="0" lang="ko-KR" altLang="en-US" sz="2000" b="0" i="0" u="none" strike="noStrike" kern="1200" cap="none" spc="0" normalizeH="0" baseline="0" noProof="0" dirty="0">
                 <a:ln>
                   <a:noFill/>
                 </a:ln>
@@ -39207,7 +39677,7 @@
               <a:t> </a:t>
             </a:r>
             <a:r>
-              <a:rPr kumimoji="0" lang="en-US" altLang="ko-KR" sz="2000" b="1" i="0" u="none" strike="noStrike" kern="1200" cap="none" spc="0" normalizeH="0" baseline="0" noProof="0">
+              <a:rPr kumimoji="0" lang="en-US" altLang="ko-KR" sz="2000" b="1" i="0" u="none" strike="noStrike" kern="1200" cap="none" spc="0" normalizeH="0" baseline="0" noProof="0" dirty="0">
                 <a:ln>
                   <a:noFill/>
                 </a:ln>
@@ -39243,7 +39713,7 @@
               <a:defRPr/>
             </a:pPr>
             <a:r>
-              <a:rPr kumimoji="0" lang="ko-KR" altLang="en-US" sz="2000" b="0" i="0" u="none" strike="noStrike" kern="1200" cap="none" spc="0" normalizeH="0" baseline="0" noProof="0">
+              <a:rPr kumimoji="0" lang="ko-KR" altLang="en-US" sz="2000" b="0" i="0" u="none" strike="noStrike" kern="1200" cap="none" spc="0" normalizeH="0" baseline="0" noProof="0" dirty="0">
                 <a:ln>
                   <a:noFill/>
                 </a:ln>
@@ -39257,10 +39727,10 @@
                 <a:ea typeface="휴먼매직체" panose="02030504000101010101" pitchFamily="18" charset="-127"/>
                 <a:cs typeface="+mn-cs"/>
               </a:rPr>
-              <a:t>외식도 어려워 집밥이 늘고 있는데 이 때문에 다이어트에 좋은 음식들과 식재료들 판매가 부쩍 늘고 있다</a:t>
-            </a:r>
-            <a:r>
-              <a:rPr kumimoji="0" lang="en-US" altLang="ko-KR" sz="2000" b="0" i="0" u="none" strike="noStrike" kern="1200" cap="none" spc="0" normalizeH="0" baseline="0" noProof="0">
+              <a:t>외식도 어려워 </a:t>
+            </a:r>
+            <a:r>
+              <a:rPr kumimoji="0" lang="ko-KR" altLang="en-US" sz="2000" b="0" i="0" u="none" strike="noStrike" kern="1200" cap="none" spc="0" normalizeH="0" baseline="0" noProof="0" dirty="0" err="1">
                 <a:ln>
                   <a:noFill/>
                 </a:ln>
@@ -39274,28 +39744,26 @@
                 <a:ea typeface="휴먼매직체" panose="02030504000101010101" pitchFamily="18" charset="-127"/>
                 <a:cs typeface="+mn-cs"/>
               </a:rPr>
-              <a:t>.</a:t>
-            </a:r>
-          </a:p>
-          <a:p>
-            <a:pPr marL="0" marR="0" lvl="0" indent="0" algn="l" defTabSz="914400" rtl="0" eaLnBrk="1" fontAlgn="auto" latinLnBrk="1" hangingPunct="1">
-              <a:lnSpc>
-                <a:spcPct val="100000"/>
-              </a:lnSpc>
-              <a:spcBef>
-                <a:spcPts val="0"/>
-              </a:spcBef>
-              <a:spcAft>
-                <a:spcPts val="0"/>
-              </a:spcAft>
-              <a:buClrTx/>
-              <a:buSzTx/>
-              <a:buFontTx/>
-              <a:buNone/>
-              <a:tabLst/>
-              <a:defRPr/>
-            </a:pPr>
-            <a:endParaRPr kumimoji="0" lang="en-US" altLang="ko-KR" sz="2000" b="0" i="0" u="none" strike="noStrike" kern="1200" cap="none" spc="0" normalizeH="0" baseline="0" noProof="0">
+              <a:t>집밥이</a:t>
+            </a:r>
+            <a:r>
+              <a:rPr kumimoji="0" lang="ko-KR" altLang="en-US" sz="2000" b="0" i="0" u="none" strike="noStrike" kern="1200" cap="none" spc="0" normalizeH="0" baseline="0" noProof="0" dirty="0">
+                <a:ln>
+                  <a:noFill/>
+                </a:ln>
+                <a:solidFill>
+                  <a:srgbClr val="070915"/>
+                </a:solidFill>
+                <a:effectLst/>
+                <a:uLnTx/>
+                <a:uFillTx/>
+                <a:latin typeface="휴먼매직체" panose="02030504000101010101" pitchFamily="18" charset="-127"/>
+                <a:ea typeface="휴먼매직체" panose="02030504000101010101" pitchFamily="18" charset="-127"/>
+                <a:cs typeface="+mn-cs"/>
+              </a:rPr>
+              <a:t> 늘고 있는데 이 때문에 다이어트에 좋은 음식들과 식재료들 판매량 증가</a:t>
+            </a:r>
+            <a:endParaRPr kumimoji="0" lang="en-US" altLang="ko-KR" sz="2000" b="0" i="0" u="none" strike="noStrike" kern="1200" cap="none" spc="0" normalizeH="0" baseline="0" noProof="0" dirty="0">
               <a:ln>
                 <a:noFill/>
               </a:ln>
@@ -39328,8 +39796,41 @@
               <a:tabLst/>
               <a:defRPr/>
             </a:pPr>
-            <a:r>
-              <a:rPr kumimoji="0" lang="en-US" altLang="ko-KR" sz="2000" b="0" i="0" u="none" strike="noStrike" kern="1200" cap="none" spc="0" normalizeH="0" baseline="0" noProof="0">
+            <a:endParaRPr kumimoji="0" lang="en-US" altLang="ko-KR" sz="2000" b="0" i="0" u="none" strike="noStrike" kern="1200" cap="none" spc="0" normalizeH="0" baseline="0" noProof="0" dirty="0">
+              <a:ln>
+                <a:noFill/>
+              </a:ln>
+              <a:solidFill>
+                <a:srgbClr val="070915"/>
+              </a:solidFill>
+              <a:effectLst/>
+              <a:uLnTx/>
+              <a:uFillTx/>
+              <a:latin typeface="휴먼매직체" panose="02030504000101010101" pitchFamily="18" charset="-127"/>
+              <a:ea typeface="휴먼매직체" panose="02030504000101010101" pitchFamily="18" charset="-127"/>
+              <a:cs typeface="+mn-cs"/>
+            </a:endParaRPr>
+          </a:p>
+          <a:p>
+            <a:pPr marL="342900" marR="0" lvl="0" indent="-342900" algn="l" defTabSz="914400" rtl="0" eaLnBrk="1" fontAlgn="auto" latinLnBrk="1" hangingPunct="1">
+              <a:lnSpc>
+                <a:spcPct val="100000"/>
+              </a:lnSpc>
+              <a:spcBef>
+                <a:spcPts val="0"/>
+              </a:spcBef>
+              <a:spcAft>
+                <a:spcPts val="0"/>
+              </a:spcAft>
+              <a:buClrTx/>
+              <a:buSzTx/>
+              <a:buFont typeface="Wingdings" panose="05000000000000000000" pitchFamily="2" charset="2"/>
+              <a:buChar char="ü"/>
+              <a:tabLst/>
+              <a:defRPr/>
+            </a:pPr>
+            <a:r>
+              <a:rPr kumimoji="0" lang="en-US" altLang="ko-KR" sz="2000" b="0" i="0" u="none" strike="noStrike" kern="1200" cap="none" spc="0" normalizeH="0" baseline="0" noProof="0" dirty="0">
                 <a:ln>
                   <a:noFill/>
                 </a:ln>
@@ -39346,7 +39847,7 @@
               <a:t>&lt;</a:t>
             </a:r>
             <a:r>
-              <a:rPr kumimoji="0" lang="ko-KR" altLang="en-US" sz="2000" b="0" i="0" u="none" strike="noStrike" kern="1200" cap="none" spc="0" normalizeH="0" baseline="0" noProof="0">
+              <a:rPr kumimoji="0" lang="ko-KR" altLang="en-US" sz="2000" b="0" i="0" u="none" strike="noStrike" kern="1200" cap="none" spc="0" normalizeH="0" baseline="0" noProof="0" dirty="0">
                 <a:ln>
                   <a:noFill/>
                 </a:ln>
@@ -39363,7 +39864,7 @@
               <a:t>김정하 </a:t>
             </a:r>
             <a:r>
-              <a:rPr kumimoji="0" lang="en-US" altLang="ko-KR" sz="2000" b="0" i="0" u="none" strike="noStrike" kern="1200" cap="none" spc="0" normalizeH="0" baseline="0" noProof="0">
+              <a:rPr kumimoji="0" lang="en-US" altLang="ko-KR" sz="2000" b="0" i="0" u="none" strike="noStrike" kern="1200" cap="none" spc="0" normalizeH="0" baseline="0" noProof="0" dirty="0">
                 <a:ln>
                   <a:noFill/>
                 </a:ln>
@@ -39380,7 +39881,7 @@
               <a:t>/ </a:t>
             </a:r>
             <a:r>
-              <a:rPr kumimoji="0" lang="ko-KR" altLang="en-US" sz="2000" b="0" i="0" u="none" strike="noStrike" kern="1200" cap="none" spc="0" normalizeH="0" baseline="0" noProof="0">
+              <a:rPr kumimoji="0" lang="ko-KR" altLang="en-US" sz="2000" b="0" i="0" u="none" strike="noStrike" kern="1200" cap="none" spc="0" normalizeH="0" baseline="0" noProof="0" dirty="0">
                 <a:ln>
                   <a:noFill/>
                 </a:ln>
@@ -39397,7 +39898,7 @@
               <a:t>식품업체 마케팅담당</a:t>
             </a:r>
             <a:r>
-              <a:rPr kumimoji="0" lang="en-US" altLang="ko-KR" sz="2000" b="0" i="0" u="none" strike="noStrike" kern="1200" cap="none" spc="0" normalizeH="0" baseline="0" noProof="0">
+              <a:rPr kumimoji="0" lang="en-US" altLang="ko-KR" sz="2000" b="0" i="0" u="none" strike="noStrike" kern="1200" cap="none" spc="0" normalizeH="0" baseline="0" noProof="0" dirty="0">
                 <a:ln>
                   <a:noFill/>
                 </a:ln>
@@ -39414,7 +39915,7 @@
               <a:t>&gt; "5</a:t>
             </a:r>
             <a:r>
-              <a:rPr kumimoji="0" lang="ko-KR" altLang="en-US" sz="2000" b="0" i="0" u="none" strike="noStrike" kern="1200" cap="none" spc="0" normalizeH="0" baseline="0" noProof="0">
+              <a:rPr kumimoji="0" lang="ko-KR" altLang="en-US" sz="2000" b="0" i="0" u="none" strike="noStrike" kern="1200" cap="none" spc="0" normalizeH="0" baseline="0" noProof="0" dirty="0">
                 <a:ln>
                   <a:noFill/>
                 </a:ln>
@@ -39431,7 +39932,7 @@
               <a:t>월 출시 이후 코로나</a:t>
             </a:r>
             <a:r>
-              <a:rPr kumimoji="0" lang="en-US" altLang="ko-KR" sz="2000" b="0" i="0" u="none" strike="noStrike" kern="1200" cap="none" spc="0" normalizeH="0" baseline="0" noProof="0">
+              <a:rPr kumimoji="0" lang="en-US" altLang="ko-KR" sz="2000" b="0" i="0" u="none" strike="noStrike" kern="1200" cap="none" spc="0" normalizeH="0" baseline="0" noProof="0" dirty="0">
                 <a:ln>
                   <a:noFill/>
                 </a:ln>
@@ -39448,7 +39949,7 @@
               <a:t>19</a:t>
             </a:r>
             <a:r>
-              <a:rPr kumimoji="0" lang="ko-KR" altLang="en-US" sz="2000" b="0" i="0" u="none" strike="noStrike" kern="1200" cap="none" spc="0" normalizeH="0" baseline="0" noProof="0">
+              <a:rPr kumimoji="0" lang="ko-KR" altLang="en-US" sz="2000" b="0" i="0" u="none" strike="noStrike" kern="1200" cap="none" spc="0" normalizeH="0" baseline="0" noProof="0" dirty="0">
                 <a:ln>
                   <a:noFill/>
                 </a:ln>
@@ -39462,10 +39963,10 @@
                 <a:ea typeface="휴먼매직체" panose="02030504000101010101" pitchFamily="18" charset="-127"/>
                 <a:cs typeface="+mn-cs"/>
               </a:rPr>
-              <a:t>와 맞물려 건강식에 대한 소비자 관심이 증가하면서 지속적인 매출량 증가세를 보이고 있습니다</a:t>
-            </a:r>
-            <a:r>
-              <a:rPr kumimoji="0" lang="en-US" altLang="ko-KR" sz="2000" b="0" i="0" u="none" strike="noStrike" kern="1200" cap="none" spc="0" normalizeH="0" baseline="0" noProof="0">
+              <a:t>와 맞물려 건강식에 대한 소비자 관심이 증가하면서 지속적인 </a:t>
+            </a:r>
+            <a:r>
+              <a:rPr kumimoji="0" lang="ko-KR" altLang="en-US" sz="2000" b="0" i="0" u="none" strike="noStrike" kern="1200" cap="none" spc="0" normalizeH="0" baseline="0" noProof="0" dirty="0" err="1">
                 <a:ln>
                   <a:noFill/>
                 </a:ln>
@@ -39479,10 +39980,44 @@
                 <a:ea typeface="휴먼매직체" panose="02030504000101010101" pitchFamily="18" charset="-127"/>
                 <a:cs typeface="+mn-cs"/>
               </a:rPr>
+              <a:t>매출량</a:t>
+            </a:r>
+            <a:r>
+              <a:rPr kumimoji="0" lang="ko-KR" altLang="en-US" sz="2000" b="0" i="0" u="none" strike="noStrike" kern="1200" cap="none" spc="0" normalizeH="0" baseline="0" noProof="0" dirty="0">
+                <a:ln>
+                  <a:noFill/>
+                </a:ln>
+                <a:solidFill>
+                  <a:srgbClr val="070915"/>
+                </a:solidFill>
+                <a:effectLst/>
+                <a:uLnTx/>
+                <a:uFillTx/>
+                <a:latin typeface="휴먼매직체" panose="02030504000101010101" pitchFamily="18" charset="-127"/>
+                <a:ea typeface="휴먼매직체" panose="02030504000101010101" pitchFamily="18" charset="-127"/>
+                <a:cs typeface="+mn-cs"/>
+              </a:rPr>
+              <a:t> 증가세를 보이고 있습니다</a:t>
+            </a:r>
+            <a:r>
+              <a:rPr kumimoji="0" lang="en-US" altLang="ko-KR" sz="2000" b="0" i="0" u="none" strike="noStrike" kern="1200" cap="none" spc="0" normalizeH="0" baseline="0" noProof="0" dirty="0">
+                <a:ln>
+                  <a:noFill/>
+                </a:ln>
+                <a:solidFill>
+                  <a:srgbClr val="070915"/>
+                </a:solidFill>
+                <a:effectLst/>
+                <a:uLnTx/>
+                <a:uFillTx/>
+                <a:latin typeface="휴먼매직체" panose="02030504000101010101" pitchFamily="18" charset="-127"/>
+                <a:ea typeface="휴먼매직체" panose="02030504000101010101" pitchFamily="18" charset="-127"/>
+                <a:cs typeface="+mn-cs"/>
+              </a:rPr>
               <a:t>. </a:t>
             </a:r>
             <a:r>
-              <a:rPr kumimoji="0" lang="ko-KR" altLang="en-US" sz="2000" b="0" i="0" u="none" strike="noStrike" kern="1200" cap="none" spc="0" normalizeH="0" baseline="0" noProof="0">
+              <a:rPr kumimoji="0" lang="ko-KR" altLang="en-US" sz="2000" b="0" i="0" u="none" strike="noStrike" kern="1200" cap="none" spc="0" normalizeH="0" baseline="0" noProof="0" dirty="0">
                 <a:ln>
                   <a:noFill/>
                 </a:ln>
@@ -39499,7 +40034,7 @@
               <a:t>탄수화물 부담 없이 섭취할 수 있는 장점이 있어</a:t>
             </a:r>
             <a:r>
-              <a:rPr kumimoji="0" lang="en-US" altLang="ko-KR" sz="2000" b="0" i="0" u="none" strike="noStrike" kern="1200" cap="none" spc="0" normalizeH="0" baseline="0" noProof="0">
+              <a:rPr kumimoji="0" lang="en-US" altLang="ko-KR" sz="2000" b="0" i="0" u="none" strike="noStrike" kern="1200" cap="none" spc="0" normalizeH="0" baseline="0" noProof="0" dirty="0">
                 <a:ln>
                   <a:noFill/>
                 </a:ln>
@@ -39515,7 +40050,7 @@
               </a:rPr>
               <a:t>…"</a:t>
             </a:r>
-            <a:endParaRPr kumimoji="0" lang="en-US" altLang="ko-KR" sz="2000" b="0" i="0" u="none" strike="noStrike" kern="1200" cap="none" spc="0" normalizeH="0" baseline="0" noProof="0">
+            <a:endParaRPr kumimoji="0" lang="en-US" altLang="ko-KR" sz="2000" b="0" i="0" u="none" strike="noStrike" kern="1200" cap="none" spc="0" normalizeH="0" baseline="0" noProof="0" dirty="0">
               <a:ln>
                 <a:noFill/>
               </a:ln>
@@ -39847,7 +40382,7 @@
         <p:spPr>
           <a:xfrm>
             <a:off x="329610" y="111525"/>
-            <a:ext cx="2172390" cy="523220"/>
+            <a:ext cx="3346126" cy="523220"/>
           </a:xfrm>
           <a:prstGeom prst="rect">
             <a:avLst/>
@@ -39855,7 +40390,7 @@
           <a:noFill/>
         </p:spPr>
         <p:txBody>
-          <a:bodyPr wrap="none" rtlCol="0">
+          <a:bodyPr wrap="square" rtlCol="0">
             <a:spAutoFit/>
           </a:bodyPr>
           <a:lstStyle/>
@@ -39878,7 +40413,7 @@
               <a:defRPr/>
             </a:pPr>
             <a:r>
-              <a:rPr kumimoji="0" lang="en-US" altLang="ko-KR" sz="2800" b="0" i="0" u="none" strike="noStrike" kern="1200" cap="none" spc="-300" normalizeH="0" baseline="0" noProof="0">
+              <a:rPr kumimoji="0" lang="en-US" altLang="ko-KR" sz="2800" b="0" i="0" u="none" strike="noStrike" kern="1200" cap="none" spc="-300" normalizeH="0" baseline="0" noProof="0" dirty="0">
                 <a:ln>
                   <a:noFill/>
                 </a:ln>
@@ -39898,7 +40433,7 @@
               <a:t>2.</a:t>
             </a:r>
             <a:r>
-              <a:rPr kumimoji="0" lang="ko-KR" altLang="en-US" sz="2800" b="0" i="0" u="none" strike="noStrike" kern="1200" cap="none" spc="-300" normalizeH="0" baseline="0" noProof="0">
+              <a:rPr kumimoji="0" lang="ko-KR" altLang="en-US" sz="2800" b="0" i="0" u="none" strike="noStrike" kern="1200" cap="none" spc="-300" normalizeH="0" baseline="0" noProof="0" dirty="0">
                 <a:ln>
                   <a:noFill/>
                 </a:ln>
@@ -39915,7 +40450,67 @@
                 <a:ea typeface="휴먼매직체" panose="02030504000101010101" pitchFamily="18" charset="-127"/>
                 <a:cs typeface="+mn-cs"/>
               </a:rPr>
-              <a:t> 배경 및 필요성</a:t>
+              <a:t> 배경 및 필요성 </a:t>
+            </a:r>
+            <a:r>
+              <a:rPr kumimoji="0" lang="en-US" altLang="ko-KR" sz="2800" b="0" i="0" u="none" strike="noStrike" kern="1200" cap="none" spc="-300" normalizeH="0" baseline="0" noProof="0" dirty="0">
+                <a:ln>
+                  <a:noFill/>
+                </a:ln>
+                <a:solidFill>
+                  <a:prstClr val="black">
+                    <a:lumMod val="85000"/>
+                    <a:lumOff val="15000"/>
+                  </a:prstClr>
+                </a:solidFill>
+                <a:effectLst/>
+                <a:uLnTx/>
+                <a:uFillTx/>
+                <a:latin typeface="휴먼매직체" panose="02030504000101010101" pitchFamily="18" charset="-127"/>
+                <a:ea typeface="휴먼매직체" panose="02030504000101010101" pitchFamily="18" charset="-127"/>
+                <a:cs typeface="+mn-cs"/>
+              </a:rPr>
+              <a:t>(</a:t>
+            </a:r>
+            <a:r>
+              <a:rPr kumimoji="0" lang="ko-KR" altLang="en-US" sz="2800" b="0" i="0" u="none" strike="noStrike" kern="1200" cap="none" spc="-300" normalizeH="0" baseline="0" noProof="0" dirty="0" err="1">
+                <a:ln>
+                  <a:noFill/>
+                </a:ln>
+                <a:solidFill>
+                  <a:prstClr val="black">
+                    <a:lumMod val="85000"/>
+                    <a:lumOff val="15000"/>
+                  </a:prstClr>
+                </a:solidFill>
+                <a:effectLst/>
+                <a:uLnTx/>
+                <a:uFillTx/>
+                <a:latin typeface="휴먼매직체" panose="02030504000101010101" pitchFamily="18" charset="-127"/>
+                <a:ea typeface="휴먼매직체" panose="02030504000101010101" pitchFamily="18" charset="-127"/>
+                <a:cs typeface="+mn-cs"/>
+              </a:rPr>
+              <a:t>윤시현</a:t>
+            </a:r>
+            <a:r>
+              <a:rPr kumimoji="0" lang="en-US" altLang="ko-KR" sz="2800" b="0" i="0" u="none" strike="noStrike" kern="1200" cap="none" spc="-300" normalizeH="0" baseline="0" noProof="0" dirty="0">
+                <a:ln>
+                  <a:noFill/>
+                </a:ln>
+                <a:solidFill>
+                  <a:prstClr val="black">
+                    <a:lumMod val="85000"/>
+                    <a:lumOff val="15000"/>
+                  </a:prstClr>
+                </a:solidFill>
+                <a:effectLst/>
+                <a:uLnTx/>
+                <a:uFillTx/>
+                <a:latin typeface="휴먼매직체" panose="02030504000101010101" pitchFamily="18" charset="-127"/>
+                <a:ea typeface="휴먼매직체" panose="02030504000101010101" pitchFamily="18" charset="-127"/>
+                <a:cs typeface="+mn-cs"/>
+              </a:rPr>
+              <a:t>)</a:t>
             </a:r>
             <a:endParaRPr kumimoji="0" lang="ko-KR" altLang="en-US" sz="2800" b="0" i="0" u="none" strike="noStrike" kern="1200" cap="none" spc="-300" normalizeH="0" baseline="0" noProof="0" dirty="0">
               <a:ln>
@@ -40206,7 +40801,7 @@
         <p:spPr>
           <a:xfrm>
             <a:off x="404891" y="1087004"/>
-            <a:ext cx="11560017" cy="2246769"/>
+            <a:ext cx="11560017" cy="1938992"/>
           </a:xfrm>
           <a:prstGeom prst="rect">
             <a:avLst/>
@@ -40237,7 +40832,7 @@
               <a:defRPr/>
             </a:pPr>
             <a:r>
-              <a:rPr kumimoji="0" lang="ko-KR" altLang="en-US" sz="2000" b="0" i="0" u="none" strike="noStrike" kern="1200" cap="none" spc="0" normalizeH="0" baseline="0" noProof="0">
+              <a:rPr kumimoji="0" lang="ko-KR" altLang="en-US" sz="2000" b="0" i="0" u="none" strike="noStrike" kern="1200" cap="none" spc="0" normalizeH="0" baseline="0" noProof="0" dirty="0">
                 <a:ln>
                   <a:noFill/>
                 </a:ln>
@@ -40254,7 +40849,7 @@
               <a:t>개인마다 필요 열량에 따른 영양 성분의 기준치가 다르고</a:t>
             </a:r>
             <a:r>
-              <a:rPr kumimoji="0" lang="en-US" altLang="ko-KR" sz="2000" b="0" i="0" u="none" strike="noStrike" kern="1200" cap="none" spc="0" normalizeH="0" baseline="0" noProof="0">
+              <a:rPr kumimoji="0" lang="en-US" altLang="ko-KR" sz="2000" b="0" i="0" u="none" strike="noStrike" kern="1200" cap="none" spc="0" normalizeH="0" baseline="0" noProof="0" dirty="0">
                 <a:ln>
                   <a:noFill/>
                 </a:ln>
@@ -40271,7 +40866,7 @@
               <a:t>, </a:t>
             </a:r>
             <a:r>
-              <a:rPr kumimoji="0" lang="ko-KR" altLang="en-US" sz="2000" b="0" i="0" u="none" strike="noStrike" kern="1200" cap="none" spc="0" normalizeH="0" baseline="0" noProof="0">
+              <a:rPr kumimoji="0" lang="ko-KR" altLang="en-US" sz="2000" b="0" i="0" u="none" strike="noStrike" kern="1200" cap="none" spc="0" normalizeH="0" baseline="0" noProof="0" dirty="0">
                 <a:ln>
                   <a:noFill/>
                 </a:ln>
@@ -40285,45 +40880,9 @@
                 <a:ea typeface="휴먼매직체" panose="02030504000101010101" pitchFamily="18" charset="-127"/>
                 <a:cs typeface="+mn-cs"/>
               </a:rPr>
-              <a:t>대부분 자신의 기준치를 잘 모른다</a:t>
-            </a:r>
-            <a:r>
-              <a:rPr kumimoji="0" lang="en-US" altLang="ko-KR" sz="2000" b="0" i="0" u="none" strike="noStrike" kern="1200" cap="none" spc="0" normalizeH="0" baseline="0" noProof="0">
-                <a:ln>
-                  <a:noFill/>
-                </a:ln>
-                <a:solidFill>
-                  <a:prstClr val="black"/>
-                </a:solidFill>
-                <a:effectLst/>
-                <a:uLnTx/>
-                <a:uFillTx/>
-                <a:latin typeface="휴먼매직체" panose="02030504000101010101" pitchFamily="18" charset="-127"/>
-                <a:ea typeface="휴먼매직체" panose="02030504000101010101" pitchFamily="18" charset="-127"/>
-                <a:cs typeface="+mn-cs"/>
-              </a:rPr>
-              <a:t>.</a:t>
-            </a:r>
-          </a:p>
-          <a:p>
-            <a:pPr marL="342900" marR="0" lvl="0" indent="-342900" algn="l" defTabSz="914400" rtl="0" eaLnBrk="1" fontAlgn="auto" latinLnBrk="1" hangingPunct="1">
-              <a:lnSpc>
-                <a:spcPct val="100000"/>
-              </a:lnSpc>
-              <a:spcBef>
-                <a:spcPts val="0"/>
-              </a:spcBef>
-              <a:spcAft>
-                <a:spcPts val="0"/>
-              </a:spcAft>
-              <a:buClrTx/>
-              <a:buSzTx/>
-              <a:buFont typeface="Wingdings" panose="05000000000000000000" pitchFamily="2" charset="2"/>
-              <a:buChar char="ü"/>
-              <a:tabLst/>
-              <a:defRPr/>
-            </a:pPr>
-            <a:endParaRPr kumimoji="0" lang="en-US" altLang="ko-KR" sz="2000" b="0" i="0" u="none" strike="noStrike" kern="1200" cap="none" spc="0" normalizeH="0" baseline="0" noProof="0">
+              <a:t>대부분 자신의 기준치를 잘 모름</a:t>
+            </a:r>
+            <a:endParaRPr kumimoji="0" lang="en-US" altLang="ko-KR" sz="2000" b="0" i="0" u="none" strike="noStrike" kern="1200" cap="none" spc="0" normalizeH="0" baseline="0" noProof="0" dirty="0">
               <a:ln>
                 <a:noFill/>
               </a:ln>
@@ -40337,93 +40896,6 @@
               <a:ea typeface="휴먼매직체" panose="02030504000101010101" pitchFamily="18" charset="-127"/>
               <a:cs typeface="+mn-cs"/>
             </a:endParaRPr>
-          </a:p>
-          <a:p>
-            <a:pPr marL="342900" marR="0" lvl="0" indent="-342900" algn="l" defTabSz="914400" rtl="0" eaLnBrk="1" fontAlgn="auto" latinLnBrk="1" hangingPunct="1">
-              <a:lnSpc>
-                <a:spcPct val="100000"/>
-              </a:lnSpc>
-              <a:spcBef>
-                <a:spcPts val="0"/>
-              </a:spcBef>
-              <a:spcAft>
-                <a:spcPts val="0"/>
-              </a:spcAft>
-              <a:buClrTx/>
-              <a:buSzTx/>
-              <a:buFont typeface="Wingdings" panose="05000000000000000000" pitchFamily="2" charset="2"/>
-              <a:buChar char="ü"/>
-              <a:tabLst/>
-              <a:defRPr/>
-            </a:pPr>
-            <a:r>
-              <a:rPr kumimoji="0" lang="ko-KR" altLang="en-US" sz="2000" b="0" i="0" u="none" strike="noStrike" kern="1200" cap="none" spc="0" normalizeH="0" baseline="0" noProof="0">
-                <a:ln>
-                  <a:noFill/>
-                </a:ln>
-                <a:solidFill>
-                  <a:prstClr val="black"/>
-                </a:solidFill>
-                <a:effectLst/>
-                <a:uLnTx/>
-                <a:uFillTx/>
-                <a:latin typeface="휴먼매직체" panose="02030504000101010101" pitchFamily="18" charset="-127"/>
-                <a:ea typeface="휴먼매직체" panose="02030504000101010101" pitchFamily="18" charset="-127"/>
-                <a:cs typeface="+mn-cs"/>
-              </a:rPr>
-              <a:t>음식 영양 성분표를 보면 직관적으로 알아보기 싶지 않다</a:t>
-            </a:r>
-            <a:r>
-              <a:rPr kumimoji="0" lang="en-US" altLang="ko-KR" sz="2000" b="0" i="0" u="none" strike="noStrike" kern="1200" cap="none" spc="0" normalizeH="0" baseline="0" noProof="0">
-                <a:ln>
-                  <a:noFill/>
-                </a:ln>
-                <a:solidFill>
-                  <a:prstClr val="black"/>
-                </a:solidFill>
-                <a:effectLst/>
-                <a:uLnTx/>
-                <a:uFillTx/>
-                <a:latin typeface="휴먼매직체" panose="02030504000101010101" pitchFamily="18" charset="-127"/>
-                <a:ea typeface="휴먼매직체" panose="02030504000101010101" pitchFamily="18" charset="-127"/>
-                <a:cs typeface="+mn-cs"/>
-              </a:rPr>
-              <a:t>. </a:t>
-            </a:r>
-            <a:r>
-              <a:rPr kumimoji="0" lang="ko-KR" altLang="en-US" sz="2000" b="0" i="0" u="none" strike="noStrike" kern="1200" cap="none" spc="0" normalizeH="0" baseline="0" noProof="0">
-                <a:ln>
-                  <a:noFill/>
-                </a:ln>
-                <a:solidFill>
-                  <a:prstClr val="black"/>
-                </a:solidFill>
-                <a:effectLst/>
-                <a:uLnTx/>
-                <a:uFillTx/>
-                <a:latin typeface="휴먼매직체" panose="02030504000101010101" pitchFamily="18" charset="-127"/>
-                <a:ea typeface="휴먼매직체" panose="02030504000101010101" pitchFamily="18" charset="-127"/>
-                <a:cs typeface="+mn-cs"/>
-              </a:rPr>
-              <a:t>자신이 관심 있는 영양소만 대충 보고 넘어가는 경우가 많다</a:t>
-            </a:r>
-            <a:r>
-              <a:rPr kumimoji="0" lang="en-US" altLang="ko-KR" sz="2000" b="0" i="0" u="none" strike="noStrike" kern="1200" cap="none" spc="0" normalizeH="0" baseline="0" noProof="0">
-                <a:ln>
-                  <a:noFill/>
-                </a:ln>
-                <a:solidFill>
-                  <a:prstClr val="black"/>
-                </a:solidFill>
-                <a:effectLst/>
-                <a:uLnTx/>
-                <a:uFillTx/>
-                <a:latin typeface="휴먼매직체" panose="02030504000101010101" pitchFamily="18" charset="-127"/>
-                <a:ea typeface="휴먼매직체" panose="02030504000101010101" pitchFamily="18" charset="-127"/>
-                <a:cs typeface="+mn-cs"/>
-              </a:rPr>
-              <a:t>.</a:t>
-            </a:r>
           </a:p>
           <a:p>
             <a:pPr marL="342900" marR="0" lvl="0" indent="-342900" algn="l" defTabSz="914400" rtl="0" eaLnBrk="1" fontAlgn="auto" latinLnBrk="1" hangingPunct="1">
@@ -40477,7 +40949,7 @@
               <a:defRPr/>
             </a:pPr>
             <a:r>
-              <a:rPr kumimoji="0" lang="ko-KR" altLang="en-US" sz="2000" b="0" i="0" u="none" strike="noStrike" kern="1200" cap="none" spc="0" normalizeH="0" baseline="0" noProof="0">
+              <a:rPr kumimoji="0" lang="ko-KR" altLang="en-US" sz="2000" b="0" i="0" u="none" strike="noStrike" kern="1200" cap="none" spc="0" normalizeH="0" baseline="0" noProof="0" dirty="0">
                 <a:ln>
                   <a:noFill/>
                 </a:ln>
@@ -40491,10 +40963,154 @@
                 <a:ea typeface="휴먼매직체" panose="02030504000101010101" pitchFamily="18" charset="-127"/>
                 <a:cs typeface="+mn-cs"/>
               </a:rPr>
+              <a:t>음식 영양 성분표를 보면 직관적으로 알아보기 </a:t>
+            </a:r>
+            <a:r>
+              <a:rPr lang="ko-KR" altLang="en-US" sz="2000" dirty="0" err="1">
+                <a:solidFill>
+                  <a:prstClr val="black"/>
+                </a:solidFill>
+                <a:latin typeface="휴먼매직체" panose="02030504000101010101" pitchFamily="18" charset="-127"/>
+                <a:ea typeface="휴먼매직체" panose="02030504000101010101" pitchFamily="18" charset="-127"/>
+              </a:rPr>
+              <a:t>쉽</a:t>
+            </a:r>
+            <a:r>
+              <a:rPr kumimoji="0" lang="ko-KR" altLang="en-US" sz="2000" b="0" i="0" u="none" strike="noStrike" kern="1200" cap="none" spc="0" normalizeH="0" baseline="0" noProof="0" dirty="0">
+                <a:ln>
+                  <a:noFill/>
+                </a:ln>
+                <a:solidFill>
+                  <a:prstClr val="black"/>
+                </a:solidFill>
+                <a:effectLst/>
+                <a:uLnTx/>
+                <a:uFillTx/>
+                <a:latin typeface="휴먼매직체" panose="02030504000101010101" pitchFamily="18" charset="-127"/>
+                <a:ea typeface="휴먼매직체" panose="02030504000101010101" pitchFamily="18" charset="-127"/>
+                <a:cs typeface="+mn-cs"/>
+              </a:rPr>
+              <a:t>지 않고</a:t>
+            </a:r>
+            <a:r>
+              <a:rPr kumimoji="0" lang="en-US" altLang="ko-KR" sz="2000" b="0" i="0" u="none" strike="noStrike" kern="1200" cap="none" spc="0" normalizeH="0" baseline="0" noProof="0" dirty="0">
+                <a:ln>
+                  <a:noFill/>
+                </a:ln>
+                <a:solidFill>
+                  <a:prstClr val="black"/>
+                </a:solidFill>
+                <a:effectLst/>
+                <a:uLnTx/>
+                <a:uFillTx/>
+                <a:latin typeface="휴먼매직체" panose="02030504000101010101" pitchFamily="18" charset="-127"/>
+                <a:ea typeface="휴먼매직체" panose="02030504000101010101" pitchFamily="18" charset="-127"/>
+                <a:cs typeface="+mn-cs"/>
+              </a:rPr>
+              <a:t>, </a:t>
+            </a:r>
+            <a:r>
+              <a:rPr kumimoji="0" lang="ko-KR" altLang="en-US" sz="2000" b="0" i="0" u="none" strike="noStrike" kern="1200" cap="none" spc="0" normalizeH="0" baseline="0" noProof="0" dirty="0">
+                <a:ln>
+                  <a:noFill/>
+                </a:ln>
+                <a:solidFill>
+                  <a:prstClr val="black"/>
+                </a:solidFill>
+                <a:effectLst/>
+                <a:uLnTx/>
+                <a:uFillTx/>
+                <a:latin typeface="휴먼매직체" panose="02030504000101010101" pitchFamily="18" charset="-127"/>
+                <a:ea typeface="휴먼매직체" panose="02030504000101010101" pitchFamily="18" charset="-127"/>
+                <a:cs typeface="+mn-cs"/>
+              </a:rPr>
+              <a:t>자신이 관심 있는 영양소만 대충 보고 넘어가는 경우가 많음</a:t>
+            </a:r>
+            <a:endParaRPr kumimoji="0" lang="en-US" altLang="ko-KR" sz="2000" b="0" i="0" u="none" strike="noStrike" kern="1200" cap="none" spc="0" normalizeH="0" baseline="0" noProof="0" dirty="0">
+              <a:ln>
+                <a:noFill/>
+              </a:ln>
+              <a:solidFill>
+                <a:prstClr val="black"/>
+              </a:solidFill>
+              <a:effectLst/>
+              <a:uLnTx/>
+              <a:uFillTx/>
+              <a:latin typeface="휴먼매직체" panose="02030504000101010101" pitchFamily="18" charset="-127"/>
+              <a:ea typeface="휴먼매직체" panose="02030504000101010101" pitchFamily="18" charset="-127"/>
+              <a:cs typeface="+mn-cs"/>
+            </a:endParaRPr>
+          </a:p>
+          <a:p>
+            <a:pPr marL="342900" marR="0" lvl="0" indent="-342900" algn="l" defTabSz="914400" rtl="0" eaLnBrk="1" fontAlgn="auto" latinLnBrk="1" hangingPunct="1">
+              <a:lnSpc>
+                <a:spcPct val="100000"/>
+              </a:lnSpc>
+              <a:spcBef>
+                <a:spcPts val="0"/>
+              </a:spcBef>
+              <a:spcAft>
+                <a:spcPts val="0"/>
+              </a:spcAft>
+              <a:buClrTx/>
+              <a:buSzTx/>
+              <a:buFont typeface="Wingdings" panose="05000000000000000000" pitchFamily="2" charset="2"/>
+              <a:buChar char="ü"/>
+              <a:tabLst/>
+              <a:defRPr/>
+            </a:pPr>
+            <a:endParaRPr kumimoji="0" lang="en-US" altLang="ko-KR" sz="2000" b="0" i="0" u="none" strike="noStrike" kern="1200" cap="none" spc="0" normalizeH="0" baseline="0" noProof="0" dirty="0">
+              <a:ln>
+                <a:noFill/>
+              </a:ln>
+              <a:solidFill>
+                <a:prstClr val="black"/>
+              </a:solidFill>
+              <a:effectLst/>
+              <a:uLnTx/>
+              <a:uFillTx/>
+              <a:latin typeface="휴먼매직체" panose="02030504000101010101" pitchFamily="18" charset="-127"/>
+              <a:ea typeface="휴먼매직체" panose="02030504000101010101" pitchFamily="18" charset="-127"/>
+              <a:cs typeface="+mn-cs"/>
+            </a:endParaRPr>
+          </a:p>
+          <a:p>
+            <a:pPr marL="342900" marR="0" lvl="0" indent="-342900" algn="l" defTabSz="914400" rtl="0" eaLnBrk="1" fontAlgn="auto" latinLnBrk="1" hangingPunct="1">
+              <a:lnSpc>
+                <a:spcPct val="100000"/>
+              </a:lnSpc>
+              <a:spcBef>
+                <a:spcPts val="0"/>
+              </a:spcBef>
+              <a:spcAft>
+                <a:spcPts val="0"/>
+              </a:spcAft>
+              <a:buClrTx/>
+              <a:buSzTx/>
+              <a:buFont typeface="Wingdings" panose="05000000000000000000" pitchFamily="2" charset="2"/>
+              <a:buChar char="ü"/>
+              <a:tabLst/>
+              <a:defRPr/>
+            </a:pPr>
+            <a:r>
+              <a:rPr kumimoji="0" lang="ko-KR" altLang="en-US" sz="2000" b="0" i="0" u="none" strike="noStrike" kern="1200" cap="none" spc="0" normalizeH="0" baseline="0" noProof="0" dirty="0">
+                <a:ln>
+                  <a:noFill/>
+                </a:ln>
+                <a:solidFill>
+                  <a:prstClr val="black"/>
+                </a:solidFill>
+                <a:effectLst/>
+                <a:uLnTx/>
+                <a:uFillTx/>
+                <a:latin typeface="휴먼매직체" panose="02030504000101010101" pitchFamily="18" charset="-127"/>
+                <a:ea typeface="휴먼매직체" panose="02030504000101010101" pitchFamily="18" charset="-127"/>
+                <a:cs typeface="+mn-cs"/>
+              </a:rPr>
               <a:t>영양 성분표도 전체 성분만 표시되어</a:t>
             </a:r>
             <a:r>
-              <a:rPr kumimoji="0" lang="en-US" altLang="ko-KR" sz="2000" b="0" i="0" u="none" strike="noStrike" kern="1200" cap="none" spc="0" normalizeH="0" baseline="0" noProof="0">
+              <a:rPr kumimoji="0" lang="en-US" altLang="ko-KR" sz="2000" b="0" i="0" u="none" strike="noStrike" kern="1200" cap="none" spc="0" normalizeH="0" baseline="0" noProof="0" dirty="0">
                 <a:ln>
                   <a:noFill/>
                 </a:ln>
@@ -40511,7 +41127,7 @@
               <a:t>,</a:t>
             </a:r>
             <a:r>
-              <a:rPr kumimoji="0" lang="ko-KR" altLang="en-US" sz="2000" b="0" i="0" u="none" strike="noStrike" kern="1200" cap="none" spc="0" normalizeH="0" baseline="0" noProof="0">
+              <a:rPr kumimoji="0" lang="ko-KR" altLang="en-US" sz="2000" b="0" i="0" u="none" strike="noStrike" kern="1200" cap="none" spc="0" normalizeH="0" baseline="0" noProof="0" dirty="0">
                 <a:ln>
                   <a:noFill/>
                 </a:ln>
@@ -40525,25 +41141,22 @@
                 <a:ea typeface="휴먼매직체" panose="02030504000101010101" pitchFamily="18" charset="-127"/>
                 <a:cs typeface="+mn-cs"/>
               </a:rPr>
-              <a:t> 내가 먹고 싶은 만큼만 먹었을 때는 어느 정도로 영양을 섭취했는지 알 수가 없다</a:t>
-            </a:r>
-            <a:r>
-              <a:rPr kumimoji="0" lang="en-US" altLang="ko-KR" sz="2000" b="0" i="0" u="none" strike="noStrike" kern="1200" cap="none" spc="0" normalizeH="0" baseline="0" noProof="0">
-                <a:ln>
-                  <a:noFill/>
-                </a:ln>
-                <a:solidFill>
-                  <a:prstClr val="black"/>
-                </a:solidFill>
-                <a:effectLst/>
-                <a:uLnTx/>
-                <a:uFillTx/>
-                <a:latin typeface="휴먼매직체" panose="02030504000101010101" pitchFamily="18" charset="-127"/>
-                <a:ea typeface="휴먼매직체" panose="02030504000101010101" pitchFamily="18" charset="-127"/>
-                <a:cs typeface="+mn-cs"/>
-              </a:rPr>
-              <a:t>.</a:t>
-            </a:r>
+              <a:t> 내가 먹고 싶은 만큼만 먹었을 때는 어느 정도로 영양을 섭취했는지 직관적으로 알기 어려움</a:t>
+            </a:r>
+            <a:endParaRPr kumimoji="0" lang="en-US" altLang="ko-KR" sz="2000" b="0" i="0" u="none" strike="noStrike" kern="1200" cap="none" spc="0" normalizeH="0" baseline="0" noProof="0" dirty="0">
+              <a:ln>
+                <a:noFill/>
+              </a:ln>
+              <a:solidFill>
+                <a:prstClr val="black"/>
+              </a:solidFill>
+              <a:effectLst/>
+              <a:uLnTx/>
+              <a:uFillTx/>
+              <a:latin typeface="휴먼매직체" panose="02030504000101010101" pitchFamily="18" charset="-127"/>
+              <a:ea typeface="휴먼매직체" panose="02030504000101010101" pitchFamily="18" charset="-127"/>
+              <a:cs typeface="+mn-cs"/>
+            </a:endParaRPr>
           </a:p>
         </p:txBody>
       </p:sp>
@@ -40713,7 +41326,7 @@
               <a:defRPr/>
             </a:pPr>
             <a:r>
-              <a:rPr kumimoji="0" lang="en-US" altLang="ko-KR" sz="2800" b="0" i="0" u="none" strike="noStrike" kern="1200" cap="none" spc="0" normalizeH="0" baseline="0" noProof="0">
+              <a:rPr kumimoji="0" lang="en-US" altLang="ko-KR" sz="2800" b="0" i="0" u="none" strike="noStrike" kern="1200" cap="none" spc="0" normalizeH="0" baseline="0" noProof="0" dirty="0">
                 <a:ln>
                   <a:noFill/>
                 </a:ln>
@@ -40730,7 +41343,7 @@
               <a:t>3. </a:t>
             </a:r>
             <a:r>
-              <a:rPr kumimoji="0" lang="ko-KR" altLang="en-US" sz="2800" b="0" i="0" u="none" strike="noStrike" kern="1200" cap="none" spc="0" normalizeH="0" baseline="0" noProof="0">
+              <a:rPr kumimoji="0" lang="ko-KR" altLang="en-US" sz="2800" b="0" i="0" u="none" strike="noStrike" kern="1200" cap="none" spc="0" normalizeH="0" baseline="0" noProof="0" dirty="0">
                 <a:ln>
                   <a:noFill/>
                 </a:ln>
@@ -40744,7 +41357,58 @@
                 <a:ea typeface="휴먼매직체" panose="02030504000101010101" pitchFamily="18" charset="-127"/>
                 <a:cs typeface="+mn-cs"/>
               </a:rPr>
-              <a:t>유사 사이트 분석</a:t>
+              <a:t>유사 어플 분석 </a:t>
+            </a:r>
+            <a:r>
+              <a:rPr kumimoji="0" lang="en-US" altLang="ko-KR" sz="2800" b="0" i="0" u="none" strike="noStrike" kern="1200" cap="none" spc="0" normalizeH="0" baseline="0" noProof="0" dirty="0">
+                <a:ln>
+                  <a:noFill/>
+                </a:ln>
+                <a:solidFill>
+                  <a:prstClr val="white"/>
+                </a:solidFill>
+                <a:effectLst/>
+                <a:uLnTx/>
+                <a:uFillTx/>
+                <a:latin typeface="휴먼매직체" panose="02030504000101010101" pitchFamily="18" charset="-127"/>
+                <a:ea typeface="휴먼매직체" panose="02030504000101010101" pitchFamily="18" charset="-127"/>
+                <a:cs typeface="+mn-cs"/>
+              </a:rPr>
+              <a:t>(</a:t>
+            </a:r>
+            <a:r>
+              <a:rPr kumimoji="0" lang="ko-KR" altLang="en-US" sz="2800" b="0" i="0" u="none" strike="noStrike" kern="1200" cap="none" spc="0" normalizeH="0" baseline="0" noProof="0" dirty="0" err="1">
+                <a:ln>
+                  <a:noFill/>
+                </a:ln>
+                <a:solidFill>
+                  <a:prstClr val="white"/>
+                </a:solidFill>
+                <a:effectLst/>
+                <a:uLnTx/>
+                <a:uFillTx/>
+                <a:latin typeface="휴먼매직체" panose="02030504000101010101" pitchFamily="18" charset="-127"/>
+                <a:ea typeface="휴먼매직체" panose="02030504000101010101" pitchFamily="18" charset="-127"/>
+                <a:cs typeface="+mn-cs"/>
+              </a:rPr>
+              <a:t>윤시현</a:t>
+            </a:r>
+            <a:r>
+              <a:rPr kumimoji="0" lang="en-US" altLang="ko-KR" sz="2800" b="0" i="0" u="none" strike="noStrike" kern="1200" cap="none" spc="0" normalizeH="0" baseline="0" noProof="0" dirty="0">
+                <a:ln>
+                  <a:noFill/>
+                </a:ln>
+                <a:solidFill>
+                  <a:prstClr val="white"/>
+                </a:solidFill>
+                <a:effectLst/>
+                <a:uLnTx/>
+                <a:uFillTx/>
+                <a:latin typeface="휴먼매직체" panose="02030504000101010101" pitchFamily="18" charset="-127"/>
+                <a:ea typeface="휴먼매직체" panose="02030504000101010101" pitchFamily="18" charset="-127"/>
+                <a:cs typeface="+mn-cs"/>
+              </a:rPr>
+              <a:t>)</a:t>
             </a:r>
             <a:endParaRPr kumimoji="0" lang="ko-KR" altLang="en-US" sz="2800" b="0" i="0" u="none" strike="noStrike" kern="1200" cap="none" spc="0" normalizeH="0" baseline="0" noProof="0" dirty="0">
               <a:ln>
@@ -41176,7 +41840,7 @@
         <p:spPr>
           <a:xfrm>
             <a:off x="234434" y="207141"/>
-            <a:ext cx="4468863" cy="523220"/>
+            <a:ext cx="5545581" cy="523220"/>
           </a:xfrm>
           <a:prstGeom prst="rect">
             <a:avLst/>
@@ -41207,7 +41871,7 @@
               <a:defRPr/>
             </a:pPr>
             <a:r>
-              <a:rPr kumimoji="0" lang="en-US" altLang="ko-KR" sz="2800" b="0" i="0" u="none" strike="noStrike" kern="1200" cap="none" spc="0" normalizeH="0" baseline="0" noProof="0">
+              <a:rPr kumimoji="0" lang="en-US" altLang="ko-KR" sz="2800" b="0" i="0" u="none" strike="noStrike" kern="1200" cap="none" spc="0" normalizeH="0" baseline="0" noProof="0" dirty="0">
                 <a:ln>
                   <a:noFill/>
                 </a:ln>
@@ -41224,7 +41888,7 @@
               <a:t>3. </a:t>
             </a:r>
             <a:r>
-              <a:rPr kumimoji="0" lang="ko-KR" altLang="en-US" sz="2800" b="0" i="0" u="none" strike="noStrike" kern="1200" cap="none" spc="0" normalizeH="0" baseline="0" noProof="0">
+              <a:rPr kumimoji="0" lang="ko-KR" altLang="en-US" sz="2800" b="0" i="0" u="none" strike="noStrike" kern="1200" cap="none" spc="0" normalizeH="0" baseline="0" noProof="0" dirty="0">
                 <a:ln>
                   <a:noFill/>
                 </a:ln>
@@ -41238,10 +41902,10 @@
                 <a:ea typeface="휴먼매직체" panose="02030504000101010101" pitchFamily="18" charset="-127"/>
                 <a:cs typeface="+mn-cs"/>
               </a:rPr>
-              <a:t>유사 사이트 분석 </a:t>
-            </a:r>
-            <a:r>
-              <a:rPr kumimoji="0" lang="en-US" altLang="ko-KR" sz="2800" b="0" i="0" u="none" strike="noStrike" kern="1200" cap="none" spc="0" normalizeH="0" baseline="0" noProof="0">
+              <a:t>유사 어플 분석 </a:t>
+            </a:r>
+            <a:r>
+              <a:rPr kumimoji="0" lang="en-US" altLang="ko-KR" sz="2800" b="0" i="0" u="none" strike="noStrike" kern="1200" cap="none" spc="0" normalizeH="0" baseline="0" noProof="0" dirty="0">
                 <a:ln>
                   <a:noFill/>
                 </a:ln>
@@ -41258,7 +41922,7 @@
               <a:t>: </a:t>
             </a:r>
             <a:r>
-              <a:rPr kumimoji="0" lang="ko-KR" altLang="en-US" sz="2800" b="0" i="0" u="none" strike="noStrike" kern="1200" cap="none" spc="0" normalizeH="0" baseline="0" noProof="0">
+              <a:rPr kumimoji="0" lang="ko-KR" altLang="en-US" sz="2800" b="0" i="0" u="none" strike="noStrike" kern="1200" cap="none" spc="0" normalizeH="0" baseline="0" noProof="0" dirty="0">
                 <a:ln>
                   <a:noFill/>
                 </a:ln>
@@ -41272,7 +41936,37 @@
                 <a:ea typeface="휴먼매직체" panose="02030504000101010101" pitchFamily="18" charset="-127"/>
                 <a:cs typeface="+mn-cs"/>
               </a:rPr>
-              <a:t>밀리그램</a:t>
+              <a:t>밀리그램 </a:t>
+            </a:r>
+            <a:r>
+              <a:rPr lang="en-US" altLang="ko-KR" sz="2800" dirty="0">
+                <a:solidFill>
+                  <a:prstClr val="white"/>
+                </a:solidFill>
+                <a:latin typeface="휴먼매직체" panose="02030504000101010101" pitchFamily="18" charset="-127"/>
+                <a:ea typeface="휴먼매직체" panose="02030504000101010101" pitchFamily="18" charset="-127"/>
+              </a:rPr>
+              <a:t>(</a:t>
+            </a:r>
+            <a:r>
+              <a:rPr lang="ko-KR" altLang="en-US" sz="2800" dirty="0" err="1">
+                <a:solidFill>
+                  <a:prstClr val="white"/>
+                </a:solidFill>
+                <a:latin typeface="휴먼매직체" panose="02030504000101010101" pitchFamily="18" charset="-127"/>
+                <a:ea typeface="휴먼매직체" panose="02030504000101010101" pitchFamily="18" charset="-127"/>
+              </a:rPr>
+              <a:t>윤시현</a:t>
+            </a:r>
+            <a:r>
+              <a:rPr lang="en-US" altLang="ko-KR" sz="2800" dirty="0">
+                <a:solidFill>
+                  <a:prstClr val="white"/>
+                </a:solidFill>
+                <a:latin typeface="휴먼매직체" panose="02030504000101010101" pitchFamily="18" charset="-127"/>
+                <a:ea typeface="휴먼매직체" panose="02030504000101010101" pitchFamily="18" charset="-127"/>
+              </a:rPr>
+              <a:t>)</a:t>
             </a:r>
             <a:endParaRPr kumimoji="0" lang="ko-KR" altLang="en-US" sz="2800" b="0" i="0" u="none" strike="noStrike" kern="1200" cap="none" spc="0" normalizeH="0" baseline="0" noProof="0" dirty="0">
               <a:ln>
@@ -42010,236 +42704,6 @@
           <a:chExt cx="0" cy="0"/>
         </a:xfrm>
       </p:grpSpPr>
-      <p:sp>
-        <p:nvSpPr>
-          <p:cNvPr id="2" name="TextBox 1">
-            <a:extLst>
-              <a:ext uri="{FF2B5EF4-FFF2-40B4-BE49-F238E27FC236}">
-                <a16:creationId xmlns:a16="http://schemas.microsoft.com/office/drawing/2014/main" id="{DDE284A1-06BB-AEF6-CC6C-FF63F7DABC50}"/>
-              </a:ext>
-            </a:extLst>
-          </p:cNvPr>
-          <p:cNvSpPr txBox="1">
-            <a:spLocks noGrp="1" noRot="1" noMove="1" noResize="1" noEditPoints="1" noAdjustHandles="1" noChangeArrowheads="1" noChangeShapeType="1"/>
-          </p:cNvSpPr>
-          <p:nvPr/>
-        </p:nvSpPr>
-        <p:spPr>
-          <a:xfrm>
-            <a:off x="234434" y="207141"/>
-            <a:ext cx="4468863" cy="523220"/>
-          </a:xfrm>
-          <a:prstGeom prst="rect">
-            <a:avLst/>
-          </a:prstGeom>
-          <a:noFill/>
-        </p:spPr>
-        <p:txBody>
-          <a:bodyPr wrap="square" rtlCol="0">
-            <a:spAutoFit/>
-          </a:bodyPr>
-          <a:lstStyle/>
-          <a:p>
-            <a:pPr marL="0" marR="0" lvl="0" indent="0" algn="l" defTabSz="914400" rtl="0" eaLnBrk="1" fontAlgn="auto" latinLnBrk="1" hangingPunct="1">
-              <a:lnSpc>
-                <a:spcPct val="100000"/>
-              </a:lnSpc>
-              <a:spcBef>
-                <a:spcPts val="0"/>
-              </a:spcBef>
-              <a:spcAft>
-                <a:spcPts val="0"/>
-              </a:spcAft>
-              <a:buClrTx/>
-              <a:buSzTx/>
-              <a:buFontTx/>
-              <a:buNone/>
-              <a:tabLst/>
-              <a:defRPr/>
-            </a:pPr>
-            <a:r>
-              <a:rPr kumimoji="0" lang="en-US" altLang="ko-KR" sz="2800" b="0" i="0" u="none" strike="noStrike" kern="1200" cap="none" spc="0" normalizeH="0" baseline="0" noProof="0">
-                <a:ln>
-                  <a:noFill/>
-                </a:ln>
-                <a:solidFill>
-                  <a:prstClr val="white"/>
-                </a:solidFill>
-                <a:effectLst/>
-                <a:uLnTx/>
-                <a:uFillTx/>
-                <a:latin typeface="휴먼매직체" panose="02030504000101010101" pitchFamily="18" charset="-127"/>
-                <a:ea typeface="휴먼매직체" panose="02030504000101010101" pitchFamily="18" charset="-127"/>
-                <a:cs typeface="+mn-cs"/>
-              </a:rPr>
-              <a:t>3. </a:t>
-            </a:r>
-            <a:r>
-              <a:rPr kumimoji="0" lang="ko-KR" altLang="en-US" sz="2800" b="0" i="0" u="none" strike="noStrike" kern="1200" cap="none" spc="0" normalizeH="0" baseline="0" noProof="0">
-                <a:ln>
-                  <a:noFill/>
-                </a:ln>
-                <a:solidFill>
-                  <a:prstClr val="white"/>
-                </a:solidFill>
-                <a:effectLst/>
-                <a:uLnTx/>
-                <a:uFillTx/>
-                <a:latin typeface="휴먼매직체" panose="02030504000101010101" pitchFamily="18" charset="-127"/>
-                <a:ea typeface="휴먼매직체" panose="02030504000101010101" pitchFamily="18" charset="-127"/>
-                <a:cs typeface="+mn-cs"/>
-              </a:rPr>
-              <a:t>유사 사이트 분석 </a:t>
-            </a:r>
-            <a:r>
-              <a:rPr kumimoji="0" lang="en-US" altLang="ko-KR" sz="2800" b="0" i="0" u="none" strike="noStrike" kern="1200" cap="none" spc="0" normalizeH="0" baseline="0" noProof="0">
-                <a:ln>
-                  <a:noFill/>
-                </a:ln>
-                <a:solidFill>
-                  <a:prstClr val="white"/>
-                </a:solidFill>
-                <a:effectLst/>
-                <a:uLnTx/>
-                <a:uFillTx/>
-                <a:latin typeface="휴먼매직체" panose="02030504000101010101" pitchFamily="18" charset="-127"/>
-                <a:ea typeface="휴먼매직체" panose="02030504000101010101" pitchFamily="18" charset="-127"/>
-                <a:cs typeface="+mn-cs"/>
-              </a:rPr>
-              <a:t>: </a:t>
-            </a:r>
-            <a:r>
-              <a:rPr kumimoji="0" lang="ko-KR" altLang="en-US" sz="2800" b="0" i="0" u="none" strike="noStrike" kern="1200" cap="none" spc="0" normalizeH="0" baseline="0" noProof="0">
-                <a:ln>
-                  <a:noFill/>
-                </a:ln>
-                <a:solidFill>
-                  <a:prstClr val="white"/>
-                </a:solidFill>
-                <a:effectLst/>
-                <a:uLnTx/>
-                <a:uFillTx/>
-                <a:latin typeface="휴먼매직체" panose="02030504000101010101" pitchFamily="18" charset="-127"/>
-                <a:ea typeface="휴먼매직체" panose="02030504000101010101" pitchFamily="18" charset="-127"/>
-                <a:cs typeface="+mn-cs"/>
-              </a:rPr>
-              <a:t>밀리그램</a:t>
-            </a:r>
-            <a:endParaRPr kumimoji="0" lang="ko-KR" altLang="en-US" sz="2800" b="0" i="0" u="none" strike="noStrike" kern="1200" cap="none" spc="0" normalizeH="0" baseline="0" noProof="0" dirty="0">
-              <a:ln>
-                <a:noFill/>
-              </a:ln>
-              <a:solidFill>
-                <a:prstClr val="white"/>
-              </a:solidFill>
-              <a:effectLst/>
-              <a:uLnTx/>
-              <a:uFillTx/>
-              <a:latin typeface="휴먼매직체" panose="02030504000101010101" pitchFamily="18" charset="-127"/>
-              <a:ea typeface="휴먼매직체" panose="02030504000101010101" pitchFamily="18" charset="-127"/>
-              <a:cs typeface="+mn-cs"/>
-            </a:endParaRPr>
-          </a:p>
-        </p:txBody>
-      </p:sp>
-      <p:sp>
-        <p:nvSpPr>
-          <p:cNvPr id="3" name="TextBox 2">
-            <a:extLst>
-              <a:ext uri="{FF2B5EF4-FFF2-40B4-BE49-F238E27FC236}">
-                <a16:creationId xmlns:a16="http://schemas.microsoft.com/office/drawing/2014/main" id="{6EF34F69-6A43-CE2B-9403-869FDD7131FA}"/>
-              </a:ext>
-            </a:extLst>
-          </p:cNvPr>
-          <p:cNvSpPr txBox="1">
-            <a:spLocks noGrp="1" noRot="1" noMove="1" noResize="1" noEditPoints="1" noAdjustHandles="1" noChangeArrowheads="1" noChangeShapeType="1"/>
-          </p:cNvSpPr>
-          <p:nvPr/>
-        </p:nvSpPr>
-        <p:spPr>
-          <a:xfrm>
-            <a:off x="4703297" y="271354"/>
-            <a:ext cx="4823669" cy="400110"/>
-          </a:xfrm>
-          <a:prstGeom prst="rect">
-            <a:avLst/>
-          </a:prstGeom>
-          <a:noFill/>
-        </p:spPr>
-        <p:txBody>
-          <a:bodyPr wrap="square" rtlCol="0">
-            <a:spAutoFit/>
-          </a:bodyPr>
-          <a:lstStyle/>
-          <a:p>
-            <a:pPr marL="0" marR="0" lvl="0" indent="0" algn="l" defTabSz="914400" rtl="0" eaLnBrk="1" fontAlgn="auto" latinLnBrk="1" hangingPunct="1">
-              <a:lnSpc>
-                <a:spcPct val="100000"/>
-              </a:lnSpc>
-              <a:spcBef>
-                <a:spcPts val="0"/>
-              </a:spcBef>
-              <a:spcAft>
-                <a:spcPts val="0"/>
-              </a:spcAft>
-              <a:buClrTx/>
-              <a:buSzTx/>
-              <a:buFontTx/>
-              <a:buNone/>
-              <a:tabLst/>
-              <a:defRPr/>
-            </a:pPr>
-            <a:r>
-              <a:rPr kumimoji="0" lang="en-US" altLang="ko-KR" sz="2000" b="0" i="0" u="none" strike="noStrike" kern="1200" cap="none" spc="0" normalizeH="0" baseline="0" noProof="0">
-                <a:ln>
-                  <a:noFill/>
-                </a:ln>
-                <a:solidFill>
-                  <a:prstClr val="white"/>
-                </a:solidFill>
-                <a:effectLst/>
-                <a:uLnTx/>
-                <a:uFillTx/>
-                <a:latin typeface="휴먼매직체" panose="02030504000101010101" pitchFamily="18" charset="-127"/>
-                <a:ea typeface="휴먼매직체" panose="02030504000101010101" pitchFamily="18" charset="-127"/>
-                <a:cs typeface="+mn-cs"/>
-              </a:rPr>
-              <a:t>*</a:t>
-            </a:r>
-            <a:r>
-              <a:rPr kumimoji="0" lang="ko-KR" altLang="en-US" sz="2000" b="0" i="0" u="none" strike="noStrike" kern="1200" cap="none" spc="0" normalizeH="0" baseline="0" noProof="0">
-                <a:ln>
-                  <a:noFill/>
-                </a:ln>
-                <a:solidFill>
-                  <a:prstClr val="white"/>
-                </a:solidFill>
-                <a:effectLst/>
-                <a:uLnTx/>
-                <a:uFillTx/>
-                <a:latin typeface="휴먼매직체" panose="02030504000101010101" pitchFamily="18" charset="-127"/>
-                <a:ea typeface="휴먼매직체" panose="02030504000101010101" pitchFamily="18" charset="-127"/>
-                <a:cs typeface="+mn-cs"/>
-              </a:rPr>
-              <a:t>콘텐츠 및 기능 분석</a:t>
-            </a:r>
-            <a:endParaRPr kumimoji="0" lang="en-US" altLang="ko-KR" sz="2000" b="0" i="0" u="none" strike="noStrike" kern="1200" cap="none" spc="0" normalizeH="0" baseline="0" noProof="0">
-              <a:ln>
-                <a:noFill/>
-              </a:ln>
-              <a:solidFill>
-                <a:prstClr val="white"/>
-              </a:solidFill>
-              <a:effectLst/>
-              <a:uLnTx/>
-              <a:uFillTx/>
-              <a:latin typeface="휴먼매직체" panose="02030504000101010101" pitchFamily="18" charset="-127"/>
-              <a:ea typeface="휴먼매직체" panose="02030504000101010101" pitchFamily="18" charset="-127"/>
-              <a:cs typeface="+mn-cs"/>
-            </a:endParaRPr>
-          </a:p>
-        </p:txBody>
-      </p:sp>
       <p:pic>
         <p:nvPicPr>
           <p:cNvPr id="7" name="그림 6">
@@ -43518,6 +43982,257 @@
           </a:fontRef>
         </p:style>
       </p:cxnSp>
+      <p:sp>
+        <p:nvSpPr>
+          <p:cNvPr id="4" name="TextBox 3">
+            <a:extLst>
+              <a:ext uri="{FF2B5EF4-FFF2-40B4-BE49-F238E27FC236}">
+                <a16:creationId xmlns:a16="http://schemas.microsoft.com/office/drawing/2014/main" id="{34DA66EA-17EA-F44D-BFE6-CD94C5E3B8F1}"/>
+              </a:ext>
+            </a:extLst>
+          </p:cNvPr>
+          <p:cNvSpPr txBox="1"/>
+          <p:nvPr/>
+        </p:nvSpPr>
+        <p:spPr>
+          <a:xfrm>
+            <a:off x="234434" y="207141"/>
+            <a:ext cx="4468863" cy="523220"/>
+          </a:xfrm>
+          <a:prstGeom prst="rect">
+            <a:avLst/>
+          </a:prstGeom>
+          <a:noFill/>
+        </p:spPr>
+        <p:txBody>
+          <a:bodyPr wrap="square" rtlCol="0">
+            <a:spAutoFit/>
+          </a:bodyPr>
+          <a:lstStyle/>
+          <a:p>
+            <a:pPr marL="0" marR="0" lvl="0" indent="0" algn="l" defTabSz="914400" rtl="0" eaLnBrk="1" fontAlgn="auto" latinLnBrk="1" hangingPunct="1">
+              <a:lnSpc>
+                <a:spcPct val="100000"/>
+              </a:lnSpc>
+              <a:spcBef>
+                <a:spcPts val="0"/>
+              </a:spcBef>
+              <a:spcAft>
+                <a:spcPts val="0"/>
+              </a:spcAft>
+              <a:buClrTx/>
+              <a:buSzTx/>
+              <a:buFontTx/>
+              <a:buNone/>
+              <a:tabLst/>
+              <a:defRPr/>
+            </a:pPr>
+            <a:r>
+              <a:rPr kumimoji="0" lang="en-US" altLang="ko-KR" sz="2800" b="0" i="0" u="none" strike="noStrike" kern="1200" cap="none" spc="0" normalizeH="0" baseline="0" noProof="0" dirty="0">
+                <a:ln>
+                  <a:noFill/>
+                </a:ln>
+                <a:solidFill>
+                  <a:prstClr val="white"/>
+                </a:solidFill>
+                <a:effectLst/>
+                <a:uLnTx/>
+                <a:uFillTx/>
+                <a:latin typeface="휴먼매직체" panose="02030504000101010101" pitchFamily="18" charset="-127"/>
+                <a:ea typeface="휴먼매직체" panose="02030504000101010101" pitchFamily="18" charset="-127"/>
+                <a:cs typeface="+mn-cs"/>
+              </a:rPr>
+              <a:t>3. </a:t>
+            </a:r>
+            <a:r>
+              <a:rPr kumimoji="0" lang="ko-KR" altLang="en-US" sz="2800" b="0" i="0" u="none" strike="noStrike" kern="1200" cap="none" spc="0" normalizeH="0" baseline="0" noProof="0" dirty="0">
+                <a:ln>
+                  <a:noFill/>
+                </a:ln>
+                <a:solidFill>
+                  <a:prstClr val="white"/>
+                </a:solidFill>
+                <a:effectLst/>
+                <a:uLnTx/>
+                <a:uFillTx/>
+                <a:latin typeface="휴먼매직체" panose="02030504000101010101" pitchFamily="18" charset="-127"/>
+                <a:ea typeface="휴먼매직체" panose="02030504000101010101" pitchFamily="18" charset="-127"/>
+                <a:cs typeface="+mn-cs"/>
+              </a:rPr>
+              <a:t>유사 어플 분석 </a:t>
+            </a:r>
+            <a:r>
+              <a:rPr kumimoji="0" lang="en-US" altLang="ko-KR" sz="2800" b="0" i="0" u="none" strike="noStrike" kern="1200" cap="none" spc="0" normalizeH="0" baseline="0" noProof="0" dirty="0">
+                <a:ln>
+                  <a:noFill/>
+                </a:ln>
+                <a:solidFill>
+                  <a:prstClr val="white"/>
+                </a:solidFill>
+                <a:effectLst/>
+                <a:uLnTx/>
+                <a:uFillTx/>
+                <a:latin typeface="휴먼매직체" panose="02030504000101010101" pitchFamily="18" charset="-127"/>
+                <a:ea typeface="휴먼매직체" panose="02030504000101010101" pitchFamily="18" charset="-127"/>
+                <a:cs typeface="+mn-cs"/>
+              </a:rPr>
+              <a:t>: </a:t>
+            </a:r>
+            <a:r>
+              <a:rPr kumimoji="0" lang="ko-KR" altLang="en-US" sz="2800" b="0" i="0" u="none" strike="noStrike" kern="1200" cap="none" spc="0" normalizeH="0" baseline="0" noProof="0" dirty="0">
+                <a:ln>
+                  <a:noFill/>
+                </a:ln>
+                <a:solidFill>
+                  <a:prstClr val="white"/>
+                </a:solidFill>
+                <a:effectLst/>
+                <a:uLnTx/>
+                <a:uFillTx/>
+                <a:latin typeface="휴먼매직체" panose="02030504000101010101" pitchFamily="18" charset="-127"/>
+                <a:ea typeface="휴먼매직체" panose="02030504000101010101" pitchFamily="18" charset="-127"/>
+                <a:cs typeface="+mn-cs"/>
+              </a:rPr>
+              <a:t>밀리그램</a:t>
+            </a:r>
+          </a:p>
+        </p:txBody>
+      </p:sp>
+      <p:sp>
+        <p:nvSpPr>
+          <p:cNvPr id="5" name="TextBox 4">
+            <a:extLst>
+              <a:ext uri="{FF2B5EF4-FFF2-40B4-BE49-F238E27FC236}">
+                <a16:creationId xmlns:a16="http://schemas.microsoft.com/office/drawing/2014/main" id="{A6C2A4D2-66C0-C8A2-2F65-AB6B624E275A}"/>
+              </a:ext>
+            </a:extLst>
+          </p:cNvPr>
+          <p:cNvSpPr txBox="1">
+            <a:spLocks noGrp="1" noRot="1" noMove="1" noResize="1" noEditPoints="1" noAdjustHandles="1" noChangeArrowheads="1" noChangeShapeType="1"/>
+          </p:cNvSpPr>
+          <p:nvPr/>
+        </p:nvSpPr>
+        <p:spPr>
+          <a:xfrm>
+            <a:off x="4703297" y="271354"/>
+            <a:ext cx="4823669" cy="400110"/>
+          </a:xfrm>
+          <a:prstGeom prst="rect">
+            <a:avLst/>
+          </a:prstGeom>
+          <a:noFill/>
+        </p:spPr>
+        <p:txBody>
+          <a:bodyPr wrap="square" rtlCol="0">
+            <a:spAutoFit/>
+          </a:bodyPr>
+          <a:lstStyle/>
+          <a:p>
+            <a:pPr marL="0" marR="0" lvl="0" indent="0" algn="l" defTabSz="914400" rtl="0" eaLnBrk="1" fontAlgn="auto" latinLnBrk="1" hangingPunct="1">
+              <a:lnSpc>
+                <a:spcPct val="100000"/>
+              </a:lnSpc>
+              <a:spcBef>
+                <a:spcPts val="0"/>
+              </a:spcBef>
+              <a:spcAft>
+                <a:spcPts val="0"/>
+              </a:spcAft>
+              <a:buClrTx/>
+              <a:buSzTx/>
+              <a:buFontTx/>
+              <a:buNone/>
+              <a:tabLst/>
+              <a:defRPr/>
+            </a:pPr>
+            <a:r>
+              <a:rPr kumimoji="0" lang="en-US" altLang="ko-KR" sz="2000" b="0" i="0" u="none" strike="noStrike" kern="1200" cap="none" spc="0" normalizeH="0" baseline="0" noProof="0" dirty="0">
+                <a:ln>
+                  <a:noFill/>
+                </a:ln>
+                <a:solidFill>
+                  <a:prstClr val="white"/>
+                </a:solidFill>
+                <a:effectLst/>
+                <a:uLnTx/>
+                <a:uFillTx/>
+                <a:latin typeface="휴먼매직체" panose="02030504000101010101" pitchFamily="18" charset="-127"/>
+                <a:ea typeface="휴먼매직체" panose="02030504000101010101" pitchFamily="18" charset="-127"/>
+                <a:cs typeface="+mn-cs"/>
+              </a:rPr>
+              <a:t>*</a:t>
+            </a:r>
+            <a:r>
+              <a:rPr kumimoji="0" lang="ko-KR" altLang="en-US" sz="2000" b="0" i="0" u="none" strike="noStrike" kern="1200" cap="none" spc="0" normalizeH="0" baseline="0" noProof="0" dirty="0">
+                <a:ln>
+                  <a:noFill/>
+                </a:ln>
+                <a:solidFill>
+                  <a:prstClr val="white"/>
+                </a:solidFill>
+                <a:effectLst/>
+                <a:uLnTx/>
+                <a:uFillTx/>
+                <a:latin typeface="휴먼매직체" panose="02030504000101010101" pitchFamily="18" charset="-127"/>
+                <a:ea typeface="휴먼매직체" panose="02030504000101010101" pitchFamily="18" charset="-127"/>
+                <a:cs typeface="+mn-cs"/>
+              </a:rPr>
+              <a:t>콘텐츠 및 기능 분석 </a:t>
+            </a:r>
+            <a:r>
+              <a:rPr kumimoji="0" lang="en-US" altLang="ko-KR" sz="2000" b="0" i="0" u="none" strike="noStrike" kern="1200" cap="none" spc="0" normalizeH="0" baseline="0" noProof="0" dirty="0">
+                <a:ln>
+                  <a:noFill/>
+                </a:ln>
+                <a:solidFill>
+                  <a:prstClr val="white"/>
+                </a:solidFill>
+                <a:effectLst/>
+                <a:uLnTx/>
+                <a:uFillTx/>
+                <a:latin typeface="휴먼매직체" panose="02030504000101010101" pitchFamily="18" charset="-127"/>
+                <a:ea typeface="휴먼매직체" panose="02030504000101010101" pitchFamily="18" charset="-127"/>
+                <a:cs typeface="+mn-cs"/>
+              </a:rPr>
+              <a:t>(</a:t>
+            </a:r>
+            <a:r>
+              <a:rPr lang="ko-KR" altLang="en-US" sz="2000" dirty="0" err="1">
+                <a:solidFill>
+                  <a:prstClr val="white"/>
+                </a:solidFill>
+                <a:latin typeface="휴먼매직체" panose="02030504000101010101" pitchFamily="18" charset="-127"/>
+                <a:ea typeface="휴먼매직체" panose="02030504000101010101" pitchFamily="18" charset="-127"/>
+              </a:rPr>
+              <a:t>윤시현</a:t>
+            </a:r>
+            <a:r>
+              <a:rPr lang="en-US" altLang="ko-KR" sz="2000" dirty="0">
+                <a:solidFill>
+                  <a:prstClr val="white"/>
+                </a:solidFill>
+                <a:latin typeface="휴먼매직체" panose="02030504000101010101" pitchFamily="18" charset="-127"/>
+                <a:ea typeface="휴먼매직체" panose="02030504000101010101" pitchFamily="18" charset="-127"/>
+              </a:rPr>
+              <a:t>)</a:t>
+            </a:r>
+            <a:endParaRPr kumimoji="0" lang="en-US" altLang="ko-KR" sz="2000" b="0" i="0" u="none" strike="noStrike" kern="1200" cap="none" spc="0" normalizeH="0" baseline="0" noProof="0" dirty="0">
+              <a:ln>
+                <a:noFill/>
+              </a:ln>
+              <a:solidFill>
+                <a:prstClr val="white"/>
+              </a:solidFill>
+              <a:effectLst/>
+              <a:uLnTx/>
+              <a:uFillTx/>
+              <a:latin typeface="휴먼매직체" panose="02030504000101010101" pitchFamily="18" charset="-127"/>
+              <a:ea typeface="휴먼매직체" panose="02030504000101010101" pitchFamily="18" charset="-127"/>
+              <a:cs typeface="+mn-cs"/>
+            </a:endParaRPr>
+          </a:p>
+        </p:txBody>
+      </p:sp>
     </p:spTree>
     <p:extLst>
       <p:ext uri="{BB962C8B-B14F-4D97-AF65-F5344CB8AC3E}">
@@ -43570,138 +44285,6 @@
           <a:chExt cx="0" cy="0"/>
         </a:xfrm>
       </p:grpSpPr>
-      <p:sp>
-        <p:nvSpPr>
-          <p:cNvPr id="2" name="TextBox 1">
-            <a:extLst>
-              <a:ext uri="{FF2B5EF4-FFF2-40B4-BE49-F238E27FC236}">
-                <a16:creationId xmlns:a16="http://schemas.microsoft.com/office/drawing/2014/main" id="{DDE284A1-06BB-AEF6-CC6C-FF63F7DABC50}"/>
-              </a:ext>
-            </a:extLst>
-          </p:cNvPr>
-          <p:cNvSpPr txBox="1">
-            <a:spLocks noGrp="1" noRot="1" noMove="1" noResize="1" noEditPoints="1" noAdjustHandles="1" noChangeArrowheads="1" noChangeShapeType="1"/>
-          </p:cNvSpPr>
-          <p:nvPr/>
-        </p:nvSpPr>
-        <p:spPr>
-          <a:xfrm>
-            <a:off x="234434" y="207141"/>
-            <a:ext cx="4468863" cy="523220"/>
-          </a:xfrm>
-          <a:prstGeom prst="rect">
-            <a:avLst/>
-          </a:prstGeom>
-          <a:noFill/>
-        </p:spPr>
-        <p:txBody>
-          <a:bodyPr wrap="square" rtlCol="0">
-            <a:spAutoFit/>
-          </a:bodyPr>
-          <a:lstStyle/>
-          <a:p>
-            <a:pPr marL="0" marR="0" lvl="0" indent="0" algn="l" defTabSz="914400" rtl="0" eaLnBrk="1" fontAlgn="auto" latinLnBrk="1" hangingPunct="1">
-              <a:lnSpc>
-                <a:spcPct val="100000"/>
-              </a:lnSpc>
-              <a:spcBef>
-                <a:spcPts val="0"/>
-              </a:spcBef>
-              <a:spcAft>
-                <a:spcPts val="0"/>
-              </a:spcAft>
-              <a:buClrTx/>
-              <a:buSzTx/>
-              <a:buFontTx/>
-              <a:buNone/>
-              <a:tabLst/>
-              <a:defRPr/>
-            </a:pPr>
-            <a:r>
-              <a:rPr kumimoji="0" lang="en-US" altLang="ko-KR" sz="2800" b="0" i="0" u="none" strike="noStrike" kern="1200" cap="none" spc="0" normalizeH="0" baseline="0" noProof="0">
-                <a:ln>
-                  <a:noFill/>
-                </a:ln>
-                <a:solidFill>
-                  <a:prstClr val="white"/>
-                </a:solidFill>
-                <a:effectLst/>
-                <a:uLnTx/>
-                <a:uFillTx/>
-                <a:latin typeface="휴먼매직체" panose="02030504000101010101" pitchFamily="18" charset="-127"/>
-                <a:ea typeface="휴먼매직체" panose="02030504000101010101" pitchFamily="18" charset="-127"/>
-                <a:cs typeface="+mn-cs"/>
-              </a:rPr>
-              <a:t>3. </a:t>
-            </a:r>
-            <a:r>
-              <a:rPr kumimoji="0" lang="ko-KR" altLang="en-US" sz="2800" b="0" i="0" u="none" strike="noStrike" kern="1200" cap="none" spc="0" normalizeH="0" baseline="0" noProof="0">
-                <a:ln>
-                  <a:noFill/>
-                </a:ln>
-                <a:solidFill>
-                  <a:prstClr val="white"/>
-                </a:solidFill>
-                <a:effectLst/>
-                <a:uLnTx/>
-                <a:uFillTx/>
-                <a:latin typeface="휴먼매직체" panose="02030504000101010101" pitchFamily="18" charset="-127"/>
-                <a:ea typeface="휴먼매직체" panose="02030504000101010101" pitchFamily="18" charset="-127"/>
-                <a:cs typeface="+mn-cs"/>
-              </a:rPr>
-              <a:t>유사 사이트 분석 </a:t>
-            </a:r>
-            <a:r>
-              <a:rPr kumimoji="0" lang="en-US" altLang="ko-KR" sz="2800" b="0" i="0" u="none" strike="noStrike" kern="1200" cap="none" spc="0" normalizeH="0" baseline="0" noProof="0">
-                <a:ln>
-                  <a:noFill/>
-                </a:ln>
-                <a:solidFill>
-                  <a:prstClr val="white"/>
-                </a:solidFill>
-                <a:effectLst/>
-                <a:uLnTx/>
-                <a:uFillTx/>
-                <a:latin typeface="휴먼매직체" panose="02030504000101010101" pitchFamily="18" charset="-127"/>
-                <a:ea typeface="휴먼매직체" panose="02030504000101010101" pitchFamily="18" charset="-127"/>
-                <a:cs typeface="+mn-cs"/>
-              </a:rPr>
-              <a:t>: </a:t>
-            </a:r>
-            <a:r>
-              <a:rPr kumimoji="0" lang="ko-KR" altLang="en-US" sz="2800" b="0" i="0" u="none" strike="noStrike" kern="1200" cap="none" spc="0" normalizeH="0" baseline="0" noProof="0">
-                <a:ln>
-                  <a:noFill/>
-                </a:ln>
-                <a:solidFill>
-                  <a:prstClr val="white"/>
-                </a:solidFill>
-                <a:effectLst/>
-                <a:uLnTx/>
-                <a:uFillTx/>
-                <a:latin typeface="휴먼매직체" panose="02030504000101010101" pitchFamily="18" charset="-127"/>
-                <a:ea typeface="휴먼매직체" panose="02030504000101010101" pitchFamily="18" charset="-127"/>
-                <a:cs typeface="+mn-cs"/>
-              </a:rPr>
-              <a:t>밀리그램</a:t>
-            </a:r>
-            <a:endParaRPr kumimoji="0" lang="ko-KR" altLang="en-US" sz="2800" b="0" i="0" u="none" strike="noStrike" kern="1200" cap="none" spc="0" normalizeH="0" baseline="0" noProof="0" dirty="0">
-              <a:ln>
-                <a:noFill/>
-              </a:ln>
-              <a:solidFill>
-                <a:prstClr val="white"/>
-              </a:solidFill>
-              <a:effectLst/>
-              <a:uLnTx/>
-              <a:uFillTx/>
-              <a:latin typeface="휴먼매직체" panose="02030504000101010101" pitchFamily="18" charset="-127"/>
-              <a:ea typeface="휴먼매직체" panose="02030504000101010101" pitchFamily="18" charset="-127"/>
-              <a:cs typeface="+mn-cs"/>
-            </a:endParaRPr>
-          </a:p>
-        </p:txBody>
-      </p:sp>
       <p:pic>
         <p:nvPicPr>
           <p:cNvPr id="4" name="그림 3">
@@ -43732,104 +44315,6 @@
           </a:prstGeom>
         </p:spPr>
       </p:pic>
-      <p:sp>
-        <p:nvSpPr>
-          <p:cNvPr id="7" name="TextBox 6">
-            <a:extLst>
-              <a:ext uri="{FF2B5EF4-FFF2-40B4-BE49-F238E27FC236}">
-                <a16:creationId xmlns:a16="http://schemas.microsoft.com/office/drawing/2014/main" id="{E4ECE52B-C87C-47ED-3377-19B3BDFE6B8A}"/>
-              </a:ext>
-            </a:extLst>
-          </p:cNvPr>
-          <p:cNvSpPr txBox="1">
-            <a:spLocks noGrp="1" noRot="1" noMove="1" noResize="1" noEditPoints="1" noAdjustHandles="1" noChangeArrowheads="1" noChangeShapeType="1"/>
-          </p:cNvSpPr>
-          <p:nvPr/>
-        </p:nvSpPr>
-        <p:spPr>
-          <a:xfrm>
-            <a:off x="4703297" y="271354"/>
-            <a:ext cx="4823669" cy="400110"/>
-          </a:xfrm>
-          <a:prstGeom prst="rect">
-            <a:avLst/>
-          </a:prstGeom>
-          <a:noFill/>
-        </p:spPr>
-        <p:txBody>
-          <a:bodyPr wrap="square" rtlCol="0">
-            <a:spAutoFit/>
-          </a:bodyPr>
-          <a:lstStyle/>
-          <a:p>
-            <a:pPr marL="0" marR="0" lvl="0" indent="0" algn="l" defTabSz="914400" rtl="0" eaLnBrk="1" fontAlgn="auto" latinLnBrk="1" hangingPunct="1">
-              <a:lnSpc>
-                <a:spcPct val="100000"/>
-              </a:lnSpc>
-              <a:spcBef>
-                <a:spcPts val="0"/>
-              </a:spcBef>
-              <a:spcAft>
-                <a:spcPts val="0"/>
-              </a:spcAft>
-              <a:buClrTx/>
-              <a:buSzTx/>
-              <a:buFontTx/>
-              <a:buNone/>
-              <a:tabLst/>
-              <a:defRPr/>
-            </a:pPr>
-            <a:r>
-              <a:rPr kumimoji="0" lang="en-US" altLang="ko-KR" sz="2000" b="0" i="0" u="none" strike="noStrike" kern="1200" cap="none" spc="0" normalizeH="0" baseline="0" noProof="0">
-                <a:ln>
-                  <a:noFill/>
-                </a:ln>
-                <a:solidFill>
-                  <a:prstClr val="white"/>
-                </a:solidFill>
-                <a:effectLst/>
-                <a:uLnTx/>
-                <a:uFillTx/>
-                <a:latin typeface="휴먼매직체" panose="02030504000101010101" pitchFamily="18" charset="-127"/>
-                <a:ea typeface="휴먼매직체" panose="02030504000101010101" pitchFamily="18" charset="-127"/>
-                <a:cs typeface="+mn-cs"/>
-              </a:rPr>
-              <a:t>*</a:t>
-            </a:r>
-            <a:r>
-              <a:rPr kumimoji="0" lang="ko-KR" altLang="en-US" sz="2000" b="0" i="0" u="none" strike="noStrike" kern="1200" cap="none" spc="0" normalizeH="0" baseline="0" noProof="0">
-                <a:ln>
-                  <a:noFill/>
-                </a:ln>
-                <a:solidFill>
-                  <a:prstClr val="white"/>
-                </a:solidFill>
-                <a:effectLst/>
-                <a:uLnTx/>
-                <a:uFillTx/>
-                <a:latin typeface="휴먼매직체" panose="02030504000101010101" pitchFamily="18" charset="-127"/>
-                <a:ea typeface="휴먼매직체" panose="02030504000101010101" pitchFamily="18" charset="-127"/>
-                <a:cs typeface="+mn-cs"/>
-              </a:rPr>
-              <a:t>콘텐츠 및 기능 분석</a:t>
-            </a:r>
-            <a:endParaRPr kumimoji="0" lang="en-US" altLang="ko-KR" sz="2000" b="0" i="0" u="none" strike="noStrike" kern="1200" cap="none" spc="0" normalizeH="0" baseline="0" noProof="0">
-              <a:ln>
-                <a:noFill/>
-              </a:ln>
-              <a:solidFill>
-                <a:prstClr val="white"/>
-              </a:solidFill>
-              <a:effectLst/>
-              <a:uLnTx/>
-              <a:uFillTx/>
-              <a:latin typeface="휴먼매직체" panose="02030504000101010101" pitchFamily="18" charset="-127"/>
-              <a:ea typeface="휴먼매직체" panose="02030504000101010101" pitchFamily="18" charset="-127"/>
-              <a:cs typeface="+mn-cs"/>
-            </a:endParaRPr>
-          </a:p>
-        </p:txBody>
-      </p:sp>
       <p:sp>
         <p:nvSpPr>
           <p:cNvPr id="8" name="TextBox 7">
@@ -44873,6 +45358,257 @@
           </a:fontRef>
         </p:style>
       </p:cxnSp>
+      <p:sp>
+        <p:nvSpPr>
+          <p:cNvPr id="6" name="TextBox 5">
+            <a:extLst>
+              <a:ext uri="{FF2B5EF4-FFF2-40B4-BE49-F238E27FC236}">
+                <a16:creationId xmlns:a16="http://schemas.microsoft.com/office/drawing/2014/main" id="{E699059E-65B2-A628-1AC5-9F279593A8F5}"/>
+              </a:ext>
+            </a:extLst>
+          </p:cNvPr>
+          <p:cNvSpPr txBox="1"/>
+          <p:nvPr/>
+        </p:nvSpPr>
+        <p:spPr>
+          <a:xfrm>
+            <a:off x="234434" y="207141"/>
+            <a:ext cx="4468863" cy="523220"/>
+          </a:xfrm>
+          <a:prstGeom prst="rect">
+            <a:avLst/>
+          </a:prstGeom>
+          <a:noFill/>
+        </p:spPr>
+        <p:txBody>
+          <a:bodyPr wrap="square" rtlCol="0">
+            <a:spAutoFit/>
+          </a:bodyPr>
+          <a:lstStyle/>
+          <a:p>
+            <a:pPr marL="0" marR="0" lvl="0" indent="0" algn="l" defTabSz="914400" rtl="0" eaLnBrk="1" fontAlgn="auto" latinLnBrk="1" hangingPunct="1">
+              <a:lnSpc>
+                <a:spcPct val="100000"/>
+              </a:lnSpc>
+              <a:spcBef>
+                <a:spcPts val="0"/>
+              </a:spcBef>
+              <a:spcAft>
+                <a:spcPts val="0"/>
+              </a:spcAft>
+              <a:buClrTx/>
+              <a:buSzTx/>
+              <a:buFontTx/>
+              <a:buNone/>
+              <a:tabLst/>
+              <a:defRPr/>
+            </a:pPr>
+            <a:r>
+              <a:rPr kumimoji="0" lang="en-US" altLang="ko-KR" sz="2800" b="0" i="0" u="none" strike="noStrike" kern="1200" cap="none" spc="0" normalizeH="0" baseline="0" noProof="0" dirty="0">
+                <a:ln>
+                  <a:noFill/>
+                </a:ln>
+                <a:solidFill>
+                  <a:prstClr val="white"/>
+                </a:solidFill>
+                <a:effectLst/>
+                <a:uLnTx/>
+                <a:uFillTx/>
+                <a:latin typeface="휴먼매직체" panose="02030504000101010101" pitchFamily="18" charset="-127"/>
+                <a:ea typeface="휴먼매직체" panose="02030504000101010101" pitchFamily="18" charset="-127"/>
+                <a:cs typeface="+mn-cs"/>
+              </a:rPr>
+              <a:t>3. </a:t>
+            </a:r>
+            <a:r>
+              <a:rPr kumimoji="0" lang="ko-KR" altLang="en-US" sz="2800" b="0" i="0" u="none" strike="noStrike" kern="1200" cap="none" spc="0" normalizeH="0" baseline="0" noProof="0" dirty="0">
+                <a:ln>
+                  <a:noFill/>
+                </a:ln>
+                <a:solidFill>
+                  <a:prstClr val="white"/>
+                </a:solidFill>
+                <a:effectLst/>
+                <a:uLnTx/>
+                <a:uFillTx/>
+                <a:latin typeface="휴먼매직체" panose="02030504000101010101" pitchFamily="18" charset="-127"/>
+                <a:ea typeface="휴먼매직체" panose="02030504000101010101" pitchFamily="18" charset="-127"/>
+                <a:cs typeface="+mn-cs"/>
+              </a:rPr>
+              <a:t>유사 어플 분석 </a:t>
+            </a:r>
+            <a:r>
+              <a:rPr kumimoji="0" lang="en-US" altLang="ko-KR" sz="2800" b="0" i="0" u="none" strike="noStrike" kern="1200" cap="none" spc="0" normalizeH="0" baseline="0" noProof="0" dirty="0">
+                <a:ln>
+                  <a:noFill/>
+                </a:ln>
+                <a:solidFill>
+                  <a:prstClr val="white"/>
+                </a:solidFill>
+                <a:effectLst/>
+                <a:uLnTx/>
+                <a:uFillTx/>
+                <a:latin typeface="휴먼매직체" panose="02030504000101010101" pitchFamily="18" charset="-127"/>
+                <a:ea typeface="휴먼매직체" panose="02030504000101010101" pitchFamily="18" charset="-127"/>
+                <a:cs typeface="+mn-cs"/>
+              </a:rPr>
+              <a:t>: </a:t>
+            </a:r>
+            <a:r>
+              <a:rPr kumimoji="0" lang="ko-KR" altLang="en-US" sz="2800" b="0" i="0" u="none" strike="noStrike" kern="1200" cap="none" spc="0" normalizeH="0" baseline="0" noProof="0" dirty="0">
+                <a:ln>
+                  <a:noFill/>
+                </a:ln>
+                <a:solidFill>
+                  <a:prstClr val="white"/>
+                </a:solidFill>
+                <a:effectLst/>
+                <a:uLnTx/>
+                <a:uFillTx/>
+                <a:latin typeface="휴먼매직체" panose="02030504000101010101" pitchFamily="18" charset="-127"/>
+                <a:ea typeface="휴먼매직체" panose="02030504000101010101" pitchFamily="18" charset="-127"/>
+                <a:cs typeface="+mn-cs"/>
+              </a:rPr>
+              <a:t>밀리그램</a:t>
+            </a:r>
+          </a:p>
+        </p:txBody>
+      </p:sp>
+      <p:sp>
+        <p:nvSpPr>
+          <p:cNvPr id="12" name="TextBox 11">
+            <a:extLst>
+              <a:ext uri="{FF2B5EF4-FFF2-40B4-BE49-F238E27FC236}">
+                <a16:creationId xmlns:a16="http://schemas.microsoft.com/office/drawing/2014/main" id="{0A3F2EBD-112D-0BF6-0521-4CF513348231}"/>
+              </a:ext>
+            </a:extLst>
+          </p:cNvPr>
+          <p:cNvSpPr txBox="1">
+            <a:spLocks noGrp="1" noRot="1" noMove="1" noResize="1" noEditPoints="1" noAdjustHandles="1" noChangeArrowheads="1" noChangeShapeType="1"/>
+          </p:cNvSpPr>
+          <p:nvPr/>
+        </p:nvSpPr>
+        <p:spPr>
+          <a:xfrm>
+            <a:off x="4703297" y="271354"/>
+            <a:ext cx="4823669" cy="400110"/>
+          </a:xfrm>
+          <a:prstGeom prst="rect">
+            <a:avLst/>
+          </a:prstGeom>
+          <a:noFill/>
+        </p:spPr>
+        <p:txBody>
+          <a:bodyPr wrap="square" rtlCol="0">
+            <a:spAutoFit/>
+          </a:bodyPr>
+          <a:lstStyle/>
+          <a:p>
+            <a:pPr marL="0" marR="0" lvl="0" indent="0" algn="l" defTabSz="914400" rtl="0" eaLnBrk="1" fontAlgn="auto" latinLnBrk="1" hangingPunct="1">
+              <a:lnSpc>
+                <a:spcPct val="100000"/>
+              </a:lnSpc>
+              <a:spcBef>
+                <a:spcPts val="0"/>
+              </a:spcBef>
+              <a:spcAft>
+                <a:spcPts val="0"/>
+              </a:spcAft>
+              <a:buClrTx/>
+              <a:buSzTx/>
+              <a:buFontTx/>
+              <a:buNone/>
+              <a:tabLst/>
+              <a:defRPr/>
+            </a:pPr>
+            <a:r>
+              <a:rPr kumimoji="0" lang="en-US" altLang="ko-KR" sz="2000" b="0" i="0" u="none" strike="noStrike" kern="1200" cap="none" spc="0" normalizeH="0" baseline="0" noProof="0" dirty="0">
+                <a:ln>
+                  <a:noFill/>
+                </a:ln>
+                <a:solidFill>
+                  <a:prstClr val="white"/>
+                </a:solidFill>
+                <a:effectLst/>
+                <a:uLnTx/>
+                <a:uFillTx/>
+                <a:latin typeface="휴먼매직체" panose="02030504000101010101" pitchFamily="18" charset="-127"/>
+                <a:ea typeface="휴먼매직체" panose="02030504000101010101" pitchFamily="18" charset="-127"/>
+                <a:cs typeface="+mn-cs"/>
+              </a:rPr>
+              <a:t>*</a:t>
+            </a:r>
+            <a:r>
+              <a:rPr kumimoji="0" lang="ko-KR" altLang="en-US" sz="2000" b="0" i="0" u="none" strike="noStrike" kern="1200" cap="none" spc="0" normalizeH="0" baseline="0" noProof="0" dirty="0">
+                <a:ln>
+                  <a:noFill/>
+                </a:ln>
+                <a:solidFill>
+                  <a:prstClr val="white"/>
+                </a:solidFill>
+                <a:effectLst/>
+                <a:uLnTx/>
+                <a:uFillTx/>
+                <a:latin typeface="휴먼매직체" panose="02030504000101010101" pitchFamily="18" charset="-127"/>
+                <a:ea typeface="휴먼매직체" panose="02030504000101010101" pitchFamily="18" charset="-127"/>
+                <a:cs typeface="+mn-cs"/>
+              </a:rPr>
+              <a:t>콘텐츠 및 기능 분석 </a:t>
+            </a:r>
+            <a:r>
+              <a:rPr kumimoji="0" lang="en-US" altLang="ko-KR" sz="2000" b="0" i="0" u="none" strike="noStrike" kern="1200" cap="none" spc="0" normalizeH="0" baseline="0" noProof="0" dirty="0">
+                <a:ln>
+                  <a:noFill/>
+                </a:ln>
+                <a:solidFill>
+                  <a:prstClr val="white"/>
+                </a:solidFill>
+                <a:effectLst/>
+                <a:uLnTx/>
+                <a:uFillTx/>
+                <a:latin typeface="휴먼매직체" panose="02030504000101010101" pitchFamily="18" charset="-127"/>
+                <a:ea typeface="휴먼매직체" panose="02030504000101010101" pitchFamily="18" charset="-127"/>
+                <a:cs typeface="+mn-cs"/>
+              </a:rPr>
+              <a:t>(</a:t>
+            </a:r>
+            <a:r>
+              <a:rPr lang="ko-KR" altLang="en-US" sz="2000" dirty="0" err="1">
+                <a:solidFill>
+                  <a:prstClr val="white"/>
+                </a:solidFill>
+                <a:latin typeface="휴먼매직체" panose="02030504000101010101" pitchFamily="18" charset="-127"/>
+                <a:ea typeface="휴먼매직체" panose="02030504000101010101" pitchFamily="18" charset="-127"/>
+              </a:rPr>
+              <a:t>윤시현</a:t>
+            </a:r>
+            <a:r>
+              <a:rPr lang="en-US" altLang="ko-KR" sz="2000" dirty="0">
+                <a:solidFill>
+                  <a:prstClr val="white"/>
+                </a:solidFill>
+                <a:latin typeface="휴먼매직체" panose="02030504000101010101" pitchFamily="18" charset="-127"/>
+                <a:ea typeface="휴먼매직체" panose="02030504000101010101" pitchFamily="18" charset="-127"/>
+              </a:rPr>
+              <a:t>)</a:t>
+            </a:r>
+            <a:endParaRPr kumimoji="0" lang="en-US" altLang="ko-KR" sz="2000" b="0" i="0" u="none" strike="noStrike" kern="1200" cap="none" spc="0" normalizeH="0" baseline="0" noProof="0" dirty="0">
+              <a:ln>
+                <a:noFill/>
+              </a:ln>
+              <a:solidFill>
+                <a:prstClr val="white"/>
+              </a:solidFill>
+              <a:effectLst/>
+              <a:uLnTx/>
+              <a:uFillTx/>
+              <a:latin typeface="휴먼매직체" panose="02030504000101010101" pitchFamily="18" charset="-127"/>
+              <a:ea typeface="휴먼매직체" panose="02030504000101010101" pitchFamily="18" charset="-127"/>
+              <a:cs typeface="+mn-cs"/>
+            </a:endParaRPr>
+          </a:p>
+        </p:txBody>
+      </p:sp>
     </p:spTree>
     <p:extLst>
       <p:ext uri="{BB962C8B-B14F-4D97-AF65-F5344CB8AC3E}">

--- a/기말과제.pptx
+++ b/기말과제.pptx
@@ -22662,7 +22662,17 @@
                 <a:ea typeface="휴먼매직체" panose="02030504000101010101" pitchFamily="18" charset="-127"/>
                 <a:cs typeface="+mn-cs"/>
               </a:rPr>
-              <a:t>개발 내용</a:t>
+              <a:t>개발 </a:t>
+            </a:r>
+            <a:r>
+              <a:rPr lang="ko-KR" altLang="en-US" sz="3200" dirty="0">
+                <a:solidFill>
+                  <a:prstClr val="white"/>
+                </a:solidFill>
+                <a:latin typeface="휴먼매직체" panose="02030504000101010101" pitchFamily="18" charset="-127"/>
+                <a:ea typeface="휴먼매직체" panose="02030504000101010101" pitchFamily="18" charset="-127"/>
+              </a:rPr>
+              <a:t>환경</a:t>
             </a:r>
             <a:endParaRPr kumimoji="0" lang="en-US" altLang="ko-KR" sz="3200" b="0" i="0" u="none" strike="noStrike" kern="1200" cap="none" spc="0" normalizeH="0" baseline="0" noProof="0" dirty="0">
               <a:ln>
@@ -22762,7 +22772,7 @@
                 <a:ea typeface="휴먼매직체" panose="02030504000101010101" pitchFamily="18" charset="-127"/>
                 <a:cs typeface="+mn-cs"/>
               </a:rPr>
-              <a:t>개발 방법</a:t>
+              <a:t>개발 내용</a:t>
             </a:r>
             <a:endParaRPr kumimoji="0" lang="en-US" altLang="ko-KR" sz="3200" b="0" i="0" u="none" strike="noStrike" kern="1200" cap="none" spc="0" normalizeH="0" baseline="0" noProof="0" dirty="0">
               <a:ln>
@@ -22862,7 +22872,7 @@
                 <a:ea typeface="휴먼매직체" panose="02030504000101010101" pitchFamily="18" charset="-127"/>
                 <a:cs typeface="+mn-cs"/>
               </a:rPr>
-              <a:t>개발 환경</a:t>
+              <a:t>개발 방법</a:t>
             </a:r>
             <a:endParaRPr kumimoji="0" lang="en-US" altLang="ko-KR" sz="3200" b="0" i="0" u="none" strike="noStrike" kern="1200" cap="none" spc="0" normalizeH="0" baseline="0" noProof="0" dirty="0">
               <a:ln>

--- a/기말과제.pptx
+++ b/기말과제.pptx
@@ -28,7 +28,7 @@
     <p:sldId id="303" r:id="rId22"/>
     <p:sldId id="329" r:id="rId23"/>
     <p:sldId id="287" r:id="rId24"/>
-    <p:sldId id="280" r:id="rId25"/>
+    <p:sldId id="315" r:id="rId25"/>
     <p:sldId id="289" r:id="rId26"/>
     <p:sldId id="288" r:id="rId27"/>
     <p:sldId id="299" r:id="rId28"/>
@@ -28482,7 +28482,7 @@
             </a:extLst>
           </p:cNvPr>
           <p:cNvCxnSpPr>
-            <a:cxnSpLocks/>
+            <a:cxnSpLocks noGrp="1" noRot="1" noMove="1" noResize="1" noEditPoints="1" noAdjustHandles="1" noChangeArrowheads="1" noChangeShapeType="1"/>
           </p:cNvCxnSpPr>
           <p:nvPr/>
         </p:nvCxnSpPr>
@@ -28524,7 +28524,9 @@
               </a:ext>
             </a:extLst>
           </p:cNvPr>
-          <p:cNvSpPr/>
+          <p:cNvSpPr>
+            <a:spLocks noGrp="1" noRot="1" noMove="1" noResize="1" noEditPoints="1" noAdjustHandles="1" noChangeArrowheads="1" noChangeShapeType="1"/>
+          </p:cNvSpPr>
           <p:nvPr/>
         </p:nvSpPr>
         <p:spPr>
@@ -28576,13 +28578,15 @@
               </a:ext>
             </a:extLst>
           </p:cNvPr>
-          <p:cNvSpPr txBox="1"/>
+          <p:cNvSpPr txBox="1">
+            <a:spLocks noGrp="1" noRot="1" noMove="1" noResize="1" noEditPoints="1" noAdjustHandles="1" noChangeArrowheads="1" noChangeShapeType="1"/>
+          </p:cNvSpPr>
           <p:nvPr/>
         </p:nvSpPr>
         <p:spPr>
           <a:xfrm>
             <a:off x="329610" y="111525"/>
-            <a:ext cx="3134191" cy="584775"/>
+            <a:ext cx="1595309" cy="523220"/>
           </a:xfrm>
           <a:prstGeom prst="rect">
             <a:avLst/>
@@ -28596,16 +28600,41 @@
           <a:lstStyle/>
           <a:p>
             <a:r>
-              <a:rPr lang="ko-KR" altLang="en-US" sz="3200" spc="-300" dirty="0">
+              <a:rPr lang="en-US" altLang="ko-KR" sz="2800" spc="-300">
                 <a:solidFill>
                   <a:schemeClr val="tx1">
                     <a:lumMod val="85000"/>
                     <a:lumOff val="15000"/>
                   </a:schemeClr>
                 </a:solidFill>
-              </a:rPr>
-              <a:t>제목을 입력하세요</a:t>
-            </a:r>
+                <a:latin typeface="휴먼매직체" panose="02030504000101010101" pitchFamily="18" charset="-127"/>
+                <a:ea typeface="휴먼매직체" panose="02030504000101010101" pitchFamily="18" charset="-127"/>
+              </a:rPr>
+              <a:t>5.</a:t>
+            </a:r>
+            <a:r>
+              <a:rPr lang="ko-KR" altLang="en-US" sz="2800" spc="-300">
+                <a:solidFill>
+                  <a:schemeClr val="tx1">
+                    <a:lumMod val="85000"/>
+                    <a:lumOff val="15000"/>
+                  </a:schemeClr>
+                </a:solidFill>
+                <a:latin typeface="휴먼매직체" panose="02030504000101010101" pitchFamily="18" charset="-127"/>
+                <a:ea typeface="휴먼매직체" panose="02030504000101010101" pitchFamily="18" charset="-127"/>
+              </a:rPr>
+              <a:t>개발 환경</a:t>
+            </a:r>
+            <a:endParaRPr lang="ko-KR" altLang="en-US" sz="2800" spc="-300" dirty="0">
+              <a:solidFill>
+                <a:schemeClr val="tx1">
+                  <a:lumMod val="85000"/>
+                  <a:lumOff val="15000"/>
+                </a:schemeClr>
+              </a:solidFill>
+              <a:latin typeface="휴먼매직체" panose="02030504000101010101" pitchFamily="18" charset="-127"/>
+              <a:ea typeface="휴먼매직체" panose="02030504000101010101" pitchFamily="18" charset="-127"/>
+            </a:endParaRPr>
           </a:p>
         </p:txBody>
       </p:sp>
@@ -28618,13 +28647,15 @@
               </a:ext>
             </a:extLst>
           </p:cNvPr>
-          <p:cNvGrpSpPr/>
+          <p:cNvGrpSpPr>
+            <a:grpSpLocks noGrp="1" noUngrp="1" noRot="1" noMove="1" noResize="1"/>
+          </p:cNvGrpSpPr>
           <p:nvPr/>
         </p:nvGrpSpPr>
         <p:grpSpPr>
-          <a:xfrm>
-            <a:off x="3181774" y="1622966"/>
-            <a:ext cx="5855412" cy="3600000"/>
+          <a:xfrm rot="5400000">
+            <a:off x="200615" y="1698501"/>
+            <a:ext cx="5855412" cy="4313486"/>
             <a:chOff x="3141134" y="1907446"/>
             <a:chExt cx="5855412" cy="3600000"/>
           </a:xfrm>
@@ -28638,7 +28669,9 @@
                 </a:ext>
               </a:extLst>
             </p:cNvPr>
-            <p:cNvSpPr/>
+            <p:cNvSpPr>
+              <a:spLocks noGrp="1" noRot="1" noMove="1" noResize="1" noEditPoints="1" noAdjustHandles="1" noChangeArrowheads="1" noChangeShapeType="1"/>
+            </p:cNvSpPr>
             <p:nvPr/>
           </p:nvSpPr>
           <p:spPr>
@@ -28692,7 +28725,9 @@
                 </a:ext>
               </a:extLst>
             </p:cNvPr>
-            <p:cNvSpPr/>
+            <p:cNvSpPr>
+              <a:spLocks noGrp="1" noRot="1" noMove="1" noResize="1" noEditPoints="1" noAdjustHandles="1" noChangeArrowheads="1" noChangeShapeType="1"/>
+            </p:cNvSpPr>
             <p:nvPr/>
           </p:nvSpPr>
           <p:spPr>
@@ -28747,13 +28782,15 @@
               </a:ext>
             </a:extLst>
           </p:cNvPr>
-          <p:cNvSpPr txBox="1"/>
+          <p:cNvSpPr txBox="1">
+            <a:spLocks noGrp="1" noRot="1" noMove="1" noResize="1" noEditPoints="1" noAdjustHandles="1" noChangeArrowheads="1" noChangeShapeType="1"/>
+          </p:cNvSpPr>
           <p:nvPr/>
         </p:nvSpPr>
         <p:spPr>
           <a:xfrm>
-            <a:off x="5073925" y="6007164"/>
-            <a:ext cx="2044149" cy="369332"/>
+            <a:off x="2554766" y="1036670"/>
+            <a:ext cx="1096774" cy="369332"/>
           </a:xfrm>
           <a:prstGeom prst="rect">
             <a:avLst/>
@@ -28768,16 +28805,373 @@
           <a:p>
             <a:pPr algn="ctr"/>
             <a:r>
-              <a:rPr lang="ko-KR" altLang="en-US" dirty="0"/>
-              <a:t>내용을 입력하세요</a:t>
-            </a:r>
+              <a:rPr lang="ko-KR" altLang="en-US">
+                <a:solidFill>
+                  <a:schemeClr val="accent2">
+                    <a:lumMod val="20000"/>
+                    <a:lumOff val="80000"/>
+                  </a:schemeClr>
+                </a:solidFill>
+                <a:latin typeface="휴먼매직체" panose="02030504000101010101" pitchFamily="18" charset="-127"/>
+                <a:ea typeface="휴먼매직체" panose="02030504000101010101" pitchFamily="18" charset="-127"/>
+              </a:rPr>
+              <a:t>개발</a:t>
+            </a:r>
+            <a:r>
+              <a:rPr lang="en-US" altLang="ko-KR">
+                <a:solidFill>
+                  <a:schemeClr val="accent2">
+                    <a:lumMod val="20000"/>
+                    <a:lumOff val="80000"/>
+                  </a:schemeClr>
+                </a:solidFill>
+                <a:latin typeface="휴먼매직체" panose="02030504000101010101" pitchFamily="18" charset="-127"/>
+                <a:ea typeface="휴먼매직체" panose="02030504000101010101" pitchFamily="18" charset="-127"/>
+              </a:rPr>
+              <a:t>/</a:t>
+            </a:r>
+            <a:r>
+              <a:rPr lang="ko-KR" altLang="en-US">
+                <a:solidFill>
+                  <a:schemeClr val="accent2">
+                    <a:lumMod val="20000"/>
+                    <a:lumOff val="80000"/>
+                  </a:schemeClr>
+                </a:solidFill>
+                <a:latin typeface="휴먼매직체" panose="02030504000101010101" pitchFamily="18" charset="-127"/>
+                <a:ea typeface="휴먼매직체" panose="02030504000101010101" pitchFamily="18" charset="-127"/>
+              </a:rPr>
+              <a:t>실행</a:t>
+            </a:r>
+            <a:endParaRPr lang="ko-KR" altLang="en-US" dirty="0">
+              <a:solidFill>
+                <a:schemeClr val="accent2">
+                  <a:lumMod val="20000"/>
+                  <a:lumOff val="80000"/>
+                </a:schemeClr>
+              </a:solidFill>
+              <a:latin typeface="휴먼매직체" panose="02030504000101010101" pitchFamily="18" charset="-127"/>
+              <a:ea typeface="휴먼매직체" panose="02030504000101010101" pitchFamily="18" charset="-127"/>
+            </a:endParaRPr>
+          </a:p>
+        </p:txBody>
+      </p:sp>
+      <p:grpSp>
+        <p:nvGrpSpPr>
+          <p:cNvPr id="2" name="그룹 1">
+            <a:extLst>
+              <a:ext uri="{FF2B5EF4-FFF2-40B4-BE49-F238E27FC236}">
+                <a16:creationId xmlns:a16="http://schemas.microsoft.com/office/drawing/2014/main" id="{7AEC74DB-E28A-0258-BCAB-3ABC1BF110B7}"/>
+              </a:ext>
+            </a:extLst>
+          </p:cNvPr>
+          <p:cNvGrpSpPr>
+            <a:grpSpLocks noGrp="1" noUngrp="1" noRot="1" noMove="1" noResize="1"/>
+          </p:cNvGrpSpPr>
+          <p:nvPr/>
+        </p:nvGrpSpPr>
+        <p:grpSpPr>
+          <a:xfrm rot="16200000">
+            <a:off x="6111221" y="1578292"/>
+            <a:ext cx="5855412" cy="4521244"/>
+            <a:chOff x="3141134" y="1907446"/>
+            <a:chExt cx="5855412" cy="3600000"/>
+          </a:xfrm>
+        </p:grpSpPr>
+        <p:sp>
+          <p:nvSpPr>
+            <p:cNvPr id="3" name="타원 2">
+              <a:extLst>
+                <a:ext uri="{FF2B5EF4-FFF2-40B4-BE49-F238E27FC236}">
+                  <a16:creationId xmlns:a16="http://schemas.microsoft.com/office/drawing/2014/main" id="{4226F056-6D56-210E-95FC-DD68DDED22CC}"/>
+                </a:ext>
+              </a:extLst>
+            </p:cNvPr>
+            <p:cNvSpPr>
+              <a:spLocks noGrp="1" noRot="1" noMove="1" noResize="1" noEditPoints="1" noAdjustHandles="1" noChangeArrowheads="1" noChangeShapeType="1"/>
+            </p:cNvSpPr>
+            <p:nvPr/>
+          </p:nvSpPr>
+          <p:spPr>
+            <a:xfrm>
+              <a:off x="3141134" y="1907446"/>
+              <a:ext cx="3600000" cy="3600000"/>
+            </a:xfrm>
+            <a:prstGeom prst="ellipse">
+              <a:avLst/>
+            </a:prstGeom>
+            <a:solidFill>
+              <a:schemeClr val="accent2">
+                <a:alpha val="80000"/>
+              </a:schemeClr>
+            </a:solidFill>
+            <a:ln>
+              <a:noFill/>
+            </a:ln>
+          </p:spPr>
+          <p:style>
+            <a:lnRef idx="2">
+              <a:schemeClr val="accent1">
+                <a:shade val="50000"/>
+              </a:schemeClr>
+            </a:lnRef>
+            <a:fillRef idx="1">
+              <a:schemeClr val="accent1"/>
+            </a:fillRef>
+            <a:effectRef idx="0">
+              <a:schemeClr val="accent1"/>
+            </a:effectRef>
+            <a:fontRef idx="minor">
+              <a:schemeClr val="lt1"/>
+            </a:fontRef>
+          </p:style>
+          <p:txBody>
+            <a:bodyPr rtlCol="0" anchor="ctr"/>
+            <a:lstStyle/>
+            <a:p>
+              <a:pPr algn="ctr"/>
+              <a:endParaRPr lang="ko-KR" altLang="en-US"/>
+            </a:p>
+          </p:txBody>
+        </p:sp>
+        <p:sp>
+          <p:nvSpPr>
+            <p:cNvPr id="6" name="타원 5">
+              <a:extLst>
+                <a:ext uri="{FF2B5EF4-FFF2-40B4-BE49-F238E27FC236}">
+                  <a16:creationId xmlns:a16="http://schemas.microsoft.com/office/drawing/2014/main" id="{5341F86F-02E1-7467-7610-D51B04ACA7E6}"/>
+                </a:ext>
+              </a:extLst>
+            </p:cNvPr>
+            <p:cNvSpPr>
+              <a:spLocks noGrp="1" noRot="1" noMove="1" noResize="1" noEditPoints="1" noAdjustHandles="1" noChangeArrowheads="1" noChangeShapeType="1"/>
+            </p:cNvSpPr>
+            <p:nvPr/>
+          </p:nvSpPr>
+          <p:spPr>
+            <a:xfrm>
+              <a:off x="5396546" y="1907446"/>
+              <a:ext cx="3600000" cy="3600000"/>
+            </a:xfrm>
+            <a:prstGeom prst="ellipse">
+              <a:avLst/>
+            </a:prstGeom>
+            <a:solidFill>
+              <a:schemeClr val="accent4">
+                <a:alpha val="80000"/>
+              </a:schemeClr>
+            </a:solidFill>
+            <a:ln>
+              <a:noFill/>
+            </a:ln>
+          </p:spPr>
+          <p:style>
+            <a:lnRef idx="2">
+              <a:schemeClr val="accent1">
+                <a:shade val="50000"/>
+              </a:schemeClr>
+            </a:lnRef>
+            <a:fillRef idx="1">
+              <a:schemeClr val="accent1"/>
+            </a:fillRef>
+            <a:effectRef idx="0">
+              <a:schemeClr val="accent1"/>
+            </a:effectRef>
+            <a:fontRef idx="minor">
+              <a:schemeClr val="lt1"/>
+            </a:fontRef>
+          </p:style>
+          <p:txBody>
+            <a:bodyPr rtlCol="0" anchor="ctr"/>
+            <a:lstStyle/>
+            <a:p>
+              <a:pPr algn="ctr"/>
+              <a:endParaRPr lang="ko-KR" altLang="en-US"/>
+            </a:p>
+          </p:txBody>
+        </p:sp>
+      </p:grpSp>
+      <p:sp>
+        <p:nvSpPr>
+          <p:cNvPr id="12" name="TextBox 11">
+            <a:extLst>
+              <a:ext uri="{FF2B5EF4-FFF2-40B4-BE49-F238E27FC236}">
+                <a16:creationId xmlns:a16="http://schemas.microsoft.com/office/drawing/2014/main" id="{B75ABEF6-466C-8411-6B1B-E095C931311D}"/>
+              </a:ext>
+            </a:extLst>
+          </p:cNvPr>
+          <p:cNvSpPr txBox="1">
+            <a:spLocks noGrp="1" noRot="1" noMove="1" noResize="1" noEditPoints="1" noAdjustHandles="1" noChangeArrowheads="1" noChangeShapeType="1"/>
+          </p:cNvSpPr>
+          <p:nvPr/>
+        </p:nvSpPr>
+        <p:spPr>
+          <a:xfrm>
+            <a:off x="2729493" y="3654835"/>
+            <a:ext cx="747320" cy="369332"/>
+          </a:xfrm>
+          <a:prstGeom prst="rect">
+            <a:avLst/>
+          </a:prstGeom>
+          <a:noFill/>
+        </p:spPr>
+        <p:txBody>
+          <a:bodyPr wrap="none" rtlCol="0">
+            <a:spAutoFit/>
+          </a:bodyPr>
+          <a:lstStyle/>
+          <a:p>
+            <a:pPr algn="ctr"/>
+            <a:r>
+              <a:rPr lang="ko-KR" altLang="en-US">
+                <a:solidFill>
+                  <a:schemeClr val="accent2">
+                    <a:lumMod val="75000"/>
+                  </a:schemeClr>
+                </a:solidFill>
+                <a:latin typeface="휴먼매직체" panose="02030504000101010101" pitchFamily="18" charset="-127"/>
+                <a:ea typeface="휴먼매직체" panose="02030504000101010101" pitchFamily="18" charset="-127"/>
+              </a:rPr>
+              <a:t>디자인</a:t>
+            </a:r>
+            <a:endParaRPr lang="ko-KR" altLang="en-US" dirty="0">
+              <a:solidFill>
+                <a:schemeClr val="accent2">
+                  <a:lumMod val="75000"/>
+                </a:schemeClr>
+              </a:solidFill>
+              <a:latin typeface="휴먼매직체" panose="02030504000101010101" pitchFamily="18" charset="-127"/>
+              <a:ea typeface="휴먼매직체" panose="02030504000101010101" pitchFamily="18" charset="-127"/>
+            </a:endParaRPr>
+          </a:p>
+        </p:txBody>
+      </p:sp>
+      <p:sp>
+        <p:nvSpPr>
+          <p:cNvPr id="13" name="TextBox 12">
+            <a:extLst>
+              <a:ext uri="{FF2B5EF4-FFF2-40B4-BE49-F238E27FC236}">
+                <a16:creationId xmlns:a16="http://schemas.microsoft.com/office/drawing/2014/main" id="{BA589ED6-2357-1811-BBC7-3373FB82CF9D}"/>
+              </a:ext>
+            </a:extLst>
+          </p:cNvPr>
+          <p:cNvSpPr txBox="1">
+            <a:spLocks noGrp="1" noRot="1" noMove="1" noResize="1" noEditPoints="1" noAdjustHandles="1" noChangeArrowheads="1" noChangeShapeType="1"/>
+          </p:cNvSpPr>
+          <p:nvPr/>
+        </p:nvSpPr>
+        <p:spPr>
+          <a:xfrm>
+            <a:off x="8444050" y="3651034"/>
+            <a:ext cx="1189749" cy="369332"/>
+          </a:xfrm>
+          <a:prstGeom prst="rect">
+            <a:avLst/>
+          </a:prstGeom>
+          <a:noFill/>
+        </p:spPr>
+        <p:txBody>
+          <a:bodyPr wrap="none" rtlCol="0">
+            <a:spAutoFit/>
+          </a:bodyPr>
+          <a:lstStyle/>
+          <a:p>
+            <a:pPr algn="ctr"/>
+            <a:r>
+              <a:rPr lang="ko-KR" altLang="en-US">
+                <a:solidFill>
+                  <a:schemeClr val="accent2">
+                    <a:lumMod val="75000"/>
+                  </a:schemeClr>
+                </a:solidFill>
+                <a:latin typeface="휴먼매직체" panose="02030504000101010101" pitchFamily="18" charset="-127"/>
+                <a:ea typeface="휴먼매직체" panose="02030504000101010101" pitchFamily="18" charset="-127"/>
+              </a:rPr>
+              <a:t>콘텐츠 환경</a:t>
+            </a:r>
+            <a:endParaRPr lang="ko-KR" altLang="en-US" dirty="0">
+              <a:solidFill>
+                <a:schemeClr val="accent2">
+                  <a:lumMod val="75000"/>
+                </a:schemeClr>
+              </a:solidFill>
+              <a:latin typeface="휴먼매직체" panose="02030504000101010101" pitchFamily="18" charset="-127"/>
+              <a:ea typeface="휴먼매직체" panose="02030504000101010101" pitchFamily="18" charset="-127"/>
+            </a:endParaRPr>
+          </a:p>
+        </p:txBody>
+      </p:sp>
+      <p:sp>
+        <p:nvSpPr>
+          <p:cNvPr id="14" name="TextBox 13">
+            <a:extLst>
+              <a:ext uri="{FF2B5EF4-FFF2-40B4-BE49-F238E27FC236}">
+                <a16:creationId xmlns:a16="http://schemas.microsoft.com/office/drawing/2014/main" id="{16E9DB3A-2048-EAB6-36B7-616D8946E834}"/>
+              </a:ext>
+            </a:extLst>
+          </p:cNvPr>
+          <p:cNvSpPr txBox="1">
+            <a:spLocks noGrp="1" noRot="1" noMove="1" noResize="1" noEditPoints="1" noAdjustHandles="1" noChangeArrowheads="1" noChangeShapeType="1"/>
+          </p:cNvSpPr>
+          <p:nvPr/>
+        </p:nvSpPr>
+        <p:spPr>
+          <a:xfrm>
+            <a:off x="8567484" y="1036670"/>
+            <a:ext cx="942887" cy="369332"/>
+          </a:xfrm>
+          <a:prstGeom prst="rect">
+            <a:avLst/>
+          </a:prstGeom>
+          <a:noFill/>
+        </p:spPr>
+        <p:txBody>
+          <a:bodyPr wrap="none" rtlCol="0">
+            <a:spAutoFit/>
+          </a:bodyPr>
+          <a:lstStyle/>
+          <a:p>
+            <a:pPr algn="ctr"/>
+            <a:r>
+              <a:rPr lang="en-US" altLang="ko-KR">
+                <a:solidFill>
+                  <a:schemeClr val="accent2">
+                    <a:lumMod val="75000"/>
+                  </a:schemeClr>
+                </a:solidFill>
+                <a:latin typeface="휴먼매직체" panose="02030504000101010101" pitchFamily="18" charset="-127"/>
+                <a:ea typeface="휴먼매직체" panose="02030504000101010101" pitchFamily="18" charset="-127"/>
+              </a:rPr>
+              <a:t>DB/</a:t>
+            </a:r>
+            <a:r>
+              <a:rPr lang="ko-KR" altLang="en-US">
+                <a:solidFill>
+                  <a:schemeClr val="accent2">
+                    <a:lumMod val="75000"/>
+                  </a:schemeClr>
+                </a:solidFill>
+                <a:latin typeface="휴먼매직체" panose="02030504000101010101" pitchFamily="18" charset="-127"/>
+                <a:ea typeface="휴먼매직체" panose="02030504000101010101" pitchFamily="18" charset="-127"/>
+              </a:rPr>
+              <a:t>서버</a:t>
+            </a:r>
+            <a:endParaRPr lang="ko-KR" altLang="en-US" dirty="0">
+              <a:solidFill>
+                <a:schemeClr val="accent2">
+                  <a:lumMod val="75000"/>
+                </a:schemeClr>
+              </a:solidFill>
+              <a:latin typeface="휴먼매직체" panose="02030504000101010101" pitchFamily="18" charset="-127"/>
+              <a:ea typeface="휴먼매직체" panose="02030504000101010101" pitchFamily="18" charset="-127"/>
+            </a:endParaRPr>
           </a:p>
         </p:txBody>
       </p:sp>
     </p:spTree>
     <p:extLst>
       <p:ext uri="{BB962C8B-B14F-4D97-AF65-F5344CB8AC3E}">
-        <p14:creationId xmlns:p14="http://schemas.microsoft.com/office/powerpoint/2010/main" val="1415009542"/>
+        <p14:creationId xmlns:p14="http://schemas.microsoft.com/office/powerpoint/2010/main" val="1223519548"/>
       </p:ext>
     </p:extLst>
   </p:cSld>

--- a/기말과제.pptx
+++ b/기말과제.pptx
@@ -33335,7 +33335,7 @@
                 <a:defRPr/>
               </a:pPr>
               <a:r>
-                <a:rPr kumimoji="0" lang="ko-KR" altLang="en-US" sz="2000" b="0" i="0" u="none" strike="noStrike" kern="1200" cap="none" spc="0" normalizeH="0" baseline="0" noProof="0">
+                <a:rPr kumimoji="0" lang="ko-KR" altLang="en-US" sz="2000" b="0" i="0" u="none" strike="noStrike" kern="1200" cap="none" spc="0" normalizeH="0" baseline="0" noProof="0" dirty="0">
                   <a:ln>
                     <a:noFill/>
                   </a:ln>
@@ -33353,7 +33353,7 @@
                 </a:rPr>
                 <a:t>다이어트와 건강에 관심이 많은 사람들을 위해</a:t>
               </a:r>
-              <a:endParaRPr kumimoji="0" lang="en-US" altLang="ko-KR" sz="2000" b="0" i="0" u="none" strike="noStrike" kern="1200" cap="none" spc="0" normalizeH="0" baseline="0" noProof="0">
+              <a:endParaRPr kumimoji="0" lang="en-US" altLang="ko-KR" sz="2000" b="0" i="0" u="none" strike="noStrike" kern="1200" cap="none" spc="0" normalizeH="0" baseline="0" noProof="0" dirty="0">
                 <a:ln>
                   <a:noFill/>
                 </a:ln>
@@ -33389,7 +33389,7 @@
                 <a:defRPr/>
               </a:pPr>
               <a:r>
-                <a:rPr kumimoji="0" lang="ko-KR" altLang="en-US" sz="2000" b="0" i="0" u="none" strike="noStrike" kern="1200" cap="none" spc="0" normalizeH="0" baseline="0" noProof="0">
+                <a:rPr kumimoji="0" lang="ko-KR" altLang="en-US" sz="2000" b="0" i="0" u="none" strike="noStrike" kern="1200" cap="none" spc="0" normalizeH="0" baseline="0" noProof="0" dirty="0">
                   <a:ln>
                     <a:noFill/>
                   </a:ln>
@@ -33408,7 +33408,7 @@
                 <a:t>음식 성분을 </a:t>
               </a:r>
               <a:r>
-                <a:rPr kumimoji="0" lang="ko-KR" altLang="en-US" sz="2000" b="1" i="0" u="none" strike="noStrike" kern="1200" cap="none" spc="0" normalizeH="0" baseline="0" noProof="0">
+                <a:rPr kumimoji="0" lang="ko-KR" altLang="en-US" sz="2000" b="1" i="0" u="none" strike="noStrike" kern="1200" cap="none" spc="0" normalizeH="0" baseline="0" noProof="0" dirty="0">
                   <a:ln>
                     <a:noFill/>
                   </a:ln>
@@ -33427,7 +33427,7 @@
                 <a:t>모바일 디바이스</a:t>
               </a:r>
               <a:r>
-                <a:rPr kumimoji="0" lang="ko-KR" altLang="en-US" sz="2000" b="0" i="0" u="none" strike="noStrike" kern="1200" cap="none" spc="0" normalizeH="0" baseline="0" noProof="0">
+                <a:rPr kumimoji="0" lang="ko-KR" altLang="en-US" sz="2000" b="0" i="0" u="none" strike="noStrike" kern="1200" cap="none" spc="0" normalizeH="0" baseline="0" noProof="0" dirty="0">
                   <a:ln>
                     <a:noFill/>
                   </a:ln>
@@ -33446,7 +33446,7 @@
                 <a:t>를 이용하여 </a:t>
               </a:r>
               <a:r>
-                <a:rPr kumimoji="0" lang="en-US" altLang="ko-KR" sz="2000" b="0" i="0" u="none" strike="noStrike" kern="1200" cap="none" spc="0" normalizeH="0" baseline="0" noProof="0">
+                <a:rPr kumimoji="0" lang="en-US" altLang="ko-KR" sz="2000" b="0" i="0" u="none" strike="noStrike" kern="1200" cap="none" spc="0" normalizeH="0" baseline="0" noProof="0" dirty="0">
                   <a:ln>
                     <a:noFill/>
                   </a:ln>
@@ -33465,7 +33465,7 @@
                 <a:t>AR</a:t>
               </a:r>
               <a:r>
-                <a:rPr kumimoji="0" lang="ko-KR" altLang="en-US" sz="2000" b="0" i="0" u="none" strike="noStrike" kern="1200" cap="none" spc="0" normalizeH="0" baseline="0" noProof="0">
+                <a:rPr kumimoji="0" lang="ko-KR" altLang="en-US" sz="2000" b="0" i="0" u="none" strike="noStrike" kern="1200" cap="none" spc="0" normalizeH="0" baseline="0" noProof="0" dirty="0">
                   <a:ln>
                     <a:noFill/>
                   </a:ln>
@@ -33483,7 +33483,7 @@
                 </a:rPr>
                 <a:t>로 분석해 </a:t>
               </a:r>
-              <a:endParaRPr kumimoji="0" lang="en-US" altLang="ko-KR" sz="2000" b="0" i="0" u="none" strike="noStrike" kern="1200" cap="none" spc="0" normalizeH="0" baseline="0" noProof="0">
+              <a:endParaRPr kumimoji="0" lang="en-US" altLang="ko-KR" sz="2000" b="0" i="0" u="none" strike="noStrike" kern="1200" cap="none" spc="0" normalizeH="0" baseline="0" noProof="0" dirty="0">
                 <a:ln>
                   <a:noFill/>
                 </a:ln>
@@ -33519,6 +33519,25 @@
                 <a:defRPr/>
               </a:pPr>
               <a:r>
+                <a:rPr kumimoji="0" lang="ko-KR" altLang="en-US" sz="2000" b="0" i="0" u="none" strike="noStrike" kern="1200" cap="none" spc="0" normalizeH="0" baseline="0" noProof="0" dirty="0">
+                  <a:ln>
+                    <a:noFill/>
+                  </a:ln>
+                  <a:solidFill>
+                    <a:srgbClr val="CAB5BD">
+                      <a:lumMod val="50000"/>
+                    </a:srgbClr>
+                  </a:solidFill>
+                  <a:effectLst/>
+                  <a:uLnTx/>
+                  <a:uFillTx/>
+                  <a:latin typeface="휴먼매직체" panose="02030504000101010101" pitchFamily="18" charset="-127"/>
+                  <a:ea typeface="휴먼매직체" panose="02030504000101010101" pitchFamily="18" charset="-127"/>
+                  <a:cs typeface="+mn-cs"/>
+                </a:rPr>
+                <a:t>건강을 </a:t>
+              </a:r>
+              <a:r>
                 <a:rPr kumimoji="0" lang="ko-KR" altLang="en-US" sz="2000" b="0" i="0" u="none" strike="noStrike" kern="1200" cap="none" spc="0" normalizeH="0" baseline="0" noProof="0">
                   <a:ln>
                     <a:noFill/>
@@ -33535,26 +33554,7 @@
                   <a:ea typeface="휴먼매직체" panose="02030504000101010101" pitchFamily="18" charset="-127"/>
                   <a:cs typeface="+mn-cs"/>
                 </a:rPr>
-                <a:t>건강을 관리해주는 어플 입니다</a:t>
-              </a:r>
-              <a:r>
-                <a:rPr kumimoji="0" lang="en-US" altLang="ko-KR" sz="2000" b="0" i="0" u="none" strike="noStrike" kern="1200" cap="none" spc="0" normalizeH="0" baseline="0" noProof="0">
-                  <a:ln>
-                    <a:noFill/>
-                  </a:ln>
-                  <a:solidFill>
-                    <a:srgbClr val="CAB5BD">
-                      <a:lumMod val="50000"/>
-                    </a:srgbClr>
-                  </a:solidFill>
-                  <a:effectLst/>
-                  <a:uLnTx/>
-                  <a:uFillTx/>
-                  <a:latin typeface="휴먼매직체" panose="02030504000101010101" pitchFamily="18" charset="-127"/>
-                  <a:ea typeface="휴먼매직체" panose="02030504000101010101" pitchFamily="18" charset="-127"/>
-                  <a:cs typeface="+mn-cs"/>
-                </a:rPr>
-                <a:t>.</a:t>
+                <a:t>관리해주는 어플</a:t>
               </a:r>
               <a:endParaRPr kumimoji="0" lang="ko-KR" altLang="en-US" sz="2000" b="0" i="0" u="none" strike="noStrike" kern="1200" cap="none" spc="0" normalizeH="0" baseline="0" noProof="0" dirty="0">
                 <a:ln>

--- a/기말과제.pptx
+++ b/기말과제.pptx
@@ -28,7 +28,7 @@
     <p:sldId id="303" r:id="rId22"/>
     <p:sldId id="329" r:id="rId23"/>
     <p:sldId id="287" r:id="rId24"/>
-    <p:sldId id="280" r:id="rId25"/>
+    <p:sldId id="315" r:id="rId25"/>
     <p:sldId id="289" r:id="rId26"/>
     <p:sldId id="288" r:id="rId27"/>
     <p:sldId id="299" r:id="rId28"/>
@@ -28482,7 +28482,7 @@
             </a:extLst>
           </p:cNvPr>
           <p:cNvCxnSpPr>
-            <a:cxnSpLocks/>
+            <a:cxnSpLocks noGrp="1" noRot="1" noMove="1" noResize="1" noEditPoints="1" noAdjustHandles="1" noChangeArrowheads="1" noChangeShapeType="1"/>
           </p:cNvCxnSpPr>
           <p:nvPr/>
         </p:nvCxnSpPr>
@@ -28524,7 +28524,9 @@
               </a:ext>
             </a:extLst>
           </p:cNvPr>
-          <p:cNvSpPr/>
+          <p:cNvSpPr>
+            <a:spLocks noGrp="1" noRot="1" noMove="1" noResize="1" noEditPoints="1" noAdjustHandles="1" noChangeArrowheads="1" noChangeShapeType="1"/>
+          </p:cNvSpPr>
           <p:nvPr/>
         </p:nvSpPr>
         <p:spPr>
@@ -28576,13 +28578,15 @@
               </a:ext>
             </a:extLst>
           </p:cNvPr>
-          <p:cNvSpPr txBox="1"/>
+          <p:cNvSpPr txBox="1">
+            <a:spLocks noGrp="1" noRot="1" noMove="1" noResize="1" noEditPoints="1" noAdjustHandles="1" noChangeArrowheads="1" noChangeShapeType="1"/>
+          </p:cNvSpPr>
           <p:nvPr/>
         </p:nvSpPr>
         <p:spPr>
           <a:xfrm>
             <a:off x="329610" y="111525"/>
-            <a:ext cx="3134191" cy="584775"/>
+            <a:ext cx="1595309" cy="523220"/>
           </a:xfrm>
           <a:prstGeom prst="rect">
             <a:avLst/>
@@ -28596,16 +28600,41 @@
           <a:lstStyle/>
           <a:p>
             <a:r>
-              <a:rPr lang="ko-KR" altLang="en-US" sz="3200" spc="-300" dirty="0">
+              <a:rPr lang="en-US" altLang="ko-KR" sz="2800" spc="-300">
                 <a:solidFill>
                   <a:schemeClr val="tx1">
                     <a:lumMod val="85000"/>
                     <a:lumOff val="15000"/>
                   </a:schemeClr>
                 </a:solidFill>
-              </a:rPr>
-              <a:t>제목을 입력하세요</a:t>
-            </a:r>
+                <a:latin typeface="휴먼매직체" panose="02030504000101010101" pitchFamily="18" charset="-127"/>
+                <a:ea typeface="휴먼매직체" panose="02030504000101010101" pitchFamily="18" charset="-127"/>
+              </a:rPr>
+              <a:t>5.</a:t>
+            </a:r>
+            <a:r>
+              <a:rPr lang="ko-KR" altLang="en-US" sz="2800" spc="-300">
+                <a:solidFill>
+                  <a:schemeClr val="tx1">
+                    <a:lumMod val="85000"/>
+                    <a:lumOff val="15000"/>
+                  </a:schemeClr>
+                </a:solidFill>
+                <a:latin typeface="휴먼매직체" panose="02030504000101010101" pitchFamily="18" charset="-127"/>
+                <a:ea typeface="휴먼매직체" panose="02030504000101010101" pitchFamily="18" charset="-127"/>
+              </a:rPr>
+              <a:t>개발 환경</a:t>
+            </a:r>
+            <a:endParaRPr lang="ko-KR" altLang="en-US" sz="2800" spc="-300" dirty="0">
+              <a:solidFill>
+                <a:schemeClr val="tx1">
+                  <a:lumMod val="85000"/>
+                  <a:lumOff val="15000"/>
+                </a:schemeClr>
+              </a:solidFill>
+              <a:latin typeface="휴먼매직체" panose="02030504000101010101" pitchFamily="18" charset="-127"/>
+              <a:ea typeface="휴먼매직체" panose="02030504000101010101" pitchFamily="18" charset="-127"/>
+            </a:endParaRPr>
           </a:p>
         </p:txBody>
       </p:sp>
@@ -28618,13 +28647,15 @@
               </a:ext>
             </a:extLst>
           </p:cNvPr>
-          <p:cNvGrpSpPr/>
+          <p:cNvGrpSpPr>
+            <a:grpSpLocks noGrp="1" noUngrp="1" noRot="1" noMove="1" noResize="1"/>
+          </p:cNvGrpSpPr>
           <p:nvPr/>
         </p:nvGrpSpPr>
         <p:grpSpPr>
-          <a:xfrm>
-            <a:off x="3181774" y="1622966"/>
-            <a:ext cx="5855412" cy="3600000"/>
+          <a:xfrm rot="5400000">
+            <a:off x="200615" y="1698501"/>
+            <a:ext cx="5855412" cy="4313486"/>
             <a:chOff x="3141134" y="1907446"/>
             <a:chExt cx="5855412" cy="3600000"/>
           </a:xfrm>
@@ -28638,7 +28669,9 @@
                 </a:ext>
               </a:extLst>
             </p:cNvPr>
-            <p:cNvSpPr/>
+            <p:cNvSpPr>
+              <a:spLocks noGrp="1" noRot="1" noMove="1" noResize="1" noEditPoints="1" noAdjustHandles="1" noChangeArrowheads="1" noChangeShapeType="1"/>
+            </p:cNvSpPr>
             <p:nvPr/>
           </p:nvSpPr>
           <p:spPr>
@@ -28692,7 +28725,9 @@
                 </a:ext>
               </a:extLst>
             </p:cNvPr>
-            <p:cNvSpPr/>
+            <p:cNvSpPr>
+              <a:spLocks noGrp="1" noRot="1" noMove="1" noResize="1" noEditPoints="1" noAdjustHandles="1" noChangeArrowheads="1" noChangeShapeType="1"/>
+            </p:cNvSpPr>
             <p:nvPr/>
           </p:nvSpPr>
           <p:spPr>
@@ -28747,13 +28782,15 @@
               </a:ext>
             </a:extLst>
           </p:cNvPr>
-          <p:cNvSpPr txBox="1"/>
+          <p:cNvSpPr txBox="1">
+            <a:spLocks noGrp="1" noRot="1" noMove="1" noResize="1" noEditPoints="1" noAdjustHandles="1" noChangeArrowheads="1" noChangeShapeType="1"/>
+          </p:cNvSpPr>
           <p:nvPr/>
         </p:nvSpPr>
         <p:spPr>
           <a:xfrm>
-            <a:off x="5073925" y="6007164"/>
-            <a:ext cx="2044149" cy="369332"/>
+            <a:off x="2554766" y="1036670"/>
+            <a:ext cx="1096774" cy="369332"/>
           </a:xfrm>
           <a:prstGeom prst="rect">
             <a:avLst/>
@@ -28768,16 +28805,373 @@
           <a:p>
             <a:pPr algn="ctr"/>
             <a:r>
-              <a:rPr lang="ko-KR" altLang="en-US" dirty="0"/>
-              <a:t>내용을 입력하세요</a:t>
-            </a:r>
+              <a:rPr lang="ko-KR" altLang="en-US">
+                <a:solidFill>
+                  <a:schemeClr val="accent2">
+                    <a:lumMod val="20000"/>
+                    <a:lumOff val="80000"/>
+                  </a:schemeClr>
+                </a:solidFill>
+                <a:latin typeface="휴먼매직체" panose="02030504000101010101" pitchFamily="18" charset="-127"/>
+                <a:ea typeface="휴먼매직체" panose="02030504000101010101" pitchFamily="18" charset="-127"/>
+              </a:rPr>
+              <a:t>개발</a:t>
+            </a:r>
+            <a:r>
+              <a:rPr lang="en-US" altLang="ko-KR">
+                <a:solidFill>
+                  <a:schemeClr val="accent2">
+                    <a:lumMod val="20000"/>
+                    <a:lumOff val="80000"/>
+                  </a:schemeClr>
+                </a:solidFill>
+                <a:latin typeface="휴먼매직체" panose="02030504000101010101" pitchFamily="18" charset="-127"/>
+                <a:ea typeface="휴먼매직체" panose="02030504000101010101" pitchFamily="18" charset="-127"/>
+              </a:rPr>
+              <a:t>/</a:t>
+            </a:r>
+            <a:r>
+              <a:rPr lang="ko-KR" altLang="en-US">
+                <a:solidFill>
+                  <a:schemeClr val="accent2">
+                    <a:lumMod val="20000"/>
+                    <a:lumOff val="80000"/>
+                  </a:schemeClr>
+                </a:solidFill>
+                <a:latin typeface="휴먼매직체" panose="02030504000101010101" pitchFamily="18" charset="-127"/>
+                <a:ea typeface="휴먼매직체" panose="02030504000101010101" pitchFamily="18" charset="-127"/>
+              </a:rPr>
+              <a:t>실행</a:t>
+            </a:r>
+            <a:endParaRPr lang="ko-KR" altLang="en-US" dirty="0">
+              <a:solidFill>
+                <a:schemeClr val="accent2">
+                  <a:lumMod val="20000"/>
+                  <a:lumOff val="80000"/>
+                </a:schemeClr>
+              </a:solidFill>
+              <a:latin typeface="휴먼매직체" panose="02030504000101010101" pitchFamily="18" charset="-127"/>
+              <a:ea typeface="휴먼매직체" panose="02030504000101010101" pitchFamily="18" charset="-127"/>
+            </a:endParaRPr>
+          </a:p>
+        </p:txBody>
+      </p:sp>
+      <p:grpSp>
+        <p:nvGrpSpPr>
+          <p:cNvPr id="2" name="그룹 1">
+            <a:extLst>
+              <a:ext uri="{FF2B5EF4-FFF2-40B4-BE49-F238E27FC236}">
+                <a16:creationId xmlns:a16="http://schemas.microsoft.com/office/drawing/2014/main" id="{7AEC74DB-E28A-0258-BCAB-3ABC1BF110B7}"/>
+              </a:ext>
+            </a:extLst>
+          </p:cNvPr>
+          <p:cNvGrpSpPr>
+            <a:grpSpLocks noGrp="1" noUngrp="1" noRot="1" noMove="1" noResize="1"/>
+          </p:cNvGrpSpPr>
+          <p:nvPr/>
+        </p:nvGrpSpPr>
+        <p:grpSpPr>
+          <a:xfrm rot="16200000">
+            <a:off x="6111221" y="1578292"/>
+            <a:ext cx="5855412" cy="4521244"/>
+            <a:chOff x="3141134" y="1907446"/>
+            <a:chExt cx="5855412" cy="3600000"/>
+          </a:xfrm>
+        </p:grpSpPr>
+        <p:sp>
+          <p:nvSpPr>
+            <p:cNvPr id="3" name="타원 2">
+              <a:extLst>
+                <a:ext uri="{FF2B5EF4-FFF2-40B4-BE49-F238E27FC236}">
+                  <a16:creationId xmlns:a16="http://schemas.microsoft.com/office/drawing/2014/main" id="{4226F056-6D56-210E-95FC-DD68DDED22CC}"/>
+                </a:ext>
+              </a:extLst>
+            </p:cNvPr>
+            <p:cNvSpPr>
+              <a:spLocks noGrp="1" noRot="1" noMove="1" noResize="1" noEditPoints="1" noAdjustHandles="1" noChangeArrowheads="1" noChangeShapeType="1"/>
+            </p:cNvSpPr>
+            <p:nvPr/>
+          </p:nvSpPr>
+          <p:spPr>
+            <a:xfrm>
+              <a:off x="3141134" y="1907446"/>
+              <a:ext cx="3600000" cy="3600000"/>
+            </a:xfrm>
+            <a:prstGeom prst="ellipse">
+              <a:avLst/>
+            </a:prstGeom>
+            <a:solidFill>
+              <a:schemeClr val="accent2">
+                <a:alpha val="80000"/>
+              </a:schemeClr>
+            </a:solidFill>
+            <a:ln>
+              <a:noFill/>
+            </a:ln>
+          </p:spPr>
+          <p:style>
+            <a:lnRef idx="2">
+              <a:schemeClr val="accent1">
+                <a:shade val="50000"/>
+              </a:schemeClr>
+            </a:lnRef>
+            <a:fillRef idx="1">
+              <a:schemeClr val="accent1"/>
+            </a:fillRef>
+            <a:effectRef idx="0">
+              <a:schemeClr val="accent1"/>
+            </a:effectRef>
+            <a:fontRef idx="minor">
+              <a:schemeClr val="lt1"/>
+            </a:fontRef>
+          </p:style>
+          <p:txBody>
+            <a:bodyPr rtlCol="0" anchor="ctr"/>
+            <a:lstStyle/>
+            <a:p>
+              <a:pPr algn="ctr"/>
+              <a:endParaRPr lang="ko-KR" altLang="en-US"/>
+            </a:p>
+          </p:txBody>
+        </p:sp>
+        <p:sp>
+          <p:nvSpPr>
+            <p:cNvPr id="6" name="타원 5">
+              <a:extLst>
+                <a:ext uri="{FF2B5EF4-FFF2-40B4-BE49-F238E27FC236}">
+                  <a16:creationId xmlns:a16="http://schemas.microsoft.com/office/drawing/2014/main" id="{5341F86F-02E1-7467-7610-D51B04ACA7E6}"/>
+                </a:ext>
+              </a:extLst>
+            </p:cNvPr>
+            <p:cNvSpPr>
+              <a:spLocks noGrp="1" noRot="1" noMove="1" noResize="1" noEditPoints="1" noAdjustHandles="1" noChangeArrowheads="1" noChangeShapeType="1"/>
+            </p:cNvSpPr>
+            <p:nvPr/>
+          </p:nvSpPr>
+          <p:spPr>
+            <a:xfrm>
+              <a:off x="5396546" y="1907446"/>
+              <a:ext cx="3600000" cy="3600000"/>
+            </a:xfrm>
+            <a:prstGeom prst="ellipse">
+              <a:avLst/>
+            </a:prstGeom>
+            <a:solidFill>
+              <a:schemeClr val="accent4">
+                <a:alpha val="80000"/>
+              </a:schemeClr>
+            </a:solidFill>
+            <a:ln>
+              <a:noFill/>
+            </a:ln>
+          </p:spPr>
+          <p:style>
+            <a:lnRef idx="2">
+              <a:schemeClr val="accent1">
+                <a:shade val="50000"/>
+              </a:schemeClr>
+            </a:lnRef>
+            <a:fillRef idx="1">
+              <a:schemeClr val="accent1"/>
+            </a:fillRef>
+            <a:effectRef idx="0">
+              <a:schemeClr val="accent1"/>
+            </a:effectRef>
+            <a:fontRef idx="minor">
+              <a:schemeClr val="lt1"/>
+            </a:fontRef>
+          </p:style>
+          <p:txBody>
+            <a:bodyPr rtlCol="0" anchor="ctr"/>
+            <a:lstStyle/>
+            <a:p>
+              <a:pPr algn="ctr"/>
+              <a:endParaRPr lang="ko-KR" altLang="en-US"/>
+            </a:p>
+          </p:txBody>
+        </p:sp>
+      </p:grpSp>
+      <p:sp>
+        <p:nvSpPr>
+          <p:cNvPr id="12" name="TextBox 11">
+            <a:extLst>
+              <a:ext uri="{FF2B5EF4-FFF2-40B4-BE49-F238E27FC236}">
+                <a16:creationId xmlns:a16="http://schemas.microsoft.com/office/drawing/2014/main" id="{B75ABEF6-466C-8411-6B1B-E095C931311D}"/>
+              </a:ext>
+            </a:extLst>
+          </p:cNvPr>
+          <p:cNvSpPr txBox="1">
+            <a:spLocks noGrp="1" noRot="1" noMove="1" noResize="1" noEditPoints="1" noAdjustHandles="1" noChangeArrowheads="1" noChangeShapeType="1"/>
+          </p:cNvSpPr>
+          <p:nvPr/>
+        </p:nvSpPr>
+        <p:spPr>
+          <a:xfrm>
+            <a:off x="2729493" y="3654835"/>
+            <a:ext cx="747320" cy="369332"/>
+          </a:xfrm>
+          <a:prstGeom prst="rect">
+            <a:avLst/>
+          </a:prstGeom>
+          <a:noFill/>
+        </p:spPr>
+        <p:txBody>
+          <a:bodyPr wrap="none" rtlCol="0">
+            <a:spAutoFit/>
+          </a:bodyPr>
+          <a:lstStyle/>
+          <a:p>
+            <a:pPr algn="ctr"/>
+            <a:r>
+              <a:rPr lang="ko-KR" altLang="en-US">
+                <a:solidFill>
+                  <a:schemeClr val="accent2">
+                    <a:lumMod val="75000"/>
+                  </a:schemeClr>
+                </a:solidFill>
+                <a:latin typeface="휴먼매직체" panose="02030504000101010101" pitchFamily="18" charset="-127"/>
+                <a:ea typeface="휴먼매직체" panose="02030504000101010101" pitchFamily="18" charset="-127"/>
+              </a:rPr>
+              <a:t>디자인</a:t>
+            </a:r>
+            <a:endParaRPr lang="ko-KR" altLang="en-US" dirty="0">
+              <a:solidFill>
+                <a:schemeClr val="accent2">
+                  <a:lumMod val="75000"/>
+                </a:schemeClr>
+              </a:solidFill>
+              <a:latin typeface="휴먼매직체" panose="02030504000101010101" pitchFamily="18" charset="-127"/>
+              <a:ea typeface="휴먼매직체" panose="02030504000101010101" pitchFamily="18" charset="-127"/>
+            </a:endParaRPr>
+          </a:p>
+        </p:txBody>
+      </p:sp>
+      <p:sp>
+        <p:nvSpPr>
+          <p:cNvPr id="13" name="TextBox 12">
+            <a:extLst>
+              <a:ext uri="{FF2B5EF4-FFF2-40B4-BE49-F238E27FC236}">
+                <a16:creationId xmlns:a16="http://schemas.microsoft.com/office/drawing/2014/main" id="{BA589ED6-2357-1811-BBC7-3373FB82CF9D}"/>
+              </a:ext>
+            </a:extLst>
+          </p:cNvPr>
+          <p:cNvSpPr txBox="1">
+            <a:spLocks noGrp="1" noRot="1" noMove="1" noResize="1" noEditPoints="1" noAdjustHandles="1" noChangeArrowheads="1" noChangeShapeType="1"/>
+          </p:cNvSpPr>
+          <p:nvPr/>
+        </p:nvSpPr>
+        <p:spPr>
+          <a:xfrm>
+            <a:off x="8444050" y="3651034"/>
+            <a:ext cx="1189749" cy="369332"/>
+          </a:xfrm>
+          <a:prstGeom prst="rect">
+            <a:avLst/>
+          </a:prstGeom>
+          <a:noFill/>
+        </p:spPr>
+        <p:txBody>
+          <a:bodyPr wrap="none" rtlCol="0">
+            <a:spAutoFit/>
+          </a:bodyPr>
+          <a:lstStyle/>
+          <a:p>
+            <a:pPr algn="ctr"/>
+            <a:r>
+              <a:rPr lang="ko-KR" altLang="en-US">
+                <a:solidFill>
+                  <a:schemeClr val="accent2">
+                    <a:lumMod val="75000"/>
+                  </a:schemeClr>
+                </a:solidFill>
+                <a:latin typeface="휴먼매직체" panose="02030504000101010101" pitchFamily="18" charset="-127"/>
+                <a:ea typeface="휴먼매직체" panose="02030504000101010101" pitchFamily="18" charset="-127"/>
+              </a:rPr>
+              <a:t>콘텐츠 환경</a:t>
+            </a:r>
+            <a:endParaRPr lang="ko-KR" altLang="en-US" dirty="0">
+              <a:solidFill>
+                <a:schemeClr val="accent2">
+                  <a:lumMod val="75000"/>
+                </a:schemeClr>
+              </a:solidFill>
+              <a:latin typeface="휴먼매직체" panose="02030504000101010101" pitchFamily="18" charset="-127"/>
+              <a:ea typeface="휴먼매직체" panose="02030504000101010101" pitchFamily="18" charset="-127"/>
+            </a:endParaRPr>
+          </a:p>
+        </p:txBody>
+      </p:sp>
+      <p:sp>
+        <p:nvSpPr>
+          <p:cNvPr id="14" name="TextBox 13">
+            <a:extLst>
+              <a:ext uri="{FF2B5EF4-FFF2-40B4-BE49-F238E27FC236}">
+                <a16:creationId xmlns:a16="http://schemas.microsoft.com/office/drawing/2014/main" id="{16E9DB3A-2048-EAB6-36B7-616D8946E834}"/>
+              </a:ext>
+            </a:extLst>
+          </p:cNvPr>
+          <p:cNvSpPr txBox="1">
+            <a:spLocks noGrp="1" noRot="1" noMove="1" noResize="1" noEditPoints="1" noAdjustHandles="1" noChangeArrowheads="1" noChangeShapeType="1"/>
+          </p:cNvSpPr>
+          <p:nvPr/>
+        </p:nvSpPr>
+        <p:spPr>
+          <a:xfrm>
+            <a:off x="8567484" y="1036670"/>
+            <a:ext cx="942887" cy="369332"/>
+          </a:xfrm>
+          <a:prstGeom prst="rect">
+            <a:avLst/>
+          </a:prstGeom>
+          <a:noFill/>
+        </p:spPr>
+        <p:txBody>
+          <a:bodyPr wrap="none" rtlCol="0">
+            <a:spAutoFit/>
+          </a:bodyPr>
+          <a:lstStyle/>
+          <a:p>
+            <a:pPr algn="ctr"/>
+            <a:r>
+              <a:rPr lang="en-US" altLang="ko-KR">
+                <a:solidFill>
+                  <a:schemeClr val="accent2">
+                    <a:lumMod val="75000"/>
+                  </a:schemeClr>
+                </a:solidFill>
+                <a:latin typeface="휴먼매직체" panose="02030504000101010101" pitchFamily="18" charset="-127"/>
+                <a:ea typeface="휴먼매직체" panose="02030504000101010101" pitchFamily="18" charset="-127"/>
+              </a:rPr>
+              <a:t>DB/</a:t>
+            </a:r>
+            <a:r>
+              <a:rPr lang="ko-KR" altLang="en-US">
+                <a:solidFill>
+                  <a:schemeClr val="accent2">
+                    <a:lumMod val="75000"/>
+                  </a:schemeClr>
+                </a:solidFill>
+                <a:latin typeface="휴먼매직체" panose="02030504000101010101" pitchFamily="18" charset="-127"/>
+                <a:ea typeface="휴먼매직체" panose="02030504000101010101" pitchFamily="18" charset="-127"/>
+              </a:rPr>
+              <a:t>서버</a:t>
+            </a:r>
+            <a:endParaRPr lang="ko-KR" altLang="en-US" dirty="0">
+              <a:solidFill>
+                <a:schemeClr val="accent2">
+                  <a:lumMod val="75000"/>
+                </a:schemeClr>
+              </a:solidFill>
+              <a:latin typeface="휴먼매직체" panose="02030504000101010101" pitchFamily="18" charset="-127"/>
+              <a:ea typeface="휴먼매직체" panose="02030504000101010101" pitchFamily="18" charset="-127"/>
+            </a:endParaRPr>
           </a:p>
         </p:txBody>
       </p:sp>
     </p:spTree>
     <p:extLst>
       <p:ext uri="{BB962C8B-B14F-4D97-AF65-F5344CB8AC3E}">
-        <p14:creationId xmlns:p14="http://schemas.microsoft.com/office/powerpoint/2010/main" val="1415009542"/>
+        <p14:creationId xmlns:p14="http://schemas.microsoft.com/office/powerpoint/2010/main" val="1223519548"/>
       </p:ext>
     </p:extLst>
   </p:cSld>
@@ -33389,7 +33783,7 @@
                 <a:defRPr/>
               </a:pPr>
               <a:r>
-                <a:rPr kumimoji="0" lang="ko-KR" altLang="en-US" sz="2000" b="0" i="0" u="none" strike="noStrike" kern="1200" cap="none" spc="0" normalizeH="0" baseline="0" noProof="0" dirty="0">
+                <a:rPr kumimoji="0" lang="ko-KR" altLang="en-US" sz="2000" b="0" i="0" u="none" strike="noStrike" kern="1200" cap="none" spc="0" normalizeH="0" baseline="0" noProof="0">
                   <a:ln>
                     <a:noFill/>
                   </a:ln>
@@ -33405,7 +33799,7 @@
                   <a:ea typeface="휴먼매직체" panose="02030504000101010101" pitchFamily="18" charset="-127"/>
                   <a:cs typeface="+mn-cs"/>
                 </a:rPr>
-                <a:t>음식 성분을 </a:t>
+                <a:t>음식 성분과 추천식당을 </a:t>
               </a:r>
               <a:r>
                 <a:rPr kumimoji="0" lang="ko-KR" altLang="en-US" sz="2000" b="1" i="0" u="none" strike="noStrike" kern="1200" cap="none" spc="0" normalizeH="0" baseline="0" noProof="0" dirty="0">
@@ -33481,61 +33875,7 @@
                   <a:ea typeface="휴먼매직체" panose="02030504000101010101" pitchFamily="18" charset="-127"/>
                   <a:cs typeface="+mn-cs"/>
                 </a:rPr>
-                <a:t>로 분석해 </a:t>
-              </a:r>
-              <a:endParaRPr kumimoji="0" lang="en-US" altLang="ko-KR" sz="2000" b="0" i="0" u="none" strike="noStrike" kern="1200" cap="none" spc="0" normalizeH="0" baseline="0" noProof="0" dirty="0">
-                <a:ln>
-                  <a:noFill/>
-                </a:ln>
-                <a:solidFill>
-                  <a:srgbClr val="CAB5BD">
-                    <a:lumMod val="50000"/>
-                  </a:srgbClr>
-                </a:solidFill>
-                <a:effectLst/>
-                <a:uLnTx/>
-                <a:uFillTx/>
-                <a:latin typeface="휴먼매직체" panose="02030504000101010101" pitchFamily="18" charset="-127"/>
-                <a:ea typeface="휴먼매직체" panose="02030504000101010101" pitchFamily="18" charset="-127"/>
-                <a:cs typeface="+mn-cs"/>
-              </a:endParaRPr>
-            </a:p>
-            <a:p>
-              <a:pPr marL="0" marR="0" lvl="0" indent="0" algn="ctr" defTabSz="914400" rtl="0" eaLnBrk="1" fontAlgn="auto" latinLnBrk="1" hangingPunct="1">
-                <a:lnSpc>
-                  <a:spcPct val="100000"/>
-                </a:lnSpc>
-                <a:spcBef>
-                  <a:spcPts val="0"/>
-                </a:spcBef>
-                <a:spcAft>
-                  <a:spcPts val="0"/>
-                </a:spcAft>
-                <a:buClrTx/>
-                <a:buSzTx/>
-                <a:buFontTx/>
-                <a:buNone/>
-                <a:tabLst/>
-                <a:defRPr/>
-              </a:pPr>
-              <a:r>
-                <a:rPr kumimoji="0" lang="ko-KR" altLang="en-US" sz="2000" b="0" i="0" u="none" strike="noStrike" kern="1200" cap="none" spc="0" normalizeH="0" baseline="0" noProof="0" dirty="0">
-                  <a:ln>
-                    <a:noFill/>
-                  </a:ln>
-                  <a:solidFill>
-                    <a:srgbClr val="CAB5BD">
-                      <a:lumMod val="50000"/>
-                    </a:srgbClr>
-                  </a:solidFill>
-                  <a:effectLst/>
-                  <a:uLnTx/>
-                  <a:uFillTx/>
-                  <a:latin typeface="휴먼매직체" panose="02030504000101010101" pitchFamily="18" charset="-127"/>
-                  <a:ea typeface="휴먼매직체" panose="02030504000101010101" pitchFamily="18" charset="-127"/>
-                  <a:cs typeface="+mn-cs"/>
-                </a:rPr>
-                <a:t>건강을 </a:t>
+                <a:t>로 </a:t>
               </a:r>
               <a:r>
                 <a:rPr kumimoji="0" lang="ko-KR" altLang="en-US" sz="2000" b="0" i="0" u="none" strike="noStrike" kern="1200" cap="none" spc="0" normalizeH="0" baseline="0" noProof="0">
@@ -33554,7 +33894,7 @@
                   <a:ea typeface="휴먼매직체" panose="02030504000101010101" pitchFamily="18" charset="-127"/>
                   <a:cs typeface="+mn-cs"/>
                 </a:rPr>
-                <a:t>관리해주는 어플</a:t>
+                <a:t>분석해 건강을 관리해주는 어플</a:t>
               </a:r>
               <a:endParaRPr kumimoji="0" lang="ko-KR" altLang="en-US" sz="2000" b="0" i="0" u="none" strike="noStrike" kern="1200" cap="none" spc="0" normalizeH="0" baseline="0" noProof="0" dirty="0">
                 <a:ln>
@@ -33976,7 +34316,7 @@
         <p:spPr>
           <a:xfrm>
             <a:off x="2949442" y="5397266"/>
-            <a:ext cx="6037230" cy="646331"/>
+            <a:ext cx="6037230" cy="923330"/>
           </a:xfrm>
           <a:prstGeom prst="rect">
             <a:avLst/>
@@ -34023,7 +34363,7 @@
                 <a:ea typeface="휴먼매직체" panose="02030504000101010101" pitchFamily="18" charset="-127"/>
                 <a:cs typeface="+mn-cs"/>
               </a:rPr>
-              <a:t>음식 성분을 분석하여 </a:t>
+              <a:t>음식과 메뉴의 영양성분을 분석하고</a:t>
             </a:r>
             <a:r>
               <a:rPr kumimoji="0" lang="en-US" altLang="ko-KR" sz="1800" b="0" i="0" u="none" strike="noStrike" kern="1200" cap="none" spc="0" normalizeH="0" baseline="0" noProof="0">
@@ -34042,7 +34382,7 @@
                 <a:ea typeface="휴먼매직체" panose="02030504000101010101" pitchFamily="18" charset="-127"/>
                 <a:cs typeface="+mn-cs"/>
               </a:rPr>
-              <a:t>AR</a:t>
+              <a:t>, </a:t>
             </a:r>
             <a:r>
               <a:rPr kumimoji="0" lang="ko-KR" altLang="en-US" sz="1800" b="0" i="0" u="none" strike="noStrike" kern="1200" cap="none" spc="0" normalizeH="0" baseline="0" noProof="0">
@@ -34061,7 +34401,7 @@
                 <a:ea typeface="휴먼매직체" panose="02030504000101010101" pitchFamily="18" charset="-127"/>
                 <a:cs typeface="+mn-cs"/>
               </a:rPr>
-              <a:t>로 보여주고</a:t>
+              <a:t>내 체형과 체질에 맞는 하루 권장량을 알아서 빼주고</a:t>
             </a:r>
             <a:r>
               <a:rPr kumimoji="0" lang="en-US" altLang="ko-KR" sz="1800" b="0" i="0" u="none" strike="noStrike" kern="1200" cap="none" spc="0" normalizeH="0" baseline="0" noProof="0">
@@ -34080,7 +34420,7 @@
                 <a:ea typeface="휴먼매직체" panose="02030504000101010101" pitchFamily="18" charset="-127"/>
                 <a:cs typeface="+mn-cs"/>
               </a:rPr>
-              <a:t>,</a:t>
+              <a:t>, </a:t>
             </a:r>
             <a:r>
               <a:rPr kumimoji="0" lang="ko-KR" altLang="en-US" sz="1800" b="0" i="0" u="none" strike="noStrike" kern="1200" cap="none" spc="0" normalizeH="0" baseline="0" noProof="0">
@@ -34099,7 +34439,7 @@
                 <a:ea typeface="휴먼매직체" panose="02030504000101010101" pitchFamily="18" charset="-127"/>
                 <a:cs typeface="+mn-cs"/>
               </a:rPr>
-              <a:t> 내 체형과 체질에 맞는 하루 권장량을 알아서 빼주는 등</a:t>
+              <a:t>추천 식당과 평점 등을 </a:t>
             </a:r>
             <a:r>
               <a:rPr kumimoji="0" lang="en-US" altLang="ko-KR" sz="1800" b="0" i="0" u="none" strike="noStrike" kern="1200" cap="none" spc="0" normalizeH="0" baseline="0" noProof="0">
@@ -34118,7 +34458,7 @@
                 <a:ea typeface="휴먼매직체" panose="02030504000101010101" pitchFamily="18" charset="-127"/>
                 <a:cs typeface="+mn-cs"/>
               </a:rPr>
-              <a:t>,</a:t>
+              <a:t>AR</a:t>
             </a:r>
             <a:r>
               <a:rPr kumimoji="0" lang="ko-KR" altLang="en-US" sz="1800" b="0" i="0" u="none" strike="noStrike" kern="1200" cap="none" spc="0" normalizeH="0" baseline="0" noProof="0">
@@ -34137,7 +34477,61 @@
                 <a:ea typeface="휴먼매직체" panose="02030504000101010101" pitchFamily="18" charset="-127"/>
                 <a:cs typeface="+mn-cs"/>
               </a:rPr>
-              <a:t> 사용자 경험을 극대화</a:t>
+              <a:t>로 보여줘 </a:t>
+            </a:r>
+            <a:endParaRPr kumimoji="0" lang="en-US" altLang="ko-KR" sz="1800" b="0" i="0" u="none" strike="noStrike" kern="1200" cap="none" spc="0" normalizeH="0" baseline="0" noProof="0">
+              <a:ln>
+                <a:noFill/>
+              </a:ln>
+              <a:solidFill>
+                <a:srgbClr val="CAB5BD">
+                  <a:lumMod val="50000"/>
+                </a:srgbClr>
+              </a:solidFill>
+              <a:effectLst/>
+              <a:uLnTx/>
+              <a:uFillTx/>
+              <a:latin typeface="휴먼매직체" panose="02030504000101010101" pitchFamily="18" charset="-127"/>
+              <a:ea typeface="휴먼매직체" panose="02030504000101010101" pitchFamily="18" charset="-127"/>
+              <a:cs typeface="+mn-cs"/>
+            </a:endParaRPr>
+          </a:p>
+          <a:p>
+            <a:pPr marL="0" marR="0" lvl="0" indent="0" algn="ctr" defTabSz="914400" rtl="0" eaLnBrk="1" fontAlgn="auto" latinLnBrk="1" hangingPunct="1">
+              <a:lnSpc>
+                <a:spcPct val="100000"/>
+              </a:lnSpc>
+              <a:spcBef>
+                <a:spcPts val="0"/>
+              </a:spcBef>
+              <a:spcAft>
+                <a:spcPts val="0"/>
+              </a:spcAft>
+              <a:buClrTx/>
+              <a:buSzTx/>
+              <a:buFontTx/>
+              <a:buNone/>
+              <a:tabLst/>
+              <a:defRPr/>
+            </a:pPr>
+            <a:r>
+              <a:rPr kumimoji="0" lang="ko-KR" altLang="en-US" sz="1800" b="0" i="0" u="none" strike="noStrike" kern="1200" cap="none" spc="0" normalizeH="0" baseline="0" noProof="0">
+                <a:ln>
+                  <a:noFill/>
+                </a:ln>
+                <a:solidFill>
+                  <a:srgbClr val="CAB5BD">
+                    <a:lumMod val="50000"/>
+                  </a:srgbClr>
+                </a:solidFill>
+                <a:effectLst/>
+                <a:uLnTx/>
+                <a:uFillTx/>
+                <a:latin typeface="휴먼매직체" panose="02030504000101010101" pitchFamily="18" charset="-127"/>
+                <a:ea typeface="휴먼매직체" panose="02030504000101010101" pitchFamily="18" charset="-127"/>
+                <a:cs typeface="+mn-cs"/>
+              </a:rPr>
+              <a:t>사용자 경험을 극대화</a:t>
             </a:r>
             <a:endParaRPr kumimoji="0" lang="ko-KR" altLang="en-US" sz="1800" b="0" i="0" u="none" strike="noStrike" kern="1200" cap="none" spc="0" normalizeH="0" baseline="0" noProof="0" dirty="0">
               <a:ln>

--- a/기말과제.pptx
+++ b/기말과제.pptx
@@ -9084,8 +9084,8 @@
         </p:nvSpPr>
         <p:spPr>
           <a:xfrm>
-            <a:off x="3167952" y="2505670"/>
-            <a:ext cx="5856090" cy="923330"/>
+            <a:off x="3058146" y="2505670"/>
+            <a:ext cx="6075702" cy="923330"/>
           </a:xfrm>
           <a:prstGeom prst="rect">
             <a:avLst/>
@@ -9131,6 +9131,23 @@
                 <a:cs typeface="+mn-cs"/>
               </a:rPr>
               <a:t>오늘도 난 배가 고프다</a:t>
+            </a:r>
+            <a:r>
+              <a:rPr kumimoji="0" lang="en-US" altLang="ko-KR" sz="5400" b="0" i="0" u="none" strike="noStrike" kern="1200" cap="none" spc="0" normalizeH="0" baseline="0" noProof="0">
+                <a:ln>
+                  <a:noFill/>
+                </a:ln>
+                <a:solidFill>
+                  <a:prstClr val="white"/>
+                </a:solidFill>
+                <a:effectLst/>
+                <a:uLnTx/>
+                <a:uFillTx/>
+                <a:latin typeface="휴먼매직체" panose="02030504000101010101" pitchFamily="18" charset="-127"/>
+                <a:ea typeface="휴먼매직체" panose="02030504000101010101" pitchFamily="18" charset="-127"/>
+                <a:cs typeface="+mn-cs"/>
+              </a:rPr>
+              <a:t>!</a:t>
             </a:r>
             <a:endParaRPr kumimoji="0" lang="ko-KR" altLang="en-US" sz="5400" b="0" i="0" u="none" strike="noStrike" kern="1200" cap="none" spc="0" normalizeH="0" baseline="0" noProof="0" dirty="0">
               <a:ln>

--- a/기말과제.pptx
+++ b/기말과제.pptx
@@ -9084,8 +9084,8 @@
         </p:nvSpPr>
         <p:spPr>
           <a:xfrm>
-            <a:off x="3058146" y="2505670"/>
-            <a:ext cx="6075702" cy="923330"/>
+            <a:off x="3167952" y="2505670"/>
+            <a:ext cx="5856090" cy="923330"/>
           </a:xfrm>
           <a:prstGeom prst="rect">
             <a:avLst/>
@@ -9131,23 +9131,6 @@
                 <a:cs typeface="+mn-cs"/>
               </a:rPr>
               <a:t>오늘도 난 배가 고프다</a:t>
-            </a:r>
-            <a:r>
-              <a:rPr kumimoji="0" lang="en-US" altLang="ko-KR" sz="5400" b="0" i="0" u="none" strike="noStrike" kern="1200" cap="none" spc="0" normalizeH="0" baseline="0" noProof="0">
-                <a:ln>
-                  <a:noFill/>
-                </a:ln>
-                <a:solidFill>
-                  <a:prstClr val="white"/>
-                </a:solidFill>
-                <a:effectLst/>
-                <a:uLnTx/>
-                <a:uFillTx/>
-                <a:latin typeface="휴먼매직체" panose="02030504000101010101" pitchFamily="18" charset="-127"/>
-                <a:ea typeface="휴먼매직체" panose="02030504000101010101" pitchFamily="18" charset="-127"/>
-                <a:cs typeface="+mn-cs"/>
-              </a:rPr>
-              <a:t>!</a:t>
             </a:r>
             <a:endParaRPr kumimoji="0" lang="ko-KR" altLang="en-US" sz="5400" b="0" i="0" u="none" strike="noStrike" kern="1200" cap="none" spc="0" normalizeH="0" baseline="0" noProof="0" dirty="0">
               <a:ln>

--- a/기말과제.pptx
+++ b/기말과제.pptx
@@ -33783,7 +33783,7 @@
                 <a:defRPr/>
               </a:pPr>
               <a:r>
-                <a:rPr kumimoji="0" lang="ko-KR" altLang="en-US" sz="2000" b="0" i="0" u="none" strike="noStrike" kern="1200" cap="none" spc="0" normalizeH="0" baseline="0" noProof="0">
+                <a:rPr kumimoji="0" lang="ko-KR" altLang="en-US" sz="2000" b="0" i="0" u="none" strike="noStrike" kern="1200" cap="none" spc="0" normalizeH="0" baseline="0" noProof="0" dirty="0">
                   <a:ln>
                     <a:noFill/>
                   </a:ln>
@@ -33799,7 +33799,38 @@
                   <a:ea typeface="휴먼매직체" panose="02030504000101010101" pitchFamily="18" charset="-127"/>
                   <a:cs typeface="+mn-cs"/>
                 </a:rPr>
-                <a:t>음식 성분과 추천식당을 </a:t>
+                <a:t>음식 성분과 </a:t>
+              </a:r>
+              <a:r>
+                <a:rPr lang="ko-KR" altLang="en-US" sz="2000" dirty="0">
+                  <a:solidFill>
+                    <a:srgbClr val="CAB5BD">
+                      <a:lumMod val="50000"/>
+                    </a:srgbClr>
+                  </a:solidFill>
+                  <a:latin typeface="휴먼매직체" panose="02030504000101010101" pitchFamily="18" charset="-127"/>
+                  <a:ea typeface="휴먼매직체" panose="02030504000101010101" pitchFamily="18" charset="-127"/>
+                </a:rPr>
+                <a:t>메뉴를</a:t>
+              </a:r>
+              <a:r>
+                <a:rPr kumimoji="0" lang="ko-KR" altLang="en-US" sz="2000" b="0" i="0" u="none" strike="noStrike" kern="1200" cap="none" spc="0" normalizeH="0" baseline="0" noProof="0" dirty="0">
+                  <a:ln>
+                    <a:noFill/>
+                  </a:ln>
+                  <a:solidFill>
+                    <a:srgbClr val="CAB5BD">
+                      <a:lumMod val="50000"/>
+                    </a:srgbClr>
+                  </a:solidFill>
+                  <a:effectLst/>
+                  <a:uLnTx/>
+                  <a:uFillTx/>
+                  <a:latin typeface="휴먼매직체" panose="02030504000101010101" pitchFamily="18" charset="-127"/>
+                  <a:ea typeface="휴먼매직체" panose="02030504000101010101" pitchFamily="18" charset="-127"/>
+                  <a:cs typeface="+mn-cs"/>
+                </a:rPr>
+                <a:t> </a:t>
               </a:r>
               <a:r>
                 <a:rPr kumimoji="0" lang="ko-KR" altLang="en-US" sz="2000" b="1" i="0" u="none" strike="noStrike" kern="1200" cap="none" spc="0" normalizeH="0" baseline="0" noProof="0" dirty="0">
@@ -33875,43 +33906,8 @@
                   <a:ea typeface="휴먼매직체" panose="02030504000101010101" pitchFamily="18" charset="-127"/>
                   <a:cs typeface="+mn-cs"/>
                 </a:rPr>
-                <a:t>로 </a:t>
+                <a:t>로 분석해 건강을 관리해주는 어플</a:t>
               </a:r>
-              <a:r>
-                <a:rPr kumimoji="0" lang="ko-KR" altLang="en-US" sz="2000" b="0" i="0" u="none" strike="noStrike" kern="1200" cap="none" spc="0" normalizeH="0" baseline="0" noProof="0">
-                  <a:ln>
-                    <a:noFill/>
-                  </a:ln>
-                  <a:solidFill>
-                    <a:srgbClr val="CAB5BD">
-                      <a:lumMod val="50000"/>
-                    </a:srgbClr>
-                  </a:solidFill>
-                  <a:effectLst/>
-                  <a:uLnTx/>
-                  <a:uFillTx/>
-                  <a:latin typeface="휴먼매직체" panose="02030504000101010101" pitchFamily="18" charset="-127"/>
-                  <a:ea typeface="휴먼매직체" panose="02030504000101010101" pitchFamily="18" charset="-127"/>
-                  <a:cs typeface="+mn-cs"/>
-                </a:rPr>
-                <a:t>분석해 건강을 관리해주는 어플</a:t>
-              </a:r>
-              <a:endParaRPr kumimoji="0" lang="ko-KR" altLang="en-US" sz="2000" b="0" i="0" u="none" strike="noStrike" kern="1200" cap="none" spc="0" normalizeH="0" baseline="0" noProof="0" dirty="0">
-                <a:ln>
-                  <a:noFill/>
-                </a:ln>
-                <a:solidFill>
-                  <a:srgbClr val="CAB5BD">
-                    <a:lumMod val="50000"/>
-                  </a:srgbClr>
-                </a:solidFill>
-                <a:effectLst/>
-                <a:uLnTx/>
-                <a:uFillTx/>
-                <a:latin typeface="휴먼매직체" panose="02030504000101010101" pitchFamily="18" charset="-127"/>
-                <a:ea typeface="휴먼매직체" panose="02030504000101010101" pitchFamily="18" charset="-127"/>
-                <a:cs typeface="+mn-cs"/>
-              </a:endParaRPr>
             </a:p>
           </p:txBody>
         </p:sp>
@@ -34347,7 +34343,7 @@
               <a:defRPr/>
             </a:pPr>
             <a:r>
-              <a:rPr kumimoji="0" lang="ko-KR" altLang="en-US" sz="1800" b="0" i="0" u="none" strike="noStrike" kern="1200" cap="none" spc="0" normalizeH="0" baseline="0" noProof="0">
+              <a:rPr kumimoji="0" lang="ko-KR" altLang="en-US" sz="1800" b="0" i="0" u="none" strike="noStrike" kern="1200" cap="none" spc="0" normalizeH="0" baseline="0" noProof="0" dirty="0">
                 <a:ln>
                   <a:noFill/>
                 </a:ln>
@@ -34366,7 +34362,7 @@
               <a:t>음식과 메뉴의 영양성분을 분석하고</a:t>
             </a:r>
             <a:r>
-              <a:rPr kumimoji="0" lang="en-US" altLang="ko-KR" sz="1800" b="0" i="0" u="none" strike="noStrike" kern="1200" cap="none" spc="0" normalizeH="0" baseline="0" noProof="0">
+              <a:rPr kumimoji="0" lang="en-US" altLang="ko-KR" sz="1800" b="0" i="0" u="none" strike="noStrike" kern="1200" cap="none" spc="0" normalizeH="0" baseline="0" noProof="0" dirty="0">
                 <a:ln>
                   <a:noFill/>
                 </a:ln>
@@ -34385,7 +34381,7 @@
               <a:t>, </a:t>
             </a:r>
             <a:r>
-              <a:rPr kumimoji="0" lang="ko-KR" altLang="en-US" sz="1800" b="0" i="0" u="none" strike="noStrike" kern="1200" cap="none" spc="0" normalizeH="0" baseline="0" noProof="0">
+              <a:rPr kumimoji="0" lang="ko-KR" altLang="en-US" sz="1800" b="0" i="0" u="none" strike="noStrike" kern="1200" cap="none" spc="0" normalizeH="0" baseline="0" noProof="0" dirty="0">
                 <a:ln>
                   <a:noFill/>
                 </a:ln>
@@ -34401,29 +34397,22 @@
                 <a:ea typeface="휴먼매직체" panose="02030504000101010101" pitchFamily="18" charset="-127"/>
                 <a:cs typeface="+mn-cs"/>
               </a:rPr>
-              <a:t>내 체형과 체질에 맞는 하루 권장량을 알아서 빼주고</a:t>
-            </a:r>
-            <a:r>
-              <a:rPr kumimoji="0" lang="en-US" altLang="ko-KR" sz="1800" b="0" i="0" u="none" strike="noStrike" kern="1200" cap="none" spc="0" normalizeH="0" baseline="0" noProof="0">
-                <a:ln>
-                  <a:noFill/>
-                </a:ln>
+              <a:t>내 체형과 체질에 맞는 하루 권장량을 알아서 </a:t>
+            </a:r>
+            <a:r>
+              <a:rPr lang="ko-KR" altLang="en-US" dirty="0">
                 <a:solidFill>
                   <a:srgbClr val="CAB5BD">
                     <a:lumMod val="50000"/>
                   </a:srgbClr>
                 </a:solidFill>
-                <a:effectLst/>
-                <a:uLnTx/>
-                <a:uFillTx/>
-                <a:latin typeface="휴먼매직체" panose="02030504000101010101" pitchFamily="18" charset="-127"/>
-                <a:ea typeface="휴먼매직체" panose="02030504000101010101" pitchFamily="18" charset="-127"/>
-                <a:cs typeface="+mn-cs"/>
-              </a:rPr>
-              <a:t>, </a:t>
-            </a:r>
-            <a:r>
-              <a:rPr kumimoji="0" lang="ko-KR" altLang="en-US" sz="1800" b="0" i="0" u="none" strike="noStrike" kern="1200" cap="none" spc="0" normalizeH="0" baseline="0" noProof="0">
+                <a:latin typeface="휴먼매직체" panose="02030504000101010101" pitchFamily="18" charset="-127"/>
+                <a:ea typeface="휴먼매직체" panose="02030504000101010101" pitchFamily="18" charset="-127"/>
+              </a:rPr>
+              <a:t>계산하고</a:t>
+            </a:r>
+            <a:r>
+              <a:rPr kumimoji="0" lang="en-US" altLang="ko-KR" sz="1800" b="0" i="0" u="none" strike="noStrike" kern="1200" cap="none" spc="0" normalizeH="0" baseline="0" noProof="0" dirty="0">
                 <a:ln>
                   <a:noFill/>
                 </a:ln>
@@ -34439,10 +34428,10 @@
                 <a:ea typeface="휴먼매직체" panose="02030504000101010101" pitchFamily="18" charset="-127"/>
                 <a:cs typeface="+mn-cs"/>
               </a:rPr>
-              <a:t>추천 식당과 평점 등을 </a:t>
-            </a:r>
-            <a:r>
-              <a:rPr kumimoji="0" lang="en-US" altLang="ko-KR" sz="1800" b="0" i="0" u="none" strike="noStrike" kern="1200" cap="none" spc="0" normalizeH="0" baseline="0" noProof="0">
+              <a:t>, </a:t>
+            </a:r>
+            <a:r>
+              <a:rPr kumimoji="0" lang="ko-KR" altLang="en-US" sz="1800" b="0" i="0" u="none" strike="noStrike" kern="1200" cap="none" spc="0" normalizeH="0" baseline="0" noProof="0" dirty="0">
                 <a:ln>
                   <a:noFill/>
                 </a:ln>
@@ -34458,10 +34447,10 @@
                 <a:ea typeface="휴먼매직체" panose="02030504000101010101" pitchFamily="18" charset="-127"/>
                 <a:cs typeface="+mn-cs"/>
               </a:rPr>
-              <a:t>AR</a:t>
-            </a:r>
-            <a:r>
-              <a:rPr kumimoji="0" lang="ko-KR" altLang="en-US" sz="1800" b="0" i="0" u="none" strike="noStrike" kern="1200" cap="none" spc="0" normalizeH="0" baseline="0" noProof="0">
+              <a:t>추천 식당과 평점 등을 </a:t>
+            </a:r>
+            <a:r>
+              <a:rPr kumimoji="0" lang="en-US" altLang="ko-KR" sz="1800" b="0" i="0" u="none" strike="noStrike" kern="1200" cap="none" spc="0" normalizeH="0" baseline="0" noProof="0" dirty="0">
                 <a:ln>
                   <a:noFill/>
                 </a:ln>
@@ -34477,9 +34466,28 @@
                 <a:ea typeface="휴먼매직체" panose="02030504000101010101" pitchFamily="18" charset="-127"/>
                 <a:cs typeface="+mn-cs"/>
               </a:rPr>
+              <a:t>AR</a:t>
+            </a:r>
+            <a:r>
+              <a:rPr kumimoji="0" lang="ko-KR" altLang="en-US" sz="1800" b="0" i="0" u="none" strike="noStrike" kern="1200" cap="none" spc="0" normalizeH="0" baseline="0" noProof="0" dirty="0">
+                <a:ln>
+                  <a:noFill/>
+                </a:ln>
+                <a:solidFill>
+                  <a:srgbClr val="CAB5BD">
+                    <a:lumMod val="50000"/>
+                  </a:srgbClr>
+                </a:solidFill>
+                <a:effectLst/>
+                <a:uLnTx/>
+                <a:uFillTx/>
+                <a:latin typeface="휴먼매직체" panose="02030504000101010101" pitchFamily="18" charset="-127"/>
+                <a:ea typeface="휴먼매직체" panose="02030504000101010101" pitchFamily="18" charset="-127"/>
+                <a:cs typeface="+mn-cs"/>
+              </a:rPr>
               <a:t>로 보여줘 </a:t>
             </a:r>
-            <a:endParaRPr kumimoji="0" lang="en-US" altLang="ko-KR" sz="1800" b="0" i="0" u="none" strike="noStrike" kern="1200" cap="none" spc="0" normalizeH="0" baseline="0" noProof="0">
+            <a:endParaRPr kumimoji="0" lang="en-US" altLang="ko-KR" sz="1800" b="0" i="0" u="none" strike="noStrike" kern="1200" cap="none" spc="0" normalizeH="0" baseline="0" noProof="0" dirty="0">
               <a:ln>
                 <a:noFill/>
               </a:ln>
@@ -34515,7 +34523,7 @@
               <a:defRPr/>
             </a:pPr>
             <a:r>
-              <a:rPr kumimoji="0" lang="ko-KR" altLang="en-US" sz="1800" b="0" i="0" u="none" strike="noStrike" kern="1200" cap="none" spc="0" normalizeH="0" baseline="0" noProof="0">
+              <a:rPr kumimoji="0" lang="ko-KR" altLang="en-US" sz="1800" b="0" i="0" u="none" strike="noStrike" kern="1200" cap="none" spc="0" normalizeH="0" baseline="0" noProof="0" dirty="0">
                 <a:ln>
                   <a:noFill/>
                 </a:ln>
@@ -34533,22 +34541,6 @@
               </a:rPr>
               <a:t>사용자 경험을 극대화</a:t>
             </a:r>
-            <a:endParaRPr kumimoji="0" lang="ko-KR" altLang="en-US" sz="1800" b="0" i="0" u="none" strike="noStrike" kern="1200" cap="none" spc="0" normalizeH="0" baseline="0" noProof="0" dirty="0">
-              <a:ln>
-                <a:noFill/>
-              </a:ln>
-              <a:solidFill>
-                <a:srgbClr val="CAB5BD">
-                  <a:lumMod val="50000"/>
-                </a:srgbClr>
-              </a:solidFill>
-              <a:effectLst/>
-              <a:uLnTx/>
-              <a:uFillTx/>
-              <a:latin typeface="휴먼매직체" panose="02030504000101010101" pitchFamily="18" charset="-127"/>
-              <a:ea typeface="휴먼매직체" panose="02030504000101010101" pitchFamily="18" charset="-127"/>
-              <a:cs typeface="+mn-cs"/>
-            </a:endParaRPr>
           </a:p>
         </p:txBody>
       </p:sp>

--- a/기말과제.pptx
+++ b/기말과제.pptx
@@ -4,6 +4,9 @@
   <p:sldMasterIdLst>
     <p:sldMasterId id="2147483648" r:id="rId1"/>
   </p:sldMasterIdLst>
+  <p:notesMasterIdLst>
+    <p:notesMasterId r:id="rId40"/>
+  </p:notesMasterIdLst>
   <p:sldIdLst>
     <p:sldId id="330" r:id="rId2"/>
     <p:sldId id="331" r:id="rId3"/>
@@ -5396,6 +5399,355 @@
 </dgm:styleDef>
 </file>
 
+<file path=ppt/notesMasters/notesMaster1.xml><?xml version="1.0" encoding="utf-8"?>
+<p:notesMaster xmlns:a="http://schemas.openxmlformats.org/drawingml/2006/main" xmlns:r="http://schemas.openxmlformats.org/officeDocument/2006/relationships" xmlns:p="http://schemas.openxmlformats.org/presentationml/2006/main">
+  <p:cSld>
+    <p:bg>
+      <p:bgRef idx="1001">
+        <a:schemeClr val="bg1"/>
+      </p:bgRef>
+    </p:bg>
+    <p:spTree>
+      <p:nvGrpSpPr>
+        <p:cNvPr id="1" name=""/>
+        <p:cNvGrpSpPr/>
+        <p:nvPr/>
+      </p:nvGrpSpPr>
+      <p:grpSpPr>
+        <a:xfrm>
+          <a:off x="0" y="0"/>
+          <a:ext cx="0" cy="0"/>
+          <a:chOff x="0" y="0"/>
+          <a:chExt cx="0" cy="0"/>
+        </a:xfrm>
+      </p:grpSpPr>
+      <p:sp>
+        <p:nvSpPr>
+          <p:cNvPr id="2" name="머리글 개체 틀 1"/>
+          <p:cNvSpPr>
+            <a:spLocks noGrp="1"/>
+          </p:cNvSpPr>
+          <p:nvPr>
+            <p:ph type="hdr" sz="quarter"/>
+          </p:nvPr>
+        </p:nvSpPr>
+        <p:spPr>
+          <a:xfrm>
+            <a:off x="0" y="0"/>
+            <a:ext cx="2971800" cy="458788"/>
+          </a:xfrm>
+          <a:prstGeom prst="rect">
+            <a:avLst/>
+          </a:prstGeom>
+        </p:spPr>
+        <p:txBody>
+          <a:bodyPr vert="horz" lIns="91440" tIns="45720" rIns="91440" bIns="45720" rtlCol="0"/>
+          <a:lstStyle>
+            <a:lvl1pPr algn="l">
+              <a:defRPr sz="1200"/>
+            </a:lvl1pPr>
+          </a:lstStyle>
+          <a:p>
+            <a:endParaRPr lang="ko-KR" altLang="en-US"/>
+          </a:p>
+        </p:txBody>
+      </p:sp>
+      <p:sp>
+        <p:nvSpPr>
+          <p:cNvPr id="3" name="날짜 개체 틀 2"/>
+          <p:cNvSpPr>
+            <a:spLocks noGrp="1"/>
+          </p:cNvSpPr>
+          <p:nvPr>
+            <p:ph type="dt" idx="1"/>
+          </p:nvPr>
+        </p:nvSpPr>
+        <p:spPr>
+          <a:xfrm>
+            <a:off x="3884613" y="0"/>
+            <a:ext cx="2971800" cy="458788"/>
+          </a:xfrm>
+          <a:prstGeom prst="rect">
+            <a:avLst/>
+          </a:prstGeom>
+        </p:spPr>
+        <p:txBody>
+          <a:bodyPr vert="horz" lIns="91440" tIns="45720" rIns="91440" bIns="45720" rtlCol="0"/>
+          <a:lstStyle>
+            <a:lvl1pPr algn="r">
+              <a:defRPr sz="1200"/>
+            </a:lvl1pPr>
+          </a:lstStyle>
+          <a:p>
+            <a:fld id="{518DDE95-49CA-420F-826E-9AE14CFA310E}" type="datetimeFigureOut">
+              <a:rPr lang="ko-KR" altLang="en-US" smtClean="0"/>
+              <a:t>2022-11-28</a:t>
+            </a:fld>
+            <a:endParaRPr lang="ko-KR" altLang="en-US"/>
+          </a:p>
+        </p:txBody>
+      </p:sp>
+      <p:sp>
+        <p:nvSpPr>
+          <p:cNvPr id="4" name="슬라이드 이미지 개체 틀 3"/>
+          <p:cNvSpPr>
+            <a:spLocks noGrp="1" noRot="1" noChangeAspect="1"/>
+          </p:cNvSpPr>
+          <p:nvPr>
+            <p:ph type="sldImg" idx="2"/>
+          </p:nvPr>
+        </p:nvSpPr>
+        <p:spPr>
+          <a:xfrm>
+            <a:off x="685800" y="1143000"/>
+            <a:ext cx="5486400" cy="3086100"/>
+          </a:xfrm>
+          <a:prstGeom prst="rect">
+            <a:avLst/>
+          </a:prstGeom>
+          <a:noFill/>
+          <a:ln w="12700">
+            <a:solidFill>
+              <a:prstClr val="black"/>
+            </a:solidFill>
+          </a:ln>
+        </p:spPr>
+        <p:txBody>
+          <a:bodyPr vert="horz" lIns="91440" tIns="45720" rIns="91440" bIns="45720" rtlCol="0" anchor="ctr"/>
+          <a:lstStyle/>
+          <a:p>
+            <a:endParaRPr lang="ko-KR" altLang="en-US"/>
+          </a:p>
+        </p:txBody>
+      </p:sp>
+      <p:sp>
+        <p:nvSpPr>
+          <p:cNvPr id="5" name="슬라이드 노트 개체 틀 4"/>
+          <p:cNvSpPr>
+            <a:spLocks noGrp="1"/>
+          </p:cNvSpPr>
+          <p:nvPr>
+            <p:ph type="body" sz="quarter" idx="3"/>
+          </p:nvPr>
+        </p:nvSpPr>
+        <p:spPr>
+          <a:xfrm>
+            <a:off x="685800" y="4400550"/>
+            <a:ext cx="5486400" cy="3600450"/>
+          </a:xfrm>
+          <a:prstGeom prst="rect">
+            <a:avLst/>
+          </a:prstGeom>
+        </p:spPr>
+        <p:txBody>
+          <a:bodyPr vert="horz" lIns="91440" tIns="45720" rIns="91440" bIns="45720" rtlCol="0"/>
+          <a:lstStyle/>
+          <a:p>
+            <a:pPr lvl="0"/>
+            <a:r>
+              <a:rPr lang="ko-KR" altLang="en-US"/>
+              <a:t>마스터 텍스트 스타일을 편집하려면 클릭</a:t>
+            </a:r>
+          </a:p>
+          <a:p>
+            <a:pPr lvl="1"/>
+            <a:r>
+              <a:rPr lang="ko-KR" altLang="en-US"/>
+              <a:t>두 번째 수준</a:t>
+            </a:r>
+          </a:p>
+          <a:p>
+            <a:pPr lvl="2"/>
+            <a:r>
+              <a:rPr lang="ko-KR" altLang="en-US"/>
+              <a:t>세 번째 수준</a:t>
+            </a:r>
+          </a:p>
+          <a:p>
+            <a:pPr lvl="3"/>
+            <a:r>
+              <a:rPr lang="ko-KR" altLang="en-US"/>
+              <a:t>네 번째 수준</a:t>
+            </a:r>
+          </a:p>
+          <a:p>
+            <a:pPr lvl="4"/>
+            <a:r>
+              <a:rPr lang="ko-KR" altLang="en-US"/>
+              <a:t>다섯 번째 수준</a:t>
+            </a:r>
+          </a:p>
+        </p:txBody>
+      </p:sp>
+      <p:sp>
+        <p:nvSpPr>
+          <p:cNvPr id="6" name="바닥글 개체 틀 5"/>
+          <p:cNvSpPr>
+            <a:spLocks noGrp="1"/>
+          </p:cNvSpPr>
+          <p:nvPr>
+            <p:ph type="ftr" sz="quarter" idx="4"/>
+          </p:nvPr>
+        </p:nvSpPr>
+        <p:spPr>
+          <a:xfrm>
+            <a:off x="0" y="8685213"/>
+            <a:ext cx="2971800" cy="458787"/>
+          </a:xfrm>
+          <a:prstGeom prst="rect">
+            <a:avLst/>
+          </a:prstGeom>
+        </p:spPr>
+        <p:txBody>
+          <a:bodyPr vert="horz" lIns="91440" tIns="45720" rIns="91440" bIns="45720" rtlCol="0" anchor="b"/>
+          <a:lstStyle>
+            <a:lvl1pPr algn="l">
+              <a:defRPr sz="1200"/>
+            </a:lvl1pPr>
+          </a:lstStyle>
+          <a:p>
+            <a:endParaRPr lang="ko-KR" altLang="en-US"/>
+          </a:p>
+        </p:txBody>
+      </p:sp>
+      <p:sp>
+        <p:nvSpPr>
+          <p:cNvPr id="7" name="슬라이드 번호 개체 틀 6"/>
+          <p:cNvSpPr>
+            <a:spLocks noGrp="1"/>
+          </p:cNvSpPr>
+          <p:nvPr>
+            <p:ph type="sldNum" sz="quarter" idx="5"/>
+          </p:nvPr>
+        </p:nvSpPr>
+        <p:spPr>
+          <a:xfrm>
+            <a:off x="3884613" y="8685213"/>
+            <a:ext cx="2971800" cy="458787"/>
+          </a:xfrm>
+          <a:prstGeom prst="rect">
+            <a:avLst/>
+          </a:prstGeom>
+        </p:spPr>
+        <p:txBody>
+          <a:bodyPr vert="horz" lIns="91440" tIns="45720" rIns="91440" bIns="45720" rtlCol="0" anchor="b"/>
+          <a:lstStyle>
+            <a:lvl1pPr algn="r">
+              <a:defRPr sz="1200"/>
+            </a:lvl1pPr>
+          </a:lstStyle>
+          <a:p>
+            <a:fld id="{9DC3E195-EE90-4C4D-8E81-4BF471FB9EA7}" type="slidenum">
+              <a:rPr lang="ko-KR" altLang="en-US" smtClean="0"/>
+              <a:t>‹#›</a:t>
+            </a:fld>
+            <a:endParaRPr lang="ko-KR" altLang="en-US"/>
+          </a:p>
+        </p:txBody>
+      </p:sp>
+    </p:spTree>
+    <p:extLst>
+      <p:ext uri="{BB962C8B-B14F-4D97-AF65-F5344CB8AC3E}">
+        <p14:creationId xmlns:p14="http://schemas.microsoft.com/office/powerpoint/2010/main" val="3412942174"/>
+      </p:ext>
+    </p:extLst>
+  </p:cSld>
+  <p:clrMap bg1="lt1" tx1="dk1" bg2="lt2" tx2="dk2" accent1="accent1" accent2="accent2" accent3="accent3" accent4="accent4" accent5="accent5" accent6="accent6" hlink="hlink" folHlink="folHlink"/>
+  <p:notesStyle>
+    <a:lvl1pPr marL="0" algn="l" defTabSz="914400" rtl="0" eaLnBrk="1" latinLnBrk="1" hangingPunct="1">
+      <a:defRPr sz="1200" kern="1200">
+        <a:solidFill>
+          <a:schemeClr val="tx1"/>
+        </a:solidFill>
+        <a:latin typeface="+mn-lt"/>
+        <a:ea typeface="+mn-ea"/>
+        <a:cs typeface="+mn-cs"/>
+      </a:defRPr>
+    </a:lvl1pPr>
+    <a:lvl2pPr marL="457200" algn="l" defTabSz="914400" rtl="0" eaLnBrk="1" latinLnBrk="1" hangingPunct="1">
+      <a:defRPr sz="1200" kern="1200">
+        <a:solidFill>
+          <a:schemeClr val="tx1"/>
+        </a:solidFill>
+        <a:latin typeface="+mn-lt"/>
+        <a:ea typeface="+mn-ea"/>
+        <a:cs typeface="+mn-cs"/>
+      </a:defRPr>
+    </a:lvl2pPr>
+    <a:lvl3pPr marL="914400" algn="l" defTabSz="914400" rtl="0" eaLnBrk="1" latinLnBrk="1" hangingPunct="1">
+      <a:defRPr sz="1200" kern="1200">
+        <a:solidFill>
+          <a:schemeClr val="tx1"/>
+        </a:solidFill>
+        <a:latin typeface="+mn-lt"/>
+        <a:ea typeface="+mn-ea"/>
+        <a:cs typeface="+mn-cs"/>
+      </a:defRPr>
+    </a:lvl3pPr>
+    <a:lvl4pPr marL="1371600" algn="l" defTabSz="914400" rtl="0" eaLnBrk="1" latinLnBrk="1" hangingPunct="1">
+      <a:defRPr sz="1200" kern="1200">
+        <a:solidFill>
+          <a:schemeClr val="tx1"/>
+        </a:solidFill>
+        <a:latin typeface="+mn-lt"/>
+        <a:ea typeface="+mn-ea"/>
+        <a:cs typeface="+mn-cs"/>
+      </a:defRPr>
+    </a:lvl4pPr>
+    <a:lvl5pPr marL="1828800" algn="l" defTabSz="914400" rtl="0" eaLnBrk="1" latinLnBrk="1" hangingPunct="1">
+      <a:defRPr sz="1200" kern="1200">
+        <a:solidFill>
+          <a:schemeClr val="tx1"/>
+        </a:solidFill>
+        <a:latin typeface="+mn-lt"/>
+        <a:ea typeface="+mn-ea"/>
+        <a:cs typeface="+mn-cs"/>
+      </a:defRPr>
+    </a:lvl5pPr>
+    <a:lvl6pPr marL="2286000" algn="l" defTabSz="914400" rtl="0" eaLnBrk="1" latinLnBrk="1" hangingPunct="1">
+      <a:defRPr sz="1200" kern="1200">
+        <a:solidFill>
+          <a:schemeClr val="tx1"/>
+        </a:solidFill>
+        <a:latin typeface="+mn-lt"/>
+        <a:ea typeface="+mn-ea"/>
+        <a:cs typeface="+mn-cs"/>
+      </a:defRPr>
+    </a:lvl6pPr>
+    <a:lvl7pPr marL="2743200" algn="l" defTabSz="914400" rtl="0" eaLnBrk="1" latinLnBrk="1" hangingPunct="1">
+      <a:defRPr sz="1200" kern="1200">
+        <a:solidFill>
+          <a:schemeClr val="tx1"/>
+        </a:solidFill>
+        <a:latin typeface="+mn-lt"/>
+        <a:ea typeface="+mn-ea"/>
+        <a:cs typeface="+mn-cs"/>
+      </a:defRPr>
+    </a:lvl7pPr>
+    <a:lvl8pPr marL="3200400" algn="l" defTabSz="914400" rtl="0" eaLnBrk="1" latinLnBrk="1" hangingPunct="1">
+      <a:defRPr sz="1200" kern="1200">
+        <a:solidFill>
+          <a:schemeClr val="tx1"/>
+        </a:solidFill>
+        <a:latin typeface="+mn-lt"/>
+        <a:ea typeface="+mn-ea"/>
+        <a:cs typeface="+mn-cs"/>
+      </a:defRPr>
+    </a:lvl8pPr>
+    <a:lvl9pPr marL="3657600" algn="l" defTabSz="914400" rtl="0" eaLnBrk="1" latinLnBrk="1" hangingPunct="1">
+      <a:defRPr sz="1200" kern="1200">
+        <a:solidFill>
+          <a:schemeClr val="tx1"/>
+        </a:solidFill>
+        <a:latin typeface="+mn-lt"/>
+        <a:ea typeface="+mn-ea"/>
+        <a:cs typeface="+mn-cs"/>
+      </a:defRPr>
+    </a:lvl9pPr>
+  </p:notesStyle>
+</p:notesMaster>
+</file>
+
 <file path=ppt/slideLayouts/slideLayout1.xml><?xml version="1.0" encoding="utf-8"?>
 <p:sldLayout xmlns:a="http://schemas.openxmlformats.org/drawingml/2006/main" xmlns:r="http://schemas.openxmlformats.org/officeDocument/2006/relationships" xmlns:p="http://schemas.openxmlformats.org/presentationml/2006/main" type="title" preserve="1">
   <p:cSld name="제목 슬라이드">
@@ -5541,9 +5893,9 @@
           <a:bodyPr/>
           <a:lstStyle/>
           <a:p>
-            <a:fld id="{9FE7A9D4-2312-4C80-955C-3A7FA2F8832A}" type="datetimeFigureOut">
+            <a:fld id="{4274B49A-9A9C-46BA-A440-73FEBDF91EBC}" type="datetime1">
               <a:rPr lang="ko-KR" altLang="en-US" smtClean="0"/>
-              <a:t>2022-11-21</a:t>
+              <a:t>2022-11-28</a:t>
             </a:fld>
             <a:endParaRPr lang="ko-KR" altLang="en-US"/>
           </a:p>
@@ -5841,9 +6193,9 @@
           <a:bodyPr/>
           <a:lstStyle/>
           <a:p>
-            <a:fld id="{9FE7A9D4-2312-4C80-955C-3A7FA2F8832A}" type="datetimeFigureOut">
+            <a:fld id="{277F0E5B-739F-4440-BA1D-C18FCBAC19C4}" type="datetime1">
               <a:rPr lang="ko-KR" altLang="en-US" smtClean="0"/>
-              <a:t>2022-11-21</a:t>
+              <a:t>2022-11-28</a:t>
             </a:fld>
             <a:endParaRPr lang="ko-KR" altLang="en-US"/>
           </a:p>
@@ -6051,9 +6403,9 @@
           <a:bodyPr/>
           <a:lstStyle/>
           <a:p>
-            <a:fld id="{9FE7A9D4-2312-4C80-955C-3A7FA2F8832A}" type="datetimeFigureOut">
+            <a:fld id="{E5A3F493-5332-4EA9-8BF1-BDD42FAC57E1}" type="datetime1">
               <a:rPr lang="ko-KR" altLang="en-US" smtClean="0"/>
-              <a:t>2022-11-21</a:t>
+              <a:t>2022-11-28</a:t>
             </a:fld>
             <a:endParaRPr lang="ko-KR" altLang="en-US"/>
           </a:p>
@@ -6271,9 +6623,9 @@
           <a:bodyPr/>
           <a:lstStyle/>
           <a:p>
-            <a:fld id="{9FE7A9D4-2312-4C80-955C-3A7FA2F8832A}" type="datetimeFigureOut">
+            <a:fld id="{B7CC6939-3A53-4401-A80A-FC1ABB352FAE}" type="datetime1">
               <a:rPr lang="ko-KR" altLang="en-US" smtClean="0"/>
-              <a:t>2022-11-21</a:t>
+              <a:t>2022-11-28</a:t>
             </a:fld>
             <a:endParaRPr lang="ko-KR" altLang="en-US"/>
           </a:p>
@@ -6481,9 +6833,9 @@
           <a:bodyPr/>
           <a:lstStyle/>
           <a:p>
-            <a:fld id="{9FE7A9D4-2312-4C80-955C-3A7FA2F8832A}" type="datetimeFigureOut">
+            <a:fld id="{1C48EE19-9BEC-4E55-A03E-C13477B26859}" type="datetime1">
               <a:rPr lang="ko-KR" altLang="en-US" smtClean="0"/>
-              <a:t>2022-11-21</a:t>
+              <a:t>2022-11-28</a:t>
             </a:fld>
             <a:endParaRPr lang="ko-KR" altLang="en-US"/>
           </a:p>
@@ -6768,9 +7120,9 @@
           <a:bodyPr/>
           <a:lstStyle/>
           <a:p>
-            <a:fld id="{9FE7A9D4-2312-4C80-955C-3A7FA2F8832A}" type="datetimeFigureOut">
+            <a:fld id="{55E9FDB2-A287-464C-9045-0F4367135DC2}" type="datetime1">
               <a:rPr lang="ko-KR" altLang="en-US" smtClean="0"/>
-              <a:t>2022-11-21</a:t>
+              <a:t>2022-11-28</a:t>
             </a:fld>
             <a:endParaRPr lang="ko-KR" altLang="en-US"/>
           </a:p>
@@ -7045,9 +7397,9 @@
           <a:bodyPr/>
           <a:lstStyle/>
           <a:p>
-            <a:fld id="{9FE7A9D4-2312-4C80-955C-3A7FA2F8832A}" type="datetimeFigureOut">
+            <a:fld id="{031A331C-D9E2-448C-8CFA-E9ED7026B69F}" type="datetime1">
               <a:rPr lang="ko-KR" altLang="en-US" smtClean="0"/>
-              <a:t>2022-11-21</a:t>
+              <a:t>2022-11-28</a:t>
             </a:fld>
             <a:endParaRPr lang="ko-KR" altLang="en-US"/>
           </a:p>
@@ -7469,9 +7821,9 @@
           <a:bodyPr/>
           <a:lstStyle/>
           <a:p>
-            <a:fld id="{9FE7A9D4-2312-4C80-955C-3A7FA2F8832A}" type="datetimeFigureOut">
+            <a:fld id="{9A30DDF4-85D8-4A52-A2B6-E394D6072658}" type="datetime1">
               <a:rPr lang="ko-KR" altLang="en-US" smtClean="0"/>
-              <a:t>2022-11-21</a:t>
+              <a:t>2022-11-28</a:t>
             </a:fld>
             <a:endParaRPr lang="ko-KR" altLang="en-US"/>
           </a:p>
@@ -7622,9 +7974,9 @@
           <a:bodyPr/>
           <a:lstStyle/>
           <a:p>
-            <a:fld id="{9FE7A9D4-2312-4C80-955C-3A7FA2F8832A}" type="datetimeFigureOut">
+            <a:fld id="{4F958F29-71CD-4469-8F4B-2C160546533E}" type="datetime1">
               <a:rPr lang="ko-KR" altLang="en-US" smtClean="0"/>
-              <a:t>2022-11-21</a:t>
+              <a:t>2022-11-28</a:t>
             </a:fld>
             <a:endParaRPr lang="ko-KR" altLang="en-US"/>
           </a:p>
@@ -7836,9 +8188,9 @@
           <a:bodyPr/>
           <a:lstStyle/>
           <a:p>
-            <a:fld id="{9FE7A9D4-2312-4C80-955C-3A7FA2F8832A}" type="datetimeFigureOut">
+            <a:fld id="{FC4F5ED8-99BB-47D0-9389-A9B3D9E697BC}" type="datetime1">
               <a:rPr lang="ko-KR" altLang="en-US" smtClean="0"/>
-              <a:t>2022-11-21</a:t>
+              <a:t>2022-11-28</a:t>
             </a:fld>
             <a:endParaRPr lang="ko-KR" altLang="en-US"/>
           </a:p>
@@ -8050,9 +8402,9 @@
           <a:bodyPr/>
           <a:lstStyle/>
           <a:p>
-            <a:fld id="{9FE7A9D4-2312-4C80-955C-3A7FA2F8832A}" type="datetimeFigureOut">
+            <a:fld id="{C41BCB2B-7564-4483-BCCE-3DC81CC5A0DC}" type="datetime1">
               <a:rPr lang="ko-KR" altLang="en-US" smtClean="0"/>
-              <a:t>2022-11-21</a:t>
+              <a:t>2022-11-28</a:t>
             </a:fld>
             <a:endParaRPr lang="ko-KR" altLang="en-US"/>
           </a:p>
@@ -8373,9 +8725,9 @@
           <a:bodyPr/>
           <a:lstStyle/>
           <a:p>
-            <a:fld id="{9FE7A9D4-2312-4C80-955C-3A7FA2F8832A}" type="datetimeFigureOut">
+            <a:fld id="{674C8E4C-5CB8-4343-9565-DC2F96FC61CF}" type="datetime1">
               <a:rPr lang="ko-KR" altLang="en-US" smtClean="0"/>
-              <a:t>2022-11-21</a:t>
+              <a:t>2022-11-28</a:t>
             </a:fld>
             <a:endParaRPr lang="ko-KR" altLang="en-US"/>
           </a:p>
@@ -8626,9 +8978,9 @@
             </a:lvl1pPr>
           </a:lstStyle>
           <a:p>
-            <a:fld id="{9FE7A9D4-2312-4C80-955C-3A7FA2F8832A}" type="datetimeFigureOut">
+            <a:fld id="{F7EF688F-8DA8-42A5-A5D8-28C9D1783316}" type="datetime1">
               <a:rPr lang="ko-KR" altLang="en-US" smtClean="0"/>
-              <a:t>2022-11-21</a:t>
+              <a:t>2022-11-28</a:t>
             </a:fld>
             <a:endParaRPr lang="ko-KR" altLang="en-US"/>
           </a:p>
@@ -8758,6 +9110,7 @@
       </p:transition>
     </mc:Fallback>
   </mc:AlternateContent>
+  <p:hf hdr="0" ftr="0" dt="0"/>
   <p:txStyles>
     <p:titleStyle>
       <a:lvl1pPr algn="l" defTabSz="914400" rtl="0" eaLnBrk="1" latinLnBrk="1" hangingPunct="1">
@@ -9582,6 +9935,35 @@
           </a:prstGeom>
         </p:spPr>
       </p:pic>
+      <p:sp>
+        <p:nvSpPr>
+          <p:cNvPr id="3" name="슬라이드 번호 개체 틀 2">
+            <a:extLst>
+              <a:ext uri="{FF2B5EF4-FFF2-40B4-BE49-F238E27FC236}">
+                <a16:creationId xmlns:a16="http://schemas.microsoft.com/office/drawing/2014/main" id="{82DB4BDC-A0CD-EB19-D9B9-A42A0DB3391B}"/>
+              </a:ext>
+            </a:extLst>
+          </p:cNvPr>
+          <p:cNvSpPr>
+            <a:spLocks noGrp="1"/>
+          </p:cNvSpPr>
+          <p:nvPr>
+            <p:ph type="sldNum" sz="quarter" idx="12"/>
+          </p:nvPr>
+        </p:nvSpPr>
+        <p:spPr/>
+        <p:txBody>
+          <a:bodyPr/>
+          <a:lstStyle/>
+          <a:p>
+            <a:fld id="{5595EC94-8EAF-486A-983B-99B1085AE833}" type="slidenum">
+              <a:rPr lang="ko-KR" altLang="en-US" smtClean="0"/>
+              <a:t>1</a:t>
+            </a:fld>
+            <a:endParaRPr lang="ko-KR" altLang="en-US"/>
+          </a:p>
+        </p:txBody>
+      </p:sp>
     </p:spTree>
     <p:extLst>
       <p:ext uri="{BB962C8B-B14F-4D97-AF65-F5344CB8AC3E}">
@@ -11111,6 +11493,35 @@
           </a:p>
         </p:txBody>
       </p:sp>
+      <p:sp>
+        <p:nvSpPr>
+          <p:cNvPr id="2" name="슬라이드 번호 개체 틀 1">
+            <a:extLst>
+              <a:ext uri="{FF2B5EF4-FFF2-40B4-BE49-F238E27FC236}">
+                <a16:creationId xmlns:a16="http://schemas.microsoft.com/office/drawing/2014/main" id="{A5AAB3A3-2091-D573-CE70-6A0929849CEC}"/>
+              </a:ext>
+            </a:extLst>
+          </p:cNvPr>
+          <p:cNvSpPr>
+            <a:spLocks noGrp="1"/>
+          </p:cNvSpPr>
+          <p:nvPr>
+            <p:ph type="sldNum" sz="quarter" idx="12"/>
+          </p:nvPr>
+        </p:nvSpPr>
+        <p:spPr/>
+        <p:txBody>
+          <a:bodyPr/>
+          <a:lstStyle/>
+          <a:p>
+            <a:fld id="{5595EC94-8EAF-486A-983B-99B1085AE833}" type="slidenum">
+              <a:rPr lang="ko-KR" altLang="en-US" smtClean="0"/>
+              <a:t>10</a:t>
+            </a:fld>
+            <a:endParaRPr lang="ko-KR" altLang="en-US"/>
+          </a:p>
+        </p:txBody>
+      </p:sp>
     </p:spTree>
     <p:extLst>
       <p:ext uri="{BB962C8B-B14F-4D97-AF65-F5344CB8AC3E}">
@@ -12210,6 +12621,35 @@
           </a:fontRef>
         </p:style>
       </p:cxnSp>
+      <p:sp>
+        <p:nvSpPr>
+          <p:cNvPr id="3" name="슬라이드 번호 개체 틀 2">
+            <a:extLst>
+              <a:ext uri="{FF2B5EF4-FFF2-40B4-BE49-F238E27FC236}">
+                <a16:creationId xmlns:a16="http://schemas.microsoft.com/office/drawing/2014/main" id="{945816CD-3B99-9F5B-E70E-AFADEA6058D1}"/>
+              </a:ext>
+            </a:extLst>
+          </p:cNvPr>
+          <p:cNvSpPr>
+            <a:spLocks noGrp="1"/>
+          </p:cNvSpPr>
+          <p:nvPr>
+            <p:ph type="sldNum" sz="quarter" idx="12"/>
+          </p:nvPr>
+        </p:nvSpPr>
+        <p:spPr/>
+        <p:txBody>
+          <a:bodyPr/>
+          <a:lstStyle/>
+          <a:p>
+            <a:fld id="{5595EC94-8EAF-486A-983B-99B1085AE833}" type="slidenum">
+              <a:rPr lang="ko-KR" altLang="en-US" smtClean="0"/>
+              <a:t>11</a:t>
+            </a:fld>
+            <a:endParaRPr lang="ko-KR" altLang="en-US"/>
+          </a:p>
+        </p:txBody>
+      </p:sp>
     </p:spTree>
     <p:extLst>
       <p:ext uri="{BB962C8B-B14F-4D97-AF65-F5344CB8AC3E}">
@@ -13543,6 +13983,35 @@
               <a:ea typeface="휴먼매직체" panose="02030504000101010101" pitchFamily="18" charset="-127"/>
               <a:cs typeface="+mn-cs"/>
             </a:endParaRPr>
+          </a:p>
+        </p:txBody>
+      </p:sp>
+      <p:sp>
+        <p:nvSpPr>
+          <p:cNvPr id="4" name="슬라이드 번호 개체 틀 3">
+            <a:extLst>
+              <a:ext uri="{FF2B5EF4-FFF2-40B4-BE49-F238E27FC236}">
+                <a16:creationId xmlns:a16="http://schemas.microsoft.com/office/drawing/2014/main" id="{6736A84A-1839-2048-1972-24B931EEC35A}"/>
+              </a:ext>
+            </a:extLst>
+          </p:cNvPr>
+          <p:cNvSpPr>
+            <a:spLocks noGrp="1"/>
+          </p:cNvSpPr>
+          <p:nvPr>
+            <p:ph type="sldNum" sz="quarter" idx="12"/>
+          </p:nvPr>
+        </p:nvSpPr>
+        <p:spPr/>
+        <p:txBody>
+          <a:bodyPr/>
+          <a:lstStyle/>
+          <a:p>
+            <a:fld id="{5595EC94-8EAF-486A-983B-99B1085AE833}" type="slidenum">
+              <a:rPr lang="ko-KR" altLang="en-US" smtClean="0"/>
+              <a:t>12</a:t>
+            </a:fld>
+            <a:endParaRPr lang="ko-KR" altLang="en-US"/>
           </a:p>
         </p:txBody>
       </p:sp>
@@ -14271,6 +14740,35 @@
           </a:prstGeom>
         </p:spPr>
       </p:pic>
+      <p:sp>
+        <p:nvSpPr>
+          <p:cNvPr id="2" name="슬라이드 번호 개체 틀 1">
+            <a:extLst>
+              <a:ext uri="{FF2B5EF4-FFF2-40B4-BE49-F238E27FC236}">
+                <a16:creationId xmlns:a16="http://schemas.microsoft.com/office/drawing/2014/main" id="{959E1B70-2FE9-BAD7-C481-BB4E26956DE0}"/>
+              </a:ext>
+            </a:extLst>
+          </p:cNvPr>
+          <p:cNvSpPr>
+            <a:spLocks noGrp="1"/>
+          </p:cNvSpPr>
+          <p:nvPr>
+            <p:ph type="sldNum" sz="quarter" idx="12"/>
+          </p:nvPr>
+        </p:nvSpPr>
+        <p:spPr/>
+        <p:txBody>
+          <a:bodyPr/>
+          <a:lstStyle/>
+          <a:p>
+            <a:fld id="{5595EC94-8EAF-486A-983B-99B1085AE833}" type="slidenum">
+              <a:rPr lang="ko-KR" altLang="en-US" smtClean="0"/>
+              <a:t>13</a:t>
+            </a:fld>
+            <a:endParaRPr lang="ko-KR" altLang="en-US"/>
+          </a:p>
+        </p:txBody>
+      </p:sp>
     </p:spTree>
     <p:extLst>
       <p:ext uri="{BB962C8B-B14F-4D97-AF65-F5344CB8AC3E}">
@@ -15707,6 +16205,35 @@
           </a:fontRef>
         </p:style>
       </p:cxnSp>
+      <p:sp>
+        <p:nvSpPr>
+          <p:cNvPr id="4" name="슬라이드 번호 개체 틀 3">
+            <a:extLst>
+              <a:ext uri="{FF2B5EF4-FFF2-40B4-BE49-F238E27FC236}">
+                <a16:creationId xmlns:a16="http://schemas.microsoft.com/office/drawing/2014/main" id="{A4872456-0790-341F-C149-7D74F9A8B480}"/>
+              </a:ext>
+            </a:extLst>
+          </p:cNvPr>
+          <p:cNvSpPr>
+            <a:spLocks noGrp="1"/>
+          </p:cNvSpPr>
+          <p:nvPr>
+            <p:ph type="sldNum" sz="quarter" idx="12"/>
+          </p:nvPr>
+        </p:nvSpPr>
+        <p:spPr/>
+        <p:txBody>
+          <a:bodyPr/>
+          <a:lstStyle/>
+          <a:p>
+            <a:fld id="{5595EC94-8EAF-486A-983B-99B1085AE833}" type="slidenum">
+              <a:rPr lang="ko-KR" altLang="en-US" smtClean="0"/>
+              <a:t>14</a:t>
+            </a:fld>
+            <a:endParaRPr lang="ko-KR" altLang="en-US"/>
+          </a:p>
+        </p:txBody>
+      </p:sp>
     </p:spTree>
     <p:extLst>
       <p:ext uri="{BB962C8B-B14F-4D97-AF65-F5344CB8AC3E}">
@@ -17057,6 +17584,35 @@
           </a:p>
         </p:txBody>
       </p:sp>
+      <p:sp>
+        <p:nvSpPr>
+          <p:cNvPr id="2" name="슬라이드 번호 개체 틀 1">
+            <a:extLst>
+              <a:ext uri="{FF2B5EF4-FFF2-40B4-BE49-F238E27FC236}">
+                <a16:creationId xmlns:a16="http://schemas.microsoft.com/office/drawing/2014/main" id="{8DC386DE-F50F-3B02-B594-9B2089457ED8}"/>
+              </a:ext>
+            </a:extLst>
+          </p:cNvPr>
+          <p:cNvSpPr>
+            <a:spLocks noGrp="1"/>
+          </p:cNvSpPr>
+          <p:nvPr>
+            <p:ph type="sldNum" sz="quarter" idx="12"/>
+          </p:nvPr>
+        </p:nvSpPr>
+        <p:spPr/>
+        <p:txBody>
+          <a:bodyPr/>
+          <a:lstStyle/>
+          <a:p>
+            <a:fld id="{5595EC94-8EAF-486A-983B-99B1085AE833}" type="slidenum">
+              <a:rPr lang="ko-KR" altLang="en-US" smtClean="0"/>
+              <a:t>15</a:t>
+            </a:fld>
+            <a:endParaRPr lang="ko-KR" altLang="en-US"/>
+          </a:p>
+        </p:txBody>
+      </p:sp>
     </p:spTree>
     <p:extLst>
       <p:ext uri="{BB962C8B-B14F-4D97-AF65-F5344CB8AC3E}">
@@ -18617,6 +19173,35 @@
           </a:p>
         </p:txBody>
       </p:sp>
+      <p:sp>
+        <p:nvSpPr>
+          <p:cNvPr id="2" name="슬라이드 번호 개체 틀 1">
+            <a:extLst>
+              <a:ext uri="{FF2B5EF4-FFF2-40B4-BE49-F238E27FC236}">
+                <a16:creationId xmlns:a16="http://schemas.microsoft.com/office/drawing/2014/main" id="{31ED74BC-A998-B66B-0A2E-1058A25F2CE0}"/>
+              </a:ext>
+            </a:extLst>
+          </p:cNvPr>
+          <p:cNvSpPr>
+            <a:spLocks noGrp="1"/>
+          </p:cNvSpPr>
+          <p:nvPr>
+            <p:ph type="sldNum" sz="quarter" idx="12"/>
+          </p:nvPr>
+        </p:nvSpPr>
+        <p:spPr/>
+        <p:txBody>
+          <a:bodyPr/>
+          <a:lstStyle/>
+          <a:p>
+            <a:fld id="{5595EC94-8EAF-486A-983B-99B1085AE833}" type="slidenum">
+              <a:rPr lang="ko-KR" altLang="en-US" smtClean="0"/>
+              <a:t>16</a:t>
+            </a:fld>
+            <a:endParaRPr lang="ko-KR" altLang="en-US"/>
+          </a:p>
+        </p:txBody>
+      </p:sp>
     </p:spTree>
     <p:extLst>
       <p:ext uri="{BB962C8B-B14F-4D97-AF65-F5344CB8AC3E}">
@@ -19953,6 +20538,35 @@
           </a:p>
         </p:txBody>
       </p:sp>
+      <p:sp>
+        <p:nvSpPr>
+          <p:cNvPr id="2" name="슬라이드 번호 개체 틀 1">
+            <a:extLst>
+              <a:ext uri="{FF2B5EF4-FFF2-40B4-BE49-F238E27FC236}">
+                <a16:creationId xmlns:a16="http://schemas.microsoft.com/office/drawing/2014/main" id="{744E864D-1B25-F7D1-1D19-9ED1BD1EF08F}"/>
+              </a:ext>
+            </a:extLst>
+          </p:cNvPr>
+          <p:cNvSpPr>
+            <a:spLocks noGrp="1"/>
+          </p:cNvSpPr>
+          <p:nvPr>
+            <p:ph type="sldNum" sz="quarter" idx="12"/>
+          </p:nvPr>
+        </p:nvSpPr>
+        <p:spPr/>
+        <p:txBody>
+          <a:bodyPr/>
+          <a:lstStyle/>
+          <a:p>
+            <a:fld id="{5595EC94-8EAF-486A-983B-99B1085AE833}" type="slidenum">
+              <a:rPr lang="ko-KR" altLang="en-US" smtClean="0"/>
+              <a:t>17</a:t>
+            </a:fld>
+            <a:endParaRPr lang="ko-KR" altLang="en-US"/>
+          </a:p>
+        </p:txBody>
+      </p:sp>
     </p:spTree>
     <p:extLst>
       <p:ext uri="{BB962C8B-B14F-4D97-AF65-F5344CB8AC3E}">
@@ -21369,6 +21983,35 @@
               </a:rPr>
               <a:t>)</a:t>
             </a:r>
+          </a:p>
+        </p:txBody>
+      </p:sp>
+      <p:sp>
+        <p:nvSpPr>
+          <p:cNvPr id="2" name="슬라이드 번호 개체 틀 1">
+            <a:extLst>
+              <a:ext uri="{FF2B5EF4-FFF2-40B4-BE49-F238E27FC236}">
+                <a16:creationId xmlns:a16="http://schemas.microsoft.com/office/drawing/2014/main" id="{4F852E51-86E6-1E97-94BE-C10615FF15CB}"/>
+              </a:ext>
+            </a:extLst>
+          </p:cNvPr>
+          <p:cNvSpPr>
+            <a:spLocks noGrp="1"/>
+          </p:cNvSpPr>
+          <p:nvPr>
+            <p:ph type="sldNum" sz="quarter" idx="12"/>
+          </p:nvPr>
+        </p:nvSpPr>
+        <p:spPr/>
+        <p:txBody>
+          <a:bodyPr/>
+          <a:lstStyle/>
+          <a:p>
+            <a:fld id="{5595EC94-8EAF-486A-983B-99B1085AE833}" type="slidenum">
+              <a:rPr lang="ko-KR" altLang="en-US" smtClean="0"/>
+              <a:t>18</a:t>
+            </a:fld>
+            <a:endParaRPr lang="ko-KR" altLang="en-US"/>
           </a:p>
         </p:txBody>
       </p:sp>
@@ -22082,6 +22725,35 @@
           </a:prstGeom>
         </p:spPr>
       </p:pic>
+      <p:sp>
+        <p:nvSpPr>
+          <p:cNvPr id="3" name="슬라이드 번호 개체 틀 2">
+            <a:extLst>
+              <a:ext uri="{FF2B5EF4-FFF2-40B4-BE49-F238E27FC236}">
+                <a16:creationId xmlns:a16="http://schemas.microsoft.com/office/drawing/2014/main" id="{BD7BD559-5F65-B763-BBF0-F7671C460C67}"/>
+              </a:ext>
+            </a:extLst>
+          </p:cNvPr>
+          <p:cNvSpPr>
+            <a:spLocks noGrp="1"/>
+          </p:cNvSpPr>
+          <p:nvPr>
+            <p:ph type="sldNum" sz="quarter" idx="12"/>
+          </p:nvPr>
+        </p:nvSpPr>
+        <p:spPr/>
+        <p:txBody>
+          <a:bodyPr/>
+          <a:lstStyle/>
+          <a:p>
+            <a:fld id="{5595EC94-8EAF-486A-983B-99B1085AE833}" type="slidenum">
+              <a:rPr lang="ko-KR" altLang="en-US" smtClean="0"/>
+              <a:t>19</a:t>
+            </a:fld>
+            <a:endParaRPr lang="ko-KR" altLang="en-US"/>
+          </a:p>
+        </p:txBody>
+      </p:sp>
     </p:spTree>
     <p:extLst>
       <p:ext uri="{BB962C8B-B14F-4D97-AF65-F5344CB8AC3E}">
@@ -22149,7 +22821,7 @@
         <p:spPr>
           <a:xfrm>
             <a:off x="1088375" y="1659285"/>
-            <a:ext cx="4108389" cy="3539430"/>
+            <a:ext cx="4901364" cy="4031873"/>
           </a:xfrm>
           <a:prstGeom prst="rect">
             <a:avLst/>
@@ -22211,22 +22883,59 @@
                 <a:ea typeface="휴먼매직체" panose="02030504000101010101" pitchFamily="18" charset="-127"/>
                 <a:cs typeface="+mn-cs"/>
               </a:rPr>
-              <a:t>개요</a:t>
-            </a:r>
-            <a:endParaRPr kumimoji="0" lang="en-US" altLang="ko-KR" sz="3200" b="0" i="0" u="none" strike="noStrike" kern="1200" cap="none" spc="0" normalizeH="0" baseline="0" noProof="0" dirty="0">
-              <a:ln>
-                <a:noFill/>
-              </a:ln>
-              <a:solidFill>
-                <a:prstClr val="white"/>
-              </a:solidFill>
-              <a:effectLst/>
-              <a:uLnTx/>
-              <a:uFillTx/>
-              <a:latin typeface="휴먼매직체" panose="02030504000101010101" pitchFamily="18" charset="-127"/>
-              <a:ea typeface="휴먼매직체" panose="02030504000101010101" pitchFamily="18" charset="-127"/>
-              <a:cs typeface="+mn-cs"/>
-            </a:endParaRPr>
+              <a:t>개요 </a:t>
+            </a:r>
+            <a:r>
+              <a:rPr kumimoji="0" lang="en-US" altLang="ko-KR" sz="3200" b="0" i="0" u="none" strike="noStrike" kern="1200" cap="none" spc="0" normalizeH="0" baseline="0" noProof="0" dirty="0">
+                <a:ln>
+                  <a:noFill/>
+                </a:ln>
+                <a:solidFill>
+                  <a:prstClr val="white"/>
+                </a:solidFill>
+                <a:effectLst/>
+                <a:uLnTx/>
+                <a:uFillTx/>
+                <a:latin typeface="휴먼매직체" panose="02030504000101010101" pitchFamily="18" charset="-127"/>
+                <a:ea typeface="휴먼매직체" panose="02030504000101010101" pitchFamily="18" charset="-127"/>
+                <a:cs typeface="+mn-cs"/>
+              </a:rPr>
+              <a:t>(</a:t>
+            </a:r>
+            <a:r>
+              <a:rPr kumimoji="0" lang="ko-KR" altLang="en-US" sz="3200" b="0" i="0" u="none" strike="noStrike" kern="1200" cap="none" spc="0" normalizeH="0" baseline="0" noProof="0" dirty="0" err="1">
+                <a:ln>
+                  <a:noFill/>
+                </a:ln>
+                <a:solidFill>
+                  <a:prstClr val="white"/>
+                </a:solidFill>
+                <a:effectLst/>
+                <a:uLnTx/>
+                <a:uFillTx/>
+                <a:latin typeface="휴먼매직체" panose="02030504000101010101" pitchFamily="18" charset="-127"/>
+                <a:ea typeface="휴먼매직체" panose="02030504000101010101" pitchFamily="18" charset="-127"/>
+                <a:cs typeface="+mn-cs"/>
+              </a:rPr>
+              <a:t>윤시현</a:t>
+            </a:r>
+            <a:r>
+              <a:rPr kumimoji="0" lang="en-US" altLang="ko-KR" sz="3200" b="0" i="0" u="none" strike="noStrike" kern="1200" cap="none" spc="0" normalizeH="0" baseline="0" noProof="0" dirty="0">
+                <a:ln>
+                  <a:noFill/>
+                </a:ln>
+                <a:solidFill>
+                  <a:prstClr val="white"/>
+                </a:solidFill>
+                <a:effectLst/>
+                <a:uLnTx/>
+                <a:uFillTx/>
+                <a:latin typeface="휴먼매직체" panose="02030504000101010101" pitchFamily="18" charset="-127"/>
+                <a:ea typeface="휴먼매직체" panose="02030504000101010101" pitchFamily="18" charset="-127"/>
+                <a:cs typeface="+mn-cs"/>
+              </a:rPr>
+              <a:t>)</a:t>
+            </a:r>
           </a:p>
           <a:p>
             <a:pPr marL="0" marR="0" lvl="0" indent="0" algn="ctr" defTabSz="914400" rtl="0" eaLnBrk="1" fontAlgn="auto" latinLnBrk="1" hangingPunct="1">
@@ -22311,22 +23020,59 @@
                 <a:ea typeface="휴먼매직체" panose="02030504000101010101" pitchFamily="18" charset="-127"/>
                 <a:cs typeface="+mn-cs"/>
               </a:rPr>
-              <a:t>배경 및 필요성</a:t>
-            </a:r>
-            <a:endParaRPr kumimoji="0" lang="en-US" altLang="ko-KR" sz="3200" b="0" i="0" u="none" strike="noStrike" kern="1200" cap="none" spc="0" normalizeH="0" baseline="0" noProof="0" dirty="0">
-              <a:ln>
-                <a:noFill/>
-              </a:ln>
-              <a:solidFill>
-                <a:prstClr val="white"/>
-              </a:solidFill>
-              <a:effectLst/>
-              <a:uLnTx/>
-              <a:uFillTx/>
-              <a:latin typeface="휴먼매직체" panose="02030504000101010101" pitchFamily="18" charset="-127"/>
-              <a:ea typeface="휴먼매직체" panose="02030504000101010101" pitchFamily="18" charset="-127"/>
-              <a:cs typeface="+mn-cs"/>
-            </a:endParaRPr>
+              <a:t>배경 및 필요성 </a:t>
+            </a:r>
+            <a:r>
+              <a:rPr kumimoji="0" lang="en-US" altLang="ko-KR" sz="3200" b="0" i="0" u="none" strike="noStrike" kern="1200" cap="none" spc="0" normalizeH="0" baseline="0" noProof="0" dirty="0">
+                <a:ln>
+                  <a:noFill/>
+                </a:ln>
+                <a:solidFill>
+                  <a:prstClr val="white"/>
+                </a:solidFill>
+                <a:effectLst/>
+                <a:uLnTx/>
+                <a:uFillTx/>
+                <a:latin typeface="휴먼매직체" panose="02030504000101010101" pitchFamily="18" charset="-127"/>
+                <a:ea typeface="휴먼매직체" panose="02030504000101010101" pitchFamily="18" charset="-127"/>
+                <a:cs typeface="+mn-cs"/>
+              </a:rPr>
+              <a:t>(</a:t>
+            </a:r>
+            <a:r>
+              <a:rPr kumimoji="0" lang="ko-KR" altLang="en-US" sz="3200" b="0" i="0" u="none" strike="noStrike" kern="1200" cap="none" spc="0" normalizeH="0" baseline="0" noProof="0" dirty="0" err="1">
+                <a:ln>
+                  <a:noFill/>
+                </a:ln>
+                <a:solidFill>
+                  <a:prstClr val="white"/>
+                </a:solidFill>
+                <a:effectLst/>
+                <a:uLnTx/>
+                <a:uFillTx/>
+                <a:latin typeface="휴먼매직체" panose="02030504000101010101" pitchFamily="18" charset="-127"/>
+                <a:ea typeface="휴먼매직체" panose="02030504000101010101" pitchFamily="18" charset="-127"/>
+                <a:cs typeface="+mn-cs"/>
+              </a:rPr>
+              <a:t>윤시현</a:t>
+            </a:r>
+            <a:r>
+              <a:rPr kumimoji="0" lang="en-US" altLang="ko-KR" sz="3200" b="0" i="0" u="none" strike="noStrike" kern="1200" cap="none" spc="0" normalizeH="0" baseline="0" noProof="0" dirty="0">
+                <a:ln>
+                  <a:noFill/>
+                </a:ln>
+                <a:solidFill>
+                  <a:prstClr val="white"/>
+                </a:solidFill>
+                <a:effectLst/>
+                <a:uLnTx/>
+                <a:uFillTx/>
+                <a:latin typeface="휴먼매직체" panose="02030504000101010101" pitchFamily="18" charset="-127"/>
+                <a:ea typeface="휴먼매직체" panose="02030504000101010101" pitchFamily="18" charset="-127"/>
+                <a:cs typeface="+mn-cs"/>
+              </a:rPr>
+              <a:t>)</a:t>
+            </a:r>
           </a:p>
           <a:p>
             <a:pPr marL="0" marR="0" lvl="0" indent="0" algn="ctr" defTabSz="914400" rtl="0" eaLnBrk="1" fontAlgn="auto" latinLnBrk="1" hangingPunct="1">
@@ -22446,20 +23192,91 @@
               <a:tabLst/>
               <a:defRPr/>
             </a:pPr>
-            <a:endParaRPr kumimoji="0" lang="en-US" altLang="ko-KR" sz="3200" b="0" i="0" u="none" strike="noStrike" kern="1200" cap="none" spc="0" normalizeH="0" baseline="0" noProof="0" dirty="0">
-              <a:ln>
-                <a:noFill/>
-              </a:ln>
-              <a:solidFill>
-                <a:prstClr val="white"/>
-              </a:solidFill>
-              <a:effectLst/>
-              <a:uLnTx/>
-              <a:uFillTx/>
-              <a:latin typeface="휴먼매직체" panose="02030504000101010101" pitchFamily="18" charset="-127"/>
-              <a:ea typeface="휴먼매직체" panose="02030504000101010101" pitchFamily="18" charset="-127"/>
-              <a:cs typeface="+mn-cs"/>
-            </a:endParaRPr>
+            <a:r>
+              <a:rPr kumimoji="0" lang="en-US" altLang="ko-KR" sz="3200" b="0" i="0" u="none" strike="noStrike" kern="1200" cap="none" spc="0" normalizeH="0" baseline="0" noProof="0" dirty="0">
+                <a:ln>
+                  <a:noFill/>
+                </a:ln>
+                <a:solidFill>
+                  <a:prstClr val="white"/>
+                </a:solidFill>
+                <a:effectLst/>
+                <a:uLnTx/>
+                <a:uFillTx/>
+                <a:latin typeface="휴먼매직체" panose="02030504000101010101" pitchFamily="18" charset="-127"/>
+                <a:ea typeface="휴먼매직체" panose="02030504000101010101" pitchFamily="18" charset="-127"/>
+                <a:cs typeface="+mn-cs"/>
+              </a:rPr>
+              <a:t>(</a:t>
+            </a:r>
+            <a:r>
+              <a:rPr kumimoji="0" lang="ko-KR" altLang="en-US" sz="3200" b="0" i="0" u="none" strike="noStrike" kern="1200" cap="none" spc="0" normalizeH="0" baseline="0" noProof="0" dirty="0" err="1">
+                <a:ln>
+                  <a:noFill/>
+                </a:ln>
+                <a:solidFill>
+                  <a:prstClr val="white"/>
+                </a:solidFill>
+                <a:effectLst/>
+                <a:uLnTx/>
+                <a:uFillTx/>
+                <a:latin typeface="휴먼매직체" panose="02030504000101010101" pitchFamily="18" charset="-127"/>
+                <a:ea typeface="휴먼매직체" panose="02030504000101010101" pitchFamily="18" charset="-127"/>
+                <a:cs typeface="+mn-cs"/>
+              </a:rPr>
+              <a:t>윤시현</a:t>
+            </a:r>
+            <a:r>
+              <a:rPr kumimoji="0" lang="en-US" altLang="ko-KR" sz="3200" b="0" i="0" u="none" strike="noStrike" kern="1200" cap="none" spc="0" normalizeH="0" baseline="0" noProof="0" dirty="0">
+                <a:ln>
+                  <a:noFill/>
+                </a:ln>
+                <a:solidFill>
+                  <a:prstClr val="white"/>
+                </a:solidFill>
+                <a:effectLst/>
+                <a:uLnTx/>
+                <a:uFillTx/>
+                <a:latin typeface="휴먼매직체" panose="02030504000101010101" pitchFamily="18" charset="-127"/>
+                <a:ea typeface="휴먼매직체" panose="02030504000101010101" pitchFamily="18" charset="-127"/>
+                <a:cs typeface="+mn-cs"/>
+              </a:rPr>
+              <a:t>, </a:t>
+            </a:r>
+            <a:r>
+              <a:rPr kumimoji="0" lang="ko-KR" altLang="en-US" sz="3200" b="0" i="0" u="none" strike="noStrike" kern="1200" cap="none" spc="0" normalizeH="0" baseline="0" noProof="0" dirty="0">
+                <a:ln>
+                  <a:noFill/>
+                </a:ln>
+                <a:solidFill>
+                  <a:prstClr val="white"/>
+                </a:solidFill>
+                <a:effectLst/>
+                <a:uLnTx/>
+                <a:uFillTx/>
+                <a:latin typeface="휴먼매직체" panose="02030504000101010101" pitchFamily="18" charset="-127"/>
+                <a:ea typeface="휴먼매직체" panose="02030504000101010101" pitchFamily="18" charset="-127"/>
+                <a:cs typeface="+mn-cs"/>
+              </a:rPr>
+              <a:t>이윤호</a:t>
+            </a:r>
+            <a:r>
+              <a:rPr kumimoji="0" lang="en-US" altLang="ko-KR" sz="3200" b="0" i="0" u="none" strike="noStrike" kern="1200" cap="none" spc="0" normalizeH="0" baseline="0" noProof="0" dirty="0">
+                <a:ln>
+                  <a:noFill/>
+                </a:ln>
+                <a:solidFill>
+                  <a:prstClr val="white"/>
+                </a:solidFill>
+                <a:effectLst/>
+                <a:uLnTx/>
+                <a:uFillTx/>
+                <a:latin typeface="휴먼매직체" panose="02030504000101010101" pitchFamily="18" charset="-127"/>
+                <a:ea typeface="휴먼매직체" panose="02030504000101010101" pitchFamily="18" charset="-127"/>
+                <a:cs typeface="+mn-cs"/>
+              </a:rPr>
+              <a:t>)</a:t>
+            </a:r>
           </a:p>
           <a:p>
             <a:pPr marL="0" marR="0" lvl="0" indent="0" algn="ctr" defTabSz="914400" rtl="0" eaLnBrk="1" fontAlgn="auto" latinLnBrk="1" hangingPunct="1">
@@ -22479,6 +23296,39 @@
               <a:tabLst/>
               <a:defRPr/>
             </a:pPr>
+            <a:endParaRPr kumimoji="0" lang="en-US" altLang="ko-KR" sz="3200" b="0" i="0" u="none" strike="noStrike" kern="1200" cap="none" spc="0" normalizeH="0" baseline="0" noProof="0" dirty="0">
+              <a:ln>
+                <a:noFill/>
+              </a:ln>
+              <a:solidFill>
+                <a:prstClr val="white"/>
+              </a:solidFill>
+              <a:effectLst/>
+              <a:uLnTx/>
+              <a:uFillTx/>
+              <a:latin typeface="휴먼매직체" panose="02030504000101010101" pitchFamily="18" charset="-127"/>
+              <a:ea typeface="휴먼매직체" panose="02030504000101010101" pitchFamily="18" charset="-127"/>
+              <a:cs typeface="+mn-cs"/>
+            </a:endParaRPr>
+          </a:p>
+          <a:p>
+            <a:pPr marL="0" marR="0" lvl="0" indent="0" algn="ctr" defTabSz="914400" rtl="0" eaLnBrk="1" fontAlgn="auto" latinLnBrk="1" hangingPunct="1">
+              <a:lnSpc>
+                <a:spcPct val="100000"/>
+              </a:lnSpc>
+              <a:spcBef>
+                <a:spcPts val="0"/>
+              </a:spcBef>
+              <a:spcAft>
+                <a:spcPts val="0"/>
+              </a:spcAft>
+              <a:buClrTx/>
+              <a:buSzTx/>
+              <a:buFontTx/>
+              <a:buNone/>
+              <a:tabLst/>
+              <a:defRPr/>
+            </a:pPr>
             <a:r>
               <a:rPr kumimoji="0" lang="en-US" altLang="ko-KR" sz="3200" b="0" i="0" u="none" strike="noStrike" kern="1200" cap="none" spc="0" normalizeH="0" baseline="0" noProof="0" dirty="0">
                 <a:ln>
@@ -22511,8 +23361,73 @@
                 <a:ea typeface="휴먼매직체" panose="02030504000101010101" pitchFamily="18" charset="-127"/>
                 <a:cs typeface="+mn-cs"/>
               </a:rPr>
-              <a:t>개발 목표</a:t>
-            </a:r>
+              <a:t>개발 목표 </a:t>
+            </a:r>
+            <a:r>
+              <a:rPr kumimoji="0" lang="en-US" altLang="ko-KR" sz="3200" b="0" i="0" u="none" strike="noStrike" kern="1200" cap="none" spc="0" normalizeH="0" baseline="0" noProof="0" dirty="0">
+                <a:ln>
+                  <a:noFill/>
+                </a:ln>
+                <a:solidFill>
+                  <a:prstClr val="white"/>
+                </a:solidFill>
+                <a:effectLst/>
+                <a:uLnTx/>
+                <a:uFillTx/>
+                <a:latin typeface="휴먼매직체" panose="02030504000101010101" pitchFamily="18" charset="-127"/>
+                <a:ea typeface="휴먼매직체" panose="02030504000101010101" pitchFamily="18" charset="-127"/>
+                <a:cs typeface="+mn-cs"/>
+              </a:rPr>
+              <a:t>(</a:t>
+            </a:r>
+            <a:r>
+              <a:rPr kumimoji="0" lang="ko-KR" altLang="en-US" sz="3200" b="0" i="0" u="none" strike="noStrike" kern="1200" cap="none" spc="0" normalizeH="0" baseline="0" noProof="0" dirty="0">
+                <a:ln>
+                  <a:noFill/>
+                </a:ln>
+                <a:solidFill>
+                  <a:prstClr val="white"/>
+                </a:solidFill>
+                <a:effectLst/>
+                <a:uLnTx/>
+                <a:uFillTx/>
+                <a:latin typeface="휴먼매직체" panose="02030504000101010101" pitchFamily="18" charset="-127"/>
+                <a:ea typeface="휴먼매직체" panose="02030504000101010101" pitchFamily="18" charset="-127"/>
+                <a:cs typeface="+mn-cs"/>
+              </a:rPr>
+              <a:t>이윤호</a:t>
+            </a:r>
+            <a:r>
+              <a:rPr kumimoji="0" lang="en-US" altLang="ko-KR" sz="3200" b="0" i="0" u="none" strike="noStrike" kern="1200" cap="none" spc="0" normalizeH="0" baseline="0" noProof="0" dirty="0">
+                <a:ln>
+                  <a:noFill/>
+                </a:ln>
+                <a:solidFill>
+                  <a:prstClr val="white"/>
+                </a:solidFill>
+                <a:effectLst/>
+                <a:uLnTx/>
+                <a:uFillTx/>
+                <a:latin typeface="휴먼매직체" panose="02030504000101010101" pitchFamily="18" charset="-127"/>
+                <a:ea typeface="휴먼매직체" panose="02030504000101010101" pitchFamily="18" charset="-127"/>
+                <a:cs typeface="+mn-cs"/>
+              </a:rPr>
+              <a:t>)</a:t>
+            </a:r>
+            <a:endParaRPr kumimoji="0" lang="ko-KR" altLang="en-US" sz="3200" b="0" i="0" u="none" strike="noStrike" kern="1200" cap="none" spc="0" normalizeH="0" baseline="0" noProof="0" dirty="0">
+              <a:ln>
+                <a:noFill/>
+              </a:ln>
+              <a:solidFill>
+                <a:prstClr val="white"/>
+              </a:solidFill>
+              <a:effectLst/>
+              <a:uLnTx/>
+              <a:uFillTx/>
+              <a:latin typeface="휴먼매직체" panose="02030504000101010101" pitchFamily="18" charset="-127"/>
+              <a:ea typeface="휴먼매직체" panose="02030504000101010101" pitchFamily="18" charset="-127"/>
+              <a:cs typeface="+mn-cs"/>
+            </a:endParaRPr>
           </a:p>
         </p:txBody>
       </p:sp>
@@ -22600,7 +23515,7 @@
         <p:spPr>
           <a:xfrm>
             <a:off x="6555289" y="1233714"/>
-            <a:ext cx="4108389" cy="4524315"/>
+            <a:ext cx="4901364" cy="4524315"/>
           </a:xfrm>
           <a:prstGeom prst="rect">
             <a:avLst/>
@@ -22672,7 +23587,37 @@
                 <a:latin typeface="휴먼매직체" panose="02030504000101010101" pitchFamily="18" charset="-127"/>
                 <a:ea typeface="휴먼매직체" panose="02030504000101010101" pitchFamily="18" charset="-127"/>
               </a:rPr>
-              <a:t>환경</a:t>
+              <a:t>환경 </a:t>
+            </a:r>
+            <a:r>
+              <a:rPr lang="en-US" altLang="ko-KR" sz="3200" dirty="0">
+                <a:solidFill>
+                  <a:prstClr val="white"/>
+                </a:solidFill>
+                <a:latin typeface="휴먼매직체" panose="02030504000101010101" pitchFamily="18" charset="-127"/>
+                <a:ea typeface="휴먼매직체" panose="02030504000101010101" pitchFamily="18" charset="-127"/>
+              </a:rPr>
+              <a:t>(</a:t>
+            </a:r>
+            <a:r>
+              <a:rPr lang="ko-KR" altLang="en-US" sz="3200" dirty="0">
+                <a:solidFill>
+                  <a:prstClr val="white"/>
+                </a:solidFill>
+                <a:latin typeface="휴먼매직체" panose="02030504000101010101" pitchFamily="18" charset="-127"/>
+                <a:ea typeface="휴먼매직체" panose="02030504000101010101" pitchFamily="18" charset="-127"/>
+              </a:rPr>
+              <a:t>이윤호</a:t>
+            </a:r>
+            <a:r>
+              <a:rPr lang="en-US" altLang="ko-KR" sz="3200" dirty="0">
+                <a:solidFill>
+                  <a:prstClr val="white"/>
+                </a:solidFill>
+                <a:latin typeface="휴먼매직체" panose="02030504000101010101" pitchFamily="18" charset="-127"/>
+                <a:ea typeface="휴먼매직체" panose="02030504000101010101" pitchFamily="18" charset="-127"/>
+              </a:rPr>
+              <a:t>)</a:t>
             </a:r>
             <a:endParaRPr kumimoji="0" lang="en-US" altLang="ko-KR" sz="3200" b="0" i="0" u="none" strike="noStrike" kern="1200" cap="none" spc="0" normalizeH="0" baseline="0" noProof="0" dirty="0">
               <a:ln>
@@ -22772,22 +23717,59 @@
                 <a:ea typeface="휴먼매직체" panose="02030504000101010101" pitchFamily="18" charset="-127"/>
                 <a:cs typeface="+mn-cs"/>
               </a:rPr>
-              <a:t>개발 내용</a:t>
-            </a:r>
-            <a:endParaRPr kumimoji="0" lang="en-US" altLang="ko-KR" sz="3200" b="0" i="0" u="none" strike="noStrike" kern="1200" cap="none" spc="0" normalizeH="0" baseline="0" noProof="0" dirty="0">
-              <a:ln>
-                <a:noFill/>
-              </a:ln>
-              <a:solidFill>
-                <a:prstClr val="white"/>
-              </a:solidFill>
-              <a:effectLst/>
-              <a:uLnTx/>
-              <a:uFillTx/>
-              <a:latin typeface="휴먼매직체" panose="02030504000101010101" pitchFamily="18" charset="-127"/>
-              <a:ea typeface="휴먼매직체" panose="02030504000101010101" pitchFamily="18" charset="-127"/>
-              <a:cs typeface="+mn-cs"/>
-            </a:endParaRPr>
+              <a:t>개발 내용 </a:t>
+            </a:r>
+            <a:r>
+              <a:rPr kumimoji="0" lang="en-US" altLang="ko-KR" sz="3200" b="0" i="0" u="none" strike="noStrike" kern="1200" cap="none" spc="0" normalizeH="0" baseline="0" noProof="0" dirty="0">
+                <a:ln>
+                  <a:noFill/>
+                </a:ln>
+                <a:solidFill>
+                  <a:prstClr val="white"/>
+                </a:solidFill>
+                <a:effectLst/>
+                <a:uLnTx/>
+                <a:uFillTx/>
+                <a:latin typeface="휴먼매직체" panose="02030504000101010101" pitchFamily="18" charset="-127"/>
+                <a:ea typeface="휴먼매직체" panose="02030504000101010101" pitchFamily="18" charset="-127"/>
+                <a:cs typeface="+mn-cs"/>
+              </a:rPr>
+              <a:t>(</a:t>
+            </a:r>
+            <a:r>
+              <a:rPr kumimoji="0" lang="ko-KR" altLang="en-US" sz="3200" b="0" i="0" u="none" strike="noStrike" kern="1200" cap="none" spc="0" normalizeH="0" baseline="0" noProof="0" dirty="0" err="1">
+                <a:ln>
+                  <a:noFill/>
+                </a:ln>
+                <a:solidFill>
+                  <a:prstClr val="white"/>
+                </a:solidFill>
+                <a:effectLst/>
+                <a:uLnTx/>
+                <a:uFillTx/>
+                <a:latin typeface="휴먼매직체" panose="02030504000101010101" pitchFamily="18" charset="-127"/>
+                <a:ea typeface="휴먼매직체" panose="02030504000101010101" pitchFamily="18" charset="-127"/>
+                <a:cs typeface="+mn-cs"/>
+              </a:rPr>
+              <a:t>윤시현</a:t>
+            </a:r>
+            <a:r>
+              <a:rPr kumimoji="0" lang="en-US" altLang="ko-KR" sz="3200" b="0" i="0" u="none" strike="noStrike" kern="1200" cap="none" spc="0" normalizeH="0" baseline="0" noProof="0" dirty="0">
+                <a:ln>
+                  <a:noFill/>
+                </a:ln>
+                <a:solidFill>
+                  <a:prstClr val="white"/>
+                </a:solidFill>
+                <a:effectLst/>
+                <a:uLnTx/>
+                <a:uFillTx/>
+                <a:latin typeface="휴먼매직체" panose="02030504000101010101" pitchFamily="18" charset="-127"/>
+                <a:ea typeface="휴먼매직체" panose="02030504000101010101" pitchFamily="18" charset="-127"/>
+                <a:cs typeface="+mn-cs"/>
+              </a:rPr>
+              <a:t>)</a:t>
+            </a:r>
           </a:p>
           <a:p>
             <a:pPr marL="0" marR="0" lvl="0" indent="0" algn="ctr" defTabSz="914400" rtl="0" eaLnBrk="1" fontAlgn="auto" latinLnBrk="1" hangingPunct="1">
@@ -23074,6 +24056,35 @@
               </a:rPr>
               <a:t>기대효과 및 활용</a:t>
             </a:r>
+          </a:p>
+        </p:txBody>
+      </p:sp>
+      <p:sp>
+        <p:nvSpPr>
+          <p:cNvPr id="5" name="슬라이드 번호 개체 틀 4">
+            <a:extLst>
+              <a:ext uri="{FF2B5EF4-FFF2-40B4-BE49-F238E27FC236}">
+                <a16:creationId xmlns:a16="http://schemas.microsoft.com/office/drawing/2014/main" id="{6D3E7D93-F159-2F4C-F16A-ADB709F3EE77}"/>
+              </a:ext>
+            </a:extLst>
+          </p:cNvPr>
+          <p:cNvSpPr>
+            <a:spLocks noGrp="1"/>
+          </p:cNvSpPr>
+          <p:nvPr>
+            <p:ph type="sldNum" sz="quarter" idx="12"/>
+          </p:nvPr>
+        </p:nvSpPr>
+        <p:spPr/>
+        <p:txBody>
+          <a:bodyPr/>
+          <a:lstStyle/>
+          <a:p>
+            <a:fld id="{5595EC94-8EAF-486A-983B-99B1085AE833}" type="slidenum">
+              <a:rPr lang="ko-KR" altLang="en-US" smtClean="0"/>
+              <a:t>2</a:t>
+            </a:fld>
+            <a:endParaRPr lang="ko-KR" altLang="en-US"/>
           </a:p>
         </p:txBody>
       </p:sp>
@@ -25039,6 +26050,35 @@
           </a:p>
         </p:txBody>
       </p:sp>
+      <p:sp>
+        <p:nvSpPr>
+          <p:cNvPr id="4" name="슬라이드 번호 개체 틀 3">
+            <a:extLst>
+              <a:ext uri="{FF2B5EF4-FFF2-40B4-BE49-F238E27FC236}">
+                <a16:creationId xmlns:a16="http://schemas.microsoft.com/office/drawing/2014/main" id="{D7BD351C-3C30-9E63-383D-71D3F7A105FA}"/>
+              </a:ext>
+            </a:extLst>
+          </p:cNvPr>
+          <p:cNvSpPr>
+            <a:spLocks noGrp="1"/>
+          </p:cNvSpPr>
+          <p:nvPr>
+            <p:ph type="sldNum" sz="quarter" idx="12"/>
+          </p:nvPr>
+        </p:nvSpPr>
+        <p:spPr/>
+        <p:txBody>
+          <a:bodyPr/>
+          <a:lstStyle/>
+          <a:p>
+            <a:fld id="{5595EC94-8EAF-486A-983B-99B1085AE833}" type="slidenum">
+              <a:rPr lang="ko-KR" altLang="en-US" smtClean="0"/>
+              <a:t>20</a:t>
+            </a:fld>
+            <a:endParaRPr lang="ko-KR" altLang="en-US"/>
+          </a:p>
+        </p:txBody>
+      </p:sp>
     </p:spTree>
     <p:extLst>
       <p:ext uri="{BB962C8B-B14F-4D97-AF65-F5344CB8AC3E}">
@@ -26151,6 +27191,35 @@
           </a:p>
         </p:txBody>
       </p:sp>
+      <p:sp>
+        <p:nvSpPr>
+          <p:cNvPr id="5" name="슬라이드 번호 개체 틀 4">
+            <a:extLst>
+              <a:ext uri="{FF2B5EF4-FFF2-40B4-BE49-F238E27FC236}">
+                <a16:creationId xmlns:a16="http://schemas.microsoft.com/office/drawing/2014/main" id="{8E795272-300C-9DB3-E965-1C82C09DA57E}"/>
+              </a:ext>
+            </a:extLst>
+          </p:cNvPr>
+          <p:cNvSpPr>
+            <a:spLocks noGrp="1"/>
+          </p:cNvSpPr>
+          <p:nvPr>
+            <p:ph type="sldNum" sz="quarter" idx="12"/>
+          </p:nvPr>
+        </p:nvSpPr>
+        <p:spPr/>
+        <p:txBody>
+          <a:bodyPr/>
+          <a:lstStyle/>
+          <a:p>
+            <a:fld id="{5595EC94-8EAF-486A-983B-99B1085AE833}" type="slidenum">
+              <a:rPr lang="ko-KR" altLang="en-US" smtClean="0"/>
+              <a:t>21</a:t>
+            </a:fld>
+            <a:endParaRPr lang="ko-KR" altLang="en-US"/>
+          </a:p>
+        </p:txBody>
+      </p:sp>
     </p:spTree>
     <p:extLst>
       <p:ext uri="{BB962C8B-B14F-4D97-AF65-F5344CB8AC3E}">
@@ -27443,6 +28512,35 @@
               </a:rPr>
               <a:t>)</a:t>
             </a:r>
+          </a:p>
+        </p:txBody>
+      </p:sp>
+      <p:sp>
+        <p:nvSpPr>
+          <p:cNvPr id="6" name="슬라이드 번호 개체 틀 5">
+            <a:extLst>
+              <a:ext uri="{FF2B5EF4-FFF2-40B4-BE49-F238E27FC236}">
+                <a16:creationId xmlns:a16="http://schemas.microsoft.com/office/drawing/2014/main" id="{FDF906F3-1AA0-95CD-74E0-C8EE9931EAC9}"/>
+              </a:ext>
+            </a:extLst>
+          </p:cNvPr>
+          <p:cNvSpPr>
+            <a:spLocks noGrp="1"/>
+          </p:cNvSpPr>
+          <p:nvPr>
+            <p:ph type="sldNum" sz="quarter" idx="12"/>
+          </p:nvPr>
+        </p:nvSpPr>
+        <p:spPr/>
+        <p:txBody>
+          <a:bodyPr/>
+          <a:lstStyle/>
+          <a:p>
+            <a:fld id="{5595EC94-8EAF-486A-983B-99B1085AE833}" type="slidenum">
+              <a:rPr lang="ko-KR" altLang="en-US" smtClean="0"/>
+              <a:t>22</a:t>
+            </a:fld>
+            <a:endParaRPr lang="ko-KR" altLang="en-US"/>
           </a:p>
         </p:txBody>
       </p:sp>
@@ -28072,7 +29170,7 @@
                 <a:latin typeface="휴먼매직체" panose="02030504000101010101" pitchFamily="18" charset="-127"/>
                 <a:ea typeface="휴먼매직체" panose="02030504000101010101" pitchFamily="18" charset="-127"/>
               </a:rPr>
-              <a:t>로 음식 성분 확인</a:t>
+              <a:t> 음식 성분 확인 기능 구현</a:t>
             </a:r>
             <a:endParaRPr lang="en-US" altLang="ko-KR" sz="2000" dirty="0">
               <a:solidFill>
@@ -28081,39 +29179,6 @@
               <a:latin typeface="휴먼매직체" panose="02030504000101010101" pitchFamily="18" charset="-127"/>
               <a:ea typeface="휴먼매직체" panose="02030504000101010101" pitchFamily="18" charset="-127"/>
             </a:endParaRPr>
-          </a:p>
-          <a:p>
-            <a:pPr algn="ctr"/>
-            <a:endParaRPr lang="en-US" altLang="ko-KR" sz="2000" dirty="0">
-              <a:solidFill>
-                <a:schemeClr val="accent4"/>
-              </a:solidFill>
-              <a:latin typeface="휴먼매직체" panose="02030504000101010101" pitchFamily="18" charset="-127"/>
-              <a:ea typeface="휴먼매직체" panose="02030504000101010101" pitchFamily="18" charset="-127"/>
-            </a:endParaRPr>
-          </a:p>
-          <a:p>
-            <a:pPr algn="ctr"/>
-            <a:r>
-              <a:rPr lang="en-US" altLang="ko-KR" sz="2000" dirty="0">
-                <a:solidFill>
-                  <a:schemeClr val="accent4"/>
-                </a:solidFill>
-                <a:latin typeface="휴먼매직체" panose="02030504000101010101" pitchFamily="18" charset="-127"/>
-                <a:ea typeface="휴먼매직체" panose="02030504000101010101" pitchFamily="18" charset="-127"/>
-              </a:rPr>
-              <a:t>-</a:t>
-            </a:r>
-            <a:r>
-              <a:rPr lang="ko-KR" altLang="en-US" sz="2000" dirty="0">
-                <a:solidFill>
-                  <a:schemeClr val="accent4"/>
-                </a:solidFill>
-                <a:latin typeface="휴먼매직체" panose="02030504000101010101" pitchFamily="18" charset="-127"/>
-                <a:ea typeface="휴먼매직체" panose="02030504000101010101" pitchFamily="18" charset="-127"/>
-              </a:rPr>
-              <a:t> 음식 성분을 직관적으로 확인</a:t>
-            </a:r>
           </a:p>
         </p:txBody>
       </p:sp>
@@ -28183,7 +29248,7 @@
                 <a:latin typeface="휴먼매직체" panose="02030504000101010101" pitchFamily="18" charset="-127"/>
                 <a:ea typeface="휴먼매직체" panose="02030504000101010101" pitchFamily="18" charset="-127"/>
               </a:rPr>
-              <a:t>로 내가 먹은 양만큼 음식 성분 계산 및 기록</a:t>
+              <a:t>로 내가 먹은 양만큼 음식 성분 계산 및 기록 기능 구현</a:t>
             </a:r>
             <a:endParaRPr lang="en-US" altLang="ko-KR" sz="2000" dirty="0">
               <a:solidFill>
@@ -28202,29 +29267,6 @@
               <a:latin typeface="휴먼매직체" panose="02030504000101010101" pitchFamily="18" charset="-127"/>
               <a:ea typeface="휴먼매직체" panose="02030504000101010101" pitchFamily="18" charset="-127"/>
             </a:endParaRPr>
-          </a:p>
-          <a:p>
-            <a:pPr algn="ctr"/>
-            <a:r>
-              <a:rPr lang="en-US" altLang="ko-KR" sz="2000" dirty="0">
-                <a:solidFill>
-                  <a:schemeClr val="bg2"/>
-                </a:solidFill>
-                <a:latin typeface="휴먼매직체" panose="02030504000101010101" pitchFamily="18" charset="-127"/>
-                <a:ea typeface="휴먼매직체" panose="02030504000101010101" pitchFamily="18" charset="-127"/>
-              </a:rPr>
-              <a:t>- </a:t>
-            </a:r>
-            <a:r>
-              <a:rPr lang="ko-KR" altLang="en-US" sz="2000" dirty="0">
-                <a:solidFill>
-                  <a:schemeClr val="bg2"/>
-                </a:solidFill>
-                <a:latin typeface="휴먼매직체" panose="02030504000101010101" pitchFamily="18" charset="-127"/>
-                <a:ea typeface="휴먼매직체" panose="02030504000101010101" pitchFamily="18" charset="-127"/>
-              </a:rPr>
-              <a:t>영양소를 얼마나 섭취했는지 확인 및 기록</a:t>
-            </a:r>
           </a:p>
         </p:txBody>
       </p:sp>
@@ -28304,7 +29346,7 @@
                 <a:latin typeface="휴먼매직체" panose="02030504000101010101" pitchFamily="18" charset="-127"/>
                 <a:ea typeface="휴먼매직체" panose="02030504000101010101" pitchFamily="18" charset="-127"/>
               </a:rPr>
-              <a:t>연동</a:t>
+              <a:t>연동 구현</a:t>
             </a:r>
             <a:endParaRPr lang="en-US" altLang="ko-KR" sz="2000" dirty="0">
               <a:solidFill>
@@ -28323,49 +29365,6 @@
               <a:latin typeface="휴먼매직체" panose="02030504000101010101" pitchFamily="18" charset="-127"/>
               <a:ea typeface="휴먼매직체" panose="02030504000101010101" pitchFamily="18" charset="-127"/>
             </a:endParaRPr>
-          </a:p>
-          <a:p>
-            <a:pPr algn="ctr"/>
-            <a:r>
-              <a:rPr lang="en-US" altLang="ko-KR" sz="2000" dirty="0">
-                <a:solidFill>
-                  <a:schemeClr val="accent1"/>
-                </a:solidFill>
-                <a:latin typeface="휴먼매직체" panose="02030504000101010101" pitchFamily="18" charset="-127"/>
-                <a:ea typeface="휴먼매직체" panose="02030504000101010101" pitchFamily="18" charset="-127"/>
-              </a:rPr>
-              <a:t>- </a:t>
-            </a:r>
-            <a:r>
-              <a:rPr lang="ko-KR" altLang="en-US" sz="2000" dirty="0">
-                <a:solidFill>
-                  <a:schemeClr val="accent1"/>
-                </a:solidFill>
-                <a:latin typeface="휴먼매직체" panose="02030504000101010101" pitchFamily="18" charset="-127"/>
-                <a:ea typeface="휴먼매직체" panose="02030504000101010101" pitchFamily="18" charset="-127"/>
-              </a:rPr>
-              <a:t>서버에 저장된 </a:t>
-            </a:r>
-            <a:r>
-              <a:rPr lang="ko-KR" altLang="en-US" sz="2000" dirty="0" err="1">
-                <a:solidFill>
-                  <a:schemeClr val="accent1"/>
-                </a:solidFill>
-                <a:latin typeface="휴먼매직체" panose="02030504000101010101" pitchFamily="18" charset="-127"/>
-                <a:ea typeface="휴먼매직체" panose="02030504000101010101" pitchFamily="18" charset="-127"/>
-              </a:rPr>
-              <a:t>체성분</a:t>
-            </a:r>
-            <a:r>
-              <a:rPr lang="ko-KR" altLang="en-US" sz="2000" dirty="0">
-                <a:solidFill>
-                  <a:schemeClr val="accent1"/>
-                </a:solidFill>
-                <a:latin typeface="휴먼매직체" panose="02030504000101010101" pitchFamily="18" charset="-127"/>
-                <a:ea typeface="휴먼매직체" panose="02030504000101010101" pitchFamily="18" charset="-127"/>
-              </a:rPr>
-              <a:t> 데이터 연동</a:t>
-            </a:r>
           </a:p>
         </p:txBody>
       </p:sp>
@@ -28425,8 +29424,37 @@
                 <a:latin typeface="휴먼매직체" panose="02030504000101010101" pitchFamily="18" charset="-127"/>
                 <a:ea typeface="휴먼매직체" panose="02030504000101010101" pitchFamily="18" charset="-127"/>
               </a:rPr>
-              <a:t>체성분에 따라 필요한 섭취량 조절</a:t>
-            </a:r>
+              <a:t>체성분에 따라 필요한 섭취량 조절 기능 구현</a:t>
+            </a:r>
+          </a:p>
+        </p:txBody>
+      </p:sp>
+      <p:sp>
+        <p:nvSpPr>
+          <p:cNvPr id="2" name="슬라이드 번호 개체 틀 1">
+            <a:extLst>
+              <a:ext uri="{FF2B5EF4-FFF2-40B4-BE49-F238E27FC236}">
+                <a16:creationId xmlns:a16="http://schemas.microsoft.com/office/drawing/2014/main" id="{BE34243B-0159-B3C6-45A9-70E5FB00F57A}"/>
+              </a:ext>
+            </a:extLst>
+          </p:cNvPr>
+          <p:cNvSpPr>
+            <a:spLocks noGrp="1"/>
+          </p:cNvSpPr>
+          <p:nvPr>
+            <p:ph type="sldNum" sz="quarter" idx="12"/>
+          </p:nvPr>
+        </p:nvSpPr>
+        <p:spPr/>
+        <p:txBody>
+          <a:bodyPr/>
+          <a:lstStyle/>
+          <a:p>
+            <a:fld id="{5595EC94-8EAF-486A-983B-99B1085AE833}" type="slidenum">
+              <a:rPr lang="ko-KR" altLang="en-US" smtClean="0"/>
+              <a:t>23</a:t>
+            </a:fld>
+            <a:endParaRPr lang="ko-KR" altLang="en-US"/>
           </a:p>
         </p:txBody>
       </p:sp>
@@ -28586,7 +29614,7 @@
         <p:spPr>
           <a:xfrm>
             <a:off x="329610" y="111525"/>
-            <a:ext cx="1595309" cy="523220"/>
+            <a:ext cx="3147203" cy="523220"/>
           </a:xfrm>
           <a:prstGeom prst="rect">
             <a:avLst/>
@@ -28594,13 +29622,13 @@
           <a:noFill/>
         </p:spPr>
         <p:txBody>
-          <a:bodyPr wrap="none" rtlCol="0">
+          <a:bodyPr wrap="square" rtlCol="0">
             <a:spAutoFit/>
           </a:bodyPr>
           <a:lstStyle/>
           <a:p>
             <a:r>
-              <a:rPr lang="en-US" altLang="ko-KR" sz="2800" spc="-300">
+              <a:rPr lang="en-US" altLang="ko-KR" sz="2800" spc="-300" dirty="0">
                 <a:solidFill>
                   <a:schemeClr val="tx1">
                     <a:lumMod val="85000"/>
@@ -28613,7 +29641,7 @@
               <a:t>5.</a:t>
             </a:r>
             <a:r>
-              <a:rPr lang="ko-KR" altLang="en-US" sz="2800" spc="-300">
+              <a:rPr lang="ko-KR" altLang="en-US" sz="2800" spc="-300" dirty="0">
                 <a:solidFill>
                   <a:schemeClr val="tx1">
                     <a:lumMod val="85000"/>
@@ -28623,7 +29651,46 @@
                 <a:latin typeface="휴먼매직체" panose="02030504000101010101" pitchFamily="18" charset="-127"/>
                 <a:ea typeface="휴먼매직체" panose="02030504000101010101" pitchFamily="18" charset="-127"/>
               </a:rPr>
-              <a:t>개발 환경</a:t>
+              <a:t>개발 환경 </a:t>
+            </a:r>
+            <a:r>
+              <a:rPr lang="en-US" altLang="ko-KR" sz="2800" spc="-300" dirty="0">
+                <a:solidFill>
+                  <a:schemeClr val="tx1">
+                    <a:lumMod val="85000"/>
+                    <a:lumOff val="15000"/>
+                  </a:schemeClr>
+                </a:solidFill>
+                <a:latin typeface="휴먼매직체" panose="02030504000101010101" pitchFamily="18" charset="-127"/>
+                <a:ea typeface="휴먼매직체" panose="02030504000101010101" pitchFamily="18" charset="-127"/>
+              </a:rPr>
+              <a:t>(</a:t>
+            </a:r>
+            <a:r>
+              <a:rPr lang="ko-KR" altLang="en-US" sz="2800" spc="-300" dirty="0">
+                <a:solidFill>
+                  <a:schemeClr val="tx1">
+                    <a:lumMod val="85000"/>
+                    <a:lumOff val="15000"/>
+                  </a:schemeClr>
+                </a:solidFill>
+                <a:latin typeface="휴먼매직체" panose="02030504000101010101" pitchFamily="18" charset="-127"/>
+                <a:ea typeface="휴먼매직체" panose="02030504000101010101" pitchFamily="18" charset="-127"/>
+              </a:rPr>
+              <a:t>이윤호</a:t>
+            </a:r>
+            <a:r>
+              <a:rPr lang="en-US" altLang="ko-KR" sz="2800" spc="-300" dirty="0">
+                <a:solidFill>
+                  <a:schemeClr val="tx1">
+                    <a:lumMod val="85000"/>
+                    <a:lumOff val="15000"/>
+                  </a:schemeClr>
+                </a:solidFill>
+                <a:latin typeface="휴먼매직체" panose="02030504000101010101" pitchFamily="18" charset="-127"/>
+                <a:ea typeface="휴먼매직체" panose="02030504000101010101" pitchFamily="18" charset="-127"/>
+              </a:rPr>
+              <a:t>)</a:t>
             </a:r>
             <a:endParaRPr lang="ko-KR" altLang="en-US" sz="2800" spc="-300" dirty="0">
               <a:solidFill>
@@ -29168,6 +30235,287 @@
           </a:p>
         </p:txBody>
       </p:sp>
+      <p:sp>
+        <p:nvSpPr>
+          <p:cNvPr id="15" name="슬라이드 번호 개체 틀 14">
+            <a:extLst>
+              <a:ext uri="{FF2B5EF4-FFF2-40B4-BE49-F238E27FC236}">
+                <a16:creationId xmlns:a16="http://schemas.microsoft.com/office/drawing/2014/main" id="{B1F2833C-41D4-F0C1-CE3D-B59EC6469C83}"/>
+              </a:ext>
+            </a:extLst>
+          </p:cNvPr>
+          <p:cNvSpPr>
+            <a:spLocks noGrp="1"/>
+          </p:cNvSpPr>
+          <p:nvPr>
+            <p:ph type="sldNum" sz="quarter" idx="12"/>
+          </p:nvPr>
+        </p:nvSpPr>
+        <p:spPr/>
+        <p:txBody>
+          <a:bodyPr/>
+          <a:lstStyle/>
+          <a:p>
+            <a:fld id="{5595EC94-8EAF-486A-983B-99B1085AE833}" type="slidenum">
+              <a:rPr lang="ko-KR" altLang="en-US" smtClean="0"/>
+              <a:t>24</a:t>
+            </a:fld>
+            <a:endParaRPr lang="ko-KR" altLang="en-US"/>
+          </a:p>
+        </p:txBody>
+      </p:sp>
+      <p:pic>
+        <p:nvPicPr>
+          <p:cNvPr id="17" name="그림 16">
+            <a:extLst>
+              <a:ext uri="{FF2B5EF4-FFF2-40B4-BE49-F238E27FC236}">
+                <a16:creationId xmlns:a16="http://schemas.microsoft.com/office/drawing/2014/main" id="{BC4F4A47-7470-5F95-B2E9-2F4231028B9B}"/>
+              </a:ext>
+            </a:extLst>
+          </p:cNvPr>
+          <p:cNvPicPr>
+            <a:picLocks noChangeAspect="1"/>
+          </p:cNvPicPr>
+          <p:nvPr/>
+        </p:nvPicPr>
+        <p:blipFill>
+          <a:blip r:embed="rId2" cstate="screen">
+            <a:extLst>
+              <a:ext uri="{28A0092B-C50C-407E-A947-70E740481C1C}">
+                <a14:useLocalDpi xmlns:a14="http://schemas.microsoft.com/office/drawing/2010/main" val="0"/>
+              </a:ext>
+            </a:extLst>
+          </a:blip>
+          <a:stretch>
+            <a:fillRect/>
+          </a:stretch>
+        </p:blipFill>
+        <p:spPr>
+          <a:xfrm>
+            <a:off x="2577135" y="4297208"/>
+            <a:ext cx="1052035" cy="1052035"/>
+          </a:xfrm>
+          <a:prstGeom prst="rect">
+            <a:avLst/>
+          </a:prstGeom>
+        </p:spPr>
+      </p:pic>
+      <p:pic>
+        <p:nvPicPr>
+          <p:cNvPr id="19" name="그림 18">
+            <a:extLst>
+              <a:ext uri="{FF2B5EF4-FFF2-40B4-BE49-F238E27FC236}">
+                <a16:creationId xmlns:a16="http://schemas.microsoft.com/office/drawing/2014/main" id="{2F144570-72F4-6AD5-313E-63970DDB0A87}"/>
+              </a:ext>
+            </a:extLst>
+          </p:cNvPr>
+          <p:cNvPicPr>
+            <a:picLocks noChangeAspect="1"/>
+          </p:cNvPicPr>
+          <p:nvPr/>
+        </p:nvPicPr>
+        <p:blipFill>
+          <a:blip r:embed="rId3" cstate="screen">
+            <a:extLst>
+              <a:ext uri="{28A0092B-C50C-407E-A947-70E740481C1C}">
+                <a14:useLocalDpi xmlns:a14="http://schemas.microsoft.com/office/drawing/2010/main" val="0"/>
+              </a:ext>
+            </a:extLst>
+          </a:blip>
+          <a:stretch>
+            <a:fillRect/>
+          </a:stretch>
+        </p:blipFill>
+        <p:spPr>
+          <a:xfrm>
+            <a:off x="1295566" y="4297209"/>
+            <a:ext cx="1052034" cy="1052034"/>
+          </a:xfrm>
+          <a:prstGeom prst="rect">
+            <a:avLst/>
+          </a:prstGeom>
+        </p:spPr>
+      </p:pic>
+      <p:pic>
+        <p:nvPicPr>
+          <p:cNvPr id="23" name="그림 22">
+            <a:extLst>
+              <a:ext uri="{FF2B5EF4-FFF2-40B4-BE49-F238E27FC236}">
+                <a16:creationId xmlns:a16="http://schemas.microsoft.com/office/drawing/2014/main" id="{8C3CF9D3-1276-7A55-B535-19C592EE3CFF}"/>
+              </a:ext>
+            </a:extLst>
+          </p:cNvPr>
+          <p:cNvPicPr>
+            <a:picLocks noChangeAspect="1"/>
+          </p:cNvPicPr>
+          <p:nvPr/>
+        </p:nvPicPr>
+        <p:blipFill>
+          <a:blip r:embed="rId4">
+            <a:extLst>
+              <a:ext uri="{28A0092B-C50C-407E-A947-70E740481C1C}">
+                <a14:useLocalDpi xmlns:a14="http://schemas.microsoft.com/office/drawing/2010/main" val="0"/>
+              </a:ext>
+            </a:extLst>
+          </a:blip>
+          <a:stretch>
+            <a:fillRect/>
+          </a:stretch>
+        </p:blipFill>
+        <p:spPr>
+          <a:xfrm>
+            <a:off x="1573000" y="1685815"/>
+            <a:ext cx="1325278" cy="1325278"/>
+          </a:xfrm>
+          <a:prstGeom prst="rect">
+            <a:avLst/>
+          </a:prstGeom>
+        </p:spPr>
+      </p:pic>
+      <p:pic>
+        <p:nvPicPr>
+          <p:cNvPr id="25" name="그림 24">
+            <a:extLst>
+              <a:ext uri="{FF2B5EF4-FFF2-40B4-BE49-F238E27FC236}">
+                <a16:creationId xmlns:a16="http://schemas.microsoft.com/office/drawing/2014/main" id="{02689628-409A-D468-549C-A38C7E22FDEE}"/>
+              </a:ext>
+            </a:extLst>
+          </p:cNvPr>
+          <p:cNvPicPr>
+            <a:picLocks noChangeAspect="1"/>
+          </p:cNvPicPr>
+          <p:nvPr/>
+        </p:nvPicPr>
+        <p:blipFill>
+          <a:blip r:embed="rId5">
+            <a:extLst>
+              <a:ext uri="{28A0092B-C50C-407E-A947-70E740481C1C}">
+                <a14:useLocalDpi xmlns:a14="http://schemas.microsoft.com/office/drawing/2010/main" val="0"/>
+              </a:ext>
+            </a:extLst>
+          </a:blip>
+          <a:stretch>
+            <a:fillRect/>
+          </a:stretch>
+        </p:blipFill>
+        <p:spPr>
+          <a:xfrm>
+            <a:off x="3295167" y="1685815"/>
+            <a:ext cx="1325278" cy="1325278"/>
+          </a:xfrm>
+          <a:prstGeom prst="rect">
+            <a:avLst/>
+          </a:prstGeom>
+        </p:spPr>
+      </p:pic>
+      <p:pic>
+        <p:nvPicPr>
+          <p:cNvPr id="29" name="그림 28">
+            <a:extLst>
+              <a:ext uri="{FF2B5EF4-FFF2-40B4-BE49-F238E27FC236}">
+                <a16:creationId xmlns:a16="http://schemas.microsoft.com/office/drawing/2014/main" id="{F173BDA9-8514-33C4-0E0A-28677657D2F3}"/>
+              </a:ext>
+            </a:extLst>
+          </p:cNvPr>
+          <p:cNvPicPr>
+            <a:picLocks noChangeAspect="1"/>
+          </p:cNvPicPr>
+          <p:nvPr/>
+        </p:nvPicPr>
+        <p:blipFill>
+          <a:blip r:embed="rId6" cstate="screen">
+            <a:extLst>
+              <a:ext uri="{28A0092B-C50C-407E-A947-70E740481C1C}">
+                <a14:useLocalDpi xmlns:a14="http://schemas.microsoft.com/office/drawing/2010/main" val="0"/>
+              </a:ext>
+            </a:extLst>
+          </a:blip>
+          <a:stretch>
+            <a:fillRect/>
+          </a:stretch>
+        </p:blipFill>
+        <p:spPr>
+          <a:xfrm>
+            <a:off x="3858705" y="4297208"/>
+            <a:ext cx="1052035" cy="1052035"/>
+          </a:xfrm>
+          <a:prstGeom prst="rect">
+            <a:avLst/>
+          </a:prstGeom>
+        </p:spPr>
+      </p:pic>
+      <p:pic>
+        <p:nvPicPr>
+          <p:cNvPr id="31" name="그림 30">
+            <a:extLst>
+              <a:ext uri="{FF2B5EF4-FFF2-40B4-BE49-F238E27FC236}">
+                <a16:creationId xmlns:a16="http://schemas.microsoft.com/office/drawing/2014/main" id="{497B9B12-0A09-B3D1-68E8-8429A690E9EC}"/>
+              </a:ext>
+            </a:extLst>
+          </p:cNvPr>
+          <p:cNvPicPr>
+            <a:picLocks noChangeAspect="1"/>
+          </p:cNvPicPr>
+          <p:nvPr/>
+        </p:nvPicPr>
+        <p:blipFill>
+          <a:blip r:embed="rId7">
+            <a:extLst>
+              <a:ext uri="{28A0092B-C50C-407E-A947-70E740481C1C}">
+                <a14:useLocalDpi xmlns:a14="http://schemas.microsoft.com/office/drawing/2010/main" val="0"/>
+              </a:ext>
+            </a:extLst>
+          </a:blip>
+          <a:stretch>
+            <a:fillRect/>
+          </a:stretch>
+        </p:blipFill>
+        <p:spPr>
+          <a:xfrm>
+            <a:off x="8253110" y="1609977"/>
+            <a:ext cx="1571625" cy="1485900"/>
+          </a:xfrm>
+          <a:prstGeom prst="rect">
+            <a:avLst/>
+          </a:prstGeom>
+        </p:spPr>
+      </p:pic>
+      <p:pic>
+        <p:nvPicPr>
+          <p:cNvPr id="33" name="그림 32">
+            <a:extLst>
+              <a:ext uri="{FF2B5EF4-FFF2-40B4-BE49-F238E27FC236}">
+                <a16:creationId xmlns:a16="http://schemas.microsoft.com/office/drawing/2014/main" id="{343B1FF6-C39E-68A3-5F22-0FBBA8405136}"/>
+              </a:ext>
+            </a:extLst>
+          </p:cNvPr>
+          <p:cNvPicPr>
+            <a:picLocks noChangeAspect="1"/>
+          </p:cNvPicPr>
+          <p:nvPr/>
+        </p:nvPicPr>
+        <p:blipFill>
+          <a:blip r:embed="rId8">
+            <a:extLst>
+              <a:ext uri="{28A0092B-C50C-407E-A947-70E740481C1C}">
+                <a14:useLocalDpi xmlns:a14="http://schemas.microsoft.com/office/drawing/2010/main" val="0"/>
+              </a:ext>
+            </a:extLst>
+          </a:blip>
+          <a:stretch>
+            <a:fillRect/>
+          </a:stretch>
+        </p:blipFill>
+        <p:spPr>
+          <a:xfrm>
+            <a:off x="8253111" y="4296336"/>
+            <a:ext cx="1571625" cy="1485900"/>
+          </a:xfrm>
+          <a:prstGeom prst="rect">
+            <a:avLst/>
+          </a:prstGeom>
+        </p:spPr>
+      </p:pic>
     </p:spTree>
     <p:extLst>
       <p:ext uri="{BB962C8B-B14F-4D97-AF65-F5344CB8AC3E}">
@@ -29908,6 +31256,35 @@
               </a:rPr>
               <a:t>내용을 입력하세요</a:t>
             </a:r>
+          </a:p>
+        </p:txBody>
+      </p:sp>
+      <p:sp>
+        <p:nvSpPr>
+          <p:cNvPr id="2" name="슬라이드 번호 개체 틀 1">
+            <a:extLst>
+              <a:ext uri="{FF2B5EF4-FFF2-40B4-BE49-F238E27FC236}">
+                <a16:creationId xmlns:a16="http://schemas.microsoft.com/office/drawing/2014/main" id="{F8BA54B1-33A4-A925-19BA-6C71266A01D9}"/>
+              </a:ext>
+            </a:extLst>
+          </p:cNvPr>
+          <p:cNvSpPr>
+            <a:spLocks noGrp="1"/>
+          </p:cNvSpPr>
+          <p:nvPr>
+            <p:ph type="sldNum" sz="quarter" idx="12"/>
+          </p:nvPr>
+        </p:nvSpPr>
+        <p:spPr/>
+        <p:txBody>
+          <a:bodyPr/>
+          <a:lstStyle/>
+          <a:p>
+            <a:fld id="{5595EC94-8EAF-486A-983B-99B1085AE833}" type="slidenum">
+              <a:rPr lang="ko-KR" altLang="en-US" smtClean="0"/>
+              <a:t>25</a:t>
+            </a:fld>
+            <a:endParaRPr lang="ko-KR" altLang="en-US"/>
           </a:p>
         </p:txBody>
       </p:sp>
@@ -31556,6 +32933,35 @@
           </a:graphicData>
         </a:graphic>
       </p:graphicFrame>
+      <p:sp>
+        <p:nvSpPr>
+          <p:cNvPr id="2" name="슬라이드 번호 개체 틀 1">
+            <a:extLst>
+              <a:ext uri="{FF2B5EF4-FFF2-40B4-BE49-F238E27FC236}">
+                <a16:creationId xmlns:a16="http://schemas.microsoft.com/office/drawing/2014/main" id="{EF5AB0E3-8FEC-5BD4-289F-0AD1CF888ADB}"/>
+              </a:ext>
+            </a:extLst>
+          </p:cNvPr>
+          <p:cNvSpPr>
+            <a:spLocks noGrp="1"/>
+          </p:cNvSpPr>
+          <p:nvPr>
+            <p:ph type="sldNum" sz="quarter" idx="12"/>
+          </p:nvPr>
+        </p:nvSpPr>
+        <p:spPr/>
+        <p:txBody>
+          <a:bodyPr/>
+          <a:lstStyle/>
+          <a:p>
+            <a:fld id="{5595EC94-8EAF-486A-983B-99B1085AE833}" type="slidenum">
+              <a:rPr lang="ko-KR" altLang="en-US" smtClean="0"/>
+              <a:t>26</a:t>
+            </a:fld>
+            <a:endParaRPr lang="ko-KR" altLang="en-US"/>
+          </a:p>
+        </p:txBody>
+      </p:sp>
     </p:spTree>
     <p:extLst>
       <p:ext uri="{BB962C8B-B14F-4D97-AF65-F5344CB8AC3E}">
@@ -31724,6 +33130,35 @@
               </a:rPr>
               <a:t>제목을 입력하세요</a:t>
             </a:r>
+          </a:p>
+        </p:txBody>
+      </p:sp>
+      <p:sp>
+        <p:nvSpPr>
+          <p:cNvPr id="2" name="슬라이드 번호 개체 틀 1">
+            <a:extLst>
+              <a:ext uri="{FF2B5EF4-FFF2-40B4-BE49-F238E27FC236}">
+                <a16:creationId xmlns:a16="http://schemas.microsoft.com/office/drawing/2014/main" id="{08B0E8B1-2254-11FA-B718-5B9125199963}"/>
+              </a:ext>
+            </a:extLst>
+          </p:cNvPr>
+          <p:cNvSpPr>
+            <a:spLocks noGrp="1"/>
+          </p:cNvSpPr>
+          <p:nvPr>
+            <p:ph type="sldNum" sz="quarter" idx="12"/>
+          </p:nvPr>
+        </p:nvSpPr>
+        <p:spPr/>
+        <p:txBody>
+          <a:bodyPr/>
+          <a:lstStyle/>
+          <a:p>
+            <a:fld id="{5595EC94-8EAF-486A-983B-99B1085AE833}" type="slidenum">
+              <a:rPr lang="ko-KR" altLang="en-US" smtClean="0"/>
+              <a:t>27</a:t>
+            </a:fld>
+            <a:endParaRPr lang="ko-KR" altLang="en-US"/>
           </a:p>
         </p:txBody>
       </p:sp>
@@ -32026,6 +33461,35 @@
           </a:p>
         </p:txBody>
       </p:sp>
+      <p:sp>
+        <p:nvSpPr>
+          <p:cNvPr id="5" name="슬라이드 번호 개체 틀 4">
+            <a:extLst>
+              <a:ext uri="{FF2B5EF4-FFF2-40B4-BE49-F238E27FC236}">
+                <a16:creationId xmlns:a16="http://schemas.microsoft.com/office/drawing/2014/main" id="{FDB9A5FD-AF14-DC8B-0806-93E26BE29C46}"/>
+              </a:ext>
+            </a:extLst>
+          </p:cNvPr>
+          <p:cNvSpPr>
+            <a:spLocks noGrp="1"/>
+          </p:cNvSpPr>
+          <p:nvPr>
+            <p:ph type="sldNum" sz="quarter" idx="12"/>
+          </p:nvPr>
+        </p:nvSpPr>
+        <p:spPr/>
+        <p:txBody>
+          <a:bodyPr/>
+          <a:lstStyle/>
+          <a:p>
+            <a:fld id="{5595EC94-8EAF-486A-983B-99B1085AE833}" type="slidenum">
+              <a:rPr lang="ko-KR" altLang="en-US" smtClean="0"/>
+              <a:t>28</a:t>
+            </a:fld>
+            <a:endParaRPr lang="ko-KR" altLang="en-US"/>
+          </a:p>
+        </p:txBody>
+      </p:sp>
     </p:spTree>
     <p:extLst>
       <p:ext uri="{BB962C8B-B14F-4D97-AF65-F5344CB8AC3E}">
@@ -33375,6 +34839,35 @@
               </a:solidFill>
               <a:latin typeface="+mn-ea"/>
             </a:endParaRPr>
+          </a:p>
+        </p:txBody>
+      </p:sp>
+      <p:sp>
+        <p:nvSpPr>
+          <p:cNvPr id="2" name="슬라이드 번호 개체 틀 1">
+            <a:extLst>
+              <a:ext uri="{FF2B5EF4-FFF2-40B4-BE49-F238E27FC236}">
+                <a16:creationId xmlns:a16="http://schemas.microsoft.com/office/drawing/2014/main" id="{164710A3-2241-6FFF-B6B1-09BC3ECF8A12}"/>
+              </a:ext>
+            </a:extLst>
+          </p:cNvPr>
+          <p:cNvSpPr>
+            <a:spLocks noGrp="1"/>
+          </p:cNvSpPr>
+          <p:nvPr>
+            <p:ph type="sldNum" sz="quarter" idx="12"/>
+          </p:nvPr>
+        </p:nvSpPr>
+        <p:spPr/>
+        <p:txBody>
+          <a:bodyPr/>
+          <a:lstStyle/>
+          <a:p>
+            <a:fld id="{5595EC94-8EAF-486A-983B-99B1085AE833}" type="slidenum">
+              <a:rPr lang="ko-KR" altLang="en-US" smtClean="0"/>
+              <a:t>29</a:t>
+            </a:fld>
+            <a:endParaRPr lang="ko-KR" altLang="en-US"/>
           </a:p>
         </p:txBody>
       </p:sp>
@@ -34541,6 +36034,35 @@
               </a:rPr>
               <a:t>사용자 경험을 극대화</a:t>
             </a:r>
+          </a:p>
+        </p:txBody>
+      </p:sp>
+      <p:sp>
+        <p:nvSpPr>
+          <p:cNvPr id="8" name="슬라이드 번호 개체 틀 7">
+            <a:extLst>
+              <a:ext uri="{FF2B5EF4-FFF2-40B4-BE49-F238E27FC236}">
+                <a16:creationId xmlns:a16="http://schemas.microsoft.com/office/drawing/2014/main" id="{BCC1BEFE-B3B1-57F7-6A89-B176267D896B}"/>
+              </a:ext>
+            </a:extLst>
+          </p:cNvPr>
+          <p:cNvSpPr>
+            <a:spLocks noGrp="1"/>
+          </p:cNvSpPr>
+          <p:nvPr>
+            <p:ph type="sldNum" sz="quarter" idx="12"/>
+          </p:nvPr>
+        </p:nvSpPr>
+        <p:spPr/>
+        <p:txBody>
+          <a:bodyPr/>
+          <a:lstStyle/>
+          <a:p>
+            <a:fld id="{5595EC94-8EAF-486A-983B-99B1085AE833}" type="slidenum">
+              <a:rPr lang="ko-KR" altLang="en-US" smtClean="0"/>
+              <a:t>3</a:t>
+            </a:fld>
+            <a:endParaRPr lang="ko-KR" altLang="en-US"/>
           </a:p>
         </p:txBody>
       </p:sp>
@@ -35632,6 +37154,35 @@
           </p:txBody>
         </p:sp>
       </p:grpSp>
+      <p:sp>
+        <p:nvSpPr>
+          <p:cNvPr id="2" name="슬라이드 번호 개체 틀 1">
+            <a:extLst>
+              <a:ext uri="{FF2B5EF4-FFF2-40B4-BE49-F238E27FC236}">
+                <a16:creationId xmlns:a16="http://schemas.microsoft.com/office/drawing/2014/main" id="{D7734C93-D48F-5C0E-E253-CA60343F3D41}"/>
+              </a:ext>
+            </a:extLst>
+          </p:cNvPr>
+          <p:cNvSpPr>
+            <a:spLocks noGrp="1"/>
+          </p:cNvSpPr>
+          <p:nvPr>
+            <p:ph type="sldNum" sz="quarter" idx="12"/>
+          </p:nvPr>
+        </p:nvSpPr>
+        <p:spPr/>
+        <p:txBody>
+          <a:bodyPr/>
+          <a:lstStyle/>
+          <a:p>
+            <a:fld id="{5595EC94-8EAF-486A-983B-99B1085AE833}" type="slidenum">
+              <a:rPr lang="ko-KR" altLang="en-US" smtClean="0"/>
+              <a:t>30</a:t>
+            </a:fld>
+            <a:endParaRPr lang="ko-KR" altLang="en-US"/>
+          </a:p>
+        </p:txBody>
+      </p:sp>
     </p:spTree>
     <p:extLst>
       <p:ext uri="{BB962C8B-B14F-4D97-AF65-F5344CB8AC3E}">
@@ -36155,6 +37706,35 @@
           </a:fontRef>
         </p:style>
       </p:cxnSp>
+      <p:sp>
+        <p:nvSpPr>
+          <p:cNvPr id="2" name="슬라이드 번호 개체 틀 1">
+            <a:extLst>
+              <a:ext uri="{FF2B5EF4-FFF2-40B4-BE49-F238E27FC236}">
+                <a16:creationId xmlns:a16="http://schemas.microsoft.com/office/drawing/2014/main" id="{5E7D4988-9F52-F70D-53B2-66CB378A5E10}"/>
+              </a:ext>
+            </a:extLst>
+          </p:cNvPr>
+          <p:cNvSpPr>
+            <a:spLocks noGrp="1"/>
+          </p:cNvSpPr>
+          <p:nvPr>
+            <p:ph type="sldNum" sz="quarter" idx="12"/>
+          </p:nvPr>
+        </p:nvSpPr>
+        <p:spPr/>
+        <p:txBody>
+          <a:bodyPr/>
+          <a:lstStyle/>
+          <a:p>
+            <a:fld id="{5595EC94-8EAF-486A-983B-99B1085AE833}" type="slidenum">
+              <a:rPr lang="ko-KR" altLang="en-US" smtClean="0"/>
+              <a:t>31</a:t>
+            </a:fld>
+            <a:endParaRPr lang="ko-KR" altLang="en-US"/>
+          </a:p>
+        </p:txBody>
+      </p:sp>
     </p:spTree>
     <p:extLst>
       <p:ext uri="{BB962C8B-B14F-4D97-AF65-F5344CB8AC3E}">
@@ -36751,6 +38331,35 @@
           </a:fontRef>
         </p:style>
       </p:cxnSp>
+      <p:sp>
+        <p:nvSpPr>
+          <p:cNvPr id="2" name="슬라이드 번호 개체 틀 1">
+            <a:extLst>
+              <a:ext uri="{FF2B5EF4-FFF2-40B4-BE49-F238E27FC236}">
+                <a16:creationId xmlns:a16="http://schemas.microsoft.com/office/drawing/2014/main" id="{18C69C97-3863-96FC-9EEF-6669D2B000A2}"/>
+              </a:ext>
+            </a:extLst>
+          </p:cNvPr>
+          <p:cNvSpPr>
+            <a:spLocks noGrp="1"/>
+          </p:cNvSpPr>
+          <p:nvPr>
+            <p:ph type="sldNum" sz="quarter" idx="12"/>
+          </p:nvPr>
+        </p:nvSpPr>
+        <p:spPr/>
+        <p:txBody>
+          <a:bodyPr/>
+          <a:lstStyle/>
+          <a:p>
+            <a:fld id="{5595EC94-8EAF-486A-983B-99B1085AE833}" type="slidenum">
+              <a:rPr lang="ko-KR" altLang="en-US" smtClean="0"/>
+              <a:t>32</a:t>
+            </a:fld>
+            <a:endParaRPr lang="ko-KR" altLang="en-US"/>
+          </a:p>
+        </p:txBody>
+      </p:sp>
     </p:spTree>
     <p:extLst>
       <p:ext uri="{BB962C8B-B14F-4D97-AF65-F5344CB8AC3E}">
@@ -37146,6 +38755,35 @@
           </a:fontRef>
         </p:style>
       </p:cxnSp>
+      <p:sp>
+        <p:nvSpPr>
+          <p:cNvPr id="2" name="슬라이드 번호 개체 틀 1">
+            <a:extLst>
+              <a:ext uri="{FF2B5EF4-FFF2-40B4-BE49-F238E27FC236}">
+                <a16:creationId xmlns:a16="http://schemas.microsoft.com/office/drawing/2014/main" id="{6058827A-08E4-4A99-BA4C-92C327825E99}"/>
+              </a:ext>
+            </a:extLst>
+          </p:cNvPr>
+          <p:cNvSpPr>
+            <a:spLocks noGrp="1"/>
+          </p:cNvSpPr>
+          <p:nvPr>
+            <p:ph type="sldNum" sz="quarter" idx="12"/>
+          </p:nvPr>
+        </p:nvSpPr>
+        <p:spPr/>
+        <p:txBody>
+          <a:bodyPr/>
+          <a:lstStyle/>
+          <a:p>
+            <a:fld id="{5595EC94-8EAF-486A-983B-99B1085AE833}" type="slidenum">
+              <a:rPr lang="ko-KR" altLang="en-US" smtClean="0"/>
+              <a:t>33</a:t>
+            </a:fld>
+            <a:endParaRPr lang="ko-KR" altLang="en-US"/>
+          </a:p>
+        </p:txBody>
+      </p:sp>
     </p:spTree>
     <p:extLst>
       <p:ext uri="{BB962C8B-B14F-4D97-AF65-F5344CB8AC3E}">
@@ -37541,6 +39179,35 @@
           </a:fontRef>
         </p:style>
       </p:cxnSp>
+      <p:sp>
+        <p:nvSpPr>
+          <p:cNvPr id="2" name="슬라이드 번호 개체 틀 1">
+            <a:extLst>
+              <a:ext uri="{FF2B5EF4-FFF2-40B4-BE49-F238E27FC236}">
+                <a16:creationId xmlns:a16="http://schemas.microsoft.com/office/drawing/2014/main" id="{BEDD2717-0C9E-69AD-0B0A-984F7DCF11DE}"/>
+              </a:ext>
+            </a:extLst>
+          </p:cNvPr>
+          <p:cNvSpPr>
+            <a:spLocks noGrp="1"/>
+          </p:cNvSpPr>
+          <p:nvPr>
+            <p:ph type="sldNum" sz="quarter" idx="12"/>
+          </p:nvPr>
+        </p:nvSpPr>
+        <p:spPr/>
+        <p:txBody>
+          <a:bodyPr/>
+          <a:lstStyle/>
+          <a:p>
+            <a:fld id="{5595EC94-8EAF-486A-983B-99B1085AE833}" type="slidenum">
+              <a:rPr lang="ko-KR" altLang="en-US" smtClean="0"/>
+              <a:t>34</a:t>
+            </a:fld>
+            <a:endParaRPr lang="ko-KR" altLang="en-US"/>
+          </a:p>
+        </p:txBody>
+      </p:sp>
     </p:spTree>
     <p:extLst>
       <p:ext uri="{BB962C8B-B14F-4D97-AF65-F5344CB8AC3E}">
@@ -37936,6 +39603,35 @@
           </a:fontRef>
         </p:style>
       </p:cxnSp>
+      <p:sp>
+        <p:nvSpPr>
+          <p:cNvPr id="2" name="슬라이드 번호 개체 틀 1">
+            <a:extLst>
+              <a:ext uri="{FF2B5EF4-FFF2-40B4-BE49-F238E27FC236}">
+                <a16:creationId xmlns:a16="http://schemas.microsoft.com/office/drawing/2014/main" id="{D9973FF8-F2C7-A524-8A4D-D44419E1F7C8}"/>
+              </a:ext>
+            </a:extLst>
+          </p:cNvPr>
+          <p:cNvSpPr>
+            <a:spLocks noGrp="1"/>
+          </p:cNvSpPr>
+          <p:nvPr>
+            <p:ph type="sldNum" sz="quarter" idx="12"/>
+          </p:nvPr>
+        </p:nvSpPr>
+        <p:spPr/>
+        <p:txBody>
+          <a:bodyPr/>
+          <a:lstStyle/>
+          <a:p>
+            <a:fld id="{5595EC94-8EAF-486A-983B-99B1085AE833}" type="slidenum">
+              <a:rPr lang="ko-KR" altLang="en-US" smtClean="0"/>
+              <a:t>35</a:t>
+            </a:fld>
+            <a:endParaRPr lang="ko-KR" altLang="en-US"/>
+          </a:p>
+        </p:txBody>
+      </p:sp>
     </p:spTree>
     <p:extLst>
       <p:ext uri="{BB962C8B-B14F-4D97-AF65-F5344CB8AC3E}">
@@ -38331,6 +40027,35 @@
           </a:fontRef>
         </p:style>
       </p:cxnSp>
+      <p:sp>
+        <p:nvSpPr>
+          <p:cNvPr id="2" name="슬라이드 번호 개체 틀 1">
+            <a:extLst>
+              <a:ext uri="{FF2B5EF4-FFF2-40B4-BE49-F238E27FC236}">
+                <a16:creationId xmlns:a16="http://schemas.microsoft.com/office/drawing/2014/main" id="{3A45C828-3E15-D58E-7998-3BB89A6A122D}"/>
+              </a:ext>
+            </a:extLst>
+          </p:cNvPr>
+          <p:cNvSpPr>
+            <a:spLocks noGrp="1"/>
+          </p:cNvSpPr>
+          <p:nvPr>
+            <p:ph type="sldNum" sz="quarter" idx="12"/>
+          </p:nvPr>
+        </p:nvSpPr>
+        <p:spPr/>
+        <p:txBody>
+          <a:bodyPr/>
+          <a:lstStyle/>
+          <a:p>
+            <a:fld id="{5595EC94-8EAF-486A-983B-99B1085AE833}" type="slidenum">
+              <a:rPr lang="ko-KR" altLang="en-US" smtClean="0"/>
+              <a:t>36</a:t>
+            </a:fld>
+            <a:endParaRPr lang="ko-KR" altLang="en-US"/>
+          </a:p>
+        </p:txBody>
+      </p:sp>
     </p:spTree>
     <p:extLst>
       <p:ext uri="{BB962C8B-B14F-4D97-AF65-F5344CB8AC3E}">
@@ -38726,6 +40451,35 @@
           </a:fontRef>
         </p:style>
       </p:cxnSp>
+      <p:sp>
+        <p:nvSpPr>
+          <p:cNvPr id="2" name="슬라이드 번호 개체 틀 1">
+            <a:extLst>
+              <a:ext uri="{FF2B5EF4-FFF2-40B4-BE49-F238E27FC236}">
+                <a16:creationId xmlns:a16="http://schemas.microsoft.com/office/drawing/2014/main" id="{7A6B353A-F3D5-63E5-8E34-9FABC5DAA386}"/>
+              </a:ext>
+            </a:extLst>
+          </p:cNvPr>
+          <p:cNvSpPr>
+            <a:spLocks noGrp="1"/>
+          </p:cNvSpPr>
+          <p:nvPr>
+            <p:ph type="sldNum" sz="quarter" idx="12"/>
+          </p:nvPr>
+        </p:nvSpPr>
+        <p:spPr/>
+        <p:txBody>
+          <a:bodyPr/>
+          <a:lstStyle/>
+          <a:p>
+            <a:fld id="{5595EC94-8EAF-486A-983B-99B1085AE833}" type="slidenum">
+              <a:rPr lang="ko-KR" altLang="en-US" smtClean="0"/>
+              <a:t>37</a:t>
+            </a:fld>
+            <a:endParaRPr lang="ko-KR" altLang="en-US"/>
+          </a:p>
+        </p:txBody>
+      </p:sp>
     </p:spTree>
     <p:extLst>
       <p:ext uri="{BB962C8B-B14F-4D97-AF65-F5344CB8AC3E}">
@@ -38894,6 +40648,35 @@
               </a:rPr>
               <a:t>감사합니다</a:t>
             </a:r>
+          </a:p>
+        </p:txBody>
+      </p:sp>
+      <p:sp>
+        <p:nvSpPr>
+          <p:cNvPr id="2" name="슬라이드 번호 개체 틀 1">
+            <a:extLst>
+              <a:ext uri="{FF2B5EF4-FFF2-40B4-BE49-F238E27FC236}">
+                <a16:creationId xmlns:a16="http://schemas.microsoft.com/office/drawing/2014/main" id="{97EA484A-112C-5B9B-798B-B2895FF01360}"/>
+              </a:ext>
+            </a:extLst>
+          </p:cNvPr>
+          <p:cNvSpPr>
+            <a:spLocks noGrp="1"/>
+          </p:cNvSpPr>
+          <p:nvPr>
+            <p:ph type="sldNum" sz="quarter" idx="12"/>
+          </p:nvPr>
+        </p:nvSpPr>
+        <p:spPr/>
+        <p:txBody>
+          <a:bodyPr/>
+          <a:lstStyle/>
+          <a:p>
+            <a:fld id="{5595EC94-8EAF-486A-983B-99B1085AE833}" type="slidenum">
+              <a:rPr lang="ko-KR" altLang="en-US" smtClean="0"/>
+              <a:t>38</a:t>
+            </a:fld>
+            <a:endParaRPr lang="ko-KR" altLang="en-US"/>
           </a:p>
         </p:txBody>
       </p:sp>
@@ -40594,6 +42377,35 @@
           </a:p>
         </p:txBody>
       </p:sp>
+      <p:sp>
+        <p:nvSpPr>
+          <p:cNvPr id="2" name="슬라이드 번호 개체 틀 1">
+            <a:extLst>
+              <a:ext uri="{FF2B5EF4-FFF2-40B4-BE49-F238E27FC236}">
+                <a16:creationId xmlns:a16="http://schemas.microsoft.com/office/drawing/2014/main" id="{D75C7178-0913-296C-1CC6-B0D6A6E094B0}"/>
+              </a:ext>
+            </a:extLst>
+          </p:cNvPr>
+          <p:cNvSpPr>
+            <a:spLocks noGrp="1"/>
+          </p:cNvSpPr>
+          <p:nvPr>
+            <p:ph type="sldNum" sz="quarter" idx="12"/>
+          </p:nvPr>
+        </p:nvSpPr>
+        <p:spPr/>
+        <p:txBody>
+          <a:bodyPr/>
+          <a:lstStyle/>
+          <a:p>
+            <a:fld id="{5595EC94-8EAF-486A-983B-99B1085AE833}" type="slidenum">
+              <a:rPr lang="ko-KR" altLang="en-US" smtClean="0"/>
+              <a:t>4</a:t>
+            </a:fld>
+            <a:endParaRPr lang="ko-KR" altLang="en-US"/>
+          </a:p>
+        </p:txBody>
+      </p:sp>
     </p:spTree>
     <p:extLst>
       <p:ext uri="{BB962C8B-B14F-4D97-AF65-F5344CB8AC3E}">
@@ -41622,6 +43434,35 @@
           </a:prstGeom>
         </p:spPr>
       </p:pic>
+      <p:sp>
+        <p:nvSpPr>
+          <p:cNvPr id="2" name="슬라이드 번호 개체 틀 1">
+            <a:extLst>
+              <a:ext uri="{FF2B5EF4-FFF2-40B4-BE49-F238E27FC236}">
+                <a16:creationId xmlns:a16="http://schemas.microsoft.com/office/drawing/2014/main" id="{B20E7085-D4A7-7508-8349-7DB5732492CC}"/>
+              </a:ext>
+            </a:extLst>
+          </p:cNvPr>
+          <p:cNvSpPr>
+            <a:spLocks noGrp="1"/>
+          </p:cNvSpPr>
+          <p:nvPr>
+            <p:ph type="sldNum" sz="quarter" idx="12"/>
+          </p:nvPr>
+        </p:nvSpPr>
+        <p:spPr/>
+        <p:txBody>
+          <a:bodyPr/>
+          <a:lstStyle/>
+          <a:p>
+            <a:fld id="{5595EC94-8EAF-486A-983B-99B1085AE833}" type="slidenum">
+              <a:rPr lang="ko-KR" altLang="en-US" smtClean="0"/>
+              <a:t>5</a:t>
+            </a:fld>
+            <a:endParaRPr lang="ko-KR" altLang="en-US"/>
+          </a:p>
+        </p:txBody>
+      </p:sp>
     </p:spTree>
     <p:extLst>
       <p:ext uri="{BB962C8B-B14F-4D97-AF65-F5344CB8AC3E}">
@@ -42167,6 +44008,35 @@
           </a:prstGeom>
         </p:spPr>
       </p:pic>
+      <p:sp>
+        <p:nvSpPr>
+          <p:cNvPr id="2" name="슬라이드 번호 개체 틀 1">
+            <a:extLst>
+              <a:ext uri="{FF2B5EF4-FFF2-40B4-BE49-F238E27FC236}">
+                <a16:creationId xmlns:a16="http://schemas.microsoft.com/office/drawing/2014/main" id="{51EE3FFD-5D07-B475-2C2C-0E43BEC305FA}"/>
+              </a:ext>
+            </a:extLst>
+          </p:cNvPr>
+          <p:cNvSpPr>
+            <a:spLocks noGrp="1"/>
+          </p:cNvSpPr>
+          <p:nvPr>
+            <p:ph type="sldNum" sz="quarter" idx="12"/>
+          </p:nvPr>
+        </p:nvSpPr>
+        <p:spPr/>
+        <p:txBody>
+          <a:bodyPr/>
+          <a:lstStyle/>
+          <a:p>
+            <a:fld id="{5595EC94-8EAF-486A-983B-99B1085AE833}" type="slidenum">
+              <a:rPr lang="ko-KR" altLang="en-US" smtClean="0"/>
+              <a:t>6</a:t>
+            </a:fld>
+            <a:endParaRPr lang="ko-KR" altLang="en-US"/>
+          </a:p>
+        </p:txBody>
+      </p:sp>
     </p:spTree>
     <p:extLst>
       <p:ext uri="{BB962C8B-B14F-4D97-AF65-F5344CB8AC3E}">
@@ -43045,6 +44915,35 @@
               <a:ea typeface="휴먼매직체" panose="02030504000101010101" pitchFamily="18" charset="-127"/>
               <a:cs typeface="+mn-cs"/>
             </a:endParaRPr>
+          </a:p>
+        </p:txBody>
+      </p:sp>
+      <p:sp>
+        <p:nvSpPr>
+          <p:cNvPr id="4" name="슬라이드 번호 개체 틀 3">
+            <a:extLst>
+              <a:ext uri="{FF2B5EF4-FFF2-40B4-BE49-F238E27FC236}">
+                <a16:creationId xmlns:a16="http://schemas.microsoft.com/office/drawing/2014/main" id="{63565382-588C-8377-116D-A1C608C4D01F}"/>
+              </a:ext>
+            </a:extLst>
+          </p:cNvPr>
+          <p:cNvSpPr>
+            <a:spLocks noGrp="1"/>
+          </p:cNvSpPr>
+          <p:nvPr>
+            <p:ph type="sldNum" sz="quarter" idx="12"/>
+          </p:nvPr>
+        </p:nvSpPr>
+        <p:spPr/>
+        <p:txBody>
+          <a:bodyPr/>
+          <a:lstStyle/>
+          <a:p>
+            <a:fld id="{5595EC94-8EAF-486A-983B-99B1085AE833}" type="slidenum">
+              <a:rPr lang="ko-KR" altLang="en-US" smtClean="0"/>
+              <a:t>7</a:t>
+            </a:fld>
+            <a:endParaRPr lang="ko-KR" altLang="en-US"/>
           </a:p>
         </p:txBody>
       </p:sp>
@@ -44629,6 +46528,35 @@
           </a:p>
         </p:txBody>
       </p:sp>
+      <p:sp>
+        <p:nvSpPr>
+          <p:cNvPr id="2" name="슬라이드 번호 개체 틀 1">
+            <a:extLst>
+              <a:ext uri="{FF2B5EF4-FFF2-40B4-BE49-F238E27FC236}">
+                <a16:creationId xmlns:a16="http://schemas.microsoft.com/office/drawing/2014/main" id="{11DAFEBA-6E48-A894-66E2-BEB3167BE237}"/>
+              </a:ext>
+            </a:extLst>
+          </p:cNvPr>
+          <p:cNvSpPr>
+            <a:spLocks noGrp="1"/>
+          </p:cNvSpPr>
+          <p:nvPr>
+            <p:ph type="sldNum" sz="quarter" idx="12"/>
+          </p:nvPr>
+        </p:nvSpPr>
+        <p:spPr/>
+        <p:txBody>
+          <a:bodyPr/>
+          <a:lstStyle/>
+          <a:p>
+            <a:fld id="{5595EC94-8EAF-486A-983B-99B1085AE833}" type="slidenum">
+              <a:rPr lang="ko-KR" altLang="en-US" smtClean="0"/>
+              <a:t>8</a:t>
+            </a:fld>
+            <a:endParaRPr lang="ko-KR" altLang="en-US"/>
+          </a:p>
+        </p:txBody>
+      </p:sp>
     </p:spTree>
     <p:extLst>
       <p:ext uri="{BB962C8B-B14F-4D97-AF65-F5344CB8AC3E}">
@@ -46002,6 +47930,35 @@
               <a:ea typeface="휴먼매직체" panose="02030504000101010101" pitchFamily="18" charset="-127"/>
               <a:cs typeface="+mn-cs"/>
             </a:endParaRPr>
+          </a:p>
+        </p:txBody>
+      </p:sp>
+      <p:sp>
+        <p:nvSpPr>
+          <p:cNvPr id="2" name="슬라이드 번호 개체 틀 1">
+            <a:extLst>
+              <a:ext uri="{FF2B5EF4-FFF2-40B4-BE49-F238E27FC236}">
+                <a16:creationId xmlns:a16="http://schemas.microsoft.com/office/drawing/2014/main" id="{81F9AB83-525C-D3C9-054A-9692D0703029}"/>
+              </a:ext>
+            </a:extLst>
+          </p:cNvPr>
+          <p:cNvSpPr>
+            <a:spLocks noGrp="1"/>
+          </p:cNvSpPr>
+          <p:nvPr>
+            <p:ph type="sldNum" sz="quarter" idx="12"/>
+          </p:nvPr>
+        </p:nvSpPr>
+        <p:spPr/>
+        <p:txBody>
+          <a:bodyPr/>
+          <a:lstStyle/>
+          <a:p>
+            <a:fld id="{5595EC94-8EAF-486A-983B-99B1085AE833}" type="slidenum">
+              <a:rPr lang="ko-KR" altLang="en-US" smtClean="0"/>
+              <a:t>9</a:t>
+            </a:fld>
+            <a:endParaRPr lang="ko-KR" altLang="en-US"/>
           </a:p>
         </p:txBody>
       </p:sp>
@@ -46229,4 +48186,299 @@
     </a:ext>
   </a:extLst>
 </a:theme>
+</file>
+
+<file path=ppt/theme/theme2.xml><?xml version="1.0" encoding="utf-8"?>
+<a:theme xmlns:a="http://schemas.openxmlformats.org/drawingml/2006/main" name="Office 테마">
+  <a:themeElements>
+    <a:clrScheme name="Office">
+      <a:dk1>
+        <a:sysClr val="windowText" lastClr="000000"/>
+      </a:dk1>
+      <a:lt1>
+        <a:sysClr val="window" lastClr="FFFFFF"/>
+      </a:lt1>
+      <a:dk2>
+        <a:srgbClr val="44546A"/>
+      </a:dk2>
+      <a:lt2>
+        <a:srgbClr val="E7E6E6"/>
+      </a:lt2>
+      <a:accent1>
+        <a:srgbClr val="4472C4"/>
+      </a:accent1>
+      <a:accent2>
+        <a:srgbClr val="ED7D31"/>
+      </a:accent2>
+      <a:accent3>
+        <a:srgbClr val="A5A5A5"/>
+      </a:accent3>
+      <a:accent4>
+        <a:srgbClr val="FFC000"/>
+      </a:accent4>
+      <a:accent5>
+        <a:srgbClr val="5B9BD5"/>
+      </a:accent5>
+      <a:accent6>
+        <a:srgbClr val="70AD47"/>
+      </a:accent6>
+      <a:hlink>
+        <a:srgbClr val="0563C1"/>
+      </a:hlink>
+      <a:folHlink>
+        <a:srgbClr val="954F72"/>
+      </a:folHlink>
+    </a:clrScheme>
+    <a:fontScheme name="Office">
+      <a:majorFont>
+        <a:latin typeface="맑은 고딕" panose="020F0302020204030204"/>
+        <a:ea typeface=""/>
+        <a:cs typeface=""/>
+        <a:font script="Jpan" typeface="游ゴシック Light"/>
+        <a:font script="Hang" typeface="맑은 고딕"/>
+        <a:font script="Hans" typeface="等线 Light"/>
+        <a:font script="Hant" typeface="新細明體"/>
+        <a:font script="Arab" typeface="Times New Roman"/>
+        <a:font script="Hebr" typeface="Times New Roman"/>
+        <a:font script="Thai" typeface="Angsana New"/>
+        <a:font script="Ethi" typeface="Nyala"/>
+        <a:font script="Beng" typeface="Vrinda"/>
+        <a:font script="Gujr" typeface="Shruti"/>
+        <a:font script="Khmr" typeface="MoolBoran"/>
+        <a:font script="Knda" typeface="Tunga"/>
+        <a:font script="Guru" typeface="Raavi"/>
+        <a:font script="Cans" typeface="Euphemia"/>
+        <a:font script="Cher" typeface="Plantagenet Cherokee"/>
+        <a:font script="Yiii" typeface="Microsoft Yi Baiti"/>
+        <a:font script="Tibt" typeface="Microsoft Himalaya"/>
+        <a:font script="Thaa" typeface="MV Boli"/>
+        <a:font script="Deva" typeface="Mangal"/>
+        <a:font script="Telu" typeface="Gautami"/>
+        <a:font script="Taml" typeface="Latha"/>
+        <a:font script="Syrc" typeface="Estrangelo Edessa"/>
+        <a:font script="Orya" typeface="Kalinga"/>
+        <a:font script="Mlym" typeface="Kartika"/>
+        <a:font script="Laoo" typeface="DokChampa"/>
+        <a:font script="Sinh" typeface="Iskoola Pota"/>
+        <a:font script="Mong" typeface="Mongolian Baiti"/>
+        <a:font script="Viet" typeface="Times New Roman"/>
+        <a:font script="Uigh" typeface="Microsoft Uighur"/>
+        <a:font script="Geor" typeface="Sylfaen"/>
+        <a:font script="Armn" typeface="Arial"/>
+        <a:font script="Bugi" typeface="Leelawadee UI"/>
+        <a:font script="Bopo" typeface="Microsoft JhengHei"/>
+        <a:font script="Java" typeface="Javanese Text"/>
+        <a:font script="Lisu" typeface="Segoe UI"/>
+        <a:font script="Mymr" typeface="Myanmar Text"/>
+        <a:font script="Nkoo" typeface="Ebrima"/>
+        <a:font script="Olck" typeface="Nirmala UI"/>
+        <a:font script="Osma" typeface="Ebrima"/>
+        <a:font script="Phag" typeface="Phagspa"/>
+        <a:font script="Syrn" typeface="Estrangelo Edessa"/>
+        <a:font script="Syrj" typeface="Estrangelo Edessa"/>
+        <a:font script="Syre" typeface="Estrangelo Edessa"/>
+        <a:font script="Sora" typeface="Nirmala UI"/>
+        <a:font script="Tale" typeface="Microsoft Tai Le"/>
+        <a:font script="Talu" typeface="Microsoft New Tai Lue"/>
+        <a:font script="Tfng" typeface="Ebrima"/>
+      </a:majorFont>
+      <a:minorFont>
+        <a:latin typeface="맑은 고딕" panose="020F0502020204030204"/>
+        <a:ea typeface=""/>
+        <a:cs typeface=""/>
+        <a:font script="Jpan" typeface="游ゴシック"/>
+        <a:font script="Hang" typeface="맑은 고딕"/>
+        <a:font script="Hans" typeface="等线"/>
+        <a:font script="Hant" typeface="新細明體"/>
+        <a:font script="Arab" typeface="Arial"/>
+        <a:font script="Hebr" typeface="Arial"/>
+        <a:font script="Thai" typeface="Cordia New"/>
+        <a:font script="Ethi" typeface="Nyala"/>
+        <a:font script="Beng" typeface="Vrinda"/>
+        <a:font script="Gujr" typeface="Shruti"/>
+        <a:font script="Khmr" typeface="DaunPenh"/>
+        <a:font script="Knda" typeface="Tunga"/>
+        <a:font script="Guru" typeface="Raavi"/>
+        <a:font script="Cans" typeface="Euphemia"/>
+        <a:font script="Cher" typeface="Plantagenet Cherokee"/>
+        <a:font script="Yiii" typeface="Microsoft Yi Baiti"/>
+        <a:font script="Tibt" typeface="Microsoft Himalaya"/>
+        <a:font script="Thaa" typeface="MV Boli"/>
+        <a:font script="Deva" typeface="Mangal"/>
+        <a:font script="Telu" typeface="Gautami"/>
+        <a:font script="Taml" typeface="Latha"/>
+        <a:font script="Syrc" typeface="Estrangelo Edessa"/>
+        <a:font script="Orya" typeface="Kalinga"/>
+        <a:font script="Mlym" typeface="Kartika"/>
+        <a:font script="Laoo" typeface="DokChampa"/>
+        <a:font script="Sinh" typeface="Iskoola Pota"/>
+        <a:font script="Mong" typeface="Mongolian Baiti"/>
+        <a:font script="Viet" typeface="Arial"/>
+        <a:font script="Uigh" typeface="Microsoft Uighur"/>
+        <a:font script="Geor" typeface="Sylfaen"/>
+        <a:font script="Armn" typeface="Arial"/>
+        <a:font script="Bugi" typeface="Leelawadee UI"/>
+        <a:font script="Bopo" typeface="Microsoft JhengHei"/>
+        <a:font script="Java" typeface="Javanese Text"/>
+        <a:font script="Lisu" typeface="Segoe UI"/>
+        <a:font script="Mymr" typeface="Myanmar Text"/>
+        <a:font script="Nkoo" typeface="Ebrima"/>
+        <a:font script="Olck" typeface="Nirmala UI"/>
+        <a:font script="Osma" typeface="Ebrima"/>
+        <a:font script="Phag" typeface="Phagspa"/>
+        <a:font script="Syrn" typeface="Estrangelo Edessa"/>
+        <a:font script="Syrj" typeface="Estrangelo Edessa"/>
+        <a:font script="Syre" typeface="Estrangelo Edessa"/>
+        <a:font script="Sora" typeface="Nirmala UI"/>
+        <a:font script="Tale" typeface="Microsoft Tai Le"/>
+        <a:font script="Talu" typeface="Microsoft New Tai Lue"/>
+        <a:font script="Tfng" typeface="Ebrima"/>
+      </a:minorFont>
+    </a:fontScheme>
+    <a:fmtScheme name="Office">
+      <a:fillStyleLst>
+        <a:solidFill>
+          <a:schemeClr val="phClr"/>
+        </a:solidFill>
+        <a:gradFill rotWithShape="1">
+          <a:gsLst>
+            <a:gs pos="0">
+              <a:schemeClr val="phClr">
+                <a:lumMod val="110000"/>
+                <a:satMod val="105000"/>
+                <a:tint val="67000"/>
+              </a:schemeClr>
+            </a:gs>
+            <a:gs pos="50000">
+              <a:schemeClr val="phClr">
+                <a:lumMod val="105000"/>
+                <a:satMod val="103000"/>
+                <a:tint val="73000"/>
+              </a:schemeClr>
+            </a:gs>
+            <a:gs pos="100000">
+              <a:schemeClr val="phClr">
+                <a:lumMod val="105000"/>
+                <a:satMod val="109000"/>
+                <a:tint val="81000"/>
+              </a:schemeClr>
+            </a:gs>
+          </a:gsLst>
+          <a:lin ang="5400000" scaled="0"/>
+        </a:gradFill>
+        <a:gradFill rotWithShape="1">
+          <a:gsLst>
+            <a:gs pos="0">
+              <a:schemeClr val="phClr">
+                <a:satMod val="103000"/>
+                <a:lumMod val="102000"/>
+                <a:tint val="94000"/>
+              </a:schemeClr>
+            </a:gs>
+            <a:gs pos="50000">
+              <a:schemeClr val="phClr">
+                <a:satMod val="110000"/>
+                <a:lumMod val="100000"/>
+                <a:shade val="100000"/>
+              </a:schemeClr>
+            </a:gs>
+            <a:gs pos="100000">
+              <a:schemeClr val="phClr">
+                <a:lumMod val="99000"/>
+                <a:satMod val="120000"/>
+                <a:shade val="78000"/>
+              </a:schemeClr>
+            </a:gs>
+          </a:gsLst>
+          <a:lin ang="5400000" scaled="0"/>
+        </a:gradFill>
+      </a:fillStyleLst>
+      <a:lnStyleLst>
+        <a:ln w="6350" cap="flat" cmpd="sng" algn="ctr">
+          <a:solidFill>
+            <a:schemeClr val="phClr"/>
+          </a:solidFill>
+          <a:prstDash val="solid"/>
+          <a:miter lim="800000"/>
+        </a:ln>
+        <a:ln w="12700" cap="flat" cmpd="sng" algn="ctr">
+          <a:solidFill>
+            <a:schemeClr val="phClr"/>
+          </a:solidFill>
+          <a:prstDash val="solid"/>
+          <a:miter lim="800000"/>
+        </a:ln>
+        <a:ln w="19050" cap="flat" cmpd="sng" algn="ctr">
+          <a:solidFill>
+            <a:schemeClr val="phClr"/>
+          </a:solidFill>
+          <a:prstDash val="solid"/>
+          <a:miter lim="800000"/>
+        </a:ln>
+      </a:lnStyleLst>
+      <a:effectStyleLst>
+        <a:effectStyle>
+          <a:effectLst/>
+        </a:effectStyle>
+        <a:effectStyle>
+          <a:effectLst/>
+        </a:effectStyle>
+        <a:effectStyle>
+          <a:effectLst>
+            <a:outerShdw blurRad="57150" dist="19050" dir="5400000" algn="ctr" rotWithShape="0">
+              <a:srgbClr val="000000">
+                <a:alpha val="63000"/>
+              </a:srgbClr>
+            </a:outerShdw>
+          </a:effectLst>
+        </a:effectStyle>
+      </a:effectStyleLst>
+      <a:bgFillStyleLst>
+        <a:solidFill>
+          <a:schemeClr val="phClr"/>
+        </a:solidFill>
+        <a:solidFill>
+          <a:schemeClr val="phClr">
+            <a:tint val="95000"/>
+            <a:satMod val="170000"/>
+          </a:schemeClr>
+        </a:solidFill>
+        <a:gradFill rotWithShape="1">
+          <a:gsLst>
+            <a:gs pos="0">
+              <a:schemeClr val="phClr">
+                <a:tint val="93000"/>
+                <a:satMod val="150000"/>
+                <a:shade val="98000"/>
+                <a:lumMod val="102000"/>
+              </a:schemeClr>
+            </a:gs>
+            <a:gs pos="50000">
+              <a:schemeClr val="phClr">
+                <a:tint val="98000"/>
+                <a:satMod val="130000"/>
+                <a:shade val="90000"/>
+                <a:lumMod val="103000"/>
+              </a:schemeClr>
+            </a:gs>
+            <a:gs pos="100000">
+              <a:schemeClr val="phClr">
+                <a:shade val="63000"/>
+                <a:satMod val="120000"/>
+              </a:schemeClr>
+            </a:gs>
+          </a:gsLst>
+          <a:lin ang="5400000" scaled="0"/>
+        </a:gradFill>
+      </a:bgFillStyleLst>
+    </a:fmtScheme>
+  </a:themeElements>
+  <a:objectDefaults/>
+  <a:extraClrSchemeLst/>
+  <a:extLst>
+    <a:ext uri="{05A4C25C-085E-4340-85A3-A5531E510DB2}">
+      <thm15:themeFamily xmlns:thm15="http://schemas.microsoft.com/office/thememl/2012/main" name="Office Theme" id="{62F939B6-93AF-4DB8-9C6B-D6C7DFDC589F}" vid="{4A3C46E8-61CC-4603-A589-7422A47A8E4A}"/>
+    </a:ext>
+  </a:extLst>
+</a:theme>
 </file>
--- a/기말과제.pptx
+++ b/기말과제.pptx
@@ -3,49 +3,50 @@
 <p:presentation xmlns:a="http://schemas.openxmlformats.org/drawingml/2006/main" xmlns:r="http://schemas.openxmlformats.org/officeDocument/2006/relationships" xmlns:p="http://schemas.openxmlformats.org/presentationml/2006/main" saveSubsetFonts="1">
   <p:sldMasterIdLst>
     <p:sldMasterId id="2147483648" r:id="rId1"/>
+    <p:sldMasterId id="2147483661" r:id="rId2"/>
   </p:sldMasterIdLst>
   <p:notesMasterIdLst>
-    <p:notesMasterId r:id="rId40"/>
+    <p:notesMasterId r:id="rId41"/>
   </p:notesMasterIdLst>
   <p:sldIdLst>
-    <p:sldId id="330" r:id="rId2"/>
-    <p:sldId id="331" r:id="rId3"/>
-    <p:sldId id="332" r:id="rId4"/>
-    <p:sldId id="333" r:id="rId5"/>
-    <p:sldId id="334" r:id="rId6"/>
-    <p:sldId id="335" r:id="rId7"/>
-    <p:sldId id="336" r:id="rId8"/>
-    <p:sldId id="337" r:id="rId9"/>
-    <p:sldId id="338" r:id="rId10"/>
-    <p:sldId id="339" r:id="rId11"/>
-    <p:sldId id="340" r:id="rId12"/>
-    <p:sldId id="341" r:id="rId13"/>
-    <p:sldId id="342" r:id="rId14"/>
-    <p:sldId id="343" r:id="rId15"/>
-    <p:sldId id="344" r:id="rId16"/>
-    <p:sldId id="345" r:id="rId17"/>
-    <p:sldId id="346" r:id="rId18"/>
-    <p:sldId id="347" r:id="rId19"/>
-    <p:sldId id="301" r:id="rId20"/>
-    <p:sldId id="302" r:id="rId21"/>
-    <p:sldId id="303" r:id="rId22"/>
-    <p:sldId id="329" r:id="rId23"/>
-    <p:sldId id="287" r:id="rId24"/>
-    <p:sldId id="315" r:id="rId25"/>
-    <p:sldId id="289" r:id="rId26"/>
-    <p:sldId id="288" r:id="rId27"/>
-    <p:sldId id="299" r:id="rId28"/>
-    <p:sldId id="294" r:id="rId29"/>
-    <p:sldId id="290" r:id="rId30"/>
-    <p:sldId id="291" r:id="rId31"/>
-    <p:sldId id="292" r:id="rId32"/>
-    <p:sldId id="293" r:id="rId33"/>
-    <p:sldId id="256" r:id="rId34"/>
-    <p:sldId id="257" r:id="rId35"/>
-    <p:sldId id="260" r:id="rId36"/>
-    <p:sldId id="259" r:id="rId37"/>
-    <p:sldId id="265" r:id="rId38"/>
-    <p:sldId id="266" r:id="rId39"/>
+    <p:sldId id="330" r:id="rId3"/>
+    <p:sldId id="331" r:id="rId4"/>
+    <p:sldId id="332" r:id="rId5"/>
+    <p:sldId id="333" r:id="rId6"/>
+    <p:sldId id="334" r:id="rId7"/>
+    <p:sldId id="316" r:id="rId8"/>
+    <p:sldId id="336" r:id="rId9"/>
+    <p:sldId id="337" r:id="rId10"/>
+    <p:sldId id="338" r:id="rId11"/>
+    <p:sldId id="339" r:id="rId12"/>
+    <p:sldId id="340" r:id="rId13"/>
+    <p:sldId id="341" r:id="rId14"/>
+    <p:sldId id="342" r:id="rId15"/>
+    <p:sldId id="343" r:id="rId16"/>
+    <p:sldId id="344" r:id="rId17"/>
+    <p:sldId id="345" r:id="rId18"/>
+    <p:sldId id="346" r:id="rId19"/>
+    <p:sldId id="347" r:id="rId20"/>
+    <p:sldId id="301" r:id="rId21"/>
+    <p:sldId id="302" r:id="rId22"/>
+    <p:sldId id="303" r:id="rId23"/>
+    <p:sldId id="329" r:id="rId24"/>
+    <p:sldId id="287" r:id="rId25"/>
+    <p:sldId id="315" r:id="rId26"/>
+    <p:sldId id="348" r:id="rId27"/>
+    <p:sldId id="288" r:id="rId28"/>
+    <p:sldId id="299" r:id="rId29"/>
+    <p:sldId id="294" r:id="rId30"/>
+    <p:sldId id="290" r:id="rId31"/>
+    <p:sldId id="291" r:id="rId32"/>
+    <p:sldId id="292" r:id="rId33"/>
+    <p:sldId id="293" r:id="rId34"/>
+    <p:sldId id="256" r:id="rId35"/>
+    <p:sldId id="257" r:id="rId36"/>
+    <p:sldId id="260" r:id="rId37"/>
+    <p:sldId id="259" r:id="rId38"/>
+    <p:sldId id="265" r:id="rId39"/>
+    <p:sldId id="266" r:id="rId40"/>
   </p:sldIdLst>
   <p:sldSz cx="12192000" cy="6858000"/>
   <p:notesSz cx="6858000" cy="9144000"/>
@@ -680,7 +681,7 @@
   <pc:docChgLst>
     <pc:chgData name="yoon xihyeon" userId="b03689a23d6da60b" providerId="LiveId" clId="{5D914AD7-9230-47CE-8F52-5A96260F97A5}"/>
     <pc:docChg chg="undo custSel addSld delSld modSld sldOrd">
-      <pc:chgData name="yoon xihyeon" userId="b03689a23d6da60b" providerId="LiveId" clId="{5D914AD7-9230-47CE-8F52-5A96260F97A5}" dt="2022-11-20T14:57:03.037" v="834"/>
+      <pc:chgData name="yoon xihyeon" userId="b03689a23d6da60b" providerId="LiveId" clId="{5D914AD7-9230-47CE-8F52-5A96260F97A5}" dt="2022-11-28T05:01:05.228" v="840" actId="47"/>
       <pc:docMkLst>
         <pc:docMk/>
       </pc:docMkLst>
@@ -932,8 +933,8 @@
           </ac:spMkLst>
         </pc:spChg>
       </pc:sldChg>
-      <pc:sldChg chg="delSp mod">
-        <pc:chgData name="yoon xihyeon" userId="b03689a23d6da60b" providerId="LiveId" clId="{5D914AD7-9230-47CE-8F52-5A96260F97A5}" dt="2022-11-14T04:09:18.933" v="803" actId="478"/>
+      <pc:sldChg chg="delSp del mod">
+        <pc:chgData name="yoon xihyeon" userId="b03689a23d6da60b" providerId="LiveId" clId="{5D914AD7-9230-47CE-8F52-5A96260F97A5}" dt="2022-11-28T05:01:05.228" v="840" actId="47"/>
         <pc:sldMkLst>
           <pc:docMk/>
           <pc:sldMk cId="1584148496" sldId="289"/>
@@ -1031,7 +1032,7 @@
         </pc:spChg>
       </pc:sldChg>
       <pc:sldChg chg="delSp modSp add del mod setBg">
-        <pc:chgData name="yoon xihyeon" userId="b03689a23d6da60b" providerId="LiveId" clId="{5D914AD7-9230-47CE-8F52-5A96260F97A5}" dt="2022-11-20T14:56:50.183" v="826" actId="47"/>
+        <pc:chgData name="yoon xihyeon" userId="b03689a23d6da60b" providerId="LiveId" clId="{5D914AD7-9230-47CE-8F52-5A96260F97A5}" dt="2022-11-28T05:00:09.296" v="836" actId="47"/>
         <pc:sldMkLst>
           <pc:docMk/>
           <pc:sldMk cId="1503160340" sldId="298"/>
@@ -1289,6 +1290,13 @@
           <pc:sldMk cId="632028359" sldId="316"/>
         </pc:sldMkLst>
       </pc:sldChg>
+      <pc:sldChg chg="del">
+        <pc:chgData name="yoon xihyeon" userId="b03689a23d6da60b" providerId="LiveId" clId="{5D914AD7-9230-47CE-8F52-5A96260F97A5}" dt="2022-11-28T05:00:24.686" v="837"/>
+        <pc:sldMkLst>
+          <pc:docMk/>
+          <pc:sldMk cId="2285601434" sldId="316"/>
+        </pc:sldMkLst>
+      </pc:sldChg>
       <pc:sldChg chg="add del">
         <pc:chgData name="yoon xihyeon" userId="b03689a23d6da60b" providerId="LiveId" clId="{5D914AD7-9230-47CE-8F52-5A96260F97A5}" dt="2022-11-20T14:56:33.119" v="823" actId="2696"/>
         <pc:sldMkLst>
@@ -1401,8 +1409,8 @@
           <pc:sldMk cId="3418081916" sldId="334"/>
         </pc:sldMkLst>
       </pc:sldChg>
-      <pc:sldChg chg="add">
-        <pc:chgData name="yoon xihyeon" userId="b03689a23d6da60b" providerId="LiveId" clId="{5D914AD7-9230-47CE-8F52-5A96260F97A5}" dt="2022-11-20T14:56:42.248" v="825"/>
+      <pc:sldChg chg="add del">
+        <pc:chgData name="yoon xihyeon" userId="b03689a23d6da60b" providerId="LiveId" clId="{5D914AD7-9230-47CE-8F52-5A96260F97A5}" dt="2022-11-28T05:00:32.445" v="838" actId="47"/>
         <pc:sldMkLst>
           <pc:docMk/>
           <pc:sldMk cId="30949534" sldId="335"/>
@@ -1490,6 +1498,13 @@
         <pc:sldMkLst>
           <pc:docMk/>
           <pc:sldMk cId="3391031825" sldId="347"/>
+        </pc:sldMkLst>
+      </pc:sldChg>
+      <pc:sldChg chg="add">
+        <pc:chgData name="yoon xihyeon" userId="b03689a23d6da60b" providerId="LiveId" clId="{5D914AD7-9230-47CE-8F52-5A96260F97A5}" dt="2022-11-28T05:00:58.888" v="839"/>
+        <pc:sldMkLst>
+          <pc:docMk/>
+          <pc:sldMk cId="4265482267" sldId="348"/>
         </pc:sldMkLst>
       </pc:sldChg>
     </pc:docChg>
@@ -6710,6 +6725,1803 @@
 </p:sldLayout>
 </file>
 
+<file path=ppt/slideLayouts/slideLayout13.xml><?xml version="1.0" encoding="utf-8"?>
+<p:sldLayout xmlns:a="http://schemas.openxmlformats.org/drawingml/2006/main" xmlns:r="http://schemas.openxmlformats.org/officeDocument/2006/relationships" xmlns:p="http://schemas.openxmlformats.org/presentationml/2006/main" type="title" preserve="1">
+  <p:cSld name="제목 슬라이드">
+    <p:spTree>
+      <p:nvGrpSpPr>
+        <p:cNvPr id="1" name=""/>
+        <p:cNvGrpSpPr/>
+        <p:nvPr/>
+      </p:nvGrpSpPr>
+      <p:grpSpPr>
+        <a:xfrm>
+          <a:off x="0" y="0"/>
+          <a:ext cx="0" cy="0"/>
+          <a:chOff x="0" y="0"/>
+          <a:chExt cx="0" cy="0"/>
+        </a:xfrm>
+      </p:grpSpPr>
+      <p:sp>
+        <p:nvSpPr>
+          <p:cNvPr id="2" name="제목 1">
+            <a:extLst>
+              <a:ext uri="{FF2B5EF4-FFF2-40B4-BE49-F238E27FC236}">
+                <a16:creationId xmlns:a16="http://schemas.microsoft.com/office/drawing/2014/main" id="{A58116CC-20FF-457A-B0DD-F02EE2901914}"/>
+              </a:ext>
+            </a:extLst>
+          </p:cNvPr>
+          <p:cNvSpPr>
+            <a:spLocks noGrp="1"/>
+          </p:cNvSpPr>
+          <p:nvPr>
+            <p:ph type="ctrTitle"/>
+          </p:nvPr>
+        </p:nvSpPr>
+        <p:spPr>
+          <a:xfrm>
+            <a:off x="1524000" y="1122363"/>
+            <a:ext cx="9144000" cy="2387600"/>
+          </a:xfrm>
+        </p:spPr>
+        <p:txBody>
+          <a:bodyPr anchor="b"/>
+          <a:lstStyle>
+            <a:lvl1pPr algn="ctr">
+              <a:defRPr sz="6000"/>
+            </a:lvl1pPr>
+          </a:lstStyle>
+          <a:p>
+            <a:r>
+              <a:rPr lang="ko-KR" altLang="en-US"/>
+              <a:t>마스터 제목 스타일 편집</a:t>
+            </a:r>
+          </a:p>
+        </p:txBody>
+      </p:sp>
+      <p:sp>
+        <p:nvSpPr>
+          <p:cNvPr id="3" name="부제목 2">
+            <a:extLst>
+              <a:ext uri="{FF2B5EF4-FFF2-40B4-BE49-F238E27FC236}">
+                <a16:creationId xmlns:a16="http://schemas.microsoft.com/office/drawing/2014/main" id="{8CA0D387-B42B-4157-90E6-FCD3174B403F}"/>
+              </a:ext>
+            </a:extLst>
+          </p:cNvPr>
+          <p:cNvSpPr>
+            <a:spLocks noGrp="1"/>
+          </p:cNvSpPr>
+          <p:nvPr>
+            <p:ph type="subTitle" idx="1"/>
+          </p:nvPr>
+        </p:nvSpPr>
+        <p:spPr>
+          <a:xfrm>
+            <a:off x="1524000" y="3602038"/>
+            <a:ext cx="9144000" cy="1655762"/>
+          </a:xfrm>
+        </p:spPr>
+        <p:txBody>
+          <a:bodyPr/>
+          <a:lstStyle>
+            <a:lvl1pPr marL="0" indent="0" algn="ctr">
+              <a:buNone/>
+              <a:defRPr sz="2400"/>
+            </a:lvl1pPr>
+            <a:lvl2pPr marL="457200" indent="0" algn="ctr">
+              <a:buNone/>
+              <a:defRPr sz="2000"/>
+            </a:lvl2pPr>
+            <a:lvl3pPr marL="914400" indent="0" algn="ctr">
+              <a:buNone/>
+              <a:defRPr sz="1800"/>
+            </a:lvl3pPr>
+            <a:lvl4pPr marL="1371600" indent="0" algn="ctr">
+              <a:buNone/>
+              <a:defRPr sz="1600"/>
+            </a:lvl4pPr>
+            <a:lvl5pPr marL="1828800" indent="0" algn="ctr">
+              <a:buNone/>
+              <a:defRPr sz="1600"/>
+            </a:lvl5pPr>
+            <a:lvl6pPr marL="2286000" indent="0" algn="ctr">
+              <a:buNone/>
+              <a:defRPr sz="1600"/>
+            </a:lvl6pPr>
+            <a:lvl7pPr marL="2743200" indent="0" algn="ctr">
+              <a:buNone/>
+              <a:defRPr sz="1600"/>
+            </a:lvl7pPr>
+            <a:lvl8pPr marL="3200400" indent="0" algn="ctr">
+              <a:buNone/>
+              <a:defRPr sz="1600"/>
+            </a:lvl8pPr>
+            <a:lvl9pPr marL="3657600" indent="0" algn="ctr">
+              <a:buNone/>
+              <a:defRPr sz="1600"/>
+            </a:lvl9pPr>
+          </a:lstStyle>
+          <a:p>
+            <a:r>
+              <a:rPr lang="ko-KR" altLang="en-US"/>
+              <a:t>클릭하여 마스터 부제목 스타일 편집</a:t>
+            </a:r>
+          </a:p>
+        </p:txBody>
+      </p:sp>
+      <p:sp>
+        <p:nvSpPr>
+          <p:cNvPr id="4" name="날짜 개체 틀 3">
+            <a:extLst>
+              <a:ext uri="{FF2B5EF4-FFF2-40B4-BE49-F238E27FC236}">
+                <a16:creationId xmlns:a16="http://schemas.microsoft.com/office/drawing/2014/main" id="{7FA7E609-556E-4234-8CFC-AE6C70233C6B}"/>
+              </a:ext>
+            </a:extLst>
+          </p:cNvPr>
+          <p:cNvSpPr>
+            <a:spLocks noGrp="1"/>
+          </p:cNvSpPr>
+          <p:nvPr>
+            <p:ph type="dt" sz="half" idx="10"/>
+          </p:nvPr>
+        </p:nvSpPr>
+        <p:spPr/>
+        <p:txBody>
+          <a:bodyPr/>
+          <a:lstStyle/>
+          <a:p>
+            <a:fld id="{9FE7A9D4-2312-4C80-955C-3A7FA2F8832A}" type="datetimeFigureOut">
+              <a:rPr lang="ko-KR" altLang="en-US" smtClean="0"/>
+              <a:t>2022-11-28</a:t>
+            </a:fld>
+            <a:endParaRPr lang="ko-KR" altLang="en-US"/>
+          </a:p>
+        </p:txBody>
+      </p:sp>
+      <p:sp>
+        <p:nvSpPr>
+          <p:cNvPr id="5" name="바닥글 개체 틀 4">
+            <a:extLst>
+              <a:ext uri="{FF2B5EF4-FFF2-40B4-BE49-F238E27FC236}">
+                <a16:creationId xmlns:a16="http://schemas.microsoft.com/office/drawing/2014/main" id="{533F3B6F-BEB4-4451-A4BA-A0659F2AC609}"/>
+              </a:ext>
+            </a:extLst>
+          </p:cNvPr>
+          <p:cNvSpPr>
+            <a:spLocks noGrp="1"/>
+          </p:cNvSpPr>
+          <p:nvPr>
+            <p:ph type="ftr" sz="quarter" idx="11"/>
+          </p:nvPr>
+        </p:nvSpPr>
+        <p:spPr/>
+        <p:txBody>
+          <a:bodyPr/>
+          <a:lstStyle/>
+          <a:p>
+            <a:endParaRPr lang="ko-KR" altLang="en-US"/>
+          </a:p>
+        </p:txBody>
+      </p:sp>
+      <p:sp>
+        <p:nvSpPr>
+          <p:cNvPr id="6" name="슬라이드 번호 개체 틀 5">
+            <a:extLst>
+              <a:ext uri="{FF2B5EF4-FFF2-40B4-BE49-F238E27FC236}">
+                <a16:creationId xmlns:a16="http://schemas.microsoft.com/office/drawing/2014/main" id="{A83703B4-E0EB-4B00-9BF7-03ABD79FAD9D}"/>
+              </a:ext>
+            </a:extLst>
+          </p:cNvPr>
+          <p:cNvSpPr>
+            <a:spLocks noGrp="1"/>
+          </p:cNvSpPr>
+          <p:nvPr>
+            <p:ph type="sldNum" sz="quarter" idx="12"/>
+          </p:nvPr>
+        </p:nvSpPr>
+        <p:spPr/>
+        <p:txBody>
+          <a:bodyPr/>
+          <a:lstStyle/>
+          <a:p>
+            <a:fld id="{5595EC94-8EAF-486A-983B-99B1085AE833}" type="slidenum">
+              <a:rPr lang="ko-KR" altLang="en-US" smtClean="0"/>
+              <a:t>‹#›</a:t>
+            </a:fld>
+            <a:endParaRPr lang="ko-KR" altLang="en-US"/>
+          </a:p>
+        </p:txBody>
+      </p:sp>
+    </p:spTree>
+    <p:extLst>
+      <p:ext uri="{BB962C8B-B14F-4D97-AF65-F5344CB8AC3E}">
+        <p14:creationId xmlns:p14="http://schemas.microsoft.com/office/powerpoint/2010/main" val="416455368"/>
+      </p:ext>
+    </p:extLst>
+  </p:cSld>
+  <p:clrMapOvr>
+    <a:masterClrMapping/>
+  </p:clrMapOvr>
+  <mc:AlternateContent xmlns:mc="http://schemas.openxmlformats.org/markup-compatibility/2006" xmlns:p14="http://schemas.microsoft.com/office/powerpoint/2010/main">
+    <mc:Choice Requires="p14">
+      <p:transition spd="med" p14:dur="700">
+        <p:fade/>
+      </p:transition>
+    </mc:Choice>
+    <mc:Fallback xmlns="">
+      <p:transition spd="med">
+        <p:fade/>
+      </p:transition>
+    </mc:Fallback>
+  </mc:AlternateContent>
+</p:sldLayout>
+</file>
+
+<file path=ppt/slideLayouts/slideLayout14.xml><?xml version="1.0" encoding="utf-8"?>
+<p:sldLayout xmlns:a="http://schemas.openxmlformats.org/drawingml/2006/main" xmlns:r="http://schemas.openxmlformats.org/officeDocument/2006/relationships" xmlns:p="http://schemas.openxmlformats.org/presentationml/2006/main" type="obj" preserve="1">
+  <p:cSld name="제목 및 내용">
+    <p:spTree>
+      <p:nvGrpSpPr>
+        <p:cNvPr id="1" name=""/>
+        <p:cNvGrpSpPr/>
+        <p:nvPr/>
+      </p:nvGrpSpPr>
+      <p:grpSpPr>
+        <a:xfrm>
+          <a:off x="0" y="0"/>
+          <a:ext cx="0" cy="0"/>
+          <a:chOff x="0" y="0"/>
+          <a:chExt cx="0" cy="0"/>
+        </a:xfrm>
+      </p:grpSpPr>
+      <p:sp>
+        <p:nvSpPr>
+          <p:cNvPr id="2" name="제목 1">
+            <a:extLst>
+              <a:ext uri="{FF2B5EF4-FFF2-40B4-BE49-F238E27FC236}">
+                <a16:creationId xmlns:a16="http://schemas.microsoft.com/office/drawing/2014/main" id="{185F7C35-D8F4-4D64-91F6-455403D3F7BA}"/>
+              </a:ext>
+            </a:extLst>
+          </p:cNvPr>
+          <p:cNvSpPr>
+            <a:spLocks noGrp="1"/>
+          </p:cNvSpPr>
+          <p:nvPr>
+            <p:ph type="title"/>
+          </p:nvPr>
+        </p:nvSpPr>
+        <p:spPr/>
+        <p:txBody>
+          <a:bodyPr/>
+          <a:lstStyle/>
+          <a:p>
+            <a:r>
+              <a:rPr lang="ko-KR" altLang="en-US"/>
+              <a:t>마스터 제목 스타일 편집</a:t>
+            </a:r>
+          </a:p>
+        </p:txBody>
+      </p:sp>
+      <p:sp>
+        <p:nvSpPr>
+          <p:cNvPr id="3" name="내용 개체 틀 2">
+            <a:extLst>
+              <a:ext uri="{FF2B5EF4-FFF2-40B4-BE49-F238E27FC236}">
+                <a16:creationId xmlns:a16="http://schemas.microsoft.com/office/drawing/2014/main" id="{F888CDA9-0970-49A3-82F4-FCFFA63B94F0}"/>
+              </a:ext>
+            </a:extLst>
+          </p:cNvPr>
+          <p:cNvSpPr>
+            <a:spLocks noGrp="1"/>
+          </p:cNvSpPr>
+          <p:nvPr>
+            <p:ph idx="1"/>
+          </p:nvPr>
+        </p:nvSpPr>
+        <p:spPr/>
+        <p:txBody>
+          <a:bodyPr/>
+          <a:lstStyle/>
+          <a:p>
+            <a:pPr lvl="0"/>
+            <a:r>
+              <a:rPr lang="ko-KR" altLang="en-US"/>
+              <a:t>마스터 텍스트 스타일을 편집하려면 클릭</a:t>
+            </a:r>
+          </a:p>
+          <a:p>
+            <a:pPr lvl="1"/>
+            <a:r>
+              <a:rPr lang="ko-KR" altLang="en-US"/>
+              <a:t>두 번째 수준</a:t>
+            </a:r>
+          </a:p>
+          <a:p>
+            <a:pPr lvl="2"/>
+            <a:r>
+              <a:rPr lang="ko-KR" altLang="en-US"/>
+              <a:t>세 번째 수준</a:t>
+            </a:r>
+          </a:p>
+          <a:p>
+            <a:pPr lvl="3"/>
+            <a:r>
+              <a:rPr lang="ko-KR" altLang="en-US"/>
+              <a:t>네 번째 수준</a:t>
+            </a:r>
+          </a:p>
+          <a:p>
+            <a:pPr lvl="4"/>
+            <a:r>
+              <a:rPr lang="ko-KR" altLang="en-US"/>
+              <a:t>다섯 번째 수준</a:t>
+            </a:r>
+          </a:p>
+        </p:txBody>
+      </p:sp>
+      <p:sp>
+        <p:nvSpPr>
+          <p:cNvPr id="4" name="날짜 개체 틀 3">
+            <a:extLst>
+              <a:ext uri="{FF2B5EF4-FFF2-40B4-BE49-F238E27FC236}">
+                <a16:creationId xmlns:a16="http://schemas.microsoft.com/office/drawing/2014/main" id="{2950BDF5-6D16-4A9A-893B-53B11095071E}"/>
+              </a:ext>
+            </a:extLst>
+          </p:cNvPr>
+          <p:cNvSpPr>
+            <a:spLocks noGrp="1"/>
+          </p:cNvSpPr>
+          <p:nvPr>
+            <p:ph type="dt" sz="half" idx="10"/>
+          </p:nvPr>
+        </p:nvSpPr>
+        <p:spPr/>
+        <p:txBody>
+          <a:bodyPr/>
+          <a:lstStyle/>
+          <a:p>
+            <a:fld id="{9FE7A9D4-2312-4C80-955C-3A7FA2F8832A}" type="datetimeFigureOut">
+              <a:rPr lang="ko-KR" altLang="en-US" smtClean="0"/>
+              <a:t>2022-11-28</a:t>
+            </a:fld>
+            <a:endParaRPr lang="ko-KR" altLang="en-US"/>
+          </a:p>
+        </p:txBody>
+      </p:sp>
+      <p:sp>
+        <p:nvSpPr>
+          <p:cNvPr id="5" name="바닥글 개체 틀 4">
+            <a:extLst>
+              <a:ext uri="{FF2B5EF4-FFF2-40B4-BE49-F238E27FC236}">
+                <a16:creationId xmlns:a16="http://schemas.microsoft.com/office/drawing/2014/main" id="{DF3635E5-1D8E-4820-93F8-0955606D4C8C}"/>
+              </a:ext>
+            </a:extLst>
+          </p:cNvPr>
+          <p:cNvSpPr>
+            <a:spLocks noGrp="1"/>
+          </p:cNvSpPr>
+          <p:nvPr>
+            <p:ph type="ftr" sz="quarter" idx="11"/>
+          </p:nvPr>
+        </p:nvSpPr>
+        <p:spPr/>
+        <p:txBody>
+          <a:bodyPr/>
+          <a:lstStyle/>
+          <a:p>
+            <a:endParaRPr lang="ko-KR" altLang="en-US"/>
+          </a:p>
+        </p:txBody>
+      </p:sp>
+      <p:sp>
+        <p:nvSpPr>
+          <p:cNvPr id="6" name="슬라이드 번호 개체 틀 5">
+            <a:extLst>
+              <a:ext uri="{FF2B5EF4-FFF2-40B4-BE49-F238E27FC236}">
+                <a16:creationId xmlns:a16="http://schemas.microsoft.com/office/drawing/2014/main" id="{2C11AF3B-8956-4150-8701-B7C6F2B24763}"/>
+              </a:ext>
+            </a:extLst>
+          </p:cNvPr>
+          <p:cNvSpPr>
+            <a:spLocks noGrp="1"/>
+          </p:cNvSpPr>
+          <p:nvPr>
+            <p:ph type="sldNum" sz="quarter" idx="12"/>
+          </p:nvPr>
+        </p:nvSpPr>
+        <p:spPr/>
+        <p:txBody>
+          <a:bodyPr/>
+          <a:lstStyle/>
+          <a:p>
+            <a:fld id="{5595EC94-8EAF-486A-983B-99B1085AE833}" type="slidenum">
+              <a:rPr lang="ko-KR" altLang="en-US" smtClean="0"/>
+              <a:t>‹#›</a:t>
+            </a:fld>
+            <a:endParaRPr lang="ko-KR" altLang="en-US"/>
+          </a:p>
+        </p:txBody>
+      </p:sp>
+    </p:spTree>
+    <p:extLst>
+      <p:ext uri="{BB962C8B-B14F-4D97-AF65-F5344CB8AC3E}">
+        <p14:creationId xmlns:p14="http://schemas.microsoft.com/office/powerpoint/2010/main" val="3476483126"/>
+      </p:ext>
+    </p:extLst>
+  </p:cSld>
+  <p:clrMapOvr>
+    <a:masterClrMapping/>
+  </p:clrMapOvr>
+  <mc:AlternateContent xmlns:mc="http://schemas.openxmlformats.org/markup-compatibility/2006" xmlns:p14="http://schemas.microsoft.com/office/powerpoint/2010/main">
+    <mc:Choice Requires="p14">
+      <p:transition spd="med" p14:dur="700">
+        <p:fade/>
+      </p:transition>
+    </mc:Choice>
+    <mc:Fallback xmlns="">
+      <p:transition spd="med">
+        <p:fade/>
+      </p:transition>
+    </mc:Fallback>
+  </mc:AlternateContent>
+</p:sldLayout>
+</file>
+
+<file path=ppt/slideLayouts/slideLayout15.xml><?xml version="1.0" encoding="utf-8"?>
+<p:sldLayout xmlns:a="http://schemas.openxmlformats.org/drawingml/2006/main" xmlns:r="http://schemas.openxmlformats.org/officeDocument/2006/relationships" xmlns:p="http://schemas.openxmlformats.org/presentationml/2006/main" type="secHead" preserve="1">
+  <p:cSld name="구역 머리글">
+    <p:spTree>
+      <p:nvGrpSpPr>
+        <p:cNvPr id="1" name=""/>
+        <p:cNvGrpSpPr/>
+        <p:nvPr/>
+      </p:nvGrpSpPr>
+      <p:grpSpPr>
+        <a:xfrm>
+          <a:off x="0" y="0"/>
+          <a:ext cx="0" cy="0"/>
+          <a:chOff x="0" y="0"/>
+          <a:chExt cx="0" cy="0"/>
+        </a:xfrm>
+      </p:grpSpPr>
+      <p:sp>
+        <p:nvSpPr>
+          <p:cNvPr id="2" name="제목 1">
+            <a:extLst>
+              <a:ext uri="{FF2B5EF4-FFF2-40B4-BE49-F238E27FC236}">
+                <a16:creationId xmlns:a16="http://schemas.microsoft.com/office/drawing/2014/main" id="{2161787C-EA13-4181-B0B0-B98FD1587D86}"/>
+              </a:ext>
+            </a:extLst>
+          </p:cNvPr>
+          <p:cNvSpPr>
+            <a:spLocks noGrp="1"/>
+          </p:cNvSpPr>
+          <p:nvPr>
+            <p:ph type="title"/>
+          </p:nvPr>
+        </p:nvSpPr>
+        <p:spPr>
+          <a:xfrm>
+            <a:off x="831850" y="1709738"/>
+            <a:ext cx="10515600" cy="2852737"/>
+          </a:xfrm>
+        </p:spPr>
+        <p:txBody>
+          <a:bodyPr anchor="b"/>
+          <a:lstStyle>
+            <a:lvl1pPr>
+              <a:defRPr sz="6000"/>
+            </a:lvl1pPr>
+          </a:lstStyle>
+          <a:p>
+            <a:r>
+              <a:rPr lang="ko-KR" altLang="en-US"/>
+              <a:t>마스터 제목 스타일 편집</a:t>
+            </a:r>
+          </a:p>
+        </p:txBody>
+      </p:sp>
+      <p:sp>
+        <p:nvSpPr>
+          <p:cNvPr id="3" name="텍스트 개체 틀 2">
+            <a:extLst>
+              <a:ext uri="{FF2B5EF4-FFF2-40B4-BE49-F238E27FC236}">
+                <a16:creationId xmlns:a16="http://schemas.microsoft.com/office/drawing/2014/main" id="{FBE5F5F3-03E8-4DE0-BFC5-1307CAE6E6F1}"/>
+              </a:ext>
+            </a:extLst>
+          </p:cNvPr>
+          <p:cNvSpPr>
+            <a:spLocks noGrp="1"/>
+          </p:cNvSpPr>
+          <p:nvPr>
+            <p:ph type="body" idx="1"/>
+          </p:nvPr>
+        </p:nvSpPr>
+        <p:spPr>
+          <a:xfrm>
+            <a:off x="831850" y="4589463"/>
+            <a:ext cx="10515600" cy="1500187"/>
+          </a:xfrm>
+        </p:spPr>
+        <p:txBody>
+          <a:bodyPr/>
+          <a:lstStyle>
+            <a:lvl1pPr marL="0" indent="0">
+              <a:buNone/>
+              <a:defRPr sz="2400">
+                <a:solidFill>
+                  <a:schemeClr val="tx1">
+                    <a:tint val="75000"/>
+                  </a:schemeClr>
+                </a:solidFill>
+              </a:defRPr>
+            </a:lvl1pPr>
+            <a:lvl2pPr marL="457200" indent="0">
+              <a:buNone/>
+              <a:defRPr sz="2000">
+                <a:solidFill>
+                  <a:schemeClr val="tx1">
+                    <a:tint val="75000"/>
+                  </a:schemeClr>
+                </a:solidFill>
+              </a:defRPr>
+            </a:lvl2pPr>
+            <a:lvl3pPr marL="914400" indent="0">
+              <a:buNone/>
+              <a:defRPr sz="1800">
+                <a:solidFill>
+                  <a:schemeClr val="tx1">
+                    <a:tint val="75000"/>
+                  </a:schemeClr>
+                </a:solidFill>
+              </a:defRPr>
+            </a:lvl3pPr>
+            <a:lvl4pPr marL="1371600" indent="0">
+              <a:buNone/>
+              <a:defRPr sz="1600">
+                <a:solidFill>
+                  <a:schemeClr val="tx1">
+                    <a:tint val="75000"/>
+                  </a:schemeClr>
+                </a:solidFill>
+              </a:defRPr>
+            </a:lvl4pPr>
+            <a:lvl5pPr marL="1828800" indent="0">
+              <a:buNone/>
+              <a:defRPr sz="1600">
+                <a:solidFill>
+                  <a:schemeClr val="tx1">
+                    <a:tint val="75000"/>
+                  </a:schemeClr>
+                </a:solidFill>
+              </a:defRPr>
+            </a:lvl5pPr>
+            <a:lvl6pPr marL="2286000" indent="0">
+              <a:buNone/>
+              <a:defRPr sz="1600">
+                <a:solidFill>
+                  <a:schemeClr val="tx1">
+                    <a:tint val="75000"/>
+                  </a:schemeClr>
+                </a:solidFill>
+              </a:defRPr>
+            </a:lvl6pPr>
+            <a:lvl7pPr marL="2743200" indent="0">
+              <a:buNone/>
+              <a:defRPr sz="1600">
+                <a:solidFill>
+                  <a:schemeClr val="tx1">
+                    <a:tint val="75000"/>
+                  </a:schemeClr>
+                </a:solidFill>
+              </a:defRPr>
+            </a:lvl7pPr>
+            <a:lvl8pPr marL="3200400" indent="0">
+              <a:buNone/>
+              <a:defRPr sz="1600">
+                <a:solidFill>
+                  <a:schemeClr val="tx1">
+                    <a:tint val="75000"/>
+                  </a:schemeClr>
+                </a:solidFill>
+              </a:defRPr>
+            </a:lvl8pPr>
+            <a:lvl9pPr marL="3657600" indent="0">
+              <a:buNone/>
+              <a:defRPr sz="1600">
+                <a:solidFill>
+                  <a:schemeClr val="tx1">
+                    <a:tint val="75000"/>
+                  </a:schemeClr>
+                </a:solidFill>
+              </a:defRPr>
+            </a:lvl9pPr>
+          </a:lstStyle>
+          <a:p>
+            <a:pPr lvl="0"/>
+            <a:r>
+              <a:rPr lang="ko-KR" altLang="en-US"/>
+              <a:t>마스터 텍스트 스타일을 편집하려면 클릭</a:t>
+            </a:r>
+          </a:p>
+        </p:txBody>
+      </p:sp>
+      <p:sp>
+        <p:nvSpPr>
+          <p:cNvPr id="4" name="날짜 개체 틀 3">
+            <a:extLst>
+              <a:ext uri="{FF2B5EF4-FFF2-40B4-BE49-F238E27FC236}">
+                <a16:creationId xmlns:a16="http://schemas.microsoft.com/office/drawing/2014/main" id="{F47CEA32-CCEE-47B8-A526-80A2933D1BEC}"/>
+              </a:ext>
+            </a:extLst>
+          </p:cNvPr>
+          <p:cNvSpPr>
+            <a:spLocks noGrp="1"/>
+          </p:cNvSpPr>
+          <p:nvPr>
+            <p:ph type="dt" sz="half" idx="10"/>
+          </p:nvPr>
+        </p:nvSpPr>
+        <p:spPr/>
+        <p:txBody>
+          <a:bodyPr/>
+          <a:lstStyle/>
+          <a:p>
+            <a:fld id="{9FE7A9D4-2312-4C80-955C-3A7FA2F8832A}" type="datetimeFigureOut">
+              <a:rPr lang="ko-KR" altLang="en-US" smtClean="0"/>
+              <a:t>2022-11-28</a:t>
+            </a:fld>
+            <a:endParaRPr lang="ko-KR" altLang="en-US"/>
+          </a:p>
+        </p:txBody>
+      </p:sp>
+      <p:sp>
+        <p:nvSpPr>
+          <p:cNvPr id="5" name="바닥글 개체 틀 4">
+            <a:extLst>
+              <a:ext uri="{FF2B5EF4-FFF2-40B4-BE49-F238E27FC236}">
+                <a16:creationId xmlns:a16="http://schemas.microsoft.com/office/drawing/2014/main" id="{D9964C28-B02D-443E-89E1-FB3F125485E1}"/>
+              </a:ext>
+            </a:extLst>
+          </p:cNvPr>
+          <p:cNvSpPr>
+            <a:spLocks noGrp="1"/>
+          </p:cNvSpPr>
+          <p:nvPr>
+            <p:ph type="ftr" sz="quarter" idx="11"/>
+          </p:nvPr>
+        </p:nvSpPr>
+        <p:spPr/>
+        <p:txBody>
+          <a:bodyPr/>
+          <a:lstStyle/>
+          <a:p>
+            <a:endParaRPr lang="ko-KR" altLang="en-US"/>
+          </a:p>
+        </p:txBody>
+      </p:sp>
+      <p:sp>
+        <p:nvSpPr>
+          <p:cNvPr id="6" name="슬라이드 번호 개체 틀 5">
+            <a:extLst>
+              <a:ext uri="{FF2B5EF4-FFF2-40B4-BE49-F238E27FC236}">
+                <a16:creationId xmlns:a16="http://schemas.microsoft.com/office/drawing/2014/main" id="{692FB7F4-ECD7-4A68-980A-73D9C752AAAB}"/>
+              </a:ext>
+            </a:extLst>
+          </p:cNvPr>
+          <p:cNvSpPr>
+            <a:spLocks noGrp="1"/>
+          </p:cNvSpPr>
+          <p:nvPr>
+            <p:ph type="sldNum" sz="quarter" idx="12"/>
+          </p:nvPr>
+        </p:nvSpPr>
+        <p:spPr/>
+        <p:txBody>
+          <a:bodyPr/>
+          <a:lstStyle/>
+          <a:p>
+            <a:fld id="{5595EC94-8EAF-486A-983B-99B1085AE833}" type="slidenum">
+              <a:rPr lang="ko-KR" altLang="en-US" smtClean="0"/>
+              <a:t>‹#›</a:t>
+            </a:fld>
+            <a:endParaRPr lang="ko-KR" altLang="en-US"/>
+          </a:p>
+        </p:txBody>
+      </p:sp>
+    </p:spTree>
+    <p:extLst>
+      <p:ext uri="{BB962C8B-B14F-4D97-AF65-F5344CB8AC3E}">
+        <p14:creationId xmlns:p14="http://schemas.microsoft.com/office/powerpoint/2010/main" val="2945395116"/>
+      </p:ext>
+    </p:extLst>
+  </p:cSld>
+  <p:clrMapOvr>
+    <a:masterClrMapping/>
+  </p:clrMapOvr>
+  <mc:AlternateContent xmlns:mc="http://schemas.openxmlformats.org/markup-compatibility/2006" xmlns:p14="http://schemas.microsoft.com/office/powerpoint/2010/main">
+    <mc:Choice Requires="p14">
+      <p:transition spd="med" p14:dur="700">
+        <p:fade/>
+      </p:transition>
+    </mc:Choice>
+    <mc:Fallback xmlns="">
+      <p:transition spd="med">
+        <p:fade/>
+      </p:transition>
+    </mc:Fallback>
+  </mc:AlternateContent>
+</p:sldLayout>
+</file>
+
+<file path=ppt/slideLayouts/slideLayout16.xml><?xml version="1.0" encoding="utf-8"?>
+<p:sldLayout xmlns:a="http://schemas.openxmlformats.org/drawingml/2006/main" xmlns:r="http://schemas.openxmlformats.org/officeDocument/2006/relationships" xmlns:p="http://schemas.openxmlformats.org/presentationml/2006/main" type="twoObj" preserve="1">
+  <p:cSld name="콘텐츠 2개">
+    <p:spTree>
+      <p:nvGrpSpPr>
+        <p:cNvPr id="1" name=""/>
+        <p:cNvGrpSpPr/>
+        <p:nvPr/>
+      </p:nvGrpSpPr>
+      <p:grpSpPr>
+        <a:xfrm>
+          <a:off x="0" y="0"/>
+          <a:ext cx="0" cy="0"/>
+          <a:chOff x="0" y="0"/>
+          <a:chExt cx="0" cy="0"/>
+        </a:xfrm>
+      </p:grpSpPr>
+      <p:sp>
+        <p:nvSpPr>
+          <p:cNvPr id="2" name="제목 1">
+            <a:extLst>
+              <a:ext uri="{FF2B5EF4-FFF2-40B4-BE49-F238E27FC236}">
+                <a16:creationId xmlns:a16="http://schemas.microsoft.com/office/drawing/2014/main" id="{341298D1-822F-4AE9-BE1F-7EF054CE2FF8}"/>
+              </a:ext>
+            </a:extLst>
+          </p:cNvPr>
+          <p:cNvSpPr>
+            <a:spLocks noGrp="1"/>
+          </p:cNvSpPr>
+          <p:nvPr>
+            <p:ph type="title"/>
+          </p:nvPr>
+        </p:nvSpPr>
+        <p:spPr/>
+        <p:txBody>
+          <a:bodyPr/>
+          <a:lstStyle/>
+          <a:p>
+            <a:r>
+              <a:rPr lang="ko-KR" altLang="en-US"/>
+              <a:t>마스터 제목 스타일 편집</a:t>
+            </a:r>
+          </a:p>
+        </p:txBody>
+      </p:sp>
+      <p:sp>
+        <p:nvSpPr>
+          <p:cNvPr id="3" name="내용 개체 틀 2">
+            <a:extLst>
+              <a:ext uri="{FF2B5EF4-FFF2-40B4-BE49-F238E27FC236}">
+                <a16:creationId xmlns:a16="http://schemas.microsoft.com/office/drawing/2014/main" id="{D28596DE-FD94-42CD-A453-C87AAFCB7EDD}"/>
+              </a:ext>
+            </a:extLst>
+          </p:cNvPr>
+          <p:cNvSpPr>
+            <a:spLocks noGrp="1"/>
+          </p:cNvSpPr>
+          <p:nvPr>
+            <p:ph sz="half" idx="1"/>
+          </p:nvPr>
+        </p:nvSpPr>
+        <p:spPr>
+          <a:xfrm>
+            <a:off x="838200" y="1825625"/>
+            <a:ext cx="5181600" cy="4351338"/>
+          </a:xfrm>
+        </p:spPr>
+        <p:txBody>
+          <a:bodyPr/>
+          <a:lstStyle/>
+          <a:p>
+            <a:pPr lvl="0"/>
+            <a:r>
+              <a:rPr lang="ko-KR" altLang="en-US"/>
+              <a:t>마스터 텍스트 스타일을 편집하려면 클릭</a:t>
+            </a:r>
+          </a:p>
+          <a:p>
+            <a:pPr lvl="1"/>
+            <a:r>
+              <a:rPr lang="ko-KR" altLang="en-US"/>
+              <a:t>두 번째 수준</a:t>
+            </a:r>
+          </a:p>
+          <a:p>
+            <a:pPr lvl="2"/>
+            <a:r>
+              <a:rPr lang="ko-KR" altLang="en-US"/>
+              <a:t>세 번째 수준</a:t>
+            </a:r>
+          </a:p>
+          <a:p>
+            <a:pPr lvl="3"/>
+            <a:r>
+              <a:rPr lang="ko-KR" altLang="en-US"/>
+              <a:t>네 번째 수준</a:t>
+            </a:r>
+          </a:p>
+          <a:p>
+            <a:pPr lvl="4"/>
+            <a:r>
+              <a:rPr lang="ko-KR" altLang="en-US"/>
+              <a:t>다섯 번째 수준</a:t>
+            </a:r>
+          </a:p>
+        </p:txBody>
+      </p:sp>
+      <p:sp>
+        <p:nvSpPr>
+          <p:cNvPr id="4" name="내용 개체 틀 3">
+            <a:extLst>
+              <a:ext uri="{FF2B5EF4-FFF2-40B4-BE49-F238E27FC236}">
+                <a16:creationId xmlns:a16="http://schemas.microsoft.com/office/drawing/2014/main" id="{CD5D48B6-4014-4E1E-AD68-C67E693F64F8}"/>
+              </a:ext>
+            </a:extLst>
+          </p:cNvPr>
+          <p:cNvSpPr>
+            <a:spLocks noGrp="1"/>
+          </p:cNvSpPr>
+          <p:nvPr>
+            <p:ph sz="half" idx="2"/>
+          </p:nvPr>
+        </p:nvSpPr>
+        <p:spPr>
+          <a:xfrm>
+            <a:off x="6172200" y="1825625"/>
+            <a:ext cx="5181600" cy="4351338"/>
+          </a:xfrm>
+        </p:spPr>
+        <p:txBody>
+          <a:bodyPr/>
+          <a:lstStyle/>
+          <a:p>
+            <a:pPr lvl="0"/>
+            <a:r>
+              <a:rPr lang="ko-KR" altLang="en-US"/>
+              <a:t>마스터 텍스트 스타일을 편집하려면 클릭</a:t>
+            </a:r>
+          </a:p>
+          <a:p>
+            <a:pPr lvl="1"/>
+            <a:r>
+              <a:rPr lang="ko-KR" altLang="en-US"/>
+              <a:t>두 번째 수준</a:t>
+            </a:r>
+          </a:p>
+          <a:p>
+            <a:pPr lvl="2"/>
+            <a:r>
+              <a:rPr lang="ko-KR" altLang="en-US"/>
+              <a:t>세 번째 수준</a:t>
+            </a:r>
+          </a:p>
+          <a:p>
+            <a:pPr lvl="3"/>
+            <a:r>
+              <a:rPr lang="ko-KR" altLang="en-US"/>
+              <a:t>네 번째 수준</a:t>
+            </a:r>
+          </a:p>
+          <a:p>
+            <a:pPr lvl="4"/>
+            <a:r>
+              <a:rPr lang="ko-KR" altLang="en-US"/>
+              <a:t>다섯 번째 수준</a:t>
+            </a:r>
+          </a:p>
+        </p:txBody>
+      </p:sp>
+      <p:sp>
+        <p:nvSpPr>
+          <p:cNvPr id="5" name="날짜 개체 틀 4">
+            <a:extLst>
+              <a:ext uri="{FF2B5EF4-FFF2-40B4-BE49-F238E27FC236}">
+                <a16:creationId xmlns:a16="http://schemas.microsoft.com/office/drawing/2014/main" id="{B3A6CCBA-5D70-4B89-BACA-6C91A0FF75EF}"/>
+              </a:ext>
+            </a:extLst>
+          </p:cNvPr>
+          <p:cNvSpPr>
+            <a:spLocks noGrp="1"/>
+          </p:cNvSpPr>
+          <p:nvPr>
+            <p:ph type="dt" sz="half" idx="10"/>
+          </p:nvPr>
+        </p:nvSpPr>
+        <p:spPr/>
+        <p:txBody>
+          <a:bodyPr/>
+          <a:lstStyle/>
+          <a:p>
+            <a:fld id="{9FE7A9D4-2312-4C80-955C-3A7FA2F8832A}" type="datetimeFigureOut">
+              <a:rPr lang="ko-KR" altLang="en-US" smtClean="0"/>
+              <a:t>2022-11-28</a:t>
+            </a:fld>
+            <a:endParaRPr lang="ko-KR" altLang="en-US"/>
+          </a:p>
+        </p:txBody>
+      </p:sp>
+      <p:sp>
+        <p:nvSpPr>
+          <p:cNvPr id="6" name="바닥글 개체 틀 5">
+            <a:extLst>
+              <a:ext uri="{FF2B5EF4-FFF2-40B4-BE49-F238E27FC236}">
+                <a16:creationId xmlns:a16="http://schemas.microsoft.com/office/drawing/2014/main" id="{ADE4A065-E00B-4A73-9BB7-B46AC396A16C}"/>
+              </a:ext>
+            </a:extLst>
+          </p:cNvPr>
+          <p:cNvSpPr>
+            <a:spLocks noGrp="1"/>
+          </p:cNvSpPr>
+          <p:nvPr>
+            <p:ph type="ftr" sz="quarter" idx="11"/>
+          </p:nvPr>
+        </p:nvSpPr>
+        <p:spPr/>
+        <p:txBody>
+          <a:bodyPr/>
+          <a:lstStyle/>
+          <a:p>
+            <a:endParaRPr lang="ko-KR" altLang="en-US"/>
+          </a:p>
+        </p:txBody>
+      </p:sp>
+      <p:sp>
+        <p:nvSpPr>
+          <p:cNvPr id="7" name="슬라이드 번호 개체 틀 6">
+            <a:extLst>
+              <a:ext uri="{FF2B5EF4-FFF2-40B4-BE49-F238E27FC236}">
+                <a16:creationId xmlns:a16="http://schemas.microsoft.com/office/drawing/2014/main" id="{976E1E2D-C422-4C81-9EA7-ABA7416D01F8}"/>
+              </a:ext>
+            </a:extLst>
+          </p:cNvPr>
+          <p:cNvSpPr>
+            <a:spLocks noGrp="1"/>
+          </p:cNvSpPr>
+          <p:nvPr>
+            <p:ph type="sldNum" sz="quarter" idx="12"/>
+          </p:nvPr>
+        </p:nvSpPr>
+        <p:spPr/>
+        <p:txBody>
+          <a:bodyPr/>
+          <a:lstStyle/>
+          <a:p>
+            <a:fld id="{5595EC94-8EAF-486A-983B-99B1085AE833}" type="slidenum">
+              <a:rPr lang="ko-KR" altLang="en-US" smtClean="0"/>
+              <a:t>‹#›</a:t>
+            </a:fld>
+            <a:endParaRPr lang="ko-KR" altLang="en-US"/>
+          </a:p>
+        </p:txBody>
+      </p:sp>
+    </p:spTree>
+    <p:extLst>
+      <p:ext uri="{BB962C8B-B14F-4D97-AF65-F5344CB8AC3E}">
+        <p14:creationId xmlns:p14="http://schemas.microsoft.com/office/powerpoint/2010/main" val="516242860"/>
+      </p:ext>
+    </p:extLst>
+  </p:cSld>
+  <p:clrMapOvr>
+    <a:masterClrMapping/>
+  </p:clrMapOvr>
+  <mc:AlternateContent xmlns:mc="http://schemas.openxmlformats.org/markup-compatibility/2006" xmlns:p14="http://schemas.microsoft.com/office/powerpoint/2010/main">
+    <mc:Choice Requires="p14">
+      <p:transition spd="med" p14:dur="700">
+        <p:fade/>
+      </p:transition>
+    </mc:Choice>
+    <mc:Fallback xmlns="">
+      <p:transition spd="med">
+        <p:fade/>
+      </p:transition>
+    </mc:Fallback>
+  </mc:AlternateContent>
+</p:sldLayout>
+</file>
+
+<file path=ppt/slideLayouts/slideLayout17.xml><?xml version="1.0" encoding="utf-8"?>
+<p:sldLayout xmlns:a="http://schemas.openxmlformats.org/drawingml/2006/main" xmlns:r="http://schemas.openxmlformats.org/officeDocument/2006/relationships" xmlns:p="http://schemas.openxmlformats.org/presentationml/2006/main" type="twoTxTwoObj" preserve="1">
+  <p:cSld name="비교">
+    <p:spTree>
+      <p:nvGrpSpPr>
+        <p:cNvPr id="1" name=""/>
+        <p:cNvGrpSpPr/>
+        <p:nvPr/>
+      </p:nvGrpSpPr>
+      <p:grpSpPr>
+        <a:xfrm>
+          <a:off x="0" y="0"/>
+          <a:ext cx="0" cy="0"/>
+          <a:chOff x="0" y="0"/>
+          <a:chExt cx="0" cy="0"/>
+        </a:xfrm>
+      </p:grpSpPr>
+      <p:sp>
+        <p:nvSpPr>
+          <p:cNvPr id="2" name="제목 1">
+            <a:extLst>
+              <a:ext uri="{FF2B5EF4-FFF2-40B4-BE49-F238E27FC236}">
+                <a16:creationId xmlns:a16="http://schemas.microsoft.com/office/drawing/2014/main" id="{A7A5702F-9D39-4A23-8B2B-227C8FB4FDC8}"/>
+              </a:ext>
+            </a:extLst>
+          </p:cNvPr>
+          <p:cNvSpPr>
+            <a:spLocks noGrp="1"/>
+          </p:cNvSpPr>
+          <p:nvPr>
+            <p:ph type="title"/>
+          </p:nvPr>
+        </p:nvSpPr>
+        <p:spPr>
+          <a:xfrm>
+            <a:off x="839788" y="365125"/>
+            <a:ext cx="10515600" cy="1325563"/>
+          </a:xfrm>
+        </p:spPr>
+        <p:txBody>
+          <a:bodyPr/>
+          <a:lstStyle/>
+          <a:p>
+            <a:r>
+              <a:rPr lang="ko-KR" altLang="en-US"/>
+              <a:t>마스터 제목 스타일 편집</a:t>
+            </a:r>
+          </a:p>
+        </p:txBody>
+      </p:sp>
+      <p:sp>
+        <p:nvSpPr>
+          <p:cNvPr id="3" name="텍스트 개체 틀 2">
+            <a:extLst>
+              <a:ext uri="{FF2B5EF4-FFF2-40B4-BE49-F238E27FC236}">
+                <a16:creationId xmlns:a16="http://schemas.microsoft.com/office/drawing/2014/main" id="{C5B61F52-FB13-4AA5-8614-96CB85DAE581}"/>
+              </a:ext>
+            </a:extLst>
+          </p:cNvPr>
+          <p:cNvSpPr>
+            <a:spLocks noGrp="1"/>
+          </p:cNvSpPr>
+          <p:nvPr>
+            <p:ph type="body" idx="1"/>
+          </p:nvPr>
+        </p:nvSpPr>
+        <p:spPr>
+          <a:xfrm>
+            <a:off x="839788" y="1681163"/>
+            <a:ext cx="5157787" cy="823912"/>
+          </a:xfrm>
+        </p:spPr>
+        <p:txBody>
+          <a:bodyPr anchor="b"/>
+          <a:lstStyle>
+            <a:lvl1pPr marL="0" indent="0">
+              <a:buNone/>
+              <a:defRPr sz="2400" b="1"/>
+            </a:lvl1pPr>
+            <a:lvl2pPr marL="457200" indent="0">
+              <a:buNone/>
+              <a:defRPr sz="2000" b="1"/>
+            </a:lvl2pPr>
+            <a:lvl3pPr marL="914400" indent="0">
+              <a:buNone/>
+              <a:defRPr sz="1800" b="1"/>
+            </a:lvl3pPr>
+            <a:lvl4pPr marL="1371600" indent="0">
+              <a:buNone/>
+              <a:defRPr sz="1600" b="1"/>
+            </a:lvl4pPr>
+            <a:lvl5pPr marL="1828800" indent="0">
+              <a:buNone/>
+              <a:defRPr sz="1600" b="1"/>
+            </a:lvl5pPr>
+            <a:lvl6pPr marL="2286000" indent="0">
+              <a:buNone/>
+              <a:defRPr sz="1600" b="1"/>
+            </a:lvl6pPr>
+            <a:lvl7pPr marL="2743200" indent="0">
+              <a:buNone/>
+              <a:defRPr sz="1600" b="1"/>
+            </a:lvl7pPr>
+            <a:lvl8pPr marL="3200400" indent="0">
+              <a:buNone/>
+              <a:defRPr sz="1600" b="1"/>
+            </a:lvl8pPr>
+            <a:lvl9pPr marL="3657600" indent="0">
+              <a:buNone/>
+              <a:defRPr sz="1600" b="1"/>
+            </a:lvl9pPr>
+          </a:lstStyle>
+          <a:p>
+            <a:pPr lvl="0"/>
+            <a:r>
+              <a:rPr lang="ko-KR" altLang="en-US"/>
+              <a:t>마스터 텍스트 스타일을 편집하려면 클릭</a:t>
+            </a:r>
+          </a:p>
+        </p:txBody>
+      </p:sp>
+      <p:sp>
+        <p:nvSpPr>
+          <p:cNvPr id="4" name="내용 개체 틀 3">
+            <a:extLst>
+              <a:ext uri="{FF2B5EF4-FFF2-40B4-BE49-F238E27FC236}">
+                <a16:creationId xmlns:a16="http://schemas.microsoft.com/office/drawing/2014/main" id="{3C87BAFA-DA5C-41E6-89B9-049ECF13E7ED}"/>
+              </a:ext>
+            </a:extLst>
+          </p:cNvPr>
+          <p:cNvSpPr>
+            <a:spLocks noGrp="1"/>
+          </p:cNvSpPr>
+          <p:nvPr>
+            <p:ph sz="half" idx="2"/>
+          </p:nvPr>
+        </p:nvSpPr>
+        <p:spPr>
+          <a:xfrm>
+            <a:off x="839788" y="2505075"/>
+            <a:ext cx="5157787" cy="3684588"/>
+          </a:xfrm>
+        </p:spPr>
+        <p:txBody>
+          <a:bodyPr/>
+          <a:lstStyle/>
+          <a:p>
+            <a:pPr lvl="0"/>
+            <a:r>
+              <a:rPr lang="ko-KR" altLang="en-US"/>
+              <a:t>마스터 텍스트 스타일을 편집하려면 클릭</a:t>
+            </a:r>
+          </a:p>
+          <a:p>
+            <a:pPr lvl="1"/>
+            <a:r>
+              <a:rPr lang="ko-KR" altLang="en-US"/>
+              <a:t>두 번째 수준</a:t>
+            </a:r>
+          </a:p>
+          <a:p>
+            <a:pPr lvl="2"/>
+            <a:r>
+              <a:rPr lang="ko-KR" altLang="en-US"/>
+              <a:t>세 번째 수준</a:t>
+            </a:r>
+          </a:p>
+          <a:p>
+            <a:pPr lvl="3"/>
+            <a:r>
+              <a:rPr lang="ko-KR" altLang="en-US"/>
+              <a:t>네 번째 수준</a:t>
+            </a:r>
+          </a:p>
+          <a:p>
+            <a:pPr lvl="4"/>
+            <a:r>
+              <a:rPr lang="ko-KR" altLang="en-US"/>
+              <a:t>다섯 번째 수준</a:t>
+            </a:r>
+          </a:p>
+        </p:txBody>
+      </p:sp>
+      <p:sp>
+        <p:nvSpPr>
+          <p:cNvPr id="5" name="텍스트 개체 틀 4">
+            <a:extLst>
+              <a:ext uri="{FF2B5EF4-FFF2-40B4-BE49-F238E27FC236}">
+                <a16:creationId xmlns:a16="http://schemas.microsoft.com/office/drawing/2014/main" id="{F58F1D0D-16C1-4524-9BFD-F88D9AADB2A1}"/>
+              </a:ext>
+            </a:extLst>
+          </p:cNvPr>
+          <p:cNvSpPr>
+            <a:spLocks noGrp="1"/>
+          </p:cNvSpPr>
+          <p:nvPr>
+            <p:ph type="body" sz="quarter" idx="3"/>
+          </p:nvPr>
+        </p:nvSpPr>
+        <p:spPr>
+          <a:xfrm>
+            <a:off x="6172200" y="1681163"/>
+            <a:ext cx="5183188" cy="823912"/>
+          </a:xfrm>
+        </p:spPr>
+        <p:txBody>
+          <a:bodyPr anchor="b"/>
+          <a:lstStyle>
+            <a:lvl1pPr marL="0" indent="0">
+              <a:buNone/>
+              <a:defRPr sz="2400" b="1"/>
+            </a:lvl1pPr>
+            <a:lvl2pPr marL="457200" indent="0">
+              <a:buNone/>
+              <a:defRPr sz="2000" b="1"/>
+            </a:lvl2pPr>
+            <a:lvl3pPr marL="914400" indent="0">
+              <a:buNone/>
+              <a:defRPr sz="1800" b="1"/>
+            </a:lvl3pPr>
+            <a:lvl4pPr marL="1371600" indent="0">
+              <a:buNone/>
+              <a:defRPr sz="1600" b="1"/>
+            </a:lvl4pPr>
+            <a:lvl5pPr marL="1828800" indent="0">
+              <a:buNone/>
+              <a:defRPr sz="1600" b="1"/>
+            </a:lvl5pPr>
+            <a:lvl6pPr marL="2286000" indent="0">
+              <a:buNone/>
+              <a:defRPr sz="1600" b="1"/>
+            </a:lvl6pPr>
+            <a:lvl7pPr marL="2743200" indent="0">
+              <a:buNone/>
+              <a:defRPr sz="1600" b="1"/>
+            </a:lvl7pPr>
+            <a:lvl8pPr marL="3200400" indent="0">
+              <a:buNone/>
+              <a:defRPr sz="1600" b="1"/>
+            </a:lvl8pPr>
+            <a:lvl9pPr marL="3657600" indent="0">
+              <a:buNone/>
+              <a:defRPr sz="1600" b="1"/>
+            </a:lvl9pPr>
+          </a:lstStyle>
+          <a:p>
+            <a:pPr lvl="0"/>
+            <a:r>
+              <a:rPr lang="ko-KR" altLang="en-US"/>
+              <a:t>마스터 텍스트 스타일을 편집하려면 클릭</a:t>
+            </a:r>
+          </a:p>
+        </p:txBody>
+      </p:sp>
+      <p:sp>
+        <p:nvSpPr>
+          <p:cNvPr id="6" name="내용 개체 틀 5">
+            <a:extLst>
+              <a:ext uri="{FF2B5EF4-FFF2-40B4-BE49-F238E27FC236}">
+                <a16:creationId xmlns:a16="http://schemas.microsoft.com/office/drawing/2014/main" id="{16C66BD1-687F-4EBD-B80D-A9CE917A7CCE}"/>
+              </a:ext>
+            </a:extLst>
+          </p:cNvPr>
+          <p:cNvSpPr>
+            <a:spLocks noGrp="1"/>
+          </p:cNvSpPr>
+          <p:nvPr>
+            <p:ph sz="quarter" idx="4"/>
+          </p:nvPr>
+        </p:nvSpPr>
+        <p:spPr>
+          <a:xfrm>
+            <a:off x="6172200" y="2505075"/>
+            <a:ext cx="5183188" cy="3684588"/>
+          </a:xfrm>
+        </p:spPr>
+        <p:txBody>
+          <a:bodyPr/>
+          <a:lstStyle/>
+          <a:p>
+            <a:pPr lvl="0"/>
+            <a:r>
+              <a:rPr lang="ko-KR" altLang="en-US"/>
+              <a:t>마스터 텍스트 스타일을 편집하려면 클릭</a:t>
+            </a:r>
+          </a:p>
+          <a:p>
+            <a:pPr lvl="1"/>
+            <a:r>
+              <a:rPr lang="ko-KR" altLang="en-US"/>
+              <a:t>두 번째 수준</a:t>
+            </a:r>
+          </a:p>
+          <a:p>
+            <a:pPr lvl="2"/>
+            <a:r>
+              <a:rPr lang="ko-KR" altLang="en-US"/>
+              <a:t>세 번째 수준</a:t>
+            </a:r>
+          </a:p>
+          <a:p>
+            <a:pPr lvl="3"/>
+            <a:r>
+              <a:rPr lang="ko-KR" altLang="en-US"/>
+              <a:t>네 번째 수준</a:t>
+            </a:r>
+          </a:p>
+          <a:p>
+            <a:pPr lvl="4"/>
+            <a:r>
+              <a:rPr lang="ko-KR" altLang="en-US"/>
+              <a:t>다섯 번째 수준</a:t>
+            </a:r>
+          </a:p>
+        </p:txBody>
+      </p:sp>
+      <p:sp>
+        <p:nvSpPr>
+          <p:cNvPr id="7" name="날짜 개체 틀 6">
+            <a:extLst>
+              <a:ext uri="{FF2B5EF4-FFF2-40B4-BE49-F238E27FC236}">
+                <a16:creationId xmlns:a16="http://schemas.microsoft.com/office/drawing/2014/main" id="{779544E4-0FB8-47A2-9B6E-896DFDF651AA}"/>
+              </a:ext>
+            </a:extLst>
+          </p:cNvPr>
+          <p:cNvSpPr>
+            <a:spLocks noGrp="1"/>
+          </p:cNvSpPr>
+          <p:nvPr>
+            <p:ph type="dt" sz="half" idx="10"/>
+          </p:nvPr>
+        </p:nvSpPr>
+        <p:spPr/>
+        <p:txBody>
+          <a:bodyPr/>
+          <a:lstStyle/>
+          <a:p>
+            <a:fld id="{9FE7A9D4-2312-4C80-955C-3A7FA2F8832A}" type="datetimeFigureOut">
+              <a:rPr lang="ko-KR" altLang="en-US" smtClean="0"/>
+              <a:t>2022-11-28</a:t>
+            </a:fld>
+            <a:endParaRPr lang="ko-KR" altLang="en-US"/>
+          </a:p>
+        </p:txBody>
+      </p:sp>
+      <p:sp>
+        <p:nvSpPr>
+          <p:cNvPr id="8" name="바닥글 개체 틀 7">
+            <a:extLst>
+              <a:ext uri="{FF2B5EF4-FFF2-40B4-BE49-F238E27FC236}">
+                <a16:creationId xmlns:a16="http://schemas.microsoft.com/office/drawing/2014/main" id="{9CBAF11A-F1C3-474D-991B-EFCEF7C8062D}"/>
+              </a:ext>
+            </a:extLst>
+          </p:cNvPr>
+          <p:cNvSpPr>
+            <a:spLocks noGrp="1"/>
+          </p:cNvSpPr>
+          <p:nvPr>
+            <p:ph type="ftr" sz="quarter" idx="11"/>
+          </p:nvPr>
+        </p:nvSpPr>
+        <p:spPr/>
+        <p:txBody>
+          <a:bodyPr/>
+          <a:lstStyle/>
+          <a:p>
+            <a:endParaRPr lang="ko-KR" altLang="en-US"/>
+          </a:p>
+        </p:txBody>
+      </p:sp>
+      <p:sp>
+        <p:nvSpPr>
+          <p:cNvPr id="9" name="슬라이드 번호 개체 틀 8">
+            <a:extLst>
+              <a:ext uri="{FF2B5EF4-FFF2-40B4-BE49-F238E27FC236}">
+                <a16:creationId xmlns:a16="http://schemas.microsoft.com/office/drawing/2014/main" id="{B439CBAC-49D8-4D2D-A0EB-0A7DD653ABDF}"/>
+              </a:ext>
+            </a:extLst>
+          </p:cNvPr>
+          <p:cNvSpPr>
+            <a:spLocks noGrp="1"/>
+          </p:cNvSpPr>
+          <p:nvPr>
+            <p:ph type="sldNum" sz="quarter" idx="12"/>
+          </p:nvPr>
+        </p:nvSpPr>
+        <p:spPr/>
+        <p:txBody>
+          <a:bodyPr/>
+          <a:lstStyle/>
+          <a:p>
+            <a:fld id="{5595EC94-8EAF-486A-983B-99B1085AE833}" type="slidenum">
+              <a:rPr lang="ko-KR" altLang="en-US" smtClean="0"/>
+              <a:t>‹#›</a:t>
+            </a:fld>
+            <a:endParaRPr lang="ko-KR" altLang="en-US"/>
+          </a:p>
+        </p:txBody>
+      </p:sp>
+    </p:spTree>
+    <p:extLst>
+      <p:ext uri="{BB962C8B-B14F-4D97-AF65-F5344CB8AC3E}">
+        <p14:creationId xmlns:p14="http://schemas.microsoft.com/office/powerpoint/2010/main" val="635275340"/>
+      </p:ext>
+    </p:extLst>
+  </p:cSld>
+  <p:clrMapOvr>
+    <a:masterClrMapping/>
+  </p:clrMapOvr>
+  <mc:AlternateContent xmlns:mc="http://schemas.openxmlformats.org/markup-compatibility/2006" xmlns:p14="http://schemas.microsoft.com/office/powerpoint/2010/main">
+    <mc:Choice Requires="p14">
+      <p:transition spd="med" p14:dur="700">
+        <p:fade/>
+      </p:transition>
+    </mc:Choice>
+    <mc:Fallback xmlns="">
+      <p:transition spd="med">
+        <p:fade/>
+      </p:transition>
+    </mc:Fallback>
+  </mc:AlternateContent>
+</p:sldLayout>
+</file>
+
+<file path=ppt/slideLayouts/slideLayout18.xml><?xml version="1.0" encoding="utf-8"?>
+<p:sldLayout xmlns:a="http://schemas.openxmlformats.org/drawingml/2006/main" xmlns:r="http://schemas.openxmlformats.org/officeDocument/2006/relationships" xmlns:p="http://schemas.openxmlformats.org/presentationml/2006/main" type="titleOnly" preserve="1">
+  <p:cSld name="제목만">
+    <p:spTree>
+      <p:nvGrpSpPr>
+        <p:cNvPr id="1" name=""/>
+        <p:cNvGrpSpPr/>
+        <p:nvPr/>
+      </p:nvGrpSpPr>
+      <p:grpSpPr>
+        <a:xfrm>
+          <a:off x="0" y="0"/>
+          <a:ext cx="0" cy="0"/>
+          <a:chOff x="0" y="0"/>
+          <a:chExt cx="0" cy="0"/>
+        </a:xfrm>
+      </p:grpSpPr>
+      <p:sp>
+        <p:nvSpPr>
+          <p:cNvPr id="2" name="제목 1">
+            <a:extLst>
+              <a:ext uri="{FF2B5EF4-FFF2-40B4-BE49-F238E27FC236}">
+                <a16:creationId xmlns:a16="http://schemas.microsoft.com/office/drawing/2014/main" id="{20359595-4D21-46F7-9AA9-99350F31B612}"/>
+              </a:ext>
+            </a:extLst>
+          </p:cNvPr>
+          <p:cNvSpPr>
+            <a:spLocks noGrp="1"/>
+          </p:cNvSpPr>
+          <p:nvPr>
+            <p:ph type="title"/>
+          </p:nvPr>
+        </p:nvSpPr>
+        <p:spPr/>
+        <p:txBody>
+          <a:bodyPr/>
+          <a:lstStyle/>
+          <a:p>
+            <a:r>
+              <a:rPr lang="ko-KR" altLang="en-US"/>
+              <a:t>마스터 제목 스타일 편집</a:t>
+            </a:r>
+          </a:p>
+        </p:txBody>
+      </p:sp>
+      <p:sp>
+        <p:nvSpPr>
+          <p:cNvPr id="3" name="날짜 개체 틀 2">
+            <a:extLst>
+              <a:ext uri="{FF2B5EF4-FFF2-40B4-BE49-F238E27FC236}">
+                <a16:creationId xmlns:a16="http://schemas.microsoft.com/office/drawing/2014/main" id="{AED291C2-6C24-4F10-AC19-A3D4878031C0}"/>
+              </a:ext>
+            </a:extLst>
+          </p:cNvPr>
+          <p:cNvSpPr>
+            <a:spLocks noGrp="1"/>
+          </p:cNvSpPr>
+          <p:nvPr>
+            <p:ph type="dt" sz="half" idx="10"/>
+          </p:nvPr>
+        </p:nvSpPr>
+        <p:spPr/>
+        <p:txBody>
+          <a:bodyPr/>
+          <a:lstStyle/>
+          <a:p>
+            <a:fld id="{9FE7A9D4-2312-4C80-955C-3A7FA2F8832A}" type="datetimeFigureOut">
+              <a:rPr lang="ko-KR" altLang="en-US" smtClean="0"/>
+              <a:t>2022-11-28</a:t>
+            </a:fld>
+            <a:endParaRPr lang="ko-KR" altLang="en-US"/>
+          </a:p>
+        </p:txBody>
+      </p:sp>
+      <p:sp>
+        <p:nvSpPr>
+          <p:cNvPr id="4" name="바닥글 개체 틀 3">
+            <a:extLst>
+              <a:ext uri="{FF2B5EF4-FFF2-40B4-BE49-F238E27FC236}">
+                <a16:creationId xmlns:a16="http://schemas.microsoft.com/office/drawing/2014/main" id="{28E207B8-FB3D-49E3-8ED2-E499A63D171A}"/>
+              </a:ext>
+            </a:extLst>
+          </p:cNvPr>
+          <p:cNvSpPr>
+            <a:spLocks noGrp="1"/>
+          </p:cNvSpPr>
+          <p:nvPr>
+            <p:ph type="ftr" sz="quarter" idx="11"/>
+          </p:nvPr>
+        </p:nvSpPr>
+        <p:spPr/>
+        <p:txBody>
+          <a:bodyPr/>
+          <a:lstStyle/>
+          <a:p>
+            <a:endParaRPr lang="ko-KR" altLang="en-US"/>
+          </a:p>
+        </p:txBody>
+      </p:sp>
+      <p:sp>
+        <p:nvSpPr>
+          <p:cNvPr id="5" name="슬라이드 번호 개체 틀 4">
+            <a:extLst>
+              <a:ext uri="{FF2B5EF4-FFF2-40B4-BE49-F238E27FC236}">
+                <a16:creationId xmlns:a16="http://schemas.microsoft.com/office/drawing/2014/main" id="{4F155E8C-A92C-4F29-8A88-562EE761FAC3}"/>
+              </a:ext>
+            </a:extLst>
+          </p:cNvPr>
+          <p:cNvSpPr>
+            <a:spLocks noGrp="1"/>
+          </p:cNvSpPr>
+          <p:nvPr>
+            <p:ph type="sldNum" sz="quarter" idx="12"/>
+          </p:nvPr>
+        </p:nvSpPr>
+        <p:spPr/>
+        <p:txBody>
+          <a:bodyPr/>
+          <a:lstStyle/>
+          <a:p>
+            <a:fld id="{5595EC94-8EAF-486A-983B-99B1085AE833}" type="slidenum">
+              <a:rPr lang="ko-KR" altLang="en-US" smtClean="0"/>
+              <a:t>‹#›</a:t>
+            </a:fld>
+            <a:endParaRPr lang="ko-KR" altLang="en-US"/>
+          </a:p>
+        </p:txBody>
+      </p:sp>
+    </p:spTree>
+    <p:extLst>
+      <p:ext uri="{BB962C8B-B14F-4D97-AF65-F5344CB8AC3E}">
+        <p14:creationId xmlns:p14="http://schemas.microsoft.com/office/powerpoint/2010/main" val="682893984"/>
+      </p:ext>
+    </p:extLst>
+  </p:cSld>
+  <p:clrMapOvr>
+    <a:masterClrMapping/>
+  </p:clrMapOvr>
+  <mc:AlternateContent xmlns:mc="http://schemas.openxmlformats.org/markup-compatibility/2006" xmlns:p14="http://schemas.microsoft.com/office/powerpoint/2010/main">
+    <mc:Choice Requires="p14">
+      <p:transition spd="med" p14:dur="700">
+        <p:fade/>
+      </p:transition>
+    </mc:Choice>
+    <mc:Fallback xmlns="">
+      <p:transition spd="med">
+        <p:fade/>
+      </p:transition>
+    </mc:Fallback>
+  </mc:AlternateContent>
+</p:sldLayout>
+</file>
+
+<file path=ppt/slideLayouts/slideLayout19.xml><?xml version="1.0" encoding="utf-8"?>
+<p:sldLayout xmlns:a="http://schemas.openxmlformats.org/drawingml/2006/main" xmlns:r="http://schemas.openxmlformats.org/officeDocument/2006/relationships" xmlns:p="http://schemas.openxmlformats.org/presentationml/2006/main" type="blank" preserve="1">
+  <p:cSld name="빈 화면">
+    <p:spTree>
+      <p:nvGrpSpPr>
+        <p:cNvPr id="1" name=""/>
+        <p:cNvGrpSpPr/>
+        <p:nvPr/>
+      </p:nvGrpSpPr>
+      <p:grpSpPr>
+        <a:xfrm>
+          <a:off x="0" y="0"/>
+          <a:ext cx="0" cy="0"/>
+          <a:chOff x="0" y="0"/>
+          <a:chExt cx="0" cy="0"/>
+        </a:xfrm>
+      </p:grpSpPr>
+      <p:sp>
+        <p:nvSpPr>
+          <p:cNvPr id="5" name="TextBox 4">
+            <a:extLst>
+              <a:ext uri="{FF2B5EF4-FFF2-40B4-BE49-F238E27FC236}">
+                <a16:creationId xmlns:a16="http://schemas.microsoft.com/office/drawing/2014/main" id="{D52CA809-A196-4FCA-93A2-324CC693BFD6}"/>
+              </a:ext>
+            </a:extLst>
+          </p:cNvPr>
+          <p:cNvSpPr txBox="1"/>
+          <p:nvPr userDrawn="1"/>
+        </p:nvSpPr>
+        <p:spPr>
+          <a:xfrm>
+            <a:off x="9990758" y="6575907"/>
+            <a:ext cx="2198039" cy="230832"/>
+          </a:xfrm>
+          <a:prstGeom prst="rect">
+            <a:avLst/>
+          </a:prstGeom>
+          <a:noFill/>
+        </p:spPr>
+        <p:txBody>
+          <a:bodyPr wrap="none" rtlCol="0">
+            <a:spAutoFit/>
+          </a:bodyPr>
+          <a:lstStyle/>
+          <a:p>
+            <a:pPr algn="r"/>
+            <a:r>
+              <a:rPr lang="en-US" altLang="ko-KR" sz="900" dirty="0">
+                <a:solidFill>
+                  <a:schemeClr val="tx1"/>
+                </a:solidFill>
+                <a:latin typeface="Arial" panose="020B0604020202020204" pitchFamily="34" charset="0"/>
+                <a:cs typeface="Arial" panose="020B0604020202020204" pitchFamily="34" charset="0"/>
+              </a:rPr>
+              <a:t>ⓒSaebyeol Yu.</a:t>
+            </a:r>
+            <a:r>
+              <a:rPr lang="ko-KR" altLang="en-US" sz="900" dirty="0">
+                <a:solidFill>
+                  <a:schemeClr val="tx1"/>
+                </a:solidFill>
+                <a:latin typeface="Arial" panose="020B0604020202020204" pitchFamily="34" charset="0"/>
+                <a:cs typeface="Arial" panose="020B0604020202020204" pitchFamily="34" charset="0"/>
+              </a:rPr>
+              <a:t> </a:t>
+            </a:r>
+            <a:r>
+              <a:rPr lang="en-US" altLang="ko-KR" sz="900" dirty="0" err="1">
+                <a:solidFill>
+                  <a:schemeClr val="tx1"/>
+                </a:solidFill>
+                <a:latin typeface="Arial" panose="020B0604020202020204" pitchFamily="34" charset="0"/>
+                <a:cs typeface="Arial" panose="020B0604020202020204" pitchFamily="34" charset="0"/>
+              </a:rPr>
+              <a:t>Saebyeol’s</a:t>
+            </a:r>
+            <a:r>
+              <a:rPr lang="ko-KR" altLang="en-US" sz="900" dirty="0">
+                <a:solidFill>
+                  <a:schemeClr val="tx1"/>
+                </a:solidFill>
+                <a:latin typeface="Arial" panose="020B0604020202020204" pitchFamily="34" charset="0"/>
+                <a:cs typeface="Arial" panose="020B0604020202020204" pitchFamily="34" charset="0"/>
+              </a:rPr>
+              <a:t> </a:t>
+            </a:r>
+            <a:r>
+              <a:rPr lang="en-US" altLang="ko-KR" sz="900" dirty="0">
+                <a:solidFill>
+                  <a:schemeClr val="tx1"/>
+                </a:solidFill>
+                <a:latin typeface="Arial" panose="020B0604020202020204" pitchFamily="34" charset="0"/>
+                <a:cs typeface="Arial" panose="020B0604020202020204" pitchFamily="34" charset="0"/>
+              </a:rPr>
+              <a:t>PowerPoint</a:t>
+            </a:r>
+            <a:endParaRPr lang="ko-KR" altLang="en-US" sz="900" dirty="0">
+              <a:solidFill>
+                <a:schemeClr val="tx1"/>
+              </a:solidFill>
+              <a:latin typeface="Arial" panose="020B0604020202020204" pitchFamily="34" charset="0"/>
+              <a:cs typeface="Arial" panose="020B0604020202020204" pitchFamily="34" charset="0"/>
+            </a:endParaRPr>
+          </a:p>
+        </p:txBody>
+      </p:sp>
+      <p:sp>
+        <p:nvSpPr>
+          <p:cNvPr id="2" name="날짜 개체 틀 1">
+            <a:extLst>
+              <a:ext uri="{FF2B5EF4-FFF2-40B4-BE49-F238E27FC236}">
+                <a16:creationId xmlns:a16="http://schemas.microsoft.com/office/drawing/2014/main" id="{037B4CB0-4A60-4814-AC63-C1247AED0A71}"/>
+              </a:ext>
+            </a:extLst>
+          </p:cNvPr>
+          <p:cNvSpPr>
+            <a:spLocks noGrp="1"/>
+          </p:cNvSpPr>
+          <p:nvPr>
+            <p:ph type="dt" sz="half" idx="10"/>
+          </p:nvPr>
+        </p:nvSpPr>
+        <p:spPr/>
+        <p:txBody>
+          <a:bodyPr/>
+          <a:lstStyle/>
+          <a:p>
+            <a:fld id="{9FE7A9D4-2312-4C80-955C-3A7FA2F8832A}" type="datetimeFigureOut">
+              <a:rPr lang="ko-KR" altLang="en-US" smtClean="0"/>
+              <a:t>2022-11-28</a:t>
+            </a:fld>
+            <a:endParaRPr lang="ko-KR" altLang="en-US"/>
+          </a:p>
+        </p:txBody>
+      </p:sp>
+      <p:sp>
+        <p:nvSpPr>
+          <p:cNvPr id="3" name="바닥글 개체 틀 2">
+            <a:extLst>
+              <a:ext uri="{FF2B5EF4-FFF2-40B4-BE49-F238E27FC236}">
+                <a16:creationId xmlns:a16="http://schemas.microsoft.com/office/drawing/2014/main" id="{9B44A438-B8E1-4575-B473-2A0781833274}"/>
+              </a:ext>
+            </a:extLst>
+          </p:cNvPr>
+          <p:cNvSpPr>
+            <a:spLocks noGrp="1"/>
+          </p:cNvSpPr>
+          <p:nvPr>
+            <p:ph type="ftr" sz="quarter" idx="11"/>
+          </p:nvPr>
+        </p:nvSpPr>
+        <p:spPr/>
+        <p:txBody>
+          <a:bodyPr/>
+          <a:lstStyle/>
+          <a:p>
+            <a:endParaRPr lang="ko-KR" altLang="en-US"/>
+          </a:p>
+        </p:txBody>
+      </p:sp>
+      <p:sp>
+        <p:nvSpPr>
+          <p:cNvPr id="4" name="슬라이드 번호 개체 틀 3">
+            <a:extLst>
+              <a:ext uri="{FF2B5EF4-FFF2-40B4-BE49-F238E27FC236}">
+                <a16:creationId xmlns:a16="http://schemas.microsoft.com/office/drawing/2014/main" id="{334692F2-49E5-485C-9831-B4ACBBB23110}"/>
+              </a:ext>
+            </a:extLst>
+          </p:cNvPr>
+          <p:cNvSpPr>
+            <a:spLocks noGrp="1"/>
+          </p:cNvSpPr>
+          <p:nvPr>
+            <p:ph type="sldNum" sz="quarter" idx="12"/>
+          </p:nvPr>
+        </p:nvSpPr>
+        <p:spPr/>
+        <p:txBody>
+          <a:bodyPr/>
+          <a:lstStyle/>
+          <a:p>
+            <a:fld id="{5595EC94-8EAF-486A-983B-99B1085AE833}" type="slidenum">
+              <a:rPr lang="ko-KR" altLang="en-US" smtClean="0"/>
+              <a:t>‹#›</a:t>
+            </a:fld>
+            <a:endParaRPr lang="ko-KR" altLang="en-US"/>
+          </a:p>
+        </p:txBody>
+      </p:sp>
+    </p:spTree>
+    <p:extLst>
+      <p:ext uri="{BB962C8B-B14F-4D97-AF65-F5344CB8AC3E}">
+        <p14:creationId xmlns:p14="http://schemas.microsoft.com/office/powerpoint/2010/main" val="3667679277"/>
+      </p:ext>
+    </p:extLst>
+  </p:cSld>
+  <p:clrMapOvr>
+    <a:masterClrMapping/>
+  </p:clrMapOvr>
+  <mc:AlternateContent xmlns:mc="http://schemas.openxmlformats.org/markup-compatibility/2006" xmlns:p14="http://schemas.microsoft.com/office/powerpoint/2010/main">
+    <mc:Choice Requires="p14">
+      <p:transition spd="med" p14:dur="700">
+        <p:fade/>
+      </p:transition>
+    </mc:Choice>
+    <mc:Fallback xmlns="">
+      <p:transition spd="med">
+        <p:fade/>
+      </p:transition>
+    </mc:Fallback>
+  </mc:AlternateContent>
+</p:sldLayout>
+</file>
+
 <file path=ppt/slideLayouts/slideLayout2.xml><?xml version="1.0" encoding="utf-8"?>
 <p:sldLayout xmlns:a="http://schemas.openxmlformats.org/drawingml/2006/main" xmlns:r="http://schemas.openxmlformats.org/officeDocument/2006/relationships" xmlns:p="http://schemas.openxmlformats.org/presentationml/2006/main" type="obj" preserve="1">
   <p:cSld name="제목 및 내용">
@@ -6899,6 +8711,1273 @@
     <p:extLst>
       <p:ext uri="{BB962C8B-B14F-4D97-AF65-F5344CB8AC3E}">
         <p14:creationId xmlns:p14="http://schemas.microsoft.com/office/powerpoint/2010/main" val="350846040"/>
+      </p:ext>
+    </p:extLst>
+  </p:cSld>
+  <p:clrMapOvr>
+    <a:masterClrMapping/>
+  </p:clrMapOvr>
+  <mc:AlternateContent xmlns:mc="http://schemas.openxmlformats.org/markup-compatibility/2006" xmlns:p14="http://schemas.microsoft.com/office/powerpoint/2010/main">
+    <mc:Choice Requires="p14">
+      <p:transition spd="med" p14:dur="700">
+        <p:fade/>
+      </p:transition>
+    </mc:Choice>
+    <mc:Fallback xmlns="">
+      <p:transition spd="med">
+        <p:fade/>
+      </p:transition>
+    </mc:Fallback>
+  </mc:AlternateContent>
+</p:sldLayout>
+</file>
+
+<file path=ppt/slideLayouts/slideLayout20.xml><?xml version="1.0" encoding="utf-8"?>
+<p:sldLayout xmlns:a="http://schemas.openxmlformats.org/drawingml/2006/main" xmlns:r="http://schemas.openxmlformats.org/officeDocument/2006/relationships" xmlns:p="http://schemas.openxmlformats.org/presentationml/2006/main" type="blank" preserve="1">
+  <p:cSld name="1_빈 화면">
+    <p:spTree>
+      <p:nvGrpSpPr>
+        <p:cNvPr id="1" name=""/>
+        <p:cNvGrpSpPr/>
+        <p:nvPr/>
+      </p:nvGrpSpPr>
+      <p:grpSpPr>
+        <a:xfrm>
+          <a:off x="0" y="0"/>
+          <a:ext cx="0" cy="0"/>
+          <a:chOff x="0" y="0"/>
+          <a:chExt cx="0" cy="0"/>
+        </a:xfrm>
+      </p:grpSpPr>
+      <p:sp>
+        <p:nvSpPr>
+          <p:cNvPr id="5" name="TextBox 4">
+            <a:extLst>
+              <a:ext uri="{FF2B5EF4-FFF2-40B4-BE49-F238E27FC236}">
+                <a16:creationId xmlns:a16="http://schemas.microsoft.com/office/drawing/2014/main" id="{D52CA809-A196-4FCA-93A2-324CC693BFD6}"/>
+              </a:ext>
+            </a:extLst>
+          </p:cNvPr>
+          <p:cNvSpPr txBox="1"/>
+          <p:nvPr userDrawn="1"/>
+        </p:nvSpPr>
+        <p:spPr>
+          <a:xfrm>
+            <a:off x="9990758" y="6575907"/>
+            <a:ext cx="2198039" cy="230832"/>
+          </a:xfrm>
+          <a:prstGeom prst="rect">
+            <a:avLst/>
+          </a:prstGeom>
+          <a:noFill/>
+        </p:spPr>
+        <p:txBody>
+          <a:bodyPr wrap="none" rtlCol="0">
+            <a:spAutoFit/>
+          </a:bodyPr>
+          <a:lstStyle/>
+          <a:p>
+            <a:pPr algn="r"/>
+            <a:r>
+              <a:rPr lang="en-US" altLang="ko-KR" sz="900" dirty="0">
+                <a:solidFill>
+                  <a:schemeClr val="bg1"/>
+                </a:solidFill>
+                <a:latin typeface="Arial" panose="020B0604020202020204" pitchFamily="34" charset="0"/>
+                <a:cs typeface="Arial" panose="020B0604020202020204" pitchFamily="34" charset="0"/>
+              </a:rPr>
+              <a:t>ⓒSaebyeol Yu.</a:t>
+            </a:r>
+            <a:r>
+              <a:rPr lang="ko-KR" altLang="en-US" sz="900" dirty="0">
+                <a:solidFill>
+                  <a:schemeClr val="bg1"/>
+                </a:solidFill>
+                <a:latin typeface="Arial" panose="020B0604020202020204" pitchFamily="34" charset="0"/>
+                <a:cs typeface="Arial" panose="020B0604020202020204" pitchFamily="34" charset="0"/>
+              </a:rPr>
+              <a:t> </a:t>
+            </a:r>
+            <a:r>
+              <a:rPr lang="en-US" altLang="ko-KR" sz="900" dirty="0" err="1">
+                <a:solidFill>
+                  <a:schemeClr val="bg1"/>
+                </a:solidFill>
+                <a:latin typeface="Arial" panose="020B0604020202020204" pitchFamily="34" charset="0"/>
+                <a:cs typeface="Arial" panose="020B0604020202020204" pitchFamily="34" charset="0"/>
+              </a:rPr>
+              <a:t>Saebyeol’s</a:t>
+            </a:r>
+            <a:r>
+              <a:rPr lang="ko-KR" altLang="en-US" sz="900" dirty="0">
+                <a:solidFill>
+                  <a:schemeClr val="bg1"/>
+                </a:solidFill>
+                <a:latin typeface="Arial" panose="020B0604020202020204" pitchFamily="34" charset="0"/>
+                <a:cs typeface="Arial" panose="020B0604020202020204" pitchFamily="34" charset="0"/>
+              </a:rPr>
+              <a:t> </a:t>
+            </a:r>
+            <a:r>
+              <a:rPr lang="en-US" altLang="ko-KR" sz="900" dirty="0">
+                <a:solidFill>
+                  <a:schemeClr val="bg1"/>
+                </a:solidFill>
+                <a:latin typeface="Arial" panose="020B0604020202020204" pitchFamily="34" charset="0"/>
+                <a:cs typeface="Arial" panose="020B0604020202020204" pitchFamily="34" charset="0"/>
+              </a:rPr>
+              <a:t>PowerPoint</a:t>
+            </a:r>
+            <a:endParaRPr lang="ko-KR" altLang="en-US" sz="900" dirty="0">
+              <a:solidFill>
+                <a:schemeClr val="bg1"/>
+              </a:solidFill>
+              <a:latin typeface="Arial" panose="020B0604020202020204" pitchFamily="34" charset="0"/>
+              <a:cs typeface="Arial" panose="020B0604020202020204" pitchFamily="34" charset="0"/>
+            </a:endParaRPr>
+          </a:p>
+        </p:txBody>
+      </p:sp>
+      <p:sp>
+        <p:nvSpPr>
+          <p:cNvPr id="2" name="날짜 개체 틀 1">
+            <a:extLst>
+              <a:ext uri="{FF2B5EF4-FFF2-40B4-BE49-F238E27FC236}">
+                <a16:creationId xmlns:a16="http://schemas.microsoft.com/office/drawing/2014/main" id="{037B4CB0-4A60-4814-AC63-C1247AED0A71}"/>
+              </a:ext>
+            </a:extLst>
+          </p:cNvPr>
+          <p:cNvSpPr>
+            <a:spLocks noGrp="1"/>
+          </p:cNvSpPr>
+          <p:nvPr>
+            <p:ph type="dt" sz="half" idx="10"/>
+          </p:nvPr>
+        </p:nvSpPr>
+        <p:spPr/>
+        <p:txBody>
+          <a:bodyPr/>
+          <a:lstStyle/>
+          <a:p>
+            <a:fld id="{9FE7A9D4-2312-4C80-955C-3A7FA2F8832A}" type="datetimeFigureOut">
+              <a:rPr lang="ko-KR" altLang="en-US" smtClean="0"/>
+              <a:t>2022-11-28</a:t>
+            </a:fld>
+            <a:endParaRPr lang="ko-KR" altLang="en-US"/>
+          </a:p>
+        </p:txBody>
+      </p:sp>
+      <p:sp>
+        <p:nvSpPr>
+          <p:cNvPr id="3" name="바닥글 개체 틀 2">
+            <a:extLst>
+              <a:ext uri="{FF2B5EF4-FFF2-40B4-BE49-F238E27FC236}">
+                <a16:creationId xmlns:a16="http://schemas.microsoft.com/office/drawing/2014/main" id="{9B44A438-B8E1-4575-B473-2A0781833274}"/>
+              </a:ext>
+            </a:extLst>
+          </p:cNvPr>
+          <p:cNvSpPr>
+            <a:spLocks noGrp="1"/>
+          </p:cNvSpPr>
+          <p:nvPr>
+            <p:ph type="ftr" sz="quarter" idx="11"/>
+          </p:nvPr>
+        </p:nvSpPr>
+        <p:spPr/>
+        <p:txBody>
+          <a:bodyPr/>
+          <a:lstStyle/>
+          <a:p>
+            <a:endParaRPr lang="ko-KR" altLang="en-US"/>
+          </a:p>
+        </p:txBody>
+      </p:sp>
+      <p:sp>
+        <p:nvSpPr>
+          <p:cNvPr id="4" name="슬라이드 번호 개체 틀 3">
+            <a:extLst>
+              <a:ext uri="{FF2B5EF4-FFF2-40B4-BE49-F238E27FC236}">
+                <a16:creationId xmlns:a16="http://schemas.microsoft.com/office/drawing/2014/main" id="{334692F2-49E5-485C-9831-B4ACBBB23110}"/>
+              </a:ext>
+            </a:extLst>
+          </p:cNvPr>
+          <p:cNvSpPr>
+            <a:spLocks noGrp="1"/>
+          </p:cNvSpPr>
+          <p:nvPr>
+            <p:ph type="sldNum" sz="quarter" idx="12"/>
+          </p:nvPr>
+        </p:nvSpPr>
+        <p:spPr/>
+        <p:txBody>
+          <a:bodyPr/>
+          <a:lstStyle/>
+          <a:p>
+            <a:fld id="{5595EC94-8EAF-486A-983B-99B1085AE833}" type="slidenum">
+              <a:rPr lang="ko-KR" altLang="en-US" smtClean="0"/>
+              <a:t>‹#›</a:t>
+            </a:fld>
+            <a:endParaRPr lang="ko-KR" altLang="en-US"/>
+          </a:p>
+        </p:txBody>
+      </p:sp>
+    </p:spTree>
+    <p:extLst>
+      <p:ext uri="{BB962C8B-B14F-4D97-AF65-F5344CB8AC3E}">
+        <p14:creationId xmlns:p14="http://schemas.microsoft.com/office/powerpoint/2010/main" val="992170102"/>
+      </p:ext>
+    </p:extLst>
+  </p:cSld>
+  <p:clrMapOvr>
+    <a:masterClrMapping/>
+  </p:clrMapOvr>
+  <mc:AlternateContent xmlns:mc="http://schemas.openxmlformats.org/markup-compatibility/2006" xmlns:p14="http://schemas.microsoft.com/office/powerpoint/2010/main">
+    <mc:Choice Requires="p14">
+      <p:transition spd="med" p14:dur="700">
+        <p:fade/>
+      </p:transition>
+    </mc:Choice>
+    <mc:Fallback xmlns="">
+      <p:transition spd="med">
+        <p:fade/>
+      </p:transition>
+    </mc:Fallback>
+  </mc:AlternateContent>
+</p:sldLayout>
+</file>
+
+<file path=ppt/slideLayouts/slideLayout21.xml><?xml version="1.0" encoding="utf-8"?>
+<p:sldLayout xmlns:a="http://schemas.openxmlformats.org/drawingml/2006/main" xmlns:r="http://schemas.openxmlformats.org/officeDocument/2006/relationships" xmlns:p="http://schemas.openxmlformats.org/presentationml/2006/main" type="objTx" preserve="1">
+  <p:cSld name="캡션 있는 콘텐츠">
+    <p:spTree>
+      <p:nvGrpSpPr>
+        <p:cNvPr id="1" name=""/>
+        <p:cNvGrpSpPr/>
+        <p:nvPr/>
+      </p:nvGrpSpPr>
+      <p:grpSpPr>
+        <a:xfrm>
+          <a:off x="0" y="0"/>
+          <a:ext cx="0" cy="0"/>
+          <a:chOff x="0" y="0"/>
+          <a:chExt cx="0" cy="0"/>
+        </a:xfrm>
+      </p:grpSpPr>
+      <p:sp>
+        <p:nvSpPr>
+          <p:cNvPr id="2" name="제목 1">
+            <a:extLst>
+              <a:ext uri="{FF2B5EF4-FFF2-40B4-BE49-F238E27FC236}">
+                <a16:creationId xmlns:a16="http://schemas.microsoft.com/office/drawing/2014/main" id="{428764F0-5601-4A14-A10F-2AABF340F7B5}"/>
+              </a:ext>
+            </a:extLst>
+          </p:cNvPr>
+          <p:cNvSpPr>
+            <a:spLocks noGrp="1"/>
+          </p:cNvSpPr>
+          <p:nvPr>
+            <p:ph type="title"/>
+          </p:nvPr>
+        </p:nvSpPr>
+        <p:spPr>
+          <a:xfrm>
+            <a:off x="839788" y="457200"/>
+            <a:ext cx="3932237" cy="1600200"/>
+          </a:xfrm>
+        </p:spPr>
+        <p:txBody>
+          <a:bodyPr anchor="b"/>
+          <a:lstStyle>
+            <a:lvl1pPr>
+              <a:defRPr sz="3200"/>
+            </a:lvl1pPr>
+          </a:lstStyle>
+          <a:p>
+            <a:r>
+              <a:rPr lang="ko-KR" altLang="en-US"/>
+              <a:t>마스터 제목 스타일 편집</a:t>
+            </a:r>
+          </a:p>
+        </p:txBody>
+      </p:sp>
+      <p:sp>
+        <p:nvSpPr>
+          <p:cNvPr id="3" name="내용 개체 틀 2">
+            <a:extLst>
+              <a:ext uri="{FF2B5EF4-FFF2-40B4-BE49-F238E27FC236}">
+                <a16:creationId xmlns:a16="http://schemas.microsoft.com/office/drawing/2014/main" id="{A4C9E9D1-8F1D-4F21-A822-6C7960A962DC}"/>
+              </a:ext>
+            </a:extLst>
+          </p:cNvPr>
+          <p:cNvSpPr>
+            <a:spLocks noGrp="1"/>
+          </p:cNvSpPr>
+          <p:nvPr>
+            <p:ph idx="1"/>
+          </p:nvPr>
+        </p:nvSpPr>
+        <p:spPr>
+          <a:xfrm>
+            <a:off x="5183188" y="987425"/>
+            <a:ext cx="6172200" cy="4873625"/>
+          </a:xfrm>
+        </p:spPr>
+        <p:txBody>
+          <a:bodyPr/>
+          <a:lstStyle>
+            <a:lvl1pPr>
+              <a:defRPr sz="3200"/>
+            </a:lvl1pPr>
+            <a:lvl2pPr>
+              <a:defRPr sz="2800"/>
+            </a:lvl2pPr>
+            <a:lvl3pPr>
+              <a:defRPr sz="2400"/>
+            </a:lvl3pPr>
+            <a:lvl4pPr>
+              <a:defRPr sz="2000"/>
+            </a:lvl4pPr>
+            <a:lvl5pPr>
+              <a:defRPr sz="2000"/>
+            </a:lvl5pPr>
+            <a:lvl6pPr>
+              <a:defRPr sz="2000"/>
+            </a:lvl6pPr>
+            <a:lvl7pPr>
+              <a:defRPr sz="2000"/>
+            </a:lvl7pPr>
+            <a:lvl8pPr>
+              <a:defRPr sz="2000"/>
+            </a:lvl8pPr>
+            <a:lvl9pPr>
+              <a:defRPr sz="2000"/>
+            </a:lvl9pPr>
+          </a:lstStyle>
+          <a:p>
+            <a:pPr lvl="0"/>
+            <a:r>
+              <a:rPr lang="ko-KR" altLang="en-US"/>
+              <a:t>마스터 텍스트 스타일을 편집하려면 클릭</a:t>
+            </a:r>
+          </a:p>
+          <a:p>
+            <a:pPr lvl="1"/>
+            <a:r>
+              <a:rPr lang="ko-KR" altLang="en-US"/>
+              <a:t>두 번째 수준</a:t>
+            </a:r>
+          </a:p>
+          <a:p>
+            <a:pPr lvl="2"/>
+            <a:r>
+              <a:rPr lang="ko-KR" altLang="en-US"/>
+              <a:t>세 번째 수준</a:t>
+            </a:r>
+          </a:p>
+          <a:p>
+            <a:pPr lvl="3"/>
+            <a:r>
+              <a:rPr lang="ko-KR" altLang="en-US"/>
+              <a:t>네 번째 수준</a:t>
+            </a:r>
+          </a:p>
+          <a:p>
+            <a:pPr lvl="4"/>
+            <a:r>
+              <a:rPr lang="ko-KR" altLang="en-US"/>
+              <a:t>다섯 번째 수준</a:t>
+            </a:r>
+          </a:p>
+        </p:txBody>
+      </p:sp>
+      <p:sp>
+        <p:nvSpPr>
+          <p:cNvPr id="4" name="텍스트 개체 틀 3">
+            <a:extLst>
+              <a:ext uri="{FF2B5EF4-FFF2-40B4-BE49-F238E27FC236}">
+                <a16:creationId xmlns:a16="http://schemas.microsoft.com/office/drawing/2014/main" id="{789A7961-D3A0-4BA3-B7D1-830E64EFA197}"/>
+              </a:ext>
+            </a:extLst>
+          </p:cNvPr>
+          <p:cNvSpPr>
+            <a:spLocks noGrp="1"/>
+          </p:cNvSpPr>
+          <p:nvPr>
+            <p:ph type="body" sz="half" idx="2"/>
+          </p:nvPr>
+        </p:nvSpPr>
+        <p:spPr>
+          <a:xfrm>
+            <a:off x="839788" y="2057400"/>
+            <a:ext cx="3932237" cy="3811588"/>
+          </a:xfrm>
+        </p:spPr>
+        <p:txBody>
+          <a:bodyPr/>
+          <a:lstStyle>
+            <a:lvl1pPr marL="0" indent="0">
+              <a:buNone/>
+              <a:defRPr sz="1600"/>
+            </a:lvl1pPr>
+            <a:lvl2pPr marL="457200" indent="0">
+              <a:buNone/>
+              <a:defRPr sz="1400"/>
+            </a:lvl2pPr>
+            <a:lvl3pPr marL="914400" indent="0">
+              <a:buNone/>
+              <a:defRPr sz="1200"/>
+            </a:lvl3pPr>
+            <a:lvl4pPr marL="1371600" indent="0">
+              <a:buNone/>
+              <a:defRPr sz="1000"/>
+            </a:lvl4pPr>
+            <a:lvl5pPr marL="1828800" indent="0">
+              <a:buNone/>
+              <a:defRPr sz="1000"/>
+            </a:lvl5pPr>
+            <a:lvl6pPr marL="2286000" indent="0">
+              <a:buNone/>
+              <a:defRPr sz="1000"/>
+            </a:lvl6pPr>
+            <a:lvl7pPr marL="2743200" indent="0">
+              <a:buNone/>
+              <a:defRPr sz="1000"/>
+            </a:lvl7pPr>
+            <a:lvl8pPr marL="3200400" indent="0">
+              <a:buNone/>
+              <a:defRPr sz="1000"/>
+            </a:lvl8pPr>
+            <a:lvl9pPr marL="3657600" indent="0">
+              <a:buNone/>
+              <a:defRPr sz="1000"/>
+            </a:lvl9pPr>
+          </a:lstStyle>
+          <a:p>
+            <a:pPr lvl="0"/>
+            <a:r>
+              <a:rPr lang="ko-KR" altLang="en-US"/>
+              <a:t>마스터 텍스트 스타일을 편집하려면 클릭</a:t>
+            </a:r>
+          </a:p>
+        </p:txBody>
+      </p:sp>
+      <p:sp>
+        <p:nvSpPr>
+          <p:cNvPr id="5" name="날짜 개체 틀 4">
+            <a:extLst>
+              <a:ext uri="{FF2B5EF4-FFF2-40B4-BE49-F238E27FC236}">
+                <a16:creationId xmlns:a16="http://schemas.microsoft.com/office/drawing/2014/main" id="{5B3B9528-22B9-4F6F-91C9-6F720DCC193A}"/>
+              </a:ext>
+            </a:extLst>
+          </p:cNvPr>
+          <p:cNvSpPr>
+            <a:spLocks noGrp="1"/>
+          </p:cNvSpPr>
+          <p:nvPr>
+            <p:ph type="dt" sz="half" idx="10"/>
+          </p:nvPr>
+        </p:nvSpPr>
+        <p:spPr/>
+        <p:txBody>
+          <a:bodyPr/>
+          <a:lstStyle/>
+          <a:p>
+            <a:fld id="{9FE7A9D4-2312-4C80-955C-3A7FA2F8832A}" type="datetimeFigureOut">
+              <a:rPr lang="ko-KR" altLang="en-US" smtClean="0"/>
+              <a:t>2022-11-28</a:t>
+            </a:fld>
+            <a:endParaRPr lang="ko-KR" altLang="en-US"/>
+          </a:p>
+        </p:txBody>
+      </p:sp>
+      <p:sp>
+        <p:nvSpPr>
+          <p:cNvPr id="6" name="바닥글 개체 틀 5">
+            <a:extLst>
+              <a:ext uri="{FF2B5EF4-FFF2-40B4-BE49-F238E27FC236}">
+                <a16:creationId xmlns:a16="http://schemas.microsoft.com/office/drawing/2014/main" id="{A1EBC077-8A76-446B-8054-77AD1824E025}"/>
+              </a:ext>
+            </a:extLst>
+          </p:cNvPr>
+          <p:cNvSpPr>
+            <a:spLocks noGrp="1"/>
+          </p:cNvSpPr>
+          <p:nvPr>
+            <p:ph type="ftr" sz="quarter" idx="11"/>
+          </p:nvPr>
+        </p:nvSpPr>
+        <p:spPr/>
+        <p:txBody>
+          <a:bodyPr/>
+          <a:lstStyle/>
+          <a:p>
+            <a:endParaRPr lang="ko-KR" altLang="en-US"/>
+          </a:p>
+        </p:txBody>
+      </p:sp>
+      <p:sp>
+        <p:nvSpPr>
+          <p:cNvPr id="7" name="슬라이드 번호 개체 틀 6">
+            <a:extLst>
+              <a:ext uri="{FF2B5EF4-FFF2-40B4-BE49-F238E27FC236}">
+                <a16:creationId xmlns:a16="http://schemas.microsoft.com/office/drawing/2014/main" id="{9225B9B4-BE00-4DC7-A442-DC65D4257ACA}"/>
+              </a:ext>
+            </a:extLst>
+          </p:cNvPr>
+          <p:cNvSpPr>
+            <a:spLocks noGrp="1"/>
+          </p:cNvSpPr>
+          <p:nvPr>
+            <p:ph type="sldNum" sz="quarter" idx="12"/>
+          </p:nvPr>
+        </p:nvSpPr>
+        <p:spPr/>
+        <p:txBody>
+          <a:bodyPr/>
+          <a:lstStyle/>
+          <a:p>
+            <a:fld id="{5595EC94-8EAF-486A-983B-99B1085AE833}" type="slidenum">
+              <a:rPr lang="ko-KR" altLang="en-US" smtClean="0"/>
+              <a:t>‹#›</a:t>
+            </a:fld>
+            <a:endParaRPr lang="ko-KR" altLang="en-US"/>
+          </a:p>
+        </p:txBody>
+      </p:sp>
+    </p:spTree>
+    <p:extLst>
+      <p:ext uri="{BB962C8B-B14F-4D97-AF65-F5344CB8AC3E}">
+        <p14:creationId xmlns:p14="http://schemas.microsoft.com/office/powerpoint/2010/main" val="3160919540"/>
+      </p:ext>
+    </p:extLst>
+  </p:cSld>
+  <p:clrMapOvr>
+    <a:masterClrMapping/>
+  </p:clrMapOvr>
+  <mc:AlternateContent xmlns:mc="http://schemas.openxmlformats.org/markup-compatibility/2006" xmlns:p14="http://schemas.microsoft.com/office/powerpoint/2010/main">
+    <mc:Choice Requires="p14">
+      <p:transition spd="med" p14:dur="700">
+        <p:fade/>
+      </p:transition>
+    </mc:Choice>
+    <mc:Fallback xmlns="">
+      <p:transition spd="med">
+        <p:fade/>
+      </p:transition>
+    </mc:Fallback>
+  </mc:AlternateContent>
+</p:sldLayout>
+</file>
+
+<file path=ppt/slideLayouts/slideLayout22.xml><?xml version="1.0" encoding="utf-8"?>
+<p:sldLayout xmlns:a="http://schemas.openxmlformats.org/drawingml/2006/main" xmlns:r="http://schemas.openxmlformats.org/officeDocument/2006/relationships" xmlns:p="http://schemas.openxmlformats.org/presentationml/2006/main" type="picTx" preserve="1">
+  <p:cSld name="캡션 있는 그림">
+    <p:spTree>
+      <p:nvGrpSpPr>
+        <p:cNvPr id="1" name=""/>
+        <p:cNvGrpSpPr/>
+        <p:nvPr/>
+      </p:nvGrpSpPr>
+      <p:grpSpPr>
+        <a:xfrm>
+          <a:off x="0" y="0"/>
+          <a:ext cx="0" cy="0"/>
+          <a:chOff x="0" y="0"/>
+          <a:chExt cx="0" cy="0"/>
+        </a:xfrm>
+      </p:grpSpPr>
+      <p:sp>
+        <p:nvSpPr>
+          <p:cNvPr id="2" name="제목 1">
+            <a:extLst>
+              <a:ext uri="{FF2B5EF4-FFF2-40B4-BE49-F238E27FC236}">
+                <a16:creationId xmlns:a16="http://schemas.microsoft.com/office/drawing/2014/main" id="{C14538A9-CADF-4633-A090-47B42B856C8D}"/>
+              </a:ext>
+            </a:extLst>
+          </p:cNvPr>
+          <p:cNvSpPr>
+            <a:spLocks noGrp="1"/>
+          </p:cNvSpPr>
+          <p:nvPr>
+            <p:ph type="title"/>
+          </p:nvPr>
+        </p:nvSpPr>
+        <p:spPr>
+          <a:xfrm>
+            <a:off x="839788" y="457200"/>
+            <a:ext cx="3932237" cy="1600200"/>
+          </a:xfrm>
+        </p:spPr>
+        <p:txBody>
+          <a:bodyPr anchor="b"/>
+          <a:lstStyle>
+            <a:lvl1pPr>
+              <a:defRPr sz="3200"/>
+            </a:lvl1pPr>
+          </a:lstStyle>
+          <a:p>
+            <a:r>
+              <a:rPr lang="ko-KR" altLang="en-US"/>
+              <a:t>마스터 제목 스타일 편집</a:t>
+            </a:r>
+          </a:p>
+        </p:txBody>
+      </p:sp>
+      <p:sp>
+        <p:nvSpPr>
+          <p:cNvPr id="3" name="그림 개체 틀 2">
+            <a:extLst>
+              <a:ext uri="{FF2B5EF4-FFF2-40B4-BE49-F238E27FC236}">
+                <a16:creationId xmlns:a16="http://schemas.microsoft.com/office/drawing/2014/main" id="{79BC4E6F-A0DE-4AE3-90F2-1C03418ACCDE}"/>
+              </a:ext>
+            </a:extLst>
+          </p:cNvPr>
+          <p:cNvSpPr>
+            <a:spLocks noGrp="1"/>
+          </p:cNvSpPr>
+          <p:nvPr>
+            <p:ph type="pic" idx="1"/>
+          </p:nvPr>
+        </p:nvSpPr>
+        <p:spPr>
+          <a:xfrm>
+            <a:off x="5183188" y="987425"/>
+            <a:ext cx="6172200" cy="4873625"/>
+          </a:xfrm>
+        </p:spPr>
+        <p:txBody>
+          <a:bodyPr/>
+          <a:lstStyle>
+            <a:lvl1pPr marL="0" indent="0">
+              <a:buNone/>
+              <a:defRPr sz="3200"/>
+            </a:lvl1pPr>
+            <a:lvl2pPr marL="457200" indent="0">
+              <a:buNone/>
+              <a:defRPr sz="2800"/>
+            </a:lvl2pPr>
+            <a:lvl3pPr marL="914400" indent="0">
+              <a:buNone/>
+              <a:defRPr sz="2400"/>
+            </a:lvl3pPr>
+            <a:lvl4pPr marL="1371600" indent="0">
+              <a:buNone/>
+              <a:defRPr sz="2000"/>
+            </a:lvl4pPr>
+            <a:lvl5pPr marL="1828800" indent="0">
+              <a:buNone/>
+              <a:defRPr sz="2000"/>
+            </a:lvl5pPr>
+            <a:lvl6pPr marL="2286000" indent="0">
+              <a:buNone/>
+              <a:defRPr sz="2000"/>
+            </a:lvl6pPr>
+            <a:lvl7pPr marL="2743200" indent="0">
+              <a:buNone/>
+              <a:defRPr sz="2000"/>
+            </a:lvl7pPr>
+            <a:lvl8pPr marL="3200400" indent="0">
+              <a:buNone/>
+              <a:defRPr sz="2000"/>
+            </a:lvl8pPr>
+            <a:lvl9pPr marL="3657600" indent="0">
+              <a:buNone/>
+              <a:defRPr sz="2000"/>
+            </a:lvl9pPr>
+          </a:lstStyle>
+          <a:p>
+            <a:endParaRPr lang="ko-KR" altLang="en-US"/>
+          </a:p>
+        </p:txBody>
+      </p:sp>
+      <p:sp>
+        <p:nvSpPr>
+          <p:cNvPr id="4" name="텍스트 개체 틀 3">
+            <a:extLst>
+              <a:ext uri="{FF2B5EF4-FFF2-40B4-BE49-F238E27FC236}">
+                <a16:creationId xmlns:a16="http://schemas.microsoft.com/office/drawing/2014/main" id="{2704145D-ADF1-4464-BC28-593BAE74605A}"/>
+              </a:ext>
+            </a:extLst>
+          </p:cNvPr>
+          <p:cNvSpPr>
+            <a:spLocks noGrp="1"/>
+          </p:cNvSpPr>
+          <p:nvPr>
+            <p:ph type="body" sz="half" idx="2"/>
+          </p:nvPr>
+        </p:nvSpPr>
+        <p:spPr>
+          <a:xfrm>
+            <a:off x="839788" y="2057400"/>
+            <a:ext cx="3932237" cy="3811588"/>
+          </a:xfrm>
+        </p:spPr>
+        <p:txBody>
+          <a:bodyPr/>
+          <a:lstStyle>
+            <a:lvl1pPr marL="0" indent="0">
+              <a:buNone/>
+              <a:defRPr sz="1600"/>
+            </a:lvl1pPr>
+            <a:lvl2pPr marL="457200" indent="0">
+              <a:buNone/>
+              <a:defRPr sz="1400"/>
+            </a:lvl2pPr>
+            <a:lvl3pPr marL="914400" indent="0">
+              <a:buNone/>
+              <a:defRPr sz="1200"/>
+            </a:lvl3pPr>
+            <a:lvl4pPr marL="1371600" indent="0">
+              <a:buNone/>
+              <a:defRPr sz="1000"/>
+            </a:lvl4pPr>
+            <a:lvl5pPr marL="1828800" indent="0">
+              <a:buNone/>
+              <a:defRPr sz="1000"/>
+            </a:lvl5pPr>
+            <a:lvl6pPr marL="2286000" indent="0">
+              <a:buNone/>
+              <a:defRPr sz="1000"/>
+            </a:lvl6pPr>
+            <a:lvl7pPr marL="2743200" indent="0">
+              <a:buNone/>
+              <a:defRPr sz="1000"/>
+            </a:lvl7pPr>
+            <a:lvl8pPr marL="3200400" indent="0">
+              <a:buNone/>
+              <a:defRPr sz="1000"/>
+            </a:lvl8pPr>
+            <a:lvl9pPr marL="3657600" indent="0">
+              <a:buNone/>
+              <a:defRPr sz="1000"/>
+            </a:lvl9pPr>
+          </a:lstStyle>
+          <a:p>
+            <a:pPr lvl="0"/>
+            <a:r>
+              <a:rPr lang="ko-KR" altLang="en-US"/>
+              <a:t>마스터 텍스트 스타일을 편집하려면 클릭</a:t>
+            </a:r>
+          </a:p>
+        </p:txBody>
+      </p:sp>
+      <p:sp>
+        <p:nvSpPr>
+          <p:cNvPr id="5" name="날짜 개체 틀 4">
+            <a:extLst>
+              <a:ext uri="{FF2B5EF4-FFF2-40B4-BE49-F238E27FC236}">
+                <a16:creationId xmlns:a16="http://schemas.microsoft.com/office/drawing/2014/main" id="{1DFD674B-36F7-4FB8-8FD7-4A82F0782A8D}"/>
+              </a:ext>
+            </a:extLst>
+          </p:cNvPr>
+          <p:cNvSpPr>
+            <a:spLocks noGrp="1"/>
+          </p:cNvSpPr>
+          <p:nvPr>
+            <p:ph type="dt" sz="half" idx="10"/>
+          </p:nvPr>
+        </p:nvSpPr>
+        <p:spPr/>
+        <p:txBody>
+          <a:bodyPr/>
+          <a:lstStyle/>
+          <a:p>
+            <a:fld id="{9FE7A9D4-2312-4C80-955C-3A7FA2F8832A}" type="datetimeFigureOut">
+              <a:rPr lang="ko-KR" altLang="en-US" smtClean="0"/>
+              <a:t>2022-11-28</a:t>
+            </a:fld>
+            <a:endParaRPr lang="ko-KR" altLang="en-US"/>
+          </a:p>
+        </p:txBody>
+      </p:sp>
+      <p:sp>
+        <p:nvSpPr>
+          <p:cNvPr id="6" name="바닥글 개체 틀 5">
+            <a:extLst>
+              <a:ext uri="{FF2B5EF4-FFF2-40B4-BE49-F238E27FC236}">
+                <a16:creationId xmlns:a16="http://schemas.microsoft.com/office/drawing/2014/main" id="{736B7B17-18E4-4B63-A6C1-BC60814AAFCE}"/>
+              </a:ext>
+            </a:extLst>
+          </p:cNvPr>
+          <p:cNvSpPr>
+            <a:spLocks noGrp="1"/>
+          </p:cNvSpPr>
+          <p:nvPr>
+            <p:ph type="ftr" sz="quarter" idx="11"/>
+          </p:nvPr>
+        </p:nvSpPr>
+        <p:spPr/>
+        <p:txBody>
+          <a:bodyPr/>
+          <a:lstStyle/>
+          <a:p>
+            <a:endParaRPr lang="ko-KR" altLang="en-US"/>
+          </a:p>
+        </p:txBody>
+      </p:sp>
+      <p:sp>
+        <p:nvSpPr>
+          <p:cNvPr id="7" name="슬라이드 번호 개체 틀 6">
+            <a:extLst>
+              <a:ext uri="{FF2B5EF4-FFF2-40B4-BE49-F238E27FC236}">
+                <a16:creationId xmlns:a16="http://schemas.microsoft.com/office/drawing/2014/main" id="{6671BA4A-3D6F-4036-B650-4BE22EBF2BAF}"/>
+              </a:ext>
+            </a:extLst>
+          </p:cNvPr>
+          <p:cNvSpPr>
+            <a:spLocks noGrp="1"/>
+          </p:cNvSpPr>
+          <p:nvPr>
+            <p:ph type="sldNum" sz="quarter" idx="12"/>
+          </p:nvPr>
+        </p:nvSpPr>
+        <p:spPr/>
+        <p:txBody>
+          <a:bodyPr/>
+          <a:lstStyle/>
+          <a:p>
+            <a:fld id="{5595EC94-8EAF-486A-983B-99B1085AE833}" type="slidenum">
+              <a:rPr lang="ko-KR" altLang="en-US" smtClean="0"/>
+              <a:t>‹#›</a:t>
+            </a:fld>
+            <a:endParaRPr lang="ko-KR" altLang="en-US"/>
+          </a:p>
+        </p:txBody>
+      </p:sp>
+    </p:spTree>
+    <p:extLst>
+      <p:ext uri="{BB962C8B-B14F-4D97-AF65-F5344CB8AC3E}">
+        <p14:creationId xmlns:p14="http://schemas.microsoft.com/office/powerpoint/2010/main" val="95498730"/>
+      </p:ext>
+    </p:extLst>
+  </p:cSld>
+  <p:clrMapOvr>
+    <a:masterClrMapping/>
+  </p:clrMapOvr>
+  <mc:AlternateContent xmlns:mc="http://schemas.openxmlformats.org/markup-compatibility/2006" xmlns:p14="http://schemas.microsoft.com/office/powerpoint/2010/main">
+    <mc:Choice Requires="p14">
+      <p:transition spd="med" p14:dur="700">
+        <p:fade/>
+      </p:transition>
+    </mc:Choice>
+    <mc:Fallback xmlns="">
+      <p:transition spd="med">
+        <p:fade/>
+      </p:transition>
+    </mc:Fallback>
+  </mc:AlternateContent>
+</p:sldLayout>
+</file>
+
+<file path=ppt/slideLayouts/slideLayout23.xml><?xml version="1.0" encoding="utf-8"?>
+<p:sldLayout xmlns:a="http://schemas.openxmlformats.org/drawingml/2006/main" xmlns:r="http://schemas.openxmlformats.org/officeDocument/2006/relationships" xmlns:p="http://schemas.openxmlformats.org/presentationml/2006/main" type="vertTx" preserve="1">
+  <p:cSld name="제목 및 세로 텍스트">
+    <p:spTree>
+      <p:nvGrpSpPr>
+        <p:cNvPr id="1" name=""/>
+        <p:cNvGrpSpPr/>
+        <p:nvPr/>
+      </p:nvGrpSpPr>
+      <p:grpSpPr>
+        <a:xfrm>
+          <a:off x="0" y="0"/>
+          <a:ext cx="0" cy="0"/>
+          <a:chOff x="0" y="0"/>
+          <a:chExt cx="0" cy="0"/>
+        </a:xfrm>
+      </p:grpSpPr>
+      <p:sp>
+        <p:nvSpPr>
+          <p:cNvPr id="2" name="제목 1">
+            <a:extLst>
+              <a:ext uri="{FF2B5EF4-FFF2-40B4-BE49-F238E27FC236}">
+                <a16:creationId xmlns:a16="http://schemas.microsoft.com/office/drawing/2014/main" id="{377B3392-1D66-4FC7-9B67-9373E3302658}"/>
+              </a:ext>
+            </a:extLst>
+          </p:cNvPr>
+          <p:cNvSpPr>
+            <a:spLocks noGrp="1"/>
+          </p:cNvSpPr>
+          <p:nvPr>
+            <p:ph type="title"/>
+          </p:nvPr>
+        </p:nvSpPr>
+        <p:spPr/>
+        <p:txBody>
+          <a:bodyPr/>
+          <a:lstStyle/>
+          <a:p>
+            <a:r>
+              <a:rPr lang="ko-KR" altLang="en-US"/>
+              <a:t>마스터 제목 스타일 편집</a:t>
+            </a:r>
+          </a:p>
+        </p:txBody>
+      </p:sp>
+      <p:sp>
+        <p:nvSpPr>
+          <p:cNvPr id="3" name="세로 텍스트 개체 틀 2">
+            <a:extLst>
+              <a:ext uri="{FF2B5EF4-FFF2-40B4-BE49-F238E27FC236}">
+                <a16:creationId xmlns:a16="http://schemas.microsoft.com/office/drawing/2014/main" id="{E23E0133-FB9E-4A82-B101-5823D201B8B6}"/>
+              </a:ext>
+            </a:extLst>
+          </p:cNvPr>
+          <p:cNvSpPr>
+            <a:spLocks noGrp="1"/>
+          </p:cNvSpPr>
+          <p:nvPr>
+            <p:ph type="body" orient="vert" idx="1"/>
+          </p:nvPr>
+        </p:nvSpPr>
+        <p:spPr/>
+        <p:txBody>
+          <a:bodyPr vert="eaVert"/>
+          <a:lstStyle/>
+          <a:p>
+            <a:pPr lvl="0"/>
+            <a:r>
+              <a:rPr lang="ko-KR" altLang="en-US"/>
+              <a:t>마스터 텍스트 스타일을 편집하려면 클릭</a:t>
+            </a:r>
+          </a:p>
+          <a:p>
+            <a:pPr lvl="1"/>
+            <a:r>
+              <a:rPr lang="ko-KR" altLang="en-US"/>
+              <a:t>두 번째 수준</a:t>
+            </a:r>
+          </a:p>
+          <a:p>
+            <a:pPr lvl="2"/>
+            <a:r>
+              <a:rPr lang="ko-KR" altLang="en-US"/>
+              <a:t>세 번째 수준</a:t>
+            </a:r>
+          </a:p>
+          <a:p>
+            <a:pPr lvl="3"/>
+            <a:r>
+              <a:rPr lang="ko-KR" altLang="en-US"/>
+              <a:t>네 번째 수준</a:t>
+            </a:r>
+          </a:p>
+          <a:p>
+            <a:pPr lvl="4"/>
+            <a:r>
+              <a:rPr lang="ko-KR" altLang="en-US"/>
+              <a:t>다섯 번째 수준</a:t>
+            </a:r>
+          </a:p>
+        </p:txBody>
+      </p:sp>
+      <p:sp>
+        <p:nvSpPr>
+          <p:cNvPr id="4" name="날짜 개체 틀 3">
+            <a:extLst>
+              <a:ext uri="{FF2B5EF4-FFF2-40B4-BE49-F238E27FC236}">
+                <a16:creationId xmlns:a16="http://schemas.microsoft.com/office/drawing/2014/main" id="{E496BE29-E9E7-4C46-9EA7-89CB1D54856D}"/>
+              </a:ext>
+            </a:extLst>
+          </p:cNvPr>
+          <p:cNvSpPr>
+            <a:spLocks noGrp="1"/>
+          </p:cNvSpPr>
+          <p:nvPr>
+            <p:ph type="dt" sz="half" idx="10"/>
+          </p:nvPr>
+        </p:nvSpPr>
+        <p:spPr/>
+        <p:txBody>
+          <a:bodyPr/>
+          <a:lstStyle/>
+          <a:p>
+            <a:fld id="{9FE7A9D4-2312-4C80-955C-3A7FA2F8832A}" type="datetimeFigureOut">
+              <a:rPr lang="ko-KR" altLang="en-US" smtClean="0"/>
+              <a:t>2022-11-28</a:t>
+            </a:fld>
+            <a:endParaRPr lang="ko-KR" altLang="en-US"/>
+          </a:p>
+        </p:txBody>
+      </p:sp>
+      <p:sp>
+        <p:nvSpPr>
+          <p:cNvPr id="5" name="바닥글 개체 틀 4">
+            <a:extLst>
+              <a:ext uri="{FF2B5EF4-FFF2-40B4-BE49-F238E27FC236}">
+                <a16:creationId xmlns:a16="http://schemas.microsoft.com/office/drawing/2014/main" id="{BB7CF291-3561-4887-8CBA-2D73801AEDD1}"/>
+              </a:ext>
+            </a:extLst>
+          </p:cNvPr>
+          <p:cNvSpPr>
+            <a:spLocks noGrp="1"/>
+          </p:cNvSpPr>
+          <p:nvPr>
+            <p:ph type="ftr" sz="quarter" idx="11"/>
+          </p:nvPr>
+        </p:nvSpPr>
+        <p:spPr/>
+        <p:txBody>
+          <a:bodyPr/>
+          <a:lstStyle/>
+          <a:p>
+            <a:endParaRPr lang="ko-KR" altLang="en-US"/>
+          </a:p>
+        </p:txBody>
+      </p:sp>
+      <p:sp>
+        <p:nvSpPr>
+          <p:cNvPr id="6" name="슬라이드 번호 개체 틀 5">
+            <a:extLst>
+              <a:ext uri="{FF2B5EF4-FFF2-40B4-BE49-F238E27FC236}">
+                <a16:creationId xmlns:a16="http://schemas.microsoft.com/office/drawing/2014/main" id="{DBA223DB-3883-49FB-AC9D-6E713866EE81}"/>
+              </a:ext>
+            </a:extLst>
+          </p:cNvPr>
+          <p:cNvSpPr>
+            <a:spLocks noGrp="1"/>
+          </p:cNvSpPr>
+          <p:nvPr>
+            <p:ph type="sldNum" sz="quarter" idx="12"/>
+          </p:nvPr>
+        </p:nvSpPr>
+        <p:spPr/>
+        <p:txBody>
+          <a:bodyPr/>
+          <a:lstStyle/>
+          <a:p>
+            <a:fld id="{5595EC94-8EAF-486A-983B-99B1085AE833}" type="slidenum">
+              <a:rPr lang="ko-KR" altLang="en-US" smtClean="0"/>
+              <a:t>‹#›</a:t>
+            </a:fld>
+            <a:endParaRPr lang="ko-KR" altLang="en-US"/>
+          </a:p>
+        </p:txBody>
+      </p:sp>
+    </p:spTree>
+    <p:extLst>
+      <p:ext uri="{BB962C8B-B14F-4D97-AF65-F5344CB8AC3E}">
+        <p14:creationId xmlns:p14="http://schemas.microsoft.com/office/powerpoint/2010/main" val="383013023"/>
+      </p:ext>
+    </p:extLst>
+  </p:cSld>
+  <p:clrMapOvr>
+    <a:masterClrMapping/>
+  </p:clrMapOvr>
+  <mc:AlternateContent xmlns:mc="http://schemas.openxmlformats.org/markup-compatibility/2006" xmlns:p14="http://schemas.microsoft.com/office/powerpoint/2010/main">
+    <mc:Choice Requires="p14">
+      <p:transition spd="med" p14:dur="700">
+        <p:fade/>
+      </p:transition>
+    </mc:Choice>
+    <mc:Fallback xmlns="">
+      <p:transition spd="med">
+        <p:fade/>
+      </p:transition>
+    </mc:Fallback>
+  </mc:AlternateContent>
+</p:sldLayout>
+</file>
+
+<file path=ppt/slideLayouts/slideLayout24.xml><?xml version="1.0" encoding="utf-8"?>
+<p:sldLayout xmlns:a="http://schemas.openxmlformats.org/drawingml/2006/main" xmlns:r="http://schemas.openxmlformats.org/officeDocument/2006/relationships" xmlns:p="http://schemas.openxmlformats.org/presentationml/2006/main" type="vertTitleAndTx" preserve="1">
+  <p:cSld name="세로 제목 및 텍스트">
+    <p:spTree>
+      <p:nvGrpSpPr>
+        <p:cNvPr id="1" name=""/>
+        <p:cNvGrpSpPr/>
+        <p:nvPr/>
+      </p:nvGrpSpPr>
+      <p:grpSpPr>
+        <a:xfrm>
+          <a:off x="0" y="0"/>
+          <a:ext cx="0" cy="0"/>
+          <a:chOff x="0" y="0"/>
+          <a:chExt cx="0" cy="0"/>
+        </a:xfrm>
+      </p:grpSpPr>
+      <p:sp>
+        <p:nvSpPr>
+          <p:cNvPr id="2" name="세로 제목 1">
+            <a:extLst>
+              <a:ext uri="{FF2B5EF4-FFF2-40B4-BE49-F238E27FC236}">
+                <a16:creationId xmlns:a16="http://schemas.microsoft.com/office/drawing/2014/main" id="{E9D0D848-B156-4FC0-9045-C4FA3355A8FE}"/>
+              </a:ext>
+            </a:extLst>
+          </p:cNvPr>
+          <p:cNvSpPr>
+            <a:spLocks noGrp="1"/>
+          </p:cNvSpPr>
+          <p:nvPr>
+            <p:ph type="title" orient="vert"/>
+          </p:nvPr>
+        </p:nvSpPr>
+        <p:spPr>
+          <a:xfrm>
+            <a:off x="8724900" y="365125"/>
+            <a:ext cx="2628900" cy="5811838"/>
+          </a:xfrm>
+        </p:spPr>
+        <p:txBody>
+          <a:bodyPr vert="eaVert"/>
+          <a:lstStyle/>
+          <a:p>
+            <a:r>
+              <a:rPr lang="ko-KR" altLang="en-US"/>
+              <a:t>마스터 제목 스타일 편집</a:t>
+            </a:r>
+          </a:p>
+        </p:txBody>
+      </p:sp>
+      <p:sp>
+        <p:nvSpPr>
+          <p:cNvPr id="3" name="세로 텍스트 개체 틀 2">
+            <a:extLst>
+              <a:ext uri="{FF2B5EF4-FFF2-40B4-BE49-F238E27FC236}">
+                <a16:creationId xmlns:a16="http://schemas.microsoft.com/office/drawing/2014/main" id="{6ABE1A0F-E622-4956-B3AE-75C0FFAC3595}"/>
+              </a:ext>
+            </a:extLst>
+          </p:cNvPr>
+          <p:cNvSpPr>
+            <a:spLocks noGrp="1"/>
+          </p:cNvSpPr>
+          <p:nvPr>
+            <p:ph type="body" orient="vert" idx="1"/>
+          </p:nvPr>
+        </p:nvSpPr>
+        <p:spPr>
+          <a:xfrm>
+            <a:off x="838200" y="365125"/>
+            <a:ext cx="7734300" cy="5811838"/>
+          </a:xfrm>
+        </p:spPr>
+        <p:txBody>
+          <a:bodyPr vert="eaVert"/>
+          <a:lstStyle/>
+          <a:p>
+            <a:pPr lvl="0"/>
+            <a:r>
+              <a:rPr lang="ko-KR" altLang="en-US"/>
+              <a:t>마스터 텍스트 스타일을 편집하려면 클릭</a:t>
+            </a:r>
+          </a:p>
+          <a:p>
+            <a:pPr lvl="1"/>
+            <a:r>
+              <a:rPr lang="ko-KR" altLang="en-US"/>
+              <a:t>두 번째 수준</a:t>
+            </a:r>
+          </a:p>
+          <a:p>
+            <a:pPr lvl="2"/>
+            <a:r>
+              <a:rPr lang="ko-KR" altLang="en-US"/>
+              <a:t>세 번째 수준</a:t>
+            </a:r>
+          </a:p>
+          <a:p>
+            <a:pPr lvl="3"/>
+            <a:r>
+              <a:rPr lang="ko-KR" altLang="en-US"/>
+              <a:t>네 번째 수준</a:t>
+            </a:r>
+          </a:p>
+          <a:p>
+            <a:pPr lvl="4"/>
+            <a:r>
+              <a:rPr lang="ko-KR" altLang="en-US"/>
+              <a:t>다섯 번째 수준</a:t>
+            </a:r>
+          </a:p>
+        </p:txBody>
+      </p:sp>
+      <p:sp>
+        <p:nvSpPr>
+          <p:cNvPr id="4" name="날짜 개체 틀 3">
+            <a:extLst>
+              <a:ext uri="{FF2B5EF4-FFF2-40B4-BE49-F238E27FC236}">
+                <a16:creationId xmlns:a16="http://schemas.microsoft.com/office/drawing/2014/main" id="{B983557E-01F2-4719-81E9-5B6B18E38C1C}"/>
+              </a:ext>
+            </a:extLst>
+          </p:cNvPr>
+          <p:cNvSpPr>
+            <a:spLocks noGrp="1"/>
+          </p:cNvSpPr>
+          <p:nvPr>
+            <p:ph type="dt" sz="half" idx="10"/>
+          </p:nvPr>
+        </p:nvSpPr>
+        <p:spPr/>
+        <p:txBody>
+          <a:bodyPr/>
+          <a:lstStyle/>
+          <a:p>
+            <a:fld id="{9FE7A9D4-2312-4C80-955C-3A7FA2F8832A}" type="datetimeFigureOut">
+              <a:rPr lang="ko-KR" altLang="en-US" smtClean="0"/>
+              <a:t>2022-11-28</a:t>
+            </a:fld>
+            <a:endParaRPr lang="ko-KR" altLang="en-US"/>
+          </a:p>
+        </p:txBody>
+      </p:sp>
+      <p:sp>
+        <p:nvSpPr>
+          <p:cNvPr id="5" name="바닥글 개체 틀 4">
+            <a:extLst>
+              <a:ext uri="{FF2B5EF4-FFF2-40B4-BE49-F238E27FC236}">
+                <a16:creationId xmlns:a16="http://schemas.microsoft.com/office/drawing/2014/main" id="{91B3DD90-F3E1-4BF3-9279-442F300C954F}"/>
+              </a:ext>
+            </a:extLst>
+          </p:cNvPr>
+          <p:cNvSpPr>
+            <a:spLocks noGrp="1"/>
+          </p:cNvSpPr>
+          <p:nvPr>
+            <p:ph type="ftr" sz="quarter" idx="11"/>
+          </p:nvPr>
+        </p:nvSpPr>
+        <p:spPr/>
+        <p:txBody>
+          <a:bodyPr/>
+          <a:lstStyle/>
+          <a:p>
+            <a:endParaRPr lang="ko-KR" altLang="en-US"/>
+          </a:p>
+        </p:txBody>
+      </p:sp>
+      <p:sp>
+        <p:nvSpPr>
+          <p:cNvPr id="6" name="슬라이드 번호 개체 틀 5">
+            <a:extLst>
+              <a:ext uri="{FF2B5EF4-FFF2-40B4-BE49-F238E27FC236}">
+                <a16:creationId xmlns:a16="http://schemas.microsoft.com/office/drawing/2014/main" id="{4E703D7F-961F-467A-AB56-CD0F56F5A5E6}"/>
+              </a:ext>
+            </a:extLst>
+          </p:cNvPr>
+          <p:cNvSpPr>
+            <a:spLocks noGrp="1"/>
+          </p:cNvSpPr>
+          <p:nvPr>
+            <p:ph type="sldNum" sz="quarter" idx="12"/>
+          </p:nvPr>
+        </p:nvSpPr>
+        <p:spPr/>
+        <p:txBody>
+          <a:bodyPr/>
+          <a:lstStyle/>
+          <a:p>
+            <a:fld id="{5595EC94-8EAF-486A-983B-99B1085AE833}" type="slidenum">
+              <a:rPr lang="ko-KR" altLang="en-US" smtClean="0"/>
+              <a:t>‹#›</a:t>
+            </a:fld>
+            <a:endParaRPr lang="ko-KR" altLang="en-US"/>
+          </a:p>
+        </p:txBody>
+      </p:sp>
+    </p:spTree>
+    <p:extLst>
+      <p:ext uri="{BB962C8B-B14F-4D97-AF65-F5344CB8AC3E}">
+        <p14:creationId xmlns:p14="http://schemas.microsoft.com/office/powerpoint/2010/main" val="219991962"/>
       </p:ext>
     </p:extLst>
   </p:cSld>
@@ -9111,6 +12190,587 @@
     </mc:Fallback>
   </mc:AlternateContent>
   <p:hf hdr="0" ftr="0" dt="0"/>
+  <p:txStyles>
+    <p:titleStyle>
+      <a:lvl1pPr algn="l" defTabSz="914400" rtl="0" eaLnBrk="1" latinLnBrk="1" hangingPunct="1">
+        <a:lnSpc>
+          <a:spcPct val="90000"/>
+        </a:lnSpc>
+        <a:spcBef>
+          <a:spcPct val="0"/>
+        </a:spcBef>
+        <a:buNone/>
+        <a:defRPr sz="4400" kern="1200">
+          <a:solidFill>
+            <a:schemeClr val="tx1"/>
+          </a:solidFill>
+          <a:latin typeface="+mj-lt"/>
+          <a:ea typeface="+mj-ea"/>
+          <a:cs typeface="+mj-cs"/>
+        </a:defRPr>
+      </a:lvl1pPr>
+    </p:titleStyle>
+    <p:bodyStyle>
+      <a:lvl1pPr marL="228600" indent="-228600" algn="l" defTabSz="914400" rtl="0" eaLnBrk="1" latinLnBrk="1" hangingPunct="1">
+        <a:lnSpc>
+          <a:spcPct val="90000"/>
+        </a:lnSpc>
+        <a:spcBef>
+          <a:spcPts val="1000"/>
+        </a:spcBef>
+        <a:buFont typeface="Arial" panose="020B0604020202020204" pitchFamily="34" charset="0"/>
+        <a:buChar char="•"/>
+        <a:defRPr sz="2800" kern="1200">
+          <a:solidFill>
+            <a:schemeClr val="tx1"/>
+          </a:solidFill>
+          <a:latin typeface="+mn-lt"/>
+          <a:ea typeface="+mn-ea"/>
+          <a:cs typeface="+mn-cs"/>
+        </a:defRPr>
+      </a:lvl1pPr>
+      <a:lvl2pPr marL="685800" indent="-228600" algn="l" defTabSz="914400" rtl="0" eaLnBrk="1" latinLnBrk="1" hangingPunct="1">
+        <a:lnSpc>
+          <a:spcPct val="90000"/>
+        </a:lnSpc>
+        <a:spcBef>
+          <a:spcPts val="500"/>
+        </a:spcBef>
+        <a:buFont typeface="Arial" panose="020B0604020202020204" pitchFamily="34" charset="0"/>
+        <a:buChar char="•"/>
+        <a:defRPr sz="2400" kern="1200">
+          <a:solidFill>
+            <a:schemeClr val="tx1"/>
+          </a:solidFill>
+          <a:latin typeface="+mn-lt"/>
+          <a:ea typeface="+mn-ea"/>
+          <a:cs typeface="+mn-cs"/>
+        </a:defRPr>
+      </a:lvl2pPr>
+      <a:lvl3pPr marL="1143000" indent="-228600" algn="l" defTabSz="914400" rtl="0" eaLnBrk="1" latinLnBrk="1" hangingPunct="1">
+        <a:lnSpc>
+          <a:spcPct val="90000"/>
+        </a:lnSpc>
+        <a:spcBef>
+          <a:spcPts val="500"/>
+        </a:spcBef>
+        <a:buFont typeface="Arial" panose="020B0604020202020204" pitchFamily="34" charset="0"/>
+        <a:buChar char="•"/>
+        <a:defRPr sz="2000" kern="1200">
+          <a:solidFill>
+            <a:schemeClr val="tx1"/>
+          </a:solidFill>
+          <a:latin typeface="+mn-lt"/>
+          <a:ea typeface="+mn-ea"/>
+          <a:cs typeface="+mn-cs"/>
+        </a:defRPr>
+      </a:lvl3pPr>
+      <a:lvl4pPr marL="1600200" indent="-228600" algn="l" defTabSz="914400" rtl="0" eaLnBrk="1" latinLnBrk="1" hangingPunct="1">
+        <a:lnSpc>
+          <a:spcPct val="90000"/>
+        </a:lnSpc>
+        <a:spcBef>
+          <a:spcPts val="500"/>
+        </a:spcBef>
+        <a:buFont typeface="Arial" panose="020B0604020202020204" pitchFamily="34" charset="0"/>
+        <a:buChar char="•"/>
+        <a:defRPr sz="1800" kern="1200">
+          <a:solidFill>
+            <a:schemeClr val="tx1"/>
+          </a:solidFill>
+          <a:latin typeface="+mn-lt"/>
+          <a:ea typeface="+mn-ea"/>
+          <a:cs typeface="+mn-cs"/>
+        </a:defRPr>
+      </a:lvl4pPr>
+      <a:lvl5pPr marL="2057400" indent="-228600" algn="l" defTabSz="914400" rtl="0" eaLnBrk="1" latinLnBrk="1" hangingPunct="1">
+        <a:lnSpc>
+          <a:spcPct val="90000"/>
+        </a:lnSpc>
+        <a:spcBef>
+          <a:spcPts val="500"/>
+        </a:spcBef>
+        <a:buFont typeface="Arial" panose="020B0604020202020204" pitchFamily="34" charset="0"/>
+        <a:buChar char="•"/>
+        <a:defRPr sz="1800" kern="1200">
+          <a:solidFill>
+            <a:schemeClr val="tx1"/>
+          </a:solidFill>
+          <a:latin typeface="+mn-lt"/>
+          <a:ea typeface="+mn-ea"/>
+          <a:cs typeface="+mn-cs"/>
+        </a:defRPr>
+      </a:lvl5pPr>
+      <a:lvl6pPr marL="2514600" indent="-228600" algn="l" defTabSz="914400" rtl="0" eaLnBrk="1" latinLnBrk="1" hangingPunct="1">
+        <a:lnSpc>
+          <a:spcPct val="90000"/>
+        </a:lnSpc>
+        <a:spcBef>
+          <a:spcPts val="500"/>
+        </a:spcBef>
+        <a:buFont typeface="Arial" panose="020B0604020202020204" pitchFamily="34" charset="0"/>
+        <a:buChar char="•"/>
+        <a:defRPr sz="1800" kern="1200">
+          <a:solidFill>
+            <a:schemeClr val="tx1"/>
+          </a:solidFill>
+          <a:latin typeface="+mn-lt"/>
+          <a:ea typeface="+mn-ea"/>
+          <a:cs typeface="+mn-cs"/>
+        </a:defRPr>
+      </a:lvl6pPr>
+      <a:lvl7pPr marL="2971800" indent="-228600" algn="l" defTabSz="914400" rtl="0" eaLnBrk="1" latinLnBrk="1" hangingPunct="1">
+        <a:lnSpc>
+          <a:spcPct val="90000"/>
+        </a:lnSpc>
+        <a:spcBef>
+          <a:spcPts val="500"/>
+        </a:spcBef>
+        <a:buFont typeface="Arial" panose="020B0604020202020204" pitchFamily="34" charset="0"/>
+        <a:buChar char="•"/>
+        <a:defRPr sz="1800" kern="1200">
+          <a:solidFill>
+            <a:schemeClr val="tx1"/>
+          </a:solidFill>
+          <a:latin typeface="+mn-lt"/>
+          <a:ea typeface="+mn-ea"/>
+          <a:cs typeface="+mn-cs"/>
+        </a:defRPr>
+      </a:lvl7pPr>
+      <a:lvl8pPr marL="3429000" indent="-228600" algn="l" defTabSz="914400" rtl="0" eaLnBrk="1" latinLnBrk="1" hangingPunct="1">
+        <a:lnSpc>
+          <a:spcPct val="90000"/>
+        </a:lnSpc>
+        <a:spcBef>
+          <a:spcPts val="500"/>
+        </a:spcBef>
+        <a:buFont typeface="Arial" panose="020B0604020202020204" pitchFamily="34" charset="0"/>
+        <a:buChar char="•"/>
+        <a:defRPr sz="1800" kern="1200">
+          <a:solidFill>
+            <a:schemeClr val="tx1"/>
+          </a:solidFill>
+          <a:latin typeface="+mn-lt"/>
+          <a:ea typeface="+mn-ea"/>
+          <a:cs typeface="+mn-cs"/>
+        </a:defRPr>
+      </a:lvl8pPr>
+      <a:lvl9pPr marL="3886200" indent="-228600" algn="l" defTabSz="914400" rtl="0" eaLnBrk="1" latinLnBrk="1" hangingPunct="1">
+        <a:lnSpc>
+          <a:spcPct val="90000"/>
+        </a:lnSpc>
+        <a:spcBef>
+          <a:spcPts val="500"/>
+        </a:spcBef>
+        <a:buFont typeface="Arial" panose="020B0604020202020204" pitchFamily="34" charset="0"/>
+        <a:buChar char="•"/>
+        <a:defRPr sz="1800" kern="1200">
+          <a:solidFill>
+            <a:schemeClr val="tx1"/>
+          </a:solidFill>
+          <a:latin typeface="+mn-lt"/>
+          <a:ea typeface="+mn-ea"/>
+          <a:cs typeface="+mn-cs"/>
+        </a:defRPr>
+      </a:lvl9pPr>
+    </p:bodyStyle>
+    <p:otherStyle>
+      <a:defPPr>
+        <a:defRPr lang="ko-KR"/>
+      </a:defPPr>
+      <a:lvl1pPr marL="0" algn="l" defTabSz="914400" rtl="0" eaLnBrk="1" latinLnBrk="1" hangingPunct="1">
+        <a:defRPr sz="1800" kern="1200">
+          <a:solidFill>
+            <a:schemeClr val="tx1"/>
+          </a:solidFill>
+          <a:latin typeface="+mn-lt"/>
+          <a:ea typeface="+mn-ea"/>
+          <a:cs typeface="+mn-cs"/>
+        </a:defRPr>
+      </a:lvl1pPr>
+      <a:lvl2pPr marL="457200" algn="l" defTabSz="914400" rtl="0" eaLnBrk="1" latinLnBrk="1" hangingPunct="1">
+        <a:defRPr sz="1800" kern="1200">
+          <a:solidFill>
+            <a:schemeClr val="tx1"/>
+          </a:solidFill>
+          <a:latin typeface="+mn-lt"/>
+          <a:ea typeface="+mn-ea"/>
+          <a:cs typeface="+mn-cs"/>
+        </a:defRPr>
+      </a:lvl2pPr>
+      <a:lvl3pPr marL="914400" algn="l" defTabSz="914400" rtl="0" eaLnBrk="1" latinLnBrk="1" hangingPunct="1">
+        <a:defRPr sz="1800" kern="1200">
+          <a:solidFill>
+            <a:schemeClr val="tx1"/>
+          </a:solidFill>
+          <a:latin typeface="+mn-lt"/>
+          <a:ea typeface="+mn-ea"/>
+          <a:cs typeface="+mn-cs"/>
+        </a:defRPr>
+      </a:lvl3pPr>
+      <a:lvl4pPr marL="1371600" algn="l" defTabSz="914400" rtl="0" eaLnBrk="1" latinLnBrk="1" hangingPunct="1">
+        <a:defRPr sz="1800" kern="1200">
+          <a:solidFill>
+            <a:schemeClr val="tx1"/>
+          </a:solidFill>
+          <a:latin typeface="+mn-lt"/>
+          <a:ea typeface="+mn-ea"/>
+          <a:cs typeface="+mn-cs"/>
+        </a:defRPr>
+      </a:lvl4pPr>
+      <a:lvl5pPr marL="1828800" algn="l" defTabSz="914400" rtl="0" eaLnBrk="1" latinLnBrk="1" hangingPunct="1">
+        <a:defRPr sz="1800" kern="1200">
+          <a:solidFill>
+            <a:schemeClr val="tx1"/>
+          </a:solidFill>
+          <a:latin typeface="+mn-lt"/>
+          <a:ea typeface="+mn-ea"/>
+          <a:cs typeface="+mn-cs"/>
+        </a:defRPr>
+      </a:lvl5pPr>
+      <a:lvl6pPr marL="2286000" algn="l" defTabSz="914400" rtl="0" eaLnBrk="1" latinLnBrk="1" hangingPunct="1">
+        <a:defRPr sz="1800" kern="1200">
+          <a:solidFill>
+            <a:schemeClr val="tx1"/>
+          </a:solidFill>
+          <a:latin typeface="+mn-lt"/>
+          <a:ea typeface="+mn-ea"/>
+          <a:cs typeface="+mn-cs"/>
+        </a:defRPr>
+      </a:lvl6pPr>
+      <a:lvl7pPr marL="2743200" algn="l" defTabSz="914400" rtl="0" eaLnBrk="1" latinLnBrk="1" hangingPunct="1">
+        <a:defRPr sz="1800" kern="1200">
+          <a:solidFill>
+            <a:schemeClr val="tx1"/>
+          </a:solidFill>
+          <a:latin typeface="+mn-lt"/>
+          <a:ea typeface="+mn-ea"/>
+          <a:cs typeface="+mn-cs"/>
+        </a:defRPr>
+      </a:lvl7pPr>
+      <a:lvl8pPr marL="3200400" algn="l" defTabSz="914400" rtl="0" eaLnBrk="1" latinLnBrk="1" hangingPunct="1">
+        <a:defRPr sz="1800" kern="1200">
+          <a:solidFill>
+            <a:schemeClr val="tx1"/>
+          </a:solidFill>
+          <a:latin typeface="+mn-lt"/>
+          <a:ea typeface="+mn-ea"/>
+          <a:cs typeface="+mn-cs"/>
+        </a:defRPr>
+      </a:lvl8pPr>
+      <a:lvl9pPr marL="3657600" algn="l" defTabSz="914400" rtl="0" eaLnBrk="1" latinLnBrk="1" hangingPunct="1">
+        <a:defRPr sz="1800" kern="1200">
+          <a:solidFill>
+            <a:schemeClr val="tx1"/>
+          </a:solidFill>
+          <a:latin typeface="+mn-lt"/>
+          <a:ea typeface="+mn-ea"/>
+          <a:cs typeface="+mn-cs"/>
+        </a:defRPr>
+      </a:lvl9pPr>
+    </p:otherStyle>
+  </p:txStyles>
+</p:sldMaster>
+</file>
+
+<file path=ppt/slideMasters/slideMaster2.xml><?xml version="1.0" encoding="utf-8"?>
+<p:sldMaster xmlns:a="http://schemas.openxmlformats.org/drawingml/2006/main" xmlns:r="http://schemas.openxmlformats.org/officeDocument/2006/relationships" xmlns:p="http://schemas.openxmlformats.org/presentationml/2006/main">
+  <p:cSld>
+    <p:bg>
+      <p:bgRef idx="1001">
+        <a:schemeClr val="bg1"/>
+      </p:bgRef>
+    </p:bg>
+    <p:spTree>
+      <p:nvGrpSpPr>
+        <p:cNvPr id="1" name=""/>
+        <p:cNvGrpSpPr/>
+        <p:nvPr/>
+      </p:nvGrpSpPr>
+      <p:grpSpPr>
+        <a:xfrm>
+          <a:off x="0" y="0"/>
+          <a:ext cx="0" cy="0"/>
+          <a:chOff x="0" y="0"/>
+          <a:chExt cx="0" cy="0"/>
+        </a:xfrm>
+      </p:grpSpPr>
+      <p:sp>
+        <p:nvSpPr>
+          <p:cNvPr id="2" name="제목 개체 틀 1">
+            <a:extLst>
+              <a:ext uri="{FF2B5EF4-FFF2-40B4-BE49-F238E27FC236}">
+                <a16:creationId xmlns:a16="http://schemas.microsoft.com/office/drawing/2014/main" id="{67F2D1CD-6AB9-44F7-9AF1-904E917CB575}"/>
+              </a:ext>
+            </a:extLst>
+          </p:cNvPr>
+          <p:cNvSpPr>
+            <a:spLocks noGrp="1"/>
+          </p:cNvSpPr>
+          <p:nvPr>
+            <p:ph type="title"/>
+          </p:nvPr>
+        </p:nvSpPr>
+        <p:spPr>
+          <a:xfrm>
+            <a:off x="838200" y="365125"/>
+            <a:ext cx="10515600" cy="1325563"/>
+          </a:xfrm>
+          <a:prstGeom prst="rect">
+            <a:avLst/>
+          </a:prstGeom>
+        </p:spPr>
+        <p:txBody>
+          <a:bodyPr vert="horz" lIns="91440" tIns="45720" rIns="91440" bIns="45720" rtlCol="0" anchor="ctr">
+            <a:normAutofit/>
+          </a:bodyPr>
+          <a:lstStyle/>
+          <a:p>
+            <a:r>
+              <a:rPr lang="ko-KR" altLang="en-US"/>
+              <a:t>마스터 제목 스타일 편집</a:t>
+            </a:r>
+          </a:p>
+        </p:txBody>
+      </p:sp>
+      <p:sp>
+        <p:nvSpPr>
+          <p:cNvPr id="3" name="텍스트 개체 틀 2">
+            <a:extLst>
+              <a:ext uri="{FF2B5EF4-FFF2-40B4-BE49-F238E27FC236}">
+                <a16:creationId xmlns:a16="http://schemas.microsoft.com/office/drawing/2014/main" id="{64EE6583-9D58-4FBE-8B3E-D816FF62F113}"/>
+              </a:ext>
+            </a:extLst>
+          </p:cNvPr>
+          <p:cNvSpPr>
+            <a:spLocks noGrp="1"/>
+          </p:cNvSpPr>
+          <p:nvPr>
+            <p:ph type="body" idx="1"/>
+          </p:nvPr>
+        </p:nvSpPr>
+        <p:spPr>
+          <a:xfrm>
+            <a:off x="838200" y="1825625"/>
+            <a:ext cx="10515600" cy="4351338"/>
+          </a:xfrm>
+          <a:prstGeom prst="rect">
+            <a:avLst/>
+          </a:prstGeom>
+        </p:spPr>
+        <p:txBody>
+          <a:bodyPr vert="horz" lIns="91440" tIns="45720" rIns="91440" bIns="45720" rtlCol="0">
+            <a:normAutofit/>
+          </a:bodyPr>
+          <a:lstStyle/>
+          <a:p>
+            <a:pPr lvl="0"/>
+            <a:r>
+              <a:rPr lang="ko-KR" altLang="en-US"/>
+              <a:t>마스터 텍스트 스타일을 편집하려면 클릭</a:t>
+            </a:r>
+          </a:p>
+          <a:p>
+            <a:pPr lvl="1"/>
+            <a:r>
+              <a:rPr lang="ko-KR" altLang="en-US"/>
+              <a:t>두 번째 수준</a:t>
+            </a:r>
+          </a:p>
+          <a:p>
+            <a:pPr lvl="2"/>
+            <a:r>
+              <a:rPr lang="ko-KR" altLang="en-US"/>
+              <a:t>세 번째 수준</a:t>
+            </a:r>
+          </a:p>
+          <a:p>
+            <a:pPr lvl="3"/>
+            <a:r>
+              <a:rPr lang="ko-KR" altLang="en-US"/>
+              <a:t>네 번째 수준</a:t>
+            </a:r>
+          </a:p>
+          <a:p>
+            <a:pPr lvl="4"/>
+            <a:r>
+              <a:rPr lang="ko-KR" altLang="en-US"/>
+              <a:t>다섯 번째 수준</a:t>
+            </a:r>
+          </a:p>
+        </p:txBody>
+      </p:sp>
+      <p:sp>
+        <p:nvSpPr>
+          <p:cNvPr id="4" name="날짜 개체 틀 3">
+            <a:extLst>
+              <a:ext uri="{FF2B5EF4-FFF2-40B4-BE49-F238E27FC236}">
+                <a16:creationId xmlns:a16="http://schemas.microsoft.com/office/drawing/2014/main" id="{901C4F44-3451-43BF-BB78-2BFFC41D5315}"/>
+              </a:ext>
+            </a:extLst>
+          </p:cNvPr>
+          <p:cNvSpPr>
+            <a:spLocks noGrp="1"/>
+          </p:cNvSpPr>
+          <p:nvPr>
+            <p:ph type="dt" sz="half" idx="2"/>
+          </p:nvPr>
+        </p:nvSpPr>
+        <p:spPr>
+          <a:xfrm>
+            <a:off x="838200" y="6356350"/>
+            <a:ext cx="2743200" cy="365125"/>
+          </a:xfrm>
+          <a:prstGeom prst="rect">
+            <a:avLst/>
+          </a:prstGeom>
+        </p:spPr>
+        <p:txBody>
+          <a:bodyPr vert="horz" lIns="91440" tIns="45720" rIns="91440" bIns="45720" rtlCol="0" anchor="ctr"/>
+          <a:lstStyle>
+            <a:lvl1pPr algn="l">
+              <a:defRPr sz="1200">
+                <a:solidFill>
+                  <a:schemeClr val="tx1">
+                    <a:tint val="75000"/>
+                  </a:schemeClr>
+                </a:solidFill>
+              </a:defRPr>
+            </a:lvl1pPr>
+          </a:lstStyle>
+          <a:p>
+            <a:fld id="{9FE7A9D4-2312-4C80-955C-3A7FA2F8832A}" type="datetimeFigureOut">
+              <a:rPr lang="ko-KR" altLang="en-US" smtClean="0"/>
+              <a:t>2022-11-28</a:t>
+            </a:fld>
+            <a:endParaRPr lang="ko-KR" altLang="en-US"/>
+          </a:p>
+        </p:txBody>
+      </p:sp>
+      <p:sp>
+        <p:nvSpPr>
+          <p:cNvPr id="5" name="바닥글 개체 틀 4">
+            <a:extLst>
+              <a:ext uri="{FF2B5EF4-FFF2-40B4-BE49-F238E27FC236}">
+                <a16:creationId xmlns:a16="http://schemas.microsoft.com/office/drawing/2014/main" id="{6556AF17-214F-4E1E-9255-3368B9888B33}"/>
+              </a:ext>
+            </a:extLst>
+          </p:cNvPr>
+          <p:cNvSpPr>
+            <a:spLocks noGrp="1"/>
+          </p:cNvSpPr>
+          <p:nvPr>
+            <p:ph type="ftr" sz="quarter" idx="3"/>
+          </p:nvPr>
+        </p:nvSpPr>
+        <p:spPr>
+          <a:xfrm>
+            <a:off x="4038600" y="6356350"/>
+            <a:ext cx="4114800" cy="365125"/>
+          </a:xfrm>
+          <a:prstGeom prst="rect">
+            <a:avLst/>
+          </a:prstGeom>
+        </p:spPr>
+        <p:txBody>
+          <a:bodyPr vert="horz" lIns="91440" tIns="45720" rIns="91440" bIns="45720" rtlCol="0" anchor="ctr"/>
+          <a:lstStyle>
+            <a:lvl1pPr algn="ctr">
+              <a:defRPr sz="1200">
+                <a:solidFill>
+                  <a:schemeClr val="tx1">
+                    <a:tint val="75000"/>
+                  </a:schemeClr>
+                </a:solidFill>
+              </a:defRPr>
+            </a:lvl1pPr>
+          </a:lstStyle>
+          <a:p>
+            <a:endParaRPr lang="ko-KR" altLang="en-US"/>
+          </a:p>
+        </p:txBody>
+      </p:sp>
+      <p:sp>
+        <p:nvSpPr>
+          <p:cNvPr id="6" name="슬라이드 번호 개체 틀 5">
+            <a:extLst>
+              <a:ext uri="{FF2B5EF4-FFF2-40B4-BE49-F238E27FC236}">
+                <a16:creationId xmlns:a16="http://schemas.microsoft.com/office/drawing/2014/main" id="{1F45F63D-B78D-4305-AB08-518043957C08}"/>
+              </a:ext>
+            </a:extLst>
+          </p:cNvPr>
+          <p:cNvSpPr>
+            <a:spLocks noGrp="1"/>
+          </p:cNvSpPr>
+          <p:nvPr>
+            <p:ph type="sldNum" sz="quarter" idx="4"/>
+          </p:nvPr>
+        </p:nvSpPr>
+        <p:spPr>
+          <a:xfrm>
+            <a:off x="8610600" y="6356350"/>
+            <a:ext cx="2743200" cy="365125"/>
+          </a:xfrm>
+          <a:prstGeom prst="rect">
+            <a:avLst/>
+          </a:prstGeom>
+        </p:spPr>
+        <p:txBody>
+          <a:bodyPr vert="horz" lIns="91440" tIns="45720" rIns="91440" bIns="45720" rtlCol="0" anchor="ctr"/>
+          <a:lstStyle>
+            <a:lvl1pPr algn="r">
+              <a:defRPr sz="1200">
+                <a:solidFill>
+                  <a:schemeClr val="tx1">
+                    <a:tint val="75000"/>
+                  </a:schemeClr>
+                </a:solidFill>
+              </a:defRPr>
+            </a:lvl1pPr>
+          </a:lstStyle>
+          <a:p>
+            <a:fld id="{5595EC94-8EAF-486A-983B-99B1085AE833}" type="slidenum">
+              <a:rPr lang="ko-KR" altLang="en-US" smtClean="0"/>
+              <a:t>‹#›</a:t>
+            </a:fld>
+            <a:endParaRPr lang="ko-KR" altLang="en-US"/>
+          </a:p>
+        </p:txBody>
+      </p:sp>
+    </p:spTree>
+    <p:extLst>
+      <p:ext uri="{BB962C8B-B14F-4D97-AF65-F5344CB8AC3E}">
+        <p14:creationId xmlns:p14="http://schemas.microsoft.com/office/powerpoint/2010/main" val="1460482519"/>
+      </p:ext>
+    </p:extLst>
+  </p:cSld>
+  <p:clrMap bg1="lt1" tx1="dk1" bg2="lt2" tx2="dk2" accent1="accent1" accent2="accent2" accent3="accent3" accent4="accent4" accent5="accent5" accent6="accent6" hlink="hlink" folHlink="folHlink"/>
+  <p:sldLayoutIdLst>
+    <p:sldLayoutId id="2147483662" r:id="rId1"/>
+    <p:sldLayoutId id="2147483663" r:id="rId2"/>
+    <p:sldLayoutId id="2147483664" r:id="rId3"/>
+    <p:sldLayoutId id="2147483665" r:id="rId4"/>
+    <p:sldLayoutId id="2147483666" r:id="rId5"/>
+    <p:sldLayoutId id="2147483667" r:id="rId6"/>
+    <p:sldLayoutId id="2147483668" r:id="rId7"/>
+    <p:sldLayoutId id="2147483669" r:id="rId8"/>
+    <p:sldLayoutId id="2147483670" r:id="rId9"/>
+    <p:sldLayoutId id="2147483671" r:id="rId10"/>
+    <p:sldLayoutId id="2147483672" r:id="rId11"/>
+    <p:sldLayoutId id="2147483673" r:id="rId12"/>
+  </p:sldLayoutIdLst>
+  <mc:AlternateContent xmlns:mc="http://schemas.openxmlformats.org/markup-compatibility/2006" xmlns:p14="http://schemas.microsoft.com/office/powerpoint/2010/main">
+    <mc:Choice Requires="p14">
+      <p:transition spd="med" p14:dur="700">
+        <p:fade/>
+      </p:transition>
+    </mc:Choice>
+    <mc:Fallback xmlns="">
+      <p:transition spd="med">
+        <p:fade/>
+      </p:transition>
+    </mc:Fallback>
+  </mc:AlternateContent>
   <p:txStyles>
     <p:titleStyle>
       <a:lvl1pPr algn="l" defTabSz="914400" rtl="0" eaLnBrk="1" latinLnBrk="1" hangingPunct="1">
@@ -30655,48 +34315,6 @@
       </p:sp>
       <p:sp>
         <p:nvSpPr>
-          <p:cNvPr id="9" name="TextBox 8">
-            <a:extLst>
-              <a:ext uri="{FF2B5EF4-FFF2-40B4-BE49-F238E27FC236}">
-                <a16:creationId xmlns:a16="http://schemas.microsoft.com/office/drawing/2014/main" id="{7FFA9BC9-96FB-4B17-AF51-48D81692F2D7}"/>
-              </a:ext>
-            </a:extLst>
-          </p:cNvPr>
-          <p:cNvSpPr txBox="1"/>
-          <p:nvPr/>
-        </p:nvSpPr>
-        <p:spPr>
-          <a:xfrm>
-            <a:off x="329610" y="111525"/>
-            <a:ext cx="3134191" cy="584775"/>
-          </a:xfrm>
-          <a:prstGeom prst="rect">
-            <a:avLst/>
-          </a:prstGeom>
-          <a:noFill/>
-        </p:spPr>
-        <p:txBody>
-          <a:bodyPr wrap="none" rtlCol="0">
-            <a:spAutoFit/>
-          </a:bodyPr>
-          <a:lstStyle/>
-          <a:p>
-            <a:r>
-              <a:rPr lang="ko-KR" altLang="en-US" sz="3200" spc="-300" dirty="0">
-                <a:solidFill>
-                  <a:schemeClr val="tx1">
-                    <a:lumMod val="85000"/>
-                    <a:lumOff val="15000"/>
-                  </a:schemeClr>
-                </a:solidFill>
-              </a:rPr>
-              <a:t>제목을 입력하세요</a:t>
-            </a:r>
-          </a:p>
-        </p:txBody>
-      </p:sp>
-      <p:sp>
-        <p:nvSpPr>
           <p:cNvPr id="10" name="갈매기형 수장 5">
             <a:extLst>
               <a:ext uri="{FF2B5EF4-FFF2-40B4-BE49-F238E27FC236}">
@@ -31153,8 +34771,8 @@
         </p:nvSpPr>
         <p:spPr>
           <a:xfrm>
-            <a:off x="1074386" y="3621918"/>
-            <a:ext cx="2656496" cy="461665"/>
+            <a:off x="3102666" y="560826"/>
+            <a:ext cx="8706230" cy="5909310"/>
           </a:xfrm>
           <a:prstGeom prst="rect">
             <a:avLst/>
@@ -31168,15 +34786,668 @@
           <a:lstStyle/>
           <a:p>
             <a:r>
-              <a:rPr lang="ko-KR" altLang="en-US" sz="2400" dirty="0">
-                <a:solidFill>
-                  <a:schemeClr val="tx1">
-                    <a:lumMod val="75000"/>
-                    <a:lumOff val="25000"/>
-                  </a:schemeClr>
-                </a:solidFill>
-              </a:rPr>
-              <a:t>내용을 입력하세요</a:t>
+              <a:rPr lang="ko-KR" altLang="en-US" sz="1400">
+                <a:solidFill>
+                  <a:schemeClr val="accent1"/>
+                </a:solidFill>
+                <a:latin typeface="휴먼매직체" panose="02030504000101010101" pitchFamily="18" charset="-127"/>
+                <a:ea typeface="휴먼매직체" panose="02030504000101010101" pitchFamily="18" charset="-127"/>
+              </a:rPr>
+              <a:t>기록할 때마다 실시간으로 변하는 영양성분 섭취량과 남은 양을 눈에 보기 쉽게 표시</a:t>
+            </a:r>
+            <a:endParaRPr lang="en-US" altLang="ko-KR" sz="1400">
+              <a:solidFill>
+                <a:schemeClr val="accent1"/>
+              </a:solidFill>
+              <a:latin typeface="휴먼매직체" panose="02030504000101010101" pitchFamily="18" charset="-127"/>
+              <a:ea typeface="휴먼매직체" panose="02030504000101010101" pitchFamily="18" charset="-127"/>
+            </a:endParaRPr>
+          </a:p>
+          <a:p>
+            <a:r>
+              <a:rPr lang="en-US" altLang="ko-KR" sz="1400">
+                <a:solidFill>
+                  <a:schemeClr val="accent1"/>
+                </a:solidFill>
+                <a:latin typeface="휴먼매직체" panose="02030504000101010101" pitchFamily="18" charset="-127"/>
+                <a:ea typeface="휴먼매직체" panose="02030504000101010101" pitchFamily="18" charset="-127"/>
+              </a:rPr>
+              <a:t>*</a:t>
+            </a:r>
+            <a:r>
+              <a:rPr lang="ko-KR" altLang="en-US" sz="1400">
+                <a:solidFill>
+                  <a:schemeClr val="accent1"/>
+                </a:solidFill>
+                <a:latin typeface="휴먼매직체" panose="02030504000101010101" pitchFamily="18" charset="-127"/>
+                <a:ea typeface="휴먼매직체" panose="02030504000101010101" pitchFamily="18" charset="-127"/>
+              </a:rPr>
+              <a:t>입력된 정보를 바탕으로 개인화된 영양계획을 검색하고 필터링 가능</a:t>
+            </a:r>
+            <a:endParaRPr lang="en-US" altLang="ko-KR" sz="1400">
+              <a:solidFill>
+                <a:schemeClr val="accent1"/>
+              </a:solidFill>
+              <a:latin typeface="휴먼매직체" panose="02030504000101010101" pitchFamily="18" charset="-127"/>
+              <a:ea typeface="휴먼매직체" panose="02030504000101010101" pitchFamily="18" charset="-127"/>
+            </a:endParaRPr>
+          </a:p>
+          <a:p>
+            <a:r>
+              <a:rPr lang="ko-KR" altLang="en-US" sz="1400">
+                <a:solidFill>
+                  <a:schemeClr val="accent1"/>
+                </a:solidFill>
+                <a:latin typeface="휴먼매직체" panose="02030504000101010101" pitchFamily="18" charset="-127"/>
+                <a:ea typeface="휴먼매직체" panose="02030504000101010101" pitchFamily="18" charset="-127"/>
+              </a:rPr>
+              <a:t>*섭취량과 목표량을 보기 쉽게 수치화해 표시</a:t>
+            </a:r>
+            <a:endParaRPr lang="en-US" altLang="ko-KR" sz="1400">
+              <a:solidFill>
+                <a:schemeClr val="accent1"/>
+              </a:solidFill>
+              <a:latin typeface="휴먼매직체" panose="02030504000101010101" pitchFamily="18" charset="-127"/>
+              <a:ea typeface="휴먼매직체" panose="02030504000101010101" pitchFamily="18" charset="-127"/>
+            </a:endParaRPr>
+          </a:p>
+          <a:p>
+            <a:r>
+              <a:rPr lang="ko-KR" altLang="en-US" sz="1400">
+                <a:solidFill>
+                  <a:schemeClr val="accent1"/>
+                </a:solidFill>
+                <a:latin typeface="휴먼매직체" panose="02030504000101010101" pitchFamily="18" charset="-127"/>
+                <a:ea typeface="휴먼매직체" panose="02030504000101010101" pitchFamily="18" charset="-127"/>
+              </a:rPr>
+              <a:t>증강현실과 결합해 메뉴스캔시</a:t>
+            </a:r>
+            <a:r>
+              <a:rPr lang="en-US" altLang="ko-KR" sz="1400">
+                <a:solidFill>
+                  <a:schemeClr val="accent1"/>
+                </a:solidFill>
+                <a:latin typeface="휴먼매직체" panose="02030504000101010101" pitchFamily="18" charset="-127"/>
+                <a:ea typeface="휴먼매직체" panose="02030504000101010101" pitchFamily="18" charset="-127"/>
+              </a:rPr>
+              <a:t> </a:t>
+            </a:r>
+            <a:r>
+              <a:rPr lang="ko-KR" altLang="en-US" sz="1400">
+                <a:solidFill>
+                  <a:schemeClr val="accent1"/>
+                </a:solidFill>
+                <a:latin typeface="휴먼매직체" panose="02030504000101010101" pitchFamily="18" charset="-127"/>
+                <a:ea typeface="휴먼매직체" panose="02030504000101010101" pitchFamily="18" charset="-127"/>
+              </a:rPr>
+              <a:t>수치화된 영양정보를 제공</a:t>
+            </a:r>
+            <a:endParaRPr lang="en-US" altLang="ko-KR" sz="1400">
+              <a:solidFill>
+                <a:schemeClr val="accent1"/>
+              </a:solidFill>
+              <a:latin typeface="휴먼매직체" panose="02030504000101010101" pitchFamily="18" charset="-127"/>
+              <a:ea typeface="휴먼매직체" panose="02030504000101010101" pitchFamily="18" charset="-127"/>
+            </a:endParaRPr>
+          </a:p>
+          <a:p>
+            <a:r>
+              <a:rPr lang="en-US" altLang="ko-KR" sz="1400">
+                <a:solidFill>
+                  <a:schemeClr val="accent1"/>
+                </a:solidFill>
+                <a:latin typeface="휴먼매직체" panose="02030504000101010101" pitchFamily="18" charset="-127"/>
+                <a:ea typeface="휴먼매직체" panose="02030504000101010101" pitchFamily="18" charset="-127"/>
+              </a:rPr>
+              <a:t>*</a:t>
+            </a:r>
+            <a:r>
+              <a:rPr lang="ko-KR" altLang="en-US" sz="1400">
+                <a:solidFill>
+                  <a:schemeClr val="accent1"/>
+                </a:solidFill>
+                <a:latin typeface="휴먼매직체" panose="02030504000101010101" pitchFamily="18" charset="-127"/>
+                <a:ea typeface="휴먼매직체" panose="02030504000101010101" pitchFamily="18" charset="-127"/>
+              </a:rPr>
+              <a:t>입력된 정보를 바탕으로 수치화된 영양정보 표로 제공</a:t>
+            </a:r>
+            <a:endParaRPr lang="en-US" altLang="ko-KR" sz="1400">
+              <a:solidFill>
+                <a:schemeClr val="accent1"/>
+              </a:solidFill>
+              <a:latin typeface="휴먼매직체" panose="02030504000101010101" pitchFamily="18" charset="-127"/>
+              <a:ea typeface="휴먼매직체" panose="02030504000101010101" pitchFamily="18" charset="-127"/>
+            </a:endParaRPr>
+          </a:p>
+          <a:p>
+            <a:r>
+              <a:rPr lang="ko-KR" altLang="en-US" sz="1400">
+                <a:solidFill>
+                  <a:schemeClr val="accent1"/>
+                </a:solidFill>
+                <a:latin typeface="휴먼매직체" panose="02030504000101010101" pitchFamily="18" charset="-127"/>
+                <a:ea typeface="휴먼매직체" panose="02030504000101010101" pitchFamily="18" charset="-127"/>
+              </a:rPr>
+              <a:t>*나에게 맞는 음식인지 알려줌</a:t>
+            </a:r>
+            <a:endParaRPr lang="en-US" altLang="ko-KR" sz="1400">
+              <a:solidFill>
+                <a:schemeClr val="accent1"/>
+              </a:solidFill>
+              <a:latin typeface="휴먼매직체" panose="02030504000101010101" pitchFamily="18" charset="-127"/>
+              <a:ea typeface="휴먼매직체" panose="02030504000101010101" pitchFamily="18" charset="-127"/>
+            </a:endParaRPr>
+          </a:p>
+          <a:p>
+            <a:r>
+              <a:rPr lang="ko-KR" altLang="en-US" sz="1400">
+                <a:solidFill>
+                  <a:schemeClr val="accent1"/>
+                </a:solidFill>
+                <a:latin typeface="휴먼매직체" panose="02030504000101010101" pitchFamily="18" charset="-127"/>
+                <a:ea typeface="휴먼매직체" panose="02030504000101010101" pitchFamily="18" charset="-127"/>
+              </a:rPr>
+              <a:t>*사용하면서 쌓인 데이터를 분석하여 이용자에게 더 적합한 맟춤형 식당 제공</a:t>
+            </a:r>
+            <a:endParaRPr lang="en-US" altLang="ko-KR" sz="1400">
+              <a:solidFill>
+                <a:schemeClr val="accent1"/>
+              </a:solidFill>
+              <a:latin typeface="휴먼매직체" panose="02030504000101010101" pitchFamily="18" charset="-127"/>
+              <a:ea typeface="휴먼매직체" panose="02030504000101010101" pitchFamily="18" charset="-127"/>
+            </a:endParaRPr>
+          </a:p>
+          <a:p>
+            <a:r>
+              <a:rPr lang="ko-KR" altLang="en-US" sz="1400">
+                <a:solidFill>
+                  <a:schemeClr val="accent1"/>
+                </a:solidFill>
+                <a:latin typeface="휴먼매직체" panose="02030504000101010101" pitchFamily="18" charset="-127"/>
+                <a:ea typeface="휴먼매직체" panose="02030504000101010101" pitchFamily="18" charset="-127"/>
+              </a:rPr>
+              <a:t>*</a:t>
+            </a:r>
+            <a:r>
+              <a:rPr lang="en-US" altLang="ko-KR" sz="1400">
+                <a:solidFill>
+                  <a:schemeClr val="accent1"/>
+                </a:solidFill>
+                <a:latin typeface="휴먼매직체" panose="02030504000101010101" pitchFamily="18" charset="-127"/>
+                <a:ea typeface="휴먼매직체" panose="02030504000101010101" pitchFamily="18" charset="-127"/>
+              </a:rPr>
+              <a:t>BMI</a:t>
+            </a:r>
+            <a:r>
+              <a:rPr lang="ko-KR" altLang="en-US" sz="1400">
+                <a:solidFill>
+                  <a:schemeClr val="accent1"/>
+                </a:solidFill>
+                <a:latin typeface="휴먼매직체" panose="02030504000101010101" pitchFamily="18" charset="-127"/>
+                <a:ea typeface="휴먼매직체" panose="02030504000101010101" pitchFamily="18" charset="-127"/>
+              </a:rPr>
+              <a:t>를 연동해 더 정확한 내 영양정보를 입력</a:t>
+            </a:r>
+            <a:endParaRPr lang="en-US" altLang="ko-KR" sz="1400">
+              <a:solidFill>
+                <a:schemeClr val="accent1"/>
+              </a:solidFill>
+              <a:latin typeface="휴먼매직체" panose="02030504000101010101" pitchFamily="18" charset="-127"/>
+              <a:ea typeface="휴먼매직체" panose="02030504000101010101" pitchFamily="18" charset="-127"/>
+            </a:endParaRPr>
+          </a:p>
+          <a:p>
+            <a:r>
+              <a:rPr lang="ko-KR" altLang="en-US" sz="1400">
+                <a:solidFill>
+                  <a:schemeClr val="accent1"/>
+                </a:solidFill>
+                <a:latin typeface="휴먼매직체" panose="02030504000101010101" pitchFamily="18" charset="-127"/>
+                <a:ea typeface="휴먼매직체" panose="02030504000101010101" pitchFamily="18" charset="-127"/>
+              </a:rPr>
+              <a:t>성분분석앱</a:t>
+            </a:r>
+          </a:p>
+          <a:p>
+            <a:r>
+              <a:rPr lang="ko-KR" altLang="en-US" sz="1400">
+                <a:solidFill>
+                  <a:schemeClr val="accent1"/>
+                </a:solidFill>
+                <a:latin typeface="휴먼매직체" panose="02030504000101010101" pitchFamily="18" charset="-127"/>
+                <a:ea typeface="휴먼매직체" panose="02030504000101010101" pitchFamily="18" charset="-127"/>
+              </a:rPr>
+              <a:t>체형에 맞게 영향성분 분석 및 남은 하루 권장 영향 성분 권장량 계산</a:t>
+            </a:r>
+          </a:p>
+          <a:p>
+            <a:r>
+              <a:rPr lang="en-US" altLang="ko-KR" sz="1400">
+                <a:solidFill>
+                  <a:schemeClr val="accent1"/>
+                </a:solidFill>
+                <a:latin typeface="휴먼매직체" panose="02030504000101010101" pitchFamily="18" charset="-127"/>
+                <a:ea typeface="휴먼매직체" panose="02030504000101010101" pitchFamily="18" charset="-127"/>
+              </a:rPr>
+              <a:t>AR</a:t>
+            </a:r>
+          </a:p>
+          <a:p>
+            <a:r>
+              <a:rPr lang="ko-KR" altLang="en-US" sz="1400">
+                <a:solidFill>
+                  <a:schemeClr val="accent1"/>
+                </a:solidFill>
+                <a:latin typeface="휴먼매직체" panose="02030504000101010101" pitchFamily="18" charset="-127"/>
+                <a:ea typeface="휴먼매직체" panose="02030504000101010101" pitchFamily="18" charset="-127"/>
+              </a:rPr>
+              <a:t>음식에 들어가는 성분 </a:t>
+            </a:r>
+            <a:r>
+              <a:rPr lang="en-US" altLang="ko-KR" sz="1400">
+                <a:solidFill>
+                  <a:schemeClr val="accent1"/>
+                </a:solidFill>
+                <a:latin typeface="휴먼매직체" panose="02030504000101010101" pitchFamily="18" charset="-127"/>
+                <a:ea typeface="휴먼매직체" panose="02030504000101010101" pitchFamily="18" charset="-127"/>
+              </a:rPr>
+              <a:t>AR</a:t>
+            </a:r>
+            <a:r>
+              <a:rPr lang="ko-KR" altLang="en-US" sz="1400">
+                <a:solidFill>
+                  <a:schemeClr val="accent1"/>
+                </a:solidFill>
+                <a:latin typeface="휴먼매직체" panose="02030504000101010101" pitchFamily="18" charset="-127"/>
+                <a:ea typeface="휴먼매직체" panose="02030504000101010101" pitchFamily="18" charset="-127"/>
+              </a:rPr>
+              <a:t>로 보여줌</a:t>
+            </a:r>
+          </a:p>
+          <a:p>
+            <a:r>
+              <a:rPr lang="en-US" altLang="ko-KR" sz="1400">
+                <a:solidFill>
+                  <a:schemeClr val="accent1"/>
+                </a:solidFill>
+                <a:latin typeface="휴먼매직체" panose="02030504000101010101" pitchFamily="18" charset="-127"/>
+                <a:ea typeface="휴먼매직체" panose="02030504000101010101" pitchFamily="18" charset="-127"/>
+              </a:rPr>
+              <a:t>AR</a:t>
+            </a:r>
+            <a:r>
+              <a:rPr lang="ko-KR" altLang="en-US" sz="1400">
+                <a:solidFill>
+                  <a:schemeClr val="accent1"/>
+                </a:solidFill>
+                <a:latin typeface="휴먼매직체" panose="02030504000101010101" pitchFamily="18" charset="-127"/>
+                <a:ea typeface="휴먼매직체" panose="02030504000101010101" pitchFamily="18" charset="-127"/>
+              </a:rPr>
+              <a:t>로 먹은 양에 따라 성분 분석 및 양이 줄어듬</a:t>
+            </a:r>
+          </a:p>
+          <a:p>
+            <a:r>
+              <a:rPr lang="ko-KR" altLang="en-US" sz="1400">
+                <a:solidFill>
+                  <a:schemeClr val="accent1"/>
+                </a:solidFill>
+                <a:latin typeface="휴먼매직체" panose="02030504000101010101" pitchFamily="18" charset="-127"/>
+                <a:ea typeface="휴먼매직체" panose="02030504000101010101" pitchFamily="18" charset="-127"/>
+              </a:rPr>
+              <a:t>인바디 결과를 토대로 </a:t>
+            </a:r>
+            <a:r>
+              <a:rPr lang="en-US" altLang="ko-KR" sz="1400">
+                <a:solidFill>
+                  <a:schemeClr val="accent1"/>
+                </a:solidFill>
+                <a:latin typeface="휴먼매직체" panose="02030504000101010101" pitchFamily="18" charset="-127"/>
+                <a:ea typeface="휴먼매직체" panose="02030504000101010101" pitchFamily="18" charset="-127"/>
+              </a:rPr>
+              <a:t>AR</a:t>
+            </a:r>
+            <a:r>
+              <a:rPr lang="ko-KR" altLang="en-US" sz="1400">
+                <a:solidFill>
+                  <a:schemeClr val="accent1"/>
+                </a:solidFill>
+                <a:latin typeface="휴먼매직체" panose="02030504000101010101" pitchFamily="18" charset="-127"/>
+                <a:ea typeface="휴먼매직체" panose="02030504000101010101" pitchFamily="18" charset="-127"/>
+              </a:rPr>
+              <a:t>화면에 </a:t>
+            </a:r>
+            <a:r>
+              <a:rPr lang="en-US" altLang="ko-KR" sz="1400">
+                <a:solidFill>
+                  <a:schemeClr val="accent1"/>
+                </a:solidFill>
+                <a:latin typeface="휴먼매직체" panose="02030504000101010101" pitchFamily="18" charset="-127"/>
+                <a:ea typeface="휴먼매직체" panose="02030504000101010101" pitchFamily="18" charset="-127"/>
+              </a:rPr>
+              <a:t>UI</a:t>
+            </a:r>
+            <a:r>
+              <a:rPr lang="ko-KR" altLang="en-US" sz="1400">
+                <a:solidFill>
+                  <a:schemeClr val="accent1"/>
+                </a:solidFill>
+                <a:latin typeface="휴먼매직체" panose="02030504000101010101" pitchFamily="18" charset="-127"/>
+                <a:ea typeface="휴먼매직체" panose="02030504000101010101" pitchFamily="18" charset="-127"/>
+              </a:rPr>
+              <a:t>로 나타내서 먹은 양에 따라 값 변화</a:t>
+            </a:r>
+          </a:p>
+          <a:p>
+            <a:endParaRPr lang="en-US" altLang="ko-KR" sz="1400">
+              <a:solidFill>
+                <a:schemeClr val="accent1"/>
+              </a:solidFill>
+              <a:latin typeface="휴먼매직체" panose="02030504000101010101" pitchFamily="18" charset="-127"/>
+              <a:ea typeface="휴먼매직체" panose="02030504000101010101" pitchFamily="18" charset="-127"/>
+            </a:endParaRPr>
+          </a:p>
+          <a:p>
+            <a:r>
+              <a:rPr lang="ko-KR" altLang="en-US" sz="1400">
+                <a:solidFill>
+                  <a:schemeClr val="accent1"/>
+                </a:solidFill>
+                <a:latin typeface="휴먼매직체" panose="02030504000101010101" pitchFamily="18" charset="-127"/>
+                <a:ea typeface="휴먼매직체" panose="02030504000101010101" pitchFamily="18" charset="-127"/>
+              </a:rPr>
+              <a:t>음식 영양 성분표를 보면 직관적으로 알아보기 싶지 않다</a:t>
+            </a:r>
+            <a:r>
+              <a:rPr lang="en-US" altLang="ko-KR" sz="1400">
+                <a:solidFill>
+                  <a:schemeClr val="accent1"/>
+                </a:solidFill>
+                <a:latin typeface="휴먼매직체" panose="02030504000101010101" pitchFamily="18" charset="-127"/>
+                <a:ea typeface="휴먼매직체" panose="02030504000101010101" pitchFamily="18" charset="-127"/>
+              </a:rPr>
+              <a:t>. </a:t>
+            </a:r>
+            <a:r>
+              <a:rPr lang="ko-KR" altLang="en-US" sz="1400">
+                <a:solidFill>
+                  <a:schemeClr val="accent1"/>
+                </a:solidFill>
+                <a:latin typeface="휴먼매직체" panose="02030504000101010101" pitchFamily="18" charset="-127"/>
+                <a:ea typeface="휴먼매직체" panose="02030504000101010101" pitchFamily="18" charset="-127"/>
+              </a:rPr>
+              <a:t>자신이 관심있는 영양소만 대충 보고 넘어가는 경우가 많다</a:t>
+            </a:r>
+            <a:r>
+              <a:rPr lang="en-US" altLang="ko-KR" sz="1400">
+                <a:solidFill>
+                  <a:schemeClr val="accent1"/>
+                </a:solidFill>
+                <a:latin typeface="휴먼매직체" panose="02030504000101010101" pitchFamily="18" charset="-127"/>
+                <a:ea typeface="휴먼매직체" panose="02030504000101010101" pitchFamily="18" charset="-127"/>
+              </a:rPr>
+              <a:t>.</a:t>
+            </a:r>
+          </a:p>
+          <a:p>
+            <a:r>
+              <a:rPr lang="ko-KR" altLang="en-US" sz="1400">
+                <a:solidFill>
+                  <a:schemeClr val="accent1"/>
+                </a:solidFill>
+                <a:latin typeface="휴먼매직체" panose="02030504000101010101" pitchFamily="18" charset="-127"/>
+                <a:ea typeface="휴먼매직체" panose="02030504000101010101" pitchFamily="18" charset="-127"/>
+              </a:rPr>
+              <a:t>먹은 양에 따라 음식 성분을 분석해 자신이 목표한 하루 섭취량을 계산하는데 도움을 준다</a:t>
+            </a:r>
+            <a:r>
+              <a:rPr lang="en-US" altLang="ko-KR" sz="1400">
+                <a:solidFill>
+                  <a:schemeClr val="accent1"/>
+                </a:solidFill>
+                <a:latin typeface="휴먼매직체" panose="02030504000101010101" pitchFamily="18" charset="-127"/>
+                <a:ea typeface="휴먼매직체" panose="02030504000101010101" pitchFamily="18" charset="-127"/>
+              </a:rPr>
+              <a:t>.</a:t>
+            </a:r>
+          </a:p>
+          <a:p>
+            <a:endParaRPr lang="en-US" altLang="ko-KR" sz="1400">
+              <a:solidFill>
+                <a:schemeClr val="accent1"/>
+              </a:solidFill>
+              <a:latin typeface="휴먼매직체" panose="02030504000101010101" pitchFamily="18" charset="-127"/>
+              <a:ea typeface="휴먼매직체" panose="02030504000101010101" pitchFamily="18" charset="-127"/>
+            </a:endParaRPr>
+          </a:p>
+          <a:p>
+            <a:r>
+              <a:rPr lang="ko-KR" altLang="en-US" sz="1400">
+                <a:solidFill>
+                  <a:schemeClr val="accent1"/>
+                </a:solidFill>
+                <a:latin typeface="휴먼매직체" panose="02030504000101010101" pitchFamily="18" charset="-127"/>
+                <a:ea typeface="휴먼매직체" panose="02030504000101010101" pitchFamily="18" charset="-127"/>
+              </a:rPr>
+              <a:t>유사 어플 및 시사점</a:t>
+            </a:r>
+          </a:p>
+          <a:p>
+            <a:r>
+              <a:rPr lang="ko-KR" altLang="en-US" sz="1400">
+                <a:solidFill>
+                  <a:schemeClr val="accent1"/>
+                </a:solidFill>
+                <a:latin typeface="휴먼매직체" panose="02030504000101010101" pitchFamily="18" charset="-127"/>
+                <a:ea typeface="휴먼매직체" panose="02030504000101010101" pitchFamily="18" charset="-127"/>
+              </a:rPr>
+              <a:t>밀리그램</a:t>
+            </a:r>
+            <a:r>
+              <a:rPr lang="en-US" altLang="ko-KR" sz="1400">
+                <a:solidFill>
+                  <a:schemeClr val="accent1"/>
+                </a:solidFill>
+                <a:latin typeface="휴먼매직체" panose="02030504000101010101" pitchFamily="18" charset="-127"/>
+                <a:ea typeface="휴먼매직체" panose="02030504000101010101" pitchFamily="18" charset="-127"/>
+              </a:rPr>
+              <a:t>, </a:t>
+            </a:r>
+            <a:r>
+              <a:rPr lang="ko-KR" altLang="en-US" sz="1400">
+                <a:solidFill>
+                  <a:schemeClr val="accent1"/>
+                </a:solidFill>
+                <a:latin typeface="휴먼매직체" panose="02030504000101010101" pitchFamily="18" charset="-127"/>
+                <a:ea typeface="휴먼매직체" panose="02030504000101010101" pitchFamily="18" charset="-127"/>
+              </a:rPr>
+              <a:t>영양 성분 </a:t>
+            </a:r>
+            <a:r>
+              <a:rPr lang="en-US" altLang="ko-KR" sz="1400">
+                <a:solidFill>
+                  <a:schemeClr val="accent1"/>
+                </a:solidFill>
+                <a:latin typeface="휴먼매직체" panose="02030504000101010101" pitchFamily="18" charset="-127"/>
+                <a:ea typeface="휴먼매직체" panose="02030504000101010101" pitchFamily="18" charset="-127"/>
+              </a:rPr>
+              <a:t>X</a:t>
+            </a:r>
+          </a:p>
+          <a:p>
+            <a:r>
+              <a:rPr lang="ko-KR" altLang="en-US" sz="1400">
+                <a:solidFill>
+                  <a:schemeClr val="accent1"/>
+                </a:solidFill>
+                <a:latin typeface="휴먼매직체" panose="02030504000101010101" pitchFamily="18" charset="-127"/>
+                <a:ea typeface="휴먼매직체" panose="02030504000101010101" pitchFamily="18" charset="-127"/>
+              </a:rPr>
+              <a:t>삼성헬스케어</a:t>
+            </a:r>
+            <a:r>
+              <a:rPr lang="en-US" altLang="ko-KR" sz="1400">
+                <a:solidFill>
+                  <a:schemeClr val="accent1"/>
+                </a:solidFill>
+                <a:latin typeface="휴먼매직체" panose="02030504000101010101" pitchFamily="18" charset="-127"/>
+                <a:ea typeface="휴먼매직체" panose="02030504000101010101" pitchFamily="18" charset="-127"/>
+              </a:rPr>
+              <a:t>, </a:t>
+            </a:r>
+            <a:r>
+              <a:rPr lang="ko-KR" altLang="en-US" sz="1400">
+                <a:solidFill>
+                  <a:schemeClr val="accent1"/>
+                </a:solidFill>
+                <a:latin typeface="휴먼매직체" panose="02030504000101010101" pitchFamily="18" charset="-127"/>
+                <a:ea typeface="휴먼매직체" panose="02030504000101010101" pitchFamily="18" charset="-127"/>
+              </a:rPr>
+              <a:t>인바디 </a:t>
+            </a:r>
+            <a:r>
+              <a:rPr lang="en-US" altLang="ko-KR" sz="1400">
+                <a:solidFill>
+                  <a:schemeClr val="accent1"/>
+                </a:solidFill>
+                <a:latin typeface="휴먼매직체" panose="02030504000101010101" pitchFamily="18" charset="-127"/>
+                <a:ea typeface="휴먼매직체" panose="02030504000101010101" pitchFamily="18" charset="-127"/>
+              </a:rPr>
+              <a:t>X</a:t>
+            </a:r>
+          </a:p>
+          <a:p>
+            <a:endParaRPr lang="en-US" altLang="ko-KR" sz="1400">
+              <a:solidFill>
+                <a:schemeClr val="accent1"/>
+              </a:solidFill>
+              <a:latin typeface="휴먼매직체" panose="02030504000101010101" pitchFamily="18" charset="-127"/>
+              <a:ea typeface="휴먼매직체" panose="02030504000101010101" pitchFamily="18" charset="-127"/>
+            </a:endParaRPr>
+          </a:p>
+          <a:p>
+            <a:r>
+              <a:rPr lang="ko-KR" altLang="en-US" sz="1400">
+                <a:solidFill>
+                  <a:schemeClr val="accent1"/>
+                </a:solidFill>
+                <a:latin typeface="휴먼매직체" panose="02030504000101010101" pitchFamily="18" charset="-127"/>
+                <a:ea typeface="휴먼매직체" panose="02030504000101010101" pitchFamily="18" charset="-127"/>
+              </a:rPr>
+              <a:t>개발방법에서 체형 분석을 보건소 모바일 헬스케어 </a:t>
+            </a:r>
+            <a:r>
+              <a:rPr lang="en-US" altLang="ko-KR" sz="1400">
+                <a:solidFill>
+                  <a:schemeClr val="accent1"/>
+                </a:solidFill>
+                <a:latin typeface="휴먼매직체" panose="02030504000101010101" pitchFamily="18" charset="-127"/>
+                <a:ea typeface="휴먼매직체" panose="02030504000101010101" pitchFamily="18" charset="-127"/>
+              </a:rPr>
+              <a:t>open api</a:t>
+            </a:r>
+            <a:r>
+              <a:rPr lang="ko-KR" altLang="en-US" sz="1400">
+                <a:solidFill>
+                  <a:schemeClr val="accent1"/>
+                </a:solidFill>
+                <a:latin typeface="휴먼매직체" panose="02030504000101010101" pitchFamily="18" charset="-127"/>
+                <a:ea typeface="휴먼매직체" panose="02030504000101010101" pitchFamily="18" charset="-127"/>
+              </a:rPr>
+              <a:t>로 가져온다</a:t>
+            </a:r>
+            <a:r>
+              <a:rPr lang="en-US" altLang="ko-KR" sz="1400">
+                <a:solidFill>
+                  <a:schemeClr val="accent1"/>
+                </a:solidFill>
+                <a:latin typeface="휴먼매직체" panose="02030504000101010101" pitchFamily="18" charset="-127"/>
+                <a:ea typeface="휴먼매직체" panose="02030504000101010101" pitchFamily="18" charset="-127"/>
+              </a:rPr>
+              <a:t>. </a:t>
+            </a:r>
+            <a:r>
+              <a:rPr lang="ko-KR" altLang="en-US" sz="1400">
+                <a:solidFill>
+                  <a:schemeClr val="accent1"/>
+                </a:solidFill>
+                <a:latin typeface="휴먼매직체" panose="02030504000101010101" pitchFamily="18" charset="-127"/>
+                <a:ea typeface="휴먼매직체" panose="02030504000101010101" pitchFamily="18" charset="-127"/>
+              </a:rPr>
+              <a:t>유니티를 안드로이드로 빌드 후 안드로이드 스튜디오에</a:t>
+            </a:r>
+          </a:p>
+          <a:p>
+            <a:r>
+              <a:rPr lang="ko-KR" altLang="en-US" sz="1400">
+                <a:solidFill>
+                  <a:schemeClr val="accent1"/>
+                </a:solidFill>
+                <a:latin typeface="휴먼매직체" panose="02030504000101010101" pitchFamily="18" charset="-127"/>
+                <a:ea typeface="휴먼매직체" panose="02030504000101010101" pitchFamily="18" charset="-127"/>
+              </a:rPr>
+              <a:t>넣고 최종 빌드한다</a:t>
+            </a:r>
+            <a:r>
+              <a:rPr lang="en-US" altLang="ko-KR" sz="1400">
+                <a:solidFill>
+                  <a:schemeClr val="accent1"/>
+                </a:solidFill>
+                <a:latin typeface="휴먼매직체" panose="02030504000101010101" pitchFamily="18" charset="-127"/>
+                <a:ea typeface="휴먼매직체" panose="02030504000101010101" pitchFamily="18" charset="-127"/>
+              </a:rPr>
+              <a:t>.</a:t>
+            </a:r>
+          </a:p>
+          <a:p>
+            <a:endParaRPr lang="en-US" altLang="ko-KR" sz="1400">
+              <a:solidFill>
+                <a:schemeClr val="accent1"/>
+              </a:solidFill>
+              <a:latin typeface="휴먼매직체" panose="02030504000101010101" pitchFamily="18" charset="-127"/>
+              <a:ea typeface="휴먼매직체" panose="02030504000101010101" pitchFamily="18" charset="-127"/>
+            </a:endParaRPr>
+          </a:p>
+          <a:p>
+            <a:r>
+              <a:rPr lang="ko-KR" altLang="en-US" sz="1400">
+                <a:solidFill>
+                  <a:schemeClr val="accent1"/>
+                </a:solidFill>
+                <a:latin typeface="휴먼매직체" panose="02030504000101010101" pitchFamily="18" charset="-127"/>
+                <a:ea typeface="휴먼매직체" panose="02030504000101010101" pitchFamily="18" charset="-127"/>
+              </a:rPr>
+              <a:t>직접 개발 할 것은 음식 성분 </a:t>
+            </a:r>
+            <a:r>
+              <a:rPr lang="en-US" altLang="ko-KR" sz="1400">
+                <a:solidFill>
+                  <a:schemeClr val="accent1"/>
+                </a:solidFill>
+                <a:latin typeface="휴먼매직체" panose="02030504000101010101" pitchFamily="18" charset="-127"/>
+                <a:ea typeface="휴먼매직체" panose="02030504000101010101" pitchFamily="18" charset="-127"/>
+              </a:rPr>
+              <a:t>AR</a:t>
+            </a:r>
+            <a:r>
+              <a:rPr lang="ko-KR" altLang="en-US" sz="1400">
+                <a:solidFill>
+                  <a:schemeClr val="accent1"/>
+                </a:solidFill>
+                <a:latin typeface="휴먼매직체" panose="02030504000101010101" pitchFamily="18" charset="-127"/>
+                <a:ea typeface="휴먼매직체" panose="02030504000101010101" pitchFamily="18" charset="-127"/>
+              </a:rPr>
+              <a:t>을 유니티로 직접 개발해본다</a:t>
+            </a:r>
+            <a:r>
+              <a:rPr lang="en-US" altLang="ko-KR" sz="1400">
+                <a:solidFill>
+                  <a:schemeClr val="accent1"/>
+                </a:solidFill>
+                <a:latin typeface="휴먼매직체" panose="02030504000101010101" pitchFamily="18" charset="-127"/>
+                <a:ea typeface="휴먼매직체" panose="02030504000101010101" pitchFamily="18" charset="-127"/>
+              </a:rPr>
+              <a:t>.</a:t>
             </a:r>
           </a:p>
         </p:txBody>
@@ -31261,37 +35532,146 @@
       </p:sp>
       <p:sp>
         <p:nvSpPr>
-          <p:cNvPr id="2" name="슬라이드 번호 개체 틀 1">
+          <p:cNvPr id="2" name="TextBox 1">
             <a:extLst>
               <a:ext uri="{FF2B5EF4-FFF2-40B4-BE49-F238E27FC236}">
-                <a16:creationId xmlns:a16="http://schemas.microsoft.com/office/drawing/2014/main" id="{F8BA54B1-33A4-A925-19BA-6C71266A01D9}"/>
+                <a16:creationId xmlns:a16="http://schemas.microsoft.com/office/drawing/2014/main" id="{487A9645-787B-0FBF-7E31-70F7639FFDF9}"/>
               </a:ext>
             </a:extLst>
           </p:cNvPr>
-          <p:cNvSpPr>
-            <a:spLocks noGrp="1"/>
-          </p:cNvSpPr>
-          <p:nvPr>
-            <p:ph type="sldNum" sz="quarter" idx="12"/>
-          </p:nvPr>
+          <p:cNvSpPr txBox="1"/>
+          <p:nvPr/>
         </p:nvSpPr>
-        <p:spPr/>
+        <p:spPr>
+          <a:xfrm>
+            <a:off x="329610" y="111525"/>
+            <a:ext cx="1553630" cy="523220"/>
+          </a:xfrm>
+          <a:prstGeom prst="rect">
+            <a:avLst/>
+          </a:prstGeom>
+          <a:noFill/>
+        </p:spPr>
         <p:txBody>
-          <a:bodyPr/>
+          <a:bodyPr wrap="none" rtlCol="0">
+            <a:spAutoFit/>
+          </a:bodyPr>
           <a:lstStyle/>
           <a:p>
-            <a:fld id="{5595EC94-8EAF-486A-983B-99B1085AE833}" type="slidenum">
-              <a:rPr lang="ko-KR" altLang="en-US" smtClean="0"/>
-              <a:t>25</a:t>
-            </a:fld>
-            <a:endParaRPr lang="ko-KR" altLang="en-US"/>
+            <a:r>
+              <a:rPr lang="en-US" altLang="ko-KR" sz="2800" spc="-300">
+                <a:solidFill>
+                  <a:schemeClr val="tx1">
+                    <a:lumMod val="85000"/>
+                    <a:lumOff val="15000"/>
+                  </a:schemeClr>
+                </a:solidFill>
+                <a:latin typeface="휴먼매직체" panose="02030504000101010101" pitchFamily="18" charset="-127"/>
+                <a:ea typeface="휴먼매직체" panose="02030504000101010101" pitchFamily="18" charset="-127"/>
+              </a:rPr>
+              <a:t>6.</a:t>
+            </a:r>
+            <a:r>
+              <a:rPr lang="ko-KR" altLang="en-US" sz="2800" spc="-300">
+                <a:solidFill>
+                  <a:schemeClr val="tx1">
+                    <a:lumMod val="85000"/>
+                    <a:lumOff val="15000"/>
+                  </a:schemeClr>
+                </a:solidFill>
+                <a:latin typeface="휴먼매직체" panose="02030504000101010101" pitchFamily="18" charset="-127"/>
+                <a:ea typeface="휴먼매직체" panose="02030504000101010101" pitchFamily="18" charset="-127"/>
+              </a:rPr>
+              <a:t>개발 내용</a:t>
+            </a:r>
+            <a:endParaRPr lang="ko-KR" altLang="en-US" sz="2800" spc="-300" dirty="0">
+              <a:solidFill>
+                <a:schemeClr val="tx1">
+                  <a:lumMod val="85000"/>
+                  <a:lumOff val="15000"/>
+                </a:schemeClr>
+              </a:solidFill>
+              <a:latin typeface="휴먼매직체" panose="02030504000101010101" pitchFamily="18" charset="-127"/>
+              <a:ea typeface="휴먼매직체" panose="02030504000101010101" pitchFamily="18" charset="-127"/>
+            </a:endParaRPr>
+          </a:p>
+        </p:txBody>
+      </p:sp>
+      <p:sp>
+        <p:nvSpPr>
+          <p:cNvPr id="3" name="TextBox 2">
+            <a:extLst>
+              <a:ext uri="{FF2B5EF4-FFF2-40B4-BE49-F238E27FC236}">
+                <a16:creationId xmlns:a16="http://schemas.microsoft.com/office/drawing/2014/main" id="{92636388-5B89-5E13-9EFC-F5830EF1F6BC}"/>
+              </a:ext>
+            </a:extLst>
+          </p:cNvPr>
+          <p:cNvSpPr txBox="1"/>
+          <p:nvPr/>
+        </p:nvSpPr>
+        <p:spPr>
+          <a:xfrm>
+            <a:off x="2035050" y="206820"/>
+            <a:ext cx="4823669" cy="369332"/>
+          </a:xfrm>
+          <a:prstGeom prst="rect">
+            <a:avLst/>
+          </a:prstGeom>
+          <a:noFill/>
+        </p:spPr>
+        <p:txBody>
+          <a:bodyPr wrap="square" rtlCol="0">
+            <a:spAutoFit/>
+          </a:bodyPr>
+          <a:lstStyle/>
+          <a:p>
+            <a:r>
+              <a:rPr lang="ko-KR" altLang="en-US">
+                <a:solidFill>
+                  <a:srgbClr val="FF0000"/>
+                </a:solidFill>
+                <a:latin typeface="휴먼매직체" panose="02030504000101010101" pitchFamily="18" charset="-127"/>
+                <a:ea typeface="휴먼매직체" panose="02030504000101010101" pitchFamily="18" charset="-127"/>
+              </a:rPr>
+              <a:t>기능 및 콘텐츠</a:t>
+            </a:r>
+            <a:r>
+              <a:rPr lang="en-US" altLang="ko-KR">
+                <a:solidFill>
+                  <a:srgbClr val="FF0000"/>
+                </a:solidFill>
+                <a:latin typeface="휴먼매직체" panose="02030504000101010101" pitchFamily="18" charset="-127"/>
+                <a:ea typeface="휴먼매직체" panose="02030504000101010101" pitchFamily="18" charset="-127"/>
+              </a:rPr>
+              <a:t>(</a:t>
+            </a:r>
+            <a:r>
+              <a:rPr lang="ko-KR" altLang="en-US">
+                <a:solidFill>
+                  <a:srgbClr val="FF0000"/>
+                </a:solidFill>
+                <a:latin typeface="휴먼매직체" panose="02030504000101010101" pitchFamily="18" charset="-127"/>
+                <a:ea typeface="휴먼매직체" panose="02030504000101010101" pitchFamily="18" charset="-127"/>
+              </a:rPr>
+              <a:t>윤시현</a:t>
+            </a:r>
+            <a:r>
+              <a:rPr lang="en-US" altLang="ko-KR">
+                <a:solidFill>
+                  <a:srgbClr val="FF0000"/>
+                </a:solidFill>
+                <a:latin typeface="휴먼매직체" panose="02030504000101010101" pitchFamily="18" charset="-127"/>
+                <a:ea typeface="휴먼매직체" panose="02030504000101010101" pitchFamily="18" charset="-127"/>
+              </a:rPr>
+              <a:t>)</a:t>
+            </a:r>
           </a:p>
         </p:txBody>
       </p:sp>
     </p:spTree>
     <p:extLst>
       <p:ext uri="{BB962C8B-B14F-4D97-AF65-F5344CB8AC3E}">
-        <p14:creationId xmlns:p14="http://schemas.microsoft.com/office/powerpoint/2010/main" val="1584148496"/>
+        <p14:creationId xmlns:p14="http://schemas.microsoft.com/office/powerpoint/2010/main" val="4265482267"/>
       </p:ext>
     </p:extLst>
   </p:cSld>
@@ -43563,7 +47943,7 @@
               <a:defRPr/>
             </a:pPr>
             <a:r>
-              <a:rPr kumimoji="0" lang="en-US" altLang="ko-KR" sz="2800" b="0" i="0" u="none" strike="noStrike" kern="1200" cap="none" spc="0" normalizeH="0" baseline="0" noProof="0" dirty="0">
+              <a:rPr kumimoji="0" lang="en-US" altLang="ko-KR" sz="2800" b="0" i="0" u="none" strike="noStrike" kern="1200" cap="none" spc="0" normalizeH="0" baseline="0" noProof="0">
                 <a:ln>
                   <a:noFill/>
                 </a:ln>
@@ -43580,7 +47960,7 @@
               <a:t>3. </a:t>
             </a:r>
             <a:r>
-              <a:rPr kumimoji="0" lang="ko-KR" altLang="en-US" sz="2800" b="0" i="0" u="none" strike="noStrike" kern="1200" cap="none" spc="0" normalizeH="0" baseline="0" noProof="0" dirty="0">
+              <a:rPr kumimoji="0" lang="ko-KR" altLang="en-US" sz="2800" b="0" i="0" u="none" strike="noStrike" kern="1200" cap="none" spc="0" normalizeH="0" baseline="0" noProof="0">
                 <a:ln>
                   <a:noFill/>
                 </a:ln>
@@ -43594,58 +47974,7 @@
                 <a:ea typeface="휴먼매직체" panose="02030504000101010101" pitchFamily="18" charset="-127"/>
                 <a:cs typeface="+mn-cs"/>
               </a:rPr>
-              <a:t>유사 어플 분석 </a:t>
-            </a:r>
-            <a:r>
-              <a:rPr kumimoji="0" lang="en-US" altLang="ko-KR" sz="2800" b="0" i="0" u="none" strike="noStrike" kern="1200" cap="none" spc="0" normalizeH="0" baseline="0" noProof="0" dirty="0">
-                <a:ln>
-                  <a:noFill/>
-                </a:ln>
-                <a:solidFill>
-                  <a:prstClr val="white"/>
-                </a:solidFill>
-                <a:effectLst/>
-                <a:uLnTx/>
-                <a:uFillTx/>
-                <a:latin typeface="휴먼매직체" panose="02030504000101010101" pitchFamily="18" charset="-127"/>
-                <a:ea typeface="휴먼매직체" panose="02030504000101010101" pitchFamily="18" charset="-127"/>
-                <a:cs typeface="+mn-cs"/>
-              </a:rPr>
-              <a:t>(</a:t>
-            </a:r>
-            <a:r>
-              <a:rPr kumimoji="0" lang="ko-KR" altLang="en-US" sz="2800" b="0" i="0" u="none" strike="noStrike" kern="1200" cap="none" spc="0" normalizeH="0" baseline="0" noProof="0" dirty="0" err="1">
-                <a:ln>
-                  <a:noFill/>
-                </a:ln>
-                <a:solidFill>
-                  <a:prstClr val="white"/>
-                </a:solidFill>
-                <a:effectLst/>
-                <a:uLnTx/>
-                <a:uFillTx/>
-                <a:latin typeface="휴먼매직체" panose="02030504000101010101" pitchFamily="18" charset="-127"/>
-                <a:ea typeface="휴먼매직체" panose="02030504000101010101" pitchFamily="18" charset="-127"/>
-                <a:cs typeface="+mn-cs"/>
-              </a:rPr>
-              <a:t>윤시현</a:t>
-            </a:r>
-            <a:r>
-              <a:rPr kumimoji="0" lang="en-US" altLang="ko-KR" sz="2800" b="0" i="0" u="none" strike="noStrike" kern="1200" cap="none" spc="0" normalizeH="0" baseline="0" noProof="0" dirty="0">
-                <a:ln>
-                  <a:noFill/>
-                </a:ln>
-                <a:solidFill>
-                  <a:prstClr val="white"/>
-                </a:solidFill>
-                <a:effectLst/>
-                <a:uLnTx/>
-                <a:uFillTx/>
-                <a:latin typeface="휴먼매직체" panose="02030504000101010101" pitchFamily="18" charset="-127"/>
-                <a:ea typeface="휴먼매직체" panose="02030504000101010101" pitchFamily="18" charset="-127"/>
-                <a:cs typeface="+mn-cs"/>
-              </a:rPr>
-              <a:t>)</a:t>
+              <a:t>유사 사이트 분석</a:t>
             </a:r>
             <a:endParaRPr kumimoji="0" lang="ko-KR" altLang="en-US" sz="2800" b="0" i="0" u="none" strike="noStrike" kern="1200" cap="none" spc="0" normalizeH="0" baseline="0" noProof="0" dirty="0">
               <a:ln>
@@ -43821,8 +48150,8 @@
         </p:nvSpPr>
         <p:spPr>
           <a:xfrm>
-            <a:off x="1572163" y="4621472"/>
-            <a:ext cx="1591405" cy="400110"/>
+            <a:off x="1228672" y="4635999"/>
+            <a:ext cx="2278384" cy="723275"/>
           </a:xfrm>
           <a:prstGeom prst="rect">
             <a:avLst/>
@@ -43871,6 +48200,187 @@
               </a:rPr>
               <a:t>밀리그램</a:t>
             </a:r>
+            <a:endParaRPr kumimoji="0" lang="en-US" altLang="ko-KR" sz="2000" b="0" i="0" u="none" strike="noStrike" kern="1200" cap="none" spc="0" normalizeH="0" baseline="0" noProof="0">
+              <a:ln>
+                <a:noFill/>
+              </a:ln>
+              <a:solidFill>
+                <a:prstClr val="white">
+                  <a:lumMod val="95000"/>
+                </a:prstClr>
+              </a:solidFill>
+              <a:effectLst/>
+              <a:uLnTx/>
+              <a:uFillTx/>
+              <a:latin typeface="휴먼매직체" panose="02030504000101010101" pitchFamily="18" charset="-127"/>
+              <a:ea typeface="휴먼매직체" panose="02030504000101010101" pitchFamily="18" charset="-127"/>
+              <a:cs typeface="+mn-cs"/>
+            </a:endParaRPr>
+          </a:p>
+          <a:p>
+            <a:pPr marL="0" marR="0" lvl="0" indent="0" algn="ctr" defTabSz="914400" rtl="0" eaLnBrk="1" fontAlgn="auto" latinLnBrk="1" hangingPunct="1">
+              <a:lnSpc>
+                <a:spcPct val="100000"/>
+              </a:lnSpc>
+              <a:spcBef>
+                <a:spcPts val="0"/>
+              </a:spcBef>
+              <a:spcAft>
+                <a:spcPts val="0"/>
+              </a:spcAft>
+              <a:buClrTx/>
+              <a:buSzTx/>
+              <a:buFontTx/>
+              <a:buNone/>
+              <a:tabLst/>
+              <a:defRPr/>
+            </a:pPr>
+            <a:endParaRPr kumimoji="0" lang="en-US" altLang="ko-KR" sz="600" b="0" i="0" u="none" strike="noStrike" kern="1200" cap="none" spc="0" normalizeH="0" baseline="0" noProof="0">
+              <a:ln>
+                <a:noFill/>
+              </a:ln>
+              <a:solidFill>
+                <a:prstClr val="white">
+                  <a:lumMod val="95000"/>
+                </a:prstClr>
+              </a:solidFill>
+              <a:effectLst/>
+              <a:uLnTx/>
+              <a:uFillTx/>
+              <a:latin typeface="휴먼매직체" panose="02030504000101010101" pitchFamily="18" charset="-127"/>
+              <a:ea typeface="휴먼매직체" panose="02030504000101010101" pitchFamily="18" charset="-127"/>
+              <a:cs typeface="+mn-cs"/>
+            </a:endParaRPr>
+          </a:p>
+          <a:p>
+            <a:pPr marL="0" marR="0" lvl="0" indent="0" algn="ctr" defTabSz="914400" rtl="0" eaLnBrk="1" fontAlgn="auto" latinLnBrk="1" hangingPunct="1">
+              <a:lnSpc>
+                <a:spcPct val="100000"/>
+              </a:lnSpc>
+              <a:spcBef>
+                <a:spcPts val="0"/>
+              </a:spcBef>
+              <a:spcAft>
+                <a:spcPts val="0"/>
+              </a:spcAft>
+              <a:buClrTx/>
+              <a:buSzTx/>
+              <a:buFontTx/>
+              <a:buNone/>
+              <a:tabLst/>
+              <a:defRPr/>
+            </a:pPr>
+            <a:r>
+              <a:rPr kumimoji="0" lang="ko-KR" altLang="en-US" sz="1400" b="0" i="0" u="none" strike="noStrike" kern="1200" cap="none" spc="0" normalizeH="0" baseline="0" noProof="0">
+                <a:ln>
+                  <a:noFill/>
+                </a:ln>
+                <a:solidFill>
+                  <a:prstClr val="white">
+                    <a:lumMod val="95000"/>
+                  </a:prstClr>
+                </a:solidFill>
+                <a:effectLst/>
+                <a:uLnTx/>
+                <a:uFillTx/>
+                <a:latin typeface="휴먼매직체" panose="02030504000101010101" pitchFamily="18" charset="-127"/>
+                <a:ea typeface="휴먼매직체" panose="02030504000101010101" pitchFamily="18" charset="-127"/>
+                <a:cs typeface="+mn-cs"/>
+              </a:rPr>
+              <a:t>식단</a:t>
+            </a:r>
+            <a:r>
+              <a:rPr kumimoji="0" lang="en-US" altLang="ko-KR" sz="1400" b="0" i="0" u="none" strike="noStrike" kern="1200" cap="none" spc="0" normalizeH="0" baseline="0" noProof="0">
+                <a:ln>
+                  <a:noFill/>
+                </a:ln>
+                <a:solidFill>
+                  <a:prstClr val="white">
+                    <a:lumMod val="95000"/>
+                  </a:prstClr>
+                </a:solidFill>
+                <a:effectLst/>
+                <a:uLnTx/>
+                <a:uFillTx/>
+                <a:latin typeface="휴먼매직체" panose="02030504000101010101" pitchFamily="18" charset="-127"/>
+                <a:ea typeface="휴먼매직체" panose="02030504000101010101" pitchFamily="18" charset="-127"/>
+                <a:cs typeface="+mn-cs"/>
+              </a:rPr>
+              <a:t>, </a:t>
+            </a:r>
+            <a:r>
+              <a:rPr kumimoji="0" lang="ko-KR" altLang="en-US" sz="1400" b="0" i="0" u="none" strike="noStrike" kern="1200" cap="none" spc="0" normalizeH="0" baseline="0" noProof="0">
+                <a:ln>
+                  <a:noFill/>
+                </a:ln>
+                <a:solidFill>
+                  <a:prstClr val="white">
+                    <a:lumMod val="95000"/>
+                  </a:prstClr>
+                </a:solidFill>
+                <a:effectLst/>
+                <a:uLnTx/>
+                <a:uFillTx/>
+                <a:latin typeface="휴먼매직체" panose="02030504000101010101" pitchFamily="18" charset="-127"/>
+                <a:ea typeface="휴먼매직체" panose="02030504000101010101" pitchFamily="18" charset="-127"/>
+                <a:cs typeface="+mn-cs"/>
+              </a:rPr>
+              <a:t>운동</a:t>
+            </a:r>
+            <a:r>
+              <a:rPr kumimoji="0" lang="en-US" altLang="ko-KR" sz="1400" b="0" i="0" u="none" strike="noStrike" kern="1200" cap="none" spc="0" normalizeH="0" baseline="0" noProof="0">
+                <a:ln>
+                  <a:noFill/>
+                </a:ln>
+                <a:solidFill>
+                  <a:prstClr val="white">
+                    <a:lumMod val="95000"/>
+                  </a:prstClr>
+                </a:solidFill>
+                <a:effectLst/>
+                <a:uLnTx/>
+                <a:uFillTx/>
+                <a:latin typeface="휴먼매직체" panose="02030504000101010101" pitchFamily="18" charset="-127"/>
+                <a:ea typeface="휴먼매직체" panose="02030504000101010101" pitchFamily="18" charset="-127"/>
+                <a:cs typeface="+mn-cs"/>
+              </a:rPr>
+              <a:t>, </a:t>
+            </a:r>
+            <a:r>
+              <a:rPr kumimoji="0" lang="ko-KR" altLang="en-US" sz="1400" b="0" i="0" u="none" strike="noStrike" kern="1200" cap="none" spc="0" normalizeH="0" baseline="0" noProof="0">
+                <a:ln>
+                  <a:noFill/>
+                </a:ln>
+                <a:solidFill>
+                  <a:prstClr val="white">
+                    <a:lumMod val="95000"/>
+                  </a:prstClr>
+                </a:solidFill>
+                <a:effectLst/>
+                <a:uLnTx/>
+                <a:uFillTx/>
+                <a:latin typeface="휴먼매직체" panose="02030504000101010101" pitchFamily="18" charset="-127"/>
+                <a:ea typeface="휴먼매직체" panose="02030504000101010101" pitchFamily="18" charset="-127"/>
+                <a:cs typeface="+mn-cs"/>
+              </a:rPr>
+              <a:t>신체 기록 앱</a:t>
+            </a:r>
+            <a:endParaRPr kumimoji="0" lang="en-US" altLang="ko-KR" sz="1400" b="0" i="0" u="none" strike="noStrike" kern="1200" cap="none" spc="0" normalizeH="0" baseline="0" noProof="0">
+              <a:ln>
+                <a:noFill/>
+              </a:ln>
+              <a:solidFill>
+                <a:prstClr val="white">
+                  <a:lumMod val="95000"/>
+                </a:prstClr>
+              </a:solidFill>
+              <a:effectLst/>
+              <a:uLnTx/>
+              <a:uFillTx/>
+              <a:latin typeface="휴먼매직체" panose="02030504000101010101" pitchFamily="18" charset="-127"/>
+              <a:ea typeface="휴먼매직체" panose="02030504000101010101" pitchFamily="18" charset="-127"/>
+              <a:cs typeface="+mn-cs"/>
+            </a:endParaRPr>
           </a:p>
         </p:txBody>
       </p:sp>
@@ -43890,8 +48400,8 @@
         </p:nvSpPr>
         <p:spPr>
           <a:xfrm>
-            <a:off x="5403694" y="4620610"/>
-            <a:ext cx="1438585" cy="707886"/>
+            <a:off x="4494470" y="4621472"/>
+            <a:ext cx="3446691" cy="723275"/>
           </a:xfrm>
           <a:prstGeom prst="rect">
             <a:avLst/>
@@ -43955,7 +48465,26 @@
               </a:rPr>
               <a:t>(Suggestic)</a:t>
             </a:r>
-            <a:endParaRPr kumimoji="0" lang="ko-KR" altLang="en-US" sz="2000" b="0" i="0" u="none" strike="noStrike" kern="1200" cap="none" spc="0" normalizeH="0" baseline="0" noProof="0">
+          </a:p>
+          <a:p>
+            <a:pPr marL="0" marR="0" lvl="0" indent="0" algn="ctr" defTabSz="914400" rtl="0" eaLnBrk="1" fontAlgn="auto" latinLnBrk="1" hangingPunct="1">
+              <a:lnSpc>
+                <a:spcPct val="100000"/>
+              </a:lnSpc>
+              <a:spcBef>
+                <a:spcPts val="0"/>
+              </a:spcBef>
+              <a:spcAft>
+                <a:spcPts val="0"/>
+              </a:spcAft>
+              <a:buClrTx/>
+              <a:buSzTx/>
+              <a:buFontTx/>
+              <a:buNone/>
+              <a:tabLst/>
+              <a:defRPr/>
+            </a:pPr>
+            <a:endParaRPr kumimoji="0" lang="en-US" altLang="ko-KR" sz="600" b="0" i="0" u="none" strike="noStrike" kern="1200" cap="none" spc="0" normalizeH="0" baseline="0" noProof="0">
               <a:ln>
                 <a:noFill/>
               </a:ln>
@@ -43969,6 +48498,42 @@
               <a:ea typeface="휴먼매직체" panose="02030504000101010101" pitchFamily="18" charset="-127"/>
               <a:cs typeface="+mn-cs"/>
             </a:endParaRPr>
+          </a:p>
+          <a:p>
+            <a:pPr marL="0" marR="0" lvl="0" indent="0" algn="ctr" defTabSz="914400" rtl="0" eaLnBrk="1" fontAlgn="auto" latinLnBrk="1" hangingPunct="1">
+              <a:lnSpc>
+                <a:spcPct val="100000"/>
+              </a:lnSpc>
+              <a:spcBef>
+                <a:spcPts val="0"/>
+              </a:spcBef>
+              <a:spcAft>
+                <a:spcPts val="0"/>
+              </a:spcAft>
+              <a:buClrTx/>
+              <a:buSzTx/>
+              <a:buFontTx/>
+              <a:buNone/>
+              <a:tabLst/>
+              <a:defRPr/>
+            </a:pPr>
+            <a:r>
+              <a:rPr kumimoji="0" lang="ko-KR" altLang="en-US" sz="1400" b="0" i="0" u="none" strike="noStrike" kern="1200" cap="none" spc="0" normalizeH="0" baseline="0" noProof="0">
+                <a:ln>
+                  <a:noFill/>
+                </a:ln>
+                <a:solidFill>
+                  <a:prstClr val="white"/>
+                </a:solidFill>
+                <a:effectLst/>
+                <a:uLnTx/>
+                <a:uFillTx/>
+                <a:latin typeface="휴먼매직체" panose="02030504000101010101" pitchFamily="18" charset="-127"/>
+                <a:ea typeface="휴먼매직체" panose="02030504000101010101" pitchFamily="18" charset="-127"/>
+                <a:cs typeface="+mn-cs"/>
+              </a:rPr>
+              <a:t>나에게 맞는 음식을 제안하는 앱</a:t>
+            </a:r>
           </a:p>
         </p:txBody>
       </p:sp>
@@ -44008,52 +48573,23 @@
           </a:prstGeom>
         </p:spPr>
       </p:pic>
-      <p:sp>
-        <p:nvSpPr>
-          <p:cNvPr id="2" name="슬라이드 번호 개체 틀 1">
-            <a:extLst>
-              <a:ext uri="{FF2B5EF4-FFF2-40B4-BE49-F238E27FC236}">
-                <a16:creationId xmlns:a16="http://schemas.microsoft.com/office/drawing/2014/main" id="{51EE3FFD-5D07-B475-2C2C-0E43BEC305FA}"/>
-              </a:ext>
-            </a:extLst>
-          </p:cNvPr>
-          <p:cNvSpPr>
-            <a:spLocks noGrp="1"/>
-          </p:cNvSpPr>
-          <p:nvPr>
-            <p:ph type="sldNum" sz="quarter" idx="12"/>
-          </p:nvPr>
-        </p:nvSpPr>
-        <p:spPr/>
-        <p:txBody>
-          <a:bodyPr/>
-          <a:lstStyle/>
-          <a:p>
-            <a:fld id="{5595EC94-8EAF-486A-983B-99B1085AE833}" type="slidenum">
-              <a:rPr lang="ko-KR" altLang="en-US" smtClean="0"/>
-              <a:t>6</a:t>
-            </a:fld>
-            <a:endParaRPr lang="ko-KR" altLang="en-US"/>
-          </a:p>
-        </p:txBody>
-      </p:sp>
     </p:spTree>
     <p:extLst>
       <p:ext uri="{BB962C8B-B14F-4D97-AF65-F5344CB8AC3E}">
-        <p14:creationId xmlns:p14="http://schemas.microsoft.com/office/powerpoint/2010/main" val="30949534"/>
+        <p14:creationId xmlns:p14="http://schemas.microsoft.com/office/powerpoint/2010/main" val="2285601434"/>
       </p:ext>
     </p:extLst>
   </p:cSld>
   <p:clrMapOvr>
     <a:masterClrMapping/>
   </p:clrMapOvr>
-  <mc:AlternateContent xmlns:mc="http://schemas.openxmlformats.org/markup-compatibility/2006" xmlns:p14="http://schemas.microsoft.com/office/powerpoint/2010/main">
-    <mc:Choice Requires="p14">
+  <mc:AlternateContent xmlns:mc="http://schemas.openxmlformats.org/markup-compatibility/2006">
+    <mc:Choice xmlns:p14="http://schemas.microsoft.com/office/powerpoint/2010/main" Requires="p14">
       <p:transition spd="med" p14:dur="700">
         <p:fade/>
       </p:transition>
     </mc:Choice>
-    <mc:Fallback xmlns="">
+    <mc:Fallback>
       <p:transition spd="med">
         <p:fade/>
       </p:transition>
@@ -48189,6 +52725,207 @@
 </file>
 
 <file path=ppt/theme/theme2.xml><?xml version="1.0" encoding="utf-8"?>
+<a:theme xmlns:a="http://schemas.openxmlformats.org/drawingml/2006/main" name="1_Office 테마">
+  <a:themeElements>
+    <a:clrScheme name="winterdream">
+      <a:dk1>
+        <a:sysClr val="windowText" lastClr="000000"/>
+      </a:dk1>
+      <a:lt1>
+        <a:sysClr val="window" lastClr="FFFFFF"/>
+      </a:lt1>
+      <a:dk2>
+        <a:srgbClr val="44546A"/>
+      </a:dk2>
+      <a:lt2>
+        <a:srgbClr val="E7E6E6"/>
+      </a:lt2>
+      <a:accent1>
+        <a:srgbClr val="21345C"/>
+      </a:accent1>
+      <a:accent2>
+        <a:srgbClr val="326393"/>
+      </a:accent2>
+      <a:accent3>
+        <a:srgbClr val="6D8CAC"/>
+      </a:accent3>
+      <a:accent4>
+        <a:srgbClr val="C9CACF"/>
+      </a:accent4>
+      <a:accent5>
+        <a:srgbClr val="CAB5BD"/>
+      </a:accent5>
+      <a:accent6>
+        <a:srgbClr val="F1ECE6"/>
+      </a:accent6>
+      <a:hlink>
+        <a:srgbClr val="3F3F3F"/>
+      </a:hlink>
+      <a:folHlink>
+        <a:srgbClr val="3F3F3F"/>
+      </a:folHlink>
+    </a:clrScheme>
+    <a:fontScheme name="마루 부리 Beta">
+      <a:majorFont>
+        <a:latin typeface="마루 부리 Beta"/>
+        <a:ea typeface="마루 부리 Beta"/>
+        <a:cs typeface=""/>
+      </a:majorFont>
+      <a:minorFont>
+        <a:latin typeface="마루 부리 Beta"/>
+        <a:ea typeface="마루 부리 Beta"/>
+        <a:cs typeface=""/>
+      </a:minorFont>
+    </a:fontScheme>
+    <a:fmtScheme name="Office">
+      <a:fillStyleLst>
+        <a:solidFill>
+          <a:schemeClr val="phClr"/>
+        </a:solidFill>
+        <a:gradFill rotWithShape="1">
+          <a:gsLst>
+            <a:gs pos="0">
+              <a:schemeClr val="phClr">
+                <a:lumMod val="110000"/>
+                <a:satMod val="105000"/>
+                <a:tint val="67000"/>
+              </a:schemeClr>
+            </a:gs>
+            <a:gs pos="50000">
+              <a:schemeClr val="phClr">
+                <a:lumMod val="105000"/>
+                <a:satMod val="103000"/>
+                <a:tint val="73000"/>
+              </a:schemeClr>
+            </a:gs>
+            <a:gs pos="100000">
+              <a:schemeClr val="phClr">
+                <a:lumMod val="105000"/>
+                <a:satMod val="109000"/>
+                <a:tint val="81000"/>
+              </a:schemeClr>
+            </a:gs>
+          </a:gsLst>
+          <a:lin ang="5400000" scaled="0"/>
+        </a:gradFill>
+        <a:gradFill rotWithShape="1">
+          <a:gsLst>
+            <a:gs pos="0">
+              <a:schemeClr val="phClr">
+                <a:satMod val="103000"/>
+                <a:lumMod val="102000"/>
+                <a:tint val="94000"/>
+              </a:schemeClr>
+            </a:gs>
+            <a:gs pos="50000">
+              <a:schemeClr val="phClr">
+                <a:satMod val="110000"/>
+                <a:lumMod val="100000"/>
+                <a:shade val="100000"/>
+              </a:schemeClr>
+            </a:gs>
+            <a:gs pos="100000">
+              <a:schemeClr val="phClr">
+                <a:lumMod val="99000"/>
+                <a:satMod val="120000"/>
+                <a:shade val="78000"/>
+              </a:schemeClr>
+            </a:gs>
+          </a:gsLst>
+          <a:lin ang="5400000" scaled="0"/>
+        </a:gradFill>
+      </a:fillStyleLst>
+      <a:lnStyleLst>
+        <a:ln w="6350" cap="flat" cmpd="sng" algn="ctr">
+          <a:solidFill>
+            <a:schemeClr val="phClr"/>
+          </a:solidFill>
+          <a:prstDash val="solid"/>
+          <a:miter lim="800000"/>
+        </a:ln>
+        <a:ln w="12700" cap="flat" cmpd="sng" algn="ctr">
+          <a:solidFill>
+            <a:schemeClr val="phClr"/>
+          </a:solidFill>
+          <a:prstDash val="solid"/>
+          <a:miter lim="800000"/>
+        </a:ln>
+        <a:ln w="19050" cap="flat" cmpd="sng" algn="ctr">
+          <a:solidFill>
+            <a:schemeClr val="phClr"/>
+          </a:solidFill>
+          <a:prstDash val="solid"/>
+          <a:miter lim="800000"/>
+        </a:ln>
+      </a:lnStyleLst>
+      <a:effectStyleLst>
+        <a:effectStyle>
+          <a:effectLst/>
+        </a:effectStyle>
+        <a:effectStyle>
+          <a:effectLst/>
+        </a:effectStyle>
+        <a:effectStyle>
+          <a:effectLst>
+            <a:outerShdw blurRad="57150" dist="19050" dir="5400000" algn="ctr" rotWithShape="0">
+              <a:srgbClr val="000000">
+                <a:alpha val="63000"/>
+              </a:srgbClr>
+            </a:outerShdw>
+          </a:effectLst>
+        </a:effectStyle>
+      </a:effectStyleLst>
+      <a:bgFillStyleLst>
+        <a:solidFill>
+          <a:schemeClr val="phClr"/>
+        </a:solidFill>
+        <a:solidFill>
+          <a:schemeClr val="phClr">
+            <a:tint val="95000"/>
+            <a:satMod val="170000"/>
+          </a:schemeClr>
+        </a:solidFill>
+        <a:gradFill rotWithShape="1">
+          <a:gsLst>
+            <a:gs pos="0">
+              <a:schemeClr val="phClr">
+                <a:tint val="93000"/>
+                <a:satMod val="150000"/>
+                <a:shade val="98000"/>
+                <a:lumMod val="102000"/>
+              </a:schemeClr>
+            </a:gs>
+            <a:gs pos="50000">
+              <a:schemeClr val="phClr">
+                <a:tint val="98000"/>
+                <a:satMod val="130000"/>
+                <a:shade val="90000"/>
+                <a:lumMod val="103000"/>
+              </a:schemeClr>
+            </a:gs>
+            <a:gs pos="100000">
+              <a:schemeClr val="phClr">
+                <a:shade val="63000"/>
+                <a:satMod val="120000"/>
+              </a:schemeClr>
+            </a:gs>
+          </a:gsLst>
+          <a:lin ang="5400000" scaled="0"/>
+        </a:gradFill>
+      </a:bgFillStyleLst>
+    </a:fmtScheme>
+  </a:themeElements>
+  <a:objectDefaults/>
+  <a:extraClrSchemeLst/>
+  <a:extLst>
+    <a:ext uri="{05A4C25C-085E-4340-85A3-A5531E510DB2}">
+      <thm15:themeFamily xmlns:thm15="http://schemas.microsoft.com/office/thememl/2012/main" name="Office Theme" id="{62F939B6-93AF-4DB8-9C6B-D6C7DFDC589F}" vid="{4A3C46E8-61CC-4603-A589-7422A47A8E4A}"/>
+    </a:ext>
+  </a:extLst>
+</a:theme>
+</file>
+
+<file path=ppt/theme/theme3.xml><?xml version="1.0" encoding="utf-8"?>
 <a:theme xmlns:a="http://schemas.openxmlformats.org/drawingml/2006/main" name="Office 테마">
   <a:themeElements>
     <a:clrScheme name="Office">

--- a/기말과제.pptx
+++ b/기말과제.pptx
@@ -684,7 +684,7 @@
   <pc:docChgLst>
     <pc:chgData name="yoon xihyeon" userId="b03689a23d6da60b" providerId="LiveId" clId="{5D914AD7-9230-47CE-8F52-5A96260F97A5}"/>
     <pc:docChg chg="undo redo custSel addSld delSld modSld sldOrd">
-      <pc:chgData name="yoon xihyeon" userId="b03689a23d6da60b" providerId="LiveId" clId="{5D914AD7-9230-47CE-8F52-5A96260F97A5}" dt="2022-12-03T10:37:42.911" v="2153" actId="47"/>
+      <pc:chgData name="yoon xihyeon" userId="b03689a23d6da60b" providerId="LiveId" clId="{5D914AD7-9230-47CE-8F52-5A96260F97A5}" dt="2022-12-03T11:18:16.584" v="2158" actId="1076"/>
       <pc:docMkLst>
         <pc:docMk/>
       </pc:docMkLst>
@@ -2356,7 +2356,7 @@
         </pc:spChg>
       </pc:sldChg>
       <pc:sldChg chg="modSp add mod">
-        <pc:chgData name="yoon xihyeon" userId="b03689a23d6da60b" providerId="LiveId" clId="{5D914AD7-9230-47CE-8F52-5A96260F97A5}" dt="2022-12-03T10:33:51.401" v="2096" actId="20577"/>
+        <pc:chgData name="yoon xihyeon" userId="b03689a23d6da60b" providerId="LiveId" clId="{5D914AD7-9230-47CE-8F52-5A96260F97A5}" dt="2022-12-03T11:18:16.584" v="2158" actId="1076"/>
         <pc:sldMkLst>
           <pc:docMk/>
           <pc:sldMk cId="1848810976" sldId="352"/>
@@ -2386,7 +2386,7 @@
           </ac:spMkLst>
         </pc:spChg>
         <pc:spChg chg="mod">
-          <ac:chgData name="yoon xihyeon" userId="b03689a23d6da60b" providerId="LiveId" clId="{5D914AD7-9230-47CE-8F52-5A96260F97A5}" dt="2022-12-03T10:01:10.115" v="1411" actId="1076"/>
+          <ac:chgData name="yoon xihyeon" userId="b03689a23d6da60b" providerId="LiveId" clId="{5D914AD7-9230-47CE-8F52-5A96260F97A5}" dt="2022-12-03T11:18:16.584" v="2158" actId="1076"/>
           <ac:spMkLst>
             <pc:docMk/>
             <pc:sldMk cId="1848810976" sldId="352"/>
@@ -32887,13 +32887,13 @@
   <p:clrMapOvr>
     <a:masterClrMapping/>
   </p:clrMapOvr>
-  <mc:AlternateContent xmlns:mc="http://schemas.openxmlformats.org/markup-compatibility/2006">
-    <mc:Choice xmlns:p14="http://schemas.microsoft.com/office/powerpoint/2010/main" Requires="p14">
+  <mc:AlternateContent xmlns:mc="http://schemas.openxmlformats.org/markup-compatibility/2006" xmlns:p14="http://schemas.microsoft.com/office/powerpoint/2010/main">
+    <mc:Choice Requires="p14">
       <p:transition spd="med" p14:dur="700">
         <p:fade/>
       </p:transition>
     </mc:Choice>
-    <mc:Fallback>
+    <mc:Fallback xmlns="">
       <p:transition spd="med">
         <p:fade/>
       </p:transition>
@@ -33292,8 +33292,8 @@
           </p:nvSpPr>
           <p:spPr>
             <a:xfrm>
-              <a:off x="1367525" y="2644201"/>
-              <a:ext cx="8709094" cy="2554545"/>
+              <a:off x="1367525" y="2803786"/>
+              <a:ext cx="8709094" cy="1938992"/>
             </a:xfrm>
             <a:prstGeom prst="rect">
               <a:avLst/>
@@ -33330,7 +33330,58 @@
                   <a:latin typeface="휴먼매직체" panose="02030504000101010101" pitchFamily="18" charset="-127"/>
                   <a:ea typeface="휴먼매직체" panose="02030504000101010101" pitchFamily="18" charset="-127"/>
                 </a:rPr>
-                <a:t>메뉴스캔시 음식에 들어가는 성분들을 분석해 수치화된 영양정보를 </a:t>
+                <a:t>메뉴판 혹은 음식제품의 큐알 코드 스캔시</a:t>
+              </a:r>
+              <a:r>
+                <a:rPr lang="en-US" altLang="ko-KR" sz="2000">
+                  <a:solidFill>
+                    <a:schemeClr val="accent3">
+                      <a:lumMod val="20000"/>
+                      <a:lumOff val="80000"/>
+                    </a:schemeClr>
+                  </a:solidFill>
+                  <a:latin typeface="휴먼매직체" panose="02030504000101010101" pitchFamily="18" charset="-127"/>
+                  <a:ea typeface="휴먼매직체" panose="02030504000101010101" pitchFamily="18" charset="-127"/>
+                </a:rPr>
+                <a:t>,</a:t>
+              </a:r>
+              <a:r>
+                <a:rPr lang="ko-KR" altLang="en-US" sz="2000">
+                  <a:solidFill>
+                    <a:schemeClr val="accent3">
+                      <a:lumMod val="20000"/>
+                      <a:lumOff val="80000"/>
+                    </a:schemeClr>
+                  </a:solidFill>
+                  <a:latin typeface="휴먼매직체" panose="02030504000101010101" pitchFamily="18" charset="-127"/>
+                  <a:ea typeface="휴먼매직체" panose="02030504000101010101" pitchFamily="18" charset="-127"/>
+                </a:rPr>
+                <a:t> 음식에 들어가는 성분들을 분석해 수치화된 </a:t>
+              </a:r>
+              <a:endParaRPr lang="en-US" altLang="ko-KR" sz="2000">
+                <a:solidFill>
+                  <a:schemeClr val="accent3">
+                    <a:lumMod val="20000"/>
+                    <a:lumOff val="80000"/>
+                  </a:schemeClr>
+                </a:solidFill>
+                <a:latin typeface="휴먼매직체" panose="02030504000101010101" pitchFamily="18" charset="-127"/>
+                <a:ea typeface="휴먼매직체" panose="02030504000101010101" pitchFamily="18" charset="-127"/>
+              </a:endParaRPr>
+            </a:p>
+            <a:p>
+              <a:r>
+                <a:rPr lang="ko-KR" altLang="en-US" sz="2000">
+                  <a:solidFill>
+                    <a:schemeClr val="accent3">
+                      <a:lumMod val="20000"/>
+                      <a:lumOff val="80000"/>
+                    </a:schemeClr>
+                  </a:solidFill>
+                  <a:latin typeface="휴먼매직체" panose="02030504000101010101" pitchFamily="18" charset="-127"/>
+                  <a:ea typeface="휴먼매직체" panose="02030504000101010101" pitchFamily="18" charset="-127"/>
+                </a:rPr>
+                <a:t>영양정보를 </a:t>
               </a:r>
               <a:r>
                 <a:rPr lang="en-US" altLang="ko-KR" sz="2000">
@@ -33356,7 +33407,7 @@
                   <a:latin typeface="휴먼매직체" panose="02030504000101010101" pitchFamily="18" charset="-127"/>
                   <a:ea typeface="휴먼매직체" panose="02030504000101010101" pitchFamily="18" charset="-127"/>
                 </a:rPr>
-                <a:t>로 제공</a:t>
+                <a:t>로 제공 및 나의 체질에 맞는 가장 좋은 메뉴 추천</a:t>
               </a:r>
               <a:endParaRPr lang="en-US" altLang="ko-KR" sz="2000">
                 <a:solidFill>
@@ -33459,108 +33510,6 @@
                   <a:ea typeface="휴먼매직체" panose="02030504000101010101" pitchFamily="18" charset="-127"/>
                 </a:rPr>
                 <a:t>로 표시</a:t>
-              </a:r>
-              <a:endParaRPr lang="en-US" altLang="ko-KR" sz="2000">
-                <a:solidFill>
-                  <a:schemeClr val="accent3">
-                    <a:lumMod val="20000"/>
-                    <a:lumOff val="80000"/>
-                  </a:schemeClr>
-                </a:solidFill>
-                <a:latin typeface="휴먼매직체" panose="02030504000101010101" pitchFamily="18" charset="-127"/>
-                <a:ea typeface="휴먼매직체" panose="02030504000101010101" pitchFamily="18" charset="-127"/>
-              </a:endParaRPr>
-            </a:p>
-            <a:p>
-              <a:endParaRPr lang="ko-KR" altLang="en-US" sz="2000">
-                <a:solidFill>
-                  <a:schemeClr val="accent3">
-                    <a:lumMod val="20000"/>
-                    <a:lumOff val="80000"/>
-                  </a:schemeClr>
-                </a:solidFill>
-                <a:latin typeface="휴먼매직체" panose="02030504000101010101" pitchFamily="18" charset="-127"/>
-                <a:ea typeface="휴먼매직체" panose="02030504000101010101" pitchFamily="18" charset="-127"/>
-              </a:endParaRPr>
-            </a:p>
-            <a:p>
-              <a:r>
-                <a:rPr lang="en-US" altLang="ko-KR" sz="2000">
-                  <a:solidFill>
-                    <a:schemeClr val="accent3">
-                      <a:lumMod val="20000"/>
-                      <a:lumOff val="80000"/>
-                    </a:schemeClr>
-                  </a:solidFill>
-                  <a:latin typeface="휴먼매직체" panose="02030504000101010101" pitchFamily="18" charset="-127"/>
-                  <a:ea typeface="휴먼매직체" panose="02030504000101010101" pitchFamily="18" charset="-127"/>
-                </a:rPr>
-                <a:t>-</a:t>
-              </a:r>
-              <a:r>
-                <a:rPr lang="ko-KR" altLang="en-US" sz="2000">
-                  <a:solidFill>
-                    <a:schemeClr val="accent3">
-                      <a:lumMod val="20000"/>
-                      <a:lumOff val="80000"/>
-                    </a:schemeClr>
-                  </a:solidFill>
-                  <a:latin typeface="휴먼매직체" panose="02030504000101010101" pitchFamily="18" charset="-127"/>
-                  <a:ea typeface="휴먼매직체" panose="02030504000101010101" pitchFamily="18" charset="-127"/>
-                </a:rPr>
-                <a:t>메뉴판 혹은 음식제품의 큐알 코드 스캔시</a:t>
-              </a:r>
-              <a:r>
-                <a:rPr lang="en-US" altLang="ko-KR" sz="2000">
-                  <a:solidFill>
-                    <a:schemeClr val="accent3">
-                      <a:lumMod val="20000"/>
-                      <a:lumOff val="80000"/>
-                    </a:schemeClr>
-                  </a:solidFill>
-                  <a:latin typeface="휴먼매직체" panose="02030504000101010101" pitchFamily="18" charset="-127"/>
-                  <a:ea typeface="휴먼매직체" panose="02030504000101010101" pitchFamily="18" charset="-127"/>
-                </a:rPr>
-                <a:t>, </a:t>
-              </a:r>
-              <a:r>
-                <a:rPr lang="ko-KR" altLang="en-US" sz="2000">
-                  <a:solidFill>
-                    <a:schemeClr val="accent3">
-                      <a:lumMod val="20000"/>
-                      <a:lumOff val="80000"/>
-                    </a:schemeClr>
-                  </a:solidFill>
-                  <a:latin typeface="휴먼매직체" panose="02030504000101010101" pitchFamily="18" charset="-127"/>
-                  <a:ea typeface="휴먼매직체" panose="02030504000101010101" pitchFamily="18" charset="-127"/>
-                </a:rPr>
-                <a:t>식단정보 추출 및 영양성분표시 </a:t>
-              </a:r>
-              <a:r>
-                <a:rPr lang="en-US" altLang="ko-KR" sz="2000">
-                  <a:solidFill>
-                    <a:schemeClr val="accent3">
-                      <a:lumMod val="20000"/>
-                      <a:lumOff val="80000"/>
-                    </a:schemeClr>
-                  </a:solidFill>
-                  <a:latin typeface="휴먼매직체" panose="02030504000101010101" pitchFamily="18" charset="-127"/>
-                  <a:ea typeface="휴먼매직체" panose="02030504000101010101" pitchFamily="18" charset="-127"/>
-                </a:rPr>
-                <a:t>, </a:t>
-              </a:r>
-              <a:r>
-                <a:rPr lang="ko-KR" altLang="en-US" sz="2000">
-                  <a:solidFill>
-                    <a:schemeClr val="accent3">
-                      <a:lumMod val="20000"/>
-                      <a:lumOff val="80000"/>
-                    </a:schemeClr>
-                  </a:solidFill>
-                  <a:latin typeface="휴먼매직체" panose="02030504000101010101" pitchFamily="18" charset="-127"/>
-                  <a:ea typeface="휴먼매직체" panose="02030504000101010101" pitchFamily="18" charset="-127"/>
-                </a:rPr>
-                <a:t>나의 체질에 맞는 가장 좋은 메뉴 추천</a:t>
               </a:r>
               <a:endParaRPr lang="en-US" altLang="ko-KR" sz="2000">
                 <a:solidFill>
@@ -33749,13 +33698,13 @@
   <p:clrMapOvr>
     <a:masterClrMapping/>
   </p:clrMapOvr>
-  <mc:AlternateContent xmlns:mc="http://schemas.openxmlformats.org/markup-compatibility/2006">
-    <mc:Choice xmlns:p14="http://schemas.microsoft.com/office/powerpoint/2010/main" Requires="p14">
+  <mc:AlternateContent xmlns:mc="http://schemas.openxmlformats.org/markup-compatibility/2006" xmlns:p14="http://schemas.microsoft.com/office/powerpoint/2010/main">
+    <mc:Choice Requires="p14">
       <p:transition spd="med" p14:dur="700">
         <p:fade/>
       </p:transition>
     </mc:Choice>
-    <mc:Fallback>
+    <mc:Fallback xmlns="">
       <p:transition spd="med">
         <p:fade/>
       </p:transition>
@@ -35944,13 +35893,13 @@
   <p:clrMapOvr>
     <a:masterClrMapping/>
   </p:clrMapOvr>
-  <mc:AlternateContent xmlns:mc="http://schemas.openxmlformats.org/markup-compatibility/2006">
-    <mc:Choice xmlns:p14="http://schemas.microsoft.com/office/powerpoint/2010/main" Requires="p14">
+  <mc:AlternateContent xmlns:mc="http://schemas.openxmlformats.org/markup-compatibility/2006" xmlns:p14="http://schemas.microsoft.com/office/powerpoint/2010/main">
+    <mc:Choice Requires="p14">
       <p:transition spd="med" p14:dur="700">
         <p:fade/>
       </p:transition>
     </mc:Choice>
-    <mc:Fallback>
+    <mc:Fallback xmlns="">
       <p:transition spd="med">
         <p:fade/>
       </p:transition>
@@ -37822,13 +37771,13 @@
   <p:clrMapOvr>
     <a:masterClrMapping/>
   </p:clrMapOvr>
-  <mc:AlternateContent xmlns:mc="http://schemas.openxmlformats.org/markup-compatibility/2006">
-    <mc:Choice xmlns:p14="http://schemas.microsoft.com/office/powerpoint/2010/main" Requires="p14">
+  <mc:AlternateContent xmlns:mc="http://schemas.openxmlformats.org/markup-compatibility/2006" xmlns:p14="http://schemas.microsoft.com/office/powerpoint/2010/main">
+    <mc:Choice Requires="p14">
       <p:transition spd="med" p14:dur="700">
         <p:fade/>
       </p:transition>
     </mc:Choice>
-    <mc:Fallback>
+    <mc:Fallback xmlns="">
       <p:transition spd="med">
         <p:fade/>
       </p:transition>
@@ -38225,13 +38174,13 @@
   <p:clrMapOvr>
     <a:masterClrMapping/>
   </p:clrMapOvr>
-  <mc:AlternateContent xmlns:mc="http://schemas.openxmlformats.org/markup-compatibility/2006">
-    <mc:Choice xmlns:p14="http://schemas.microsoft.com/office/powerpoint/2010/main" Requires="p14">
+  <mc:AlternateContent xmlns:mc="http://schemas.openxmlformats.org/markup-compatibility/2006" xmlns:p14="http://schemas.microsoft.com/office/powerpoint/2010/main">
+    <mc:Choice Requires="p14">
       <p:transition spd="med" p14:dur="700">
         <p:fade/>
       </p:transition>
     </mc:Choice>
-    <mc:Fallback>
+    <mc:Fallback xmlns="">
       <p:transition spd="med">
         <p:fade/>
       </p:transition>
@@ -38628,13 +38577,13 @@
   <p:clrMapOvr>
     <a:masterClrMapping/>
   </p:clrMapOvr>
-  <mc:AlternateContent xmlns:mc="http://schemas.openxmlformats.org/markup-compatibility/2006">
-    <mc:Choice xmlns:p14="http://schemas.microsoft.com/office/powerpoint/2010/main" Requires="p14">
+  <mc:AlternateContent xmlns:mc="http://schemas.openxmlformats.org/markup-compatibility/2006" xmlns:p14="http://schemas.microsoft.com/office/powerpoint/2010/main">
+    <mc:Choice Requires="p14">
       <p:transition spd="med" p14:dur="700">
         <p:fade/>
       </p:transition>
     </mc:Choice>
-    <mc:Fallback>
+    <mc:Fallback xmlns="">
       <p:transition spd="med">
         <p:fade/>
       </p:transition>
@@ -39033,13 +38982,13 @@
   <p:clrMapOvr>
     <a:masterClrMapping/>
   </p:clrMapOvr>
-  <mc:AlternateContent xmlns:mc="http://schemas.openxmlformats.org/markup-compatibility/2006">
-    <mc:Choice xmlns:p14="http://schemas.microsoft.com/office/powerpoint/2010/main" Requires="p14">
+  <mc:AlternateContent xmlns:mc="http://schemas.openxmlformats.org/markup-compatibility/2006" xmlns:p14="http://schemas.microsoft.com/office/powerpoint/2010/main">
+    <mc:Choice Requires="p14">
       <p:transition spd="med" p14:dur="700">
         <p:fade/>
       </p:transition>
     </mc:Choice>
-    <mc:Fallback>
+    <mc:Fallback xmlns="">
       <p:transition spd="med">
         <p:fade/>
       </p:transition>
@@ -39436,13 +39385,13 @@
   <p:clrMapOvr>
     <a:masterClrMapping/>
   </p:clrMapOvr>
-  <mc:AlternateContent xmlns:mc="http://schemas.openxmlformats.org/markup-compatibility/2006">
-    <mc:Choice xmlns:p14="http://schemas.microsoft.com/office/powerpoint/2010/main" Requires="p14">
+  <mc:AlternateContent xmlns:mc="http://schemas.openxmlformats.org/markup-compatibility/2006" xmlns:p14="http://schemas.microsoft.com/office/powerpoint/2010/main">
+    <mc:Choice Requires="p14">
       <p:transition spd="med" p14:dur="700">
         <p:fade/>
       </p:transition>
     </mc:Choice>
-    <mc:Fallback>
+    <mc:Fallback xmlns="">
       <p:transition spd="med">
         <p:fade/>
       </p:transition>
@@ -39839,13 +39788,13 @@
   <p:clrMapOvr>
     <a:masterClrMapping/>
   </p:clrMapOvr>
-  <mc:AlternateContent xmlns:mc="http://schemas.openxmlformats.org/markup-compatibility/2006">
-    <mc:Choice xmlns:p14="http://schemas.microsoft.com/office/powerpoint/2010/main" Requires="p14">
+  <mc:AlternateContent xmlns:mc="http://schemas.openxmlformats.org/markup-compatibility/2006" xmlns:p14="http://schemas.microsoft.com/office/powerpoint/2010/main">
+    <mc:Choice Requires="p14">
       <p:transition spd="med" p14:dur="700">
         <p:fade/>
       </p:transition>
     </mc:Choice>
-    <mc:Fallback>
+    <mc:Fallback xmlns="">
       <p:transition spd="med">
         <p:fade/>
       </p:transition>
@@ -40242,13 +40191,13 @@
   <p:clrMapOvr>
     <a:masterClrMapping/>
   </p:clrMapOvr>
-  <mc:AlternateContent xmlns:mc="http://schemas.openxmlformats.org/markup-compatibility/2006">
-    <mc:Choice xmlns:p14="http://schemas.microsoft.com/office/powerpoint/2010/main" Requires="p14">
+  <mc:AlternateContent xmlns:mc="http://schemas.openxmlformats.org/markup-compatibility/2006" xmlns:p14="http://schemas.microsoft.com/office/powerpoint/2010/main">
+    <mc:Choice Requires="p14">
       <p:transition spd="med" p14:dur="700">
         <p:fade/>
       </p:transition>
     </mc:Choice>
-    <mc:Fallback>
+    <mc:Fallback xmlns="">
       <p:transition spd="med">
         <p:fade/>
       </p:transition>
@@ -40645,13 +40594,13 @@
   <p:clrMapOvr>
     <a:masterClrMapping/>
   </p:clrMapOvr>
-  <mc:AlternateContent xmlns:mc="http://schemas.openxmlformats.org/markup-compatibility/2006">
-    <mc:Choice xmlns:p14="http://schemas.microsoft.com/office/powerpoint/2010/main" Requires="p14">
+  <mc:AlternateContent xmlns:mc="http://schemas.openxmlformats.org/markup-compatibility/2006" xmlns:p14="http://schemas.microsoft.com/office/powerpoint/2010/main">
+    <mc:Choice Requires="p14">
       <p:transition spd="med" p14:dur="700">
         <p:fade/>
       </p:transition>
     </mc:Choice>
-    <mc:Fallback>
+    <mc:Fallback xmlns="">
       <p:transition spd="med">
         <p:fade/>
       </p:transition>

--- a/기말과제.pptx
+++ b/기말과제.pptx
@@ -32,7 +32,7 @@
     <p:sldId id="303" r:id="rId23"/>
     <p:sldId id="329" r:id="rId24"/>
     <p:sldId id="287" r:id="rId25"/>
-    <p:sldId id="315" r:id="rId26"/>
+    <p:sldId id="364" r:id="rId26"/>
     <p:sldId id="348" r:id="rId27"/>
     <p:sldId id="351" r:id="rId28"/>
     <p:sldId id="352" r:id="rId29"/>
@@ -30570,6 +30570,289 @@
           <a:chExt cx="0" cy="0"/>
         </a:xfrm>
       </p:grpSpPr>
+      <p:grpSp>
+        <p:nvGrpSpPr>
+          <p:cNvPr id="39" name="그룹 38">
+            <a:extLst>
+              <a:ext uri="{FF2B5EF4-FFF2-40B4-BE49-F238E27FC236}">
+                <a16:creationId xmlns:a16="http://schemas.microsoft.com/office/drawing/2014/main" id="{5AE8CE96-121F-E1E1-C732-19E54A31025A}"/>
+              </a:ext>
+            </a:extLst>
+          </p:cNvPr>
+          <p:cNvGrpSpPr>
+            <a:grpSpLocks noGrp="1" noUngrp="1" noRot="1" noMove="1" noResize="1"/>
+          </p:cNvGrpSpPr>
+          <p:nvPr/>
+        </p:nvGrpSpPr>
+        <p:grpSpPr>
+          <a:xfrm>
+            <a:off x="3939257" y="956441"/>
+            <a:ext cx="4313486" cy="3600000"/>
+            <a:chOff x="3939257" y="956441"/>
+            <a:chExt cx="4313486" cy="3600000"/>
+          </a:xfrm>
+        </p:grpSpPr>
+        <p:grpSp>
+          <p:nvGrpSpPr>
+            <p:cNvPr id="34" name="그룹 33">
+              <a:extLst>
+                <a:ext uri="{FF2B5EF4-FFF2-40B4-BE49-F238E27FC236}">
+                  <a16:creationId xmlns:a16="http://schemas.microsoft.com/office/drawing/2014/main" id="{86F99E34-0338-4A73-3490-2E37DFFE0ED4}"/>
+                </a:ext>
+              </a:extLst>
+            </p:cNvPr>
+            <p:cNvGrpSpPr>
+              <a:grpSpLocks noGrp="1" noUngrp="1" noRot="1" noMove="1" noResize="1"/>
+            </p:cNvGrpSpPr>
+            <p:nvPr/>
+          </p:nvGrpSpPr>
+          <p:grpSpPr>
+            <a:xfrm>
+              <a:off x="3939257" y="956441"/>
+              <a:ext cx="4313486" cy="3600000"/>
+              <a:chOff x="3939257" y="956441"/>
+              <a:chExt cx="4313486" cy="3600000"/>
+            </a:xfrm>
+          </p:grpSpPr>
+          <p:sp>
+            <p:nvSpPr>
+              <p:cNvPr id="10" name="타원 9">
+                <a:extLst>
+                  <a:ext uri="{FF2B5EF4-FFF2-40B4-BE49-F238E27FC236}">
+                    <a16:creationId xmlns:a16="http://schemas.microsoft.com/office/drawing/2014/main" id="{A81C7FE2-5A76-4C1A-8F4E-BBD5A32DB97A}"/>
+                  </a:ext>
+                </a:extLst>
+              </p:cNvPr>
+              <p:cNvSpPr>
+                <a:spLocks noGrp="1" noRot="1" noMove="1" noResize="1" noEditPoints="1" noAdjustHandles="1" noChangeArrowheads="1" noChangeShapeType="1"/>
+              </p:cNvSpPr>
+              <p:nvPr/>
+            </p:nvSpPr>
+            <p:spPr>
+              <a:xfrm rot="5400000">
+                <a:off x="4296000" y="599698"/>
+                <a:ext cx="3600000" cy="4313486"/>
+              </a:xfrm>
+              <a:prstGeom prst="ellipse">
+                <a:avLst/>
+              </a:prstGeom>
+              <a:solidFill>
+                <a:schemeClr val="accent2">
+                  <a:alpha val="80000"/>
+                </a:schemeClr>
+              </a:solidFill>
+              <a:ln>
+                <a:noFill/>
+              </a:ln>
+            </p:spPr>
+            <p:style>
+              <a:lnRef idx="2">
+                <a:schemeClr val="accent1">
+                  <a:shade val="50000"/>
+                </a:schemeClr>
+              </a:lnRef>
+              <a:fillRef idx="1">
+                <a:schemeClr val="accent1"/>
+              </a:fillRef>
+              <a:effectRef idx="0">
+                <a:schemeClr val="accent1"/>
+              </a:effectRef>
+              <a:fontRef idx="minor">
+                <a:schemeClr val="lt1"/>
+              </a:fontRef>
+            </p:style>
+            <p:txBody>
+              <a:bodyPr rtlCol="0" anchor="ctr"/>
+              <a:lstStyle/>
+              <a:p>
+                <a:pPr algn="ctr"/>
+                <a:endParaRPr lang="ko-KR" altLang="en-US"/>
+              </a:p>
+            </p:txBody>
+          </p:sp>
+          <p:sp>
+            <p:nvSpPr>
+              <p:cNvPr id="7" name="TextBox 6">
+                <a:extLst>
+                  <a:ext uri="{FF2B5EF4-FFF2-40B4-BE49-F238E27FC236}">
+                    <a16:creationId xmlns:a16="http://schemas.microsoft.com/office/drawing/2014/main" id="{9A7034D5-42A8-4241-9D66-9B53239DB210}"/>
+                  </a:ext>
+                </a:extLst>
+              </p:cNvPr>
+              <p:cNvSpPr txBox="1">
+                <a:spLocks noGrp="1" noRot="1" noMove="1" noResize="1" noEditPoints="1" noAdjustHandles="1" noChangeArrowheads="1" noChangeShapeType="1"/>
+              </p:cNvSpPr>
+              <p:nvPr/>
+            </p:nvSpPr>
+            <p:spPr>
+              <a:xfrm>
+                <a:off x="5522445" y="1048794"/>
+                <a:ext cx="1096774" cy="369332"/>
+              </a:xfrm>
+              <a:prstGeom prst="rect">
+                <a:avLst/>
+              </a:prstGeom>
+              <a:noFill/>
+            </p:spPr>
+            <p:txBody>
+              <a:bodyPr wrap="none" rtlCol="0">
+                <a:spAutoFit/>
+              </a:bodyPr>
+              <a:lstStyle/>
+              <a:p>
+                <a:pPr algn="ctr"/>
+                <a:r>
+                  <a:rPr lang="ko-KR" altLang="en-US" dirty="0">
+                    <a:solidFill>
+                      <a:schemeClr val="accent2">
+                        <a:lumMod val="20000"/>
+                        <a:lumOff val="80000"/>
+                      </a:schemeClr>
+                    </a:solidFill>
+                    <a:latin typeface="휴먼매직체" panose="02030504000101010101" pitchFamily="18" charset="-127"/>
+                    <a:ea typeface="휴먼매직체" panose="02030504000101010101" pitchFamily="18" charset="-127"/>
+                  </a:rPr>
+                  <a:t>개발</a:t>
+                </a:r>
+                <a:r>
+                  <a:rPr lang="en-US" altLang="ko-KR" dirty="0">
+                    <a:solidFill>
+                      <a:schemeClr val="accent2">
+                        <a:lumMod val="20000"/>
+                        <a:lumOff val="80000"/>
+                      </a:schemeClr>
+                    </a:solidFill>
+                    <a:latin typeface="휴먼매직체" panose="02030504000101010101" pitchFamily="18" charset="-127"/>
+                    <a:ea typeface="휴먼매직체" panose="02030504000101010101" pitchFamily="18" charset="-127"/>
+                  </a:rPr>
+                  <a:t>/</a:t>
+                </a:r>
+                <a:r>
+                  <a:rPr lang="ko-KR" altLang="en-US" dirty="0">
+                    <a:solidFill>
+                      <a:schemeClr val="accent2">
+                        <a:lumMod val="20000"/>
+                        <a:lumOff val="80000"/>
+                      </a:schemeClr>
+                    </a:solidFill>
+                    <a:latin typeface="휴먼매직체" panose="02030504000101010101" pitchFamily="18" charset="-127"/>
+                    <a:ea typeface="휴먼매직체" panose="02030504000101010101" pitchFamily="18" charset="-127"/>
+                  </a:rPr>
+                  <a:t>실행</a:t>
+                </a:r>
+              </a:p>
+            </p:txBody>
+          </p:sp>
+          <p:pic>
+            <p:nvPicPr>
+              <p:cNvPr id="23" name="그림 22">
+                <a:extLst>
+                  <a:ext uri="{FF2B5EF4-FFF2-40B4-BE49-F238E27FC236}">
+                    <a16:creationId xmlns:a16="http://schemas.microsoft.com/office/drawing/2014/main" id="{8C3CF9D3-1276-7A55-B535-19C592EE3CFF}"/>
+                  </a:ext>
+                </a:extLst>
+              </p:cNvPr>
+              <p:cNvPicPr>
+                <a:picLocks noGrp="1" noRot="1" noChangeAspect="1" noMove="1" noResize="1" noEditPoints="1" noAdjustHandles="1" noChangeArrowheads="1" noChangeShapeType="1" noCrop="1"/>
+              </p:cNvPicPr>
+              <p:nvPr/>
+            </p:nvPicPr>
+            <p:blipFill>
+              <a:blip r:embed="rId2">
+                <a:extLst>
+                  <a:ext uri="{28A0092B-C50C-407E-A947-70E740481C1C}">
+                    <a14:useLocalDpi xmlns:a14="http://schemas.microsoft.com/office/drawing/2010/main" val="0"/>
+                  </a:ext>
+                </a:extLst>
+              </a:blip>
+              <a:stretch>
+                <a:fillRect/>
+              </a:stretch>
+            </p:blipFill>
+            <p:spPr>
+              <a:xfrm>
+                <a:off x="4565707" y="1418126"/>
+                <a:ext cx="1325278" cy="1325278"/>
+              </a:xfrm>
+              <a:prstGeom prst="rect">
+                <a:avLst/>
+              </a:prstGeom>
+            </p:spPr>
+          </p:pic>
+          <p:pic>
+            <p:nvPicPr>
+              <p:cNvPr id="25" name="그림 24">
+                <a:extLst>
+                  <a:ext uri="{FF2B5EF4-FFF2-40B4-BE49-F238E27FC236}">
+                    <a16:creationId xmlns:a16="http://schemas.microsoft.com/office/drawing/2014/main" id="{02689628-409A-D468-549C-A38C7E22FDEE}"/>
+                  </a:ext>
+                </a:extLst>
+              </p:cNvPr>
+              <p:cNvPicPr>
+                <a:picLocks noGrp="1" noRot="1" noChangeAspect="1" noMove="1" noResize="1" noEditPoints="1" noAdjustHandles="1" noChangeArrowheads="1" noChangeShapeType="1" noCrop="1"/>
+              </p:cNvPicPr>
+              <p:nvPr/>
+            </p:nvPicPr>
+            <p:blipFill>
+              <a:blip r:embed="rId3">
+                <a:extLst>
+                  <a:ext uri="{28A0092B-C50C-407E-A947-70E740481C1C}">
+                    <a14:useLocalDpi xmlns:a14="http://schemas.microsoft.com/office/drawing/2010/main" val="0"/>
+                  </a:ext>
+                </a:extLst>
+              </a:blip>
+              <a:stretch>
+                <a:fillRect/>
+              </a:stretch>
+            </p:blipFill>
+            <p:spPr>
+              <a:xfrm>
+                <a:off x="6194498" y="1418126"/>
+                <a:ext cx="1325278" cy="1325278"/>
+              </a:xfrm>
+              <a:prstGeom prst="rect">
+                <a:avLst/>
+              </a:prstGeom>
+            </p:spPr>
+          </p:pic>
+        </p:grpSp>
+        <p:pic>
+          <p:nvPicPr>
+            <p:cNvPr id="38" name="그림 37">
+              <a:extLst>
+                <a:ext uri="{FF2B5EF4-FFF2-40B4-BE49-F238E27FC236}">
+                  <a16:creationId xmlns:a16="http://schemas.microsoft.com/office/drawing/2014/main" id="{E49B6D5F-A21E-4FE1-D6B3-06440820A440}"/>
+                </a:ext>
+              </a:extLst>
+            </p:cNvPr>
+            <p:cNvPicPr>
+              <a:picLocks noGrp="1" noRot="1" noChangeAspect="1" noMove="1" noResize="1" noEditPoints="1" noAdjustHandles="1" noChangeArrowheads="1" noChangeShapeType="1" noCrop="1"/>
+            </p:cNvPicPr>
+            <p:nvPr/>
+          </p:nvPicPr>
+          <p:blipFill>
+            <a:blip r:embed="rId4">
+              <a:extLst>
+                <a:ext uri="{28A0092B-C50C-407E-A947-70E740481C1C}">
+                  <a14:useLocalDpi xmlns:a14="http://schemas.microsoft.com/office/drawing/2010/main" val="0"/>
+                </a:ext>
+              </a:extLst>
+            </a:blip>
+            <a:stretch>
+              <a:fillRect/>
+            </a:stretch>
+          </p:blipFill>
+          <p:spPr>
+            <a:xfrm>
+              <a:off x="5237184" y="2486611"/>
+              <a:ext cx="1717631" cy="1231509"/>
+            </a:xfrm>
+            <a:prstGeom prst="rect">
+              <a:avLst/>
+            </a:prstGeom>
+          </p:spPr>
+        </p:pic>
+      </p:grpSp>
       <p:cxnSp>
         <p:nvCxnSpPr>
           <p:cNvPr id="4" name="직선 연결선 3">
@@ -30775,12 +31058,41 @@
           </a:p>
         </p:txBody>
       </p:sp>
+      <p:sp>
+        <p:nvSpPr>
+          <p:cNvPr id="15" name="슬라이드 번호 개체 틀 14">
+            <a:extLst>
+              <a:ext uri="{FF2B5EF4-FFF2-40B4-BE49-F238E27FC236}">
+                <a16:creationId xmlns:a16="http://schemas.microsoft.com/office/drawing/2014/main" id="{B1F2833C-41D4-F0C1-CE3D-B59EC6469C83}"/>
+              </a:ext>
+            </a:extLst>
+          </p:cNvPr>
+          <p:cNvSpPr>
+            <a:spLocks noGrp="1"/>
+          </p:cNvSpPr>
+          <p:nvPr>
+            <p:ph type="sldNum" sz="quarter" idx="12"/>
+          </p:nvPr>
+        </p:nvSpPr>
+        <p:spPr/>
+        <p:txBody>
+          <a:bodyPr/>
+          <a:lstStyle/>
+          <a:p>
+            <a:fld id="{5595EC94-8EAF-486A-983B-99B1085AE833}" type="slidenum">
+              <a:rPr lang="ko-KR" altLang="en-US" smtClean="0"/>
+              <a:t>24</a:t>
+            </a:fld>
+            <a:endParaRPr lang="ko-KR" altLang="en-US"/>
+          </a:p>
+        </p:txBody>
+      </p:sp>
       <p:grpSp>
         <p:nvGrpSpPr>
-          <p:cNvPr id="8" name="그룹 7">
+          <p:cNvPr id="28" name="그룹 27">
             <a:extLst>
               <a:ext uri="{FF2B5EF4-FFF2-40B4-BE49-F238E27FC236}">
-                <a16:creationId xmlns:a16="http://schemas.microsoft.com/office/drawing/2014/main" id="{4584462D-D1AA-4646-A16C-37BE2E5E4952}"/>
+                <a16:creationId xmlns:a16="http://schemas.microsoft.com/office/drawing/2014/main" id="{CBC99F1C-F731-EC76-827D-0F99E6DDF0ED}"/>
               </a:ext>
             </a:extLst>
           </p:cNvPr>
@@ -30790,19 +31102,19 @@
           <p:nvPr/>
         </p:nvGrpSpPr>
         <p:grpSpPr>
-          <a:xfrm rot="5400000">
-            <a:off x="200615" y="1698501"/>
-            <a:ext cx="5855412" cy="4313486"/>
-            <a:chOff x="3141134" y="1907446"/>
-            <a:chExt cx="5855412" cy="3600000"/>
+          <a:xfrm>
+            <a:off x="6642733" y="3011650"/>
+            <a:ext cx="4521244" cy="3600000"/>
+            <a:chOff x="6778305" y="911208"/>
+            <a:chExt cx="4521244" cy="3600000"/>
           </a:xfrm>
         </p:grpSpPr>
         <p:sp>
           <p:nvSpPr>
-            <p:cNvPr id="10" name="타원 9">
+            <p:cNvPr id="6" name="타원 5">
               <a:extLst>
                 <a:ext uri="{FF2B5EF4-FFF2-40B4-BE49-F238E27FC236}">
-                  <a16:creationId xmlns:a16="http://schemas.microsoft.com/office/drawing/2014/main" id="{A81C7FE2-5A76-4C1A-8F4E-BBD5A32DB97A}"/>
+                  <a16:creationId xmlns:a16="http://schemas.microsoft.com/office/drawing/2014/main" id="{5341F86F-02E1-7467-7610-D51B04ACA7E6}"/>
                 </a:ext>
               </a:extLst>
             </p:cNvPr>
@@ -30812,65 +31124,9 @@
             <p:nvPr/>
           </p:nvSpPr>
           <p:spPr>
-            <a:xfrm>
-              <a:off x="3141134" y="1907446"/>
-              <a:ext cx="3600000" cy="3600000"/>
-            </a:xfrm>
-            <a:prstGeom prst="ellipse">
-              <a:avLst/>
-            </a:prstGeom>
-            <a:solidFill>
-              <a:schemeClr val="accent2">
-                <a:alpha val="80000"/>
-              </a:schemeClr>
-            </a:solidFill>
-            <a:ln>
-              <a:noFill/>
-            </a:ln>
-          </p:spPr>
-          <p:style>
-            <a:lnRef idx="2">
-              <a:schemeClr val="accent1">
-                <a:shade val="50000"/>
-              </a:schemeClr>
-            </a:lnRef>
-            <a:fillRef idx="1">
-              <a:schemeClr val="accent1"/>
-            </a:fillRef>
-            <a:effectRef idx="0">
-              <a:schemeClr val="accent1"/>
-            </a:effectRef>
-            <a:fontRef idx="minor">
-              <a:schemeClr val="lt1"/>
-            </a:fontRef>
-          </p:style>
-          <p:txBody>
-            <a:bodyPr rtlCol="0" anchor="ctr"/>
-            <a:lstStyle/>
-            <a:p>
-              <a:pPr algn="ctr"/>
-              <a:endParaRPr lang="ko-KR" altLang="en-US"/>
-            </a:p>
-          </p:txBody>
-        </p:sp>
-        <p:sp>
-          <p:nvSpPr>
-            <p:cNvPr id="11" name="타원 10">
-              <a:extLst>
-                <a:ext uri="{FF2B5EF4-FFF2-40B4-BE49-F238E27FC236}">
-                  <a16:creationId xmlns:a16="http://schemas.microsoft.com/office/drawing/2014/main" id="{869B8532-74A5-4C9C-9F0F-AFCC184D8496}"/>
-                </a:ext>
-              </a:extLst>
-            </p:cNvPr>
-            <p:cNvSpPr>
-              <a:spLocks noGrp="1" noRot="1" noMove="1" noResize="1" noEditPoints="1" noAdjustHandles="1" noChangeArrowheads="1" noChangeShapeType="1"/>
-            </p:cNvSpPr>
-            <p:nvPr/>
-          </p:nvSpPr>
-          <p:spPr>
-            <a:xfrm>
-              <a:off x="5396546" y="1907446"/>
-              <a:ext cx="3600000" cy="3600000"/>
+            <a:xfrm rot="16200000">
+              <a:off x="7238927" y="450586"/>
+              <a:ext cx="3600000" cy="4521244"/>
             </a:xfrm>
             <a:prstGeom prst="ellipse">
               <a:avLst/>
@@ -30909,96 +31165,224 @@
             </a:p>
           </p:txBody>
         </p:sp>
+        <p:sp>
+          <p:nvSpPr>
+            <p:cNvPr id="14" name="TextBox 13">
+              <a:extLst>
+                <a:ext uri="{FF2B5EF4-FFF2-40B4-BE49-F238E27FC236}">
+                  <a16:creationId xmlns:a16="http://schemas.microsoft.com/office/drawing/2014/main" id="{16E9DB3A-2048-EAB6-36B7-616D8946E834}"/>
+                </a:ext>
+              </a:extLst>
+            </p:cNvPr>
+            <p:cNvSpPr txBox="1">
+              <a:spLocks noGrp="1" noRot="1" noMove="1" noResize="1" noEditPoints="1" noAdjustHandles="1" noChangeArrowheads="1" noChangeShapeType="1"/>
+            </p:cNvSpPr>
+            <p:nvPr/>
+          </p:nvSpPr>
+          <p:spPr>
+            <a:xfrm>
+              <a:off x="8567484" y="1036670"/>
+              <a:ext cx="942887" cy="369332"/>
+            </a:xfrm>
+            <a:prstGeom prst="rect">
+              <a:avLst/>
+            </a:prstGeom>
+            <a:noFill/>
+          </p:spPr>
+          <p:txBody>
+            <a:bodyPr wrap="none" rtlCol="0">
+              <a:spAutoFit/>
+            </a:bodyPr>
+            <a:lstStyle/>
+            <a:p>
+              <a:pPr algn="ctr"/>
+              <a:r>
+                <a:rPr lang="en-US" altLang="ko-KR">
+                  <a:solidFill>
+                    <a:schemeClr val="accent2">
+                      <a:lumMod val="75000"/>
+                    </a:schemeClr>
+                  </a:solidFill>
+                  <a:latin typeface="휴먼매직체" panose="02030504000101010101" pitchFamily="18" charset="-127"/>
+                  <a:ea typeface="휴먼매직체" panose="02030504000101010101" pitchFamily="18" charset="-127"/>
+                </a:rPr>
+                <a:t>DB/</a:t>
+              </a:r>
+              <a:r>
+                <a:rPr lang="ko-KR" altLang="en-US">
+                  <a:solidFill>
+                    <a:schemeClr val="accent2">
+                      <a:lumMod val="75000"/>
+                    </a:schemeClr>
+                  </a:solidFill>
+                  <a:latin typeface="휴먼매직체" panose="02030504000101010101" pitchFamily="18" charset="-127"/>
+                  <a:ea typeface="휴먼매직체" panose="02030504000101010101" pitchFamily="18" charset="-127"/>
+                </a:rPr>
+                <a:t>서버</a:t>
+              </a:r>
+              <a:endParaRPr lang="ko-KR" altLang="en-US" dirty="0">
+                <a:solidFill>
+                  <a:schemeClr val="accent2">
+                    <a:lumMod val="75000"/>
+                  </a:schemeClr>
+                </a:solidFill>
+                <a:latin typeface="휴먼매직체" panose="02030504000101010101" pitchFamily="18" charset="-127"/>
+                <a:ea typeface="휴먼매직체" panose="02030504000101010101" pitchFamily="18" charset="-127"/>
+              </a:endParaRPr>
+            </a:p>
+          </p:txBody>
+        </p:sp>
+        <p:pic>
+          <p:nvPicPr>
+            <p:cNvPr id="18" name="그림 17">
+              <a:extLst>
+                <a:ext uri="{FF2B5EF4-FFF2-40B4-BE49-F238E27FC236}">
+                  <a16:creationId xmlns:a16="http://schemas.microsoft.com/office/drawing/2014/main" id="{63068263-0F23-D4D1-2D01-B8BB0B0B3292}"/>
+                </a:ext>
+              </a:extLst>
+            </p:cNvPr>
+            <p:cNvPicPr>
+              <a:picLocks noGrp="1" noRot="1" noChangeAspect="1" noMove="1" noResize="1" noEditPoints="1" noAdjustHandles="1" noChangeArrowheads="1" noChangeShapeType="1" noCrop="1"/>
+            </p:cNvPicPr>
+            <p:nvPr/>
+          </p:nvPicPr>
+          <p:blipFill>
+            <a:blip r:embed="rId5" cstate="screen">
+              <a:extLst>
+                <a:ext uri="{28A0092B-C50C-407E-A947-70E740481C1C}">
+                  <a14:useLocalDpi xmlns:a14="http://schemas.microsoft.com/office/drawing/2010/main" val="0"/>
+                </a:ext>
+              </a:extLst>
+            </a:blip>
+            <a:stretch>
+              <a:fillRect/>
+            </a:stretch>
+          </p:blipFill>
+          <p:spPr>
+            <a:xfrm>
+              <a:off x="9735205" y="2435635"/>
+              <a:ext cx="1381326" cy="972619"/>
+            </a:xfrm>
+            <a:prstGeom prst="rect">
+              <a:avLst/>
+            </a:prstGeom>
+          </p:spPr>
+        </p:pic>
+        <p:pic>
+          <p:nvPicPr>
+            <p:cNvPr id="24" name="그림 23" descr="텍스트이(가) 표시된 사진&#10;&#10;자동 생성된 설명">
+              <a:extLst>
+                <a:ext uri="{FF2B5EF4-FFF2-40B4-BE49-F238E27FC236}">
+                  <a16:creationId xmlns:a16="http://schemas.microsoft.com/office/drawing/2014/main" id="{A25E9556-17A4-E831-67F4-C61A2DC976E7}"/>
+                </a:ext>
+              </a:extLst>
+            </p:cNvPr>
+            <p:cNvPicPr>
+              <a:picLocks noGrp="1" noRot="1" noChangeAspect="1" noMove="1" noResize="1" noEditPoints="1" noAdjustHandles="1" noChangeArrowheads="1" noChangeShapeType="1" noCrop="1"/>
+            </p:cNvPicPr>
+            <p:nvPr/>
+          </p:nvPicPr>
+          <p:blipFill>
+            <a:blip r:embed="rId6">
+              <a:extLst>
+                <a:ext uri="{28A0092B-C50C-407E-A947-70E740481C1C}">
+                  <a14:useLocalDpi xmlns:a14="http://schemas.microsoft.com/office/drawing/2010/main" val="0"/>
+                </a:ext>
+              </a:extLst>
+            </a:blip>
+            <a:stretch>
+              <a:fillRect/>
+            </a:stretch>
+          </p:blipFill>
+          <p:spPr>
+            <a:xfrm>
+              <a:off x="8433335" y="1513060"/>
+              <a:ext cx="1211176" cy="1145111"/>
+            </a:xfrm>
+            <a:prstGeom prst="rect">
+              <a:avLst/>
+            </a:prstGeom>
+          </p:spPr>
+        </p:pic>
+        <p:pic>
+          <p:nvPicPr>
+            <p:cNvPr id="27" name="그림 26">
+              <a:extLst>
+                <a:ext uri="{FF2B5EF4-FFF2-40B4-BE49-F238E27FC236}">
+                  <a16:creationId xmlns:a16="http://schemas.microsoft.com/office/drawing/2014/main" id="{661E6806-9713-7873-DCE2-E314CC616E90}"/>
+                </a:ext>
+              </a:extLst>
+            </p:cNvPr>
+            <p:cNvPicPr>
+              <a:picLocks noGrp="1" noRot="1" noChangeAspect="1" noMove="1" noResize="1" noEditPoints="1" noAdjustHandles="1" noChangeArrowheads="1" noChangeShapeType="1" noCrop="1"/>
+            </p:cNvPicPr>
+            <p:nvPr/>
+          </p:nvPicPr>
+          <p:blipFill>
+            <a:blip r:embed="rId7" cstate="screen">
+              <a:extLst>
+                <a:ext uri="{28A0092B-C50C-407E-A947-70E740481C1C}">
+                  <a14:useLocalDpi xmlns:a14="http://schemas.microsoft.com/office/drawing/2010/main" val="0"/>
+                </a:ext>
+              </a:extLst>
+            </a:blip>
+            <a:stretch>
+              <a:fillRect/>
+            </a:stretch>
+          </p:blipFill>
+          <p:spPr>
+            <a:xfrm>
+              <a:off x="7198362" y="2435635"/>
+              <a:ext cx="1062038" cy="1062038"/>
+            </a:xfrm>
+            <a:prstGeom prst="rect">
+              <a:avLst/>
+            </a:prstGeom>
+          </p:spPr>
+        </p:pic>
+        <p:pic>
+          <p:nvPicPr>
+            <p:cNvPr id="21" name="그림 20">
+              <a:extLst>
+                <a:ext uri="{FF2B5EF4-FFF2-40B4-BE49-F238E27FC236}">
+                  <a16:creationId xmlns:a16="http://schemas.microsoft.com/office/drawing/2014/main" id="{30C89C6B-B2BE-6534-7432-E60BFC145F76}"/>
+                </a:ext>
+              </a:extLst>
+            </p:cNvPr>
+            <p:cNvPicPr>
+              <a:picLocks noGrp="1" noRot="1" noChangeAspect="1" noMove="1" noResize="1" noEditPoints="1" noAdjustHandles="1" noChangeArrowheads="1" noChangeShapeType="1" noCrop="1"/>
+            </p:cNvPicPr>
+            <p:nvPr/>
+          </p:nvPicPr>
+          <p:blipFill>
+            <a:blip r:embed="rId8" cstate="screen">
+              <a:extLst>
+                <a:ext uri="{28A0092B-C50C-407E-A947-70E740481C1C}">
+                  <a14:useLocalDpi xmlns:a14="http://schemas.microsoft.com/office/drawing/2010/main" val="0"/>
+                </a:ext>
+              </a:extLst>
+            </a:blip>
+            <a:stretch>
+              <a:fillRect/>
+            </a:stretch>
+          </p:blipFill>
+          <p:spPr>
+            <a:xfrm>
+              <a:off x="8260400" y="3036787"/>
+              <a:ext cx="1557045" cy="1082406"/>
+            </a:xfrm>
+            <a:prstGeom prst="rect">
+              <a:avLst/>
+            </a:prstGeom>
+          </p:spPr>
+        </p:pic>
       </p:grpSp>
-      <p:sp>
-        <p:nvSpPr>
-          <p:cNvPr id="7" name="TextBox 6">
+      <p:grpSp>
+        <p:nvGrpSpPr>
+          <p:cNvPr id="36" name="그룹 35">
             <a:extLst>
               <a:ext uri="{FF2B5EF4-FFF2-40B4-BE49-F238E27FC236}">
-                <a16:creationId xmlns:a16="http://schemas.microsoft.com/office/drawing/2014/main" id="{9A7034D5-42A8-4241-9D66-9B53239DB210}"/>
-              </a:ext>
-            </a:extLst>
-          </p:cNvPr>
-          <p:cNvSpPr txBox="1">
-            <a:spLocks noGrp="1" noRot="1" noMove="1" noResize="1" noEditPoints="1" noAdjustHandles="1" noChangeArrowheads="1" noChangeShapeType="1"/>
-          </p:cNvSpPr>
-          <p:nvPr/>
-        </p:nvSpPr>
-        <p:spPr>
-          <a:xfrm>
-            <a:off x="2554766" y="1036670"/>
-            <a:ext cx="1096774" cy="369332"/>
-          </a:xfrm>
-          <a:prstGeom prst="rect">
-            <a:avLst/>
-          </a:prstGeom>
-          <a:noFill/>
-        </p:spPr>
-        <p:txBody>
-          <a:bodyPr wrap="none" rtlCol="0">
-            <a:spAutoFit/>
-          </a:bodyPr>
-          <a:lstStyle/>
-          <a:p>
-            <a:pPr algn="ctr"/>
-            <a:r>
-              <a:rPr lang="ko-KR" altLang="en-US">
-                <a:solidFill>
-                  <a:schemeClr val="accent2">
-                    <a:lumMod val="20000"/>
-                    <a:lumOff val="80000"/>
-                  </a:schemeClr>
-                </a:solidFill>
-                <a:latin typeface="휴먼매직체" panose="02030504000101010101" pitchFamily="18" charset="-127"/>
-                <a:ea typeface="휴먼매직체" panose="02030504000101010101" pitchFamily="18" charset="-127"/>
-              </a:rPr>
-              <a:t>개발</a:t>
-            </a:r>
-            <a:r>
-              <a:rPr lang="en-US" altLang="ko-KR">
-                <a:solidFill>
-                  <a:schemeClr val="accent2">
-                    <a:lumMod val="20000"/>
-                    <a:lumOff val="80000"/>
-                  </a:schemeClr>
-                </a:solidFill>
-                <a:latin typeface="휴먼매직체" panose="02030504000101010101" pitchFamily="18" charset="-127"/>
-                <a:ea typeface="휴먼매직체" panose="02030504000101010101" pitchFamily="18" charset="-127"/>
-              </a:rPr>
-              <a:t>/</a:t>
-            </a:r>
-            <a:r>
-              <a:rPr lang="ko-KR" altLang="en-US">
-                <a:solidFill>
-                  <a:schemeClr val="accent2">
-                    <a:lumMod val="20000"/>
-                    <a:lumOff val="80000"/>
-                  </a:schemeClr>
-                </a:solidFill>
-                <a:latin typeface="휴먼매직체" panose="02030504000101010101" pitchFamily="18" charset="-127"/>
-                <a:ea typeface="휴먼매직체" panose="02030504000101010101" pitchFamily="18" charset="-127"/>
-              </a:rPr>
-              <a:t>실행</a:t>
-            </a:r>
-            <a:endParaRPr lang="ko-KR" altLang="en-US" dirty="0">
-              <a:solidFill>
-                <a:schemeClr val="accent2">
-                  <a:lumMod val="20000"/>
-                  <a:lumOff val="80000"/>
-                </a:schemeClr>
-              </a:solidFill>
-              <a:latin typeface="휴먼매직체" panose="02030504000101010101" pitchFamily="18" charset="-127"/>
-              <a:ea typeface="휴먼매직체" panose="02030504000101010101" pitchFamily="18" charset="-127"/>
-            </a:endParaRPr>
-          </a:p>
-        </p:txBody>
-      </p:sp>
-      <p:grpSp>
-        <p:nvGrpSpPr>
-          <p:cNvPr id="2" name="그룹 1">
-            <a:extLst>
-              <a:ext uri="{FF2B5EF4-FFF2-40B4-BE49-F238E27FC236}">
-                <a16:creationId xmlns:a16="http://schemas.microsoft.com/office/drawing/2014/main" id="{7AEC74DB-E28A-0258-BCAB-3ABC1BF110B7}"/>
+                <a16:creationId xmlns:a16="http://schemas.microsoft.com/office/drawing/2014/main" id="{AF433DDF-528E-1118-9B31-430149BA99C9}"/>
               </a:ext>
             </a:extLst>
           </p:cNvPr>
@@ -31008,19 +31392,19 @@
           <p:nvPr/>
         </p:nvGrpSpPr>
         <p:grpSpPr>
-          <a:xfrm rot="16200000">
-            <a:off x="6111221" y="1578292"/>
-            <a:ext cx="5855412" cy="4521244"/>
-            <a:chOff x="3141134" y="1907446"/>
-            <a:chExt cx="5855412" cy="3600000"/>
+          <a:xfrm>
+            <a:off x="1206657" y="3011650"/>
+            <a:ext cx="4313486" cy="3600000"/>
+            <a:chOff x="1206657" y="3011650"/>
+            <a:chExt cx="4313486" cy="3600000"/>
           </a:xfrm>
         </p:grpSpPr>
         <p:sp>
           <p:nvSpPr>
-            <p:cNvPr id="3" name="타원 2">
+            <p:cNvPr id="11" name="타원 10">
               <a:extLst>
                 <a:ext uri="{FF2B5EF4-FFF2-40B4-BE49-F238E27FC236}">
-                  <a16:creationId xmlns:a16="http://schemas.microsoft.com/office/drawing/2014/main" id="{4226F056-6D56-210E-95FC-DD68DDED22CC}"/>
+                  <a16:creationId xmlns:a16="http://schemas.microsoft.com/office/drawing/2014/main" id="{869B8532-74A5-4C9C-9F0F-AFCC184D8496}"/>
                 </a:ext>
               </a:extLst>
             </p:cNvPr>
@@ -31030,65 +31414,9 @@
             <p:nvPr/>
           </p:nvSpPr>
           <p:spPr>
-            <a:xfrm>
-              <a:off x="3141134" y="1907446"/>
-              <a:ext cx="3600000" cy="3600000"/>
-            </a:xfrm>
-            <a:prstGeom prst="ellipse">
-              <a:avLst/>
-            </a:prstGeom>
-            <a:solidFill>
-              <a:schemeClr val="accent2">
-                <a:alpha val="80000"/>
-              </a:schemeClr>
-            </a:solidFill>
-            <a:ln>
-              <a:noFill/>
-            </a:ln>
-          </p:spPr>
-          <p:style>
-            <a:lnRef idx="2">
-              <a:schemeClr val="accent1">
-                <a:shade val="50000"/>
-              </a:schemeClr>
-            </a:lnRef>
-            <a:fillRef idx="1">
-              <a:schemeClr val="accent1"/>
-            </a:fillRef>
-            <a:effectRef idx="0">
-              <a:schemeClr val="accent1"/>
-            </a:effectRef>
-            <a:fontRef idx="minor">
-              <a:schemeClr val="lt1"/>
-            </a:fontRef>
-          </p:style>
-          <p:txBody>
-            <a:bodyPr rtlCol="0" anchor="ctr"/>
-            <a:lstStyle/>
-            <a:p>
-              <a:pPr algn="ctr"/>
-              <a:endParaRPr lang="ko-KR" altLang="en-US"/>
-            </a:p>
-          </p:txBody>
-        </p:sp>
-        <p:sp>
-          <p:nvSpPr>
-            <p:cNvPr id="6" name="타원 5">
-              <a:extLst>
-                <a:ext uri="{FF2B5EF4-FFF2-40B4-BE49-F238E27FC236}">
-                  <a16:creationId xmlns:a16="http://schemas.microsoft.com/office/drawing/2014/main" id="{5341F86F-02E1-7467-7610-D51B04ACA7E6}"/>
-                </a:ext>
-              </a:extLst>
-            </p:cNvPr>
-            <p:cNvSpPr>
-              <a:spLocks noGrp="1" noRot="1" noMove="1" noResize="1" noEditPoints="1" noAdjustHandles="1" noChangeArrowheads="1" noChangeShapeType="1"/>
-            </p:cNvSpPr>
-            <p:nvPr/>
-          </p:nvSpPr>
-          <p:spPr>
-            <a:xfrm>
-              <a:off x="5396546" y="1907446"/>
-              <a:ext cx="3600000" cy="3600000"/>
+            <a:xfrm rot="5400000">
+              <a:off x="1563400" y="2654907"/>
+              <a:ext cx="3600000" cy="4313486"/>
             </a:xfrm>
             <a:prstGeom prst="ellipse">
               <a:avLst/>
@@ -31127,40 +31455,50 @@
             </a:p>
           </p:txBody>
         </p:sp>
-      </p:grpSp>
-      <p:sp>
-        <p:nvSpPr>
-          <p:cNvPr id="12" name="TextBox 11">
-            <a:extLst>
-              <a:ext uri="{FF2B5EF4-FFF2-40B4-BE49-F238E27FC236}">
-                <a16:creationId xmlns:a16="http://schemas.microsoft.com/office/drawing/2014/main" id="{B75ABEF6-466C-8411-6B1B-E095C931311D}"/>
-              </a:ext>
-            </a:extLst>
-          </p:cNvPr>
-          <p:cNvSpPr txBox="1">
-            <a:spLocks noGrp="1" noRot="1" noMove="1" noResize="1" noEditPoints="1" noAdjustHandles="1" noChangeArrowheads="1" noChangeShapeType="1"/>
-          </p:cNvSpPr>
-          <p:nvPr/>
-        </p:nvSpPr>
-        <p:spPr>
-          <a:xfrm>
-            <a:off x="2729493" y="3654835"/>
-            <a:ext cx="747320" cy="369332"/>
-          </a:xfrm>
-          <a:prstGeom prst="rect">
-            <a:avLst/>
-          </a:prstGeom>
-          <a:noFill/>
-        </p:spPr>
-        <p:txBody>
-          <a:bodyPr wrap="none" rtlCol="0">
-            <a:spAutoFit/>
-          </a:bodyPr>
-          <a:lstStyle/>
-          <a:p>
-            <a:pPr algn="ctr"/>
-            <a:r>
-              <a:rPr lang="ko-KR" altLang="en-US">
+        <p:sp>
+          <p:nvSpPr>
+            <p:cNvPr id="12" name="TextBox 11">
+              <a:extLst>
+                <a:ext uri="{FF2B5EF4-FFF2-40B4-BE49-F238E27FC236}">
+                  <a16:creationId xmlns:a16="http://schemas.microsoft.com/office/drawing/2014/main" id="{B75ABEF6-466C-8411-6B1B-E095C931311D}"/>
+                </a:ext>
+              </a:extLst>
+            </p:cNvPr>
+            <p:cNvSpPr txBox="1">
+              <a:spLocks noGrp="1" noRot="1" noMove="1" noResize="1" noEditPoints="1" noAdjustHandles="1" noChangeArrowheads="1" noChangeShapeType="1"/>
+            </p:cNvSpPr>
+            <p:nvPr/>
+          </p:nvSpPr>
+          <p:spPr>
+            <a:xfrm>
+              <a:off x="2964572" y="3466756"/>
+              <a:ext cx="747320" cy="369332"/>
+            </a:xfrm>
+            <a:prstGeom prst="rect">
+              <a:avLst/>
+            </a:prstGeom>
+            <a:noFill/>
+          </p:spPr>
+          <p:txBody>
+            <a:bodyPr wrap="none" rtlCol="0">
+              <a:spAutoFit/>
+            </a:bodyPr>
+            <a:lstStyle/>
+            <a:p>
+              <a:pPr algn="ctr"/>
+              <a:r>
+                <a:rPr lang="ko-KR" altLang="en-US">
+                  <a:solidFill>
+                    <a:schemeClr val="accent2">
+                      <a:lumMod val="75000"/>
+                    </a:schemeClr>
+                  </a:solidFill>
+                  <a:latin typeface="휴먼매직체" panose="02030504000101010101" pitchFamily="18" charset="-127"/>
+                  <a:ea typeface="휴먼매직체" panose="02030504000101010101" pitchFamily="18" charset="-127"/>
+                </a:rPr>
+                <a:t>디자인</a:t>
+              </a:r>
+              <a:endParaRPr lang="ko-KR" altLang="en-US" dirty="0">
                 <a:solidFill>
                   <a:schemeClr val="accent2">
                     <a:lumMod val="75000"/>
@@ -31168,419 +31506,123 @@
                 </a:solidFill>
                 <a:latin typeface="휴먼매직체" panose="02030504000101010101" pitchFamily="18" charset="-127"/>
                 <a:ea typeface="휴먼매직체" panose="02030504000101010101" pitchFamily="18" charset="-127"/>
-              </a:rPr>
-              <a:t>디자인</a:t>
-            </a:r>
-            <a:endParaRPr lang="ko-KR" altLang="en-US" dirty="0">
-              <a:solidFill>
-                <a:schemeClr val="accent2">
-                  <a:lumMod val="75000"/>
-                </a:schemeClr>
-              </a:solidFill>
-              <a:latin typeface="휴먼매직체" panose="02030504000101010101" pitchFamily="18" charset="-127"/>
-              <a:ea typeface="휴먼매직체" panose="02030504000101010101" pitchFamily="18" charset="-127"/>
-            </a:endParaRPr>
-          </a:p>
-        </p:txBody>
-      </p:sp>
-      <p:sp>
-        <p:nvSpPr>
-          <p:cNvPr id="13" name="TextBox 12">
-            <a:extLst>
-              <a:ext uri="{FF2B5EF4-FFF2-40B4-BE49-F238E27FC236}">
-                <a16:creationId xmlns:a16="http://schemas.microsoft.com/office/drawing/2014/main" id="{BA589ED6-2357-1811-BBC7-3373FB82CF9D}"/>
-              </a:ext>
-            </a:extLst>
-          </p:cNvPr>
-          <p:cNvSpPr txBox="1">
-            <a:spLocks noGrp="1" noRot="1" noMove="1" noResize="1" noEditPoints="1" noAdjustHandles="1" noChangeArrowheads="1" noChangeShapeType="1"/>
-          </p:cNvSpPr>
-          <p:nvPr/>
-        </p:nvSpPr>
-        <p:spPr>
-          <a:xfrm>
-            <a:off x="8444050" y="3651034"/>
-            <a:ext cx="1189749" cy="369332"/>
-          </a:xfrm>
-          <a:prstGeom prst="rect">
-            <a:avLst/>
-          </a:prstGeom>
-          <a:noFill/>
-        </p:spPr>
-        <p:txBody>
-          <a:bodyPr wrap="none" rtlCol="0">
-            <a:spAutoFit/>
-          </a:bodyPr>
-          <a:lstStyle/>
-          <a:p>
-            <a:pPr algn="ctr"/>
-            <a:r>
-              <a:rPr lang="ko-KR" altLang="en-US" dirty="0">
-                <a:solidFill>
-                  <a:schemeClr val="accent2">
-                    <a:lumMod val="75000"/>
-                  </a:schemeClr>
-                </a:solidFill>
-                <a:latin typeface="휴먼매직체" panose="02030504000101010101" pitchFamily="18" charset="-127"/>
-                <a:ea typeface="휴먼매직체" panose="02030504000101010101" pitchFamily="18" charset="-127"/>
-              </a:rPr>
-              <a:t>콘텐츠 환경</a:t>
-            </a:r>
-          </a:p>
-        </p:txBody>
-      </p:sp>
-      <p:sp>
-        <p:nvSpPr>
-          <p:cNvPr id="14" name="TextBox 13">
-            <a:extLst>
-              <a:ext uri="{FF2B5EF4-FFF2-40B4-BE49-F238E27FC236}">
-                <a16:creationId xmlns:a16="http://schemas.microsoft.com/office/drawing/2014/main" id="{16E9DB3A-2048-EAB6-36B7-616D8946E834}"/>
-              </a:ext>
-            </a:extLst>
-          </p:cNvPr>
-          <p:cNvSpPr txBox="1">
-            <a:spLocks noGrp="1" noRot="1" noMove="1" noResize="1" noEditPoints="1" noAdjustHandles="1" noChangeArrowheads="1" noChangeShapeType="1"/>
-          </p:cNvSpPr>
-          <p:nvPr/>
-        </p:nvSpPr>
-        <p:spPr>
-          <a:xfrm>
-            <a:off x="8567484" y="1036670"/>
-            <a:ext cx="942887" cy="369332"/>
-          </a:xfrm>
-          <a:prstGeom prst="rect">
-            <a:avLst/>
-          </a:prstGeom>
-          <a:noFill/>
-        </p:spPr>
-        <p:txBody>
-          <a:bodyPr wrap="none" rtlCol="0">
-            <a:spAutoFit/>
-          </a:bodyPr>
-          <a:lstStyle/>
-          <a:p>
-            <a:pPr algn="ctr"/>
-            <a:r>
-              <a:rPr lang="en-US" altLang="ko-KR">
-                <a:solidFill>
-                  <a:schemeClr val="accent2">
-                    <a:lumMod val="75000"/>
-                  </a:schemeClr>
-                </a:solidFill>
-                <a:latin typeface="휴먼매직체" panose="02030504000101010101" pitchFamily="18" charset="-127"/>
-                <a:ea typeface="휴먼매직체" panose="02030504000101010101" pitchFamily="18" charset="-127"/>
-              </a:rPr>
-              <a:t>DB/</a:t>
-            </a:r>
-            <a:r>
-              <a:rPr lang="ko-KR" altLang="en-US">
-                <a:solidFill>
-                  <a:schemeClr val="accent2">
-                    <a:lumMod val="75000"/>
-                  </a:schemeClr>
-                </a:solidFill>
-                <a:latin typeface="휴먼매직체" panose="02030504000101010101" pitchFamily="18" charset="-127"/>
-                <a:ea typeface="휴먼매직체" panose="02030504000101010101" pitchFamily="18" charset="-127"/>
-              </a:rPr>
-              <a:t>서버</a:t>
-            </a:r>
-            <a:endParaRPr lang="ko-KR" altLang="en-US" dirty="0">
-              <a:solidFill>
-                <a:schemeClr val="accent2">
-                  <a:lumMod val="75000"/>
-                </a:schemeClr>
-              </a:solidFill>
-              <a:latin typeface="휴먼매직체" panose="02030504000101010101" pitchFamily="18" charset="-127"/>
-              <a:ea typeface="휴먼매직체" panose="02030504000101010101" pitchFamily="18" charset="-127"/>
-            </a:endParaRPr>
-          </a:p>
-        </p:txBody>
-      </p:sp>
-      <p:sp>
-        <p:nvSpPr>
-          <p:cNvPr id="15" name="슬라이드 번호 개체 틀 14">
-            <a:extLst>
-              <a:ext uri="{FF2B5EF4-FFF2-40B4-BE49-F238E27FC236}">
-                <a16:creationId xmlns:a16="http://schemas.microsoft.com/office/drawing/2014/main" id="{B1F2833C-41D4-F0C1-CE3D-B59EC6469C83}"/>
-              </a:ext>
-            </a:extLst>
-          </p:cNvPr>
-          <p:cNvSpPr>
-            <a:spLocks noGrp="1"/>
-          </p:cNvSpPr>
-          <p:nvPr>
-            <p:ph type="sldNum" sz="quarter" idx="12"/>
-          </p:nvPr>
-        </p:nvSpPr>
-        <p:spPr/>
-        <p:txBody>
-          <a:bodyPr/>
-          <a:lstStyle/>
-          <a:p>
-            <a:fld id="{5595EC94-8EAF-486A-983B-99B1085AE833}" type="slidenum">
-              <a:rPr lang="ko-KR" altLang="en-US" smtClean="0"/>
-              <a:t>24</a:t>
-            </a:fld>
-            <a:endParaRPr lang="ko-KR" altLang="en-US"/>
-          </a:p>
-        </p:txBody>
-      </p:sp>
-      <p:pic>
-        <p:nvPicPr>
-          <p:cNvPr id="17" name="그림 16">
-            <a:extLst>
-              <a:ext uri="{FF2B5EF4-FFF2-40B4-BE49-F238E27FC236}">
-                <a16:creationId xmlns:a16="http://schemas.microsoft.com/office/drawing/2014/main" id="{BC4F4A47-7470-5F95-B2E9-2F4231028B9B}"/>
-              </a:ext>
-            </a:extLst>
-          </p:cNvPr>
-          <p:cNvPicPr>
-            <a:picLocks noGrp="1" noRot="1" noChangeAspect="1" noMove="1" noResize="1" noEditPoints="1" noAdjustHandles="1" noChangeArrowheads="1" noChangeShapeType="1" noCrop="1"/>
-          </p:cNvPicPr>
-          <p:nvPr/>
-        </p:nvPicPr>
-        <p:blipFill>
-          <a:blip r:embed="rId2" cstate="screen">
-            <a:extLst>
-              <a:ext uri="{28A0092B-C50C-407E-A947-70E740481C1C}">
-                <a14:useLocalDpi xmlns:a14="http://schemas.microsoft.com/office/drawing/2010/main" val="0"/>
-              </a:ext>
-            </a:extLst>
-          </a:blip>
-          <a:stretch>
-            <a:fillRect/>
-          </a:stretch>
-        </p:blipFill>
-        <p:spPr>
-          <a:xfrm>
-            <a:off x="2577135" y="4297208"/>
-            <a:ext cx="1052035" cy="1052035"/>
-          </a:xfrm>
-          <a:prstGeom prst="rect">
-            <a:avLst/>
-          </a:prstGeom>
-        </p:spPr>
-      </p:pic>
-      <p:pic>
-        <p:nvPicPr>
-          <p:cNvPr id="19" name="그림 18">
-            <a:extLst>
-              <a:ext uri="{FF2B5EF4-FFF2-40B4-BE49-F238E27FC236}">
-                <a16:creationId xmlns:a16="http://schemas.microsoft.com/office/drawing/2014/main" id="{2F144570-72F4-6AD5-313E-63970DDB0A87}"/>
-              </a:ext>
-            </a:extLst>
-          </p:cNvPr>
-          <p:cNvPicPr>
-            <a:picLocks noGrp="1" noRot="1" noChangeAspect="1" noMove="1" noResize="1" noEditPoints="1" noAdjustHandles="1" noChangeArrowheads="1" noChangeShapeType="1" noCrop="1"/>
-          </p:cNvPicPr>
-          <p:nvPr/>
-        </p:nvPicPr>
-        <p:blipFill>
-          <a:blip r:embed="rId3" cstate="screen">
-            <a:extLst>
-              <a:ext uri="{28A0092B-C50C-407E-A947-70E740481C1C}">
-                <a14:useLocalDpi xmlns:a14="http://schemas.microsoft.com/office/drawing/2010/main" val="0"/>
-              </a:ext>
-            </a:extLst>
-          </a:blip>
-          <a:stretch>
-            <a:fillRect/>
-          </a:stretch>
-        </p:blipFill>
-        <p:spPr>
-          <a:xfrm>
-            <a:off x="1295566" y="4297209"/>
-            <a:ext cx="1052034" cy="1052034"/>
-          </a:xfrm>
-          <a:prstGeom prst="rect">
-            <a:avLst/>
-          </a:prstGeom>
-        </p:spPr>
-      </p:pic>
-      <p:pic>
-        <p:nvPicPr>
-          <p:cNvPr id="23" name="그림 22">
-            <a:extLst>
-              <a:ext uri="{FF2B5EF4-FFF2-40B4-BE49-F238E27FC236}">
-                <a16:creationId xmlns:a16="http://schemas.microsoft.com/office/drawing/2014/main" id="{8C3CF9D3-1276-7A55-B535-19C592EE3CFF}"/>
-              </a:ext>
-            </a:extLst>
-          </p:cNvPr>
-          <p:cNvPicPr>
-            <a:picLocks noGrp="1" noRot="1" noChangeAspect="1" noMove="1" noResize="1" noEditPoints="1" noAdjustHandles="1" noChangeArrowheads="1" noChangeShapeType="1" noCrop="1"/>
-          </p:cNvPicPr>
-          <p:nvPr/>
-        </p:nvPicPr>
-        <p:blipFill>
-          <a:blip r:embed="rId4">
-            <a:extLst>
-              <a:ext uri="{28A0092B-C50C-407E-A947-70E740481C1C}">
-                <a14:useLocalDpi xmlns:a14="http://schemas.microsoft.com/office/drawing/2010/main" val="0"/>
-              </a:ext>
-            </a:extLst>
-          </a:blip>
-          <a:stretch>
-            <a:fillRect/>
-          </a:stretch>
-        </p:blipFill>
-        <p:spPr>
-          <a:xfrm>
-            <a:off x="1573000" y="1685815"/>
-            <a:ext cx="1325278" cy="1325278"/>
-          </a:xfrm>
-          <a:prstGeom prst="rect">
-            <a:avLst/>
-          </a:prstGeom>
-        </p:spPr>
-      </p:pic>
-      <p:pic>
-        <p:nvPicPr>
-          <p:cNvPr id="25" name="그림 24">
-            <a:extLst>
-              <a:ext uri="{FF2B5EF4-FFF2-40B4-BE49-F238E27FC236}">
-                <a16:creationId xmlns:a16="http://schemas.microsoft.com/office/drawing/2014/main" id="{02689628-409A-D468-549C-A38C7E22FDEE}"/>
-              </a:ext>
-            </a:extLst>
-          </p:cNvPr>
-          <p:cNvPicPr>
-            <a:picLocks noGrp="1" noRot="1" noChangeAspect="1" noMove="1" noResize="1" noEditPoints="1" noAdjustHandles="1" noChangeArrowheads="1" noChangeShapeType="1" noCrop="1"/>
-          </p:cNvPicPr>
-          <p:nvPr/>
-        </p:nvPicPr>
-        <p:blipFill>
-          <a:blip r:embed="rId5">
-            <a:extLst>
-              <a:ext uri="{28A0092B-C50C-407E-A947-70E740481C1C}">
-                <a14:useLocalDpi xmlns:a14="http://schemas.microsoft.com/office/drawing/2010/main" val="0"/>
-              </a:ext>
-            </a:extLst>
-          </a:blip>
-          <a:stretch>
-            <a:fillRect/>
-          </a:stretch>
-        </p:blipFill>
-        <p:spPr>
-          <a:xfrm>
-            <a:off x="3295167" y="1685815"/>
-            <a:ext cx="1325278" cy="1325278"/>
-          </a:xfrm>
-          <a:prstGeom prst="rect">
-            <a:avLst/>
-          </a:prstGeom>
-        </p:spPr>
-      </p:pic>
-      <p:pic>
-        <p:nvPicPr>
-          <p:cNvPr id="29" name="그림 28">
-            <a:extLst>
-              <a:ext uri="{FF2B5EF4-FFF2-40B4-BE49-F238E27FC236}">
-                <a16:creationId xmlns:a16="http://schemas.microsoft.com/office/drawing/2014/main" id="{F173BDA9-8514-33C4-0E0A-28677657D2F3}"/>
-              </a:ext>
-            </a:extLst>
-          </p:cNvPr>
-          <p:cNvPicPr>
-            <a:picLocks noGrp="1" noRot="1" noChangeAspect="1" noMove="1" noResize="1" noEditPoints="1" noAdjustHandles="1" noChangeArrowheads="1" noChangeShapeType="1" noCrop="1"/>
-          </p:cNvPicPr>
-          <p:nvPr/>
-        </p:nvPicPr>
-        <p:blipFill>
-          <a:blip r:embed="rId6" cstate="screen">
-            <a:extLst>
-              <a:ext uri="{28A0092B-C50C-407E-A947-70E740481C1C}">
-                <a14:useLocalDpi xmlns:a14="http://schemas.microsoft.com/office/drawing/2010/main" val="0"/>
-              </a:ext>
-            </a:extLst>
-          </a:blip>
-          <a:stretch>
-            <a:fillRect/>
-          </a:stretch>
-        </p:blipFill>
-        <p:spPr>
-          <a:xfrm>
-            <a:off x="3858705" y="4297208"/>
-            <a:ext cx="1052035" cy="1052035"/>
-          </a:xfrm>
-          <a:prstGeom prst="rect">
-            <a:avLst/>
-          </a:prstGeom>
-        </p:spPr>
-      </p:pic>
-      <p:pic>
-        <p:nvPicPr>
-          <p:cNvPr id="31" name="그림 30">
-            <a:extLst>
-              <a:ext uri="{FF2B5EF4-FFF2-40B4-BE49-F238E27FC236}">
-                <a16:creationId xmlns:a16="http://schemas.microsoft.com/office/drawing/2014/main" id="{497B9B12-0A09-B3D1-68E8-8429A690E9EC}"/>
-              </a:ext>
-            </a:extLst>
-          </p:cNvPr>
-          <p:cNvPicPr>
-            <a:picLocks noGrp="1" noRot="1" noChangeAspect="1" noMove="1" noResize="1" noEditPoints="1" noAdjustHandles="1" noChangeArrowheads="1" noChangeShapeType="1" noCrop="1"/>
-          </p:cNvPicPr>
-          <p:nvPr/>
-        </p:nvPicPr>
-        <p:blipFill>
-          <a:blip r:embed="rId7">
-            <a:extLst>
-              <a:ext uri="{28A0092B-C50C-407E-A947-70E740481C1C}">
-                <a14:useLocalDpi xmlns:a14="http://schemas.microsoft.com/office/drawing/2010/main" val="0"/>
-              </a:ext>
-            </a:extLst>
-          </a:blip>
-          <a:stretch>
-            <a:fillRect/>
-          </a:stretch>
-        </p:blipFill>
-        <p:spPr>
-          <a:xfrm>
-            <a:off x="8253110" y="1609977"/>
-            <a:ext cx="1571625" cy="1485900"/>
-          </a:xfrm>
-          <a:prstGeom prst="rect">
-            <a:avLst/>
-          </a:prstGeom>
-        </p:spPr>
-      </p:pic>
-      <p:pic>
-        <p:nvPicPr>
-          <p:cNvPr id="33" name="그림 32">
-            <a:extLst>
-              <a:ext uri="{FF2B5EF4-FFF2-40B4-BE49-F238E27FC236}">
-                <a16:creationId xmlns:a16="http://schemas.microsoft.com/office/drawing/2014/main" id="{343B1FF6-C39E-68A3-5F22-0FBBA8405136}"/>
-              </a:ext>
-            </a:extLst>
-          </p:cNvPr>
-          <p:cNvPicPr>
-            <a:picLocks noGrp="1" noRot="1" noChangeAspect="1" noMove="1" noResize="1" noEditPoints="1" noAdjustHandles="1" noChangeArrowheads="1" noChangeShapeType="1" noCrop="1"/>
-          </p:cNvPicPr>
-          <p:nvPr/>
-        </p:nvPicPr>
-        <p:blipFill>
-          <a:blip r:embed="rId8">
-            <a:extLst>
-              <a:ext uri="{28A0092B-C50C-407E-A947-70E740481C1C}">
-                <a14:useLocalDpi xmlns:a14="http://schemas.microsoft.com/office/drawing/2010/main" val="0"/>
-              </a:ext>
-            </a:extLst>
-          </a:blip>
-          <a:stretch>
-            <a:fillRect/>
-          </a:stretch>
-        </p:blipFill>
-        <p:spPr>
-          <a:xfrm>
-            <a:off x="8253111" y="4296336"/>
-            <a:ext cx="1571625" cy="1485900"/>
-          </a:xfrm>
-          <a:prstGeom prst="rect">
-            <a:avLst/>
-          </a:prstGeom>
-        </p:spPr>
-      </p:pic>
+              </a:endParaRPr>
+            </a:p>
+          </p:txBody>
+        </p:sp>
+        <p:pic>
+          <p:nvPicPr>
+            <p:cNvPr id="17" name="그림 16">
+              <a:extLst>
+                <a:ext uri="{FF2B5EF4-FFF2-40B4-BE49-F238E27FC236}">
+                  <a16:creationId xmlns:a16="http://schemas.microsoft.com/office/drawing/2014/main" id="{BC4F4A47-7470-5F95-B2E9-2F4231028B9B}"/>
+                </a:ext>
+              </a:extLst>
+            </p:cNvPr>
+            <p:cNvPicPr>
+              <a:picLocks noGrp="1" noRot="1" noChangeAspect="1" noMove="1" noResize="1" noEditPoints="1" noAdjustHandles="1" noChangeArrowheads="1" noChangeShapeType="1" noCrop="1"/>
+            </p:cNvPicPr>
+            <p:nvPr/>
+          </p:nvPicPr>
+          <p:blipFill>
+            <a:blip r:embed="rId9" cstate="screen">
+              <a:extLst>
+                <a:ext uri="{28A0092B-C50C-407E-A947-70E740481C1C}">
+                  <a14:useLocalDpi xmlns:a14="http://schemas.microsoft.com/office/drawing/2010/main" val="0"/>
+                </a:ext>
+              </a:extLst>
+            </a:blip>
+            <a:stretch>
+              <a:fillRect/>
+            </a:stretch>
+          </p:blipFill>
+          <p:spPr>
+            <a:xfrm>
+              <a:off x="2810854" y="4337063"/>
+              <a:ext cx="1052035" cy="1052035"/>
+            </a:xfrm>
+            <a:prstGeom prst="rect">
+              <a:avLst/>
+            </a:prstGeom>
+          </p:spPr>
+        </p:pic>
+        <p:pic>
+          <p:nvPicPr>
+            <p:cNvPr id="19" name="그림 18">
+              <a:extLst>
+                <a:ext uri="{FF2B5EF4-FFF2-40B4-BE49-F238E27FC236}">
+                  <a16:creationId xmlns:a16="http://schemas.microsoft.com/office/drawing/2014/main" id="{2F144570-72F4-6AD5-313E-63970DDB0A87}"/>
+                </a:ext>
+              </a:extLst>
+            </p:cNvPr>
+            <p:cNvPicPr>
+              <a:picLocks noGrp="1" noRot="1" noChangeAspect="1" noMove="1" noResize="1" noEditPoints="1" noAdjustHandles="1" noChangeArrowheads="1" noChangeShapeType="1" noCrop="1"/>
+            </p:cNvPicPr>
+            <p:nvPr/>
+          </p:nvPicPr>
+          <p:blipFill>
+            <a:blip r:embed="rId10" cstate="screen">
+              <a:extLst>
+                <a:ext uri="{28A0092B-C50C-407E-A947-70E740481C1C}">
+                  <a14:useLocalDpi xmlns:a14="http://schemas.microsoft.com/office/drawing/2010/main" val="0"/>
+                </a:ext>
+              </a:extLst>
+            </a:blip>
+            <a:stretch>
+              <a:fillRect/>
+            </a:stretch>
+          </p:blipFill>
+          <p:spPr>
+            <a:xfrm>
+              <a:off x="1520923" y="4337063"/>
+              <a:ext cx="1052034" cy="1052034"/>
+            </a:xfrm>
+            <a:prstGeom prst="rect">
+              <a:avLst/>
+            </a:prstGeom>
+          </p:spPr>
+        </p:pic>
+        <p:pic>
+          <p:nvPicPr>
+            <p:cNvPr id="29" name="그림 28">
+              <a:extLst>
+                <a:ext uri="{FF2B5EF4-FFF2-40B4-BE49-F238E27FC236}">
+                  <a16:creationId xmlns:a16="http://schemas.microsoft.com/office/drawing/2014/main" id="{F173BDA9-8514-33C4-0E0A-28677657D2F3}"/>
+                </a:ext>
+              </a:extLst>
+            </p:cNvPr>
+            <p:cNvPicPr>
+              <a:picLocks noGrp="1" noRot="1" noChangeAspect="1" noMove="1" noResize="1" noEditPoints="1" noAdjustHandles="1" noChangeArrowheads="1" noChangeShapeType="1" noCrop="1"/>
+            </p:cNvPicPr>
+            <p:nvPr/>
+          </p:nvPicPr>
+          <p:blipFill>
+            <a:blip r:embed="rId11" cstate="screen">
+              <a:extLst>
+                <a:ext uri="{28A0092B-C50C-407E-A947-70E740481C1C}">
+                  <a14:useLocalDpi xmlns:a14="http://schemas.microsoft.com/office/drawing/2010/main" val="0"/>
+                </a:ext>
+              </a:extLst>
+            </a:blip>
+            <a:stretch>
+              <a:fillRect/>
+            </a:stretch>
+          </p:blipFill>
+          <p:spPr>
+            <a:xfrm>
+              <a:off x="4100786" y="4337063"/>
+              <a:ext cx="1052035" cy="1052035"/>
+            </a:xfrm>
+            <a:prstGeom prst="rect">
+              <a:avLst/>
+            </a:prstGeom>
+          </p:spPr>
+        </p:pic>
+      </p:grpSp>
     </p:spTree>
     <p:extLst>
       <p:ext uri="{BB962C8B-B14F-4D97-AF65-F5344CB8AC3E}">
-        <p14:creationId xmlns:p14="http://schemas.microsoft.com/office/powerpoint/2010/main" val="1223519548"/>
+        <p14:creationId xmlns:p14="http://schemas.microsoft.com/office/powerpoint/2010/main" val="4018113464"/>
       </p:ext>
     </p:extLst>
   </p:cSld>
